--- a/docs/UML Diagrams.pptx
+++ b/docs/UML Diagrams.pptx
@@ -6,18 +6,19 @@
     <p:sldMasterId id="2147483660" r:id="rId2"/>
   </p:sldMasterIdLst>
   <p:notesMasterIdLst>
-    <p:notesMasterId r:id="rId12"/>
+    <p:notesMasterId r:id="rId13"/>
   </p:notesMasterIdLst>
   <p:sldIdLst>
     <p:sldId id="273" r:id="rId3"/>
     <p:sldId id="274" r:id="rId4"/>
-    <p:sldId id="259" r:id="rId5"/>
-    <p:sldId id="262" r:id="rId6"/>
-    <p:sldId id="260" r:id="rId7"/>
-    <p:sldId id="261" r:id="rId8"/>
-    <p:sldId id="268" r:id="rId9"/>
-    <p:sldId id="269" r:id="rId10"/>
-    <p:sldId id="271" r:id="rId11"/>
+    <p:sldId id="272" r:id="rId5"/>
+    <p:sldId id="259" r:id="rId6"/>
+    <p:sldId id="262" r:id="rId7"/>
+    <p:sldId id="260" r:id="rId8"/>
+    <p:sldId id="261" r:id="rId9"/>
+    <p:sldId id="268" r:id="rId10"/>
+    <p:sldId id="269" r:id="rId11"/>
+    <p:sldId id="271" r:id="rId12"/>
   </p:sldIdLst>
   <p:sldSz cx="12192000" cy="6858000"/>
   <p:notesSz cx="6858000" cy="9144000"/>
@@ -128,6 +129,11 @@
         <p14:section name="View" id="{9DA2FE43-C71B-4B78-A9C9-6C19A1C4F6FA}">
           <p14:sldIdLst/>
         </p14:section>
+        <p14:section name="list by category&amp;time" id="{B8DE2B35-3991-4D27-AF05-C2200B339A02}">
+          <p14:sldIdLst>
+            <p14:sldId id="272"/>
+          </p14:sldIdLst>
+        </p14:section>
         <p14:section name="Shapes" id="{8B5A42F4-DE71-42EF-A56E-C1A1DE3D4272}">
           <p14:sldIdLst>
             <p14:sldId id="259"/>
@@ -140,6 +146,9 @@
           </p14:sldIdLst>
         </p14:section>
       </p14:sectionLst>
+    </p:ext>
+    <p:ext uri="{EFAFB233-063F-42B5-8137-9DF3F51BA10A}">
+      <p15:sldGuideLst xmlns:p15="http://schemas.microsoft.com/office/powerpoint/2012/main"/>
     </p:ext>
   </p:extLst>
 </p:presentation>
@@ -855,152 +864,6 @@
                 <a:tabLst/>
                 <a:defRPr/>
               </a:pPr>
-              <a:t>3</a:t>
-            </a:fld>
-            <a:endParaRPr kumimoji="0" lang="en-US" sz="1300" b="0" i="0" u="none" strike="noStrike" kern="1200" cap="none" spc="0" normalizeH="0" baseline="0" noProof="0">
-              <a:ln>
-                <a:noFill/>
-              </a:ln>
-              <a:solidFill>
-                <a:prstClr val="black"/>
-              </a:solidFill>
-              <a:effectLst/>
-              <a:uLnTx/>
-              <a:uFillTx/>
-              <a:latin typeface="Calibri"/>
-              <a:ea typeface="+mn-ea"/>
-              <a:cs typeface="+mn-cs"/>
-            </a:endParaRPr>
-          </a:p>
-        </p:txBody>
-      </p:sp>
-    </p:spTree>
-    <p:extLst>
-      <p:ext uri="{BB962C8B-B14F-4D97-AF65-F5344CB8AC3E}">
-        <p14:creationId xmlns:p14="http://schemas.microsoft.com/office/powerpoint/2010/main" val="265136881"/>
-      </p:ext>
-    </p:extLst>
-  </p:cSld>
-  <p:clrMapOvr>
-    <a:masterClrMapping/>
-  </p:clrMapOvr>
-</p:notes>
-</file>
-
-<file path=ppt/notesSlides/notesSlide4.xml><?xml version="1.0" encoding="utf-8"?>
-<p:notes xmlns:a="http://schemas.openxmlformats.org/drawingml/2006/main" xmlns:r="http://schemas.openxmlformats.org/officeDocument/2006/relationships" xmlns:p="http://schemas.openxmlformats.org/presentationml/2006/main">
-  <p:cSld>
-    <p:spTree>
-      <p:nvGrpSpPr>
-        <p:cNvPr id="1" name=""/>
-        <p:cNvGrpSpPr/>
-        <p:nvPr/>
-      </p:nvGrpSpPr>
-      <p:grpSpPr>
-        <a:xfrm>
-          <a:off x="0" y="0"/>
-          <a:ext cx="0" cy="0"/>
-          <a:chOff x="0" y="0"/>
-          <a:chExt cx="0" cy="0"/>
-        </a:xfrm>
-      </p:grpSpPr>
-      <p:sp>
-        <p:nvSpPr>
-          <p:cNvPr id="2" name="Slide Image Placeholder 1"/>
-          <p:cNvSpPr>
-            <a:spLocks noGrp="1" noRot="1" noChangeAspect="1"/>
-          </p:cNvSpPr>
-          <p:nvPr>
-            <p:ph type="sldImg"/>
-          </p:nvPr>
-        </p:nvSpPr>
-        <p:spPr/>
-      </p:sp>
-      <p:sp>
-        <p:nvSpPr>
-          <p:cNvPr id="3" name="Notes Placeholder 2"/>
-          <p:cNvSpPr>
-            <a:spLocks noGrp="1"/>
-          </p:cNvSpPr>
-          <p:nvPr>
-            <p:ph type="body" idx="1"/>
-          </p:nvPr>
-        </p:nvSpPr>
-        <p:spPr/>
-        <p:txBody>
-          <a:bodyPr>
-            <a:normAutofit/>
-          </a:bodyPr>
-          <a:lstStyle/>
-          <a:p>
-            <a:endParaRPr lang="en-US"/>
-          </a:p>
-        </p:txBody>
-      </p:sp>
-      <p:sp>
-        <p:nvSpPr>
-          <p:cNvPr id="4" name="Slide Number Placeholder 3"/>
-          <p:cNvSpPr>
-            <a:spLocks noGrp="1"/>
-          </p:cNvSpPr>
-          <p:nvPr>
-            <p:ph type="sldNum" sz="quarter" idx="10"/>
-          </p:nvPr>
-        </p:nvSpPr>
-        <p:spPr/>
-        <p:txBody>
-          <a:bodyPr/>
-          <a:lstStyle/>
-          <a:p>
-            <a:pPr marL="0" marR="0" lvl="0" indent="0" algn="r" defTabSz="914400" rtl="0" eaLnBrk="1" fontAlgn="auto" latinLnBrk="0" hangingPunct="1">
-              <a:lnSpc>
-                <a:spcPct val="100000"/>
-              </a:lnSpc>
-              <a:spcBef>
-                <a:spcPts val="0"/>
-              </a:spcBef>
-              <a:spcAft>
-                <a:spcPts val="0"/>
-              </a:spcAft>
-              <a:buClrTx/>
-              <a:buSzTx/>
-              <a:buFontTx/>
-              <a:buNone/>
-              <a:tabLst/>
-              <a:defRPr/>
-            </a:pPr>
-            <a:fld id="{46542BAB-0D38-4D52-BD5E-5D805000703B}" type="slidenum">
-              <a:rPr kumimoji="0" lang="en-US" sz="1300" b="0" i="0" u="none" strike="noStrike" kern="1200" cap="none" spc="0" normalizeH="0" baseline="0" noProof="0" smtClean="0">
-                <a:ln>
-                  <a:noFill/>
-                </a:ln>
-                <a:solidFill>
-                  <a:prstClr val="black"/>
-                </a:solidFill>
-                <a:effectLst/>
-                <a:uLnTx/>
-                <a:uFillTx/>
-                <a:latin typeface="Calibri"/>
-                <a:ea typeface="+mn-ea"/>
-                <a:cs typeface="+mn-cs"/>
-              </a:rPr>
-              <a:pPr marL="0" marR="0" lvl="0" indent="0" algn="r" defTabSz="914400" rtl="0" eaLnBrk="1" fontAlgn="auto" latinLnBrk="0" hangingPunct="1">
-                <a:lnSpc>
-                  <a:spcPct val="100000"/>
-                </a:lnSpc>
-                <a:spcBef>
-                  <a:spcPts val="0"/>
-                </a:spcBef>
-                <a:spcAft>
-                  <a:spcPts val="0"/>
-                </a:spcAft>
-                <a:buClrTx/>
-                <a:buSzTx/>
-                <a:buFontTx/>
-                <a:buNone/>
-                <a:tabLst/>
-                <a:defRPr/>
-              </a:pPr>
               <a:t>4</a:t>
             </a:fld>
             <a:endParaRPr kumimoji="0" lang="en-US" sz="1300" b="0" i="0" u="none" strike="noStrike" kern="1200" cap="none" spc="0" normalizeH="0" baseline="0" noProof="0">
@@ -1023,7 +886,7 @@
     </p:spTree>
     <p:extLst>
       <p:ext uri="{BB962C8B-B14F-4D97-AF65-F5344CB8AC3E}">
-        <p14:creationId xmlns:p14="http://schemas.microsoft.com/office/powerpoint/2010/main" val="2470170489"/>
+        <p14:creationId xmlns:p14="http://schemas.microsoft.com/office/powerpoint/2010/main" val="265136881"/>
       </p:ext>
     </p:extLst>
   </p:cSld>
@@ -1033,7 +896,7 @@
 </p:notes>
 </file>
 
-<file path=ppt/notesSlides/notesSlide5.xml><?xml version="1.0" encoding="utf-8"?>
+<file path=ppt/notesSlides/notesSlide4.xml><?xml version="1.0" encoding="utf-8"?>
 <p:notes xmlns:a="http://schemas.openxmlformats.org/drawingml/2006/main" xmlns:r="http://schemas.openxmlformats.org/officeDocument/2006/relationships" xmlns:p="http://schemas.openxmlformats.org/presentationml/2006/main">
   <p:cSld>
     <p:spTree>
@@ -1169,7 +1032,7 @@
     </p:spTree>
     <p:extLst>
       <p:ext uri="{BB962C8B-B14F-4D97-AF65-F5344CB8AC3E}">
-        <p14:creationId xmlns:p14="http://schemas.microsoft.com/office/powerpoint/2010/main" val="2013659878"/>
+        <p14:creationId xmlns:p14="http://schemas.microsoft.com/office/powerpoint/2010/main" val="2470170489"/>
       </p:ext>
     </p:extLst>
   </p:cSld>
@@ -1179,7 +1042,7 @@
 </p:notes>
 </file>
 
-<file path=ppt/notesSlides/notesSlide6.xml><?xml version="1.0" encoding="utf-8"?>
+<file path=ppt/notesSlides/notesSlide5.xml><?xml version="1.0" encoding="utf-8"?>
 <p:notes xmlns:a="http://schemas.openxmlformats.org/drawingml/2006/main" xmlns:r="http://schemas.openxmlformats.org/officeDocument/2006/relationships" xmlns:p="http://schemas.openxmlformats.org/presentationml/2006/main">
   <p:cSld>
     <p:spTree>
@@ -1315,7 +1178,7 @@
     </p:spTree>
     <p:extLst>
       <p:ext uri="{BB962C8B-B14F-4D97-AF65-F5344CB8AC3E}">
-        <p14:creationId xmlns:p14="http://schemas.microsoft.com/office/powerpoint/2010/main" val="3364708167"/>
+        <p14:creationId xmlns:p14="http://schemas.microsoft.com/office/powerpoint/2010/main" val="2013659878"/>
       </p:ext>
     </p:extLst>
   </p:cSld>
@@ -1325,7 +1188,7 @@
 </p:notes>
 </file>
 
-<file path=ppt/notesSlides/notesSlide7.xml><?xml version="1.0" encoding="utf-8"?>
+<file path=ppt/notesSlides/notesSlide6.xml><?xml version="1.0" encoding="utf-8"?>
 <p:notes xmlns:a="http://schemas.openxmlformats.org/drawingml/2006/main" xmlns:r="http://schemas.openxmlformats.org/officeDocument/2006/relationships" xmlns:p="http://schemas.openxmlformats.org/presentationml/2006/main">
   <p:cSld>
     <p:spTree>
@@ -1461,6 +1324,152 @@
     </p:spTree>
     <p:extLst>
       <p:ext uri="{BB962C8B-B14F-4D97-AF65-F5344CB8AC3E}">
+        <p14:creationId xmlns:p14="http://schemas.microsoft.com/office/powerpoint/2010/main" val="3364708167"/>
+      </p:ext>
+    </p:extLst>
+  </p:cSld>
+  <p:clrMapOvr>
+    <a:masterClrMapping/>
+  </p:clrMapOvr>
+</p:notes>
+</file>
+
+<file path=ppt/notesSlides/notesSlide7.xml><?xml version="1.0" encoding="utf-8"?>
+<p:notes xmlns:a="http://schemas.openxmlformats.org/drawingml/2006/main" xmlns:r="http://schemas.openxmlformats.org/officeDocument/2006/relationships" xmlns:p="http://schemas.openxmlformats.org/presentationml/2006/main">
+  <p:cSld>
+    <p:spTree>
+      <p:nvGrpSpPr>
+        <p:cNvPr id="1" name=""/>
+        <p:cNvGrpSpPr/>
+        <p:nvPr/>
+      </p:nvGrpSpPr>
+      <p:grpSpPr>
+        <a:xfrm>
+          <a:off x="0" y="0"/>
+          <a:ext cx="0" cy="0"/>
+          <a:chOff x="0" y="0"/>
+          <a:chExt cx="0" cy="0"/>
+        </a:xfrm>
+      </p:grpSpPr>
+      <p:sp>
+        <p:nvSpPr>
+          <p:cNvPr id="2" name="Slide Image Placeholder 1"/>
+          <p:cNvSpPr>
+            <a:spLocks noGrp="1" noRot="1" noChangeAspect="1"/>
+          </p:cNvSpPr>
+          <p:nvPr>
+            <p:ph type="sldImg"/>
+          </p:nvPr>
+        </p:nvSpPr>
+        <p:spPr/>
+      </p:sp>
+      <p:sp>
+        <p:nvSpPr>
+          <p:cNvPr id="3" name="Notes Placeholder 2"/>
+          <p:cNvSpPr>
+            <a:spLocks noGrp="1"/>
+          </p:cNvSpPr>
+          <p:nvPr>
+            <p:ph type="body" idx="1"/>
+          </p:nvPr>
+        </p:nvSpPr>
+        <p:spPr/>
+        <p:txBody>
+          <a:bodyPr>
+            <a:normAutofit/>
+          </a:bodyPr>
+          <a:lstStyle/>
+          <a:p>
+            <a:endParaRPr lang="en-US"/>
+          </a:p>
+        </p:txBody>
+      </p:sp>
+      <p:sp>
+        <p:nvSpPr>
+          <p:cNvPr id="4" name="Slide Number Placeholder 3"/>
+          <p:cNvSpPr>
+            <a:spLocks noGrp="1"/>
+          </p:cNvSpPr>
+          <p:nvPr>
+            <p:ph type="sldNum" sz="quarter" idx="10"/>
+          </p:nvPr>
+        </p:nvSpPr>
+        <p:spPr/>
+        <p:txBody>
+          <a:bodyPr/>
+          <a:lstStyle/>
+          <a:p>
+            <a:pPr marL="0" marR="0" lvl="0" indent="0" algn="r" defTabSz="914400" rtl="0" eaLnBrk="1" fontAlgn="auto" latinLnBrk="0" hangingPunct="1">
+              <a:lnSpc>
+                <a:spcPct val="100000"/>
+              </a:lnSpc>
+              <a:spcBef>
+                <a:spcPts val="0"/>
+              </a:spcBef>
+              <a:spcAft>
+                <a:spcPts val="0"/>
+              </a:spcAft>
+              <a:buClrTx/>
+              <a:buSzTx/>
+              <a:buFontTx/>
+              <a:buNone/>
+              <a:tabLst/>
+              <a:defRPr/>
+            </a:pPr>
+            <a:fld id="{46542BAB-0D38-4D52-BD5E-5D805000703B}" type="slidenum">
+              <a:rPr kumimoji="0" lang="en-US" sz="1300" b="0" i="0" u="none" strike="noStrike" kern="1200" cap="none" spc="0" normalizeH="0" baseline="0" noProof="0" smtClean="0">
+                <a:ln>
+                  <a:noFill/>
+                </a:ln>
+                <a:solidFill>
+                  <a:prstClr val="black"/>
+                </a:solidFill>
+                <a:effectLst/>
+                <a:uLnTx/>
+                <a:uFillTx/>
+                <a:latin typeface="Calibri"/>
+                <a:ea typeface="+mn-ea"/>
+                <a:cs typeface="+mn-cs"/>
+              </a:rPr>
+              <a:pPr marL="0" marR="0" lvl="0" indent="0" algn="r" defTabSz="914400" rtl="0" eaLnBrk="1" fontAlgn="auto" latinLnBrk="0" hangingPunct="1">
+                <a:lnSpc>
+                  <a:spcPct val="100000"/>
+                </a:lnSpc>
+                <a:spcBef>
+                  <a:spcPts val="0"/>
+                </a:spcBef>
+                <a:spcAft>
+                  <a:spcPts val="0"/>
+                </a:spcAft>
+                <a:buClrTx/>
+                <a:buSzTx/>
+                <a:buFontTx/>
+                <a:buNone/>
+                <a:tabLst/>
+                <a:defRPr/>
+              </a:pPr>
+              <a:t>8</a:t>
+            </a:fld>
+            <a:endParaRPr kumimoji="0" lang="en-US" sz="1300" b="0" i="0" u="none" strike="noStrike" kern="1200" cap="none" spc="0" normalizeH="0" baseline="0" noProof="0">
+              <a:ln>
+                <a:noFill/>
+              </a:ln>
+              <a:solidFill>
+                <a:prstClr val="black"/>
+              </a:solidFill>
+              <a:effectLst/>
+              <a:uLnTx/>
+              <a:uFillTx/>
+              <a:latin typeface="Calibri"/>
+              <a:ea typeface="+mn-ea"/>
+              <a:cs typeface="+mn-cs"/>
+            </a:endParaRPr>
+          </a:p>
+        </p:txBody>
+      </p:sp>
+    </p:spTree>
+    <p:extLst>
+      <p:ext uri="{BB962C8B-B14F-4D97-AF65-F5344CB8AC3E}">
         <p14:creationId xmlns:p14="http://schemas.microsoft.com/office/powerpoint/2010/main" val="547756566"/>
       </p:ext>
     </p:extLst>
@@ -1585,7 +1594,7 @@
                 <a:tabLst/>
                 <a:defRPr/>
               </a:pPr>
-              <a:t>8</a:t>
+              <a:t>9</a:t>
             </a:fld>
             <a:endParaRPr kumimoji="0" lang="en-US" sz="1300" b="0" i="0" u="none" strike="noStrike" kern="1200" cap="none" spc="0" normalizeH="0" baseline="0" noProof="0">
               <a:ln>
@@ -10096,6 +10105,521 @@
     <p:extLst>
       <p:ext uri="{BB962C8B-B14F-4D97-AF65-F5344CB8AC3E}">
         <p14:creationId xmlns:p14="http://schemas.microsoft.com/office/powerpoint/2010/main" val="2427352558"/>
+      </p:ext>
+    </p:extLst>
+  </p:cSld>
+  <p:clrMapOvr>
+    <a:masterClrMapping/>
+  </p:clrMapOvr>
+</p:sld>
+</file>
+
+<file path=ppt/slides/slide10.xml><?xml version="1.0" encoding="utf-8"?>
+<p:sld xmlns:a="http://schemas.openxmlformats.org/drawingml/2006/main" xmlns:r="http://schemas.openxmlformats.org/officeDocument/2006/relationships" xmlns:p="http://schemas.openxmlformats.org/presentationml/2006/main">
+  <p:cSld>
+    <p:spTree>
+      <p:nvGrpSpPr>
+        <p:cNvPr id="1" name=""/>
+        <p:cNvGrpSpPr/>
+        <p:nvPr/>
+      </p:nvGrpSpPr>
+      <p:grpSpPr>
+        <a:xfrm>
+          <a:off x="0" y="0"/>
+          <a:ext cx="0" cy="0"/>
+          <a:chOff x="0" y="0"/>
+          <a:chExt cx="0" cy="0"/>
+        </a:xfrm>
+      </p:grpSpPr>
+      <p:sp>
+        <p:nvSpPr>
+          <p:cNvPr id="4" name="Rectangle 2"/>
+          <p:cNvSpPr txBox="1">
+            <a:spLocks noChangeArrowheads="1"/>
+          </p:cNvSpPr>
+          <p:nvPr/>
+        </p:nvSpPr>
+        <p:spPr>
+          <a:xfrm>
+            <a:off x="1895332" y="304800"/>
+            <a:ext cx="8229600" cy="792162"/>
+          </a:xfrm>
+          <a:prstGeom prst="rect">
+            <a:avLst/>
+          </a:prstGeom>
+        </p:spPr>
+        <p:txBody>
+          <a:bodyPr vert="horz" lIns="87273" tIns="43637" rIns="87273" bIns="43637" rtlCol="0" anchor="ctr">
+            <a:normAutofit/>
+          </a:bodyPr>
+          <a:lstStyle/>
+          <a:p>
+            <a:pPr defTabSz="872733">
+              <a:spcBef>
+                <a:spcPct val="0"/>
+              </a:spcBef>
+              <a:defRPr/>
+            </a:pPr>
+            <a:r>
+              <a:rPr lang="en-US" sz="3600" dirty="0">
+                <a:solidFill>
+                  <a:srgbClr val="F79646">
+                    <a:lumMod val="75000"/>
+                  </a:srgbClr>
+                </a:solidFill>
+                <a:latin typeface="Calibri"/>
+              </a:rPr>
+              <a:t>Notes and constraints</a:t>
+            </a:r>
+          </a:p>
+        </p:txBody>
+      </p:sp>
+      <p:sp>
+        <p:nvSpPr>
+          <p:cNvPr id="5" name="Folded Corner 4"/>
+          <p:cNvSpPr/>
+          <p:nvPr/>
+        </p:nvSpPr>
+        <p:spPr>
+          <a:xfrm>
+            <a:off x="3252516" y="1335322"/>
+            <a:ext cx="1386016" cy="477500"/>
+          </a:xfrm>
+          <a:prstGeom prst="foldedCorner">
+            <a:avLst/>
+          </a:prstGeom>
+          <a:ln w="19050"/>
+        </p:spPr>
+        <p:style>
+          <a:lnRef idx="1">
+            <a:schemeClr val="accent4"/>
+          </a:lnRef>
+          <a:fillRef idx="2">
+            <a:schemeClr val="accent4"/>
+          </a:fillRef>
+          <a:effectRef idx="1">
+            <a:schemeClr val="accent4"/>
+          </a:effectRef>
+          <a:fontRef idx="minor">
+            <a:schemeClr val="dk1"/>
+          </a:fontRef>
+        </p:style>
+        <p:txBody>
+          <a:bodyPr wrap="square" rtlCol="0" anchor="ctr">
+            <a:spAutoFit/>
+          </a:bodyPr>
+          <a:lstStyle/>
+          <a:p>
+            <a:pPr defTabSz="872733"/>
+            <a:r>
+              <a:rPr lang="en-US" sz="2000" dirty="0">
+                <a:solidFill>
+                  <a:prstClr val="black"/>
+                </a:solidFill>
+                <a:latin typeface="Calibri"/>
+              </a:rPr>
+              <a:t>Note text</a:t>
+            </a:r>
+          </a:p>
+        </p:txBody>
+      </p:sp>
+      <p:cxnSp>
+        <p:nvCxnSpPr>
+          <p:cNvPr id="6" name="Straight Connector 5"/>
+          <p:cNvCxnSpPr>
+            <a:stCxn id="5" idx="2"/>
+          </p:cNvCxnSpPr>
+          <p:nvPr/>
+        </p:nvCxnSpPr>
+        <p:spPr>
+          <a:xfrm rot="5400000">
+            <a:off x="3039461" y="1892014"/>
+            <a:ext cx="985254" cy="826873"/>
+          </a:xfrm>
+          <a:prstGeom prst="line">
+            <a:avLst/>
+          </a:prstGeom>
+          <a:ln w="19050">
+            <a:prstDash val="dash"/>
+          </a:ln>
+        </p:spPr>
+        <p:style>
+          <a:lnRef idx="1">
+            <a:schemeClr val="accent1"/>
+          </a:lnRef>
+          <a:fillRef idx="0">
+            <a:schemeClr val="accent1"/>
+          </a:fillRef>
+          <a:effectRef idx="0">
+            <a:schemeClr val="accent1"/>
+          </a:effectRef>
+          <a:fontRef idx="minor">
+            <a:schemeClr val="tx1"/>
+          </a:fontRef>
+        </p:style>
+      </p:cxnSp>
+      <p:sp>
+        <p:nvSpPr>
+          <p:cNvPr id="7" name="Folded Corner 6"/>
+          <p:cNvSpPr/>
+          <p:nvPr/>
+        </p:nvSpPr>
+        <p:spPr>
+          <a:xfrm>
+            <a:off x="6654743" y="1302370"/>
+            <a:ext cx="1386016" cy="477500"/>
+          </a:xfrm>
+          <a:prstGeom prst="foldedCorner">
+            <a:avLst/>
+          </a:prstGeom>
+          <a:ln w="19050"/>
+        </p:spPr>
+        <p:style>
+          <a:lnRef idx="1">
+            <a:schemeClr val="accent4"/>
+          </a:lnRef>
+          <a:fillRef idx="2">
+            <a:schemeClr val="accent4"/>
+          </a:fillRef>
+          <a:effectRef idx="1">
+            <a:schemeClr val="accent4"/>
+          </a:effectRef>
+          <a:fontRef idx="minor">
+            <a:schemeClr val="dk1"/>
+          </a:fontRef>
+        </p:style>
+        <p:txBody>
+          <a:bodyPr wrap="square" rtlCol="0" anchor="ctr">
+            <a:spAutoFit/>
+          </a:bodyPr>
+          <a:lstStyle/>
+          <a:p>
+            <a:pPr defTabSz="872733"/>
+            <a:r>
+              <a:rPr lang="en-US" sz="2000" dirty="0">
+                <a:solidFill>
+                  <a:prstClr val="black"/>
+                </a:solidFill>
+                <a:latin typeface="Calibri"/>
+              </a:rPr>
+              <a:t>{constraint}</a:t>
+            </a:r>
+          </a:p>
+        </p:txBody>
+      </p:sp>
+      <p:cxnSp>
+        <p:nvCxnSpPr>
+          <p:cNvPr id="8" name="Straight Connector 7"/>
+          <p:cNvCxnSpPr>
+            <a:stCxn id="7" idx="2"/>
+          </p:cNvCxnSpPr>
+          <p:nvPr/>
+        </p:nvCxnSpPr>
+        <p:spPr>
+          <a:xfrm rot="5400000">
+            <a:off x="6441689" y="1859063"/>
+            <a:ext cx="985254" cy="826871"/>
+          </a:xfrm>
+          <a:prstGeom prst="line">
+            <a:avLst/>
+          </a:prstGeom>
+          <a:ln w="19050">
+            <a:prstDash val="dash"/>
+          </a:ln>
+        </p:spPr>
+        <p:style>
+          <a:lnRef idx="1">
+            <a:schemeClr val="accent1"/>
+          </a:lnRef>
+          <a:fillRef idx="0">
+            <a:schemeClr val="accent1"/>
+          </a:fillRef>
+          <a:effectRef idx="0">
+            <a:schemeClr val="accent1"/>
+          </a:effectRef>
+          <a:fontRef idx="minor">
+            <a:schemeClr val="tx1"/>
+          </a:fontRef>
+        </p:style>
+      </p:cxnSp>
+      <p:sp>
+        <p:nvSpPr>
+          <p:cNvPr id="9" name="Folded Corner 8"/>
+          <p:cNvSpPr/>
+          <p:nvPr/>
+        </p:nvSpPr>
+        <p:spPr>
+          <a:xfrm>
+            <a:off x="4232819" y="2142630"/>
+            <a:ext cx="1386016" cy="477500"/>
+          </a:xfrm>
+          <a:prstGeom prst="foldedCorner">
+            <a:avLst/>
+          </a:prstGeom>
+          <a:ln w="19050"/>
+        </p:spPr>
+        <p:style>
+          <a:lnRef idx="1">
+            <a:schemeClr val="accent4"/>
+          </a:lnRef>
+          <a:fillRef idx="2">
+            <a:schemeClr val="accent4"/>
+          </a:fillRef>
+          <a:effectRef idx="1">
+            <a:schemeClr val="accent4"/>
+          </a:effectRef>
+          <a:fontRef idx="minor">
+            <a:schemeClr val="dk1"/>
+          </a:fontRef>
+        </p:style>
+        <p:txBody>
+          <a:bodyPr wrap="square" rtlCol="0" anchor="ctr">
+            <a:spAutoFit/>
+          </a:bodyPr>
+          <a:lstStyle/>
+          <a:p>
+            <a:pPr defTabSz="872733"/>
+            <a:r>
+              <a:rPr lang="en-US" sz="2000" dirty="0">
+                <a:solidFill>
+                  <a:prstClr val="black"/>
+                </a:solidFill>
+                <a:latin typeface="Calibri"/>
+              </a:rPr>
+              <a:t>Note text</a:t>
+            </a:r>
+          </a:p>
+        </p:txBody>
+      </p:sp>
+      <p:sp>
+        <p:nvSpPr>
+          <p:cNvPr id="10" name="Folded Corner 9"/>
+          <p:cNvSpPr/>
+          <p:nvPr/>
+        </p:nvSpPr>
+        <p:spPr>
+          <a:xfrm>
+            <a:off x="7622689" y="2220889"/>
+            <a:ext cx="1386016" cy="477500"/>
+          </a:xfrm>
+          <a:prstGeom prst="foldedCorner">
+            <a:avLst/>
+          </a:prstGeom>
+          <a:ln w="19050"/>
+        </p:spPr>
+        <p:style>
+          <a:lnRef idx="1">
+            <a:schemeClr val="accent4"/>
+          </a:lnRef>
+          <a:fillRef idx="2">
+            <a:schemeClr val="accent4"/>
+          </a:fillRef>
+          <a:effectRef idx="1">
+            <a:schemeClr val="accent4"/>
+          </a:effectRef>
+          <a:fontRef idx="minor">
+            <a:schemeClr val="dk1"/>
+          </a:fontRef>
+        </p:style>
+        <p:txBody>
+          <a:bodyPr wrap="square" rtlCol="0" anchor="ctr">
+            <a:spAutoFit/>
+          </a:bodyPr>
+          <a:lstStyle/>
+          <a:p>
+            <a:pPr defTabSz="872733"/>
+            <a:r>
+              <a:rPr lang="en-US" sz="2000" dirty="0">
+                <a:solidFill>
+                  <a:prstClr val="black"/>
+                </a:solidFill>
+                <a:latin typeface="Calibri"/>
+              </a:rPr>
+              <a:t>{constraint}</a:t>
+            </a:r>
+          </a:p>
+        </p:txBody>
+      </p:sp>
+      <p:sp>
+        <p:nvSpPr>
+          <p:cNvPr id="11" name="Rectangle 2"/>
+          <p:cNvSpPr txBox="1">
+            <a:spLocks noChangeArrowheads="1"/>
+          </p:cNvSpPr>
+          <p:nvPr/>
+        </p:nvSpPr>
+        <p:spPr>
+          <a:xfrm>
+            <a:off x="1895332" y="3633636"/>
+            <a:ext cx="8229600" cy="792162"/>
+          </a:xfrm>
+          <a:prstGeom prst="rect">
+            <a:avLst/>
+          </a:prstGeom>
+        </p:spPr>
+        <p:txBody>
+          <a:bodyPr vert="horz" lIns="87273" tIns="43637" rIns="87273" bIns="43637" rtlCol="0" anchor="ctr">
+            <a:normAutofit/>
+          </a:bodyPr>
+          <a:lstStyle/>
+          <a:p>
+            <a:pPr defTabSz="872733">
+              <a:spcBef>
+                <a:spcPct val="0"/>
+              </a:spcBef>
+              <a:defRPr/>
+            </a:pPr>
+            <a:r>
+              <a:rPr lang="en-US" sz="2400" dirty="0">
+                <a:solidFill>
+                  <a:srgbClr val="F79646">
+                    <a:lumMod val="75000"/>
+                  </a:srgbClr>
+                </a:solidFill>
+                <a:latin typeface="Calibri"/>
+              </a:rPr>
+              <a:t>[examples]</a:t>
+            </a:r>
+          </a:p>
+        </p:txBody>
+      </p:sp>
+      <p:sp>
+        <p:nvSpPr>
+          <p:cNvPr id="12" name="Folded Corner 11"/>
+          <p:cNvSpPr/>
+          <p:nvPr/>
+        </p:nvSpPr>
+        <p:spPr>
+          <a:xfrm>
+            <a:off x="3118651" y="4545239"/>
+            <a:ext cx="2514600" cy="844808"/>
+          </a:xfrm>
+          <a:prstGeom prst="foldedCorner">
+            <a:avLst/>
+          </a:prstGeom>
+          <a:ln w="19050"/>
+        </p:spPr>
+        <p:style>
+          <a:lnRef idx="1">
+            <a:schemeClr val="accent3"/>
+          </a:lnRef>
+          <a:fillRef idx="2">
+            <a:schemeClr val="accent3"/>
+          </a:fillRef>
+          <a:effectRef idx="1">
+            <a:schemeClr val="accent3"/>
+          </a:effectRef>
+          <a:fontRef idx="minor">
+            <a:schemeClr val="dk1"/>
+          </a:fontRef>
+        </p:style>
+        <p:txBody>
+          <a:bodyPr wrap="square" rtlCol="0" anchor="ctr">
+            <a:spAutoFit/>
+          </a:bodyPr>
+          <a:lstStyle/>
+          <a:p>
+            <a:pPr defTabSz="872733"/>
+            <a:r>
+              <a:rPr lang="en-US" sz="2000" dirty="0">
+                <a:solidFill>
+                  <a:prstClr val="black"/>
+                </a:solidFill>
+                <a:latin typeface="Calibri"/>
+              </a:rPr>
+              <a:t>This association may change later</a:t>
+            </a:r>
+          </a:p>
+        </p:txBody>
+      </p:sp>
+      <p:sp>
+        <p:nvSpPr>
+          <p:cNvPr id="13" name="Folded Corner 12"/>
+          <p:cNvSpPr/>
+          <p:nvPr/>
+        </p:nvSpPr>
+        <p:spPr>
+          <a:xfrm>
+            <a:off x="6929681" y="4589074"/>
+            <a:ext cx="2214319" cy="477500"/>
+          </a:xfrm>
+          <a:prstGeom prst="foldedCorner">
+            <a:avLst/>
+          </a:prstGeom>
+          <a:ln w="19050"/>
+        </p:spPr>
+        <p:style>
+          <a:lnRef idx="1">
+            <a:schemeClr val="accent5"/>
+          </a:lnRef>
+          <a:fillRef idx="2">
+            <a:schemeClr val="accent5"/>
+          </a:fillRef>
+          <a:effectRef idx="1">
+            <a:schemeClr val="accent5"/>
+          </a:effectRef>
+          <a:fontRef idx="minor">
+            <a:schemeClr val="dk1"/>
+          </a:fontRef>
+        </p:style>
+        <p:txBody>
+          <a:bodyPr wrap="square" rtlCol="0" anchor="ctr">
+            <a:spAutoFit/>
+          </a:bodyPr>
+          <a:lstStyle/>
+          <a:p>
+            <a:pPr defTabSz="872733"/>
+            <a:r>
+              <a:rPr lang="en-US" sz="2000" dirty="0">
+                <a:solidFill>
+                  <a:prstClr val="black"/>
+                </a:solidFill>
+                <a:latin typeface="Calibri"/>
+              </a:rPr>
+              <a:t>{total &gt;= 0}</a:t>
+            </a:r>
+          </a:p>
+        </p:txBody>
+      </p:sp>
+      <p:cxnSp>
+        <p:nvCxnSpPr>
+          <p:cNvPr id="14" name="Straight Connector 13"/>
+          <p:cNvCxnSpPr>
+            <a:stCxn id="13" idx="2"/>
+          </p:cNvCxnSpPr>
+          <p:nvPr/>
+        </p:nvCxnSpPr>
+        <p:spPr>
+          <a:xfrm flipH="1">
+            <a:off x="6795820" y="5066575"/>
+            <a:ext cx="1241020" cy="985255"/>
+          </a:xfrm>
+          <a:prstGeom prst="line">
+            <a:avLst/>
+          </a:prstGeom>
+          <a:ln w="19050">
+            <a:prstDash val="dash"/>
+          </a:ln>
+        </p:spPr>
+        <p:style>
+          <a:lnRef idx="1">
+            <a:schemeClr val="accent1"/>
+          </a:lnRef>
+          <a:fillRef idx="0">
+            <a:schemeClr val="accent1"/>
+          </a:fillRef>
+          <a:effectRef idx="0">
+            <a:schemeClr val="accent1"/>
+          </a:effectRef>
+          <a:fontRef idx="minor">
+            <a:schemeClr val="tx1"/>
+          </a:fontRef>
+        </p:style>
+      </p:cxnSp>
+    </p:spTree>
+    <p:extLst>
+      <p:ext uri="{BB962C8B-B14F-4D97-AF65-F5344CB8AC3E}">
+        <p14:creationId xmlns:p14="http://schemas.microsoft.com/office/powerpoint/2010/main" val="3801482090"/>
       </p:ext>
     </p:extLst>
   </p:cSld>
@@ -13781,504 +14305,20 @@
       </p:grpSpPr>
       <p:sp>
         <p:nvSpPr>
-          <p:cNvPr id="3075" name="Rectangle 2"/>
-          <p:cNvSpPr>
-            <a:spLocks noGrp="1" noChangeArrowheads="1"/>
-          </p:cNvSpPr>
-          <p:nvPr>
-            <p:ph type="title"/>
-          </p:nvPr>
-        </p:nvSpPr>
-        <p:spPr/>
-        <p:txBody>
-          <a:bodyPr vert="horz" lIns="87273" tIns="43637" rIns="87273" bIns="43637" rtlCol="0" anchor="ctr">
-            <a:normAutofit/>
-          </a:bodyPr>
-          <a:lstStyle/>
-          <a:p>
-            <a:r>
-              <a:rPr lang="en-US" dirty="0"/>
-              <a:t>Class diagrams</a:t>
-            </a:r>
-          </a:p>
-        </p:txBody>
-      </p:sp>
-      <p:sp>
-        <p:nvSpPr>
-          <p:cNvPr id="45" name="Rectangle 44"/>
+          <p:cNvPr id="7" name="Rectangle 6">
+            <a:extLst>
+              <a:ext uri="{FF2B5EF4-FFF2-40B4-BE49-F238E27FC236}">
+                <a16:creationId xmlns:a16="http://schemas.microsoft.com/office/drawing/2014/main" id="{994E17B3-D707-4776-A24B-CAA1B27B8ED3}"/>
+              </a:ext>
+            </a:extLst>
+          </p:cNvPr>
           <p:cNvSpPr/>
           <p:nvPr/>
         </p:nvSpPr>
         <p:spPr>
           <a:xfrm>
-            <a:off x="1840256" y="2336430"/>
-            <a:ext cx="1600200" cy="400110"/>
-          </a:xfrm>
-          <a:prstGeom prst="rect">
-            <a:avLst/>
-          </a:prstGeom>
-          <a:ln w="19050"/>
-        </p:spPr>
-        <p:style>
-          <a:lnRef idx="1">
-            <a:schemeClr val="accent6"/>
-          </a:lnRef>
-          <a:fillRef idx="2">
-            <a:schemeClr val="accent6"/>
-          </a:fillRef>
-          <a:effectRef idx="1">
-            <a:schemeClr val="accent6"/>
-          </a:effectRef>
-          <a:fontRef idx="minor">
-            <a:schemeClr val="dk1"/>
-          </a:fontRef>
-        </p:style>
-        <p:txBody>
-          <a:bodyPr wrap="square" rtlCol="0" anchor="ctr">
-            <a:spAutoFit/>
-          </a:bodyPr>
-          <a:lstStyle/>
-          <a:p>
-            <a:pPr algn="ctr">
-              <a:defRPr/>
-            </a:pPr>
-            <a:r>
-              <a:rPr lang="en-US" sz="2000" kern="0" dirty="0">
-                <a:solidFill>
-                  <a:sysClr val="windowText" lastClr="000000"/>
-                </a:solidFill>
-                <a:latin typeface="Calibri"/>
-              </a:rPr>
-              <a:t>Class A</a:t>
-            </a:r>
-          </a:p>
-        </p:txBody>
-      </p:sp>
-      <p:sp>
-        <p:nvSpPr>
-          <p:cNvPr id="48" name="Rectangle 47"/>
-          <p:cNvSpPr/>
-          <p:nvPr/>
-        </p:nvSpPr>
-        <p:spPr>
-          <a:xfrm>
-            <a:off x="9192526" y="2336430"/>
-            <a:ext cx="1295400" cy="400110"/>
-          </a:xfrm>
-          <a:prstGeom prst="rect">
-            <a:avLst/>
-          </a:prstGeom>
-          <a:ln w="19050"/>
-        </p:spPr>
-        <p:style>
-          <a:lnRef idx="1">
-            <a:schemeClr val="accent3"/>
-          </a:lnRef>
-          <a:fillRef idx="2">
-            <a:schemeClr val="accent3"/>
-          </a:fillRef>
-          <a:effectRef idx="1">
-            <a:schemeClr val="accent3"/>
-          </a:effectRef>
-          <a:fontRef idx="minor">
-            <a:schemeClr val="dk1"/>
-          </a:fontRef>
-        </p:style>
-        <p:txBody>
-          <a:bodyPr wrap="square" rtlCol="0" anchor="ctr">
-            <a:spAutoFit/>
-          </a:bodyPr>
-          <a:lstStyle/>
-          <a:p>
-            <a:pPr algn="ctr">
-              <a:defRPr/>
-            </a:pPr>
-            <a:r>
-              <a:rPr lang="en-US" sz="2000" kern="0" dirty="0">
-                <a:solidFill>
-                  <a:sysClr val="windowText" lastClr="000000"/>
-                </a:solidFill>
-                <a:latin typeface="Calibri"/>
-              </a:rPr>
-              <a:t>Class B</a:t>
-            </a:r>
-          </a:p>
-        </p:txBody>
-      </p:sp>
-      <p:cxnSp>
-        <p:nvCxnSpPr>
-          <p:cNvPr id="51" name="Elbow Connector 50"/>
-          <p:cNvCxnSpPr>
-            <a:stCxn id="45" idx="3"/>
-            <a:endCxn id="48" idx="1"/>
-          </p:cNvCxnSpPr>
-          <p:nvPr/>
-        </p:nvCxnSpPr>
-        <p:spPr>
-          <a:xfrm>
-            <a:off x="3440456" y="2536485"/>
-            <a:ext cx="5752070" cy="1588"/>
-          </a:xfrm>
-          <a:prstGeom prst="bentConnector3">
-            <a:avLst>
-              <a:gd name="adj1" fmla="val 50000"/>
-            </a:avLst>
-          </a:prstGeom>
-          <a:noFill/>
-          <a:ln w="19050" cap="flat" cmpd="sng" algn="ctr">
-            <a:solidFill>
-              <a:srgbClr val="FF0000"/>
-            </a:solidFill>
-            <a:prstDash val="solid"/>
-            <a:headEnd type="none" w="med" len="med"/>
-            <a:tailEnd type="none" w="med" len="med"/>
-          </a:ln>
-          <a:effectLst/>
-        </p:spPr>
-      </p:cxnSp>
-      <p:sp>
-        <p:nvSpPr>
-          <p:cNvPr id="67" name="TextBox 66"/>
-          <p:cNvSpPr txBox="1"/>
-          <p:nvPr/>
-        </p:nvSpPr>
-        <p:spPr>
-          <a:xfrm>
-            <a:off x="3415262" y="2162544"/>
-            <a:ext cx="1878230" cy="400110"/>
-          </a:xfrm>
-          <a:prstGeom prst="rect">
-            <a:avLst/>
-          </a:prstGeom>
-          <a:noFill/>
-        </p:spPr>
-        <p:txBody>
-          <a:bodyPr wrap="square" rtlCol="0">
-            <a:spAutoFit/>
-          </a:bodyPr>
-          <a:lstStyle/>
-          <a:p>
-            <a:pPr>
-              <a:defRPr/>
-            </a:pPr>
-            <a:r>
-              <a:rPr lang="en-US" sz="2000" kern="0" dirty="0">
-                <a:solidFill>
-                  <a:sysClr val="windowText" lastClr="000000"/>
-                </a:solidFill>
-                <a:latin typeface="Calibri"/>
-              </a:rPr>
-              <a:t>multiplicity of A</a:t>
-            </a:r>
-          </a:p>
-        </p:txBody>
-      </p:sp>
-      <p:sp>
-        <p:nvSpPr>
-          <p:cNvPr id="71" name="TextBox 70"/>
-          <p:cNvSpPr txBox="1"/>
-          <p:nvPr/>
-        </p:nvSpPr>
-        <p:spPr>
-          <a:xfrm>
-            <a:off x="5545227" y="2160290"/>
-            <a:ext cx="2195381" cy="400110"/>
-          </a:xfrm>
-          <a:prstGeom prst="rect">
-            <a:avLst/>
-          </a:prstGeom>
-          <a:noFill/>
-        </p:spPr>
-        <p:txBody>
-          <a:bodyPr wrap="square" rtlCol="0">
-            <a:spAutoFit/>
-          </a:bodyPr>
-          <a:lstStyle/>
-          <a:p>
-            <a:pPr>
-              <a:defRPr/>
-            </a:pPr>
-            <a:r>
-              <a:rPr lang="en-US" sz="2000" kern="0" dirty="0">
-                <a:solidFill>
-                  <a:sysClr val="windowText" lastClr="000000"/>
-                </a:solidFill>
-                <a:latin typeface="Calibri"/>
-              </a:rPr>
-              <a:t>association label </a:t>
-            </a:r>
-          </a:p>
-        </p:txBody>
-      </p:sp>
-      <p:sp>
-        <p:nvSpPr>
-          <p:cNvPr id="73" name="Rectangle 72"/>
-          <p:cNvSpPr/>
-          <p:nvPr/>
-        </p:nvSpPr>
-        <p:spPr>
-          <a:xfrm>
-            <a:off x="7920578" y="3369414"/>
-            <a:ext cx="2362200" cy="707886"/>
-          </a:xfrm>
-          <a:prstGeom prst="rect">
-            <a:avLst/>
-          </a:prstGeom>
-          <a:ln w="19050"/>
-        </p:spPr>
-        <p:style>
-          <a:lnRef idx="1">
-            <a:schemeClr val="accent4"/>
-          </a:lnRef>
-          <a:fillRef idx="2">
-            <a:schemeClr val="accent4"/>
-          </a:fillRef>
-          <a:effectRef idx="1">
-            <a:schemeClr val="accent4"/>
-          </a:effectRef>
-          <a:fontRef idx="minor">
-            <a:schemeClr val="dk1"/>
-          </a:fontRef>
-        </p:style>
-        <p:txBody>
-          <a:bodyPr wrap="square" rtlCol="0" anchor="ctr">
-            <a:spAutoFit/>
-          </a:bodyPr>
-          <a:lstStyle/>
-          <a:p>
-            <a:pPr algn="ctr" defTabSz="872733">
-              <a:defRPr/>
-            </a:pPr>
-            <a:r>
-              <a:rPr lang="en-US" sz="2000" kern="0" dirty="0">
-                <a:solidFill>
-                  <a:srgbClr val="FF0000"/>
-                </a:solidFill>
-                <a:latin typeface="Calibri"/>
-              </a:rPr>
-              <a:t>&lt;&lt;enumeration&gt;&gt;</a:t>
-            </a:r>
-            <a:br>
-              <a:rPr lang="en-US" sz="2000" kern="0" dirty="0">
-                <a:solidFill>
-                  <a:srgbClr val="FF0000"/>
-                </a:solidFill>
-                <a:latin typeface="Calibri"/>
-              </a:rPr>
-            </a:br>
-            <a:r>
-              <a:rPr lang="en-US" sz="2000" kern="0" dirty="0">
-                <a:solidFill>
-                  <a:sysClr val="windowText" lastClr="000000"/>
-                </a:solidFill>
-                <a:latin typeface="Calibri"/>
-              </a:rPr>
-              <a:t> </a:t>
-            </a:r>
-            <a:r>
-              <a:rPr lang="en-US" sz="2000" kern="0" dirty="0" err="1">
-                <a:solidFill>
-                  <a:sysClr val="windowText" lastClr="000000"/>
-                </a:solidFill>
-                <a:latin typeface="Calibri"/>
-              </a:rPr>
-              <a:t>EnumerationName</a:t>
-            </a:r>
-            <a:endParaRPr lang="en-US" sz="2000" kern="0" dirty="0">
-              <a:solidFill>
-                <a:sysClr val="windowText" lastClr="000000"/>
-              </a:solidFill>
-              <a:latin typeface="Calibri"/>
-            </a:endParaRPr>
-          </a:p>
-        </p:txBody>
-      </p:sp>
-      <p:sp>
-        <p:nvSpPr>
-          <p:cNvPr id="74" name="Rectangle 73"/>
-          <p:cNvSpPr/>
-          <p:nvPr/>
-        </p:nvSpPr>
-        <p:spPr>
-          <a:xfrm>
-            <a:off x="7920578" y="4001155"/>
-            <a:ext cx="2362200" cy="707886"/>
-          </a:xfrm>
-          <a:prstGeom prst="rect">
-            <a:avLst/>
-          </a:prstGeom>
-          <a:ln w="19050"/>
-        </p:spPr>
-        <p:style>
-          <a:lnRef idx="1">
-            <a:schemeClr val="accent4"/>
-          </a:lnRef>
-          <a:fillRef idx="2">
-            <a:schemeClr val="accent4"/>
-          </a:fillRef>
-          <a:effectRef idx="1">
-            <a:schemeClr val="accent4"/>
-          </a:effectRef>
-          <a:fontRef idx="minor">
-            <a:schemeClr val="dk1"/>
-          </a:fontRef>
-        </p:style>
-        <p:txBody>
-          <a:bodyPr wrap="square" rtlCol="0" anchor="ctr">
-            <a:spAutoFit/>
-          </a:bodyPr>
-          <a:lstStyle/>
-          <a:p>
-            <a:pPr>
-              <a:defRPr/>
-            </a:pPr>
-            <a:r>
-              <a:rPr lang="en-US" sz="2000" kern="0" dirty="0">
-                <a:solidFill>
-                  <a:sysClr val="windowText" lastClr="000000"/>
-                </a:solidFill>
-                <a:latin typeface="Calibri"/>
-              </a:rPr>
-              <a:t>VALUE_1</a:t>
-            </a:r>
-          </a:p>
-          <a:p>
-            <a:pPr>
-              <a:defRPr/>
-            </a:pPr>
-            <a:r>
-              <a:rPr lang="en-US" sz="2000" kern="0" dirty="0">
-                <a:solidFill>
-                  <a:sysClr val="windowText" lastClr="000000"/>
-                </a:solidFill>
-                <a:latin typeface="Calibri"/>
-              </a:rPr>
-              <a:t>VALUE_2</a:t>
-            </a:r>
-          </a:p>
-        </p:txBody>
-      </p:sp>
-      <p:sp>
-        <p:nvSpPr>
-          <p:cNvPr id="84" name="TextBox 83"/>
-          <p:cNvSpPr txBox="1"/>
-          <p:nvPr/>
-        </p:nvSpPr>
-        <p:spPr>
-          <a:xfrm>
-            <a:off x="3439300" y="2497497"/>
-            <a:ext cx="1725827" cy="400110"/>
-          </a:xfrm>
-          <a:prstGeom prst="rect">
-            <a:avLst/>
-          </a:prstGeom>
-          <a:noFill/>
-        </p:spPr>
-        <p:txBody>
-          <a:bodyPr wrap="square" rtlCol="0">
-            <a:spAutoFit/>
-          </a:bodyPr>
-          <a:lstStyle/>
-          <a:p>
-            <a:pPr>
-              <a:defRPr/>
-            </a:pPr>
-            <a:r>
-              <a:rPr lang="en-US" sz="2000" kern="0" dirty="0">
-                <a:solidFill>
-                  <a:sysClr val="windowText" lastClr="000000"/>
-                </a:solidFill>
-                <a:latin typeface="Calibri"/>
-              </a:rPr>
-              <a:t>role of A</a:t>
-            </a:r>
-          </a:p>
-        </p:txBody>
-      </p:sp>
-      <p:sp>
-        <p:nvSpPr>
-          <p:cNvPr id="85" name="TextBox 84"/>
-          <p:cNvSpPr txBox="1"/>
-          <p:nvPr/>
-        </p:nvSpPr>
-        <p:spPr>
-          <a:xfrm>
-            <a:off x="7771498" y="2169926"/>
-            <a:ext cx="1355124" cy="400110"/>
-          </a:xfrm>
-          <a:prstGeom prst="rect">
-            <a:avLst/>
-          </a:prstGeom>
-          <a:noFill/>
-        </p:spPr>
-        <p:txBody>
-          <a:bodyPr wrap="square" rtlCol="0">
-            <a:spAutoFit/>
-          </a:bodyPr>
-          <a:lstStyle/>
-          <a:p>
-            <a:pPr algn="r">
-              <a:defRPr/>
-            </a:pPr>
-            <a:r>
-              <a:rPr lang="en-US" sz="2000" kern="0" dirty="0">
-                <a:solidFill>
-                  <a:sysClr val="windowText" lastClr="000000"/>
-                </a:solidFill>
-                <a:latin typeface="Calibri"/>
-              </a:rPr>
-              <a:t>role of B</a:t>
-            </a:r>
-          </a:p>
-        </p:txBody>
-      </p:sp>
-      <p:sp>
-        <p:nvSpPr>
-          <p:cNvPr id="86" name="TextBox 85"/>
-          <p:cNvSpPr txBox="1"/>
-          <p:nvPr/>
-        </p:nvSpPr>
-        <p:spPr>
-          <a:xfrm>
-            <a:off x="7336957" y="2557764"/>
-            <a:ext cx="1824679" cy="400110"/>
-          </a:xfrm>
-          <a:prstGeom prst="rect">
-            <a:avLst/>
-          </a:prstGeom>
-          <a:noFill/>
-        </p:spPr>
-        <p:txBody>
-          <a:bodyPr wrap="square" rtlCol="0">
-            <a:spAutoFit/>
-          </a:bodyPr>
-          <a:lstStyle/>
-          <a:p>
-            <a:pPr algn="r">
-              <a:defRPr/>
-            </a:pPr>
-            <a:r>
-              <a:rPr lang="en-US" sz="2000" kern="0" dirty="0">
-                <a:solidFill>
-                  <a:sysClr val="windowText" lastClr="000000"/>
-                </a:solidFill>
-                <a:latin typeface="Calibri"/>
-              </a:rPr>
-              <a:t>multiplicity of B</a:t>
-            </a:r>
-          </a:p>
-        </p:txBody>
-      </p:sp>
-      <p:sp>
-        <p:nvSpPr>
-          <p:cNvPr id="87" name="Rectangle 86"/>
-          <p:cNvSpPr/>
-          <p:nvPr/>
-        </p:nvSpPr>
-        <p:spPr>
-          <a:xfrm>
-            <a:off x="2653615" y="3289808"/>
-            <a:ext cx="1342768" cy="400110"/>
+            <a:off x="2009984" y="103346"/>
+            <a:ext cx="2271584" cy="338554"/>
           </a:xfrm>
           <a:prstGeom prst="rect">
             <a:avLst/>
@@ -14333,33 +14373,46 @@
               <a:defRPr/>
             </a:pPr>
             <a:r>
-              <a:rPr lang="en-US" sz="2000" kern="0" dirty="0" err="1">
+              <a:rPr lang="en-US" sz="1600" kern="0" dirty="0">
                 <a:solidFill>
                   <a:sysClr val="windowText" lastClr="000000"/>
                 </a:solidFill>
-                <a:latin typeface="Calibri"/>
               </a:rPr>
-              <a:t>Superclass</a:t>
-            </a:r>
-            <a:endParaRPr lang="en-US" sz="2000" kern="0" dirty="0">
+              <a:t>C</a:t>
+            </a:r>
+            <a:r>
+              <a:rPr lang="en-US" altLang="zh-CN" sz="1600" kern="0" dirty="0">
+                <a:solidFill>
+                  <a:sysClr val="windowText" lastClr="000000"/>
+                </a:solidFill>
+                <a:ea typeface="宋体" panose="02010600030101010101" pitchFamily="2" charset="-122"/>
+              </a:rPr>
+              <a:t>ommand{abstract}</a:t>
+            </a:r>
+            <a:endParaRPr lang="en-US" sz="1600" kern="0" dirty="0">
               <a:solidFill>
                 <a:sysClr val="windowText" lastClr="000000"/>
               </a:solidFill>
-              <a:latin typeface="Calibri"/>
             </a:endParaRPr>
           </a:p>
         </p:txBody>
       </p:sp>
       <p:sp>
         <p:nvSpPr>
-          <p:cNvPr id="88" name="Rectangle 87"/>
+          <p:cNvPr id="8" name="Rectangle 7">
+            <a:extLst>
+              <a:ext uri="{FF2B5EF4-FFF2-40B4-BE49-F238E27FC236}">
+                <a16:creationId xmlns:a16="http://schemas.microsoft.com/office/drawing/2014/main" id="{D62E9C1B-6619-4107-A62C-015091E64C86}"/>
+              </a:ext>
+            </a:extLst>
+          </p:cNvPr>
           <p:cNvSpPr/>
           <p:nvPr/>
         </p:nvSpPr>
         <p:spPr>
           <a:xfrm>
-            <a:off x="1834981" y="4459703"/>
-            <a:ext cx="1299518" cy="400110"/>
+            <a:off x="1653231" y="1570222"/>
+            <a:ext cx="3299770" cy="338554"/>
           </a:xfrm>
           <a:prstGeom prst="rect">
             <a:avLst/>
@@ -14414,26 +14467,52 @@
               <a:defRPr/>
             </a:pPr>
             <a:r>
-              <a:rPr lang="en-US" sz="2000" kern="0" dirty="0">
+              <a:rPr lang="en-US" sz="1600" kern="0" dirty="0" err="1">
                 <a:solidFill>
                   <a:sysClr val="windowText" lastClr="000000"/>
                 </a:solidFill>
-                <a:latin typeface="Calibri"/>
               </a:rPr>
-              <a:t>Subclass 1</a:t>
-            </a:r>
-          </a:p>
-        </p:txBody>
-      </p:sp>
-      <p:sp>
-        <p:nvSpPr>
-          <p:cNvPr id="90" name="Isosceles Triangle 89"/>
+              <a:t>L</a:t>
+            </a:r>
+            <a:r>
+              <a:rPr lang="en-US" altLang="zh-CN" sz="1600" kern="0" dirty="0" err="1">
+                <a:solidFill>
+                  <a:sysClr val="windowText" lastClr="000000"/>
+                </a:solidFill>
+              </a:rPr>
+              <a:t>ist</a:t>
+            </a:r>
+            <a:r>
+              <a:rPr lang="en-US" sz="1600" kern="0" dirty="0" err="1">
+                <a:solidFill>
+                  <a:sysClr val="windowText" lastClr="000000"/>
+                </a:solidFill>
+              </a:rPr>
+              <a:t>Command</a:t>
+            </a:r>
+            <a:endParaRPr lang="en-US" sz="1600" kern="0" dirty="0">
+              <a:solidFill>
+                <a:sysClr val="windowText" lastClr="000000"/>
+              </a:solidFill>
+            </a:endParaRPr>
+          </a:p>
+        </p:txBody>
+      </p:sp>
+      <p:sp>
+        <p:nvSpPr>
+          <p:cNvPr id="9" name="Isosceles Triangle 8">
+            <a:extLst>
+              <a:ext uri="{FF2B5EF4-FFF2-40B4-BE49-F238E27FC236}">
+                <a16:creationId xmlns:a16="http://schemas.microsoft.com/office/drawing/2014/main" id="{0C3080E5-51EC-4A35-AF1D-897FF6A8BA93}"/>
+              </a:ext>
+            </a:extLst>
+          </p:cNvPr>
           <p:cNvSpPr/>
           <p:nvPr/>
         </p:nvSpPr>
         <p:spPr>
           <a:xfrm>
-            <a:off x="3210699" y="3713092"/>
+            <a:off x="3467100" y="783052"/>
             <a:ext cx="228600" cy="152400"/>
           </a:xfrm>
           <a:prstGeom prst="triangle">
@@ -14469,28 +14548,34 @@
           <a:lstStyle/>
           <a:p>
             <a:pPr algn="ctr" defTabSz="872733"/>
-            <a:endParaRPr lang="en-US" sz="2000">
+            <a:endParaRPr lang="en-US" sz="1600">
               <a:solidFill>
                 <a:prstClr val="black"/>
               </a:solidFill>
-              <a:latin typeface="Calibri"/>
             </a:endParaRPr>
           </a:p>
         </p:txBody>
       </p:sp>
       <p:cxnSp>
         <p:nvCxnSpPr>
-          <p:cNvPr id="91" name="Elbow Connector 26"/>
+          <p:cNvPr id="10" name="Elbow Connector 26">
+            <a:extLst>
+              <a:ext uri="{FF2B5EF4-FFF2-40B4-BE49-F238E27FC236}">
+                <a16:creationId xmlns:a16="http://schemas.microsoft.com/office/drawing/2014/main" id="{B8FDB2A7-30B8-4A13-8810-CE752B1FB937}"/>
+              </a:ext>
+            </a:extLst>
+          </p:cNvPr>
           <p:cNvCxnSpPr>
-            <a:stCxn id="88" idx="0"/>
-            <a:endCxn id="90" idx="3"/>
+            <a:cxnSpLocks/>
+            <a:stCxn id="8" idx="0"/>
+            <a:endCxn id="9" idx="3"/>
           </p:cNvCxnSpPr>
           <p:nvPr/>
         </p:nvCxnSpPr>
         <p:spPr>
           <a:xfrm rot="5400000" flipH="1" flipV="1">
-            <a:off x="2607765" y="3742470"/>
-            <a:ext cx="594211" cy="840259"/>
+            <a:off x="3124873" y="1113695"/>
+            <a:ext cx="634770" cy="278284"/>
           </a:xfrm>
           <a:prstGeom prst="bentConnector3">
             <a:avLst>
@@ -14509,17 +14594,24 @@
       </p:cxnSp>
       <p:cxnSp>
         <p:nvCxnSpPr>
-          <p:cNvPr id="92" name="Elbow Connector 26"/>
+          <p:cNvPr id="11" name="Elbow Connector 26">
+            <a:extLst>
+              <a:ext uri="{FF2B5EF4-FFF2-40B4-BE49-F238E27FC236}">
+                <a16:creationId xmlns:a16="http://schemas.microsoft.com/office/drawing/2014/main" id="{4C3C4562-3846-4670-B228-EF9BB4E5477A}"/>
+              </a:ext>
+            </a:extLst>
+          </p:cNvPr>
           <p:cNvCxnSpPr>
-            <a:stCxn id="96" idx="0"/>
-            <a:endCxn id="90" idx="3"/>
+            <a:cxnSpLocks/>
+            <a:stCxn id="12" idx="0"/>
+            <a:endCxn id="9" idx="3"/>
           </p:cNvCxnSpPr>
           <p:nvPr/>
         </p:nvCxnSpPr>
         <p:spPr>
           <a:xfrm rot="16200000" flipV="1">
-            <a:off x="3482521" y="3707972"/>
-            <a:ext cx="598329" cy="913370"/>
+            <a:off x="4562851" y="-45998"/>
+            <a:ext cx="629107" cy="2592007"/>
           </a:xfrm>
           <a:prstGeom prst="bentConnector3">
             <a:avLst>
@@ -14538,14 +14630,20 @@
       </p:cxnSp>
       <p:sp>
         <p:nvSpPr>
-          <p:cNvPr id="96" name="Rectangle 95"/>
+          <p:cNvPr id="12" name="Rectangle 11">
+            <a:extLst>
+              <a:ext uri="{FF2B5EF4-FFF2-40B4-BE49-F238E27FC236}">
+                <a16:creationId xmlns:a16="http://schemas.microsoft.com/office/drawing/2014/main" id="{9CB967B2-B86A-4474-8222-2915168F8EC9}"/>
+              </a:ext>
+            </a:extLst>
+          </p:cNvPr>
           <p:cNvSpPr/>
           <p:nvPr/>
         </p:nvSpPr>
         <p:spPr>
           <a:xfrm>
-            <a:off x="3601996" y="4463821"/>
-            <a:ext cx="1272747" cy="400110"/>
+            <a:off x="5238604" y="1564559"/>
+            <a:ext cx="1869605" cy="338554"/>
           </a:xfrm>
           <a:prstGeom prst="rect">
             <a:avLst/>
@@ -14600,78 +14698,37 @@
               <a:defRPr/>
             </a:pPr>
             <a:r>
-              <a:rPr lang="en-US" sz="2000" kern="0" dirty="0">
+              <a:rPr lang="en-US" sz="1600" kern="0" dirty="0" err="1">
                 <a:solidFill>
                   <a:sysClr val="windowText" lastClr="000000"/>
                 </a:solidFill>
-                <a:latin typeface="Calibri"/>
               </a:rPr>
-              <a:t>Subclass 2</a:t>
-            </a:r>
-          </a:p>
-        </p:txBody>
-      </p:sp>
-      <p:sp>
-        <p:nvSpPr>
-          <p:cNvPr id="98" name="Rectangle 97"/>
+              <a:t>AddCommmand</a:t>
+            </a:r>
+            <a:endParaRPr lang="en-US" sz="1600" kern="0" dirty="0">
+              <a:solidFill>
+                <a:sysClr val="windowText" lastClr="000000"/>
+              </a:solidFill>
+            </a:endParaRPr>
+          </a:p>
+        </p:txBody>
+      </p:sp>
+      <p:sp>
+        <p:nvSpPr>
+          <p:cNvPr id="26" name="Rectangle 25">
+            <a:extLst>
+              <a:ext uri="{FF2B5EF4-FFF2-40B4-BE49-F238E27FC236}">
+                <a16:creationId xmlns:a16="http://schemas.microsoft.com/office/drawing/2014/main" id="{30F2B73C-8DCF-4917-9F71-09DB0CA68A16}"/>
+              </a:ext>
+            </a:extLst>
+          </p:cNvPr>
           <p:cNvSpPr/>
           <p:nvPr/>
         </p:nvSpPr>
         <p:spPr>
           <a:xfrm>
-            <a:off x="1762897" y="5928372"/>
-            <a:ext cx="1610498" cy="400110"/>
-          </a:xfrm>
-          <a:prstGeom prst="rect">
-            <a:avLst/>
-          </a:prstGeom>
-          <a:ln w="19050"/>
-        </p:spPr>
-        <p:style>
-          <a:lnRef idx="1">
-            <a:schemeClr val="accent3"/>
-          </a:lnRef>
-          <a:fillRef idx="2">
-            <a:schemeClr val="accent3"/>
-          </a:fillRef>
-          <a:effectRef idx="1">
-            <a:schemeClr val="accent3"/>
-          </a:effectRef>
-          <a:fontRef idx="minor">
-            <a:schemeClr val="dk1"/>
-          </a:fontRef>
-        </p:style>
-        <p:txBody>
-          <a:bodyPr wrap="square" rtlCol="0" anchor="ctr">
-            <a:spAutoFit/>
-          </a:bodyPr>
-          <a:lstStyle/>
-          <a:p>
-            <a:pPr algn="ctr">
-              <a:defRPr/>
-            </a:pPr>
-            <a:r>
-              <a:rPr lang="en-US" sz="2000" kern="0" dirty="0">
-                <a:solidFill>
-                  <a:sysClr val="windowText" lastClr="000000"/>
-                </a:solidFill>
-                <a:latin typeface="Calibri"/>
-              </a:rPr>
-              <a:t>Whole</a:t>
-            </a:r>
-          </a:p>
-        </p:txBody>
-      </p:sp>
-      <p:sp>
-        <p:nvSpPr>
-          <p:cNvPr id="99" name="Rectangle 98"/>
-          <p:cNvSpPr/>
-          <p:nvPr/>
-        </p:nvSpPr>
-        <p:spPr>
-          <a:xfrm>
-            <a:off x="4744995" y="5928372"/>
-            <a:ext cx="1268626" cy="400110"/>
+            <a:off x="5565082" y="2656061"/>
+            <a:ext cx="4419594" cy="338554"/>
           </a:xfrm>
           <a:prstGeom prst="rect">
             <a:avLst/>
@@ -14722,633 +14779,41 @@
           </a:bodyPr>
           <a:lstStyle/>
           <a:p>
-            <a:pPr algn="ctr">
-              <a:defRPr/>
-            </a:pPr>
-            <a:r>
-              <a:rPr lang="en-US" sz="2000" kern="0" dirty="0">
-                <a:solidFill>
-                  <a:sysClr val="windowText" lastClr="000000"/>
-                </a:solidFill>
-                <a:latin typeface="Calibri"/>
-              </a:rPr>
-              <a:t>Part</a:t>
-            </a:r>
-          </a:p>
-        </p:txBody>
-      </p:sp>
-      <p:cxnSp>
-        <p:nvCxnSpPr>
-          <p:cNvPr id="100" name="Elbow Connector 26"/>
-          <p:cNvCxnSpPr>
-            <a:cxnSpLocks/>
-            <a:stCxn id="99" idx="1"/>
-            <a:endCxn id="98" idx="3"/>
-          </p:cNvCxnSpPr>
-          <p:nvPr/>
-        </p:nvCxnSpPr>
-        <p:spPr>
-          <a:xfrm rot="10800000">
-            <a:off x="3373395" y="6128427"/>
-            <a:ext cx="1371600" cy="1588"/>
-          </a:xfrm>
-          <a:prstGeom prst="bentConnector3">
-            <a:avLst>
-              <a:gd name="adj1" fmla="val 50000"/>
-            </a:avLst>
-          </a:prstGeom>
-          <a:noFill/>
-          <a:ln w="19050" cap="flat" cmpd="sng" algn="ctr">
-            <a:solidFill>
-              <a:sysClr val="windowText" lastClr="000000"/>
-            </a:solidFill>
-            <a:prstDash val="solid"/>
-          </a:ln>
-          <a:effectLst/>
-        </p:spPr>
-      </p:cxnSp>
-      <p:sp>
-        <p:nvSpPr>
-          <p:cNvPr id="105" name="Flowchart: Decision 104"/>
-          <p:cNvSpPr/>
-          <p:nvPr/>
-        </p:nvSpPr>
-        <p:spPr>
-          <a:xfrm>
-            <a:off x="3373395" y="6019961"/>
-            <a:ext cx="228600" cy="228600"/>
-          </a:xfrm>
-          <a:prstGeom prst="flowChartDecision">
-            <a:avLst/>
-          </a:prstGeom>
-          <a:solidFill>
-            <a:srgbClr val="FF0000"/>
-          </a:solidFill>
-          <a:ln w="19050">
-            <a:solidFill>
-              <a:srgbClr val="FF0000"/>
-            </a:solidFill>
-          </a:ln>
-        </p:spPr>
-        <p:style>
-          <a:lnRef idx="2">
-            <a:schemeClr val="accent1">
-              <a:shade val="50000"/>
-            </a:schemeClr>
-          </a:lnRef>
-          <a:fillRef idx="1">
-            <a:schemeClr val="accent1"/>
-          </a:fillRef>
-          <a:effectRef idx="0">
-            <a:schemeClr val="accent1"/>
-          </a:effectRef>
-          <a:fontRef idx="minor">
-            <a:schemeClr val="lt1"/>
-          </a:fontRef>
-        </p:style>
-        <p:txBody>
-          <a:bodyPr rtlCol="0" anchor="ctr"/>
-          <a:lstStyle/>
-          <a:p>
-            <a:pPr algn="ctr" defTabSz="872733"/>
-            <a:endParaRPr lang="en-US" sz="2000">
-              <a:solidFill>
-                <a:prstClr val="white"/>
-              </a:solidFill>
-              <a:latin typeface="Calibri"/>
-            </a:endParaRPr>
-          </a:p>
-        </p:txBody>
-      </p:sp>
-      <p:sp>
-        <p:nvSpPr>
-          <p:cNvPr id="110" name="Rectangle 109"/>
-          <p:cNvSpPr/>
-          <p:nvPr/>
-        </p:nvSpPr>
-        <p:spPr>
-          <a:xfrm>
-            <a:off x="6464000" y="345913"/>
-            <a:ext cx="1600200" cy="400110"/>
-          </a:xfrm>
-          <a:prstGeom prst="rect">
-            <a:avLst/>
-          </a:prstGeom>
-          <a:ln w="19050"/>
-        </p:spPr>
-        <p:style>
-          <a:lnRef idx="1">
-            <a:schemeClr val="accent6"/>
-          </a:lnRef>
-          <a:fillRef idx="2">
-            <a:schemeClr val="accent6"/>
-          </a:fillRef>
-          <a:effectRef idx="1">
-            <a:schemeClr val="accent6"/>
-          </a:effectRef>
-          <a:fontRef idx="minor">
-            <a:schemeClr val="dk1"/>
-          </a:fontRef>
-        </p:style>
-        <p:txBody>
-          <a:bodyPr wrap="square" rtlCol="0" anchor="ctr">
-            <a:spAutoFit/>
-          </a:bodyPr>
-          <a:lstStyle/>
-          <a:p>
-            <a:pPr algn="ctr">
-              <a:defRPr/>
-            </a:pPr>
-            <a:r>
-              <a:rPr lang="en-US" sz="2000" kern="0" dirty="0">
-                <a:solidFill>
-                  <a:sysClr val="windowText" lastClr="000000"/>
-                </a:solidFill>
-                <a:latin typeface="Calibri"/>
-              </a:rPr>
-              <a:t>Class name</a:t>
-            </a:r>
-          </a:p>
-        </p:txBody>
-      </p:sp>
-      <p:sp>
-        <p:nvSpPr>
-          <p:cNvPr id="111" name="Rectangle 110"/>
-          <p:cNvSpPr/>
-          <p:nvPr/>
-        </p:nvSpPr>
-        <p:spPr>
-          <a:xfrm>
-            <a:off x="6464001" y="737305"/>
-            <a:ext cx="1600199" cy="400110"/>
-          </a:xfrm>
-          <a:prstGeom prst="rect">
-            <a:avLst/>
-          </a:prstGeom>
-          <a:ln w="19050"/>
-        </p:spPr>
-        <p:style>
-          <a:lnRef idx="1">
-            <a:schemeClr val="accent6"/>
-          </a:lnRef>
-          <a:fillRef idx="2">
-            <a:schemeClr val="accent6"/>
-          </a:fillRef>
-          <a:effectRef idx="1">
-            <a:schemeClr val="accent6"/>
-          </a:effectRef>
-          <a:fontRef idx="minor">
-            <a:schemeClr val="dk1"/>
-          </a:fontRef>
-        </p:style>
-        <p:txBody>
-          <a:bodyPr wrap="square" rtlCol="0" anchor="ctr">
-            <a:spAutoFit/>
-          </a:bodyPr>
-          <a:lstStyle/>
-          <a:p>
             <a:pPr>
               <a:defRPr/>
             </a:pPr>
             <a:r>
-              <a:rPr lang="en-US" sz="2000" kern="0" dirty="0">
+              <a:rPr lang="en-US" sz="1600" kern="0" dirty="0" err="1">
                 <a:solidFill>
                   <a:sysClr val="windowText" lastClr="000000"/>
                 </a:solidFill>
-                <a:latin typeface="Calibri"/>
               </a:rPr>
-              <a:t>attributes</a:t>
-            </a:r>
-          </a:p>
-        </p:txBody>
-      </p:sp>
-      <p:sp>
-        <p:nvSpPr>
-          <p:cNvPr id="112" name="Rounded Rectangular Callout 111"/>
+              <a:t>TaskList</a:t>
+            </a:r>
+            <a:endParaRPr lang="en-US" sz="1600" kern="0" dirty="0">
+              <a:solidFill>
+                <a:sysClr val="windowText" lastClr="000000"/>
+              </a:solidFill>
+            </a:endParaRPr>
+          </a:p>
+        </p:txBody>
+      </p:sp>
+      <p:sp>
+        <p:nvSpPr>
+          <p:cNvPr id="28" name="Rectangle 27">
+            <a:extLst>
+              <a:ext uri="{FF2B5EF4-FFF2-40B4-BE49-F238E27FC236}">
+                <a16:creationId xmlns:a16="http://schemas.microsoft.com/office/drawing/2014/main" id="{3A125AAE-CCFE-4A7B-97F7-2FDE0543386D}"/>
+              </a:ext>
+            </a:extLst>
+          </p:cNvPr>
           <p:cNvSpPr/>
           <p:nvPr/>
         </p:nvSpPr>
         <p:spPr>
           <a:xfrm>
-            <a:off x="4348538" y="1449846"/>
-            <a:ext cx="1552833" cy="442674"/>
-          </a:xfrm>
-          <a:prstGeom prst="wedgeRoundRectCallout">
-            <a:avLst>
-              <a:gd name="adj1" fmla="val -20833"/>
-              <a:gd name="adj2" fmla="val 78544"/>
-              <a:gd name="adj3" fmla="val 16667"/>
-            </a:avLst>
-          </a:prstGeom>
-          <a:solidFill>
-            <a:schemeClr val="accent1">
-              <a:lumMod val="20000"/>
-              <a:lumOff val="80000"/>
-            </a:schemeClr>
-          </a:solidFill>
-          <a:ln w="9525">
-            <a:noFill/>
-            <a:prstDash val="sysDash"/>
-            <a:headEnd type="none" w="med" len="med"/>
-            <a:tailEnd type="arrow" w="med" len="med"/>
-          </a:ln>
-        </p:spPr>
-        <p:style>
-          <a:lnRef idx="2">
-            <a:schemeClr val="accent1">
-              <a:shade val="50000"/>
-            </a:schemeClr>
-          </a:lnRef>
-          <a:fillRef idx="1">
-            <a:schemeClr val="accent1"/>
-          </a:fillRef>
-          <a:effectRef idx="0">
-            <a:schemeClr val="accent1"/>
-          </a:effectRef>
-          <a:fontRef idx="minor">
-            <a:schemeClr val="lt1"/>
-          </a:fontRef>
-        </p:style>
-        <p:txBody>
-          <a:bodyPr wrap="square" rtlCol="0" anchor="ctr">
-            <a:spAutoFit/>
-          </a:bodyPr>
-          <a:lstStyle/>
-          <a:p>
-            <a:pPr algn="ctr" defTabSz="872733"/>
-            <a:r>
-              <a:rPr lang="en-US" sz="2000" b="1" dirty="0">
-                <a:solidFill>
-                  <a:prstClr val="black"/>
-                </a:solidFill>
-                <a:latin typeface="Calibri"/>
-              </a:rPr>
-              <a:t>association </a:t>
-            </a:r>
-          </a:p>
-        </p:txBody>
-      </p:sp>
-      <p:sp>
-        <p:nvSpPr>
-          <p:cNvPr id="114" name="Rounded Rectangular Callout 113"/>
-          <p:cNvSpPr/>
-          <p:nvPr/>
-        </p:nvSpPr>
-        <p:spPr>
-          <a:xfrm>
-            <a:off x="4327364" y="3630376"/>
-            <a:ext cx="1734064" cy="442674"/>
-          </a:xfrm>
-          <a:prstGeom prst="wedgeRoundRectCallout">
-            <a:avLst>
-              <a:gd name="adj1" fmla="val -64349"/>
-              <a:gd name="adj2" fmla="val 18380"/>
-              <a:gd name="adj3" fmla="val 16667"/>
-            </a:avLst>
-          </a:prstGeom>
-          <a:solidFill>
-            <a:schemeClr val="accent1">
-              <a:lumMod val="20000"/>
-              <a:lumOff val="80000"/>
-            </a:schemeClr>
-          </a:solidFill>
-          <a:ln w="9525">
-            <a:noFill/>
-            <a:prstDash val="sysDash"/>
-            <a:headEnd type="none" w="med" len="med"/>
-            <a:tailEnd type="arrow" w="med" len="med"/>
-          </a:ln>
-        </p:spPr>
-        <p:style>
-          <a:lnRef idx="2">
-            <a:schemeClr val="accent1">
-              <a:shade val="50000"/>
-            </a:schemeClr>
-          </a:lnRef>
-          <a:fillRef idx="1">
-            <a:schemeClr val="accent1"/>
-          </a:fillRef>
-          <a:effectRef idx="0">
-            <a:schemeClr val="accent1"/>
-          </a:effectRef>
-          <a:fontRef idx="minor">
-            <a:schemeClr val="lt1"/>
-          </a:fontRef>
-        </p:style>
-        <p:txBody>
-          <a:bodyPr wrap="square" rtlCol="0" anchor="ctr">
-            <a:spAutoFit/>
-          </a:bodyPr>
-          <a:lstStyle/>
-          <a:p>
-            <a:pPr algn="ctr" defTabSz="872733"/>
-            <a:r>
-              <a:rPr lang="en-US" sz="2000" b="1" dirty="0">
-                <a:solidFill>
-                  <a:prstClr val="black"/>
-                </a:solidFill>
-                <a:latin typeface="Calibri"/>
-              </a:rPr>
-              <a:t>inheritance</a:t>
-            </a:r>
-          </a:p>
-        </p:txBody>
-      </p:sp>
-      <p:sp>
-        <p:nvSpPr>
-          <p:cNvPr id="115" name="Rounded Rectangular Callout 114"/>
-          <p:cNvSpPr/>
-          <p:nvPr/>
-        </p:nvSpPr>
-        <p:spPr>
-          <a:xfrm>
-            <a:off x="3317789" y="5359468"/>
-            <a:ext cx="1734064" cy="442674"/>
-          </a:xfrm>
-          <a:prstGeom prst="wedgeRoundRectCallout">
-            <a:avLst>
-              <a:gd name="adj1" fmla="val -34589"/>
-              <a:gd name="adj2" fmla="val 93933"/>
-              <a:gd name="adj3" fmla="val 16667"/>
-            </a:avLst>
-          </a:prstGeom>
-          <a:solidFill>
-            <a:schemeClr val="accent1">
-              <a:lumMod val="20000"/>
-              <a:lumOff val="80000"/>
-            </a:schemeClr>
-          </a:solidFill>
-          <a:ln w="9525">
-            <a:noFill/>
-            <a:prstDash val="sysDash"/>
-            <a:headEnd type="none" w="med" len="med"/>
-            <a:tailEnd type="arrow" w="med" len="med"/>
-          </a:ln>
-        </p:spPr>
-        <p:style>
-          <a:lnRef idx="2">
-            <a:schemeClr val="accent1">
-              <a:shade val="50000"/>
-            </a:schemeClr>
-          </a:lnRef>
-          <a:fillRef idx="1">
-            <a:schemeClr val="accent1"/>
-          </a:fillRef>
-          <a:effectRef idx="0">
-            <a:schemeClr val="accent1"/>
-          </a:effectRef>
-          <a:fontRef idx="minor">
-            <a:schemeClr val="lt1"/>
-          </a:fontRef>
-        </p:style>
-        <p:txBody>
-          <a:bodyPr wrap="square" rtlCol="0" anchor="ctr">
-            <a:spAutoFit/>
-          </a:bodyPr>
-          <a:lstStyle/>
-          <a:p>
-            <a:pPr algn="ctr" defTabSz="872733"/>
-            <a:r>
-              <a:rPr lang="en-US" sz="2000" b="1" dirty="0">
-                <a:solidFill>
-                  <a:prstClr val="black"/>
-                </a:solidFill>
-                <a:latin typeface="Calibri"/>
-              </a:rPr>
-              <a:t>composition</a:t>
-            </a:r>
-          </a:p>
-        </p:txBody>
-      </p:sp>
-      <p:sp>
-        <p:nvSpPr>
-          <p:cNvPr id="116" name="Rounded Rectangular Callout 115"/>
-          <p:cNvSpPr/>
-          <p:nvPr/>
-        </p:nvSpPr>
-        <p:spPr>
-          <a:xfrm>
-            <a:off x="5802992" y="4261481"/>
-            <a:ext cx="1734064" cy="442674"/>
-          </a:xfrm>
-          <a:prstGeom prst="wedgeRoundRectCallout">
-            <a:avLst>
-              <a:gd name="adj1" fmla="val 59544"/>
-              <a:gd name="adj2" fmla="val 6347"/>
-              <a:gd name="adj3" fmla="val 16667"/>
-            </a:avLst>
-          </a:prstGeom>
-          <a:solidFill>
-            <a:schemeClr val="accent1">
-              <a:lumMod val="20000"/>
-              <a:lumOff val="80000"/>
-            </a:schemeClr>
-          </a:solidFill>
-          <a:ln w="9525">
-            <a:noFill/>
-            <a:prstDash val="sysDash"/>
-            <a:headEnd type="none" w="med" len="med"/>
-            <a:tailEnd type="arrow" w="med" len="med"/>
-          </a:ln>
-        </p:spPr>
-        <p:style>
-          <a:lnRef idx="2">
-            <a:schemeClr val="accent1">
-              <a:shade val="50000"/>
-            </a:schemeClr>
-          </a:lnRef>
-          <a:fillRef idx="1">
-            <a:schemeClr val="accent1"/>
-          </a:fillRef>
-          <a:effectRef idx="0">
-            <a:schemeClr val="accent1"/>
-          </a:effectRef>
-          <a:fontRef idx="minor">
-            <a:schemeClr val="lt1"/>
-          </a:fontRef>
-        </p:style>
-        <p:txBody>
-          <a:bodyPr wrap="square" rtlCol="0" anchor="ctr">
-            <a:spAutoFit/>
-          </a:bodyPr>
-          <a:lstStyle/>
-          <a:p>
-            <a:pPr algn="ctr" defTabSz="872733"/>
-            <a:r>
-              <a:rPr lang="en-US" sz="2000" b="1" dirty="0">
-                <a:solidFill>
-                  <a:prstClr val="black"/>
-                </a:solidFill>
-                <a:latin typeface="Calibri"/>
-              </a:rPr>
-              <a:t>enumerations</a:t>
-            </a:r>
-          </a:p>
-        </p:txBody>
-      </p:sp>
-      <p:sp>
-        <p:nvSpPr>
-          <p:cNvPr id="29" name="Isosceles Triangle 1"/>
-          <p:cNvSpPr/>
-          <p:nvPr/>
-        </p:nvSpPr>
-        <p:spPr>
-          <a:xfrm rot="5400000" flipH="1">
-            <a:off x="7391260" y="2321322"/>
-            <a:ext cx="158418" cy="119022"/>
-          </a:xfrm>
-          <a:prstGeom prst="triangle">
-            <a:avLst/>
-          </a:prstGeom>
-          <a:solidFill>
-            <a:schemeClr val="tx1"/>
-          </a:solidFill>
-          <a:ln>
-            <a:noFill/>
-          </a:ln>
-        </p:spPr>
-        <p:style>
-          <a:lnRef idx="2">
-            <a:schemeClr val="accent1">
-              <a:shade val="50000"/>
-            </a:schemeClr>
-          </a:lnRef>
-          <a:fillRef idx="1">
-            <a:schemeClr val="accent1"/>
-          </a:fillRef>
-          <a:effectRef idx="0">
-            <a:schemeClr val="accent1"/>
-          </a:effectRef>
-          <a:fontRef idx="minor">
-            <a:schemeClr val="lt1"/>
-          </a:fontRef>
-        </p:style>
-        <p:txBody>
-          <a:bodyPr rtlCol="0" anchor="ctr"/>
-          <a:lstStyle/>
-          <a:p>
-            <a:pPr algn="ctr"/>
-            <a:endParaRPr lang="en-US">
-              <a:solidFill>
-                <a:prstClr val="white"/>
-              </a:solidFill>
-              <a:latin typeface="Calibri"/>
-            </a:endParaRPr>
-          </a:p>
-        </p:txBody>
-      </p:sp>
-      <p:sp>
-        <p:nvSpPr>
-          <p:cNvPr id="30" name="Rectangle 29"/>
-          <p:cNvSpPr/>
-          <p:nvPr/>
-        </p:nvSpPr>
-        <p:spPr>
-          <a:xfrm>
-            <a:off x="6464001" y="1138075"/>
-            <a:ext cx="1600199" cy="400110"/>
-          </a:xfrm>
-          <a:prstGeom prst="rect">
-            <a:avLst/>
-          </a:prstGeom>
-          <a:ln w="19050"/>
-        </p:spPr>
-        <p:style>
-          <a:lnRef idx="1">
-            <a:schemeClr val="accent6"/>
-          </a:lnRef>
-          <a:fillRef idx="2">
-            <a:schemeClr val="accent6"/>
-          </a:fillRef>
-          <a:effectRef idx="1">
-            <a:schemeClr val="accent6"/>
-          </a:effectRef>
-          <a:fontRef idx="minor">
-            <a:schemeClr val="dk1"/>
-          </a:fontRef>
-        </p:style>
-        <p:txBody>
-          <a:bodyPr wrap="square" rtlCol="0" anchor="ctr">
-            <a:spAutoFit/>
-          </a:bodyPr>
-          <a:lstStyle/>
-          <a:p>
-            <a:pPr>
-              <a:defRPr/>
-            </a:pPr>
-            <a:r>
-              <a:rPr lang="en-US" sz="2000" kern="0" dirty="0">
-                <a:solidFill>
-                  <a:sysClr val="windowText" lastClr="000000"/>
-                </a:solidFill>
-                <a:latin typeface="Calibri"/>
-              </a:rPr>
-              <a:t>methods</a:t>
-            </a:r>
-          </a:p>
-        </p:txBody>
-      </p:sp>
-      <p:sp>
-        <p:nvSpPr>
-          <p:cNvPr id="31" name="Rectangle 30"/>
-          <p:cNvSpPr/>
-          <p:nvPr/>
-        </p:nvSpPr>
-        <p:spPr>
-          <a:xfrm>
-            <a:off x="6241641" y="5937261"/>
-            <a:ext cx="1610498" cy="400110"/>
-          </a:xfrm>
-          <a:prstGeom prst="rect">
-            <a:avLst/>
-          </a:prstGeom>
-          <a:ln w="19050"/>
-        </p:spPr>
-        <p:style>
-          <a:lnRef idx="1">
-            <a:schemeClr val="accent3"/>
-          </a:lnRef>
-          <a:fillRef idx="2">
-            <a:schemeClr val="accent3"/>
-          </a:fillRef>
-          <a:effectRef idx="1">
-            <a:schemeClr val="accent3"/>
-          </a:effectRef>
-          <a:fontRef idx="minor">
-            <a:schemeClr val="dk1"/>
-          </a:fontRef>
-        </p:style>
-        <p:txBody>
-          <a:bodyPr wrap="square" rtlCol="0" anchor="ctr">
-            <a:spAutoFit/>
-          </a:bodyPr>
-          <a:lstStyle/>
-          <a:p>
-            <a:pPr algn="ctr">
-              <a:defRPr/>
-            </a:pPr>
-            <a:r>
-              <a:rPr lang="en-US" sz="2000" kern="0" dirty="0">
-                <a:solidFill>
-                  <a:sysClr val="windowText" lastClr="000000"/>
-                </a:solidFill>
-                <a:latin typeface="Calibri"/>
-              </a:rPr>
-              <a:t>Container</a:t>
-            </a:r>
-          </a:p>
-        </p:txBody>
-      </p:sp>
-      <p:sp>
-        <p:nvSpPr>
-          <p:cNvPr id="32" name="Rectangle 31"/>
-          <p:cNvSpPr/>
-          <p:nvPr/>
-        </p:nvSpPr>
-        <p:spPr>
-          <a:xfrm>
-            <a:off x="9223739" y="5937261"/>
-            <a:ext cx="1268626" cy="400110"/>
+            <a:off x="6665194" y="5018011"/>
+            <a:ext cx="2230866" cy="338554"/>
           </a:xfrm>
           <a:prstGeom prst="rect">
             <a:avLst/>
@@ -15399,589 +14864,36 @@
           </a:bodyPr>
           <a:lstStyle/>
           <a:p>
-            <a:pPr algn="ctr">
-              <a:defRPr/>
-            </a:pPr>
-            <a:r>
-              <a:rPr lang="en-US" sz="2000" kern="0" dirty="0">
-                <a:solidFill>
-                  <a:sysClr val="windowText" lastClr="000000"/>
-                </a:solidFill>
-                <a:latin typeface="Calibri"/>
-              </a:rPr>
-              <a:t>Item</a:t>
-            </a:r>
-          </a:p>
-        </p:txBody>
-      </p:sp>
-      <p:cxnSp>
-        <p:nvCxnSpPr>
-          <p:cNvPr id="33" name="Elbow Connector 26"/>
-          <p:cNvCxnSpPr>
-            <a:stCxn id="32" idx="1"/>
-            <a:endCxn id="34" idx="3"/>
-          </p:cNvCxnSpPr>
-          <p:nvPr/>
-        </p:nvCxnSpPr>
-        <p:spPr>
-          <a:xfrm rot="10800000" flipV="1">
-            <a:off x="8080739" y="6137316"/>
-            <a:ext cx="1143000" cy="5834"/>
-          </a:xfrm>
-          <a:prstGeom prst="bentConnector3">
-            <a:avLst>
-              <a:gd name="adj1" fmla="val 50000"/>
-            </a:avLst>
-          </a:prstGeom>
-          <a:noFill/>
-          <a:ln w="19050" cap="flat" cmpd="sng" algn="ctr">
-            <a:solidFill>
-              <a:sysClr val="windowText" lastClr="000000"/>
-            </a:solidFill>
-            <a:prstDash val="solid"/>
-          </a:ln>
-          <a:effectLst/>
-        </p:spPr>
-      </p:cxnSp>
-      <p:sp>
-        <p:nvSpPr>
-          <p:cNvPr id="34" name="Flowchart: Decision 33"/>
-          <p:cNvSpPr/>
-          <p:nvPr/>
-        </p:nvSpPr>
-        <p:spPr>
-          <a:xfrm>
-            <a:off x="7852139" y="6028850"/>
-            <a:ext cx="228600" cy="228600"/>
-          </a:xfrm>
-          <a:prstGeom prst="flowChartDecision">
-            <a:avLst/>
-          </a:prstGeom>
-          <a:noFill/>
-          <a:ln w="19050">
-            <a:solidFill>
-              <a:srgbClr val="FF0000"/>
-            </a:solidFill>
-          </a:ln>
-        </p:spPr>
-        <p:style>
-          <a:lnRef idx="2">
-            <a:schemeClr val="accent1">
-              <a:shade val="50000"/>
-            </a:schemeClr>
-          </a:lnRef>
-          <a:fillRef idx="1">
-            <a:schemeClr val="accent1"/>
-          </a:fillRef>
-          <a:effectRef idx="0">
-            <a:schemeClr val="accent1"/>
-          </a:effectRef>
-          <a:fontRef idx="minor">
-            <a:schemeClr val="lt1"/>
-          </a:fontRef>
-        </p:style>
-        <p:txBody>
-          <a:bodyPr rtlCol="0" anchor="ctr"/>
-          <a:lstStyle/>
-          <a:p>
-            <a:pPr algn="ctr" defTabSz="872733"/>
-            <a:endParaRPr lang="en-US" sz="2000">
-              <a:solidFill>
-                <a:prstClr val="white"/>
-              </a:solidFill>
-              <a:latin typeface="Calibri"/>
-            </a:endParaRPr>
-          </a:p>
-        </p:txBody>
-      </p:sp>
-      <p:sp>
-        <p:nvSpPr>
-          <p:cNvPr id="35" name="Rounded Rectangular Callout 34"/>
-          <p:cNvSpPr/>
-          <p:nvPr/>
-        </p:nvSpPr>
-        <p:spPr>
-          <a:xfrm>
-            <a:off x="7796533" y="5368357"/>
-            <a:ext cx="1734064" cy="442674"/>
-          </a:xfrm>
-          <a:prstGeom prst="wedgeRoundRectCallout">
-            <a:avLst>
-              <a:gd name="adj1" fmla="val -32608"/>
-              <a:gd name="adj2" fmla="val 102609"/>
-              <a:gd name="adj3" fmla="val 16667"/>
-            </a:avLst>
-          </a:prstGeom>
-          <a:solidFill>
-            <a:schemeClr val="accent1">
-              <a:lumMod val="20000"/>
-              <a:lumOff val="80000"/>
-            </a:schemeClr>
-          </a:solidFill>
-          <a:ln w="9525">
-            <a:noFill/>
-            <a:prstDash val="sysDash"/>
-            <a:headEnd type="none" w="med" len="med"/>
-            <a:tailEnd type="arrow" w="med" len="med"/>
-          </a:ln>
-        </p:spPr>
-        <p:style>
-          <a:lnRef idx="2">
-            <a:schemeClr val="accent1">
-              <a:shade val="50000"/>
-            </a:schemeClr>
-          </a:lnRef>
-          <a:fillRef idx="1">
-            <a:schemeClr val="accent1"/>
-          </a:fillRef>
-          <a:effectRef idx="0">
-            <a:schemeClr val="accent1"/>
-          </a:effectRef>
-          <a:fontRef idx="minor">
-            <a:schemeClr val="lt1"/>
-          </a:fontRef>
-        </p:style>
-        <p:txBody>
-          <a:bodyPr wrap="square" rtlCol="0" anchor="ctr">
-            <a:spAutoFit/>
-          </a:bodyPr>
-          <a:lstStyle/>
-          <a:p>
-            <a:pPr algn="ctr" defTabSz="872733"/>
-            <a:r>
-              <a:rPr lang="en-US" sz="2000" b="1" dirty="0">
-                <a:solidFill>
-                  <a:prstClr val="black"/>
-                </a:solidFill>
-                <a:latin typeface="Calibri"/>
-              </a:rPr>
-              <a:t>aggregation</a:t>
-            </a:r>
-          </a:p>
-        </p:txBody>
-      </p:sp>
-    </p:spTree>
-    <p:extLst>
-      <p:ext uri="{BB962C8B-B14F-4D97-AF65-F5344CB8AC3E}">
-        <p14:creationId xmlns:p14="http://schemas.microsoft.com/office/powerpoint/2010/main" val="3905253664"/>
-      </p:ext>
-    </p:extLst>
-  </p:cSld>
-  <p:clrMapOvr>
-    <a:masterClrMapping/>
-  </p:clrMapOvr>
-</p:sld>
-</file>
-
-<file path=ppt/slides/slide4.xml><?xml version="1.0" encoding="utf-8"?>
-<p:sld xmlns:a="http://schemas.openxmlformats.org/drawingml/2006/main" xmlns:r="http://schemas.openxmlformats.org/officeDocument/2006/relationships" xmlns:p="http://schemas.openxmlformats.org/presentationml/2006/main">
-  <p:cSld>
-    <p:spTree>
-      <p:nvGrpSpPr>
-        <p:cNvPr id="1" name=""/>
-        <p:cNvGrpSpPr/>
-        <p:nvPr/>
-      </p:nvGrpSpPr>
-      <p:grpSpPr>
-        <a:xfrm>
-          <a:off x="0" y="0"/>
-          <a:ext cx="0" cy="0"/>
-          <a:chOff x="0" y="0"/>
-          <a:chExt cx="0" cy="0"/>
-        </a:xfrm>
-      </p:grpSpPr>
-      <p:sp>
-        <p:nvSpPr>
-          <p:cNvPr id="4" name="Rectangle 3"/>
-          <p:cNvSpPr/>
-          <p:nvPr/>
-        </p:nvSpPr>
-        <p:spPr>
-          <a:xfrm>
-            <a:off x="1647404" y="258266"/>
-            <a:ext cx="5178020" cy="400110"/>
-          </a:xfrm>
-          <a:prstGeom prst="rect">
-            <a:avLst/>
-          </a:prstGeom>
-          <a:ln w="19050"/>
-        </p:spPr>
-        <p:style>
-          <a:lnRef idx="1">
-            <a:schemeClr val="accent5"/>
-          </a:lnRef>
-          <a:fillRef idx="2">
-            <a:schemeClr val="accent5"/>
-          </a:fillRef>
-          <a:effectRef idx="1">
-            <a:schemeClr val="accent5"/>
-          </a:effectRef>
-          <a:fontRef idx="minor">
-            <a:schemeClr val="dk1"/>
-          </a:fontRef>
-        </p:style>
-        <p:txBody>
-          <a:bodyPr wrap="square" rtlCol="0" anchor="ctr">
-            <a:spAutoFit/>
-          </a:bodyPr>
-          <a:lstStyle/>
-          <a:p>
-            <a:pPr algn="ctr">
-              <a:defRPr/>
-            </a:pPr>
-            <a:r>
-              <a:rPr lang="en-US" sz="2000" kern="0" dirty="0">
-                <a:solidFill>
-                  <a:sysClr val="windowText" lastClr="000000"/>
-                </a:solidFill>
-                <a:latin typeface="Calibri"/>
-              </a:rPr>
-              <a:t>Class name</a:t>
-            </a:r>
-          </a:p>
-        </p:txBody>
-      </p:sp>
-      <p:sp>
-        <p:nvSpPr>
-          <p:cNvPr id="5" name="Rectangle 4"/>
-          <p:cNvSpPr/>
-          <p:nvPr/>
-        </p:nvSpPr>
-        <p:spPr>
-          <a:xfrm>
-            <a:off x="1645426" y="640945"/>
-            <a:ext cx="5178020" cy="400110"/>
-          </a:xfrm>
-          <a:prstGeom prst="rect">
-            <a:avLst/>
-          </a:prstGeom>
-          <a:ln w="19050"/>
-        </p:spPr>
-        <p:style>
-          <a:lnRef idx="1">
-            <a:schemeClr val="accent5"/>
-          </a:lnRef>
-          <a:fillRef idx="2">
-            <a:schemeClr val="accent5"/>
-          </a:fillRef>
-          <a:effectRef idx="1">
-            <a:schemeClr val="accent5"/>
-          </a:effectRef>
-          <a:fontRef idx="minor">
-            <a:schemeClr val="dk1"/>
-          </a:fontRef>
-        </p:style>
-        <p:txBody>
-          <a:bodyPr wrap="square" rtlCol="0" anchor="ctr">
-            <a:spAutoFit/>
-          </a:bodyPr>
-          <a:lstStyle/>
-          <a:p>
             <a:pPr>
               <a:defRPr/>
             </a:pPr>
             <a:r>
-              <a:rPr lang="en-US" sz="2000" kern="0" dirty="0">
+              <a:rPr lang="en-US" sz="1600" kern="0" dirty="0">
                 <a:solidFill>
                   <a:sysClr val="windowText" lastClr="000000"/>
                 </a:solidFill>
-                <a:latin typeface="Calibri"/>
               </a:rPr>
-              <a:t>visibility name : type multiplicity = default-value</a:t>
-            </a:r>
-          </a:p>
-        </p:txBody>
-      </p:sp>
-      <p:sp>
-        <p:nvSpPr>
-          <p:cNvPr id="6" name="Rectangle 5"/>
+              <a:t>     Task</a:t>
+            </a:r>
+          </a:p>
+        </p:txBody>
+      </p:sp>
+      <p:sp>
+        <p:nvSpPr>
+          <p:cNvPr id="29" name="Rectangle 28">
+            <a:extLst>
+              <a:ext uri="{FF2B5EF4-FFF2-40B4-BE49-F238E27FC236}">
+                <a16:creationId xmlns:a16="http://schemas.microsoft.com/office/drawing/2014/main" id="{BA2A8C3A-0213-4E67-B2F9-FCE1CB8FFE94}"/>
+              </a:ext>
+            </a:extLst>
+          </p:cNvPr>
           <p:cNvSpPr/>
           <p:nvPr/>
         </p:nvSpPr>
         <p:spPr>
           <a:xfrm>
-            <a:off x="1648853" y="1013734"/>
-            <a:ext cx="5174912" cy="400110"/>
-          </a:xfrm>
-          <a:prstGeom prst="rect">
-            <a:avLst/>
-          </a:prstGeom>
-          <a:ln w="19050"/>
-        </p:spPr>
-        <p:style>
-          <a:lnRef idx="1">
-            <a:schemeClr val="accent5"/>
-          </a:lnRef>
-          <a:fillRef idx="2">
-            <a:schemeClr val="accent5"/>
-          </a:fillRef>
-          <a:effectRef idx="1">
-            <a:schemeClr val="accent5"/>
-          </a:effectRef>
-          <a:fontRef idx="minor">
-            <a:schemeClr val="dk1"/>
-          </a:fontRef>
-        </p:style>
-        <p:txBody>
-          <a:bodyPr wrap="square" rtlCol="0" anchor="ctr">
-            <a:spAutoFit/>
-          </a:bodyPr>
-          <a:lstStyle/>
-          <a:p>
-            <a:pPr>
-              <a:defRPr/>
-            </a:pPr>
-            <a:r>
-              <a:rPr lang="en-US" sz="2000" kern="0" dirty="0">
-                <a:solidFill>
-                  <a:sysClr val="windowText" lastClr="000000"/>
-                </a:solidFill>
-                <a:latin typeface="Calibri"/>
-              </a:rPr>
-              <a:t>visibility name (parameter-list) : return-type </a:t>
-            </a:r>
-          </a:p>
-        </p:txBody>
-      </p:sp>
-      <p:sp>
-        <p:nvSpPr>
-          <p:cNvPr id="13" name="Rectangle 12"/>
-          <p:cNvSpPr/>
-          <p:nvPr/>
-        </p:nvSpPr>
-        <p:spPr>
-          <a:xfrm>
-            <a:off x="7146324" y="843582"/>
-            <a:ext cx="3301432" cy="707886"/>
-          </a:xfrm>
-          <a:prstGeom prst="rect">
-            <a:avLst/>
-          </a:prstGeom>
-          <a:ln w="19050"/>
-        </p:spPr>
-        <p:style>
-          <a:lnRef idx="1">
-            <a:schemeClr val="accent5"/>
-          </a:lnRef>
-          <a:fillRef idx="2">
-            <a:schemeClr val="accent5"/>
-          </a:fillRef>
-          <a:effectRef idx="1">
-            <a:schemeClr val="accent5"/>
-          </a:effectRef>
-          <a:fontRef idx="minor">
-            <a:schemeClr val="dk1"/>
-          </a:fontRef>
-        </p:style>
-        <p:txBody>
-          <a:bodyPr wrap="square" rtlCol="0" anchor="ctr">
-            <a:spAutoFit/>
-          </a:bodyPr>
-          <a:lstStyle/>
-          <a:p>
-            <a:pPr algn="ctr">
-              <a:defRPr/>
-            </a:pPr>
-            <a:r>
-              <a:rPr lang="en-US" sz="2000" kern="0" dirty="0">
-                <a:solidFill>
-                  <a:srgbClr val="FF0000"/>
-                </a:solidFill>
-                <a:latin typeface="Calibri"/>
-              </a:rPr>
-              <a:t>{abstract}</a:t>
-            </a:r>
-            <a:br>
-              <a:rPr lang="en-US" sz="2000" kern="0" dirty="0">
-                <a:solidFill>
-                  <a:srgbClr val="FF0000"/>
-                </a:solidFill>
-                <a:latin typeface="Calibri"/>
-              </a:rPr>
-            </a:br>
-            <a:r>
-              <a:rPr lang="en-US" sz="2000" kern="0" dirty="0" err="1">
-                <a:solidFill>
-                  <a:sysClr val="windowText" lastClr="000000"/>
-                </a:solidFill>
-                <a:latin typeface="Calibri"/>
-              </a:rPr>
-              <a:t>AbstractClass</a:t>
-            </a:r>
-            <a:endParaRPr lang="en-US" sz="2000" kern="0" dirty="0">
-              <a:solidFill>
-                <a:sysClr val="windowText" lastClr="000000"/>
-              </a:solidFill>
-              <a:latin typeface="Calibri"/>
-            </a:endParaRPr>
-          </a:p>
-        </p:txBody>
-      </p:sp>
-      <p:sp>
-        <p:nvSpPr>
-          <p:cNvPr id="14" name="Rectangle 13"/>
-          <p:cNvSpPr/>
-          <p:nvPr/>
-        </p:nvSpPr>
-        <p:spPr>
-          <a:xfrm>
-            <a:off x="7142938" y="1507056"/>
-            <a:ext cx="3305926" cy="524380"/>
-          </a:xfrm>
-          <a:prstGeom prst="rect">
-            <a:avLst/>
-          </a:prstGeom>
-          <a:ln w="19050"/>
-        </p:spPr>
-        <p:style>
-          <a:lnRef idx="1">
-            <a:schemeClr val="accent5"/>
-          </a:lnRef>
-          <a:fillRef idx="2">
-            <a:schemeClr val="accent5"/>
-          </a:fillRef>
-          <a:effectRef idx="1">
-            <a:schemeClr val="accent5"/>
-          </a:effectRef>
-          <a:fontRef idx="minor">
-            <a:schemeClr val="dk1"/>
-          </a:fontRef>
-        </p:style>
-        <p:txBody>
-          <a:bodyPr wrap="square" rtlCol="0" anchor="ctr">
-            <a:noAutofit/>
-          </a:bodyPr>
-          <a:lstStyle/>
-          <a:p>
-            <a:pPr>
-              <a:defRPr/>
-            </a:pPr>
-            <a:r>
-              <a:rPr lang="en-US" sz="2000" kern="0" dirty="0">
-                <a:solidFill>
-                  <a:sysClr val="windowText" lastClr="000000"/>
-                </a:solidFill>
-                <a:latin typeface="Calibri"/>
-              </a:rPr>
-              <a:t> </a:t>
-            </a:r>
-            <a:r>
-              <a:rPr lang="en-US" sz="2000" u="sng" kern="0" dirty="0" err="1">
-                <a:solidFill>
-                  <a:srgbClr val="FF0000"/>
-                </a:solidFill>
-                <a:latin typeface="Calibri"/>
-              </a:rPr>
-              <a:t>classLevelAttribute</a:t>
-            </a:r>
-            <a:endParaRPr lang="en-US" sz="2000" u="sng" kern="0" dirty="0">
-              <a:solidFill>
-                <a:srgbClr val="FF0000"/>
-              </a:solidFill>
-              <a:latin typeface="Calibri"/>
-            </a:endParaRPr>
-          </a:p>
-        </p:txBody>
-      </p:sp>
-      <p:sp>
-        <p:nvSpPr>
-          <p:cNvPr id="15" name="Rectangle 14"/>
-          <p:cNvSpPr/>
-          <p:nvPr/>
-        </p:nvSpPr>
-        <p:spPr>
-          <a:xfrm>
-            <a:off x="7145492" y="2035314"/>
-            <a:ext cx="3302265" cy="707886"/>
-          </a:xfrm>
-          <a:prstGeom prst="rect">
-            <a:avLst/>
-          </a:prstGeom>
-          <a:ln w="19050"/>
-        </p:spPr>
-        <p:style>
-          <a:lnRef idx="1">
-            <a:schemeClr val="accent5"/>
-          </a:lnRef>
-          <a:fillRef idx="2">
-            <a:schemeClr val="accent5"/>
-          </a:fillRef>
-          <a:effectRef idx="1">
-            <a:schemeClr val="accent5"/>
-          </a:effectRef>
-          <a:fontRef idx="minor">
-            <a:schemeClr val="dk1"/>
-          </a:fontRef>
-        </p:style>
-        <p:txBody>
-          <a:bodyPr wrap="square" rtlCol="0" anchor="ctr">
-            <a:spAutoFit/>
-          </a:bodyPr>
-          <a:lstStyle/>
-          <a:p>
-            <a:pPr>
-              <a:defRPr/>
-            </a:pPr>
-            <a:r>
-              <a:rPr lang="en-US" sz="2000" kern="0" dirty="0" err="1">
-                <a:solidFill>
-                  <a:sysClr val="windowText" lastClr="000000"/>
-                </a:solidFill>
-                <a:latin typeface="Calibri"/>
-              </a:rPr>
-              <a:t>abstractOperation</a:t>
-            </a:r>
-            <a:r>
-              <a:rPr lang="en-US" sz="2000" kern="0" dirty="0">
-                <a:solidFill>
-                  <a:sysClr val="windowText" lastClr="000000"/>
-                </a:solidFill>
-                <a:latin typeface="Calibri"/>
-              </a:rPr>
-              <a:t>  </a:t>
-            </a:r>
-            <a:r>
-              <a:rPr lang="en-US" sz="2000" kern="0" dirty="0">
-                <a:solidFill>
-                  <a:srgbClr val="FF0000"/>
-                </a:solidFill>
-                <a:latin typeface="Calibri"/>
-              </a:rPr>
-              <a:t>{abstract}</a:t>
-            </a:r>
-          </a:p>
-          <a:p>
-            <a:pPr>
-              <a:defRPr/>
-            </a:pPr>
-            <a:r>
-              <a:rPr lang="en-US" sz="2000" u="sng" kern="0" dirty="0" err="1">
-                <a:solidFill>
-                  <a:srgbClr val="FF0000"/>
-                </a:solidFill>
-                <a:latin typeface="Calibri"/>
-              </a:rPr>
-              <a:t>classLevelOperation</a:t>
-            </a:r>
-            <a:endParaRPr lang="en-US" sz="2000" u="sng" kern="0" dirty="0">
-              <a:solidFill>
-                <a:srgbClr val="FF0000"/>
-              </a:solidFill>
-              <a:latin typeface="Calibri"/>
-            </a:endParaRPr>
-          </a:p>
-        </p:txBody>
-      </p:sp>
-      <p:sp>
-        <p:nvSpPr>
-          <p:cNvPr id="16" name="Rectangle 15"/>
-          <p:cNvSpPr/>
-          <p:nvPr/>
-        </p:nvSpPr>
-        <p:spPr>
-          <a:xfrm>
-            <a:off x="2514600" y="2367992"/>
-            <a:ext cx="1915296" cy="707886"/>
+            <a:off x="6659440" y="5365129"/>
+            <a:ext cx="2230867" cy="338554"/>
           </a:xfrm>
           <a:prstGeom prst="rect">
             <a:avLst/>
@@ -16032,48 +14944,180 @@
           </a:bodyPr>
           <a:lstStyle/>
           <a:p>
-            <a:pPr algn="ctr">
+            <a:pPr marL="285750" indent="-285750">
+              <a:buFontTx/>
+              <a:buChar char="-"/>
               <a:defRPr/>
             </a:pPr>
             <a:r>
-              <a:rPr lang="en-US" sz="2000" kern="0" dirty="0">
-                <a:solidFill>
-                  <a:srgbClr val="FF0000"/>
-                </a:solidFill>
-                <a:latin typeface="Calibri"/>
+              <a:rPr lang="en-US" sz="1600" kern="0" dirty="0">
+                <a:solidFill>
+                  <a:sysClr val="windowText" lastClr="000000"/>
+                </a:solidFill>
               </a:rPr>
-              <a:t>&lt;&lt;interface&gt;&gt;</a:t>
-            </a:r>
-            <a:br>
-              <a:rPr lang="en-US" sz="2000" kern="0" dirty="0">
-                <a:solidFill>
-                  <a:srgbClr val="FF0000"/>
-                </a:solidFill>
-                <a:latin typeface="Calibri"/>
+              <a:t>category: string</a:t>
+            </a:r>
+          </a:p>
+        </p:txBody>
+      </p:sp>
+      <p:sp>
+        <p:nvSpPr>
+          <p:cNvPr id="30" name="TextBox 29">
+            <a:extLst>
+              <a:ext uri="{FF2B5EF4-FFF2-40B4-BE49-F238E27FC236}">
+                <a16:creationId xmlns:a16="http://schemas.microsoft.com/office/drawing/2014/main" id="{5689D9A2-7181-493F-B2C6-651D2788866F}"/>
+              </a:ext>
+            </a:extLst>
+          </p:cNvPr>
+          <p:cNvSpPr txBox="1"/>
+          <p:nvPr/>
+        </p:nvSpPr>
+        <p:spPr>
+          <a:xfrm>
+            <a:off x="7780627" y="4768840"/>
+            <a:ext cx="609600" cy="338554"/>
+          </a:xfrm>
+          <a:prstGeom prst="rect">
+            <a:avLst/>
+          </a:prstGeom>
+          <a:noFill/>
+        </p:spPr>
+        <p:txBody>
+          <a:bodyPr wrap="square" rtlCol="0">
+            <a:spAutoFit/>
+          </a:bodyPr>
+          <a:lstStyle/>
+          <a:p>
+            <a:pPr>
+              <a:defRPr/>
+            </a:pPr>
+            <a:r>
+              <a:rPr lang="en-US" sz="1600" kern="0" dirty="0">
+                <a:solidFill>
+                  <a:sysClr val="windowText" lastClr="000000"/>
+                </a:solidFill>
               </a:rPr>
-            </a:br>
-            <a:r>
-              <a:rPr lang="en-US" sz="2000" kern="0" dirty="0">
+              <a:t>*</a:t>
+            </a:r>
+          </a:p>
+        </p:txBody>
+      </p:sp>
+      <p:sp>
+        <p:nvSpPr>
+          <p:cNvPr id="31" name="TextBox 30">
+            <a:extLst>
+              <a:ext uri="{FF2B5EF4-FFF2-40B4-BE49-F238E27FC236}">
+                <a16:creationId xmlns:a16="http://schemas.microsoft.com/office/drawing/2014/main" id="{71E9EC12-7947-4D39-A6CC-F6F11B1DC7D7}"/>
+              </a:ext>
+            </a:extLst>
+          </p:cNvPr>
+          <p:cNvSpPr txBox="1"/>
+          <p:nvPr/>
+        </p:nvSpPr>
+        <p:spPr>
+          <a:xfrm>
+            <a:off x="7780627" y="4409283"/>
+            <a:ext cx="609600" cy="338554"/>
+          </a:xfrm>
+          <a:prstGeom prst="rect">
+            <a:avLst/>
+          </a:prstGeom>
+          <a:noFill/>
+        </p:spPr>
+        <p:txBody>
+          <a:bodyPr wrap="square" rtlCol="0">
+            <a:spAutoFit/>
+          </a:bodyPr>
+          <a:lstStyle/>
+          <a:p>
+            <a:pPr>
+              <a:defRPr/>
+            </a:pPr>
+            <a:r>
+              <a:rPr lang="en-US" sz="1600" kern="0" dirty="0">
                 <a:solidFill>
                   <a:sysClr val="windowText" lastClr="000000"/>
                 </a:solidFill>
-                <a:latin typeface="Calibri"/>
               </a:rPr>
-              <a:t>Interface name</a:t>
-            </a:r>
-          </a:p>
-        </p:txBody>
-      </p:sp>
-      <p:sp>
-        <p:nvSpPr>
-          <p:cNvPr id="17" name="Rectangle 16"/>
+              <a:t>1</a:t>
+            </a:r>
+          </a:p>
+        </p:txBody>
+      </p:sp>
+      <p:sp>
+        <p:nvSpPr>
+          <p:cNvPr id="32" name="Flowchart: Decision 31">
+            <a:extLst>
+              <a:ext uri="{FF2B5EF4-FFF2-40B4-BE49-F238E27FC236}">
+                <a16:creationId xmlns:a16="http://schemas.microsoft.com/office/drawing/2014/main" id="{A59FFA56-93C2-4A98-926D-C3E090AFC53A}"/>
+              </a:ext>
+            </a:extLst>
+          </p:cNvPr>
           <p:cNvSpPr/>
           <p:nvPr/>
         </p:nvSpPr>
         <p:spPr>
           <a:xfrm>
-            <a:off x="1970902" y="3800804"/>
-            <a:ext cx="1299518" cy="400110"/>
+            <a:off x="7673081" y="4434752"/>
+            <a:ext cx="153442" cy="180599"/>
+          </a:xfrm>
+          <a:prstGeom prst="flowChartDecision">
+            <a:avLst/>
+          </a:prstGeom>
+          <a:solidFill>
+            <a:srgbClr val="FF0000"/>
+          </a:solidFill>
+          <a:ln w="19050">
+            <a:solidFill>
+              <a:srgbClr val="FF0000"/>
+            </a:solidFill>
+          </a:ln>
+        </p:spPr>
+        <p:style>
+          <a:lnRef idx="2">
+            <a:schemeClr val="accent1">
+              <a:shade val="50000"/>
+            </a:schemeClr>
+          </a:lnRef>
+          <a:fillRef idx="1">
+            <a:schemeClr val="accent1"/>
+          </a:fillRef>
+          <a:effectRef idx="0">
+            <a:schemeClr val="accent1"/>
+          </a:effectRef>
+          <a:fontRef idx="minor">
+            <a:schemeClr val="lt1"/>
+          </a:fontRef>
+        </p:style>
+        <p:txBody>
+          <a:bodyPr rtlCol="0" anchor="ctr"/>
+          <a:lstStyle/>
+          <a:p>
+            <a:pPr algn="ctr" defTabSz="872733"/>
+            <a:endParaRPr lang="en-US" sz="1600">
+              <a:solidFill>
+                <a:prstClr val="white"/>
+              </a:solidFill>
+            </a:endParaRPr>
+          </a:p>
+        </p:txBody>
+      </p:sp>
+      <p:sp>
+        <p:nvSpPr>
+          <p:cNvPr id="37" name="Rectangle 36">
+            <a:extLst>
+              <a:ext uri="{FF2B5EF4-FFF2-40B4-BE49-F238E27FC236}">
+                <a16:creationId xmlns:a16="http://schemas.microsoft.com/office/drawing/2014/main" id="{4A30DB05-6E30-4E7B-A6F1-A2C6486B07B8}"/>
+              </a:ext>
+            </a:extLst>
+          </p:cNvPr>
+          <p:cNvSpPr/>
+          <p:nvPr/>
+        </p:nvSpPr>
+        <p:spPr>
+          <a:xfrm>
+            <a:off x="1653231" y="1866944"/>
+            <a:ext cx="3299770" cy="1323439"/>
           </a:xfrm>
           <a:prstGeom prst="rect">
             <a:avLst/>
@@ -16128,138 +15172,167 @@
               <a:defRPr/>
             </a:pPr>
             <a:r>
-              <a:rPr lang="en-US" sz="2000" kern="0" dirty="0">
+              <a:rPr lang="en-US" sz="1600" kern="0" dirty="0">
                 <a:solidFill>
                   <a:sysClr val="windowText" lastClr="000000"/>
                 </a:solidFill>
-                <a:latin typeface="Calibri"/>
               </a:rPr>
-              <a:t>Class 1</a:t>
-            </a:r>
-          </a:p>
-        </p:txBody>
-      </p:sp>
-      <p:sp>
-        <p:nvSpPr>
-          <p:cNvPr id="18" name="Isosceles Triangle 17"/>
+              <a:t>+ execute()</a:t>
+            </a:r>
+          </a:p>
+          <a:p>
+            <a:pPr>
+              <a:defRPr/>
+            </a:pPr>
+            <a:r>
+              <a:rPr lang="en-US" sz="1600" kern="0" dirty="0">
+                <a:solidFill>
+                  <a:sysClr val="windowText" lastClr="000000"/>
+                </a:solidFill>
+              </a:rPr>
+              <a:t>- </a:t>
+            </a:r>
+            <a:r>
+              <a:rPr lang="en-US" sz="1600" kern="0" dirty="0" err="1">
+                <a:solidFill>
+                  <a:sysClr val="windowText" lastClr="000000"/>
+                </a:solidFill>
+              </a:rPr>
+              <a:t>getList</a:t>
+            </a:r>
+            <a:r>
+              <a:rPr lang="en-US" sz="1600" kern="0" dirty="0">
+                <a:solidFill>
+                  <a:sysClr val="windowText" lastClr="000000"/>
+                </a:solidFill>
+              </a:rPr>
+              <a:t> (</a:t>
+            </a:r>
+            <a:r>
+              <a:rPr lang="en-US" altLang="zh-CN" sz="1600" kern="0" dirty="0" err="1">
+                <a:solidFill>
+                  <a:sysClr val="windowText" lastClr="000000"/>
+                </a:solidFill>
+              </a:rPr>
+              <a:t>listTaskIndex</a:t>
+            </a:r>
+            <a:r>
+              <a:rPr lang="en-US" altLang="zh-CN" sz="1600" kern="0" dirty="0">
+                <a:solidFill>
+                  <a:sysClr val="windowText" lastClr="000000"/>
+                </a:solidFill>
+              </a:rPr>
+              <a:t> : </a:t>
+            </a:r>
+            <a:r>
+              <a:rPr lang="en-US" altLang="zh-CN" sz="1600" kern="0" dirty="0" err="1">
+                <a:solidFill>
+                  <a:sysClr val="windowText" lastClr="000000"/>
+                </a:solidFill>
+              </a:rPr>
+              <a:t>ArrayList</a:t>
+            </a:r>
+            <a:r>
+              <a:rPr lang="en-US" altLang="zh-CN" sz="1600" kern="0" dirty="0">
+                <a:solidFill>
+                  <a:sysClr val="windowText" lastClr="000000"/>
+                </a:solidFill>
+              </a:rPr>
+              <a:t>&lt;Integer&gt;</a:t>
+            </a:r>
+            <a:r>
+              <a:rPr lang="en-US" sz="1600" kern="0" dirty="0">
+                <a:solidFill>
+                  <a:sysClr val="windowText" lastClr="000000"/>
+                </a:solidFill>
+              </a:rPr>
+              <a:t>)</a:t>
+            </a:r>
+          </a:p>
+          <a:p>
+            <a:pPr>
+              <a:defRPr/>
+            </a:pPr>
+            <a:r>
+              <a:rPr lang="en-US" altLang="zh-CN" sz="1600" dirty="0">
+                <a:solidFill>
+                  <a:srgbClr val="000000"/>
+                </a:solidFill>
+              </a:rPr>
+              <a:t>- </a:t>
+            </a:r>
+            <a:r>
+              <a:rPr lang="zh-CN" altLang="zh-CN" sz="1600" dirty="0">
+                <a:solidFill>
+                  <a:srgbClr val="000000"/>
+                </a:solidFill>
+              </a:rPr>
+              <a:t>getListByCategory</a:t>
+            </a:r>
+            <a:r>
+              <a:rPr lang="en-US" altLang="zh-CN" sz="1600" dirty="0">
+                <a:solidFill>
+                  <a:srgbClr val="000000"/>
+                </a:solidFill>
+              </a:rPr>
+              <a:t> (</a:t>
+            </a:r>
+            <a:r>
+              <a:rPr lang="en-US" altLang="zh-CN" sz="1600" kern="0" dirty="0" err="1">
+                <a:solidFill>
+                  <a:sysClr val="windowText" lastClr="000000"/>
+                </a:solidFill>
+              </a:rPr>
+              <a:t>listTaskIndex</a:t>
+            </a:r>
+            <a:r>
+              <a:rPr lang="en-US" altLang="zh-CN" sz="1600" kern="0" dirty="0">
+                <a:solidFill>
+                  <a:sysClr val="windowText" lastClr="000000"/>
+                </a:solidFill>
+              </a:rPr>
+              <a:t> : </a:t>
+            </a:r>
+            <a:r>
+              <a:rPr lang="en-US" altLang="zh-CN" sz="1600" kern="0" dirty="0" err="1">
+                <a:solidFill>
+                  <a:sysClr val="windowText" lastClr="000000"/>
+                </a:solidFill>
+              </a:rPr>
+              <a:t>ArrayList</a:t>
+            </a:r>
+            <a:r>
+              <a:rPr lang="en-US" altLang="zh-CN" sz="1600" kern="0" dirty="0">
+                <a:solidFill>
+                  <a:sysClr val="windowText" lastClr="000000"/>
+                </a:solidFill>
+              </a:rPr>
+              <a:t>&lt;Integer&gt;, category: String)</a:t>
+            </a:r>
+            <a:endParaRPr lang="en-US" sz="1600" kern="0" dirty="0">
+              <a:solidFill>
+                <a:sysClr val="windowText" lastClr="000000"/>
+              </a:solidFill>
+            </a:endParaRPr>
+          </a:p>
+        </p:txBody>
+      </p:sp>
+      <p:sp>
+        <p:nvSpPr>
+          <p:cNvPr id="39" name="Rectangle 38">
+            <a:extLst>
+              <a:ext uri="{FF2B5EF4-FFF2-40B4-BE49-F238E27FC236}">
+                <a16:creationId xmlns:a16="http://schemas.microsoft.com/office/drawing/2014/main" id="{1F519AA3-E82C-470C-AA14-42AB2E00D5A7}"/>
+              </a:ext>
+            </a:extLst>
+          </p:cNvPr>
           <p:cNvSpPr/>
           <p:nvPr/>
         </p:nvSpPr>
         <p:spPr>
           <a:xfrm>
-            <a:off x="3346620" y="3054193"/>
-            <a:ext cx="228600" cy="152400"/>
-          </a:xfrm>
-          <a:prstGeom prst="triangle">
-            <a:avLst/>
-          </a:prstGeom>
-          <a:solidFill>
-            <a:schemeClr val="bg1"/>
-          </a:solidFill>
-          <a:ln w="19050">
-            <a:solidFill>
-              <a:srgbClr val="FF0000"/>
-            </a:solidFill>
-          </a:ln>
-        </p:spPr>
-        <p:style>
-          <a:lnRef idx="2">
-            <a:schemeClr val="accent1">
-              <a:shade val="50000"/>
-            </a:schemeClr>
-          </a:lnRef>
-          <a:fillRef idx="1">
-            <a:schemeClr val="accent1"/>
-          </a:fillRef>
-          <a:effectRef idx="0">
-            <a:schemeClr val="accent1"/>
-          </a:effectRef>
-          <a:fontRef idx="minor">
-            <a:schemeClr val="lt1"/>
-          </a:fontRef>
-        </p:style>
-        <p:txBody>
-          <a:bodyPr rtlCol="0" anchor="ctr"/>
-          <a:lstStyle/>
-          <a:p>
-            <a:pPr algn="ctr" defTabSz="872733"/>
-            <a:endParaRPr lang="en-US" sz="2000">
-              <a:solidFill>
-                <a:prstClr val="black"/>
-              </a:solidFill>
-              <a:latin typeface="Calibri"/>
-            </a:endParaRPr>
-          </a:p>
-        </p:txBody>
-      </p:sp>
-      <p:cxnSp>
-        <p:nvCxnSpPr>
-          <p:cNvPr id="19" name="Elbow Connector 26"/>
-          <p:cNvCxnSpPr>
-            <a:stCxn id="17" idx="0"/>
-            <a:endCxn id="18" idx="3"/>
-          </p:cNvCxnSpPr>
-          <p:nvPr/>
-        </p:nvCxnSpPr>
-        <p:spPr>
-          <a:xfrm rot="5400000" flipH="1" flipV="1">
-            <a:off x="2743686" y="3083571"/>
-            <a:ext cx="594211" cy="840259"/>
-          </a:xfrm>
-          <a:prstGeom prst="bentConnector3">
-            <a:avLst>
-              <a:gd name="adj1" fmla="val 50000"/>
-            </a:avLst>
-          </a:prstGeom>
-          <a:noFill/>
-          <a:ln w="19050" cap="flat" cmpd="sng" algn="ctr">
-            <a:solidFill>
-              <a:srgbClr val="FF0000"/>
-            </a:solidFill>
-            <a:prstDash val="dash"/>
-          </a:ln>
-          <a:effectLst/>
-        </p:spPr>
-      </p:cxnSp>
-      <p:cxnSp>
-        <p:nvCxnSpPr>
-          <p:cNvPr id="20" name="Elbow Connector 26"/>
-          <p:cNvCxnSpPr>
-            <a:stCxn id="21" idx="0"/>
-            <a:endCxn id="18" idx="3"/>
-          </p:cNvCxnSpPr>
-          <p:nvPr/>
-        </p:nvCxnSpPr>
-        <p:spPr>
-          <a:xfrm rot="16200000" flipV="1">
-            <a:off x="3618442" y="3049073"/>
-            <a:ext cx="598329" cy="913370"/>
-          </a:xfrm>
-          <a:prstGeom prst="bentConnector3">
-            <a:avLst>
-              <a:gd name="adj1" fmla="val 50000"/>
-            </a:avLst>
-          </a:prstGeom>
-          <a:noFill/>
-          <a:ln w="19050" cap="flat" cmpd="sng" algn="ctr">
-            <a:solidFill>
-              <a:srgbClr val="FF0000"/>
-            </a:solidFill>
-            <a:prstDash val="dash"/>
-          </a:ln>
-          <a:effectLst/>
-        </p:spPr>
-      </p:cxnSp>
-      <p:sp>
-        <p:nvSpPr>
-          <p:cNvPr id="21" name="Rectangle 20"/>
-          <p:cNvSpPr/>
-          <p:nvPr/>
-        </p:nvSpPr>
-        <p:spPr>
-          <a:xfrm>
-            <a:off x="3737917" y="3804922"/>
-            <a:ext cx="1272747" cy="400110"/>
+            <a:off x="6659440" y="5712247"/>
+            <a:ext cx="2230866" cy="584775"/>
           </a:xfrm>
           <a:prstGeom prst="rect">
             <a:avLst/>
@@ -16314,206 +15387,129 @@
               <a:defRPr/>
             </a:pPr>
             <a:r>
-              <a:rPr lang="en-US" sz="2000" kern="0" dirty="0">
+              <a:rPr lang="en-US" sz="1600" kern="0" dirty="0">
                 <a:solidFill>
                   <a:sysClr val="windowText" lastClr="000000"/>
                 </a:solidFill>
-                <a:latin typeface="Calibri"/>
               </a:rPr>
-              <a:t>Class 2</a:t>
-            </a:r>
-          </a:p>
-        </p:txBody>
-      </p:sp>
-      <p:sp>
-        <p:nvSpPr>
-          <p:cNvPr id="22" name="Rounded Rectangular Callout 21"/>
-          <p:cNvSpPr/>
+              <a:t>+ </a:t>
+            </a:r>
+            <a:r>
+              <a:rPr lang="en-US" sz="1600" kern="0" dirty="0" err="1">
+                <a:solidFill>
+                  <a:sysClr val="windowText" lastClr="000000"/>
+                </a:solidFill>
+              </a:rPr>
+              <a:t>getCategory</a:t>
+            </a:r>
+            <a:r>
+              <a:rPr lang="en-US" sz="1600" kern="0" dirty="0">
+                <a:solidFill>
+                  <a:sysClr val="windowText" lastClr="000000"/>
+                </a:solidFill>
+              </a:rPr>
+              <a:t>():string</a:t>
+            </a:r>
+          </a:p>
+          <a:p>
+            <a:pPr>
+              <a:defRPr/>
+            </a:pPr>
+            <a:r>
+              <a:rPr lang="en-US" sz="1600" kern="0" dirty="0">
+                <a:solidFill>
+                  <a:sysClr val="windowText" lastClr="000000"/>
+                </a:solidFill>
+              </a:rPr>
+              <a:t>+ </a:t>
+            </a:r>
+            <a:r>
+              <a:rPr lang="en-US" sz="1600" kern="0" dirty="0" err="1">
+                <a:solidFill>
+                  <a:sysClr val="windowText" lastClr="000000"/>
+                </a:solidFill>
+              </a:rPr>
+              <a:t>getTask</a:t>
+            </a:r>
+            <a:r>
+              <a:rPr lang="en-US" sz="1600" kern="0" dirty="0">
+                <a:solidFill>
+                  <a:sysClr val="windowText" lastClr="000000"/>
+                </a:solidFill>
+              </a:rPr>
+              <a:t>():string</a:t>
+            </a:r>
+          </a:p>
+        </p:txBody>
+      </p:sp>
+      <p:cxnSp>
+        <p:nvCxnSpPr>
+          <p:cNvPr id="45" name="Straight Arrow Connector 44">
+            <a:extLst>
+              <a:ext uri="{FF2B5EF4-FFF2-40B4-BE49-F238E27FC236}">
+                <a16:creationId xmlns:a16="http://schemas.microsoft.com/office/drawing/2014/main" id="{4A633286-662F-4C79-A87F-BF167D32C038}"/>
+              </a:ext>
+            </a:extLst>
+          </p:cNvPr>
+          <p:cNvCxnSpPr>
+            <a:cxnSpLocks/>
+            <a:stCxn id="37" idx="2"/>
+            <a:endCxn id="26" idx="1"/>
+          </p:cNvCxnSpPr>
           <p:nvPr/>
-        </p:nvSpPr>
+        </p:nvCxnSpPr>
         <p:spPr>
-          <a:xfrm>
-            <a:off x="3313330" y="1746625"/>
-            <a:ext cx="1396653" cy="442674"/>
-          </a:xfrm>
-          <a:prstGeom prst="wedgeRoundRectCallout">
+          <a:xfrm rot="5400000" flipH="1" flipV="1">
+            <a:off x="4251576" y="1876878"/>
+            <a:ext cx="365045" cy="2261966"/>
+          </a:xfrm>
+          <a:prstGeom prst="bentConnector4">
             <a:avLst>
-              <a:gd name="adj1" fmla="val -21302"/>
-              <a:gd name="adj2" fmla="val 80549"/>
-              <a:gd name="adj3" fmla="val 16667"/>
+              <a:gd name="adj1" fmla="val -62622"/>
+              <a:gd name="adj2" fmla="val 86470"/>
             </a:avLst>
           </a:prstGeom>
-          <a:solidFill>
-            <a:schemeClr val="accent1">
-              <a:lumMod val="20000"/>
-              <a:lumOff val="80000"/>
-            </a:schemeClr>
-          </a:solidFill>
-          <a:ln w="9525">
-            <a:noFill/>
-            <a:prstDash val="sysDash"/>
+          <a:ln w="9525" cap="flat" cmpd="sng" algn="ctr">
+            <a:solidFill>
+              <a:srgbClr val="FF0000"/>
+            </a:solidFill>
+            <a:prstDash val="solid"/>
+            <a:round/>
             <a:headEnd type="none" w="med" len="med"/>
             <a:tailEnd type="arrow" w="med" len="med"/>
           </a:ln>
         </p:spPr>
         <p:style>
-          <a:lnRef idx="2">
-            <a:schemeClr val="accent1">
-              <a:shade val="50000"/>
-            </a:schemeClr>
+          <a:lnRef idx="0">
+            <a:scrgbClr r="0" g="0" b="0"/>
           </a:lnRef>
-          <a:fillRef idx="1">
-            <a:schemeClr val="accent1"/>
+          <a:fillRef idx="0">
+            <a:scrgbClr r="0" g="0" b="0"/>
           </a:fillRef>
           <a:effectRef idx="0">
-            <a:schemeClr val="accent1"/>
+            <a:scrgbClr r="0" g="0" b="0"/>
           </a:effectRef>
           <a:fontRef idx="minor">
-            <a:schemeClr val="lt1"/>
+            <a:schemeClr val="tx1"/>
           </a:fontRef>
         </p:style>
-        <p:txBody>
-          <a:bodyPr wrap="square" rtlCol="0" anchor="ctr">
-            <a:spAutoFit/>
-          </a:bodyPr>
-          <a:lstStyle/>
-          <a:p>
-            <a:pPr algn="ctr" defTabSz="872733"/>
-            <a:r>
-              <a:rPr lang="en-US" sz="2000" b="1" dirty="0">
-                <a:solidFill>
-                  <a:prstClr val="black"/>
-                </a:solidFill>
-                <a:latin typeface="Calibri"/>
-              </a:rPr>
-              <a:t>interfaces</a:t>
-            </a:r>
-          </a:p>
-        </p:txBody>
-      </p:sp>
-      <p:sp>
-        <p:nvSpPr>
-          <p:cNvPr id="23" name="Rounded Rectangular Callout 22"/>
+      </p:cxnSp>
+      <p:sp>
+        <p:nvSpPr>
+          <p:cNvPr id="48" name="Rectangle 47">
+            <a:extLst>
+              <a:ext uri="{FF2B5EF4-FFF2-40B4-BE49-F238E27FC236}">
+                <a16:creationId xmlns:a16="http://schemas.microsoft.com/office/drawing/2014/main" id="{DCF64967-B188-4591-AF8D-19A01BF81EF5}"/>
+              </a:ext>
+            </a:extLst>
+          </p:cNvPr>
           <p:cNvSpPr/>
           <p:nvPr/>
         </p:nvSpPr>
         <p:spPr>
           <a:xfrm>
-            <a:off x="7146325" y="222135"/>
-            <a:ext cx="3274541" cy="442674"/>
-          </a:xfrm>
-          <a:prstGeom prst="wedgeRoundRectCallout">
-            <a:avLst/>
-          </a:prstGeom>
-          <a:solidFill>
-            <a:schemeClr val="accent1">
-              <a:lumMod val="20000"/>
-              <a:lumOff val="80000"/>
-            </a:schemeClr>
-          </a:solidFill>
-          <a:ln w="9525">
-            <a:noFill/>
-            <a:prstDash val="sysDash"/>
-            <a:headEnd type="none" w="med" len="med"/>
-            <a:tailEnd type="arrow" w="med" len="med"/>
-          </a:ln>
-        </p:spPr>
-        <p:style>
-          <a:lnRef idx="2">
-            <a:schemeClr val="accent1">
-              <a:shade val="50000"/>
-            </a:schemeClr>
-          </a:lnRef>
-          <a:fillRef idx="1">
-            <a:schemeClr val="accent1"/>
-          </a:fillRef>
-          <a:effectRef idx="0">
-            <a:schemeClr val="accent1"/>
-          </a:effectRef>
-          <a:fontRef idx="minor">
-            <a:schemeClr val="lt1"/>
-          </a:fontRef>
-        </p:style>
-        <p:txBody>
-          <a:bodyPr wrap="square" rtlCol="0" anchor="ctr">
-            <a:spAutoFit/>
-          </a:bodyPr>
-          <a:lstStyle/>
-          <a:p>
-            <a:pPr algn="ctr" defTabSz="872733"/>
-            <a:r>
-              <a:rPr lang="en-US" sz="2000" b="1" dirty="0">
-                <a:solidFill>
-                  <a:prstClr val="black"/>
-                </a:solidFill>
-                <a:latin typeface="Calibri"/>
-              </a:rPr>
-              <a:t>abstract/ static</a:t>
-            </a:r>
-          </a:p>
-        </p:txBody>
-      </p:sp>
-      <p:sp>
-        <p:nvSpPr>
-          <p:cNvPr id="24" name="Rectangle 23"/>
-          <p:cNvSpPr/>
-          <p:nvPr/>
-        </p:nvSpPr>
-        <p:spPr>
-          <a:xfrm>
-            <a:off x="6172200" y="4267200"/>
-            <a:ext cx="1153298" cy="400110"/>
-          </a:xfrm>
-          <a:prstGeom prst="rect">
-            <a:avLst/>
-          </a:prstGeom>
-          <a:ln w="19050"/>
-        </p:spPr>
-        <p:style>
-          <a:lnRef idx="1">
-            <a:schemeClr val="accent3"/>
-          </a:lnRef>
-          <a:fillRef idx="2">
-            <a:schemeClr val="accent3"/>
-          </a:fillRef>
-          <a:effectRef idx="1">
-            <a:schemeClr val="accent3"/>
-          </a:effectRef>
-          <a:fontRef idx="minor">
-            <a:schemeClr val="dk1"/>
-          </a:fontRef>
-        </p:style>
-        <p:txBody>
-          <a:bodyPr wrap="square" rtlCol="0" anchor="ctr">
-            <a:spAutoFit/>
-          </a:bodyPr>
-          <a:lstStyle/>
-          <a:p>
-            <a:pPr algn="ctr">
-              <a:defRPr/>
-            </a:pPr>
-            <a:r>
-              <a:rPr lang="en-US" sz="2000" kern="0" dirty="0">
-                <a:solidFill>
-                  <a:sysClr val="windowText" lastClr="000000"/>
-                </a:solidFill>
-                <a:latin typeface="Calibri"/>
-              </a:rPr>
-              <a:t>Class A</a:t>
-            </a:r>
-          </a:p>
-        </p:txBody>
-      </p:sp>
-      <p:sp>
-        <p:nvSpPr>
-          <p:cNvPr id="25" name="Rectangle 24"/>
-          <p:cNvSpPr/>
-          <p:nvPr/>
-        </p:nvSpPr>
-        <p:spPr>
-          <a:xfrm>
-            <a:off x="8697098" y="4267200"/>
-            <a:ext cx="1268626" cy="400110"/>
+            <a:off x="5565076" y="2994615"/>
+            <a:ext cx="4419600" cy="584775"/>
           </a:xfrm>
           <a:prstGeom prst="rect">
             <a:avLst/>
@@ -16564,179 +15560,97 @@
           </a:bodyPr>
           <a:lstStyle/>
           <a:p>
-            <a:pPr algn="ctr">
+            <a:pPr>
               <a:defRPr/>
             </a:pPr>
             <a:r>
-              <a:rPr lang="en-US" sz="2000" kern="0" dirty="0">
+              <a:rPr lang="en-US" sz="1600" kern="0" dirty="0">
                 <a:solidFill>
                   <a:sysClr val="windowText" lastClr="000000"/>
                 </a:solidFill>
-                <a:latin typeface="Calibri"/>
               </a:rPr>
-              <a:t>Class B</a:t>
-            </a:r>
-          </a:p>
-        </p:txBody>
-      </p:sp>
-      <p:cxnSp>
-        <p:nvCxnSpPr>
-          <p:cNvPr id="26" name="Elbow Connector 26"/>
-          <p:cNvCxnSpPr>
-            <a:stCxn id="25" idx="1"/>
-            <a:endCxn id="24" idx="3"/>
-          </p:cNvCxnSpPr>
-          <p:nvPr/>
-        </p:nvCxnSpPr>
-        <p:spPr>
-          <a:xfrm rot="10800000">
-            <a:off x="7325498" y="4467255"/>
-            <a:ext cx="1371600" cy="12700"/>
-          </a:xfrm>
-          <a:prstGeom prst="bentConnector3">
-            <a:avLst>
-              <a:gd name="adj1" fmla="val 50000"/>
-            </a:avLst>
-          </a:prstGeom>
-          <a:noFill/>
-          <a:ln w="19050" cap="flat" cmpd="sng" algn="ctr">
-            <a:solidFill>
-              <a:srgbClr val="FF0000"/>
-            </a:solidFill>
-            <a:prstDash val="solid"/>
-            <a:headEnd type="arrow" w="med" len="med"/>
-            <a:tailEnd type="none" w="med" len="med"/>
-          </a:ln>
-          <a:effectLst/>
-        </p:spPr>
-      </p:cxnSp>
-      <p:sp>
-        <p:nvSpPr>
-          <p:cNvPr id="29" name="Rounded Rectangular Callout 28"/>
+              <a:t>-</a:t>
+            </a:r>
+            <a:r>
+              <a:rPr lang="en-US" sz="1600" kern="0" dirty="0" err="1">
+                <a:solidFill>
+                  <a:sysClr val="windowText" lastClr="000000"/>
+                </a:solidFill>
+              </a:rPr>
+              <a:t>categoryMap</a:t>
+            </a:r>
+            <a:r>
+              <a:rPr lang="en-US" sz="1600" kern="0" dirty="0">
+                <a:solidFill>
+                  <a:sysClr val="windowText" lastClr="000000"/>
+                </a:solidFill>
+              </a:rPr>
+              <a:t>: Map(string, </a:t>
+            </a:r>
+            <a:r>
+              <a:rPr lang="en-US" sz="1600" kern="0" dirty="0" err="1">
+                <a:solidFill>
+                  <a:sysClr val="windowText" lastClr="000000"/>
+                </a:solidFill>
+              </a:rPr>
+              <a:t>arr</a:t>
+            </a:r>
+            <a:r>
+              <a:rPr lang="en-US" sz="1600" kern="0" dirty="0">
+                <a:solidFill>
+                  <a:sysClr val="windowText" lastClr="000000"/>
+                </a:solidFill>
+              </a:rPr>
+              <a:t>[int])</a:t>
+            </a:r>
+          </a:p>
+          <a:p>
+            <a:pPr>
+              <a:defRPr/>
+            </a:pPr>
+            <a:r>
+              <a:rPr lang="en-US" sz="1600" kern="0" dirty="0">
+                <a:solidFill>
+                  <a:sysClr val="windowText" lastClr="000000"/>
+                </a:solidFill>
+              </a:rPr>
+              <a:t>-tasks: </a:t>
+            </a:r>
+            <a:r>
+              <a:rPr lang="en-US" sz="1600" kern="0" dirty="0" err="1">
+                <a:solidFill>
+                  <a:sysClr val="windowText" lastClr="000000"/>
+                </a:solidFill>
+              </a:rPr>
+              <a:t>ArrayList</a:t>
+            </a:r>
+            <a:r>
+              <a:rPr lang="en-US" sz="1600" kern="0" dirty="0">
+                <a:solidFill>
+                  <a:sysClr val="windowText" lastClr="000000"/>
+                </a:solidFill>
+              </a:rPr>
+              <a:t>(Task)</a:t>
+            </a:r>
+          </a:p>
+        </p:txBody>
+      </p:sp>
+      <p:sp>
+        <p:nvSpPr>
+          <p:cNvPr id="50" name="Rectangle 49">
+            <a:extLst>
+              <a:ext uri="{FF2B5EF4-FFF2-40B4-BE49-F238E27FC236}">
+                <a16:creationId xmlns:a16="http://schemas.microsoft.com/office/drawing/2014/main" id="{AC623E27-7CA2-4A05-B721-9802A19621DF}"/>
+              </a:ext>
+            </a:extLst>
+          </p:cNvPr>
           <p:cNvSpPr/>
           <p:nvPr/>
         </p:nvSpPr>
         <p:spPr>
           <a:xfrm>
-            <a:off x="7830066" y="3344558"/>
-            <a:ext cx="1734064" cy="442674"/>
-          </a:xfrm>
-          <a:prstGeom prst="wedgeRoundRectCallout">
-            <a:avLst>
-              <a:gd name="adj1" fmla="val -5474"/>
-              <a:gd name="adj2" fmla="val 164779"/>
-              <a:gd name="adj3" fmla="val 16667"/>
-            </a:avLst>
-          </a:prstGeom>
-          <a:solidFill>
-            <a:schemeClr val="accent1">
-              <a:lumMod val="20000"/>
-              <a:lumOff val="80000"/>
-            </a:schemeClr>
-          </a:solidFill>
-          <a:ln w="9525">
-            <a:noFill/>
-            <a:prstDash val="sysDash"/>
-            <a:headEnd type="none" w="med" len="med"/>
-            <a:tailEnd type="arrow" w="med" len="med"/>
-          </a:ln>
-        </p:spPr>
-        <p:style>
-          <a:lnRef idx="2">
-            <a:schemeClr val="accent1">
-              <a:shade val="50000"/>
-            </a:schemeClr>
-          </a:lnRef>
-          <a:fillRef idx="1">
-            <a:schemeClr val="accent1"/>
-          </a:fillRef>
-          <a:effectRef idx="0">
-            <a:schemeClr val="accent1"/>
-          </a:effectRef>
-          <a:fontRef idx="minor">
-            <a:schemeClr val="lt1"/>
-          </a:fontRef>
-        </p:style>
-        <p:txBody>
-          <a:bodyPr wrap="square" rtlCol="0" anchor="ctr">
-            <a:spAutoFit/>
-          </a:bodyPr>
-          <a:lstStyle/>
-          <a:p>
-            <a:pPr algn="ctr" defTabSz="872733"/>
-            <a:r>
-              <a:rPr lang="en-US" sz="2000" b="1" dirty="0">
-                <a:solidFill>
-                  <a:prstClr val="black"/>
-                </a:solidFill>
-                <a:latin typeface="Calibri"/>
-              </a:rPr>
-              <a:t>navigability</a:t>
-            </a:r>
-          </a:p>
-        </p:txBody>
-      </p:sp>
-      <p:sp>
-        <p:nvSpPr>
-          <p:cNvPr id="30" name="Rectangle 29"/>
-          <p:cNvSpPr/>
-          <p:nvPr/>
-        </p:nvSpPr>
-        <p:spPr>
-          <a:xfrm>
-            <a:off x="6332321" y="5969345"/>
-            <a:ext cx="1153298" cy="400110"/>
-          </a:xfrm>
-          <a:prstGeom prst="rect">
-            <a:avLst/>
-          </a:prstGeom>
-          <a:ln w="19050"/>
-        </p:spPr>
-        <p:style>
-          <a:lnRef idx="1">
-            <a:schemeClr val="accent3"/>
-          </a:lnRef>
-          <a:fillRef idx="2">
-            <a:schemeClr val="accent3"/>
-          </a:fillRef>
-          <a:effectRef idx="1">
-            <a:schemeClr val="accent3"/>
-          </a:effectRef>
-          <a:fontRef idx="minor">
-            <a:schemeClr val="dk1"/>
-          </a:fontRef>
-        </p:style>
-        <p:txBody>
-          <a:bodyPr wrap="square" rtlCol="0" anchor="ctr">
-            <a:spAutoFit/>
-          </a:bodyPr>
-          <a:lstStyle/>
-          <a:p>
-            <a:pPr algn="ctr">
-              <a:defRPr/>
-            </a:pPr>
-            <a:r>
-              <a:rPr lang="en-US" sz="2000" kern="0" dirty="0">
-                <a:solidFill>
-                  <a:sysClr val="windowText" lastClr="000000"/>
-                </a:solidFill>
-                <a:latin typeface="Calibri"/>
-              </a:rPr>
-              <a:t>Class A</a:t>
-            </a:r>
-          </a:p>
-        </p:txBody>
-      </p:sp>
-      <p:sp>
-        <p:nvSpPr>
-          <p:cNvPr id="31" name="Rectangle 30"/>
-          <p:cNvSpPr/>
-          <p:nvPr/>
-        </p:nvSpPr>
-        <p:spPr>
-          <a:xfrm>
-            <a:off x="8857219" y="5969345"/>
-            <a:ext cx="1268626" cy="400110"/>
+            <a:off x="5549380" y="3578286"/>
+            <a:ext cx="4450989" cy="830997"/>
           </a:xfrm>
           <a:prstGeom prst="rect">
             <a:avLst/>
@@ -16787,81 +15701,474 @@
           </a:bodyPr>
           <a:lstStyle/>
           <a:p>
+            <a:pPr>
+              <a:defRPr/>
+            </a:pPr>
+            <a:r>
+              <a:rPr lang="en-US" sz="1600" kern="0" dirty="0">
+                <a:solidFill>
+                  <a:sysClr val="windowText" lastClr="000000"/>
+                </a:solidFill>
+              </a:rPr>
+              <a:t>+</a:t>
+            </a:r>
+            <a:r>
+              <a:rPr lang="en-US" sz="1600" kern="0" dirty="0" err="1">
+                <a:solidFill>
+                  <a:sysClr val="windowText" lastClr="000000"/>
+                </a:solidFill>
+              </a:rPr>
+              <a:t>returnCategoryTask</a:t>
+            </a:r>
+            <a:r>
+              <a:rPr lang="en-US" sz="1600" kern="0" dirty="0">
+                <a:solidFill>
+                  <a:sysClr val="windowText" lastClr="000000"/>
+                </a:solidFill>
+              </a:rPr>
+              <a:t>(</a:t>
+            </a:r>
+            <a:r>
+              <a:rPr lang="en-US" sz="1600" kern="0" dirty="0" err="1">
+                <a:solidFill>
+                  <a:sysClr val="windowText" lastClr="000000"/>
+                </a:solidFill>
+              </a:rPr>
+              <a:t>category:String</a:t>
+            </a:r>
+            <a:r>
+              <a:rPr lang="en-US" sz="1600" kern="0" dirty="0">
+                <a:solidFill>
+                  <a:sysClr val="windowText" lastClr="000000"/>
+                </a:solidFill>
+              </a:rPr>
+              <a:t>):</a:t>
+            </a:r>
+            <a:r>
+              <a:rPr lang="en-US" sz="1600" kern="0" dirty="0" err="1">
+                <a:solidFill>
+                  <a:sysClr val="windowText" lastClr="000000"/>
+                </a:solidFill>
+              </a:rPr>
+              <a:t>arr</a:t>
+            </a:r>
+            <a:r>
+              <a:rPr lang="en-US" sz="1600" kern="0" dirty="0">
+                <a:solidFill>
+                  <a:sysClr val="windowText" lastClr="000000"/>
+                </a:solidFill>
+              </a:rPr>
+              <a:t>[int]</a:t>
+            </a:r>
+          </a:p>
+          <a:p>
+            <a:pPr>
+              <a:defRPr/>
+            </a:pPr>
+            <a:r>
+              <a:rPr lang="en-US" altLang="zh-CN" sz="1600" kern="0" dirty="0">
+                <a:solidFill>
+                  <a:sysClr val="windowText" lastClr="000000"/>
+                </a:solidFill>
+                <a:ea typeface="宋体" panose="02010600030101010101" pitchFamily="2" charset="-122"/>
+              </a:rPr>
+              <a:t>+</a:t>
+            </a:r>
+            <a:r>
+              <a:rPr lang="en-US" altLang="zh-CN" sz="1600" kern="0" dirty="0" err="1">
+                <a:solidFill>
+                  <a:sysClr val="windowText" lastClr="000000"/>
+                </a:solidFill>
+                <a:ea typeface="宋体" panose="02010600030101010101" pitchFamily="2" charset="-122"/>
+              </a:rPr>
+              <a:t>returnAllCategory</a:t>
+            </a:r>
+            <a:r>
+              <a:rPr lang="en-US" altLang="zh-CN" sz="1600" kern="0" dirty="0">
+                <a:solidFill>
+                  <a:sysClr val="windowText" lastClr="000000"/>
+                </a:solidFill>
+                <a:ea typeface="宋体" panose="02010600030101010101" pitchFamily="2" charset="-122"/>
+              </a:rPr>
+              <a:t>():</a:t>
+            </a:r>
+            <a:r>
+              <a:rPr lang="en-US" altLang="zh-CN" sz="1600" kern="0" dirty="0" err="1">
+                <a:solidFill>
+                  <a:sysClr val="windowText" lastClr="000000"/>
+                </a:solidFill>
+                <a:ea typeface="宋体" panose="02010600030101010101" pitchFamily="2" charset="-122"/>
+              </a:rPr>
+              <a:t>arr</a:t>
+            </a:r>
+            <a:r>
+              <a:rPr lang="en-US" altLang="zh-CN" sz="1600" kern="0" dirty="0">
+                <a:solidFill>
+                  <a:sysClr val="windowText" lastClr="000000"/>
+                </a:solidFill>
+                <a:ea typeface="宋体" panose="02010600030101010101" pitchFamily="2" charset="-122"/>
+              </a:rPr>
+              <a:t>[string]</a:t>
+            </a:r>
+          </a:p>
+          <a:p>
+            <a:pPr>
+              <a:defRPr/>
+            </a:pPr>
+            <a:r>
+              <a:rPr lang="en-US" sz="1600" kern="0" dirty="0">
+                <a:solidFill>
+                  <a:sysClr val="windowText" lastClr="000000"/>
+                </a:solidFill>
+                <a:ea typeface="宋体" panose="02010600030101010101" pitchFamily="2" charset="-122"/>
+              </a:rPr>
+              <a:t>+</a:t>
+            </a:r>
+            <a:r>
+              <a:rPr lang="en-US" sz="1600" kern="0" dirty="0" err="1">
+                <a:solidFill>
+                  <a:sysClr val="windowText" lastClr="000000"/>
+                </a:solidFill>
+                <a:ea typeface="宋体" panose="02010600030101010101" pitchFamily="2" charset="-122"/>
+              </a:rPr>
+              <a:t>getTask</a:t>
+            </a:r>
+            <a:r>
+              <a:rPr lang="en-US" sz="1600" kern="0" dirty="0">
+                <a:solidFill>
+                  <a:sysClr val="windowText" lastClr="000000"/>
+                </a:solidFill>
+                <a:ea typeface="宋体" panose="02010600030101010101" pitchFamily="2" charset="-122"/>
+              </a:rPr>
+              <a:t>(</a:t>
+            </a:r>
+            <a:r>
+              <a:rPr lang="en-US" sz="1600" kern="0" dirty="0" err="1">
+                <a:solidFill>
+                  <a:sysClr val="windowText" lastClr="000000"/>
+                </a:solidFill>
+                <a:ea typeface="宋体" panose="02010600030101010101" pitchFamily="2" charset="-122"/>
+              </a:rPr>
+              <a:t>taskIndex</a:t>
+            </a:r>
+            <a:r>
+              <a:rPr lang="en-US" sz="1600" kern="0" dirty="0">
+                <a:solidFill>
+                  <a:sysClr val="windowText" lastClr="000000"/>
+                </a:solidFill>
+                <a:ea typeface="宋体" panose="02010600030101010101" pitchFamily="2" charset="-122"/>
+              </a:rPr>
+              <a:t>: Integer): Task</a:t>
+            </a:r>
+            <a:endParaRPr lang="en-US" sz="1600" kern="0" dirty="0">
+              <a:solidFill>
+                <a:sysClr val="windowText" lastClr="000000"/>
+              </a:solidFill>
+            </a:endParaRPr>
+          </a:p>
+        </p:txBody>
+      </p:sp>
+      <p:sp>
+        <p:nvSpPr>
+          <p:cNvPr id="67" name="Rectangle 66">
+            <a:extLst>
+              <a:ext uri="{FF2B5EF4-FFF2-40B4-BE49-F238E27FC236}">
+                <a16:creationId xmlns:a16="http://schemas.microsoft.com/office/drawing/2014/main" id="{7966AD39-7809-4395-B3DD-9082429C1C0A}"/>
+              </a:ext>
+            </a:extLst>
+          </p:cNvPr>
+          <p:cNvSpPr/>
+          <p:nvPr/>
+        </p:nvSpPr>
+        <p:spPr>
+          <a:xfrm>
+            <a:off x="6857999" y="196808"/>
+            <a:ext cx="3299772" cy="338554"/>
+          </a:xfrm>
+          <a:prstGeom prst="rect">
+            <a:avLst/>
+          </a:prstGeom>
+          <a:ln w="19050"/>
+        </p:spPr>
+        <p:style>
+          <a:lnRef idx="1">
+            <a:schemeClr val="accent6"/>
+          </a:lnRef>
+          <a:fillRef idx="2">
+            <a:schemeClr val="accent6"/>
+          </a:fillRef>
+          <a:effectRef idx="1">
+            <a:schemeClr val="accent6"/>
+          </a:effectRef>
+          <a:fontRef idx="minor">
+            <a:schemeClr val="dk1"/>
+          </a:fontRef>
+        </p:style>
+        <p:txBody>
+          <a:bodyPr wrap="square" rtlCol="0" anchor="ctr">
+            <a:spAutoFit/>
+          </a:bodyPr>
+          <a:lstStyle/>
+          <a:p>
             <a:pPr algn="ctr">
               <a:defRPr/>
             </a:pPr>
             <a:r>
-              <a:rPr lang="en-US" sz="2000" kern="0" dirty="0">
+              <a:rPr lang="en-US" sz="1600" kern="0" dirty="0">
                 <a:solidFill>
                   <a:sysClr val="windowText" lastClr="000000"/>
                 </a:solidFill>
-                <a:latin typeface="Calibri"/>
               </a:rPr>
-              <a:t>Class B</a:t>
+              <a:t>UI</a:t>
+            </a:r>
+          </a:p>
+        </p:txBody>
+      </p:sp>
+      <p:sp>
+        <p:nvSpPr>
+          <p:cNvPr id="68" name="Rectangle 67">
+            <a:extLst>
+              <a:ext uri="{FF2B5EF4-FFF2-40B4-BE49-F238E27FC236}">
+                <a16:creationId xmlns:a16="http://schemas.microsoft.com/office/drawing/2014/main" id="{1E5DBD8E-4B19-4480-B44B-576168D706A8}"/>
+              </a:ext>
+            </a:extLst>
+          </p:cNvPr>
+          <p:cNvSpPr/>
+          <p:nvPr/>
+        </p:nvSpPr>
+        <p:spPr>
+          <a:xfrm>
+            <a:off x="6858001" y="540202"/>
+            <a:ext cx="3299770" cy="584775"/>
+          </a:xfrm>
+          <a:prstGeom prst="rect">
+            <a:avLst/>
+          </a:prstGeom>
+          <a:ln w="19050"/>
+        </p:spPr>
+        <p:style>
+          <a:lnRef idx="1">
+            <a:schemeClr val="accent6"/>
+          </a:lnRef>
+          <a:fillRef idx="2">
+            <a:schemeClr val="accent6"/>
+          </a:fillRef>
+          <a:effectRef idx="1">
+            <a:schemeClr val="accent6"/>
+          </a:effectRef>
+          <a:fontRef idx="minor">
+            <a:schemeClr val="dk1"/>
+          </a:fontRef>
+        </p:style>
+        <p:txBody>
+          <a:bodyPr wrap="square" rtlCol="0" anchor="ctr">
+            <a:spAutoFit/>
+          </a:bodyPr>
+          <a:lstStyle/>
+          <a:p>
+            <a:pPr>
+              <a:defRPr/>
+            </a:pPr>
+            <a:r>
+              <a:rPr lang="en-US" sz="1600" kern="0" dirty="0">
+                <a:solidFill>
+                  <a:sysClr val="windowText" lastClr="000000"/>
+                </a:solidFill>
+              </a:rPr>
+              <a:t>+</a:t>
+            </a:r>
+            <a:r>
+              <a:rPr lang="en-US" sz="1600" kern="0" dirty="0" err="1">
+                <a:solidFill>
+                  <a:sysClr val="windowText" lastClr="000000"/>
+                </a:solidFill>
+              </a:rPr>
+              <a:t>showCategory</a:t>
+            </a:r>
+            <a:r>
+              <a:rPr lang="en-US" sz="1600" kern="0" dirty="0">
+                <a:solidFill>
+                  <a:sysClr val="windowText" lastClr="000000"/>
+                </a:solidFill>
+              </a:rPr>
+              <a:t>(</a:t>
+            </a:r>
+            <a:r>
+              <a:rPr lang="en-US" sz="1600" kern="0" dirty="0" err="1">
+                <a:solidFill>
+                  <a:sysClr val="windowText" lastClr="000000"/>
+                </a:solidFill>
+              </a:rPr>
+              <a:t>arr</a:t>
+            </a:r>
+            <a:r>
+              <a:rPr lang="en-US" sz="1600" kern="0" dirty="0">
+                <a:solidFill>
+                  <a:sysClr val="windowText" lastClr="000000"/>
+                </a:solidFill>
+              </a:rPr>
+              <a:t>[string])</a:t>
+            </a:r>
+          </a:p>
+          <a:p>
+            <a:pPr>
+              <a:defRPr/>
+            </a:pPr>
+            <a:r>
+              <a:rPr lang="en-US" sz="1600" kern="0" dirty="0">
+                <a:solidFill>
+                  <a:sysClr val="windowText" lastClr="000000"/>
+                </a:solidFill>
+              </a:rPr>
+              <a:t>+</a:t>
+            </a:r>
+            <a:r>
+              <a:rPr lang="en-US" sz="1600" kern="0" dirty="0" err="1">
+                <a:solidFill>
+                  <a:sysClr val="windowText" lastClr="000000"/>
+                </a:solidFill>
+              </a:rPr>
+              <a:t>showTask</a:t>
+            </a:r>
+            <a:r>
+              <a:rPr lang="en-US" sz="1600" kern="0" dirty="0">
+                <a:solidFill>
+                  <a:sysClr val="windowText" lastClr="000000"/>
+                </a:solidFill>
+              </a:rPr>
+              <a:t>(</a:t>
+            </a:r>
+            <a:r>
+              <a:rPr lang="en-US" sz="1600" kern="0" dirty="0" err="1">
+                <a:solidFill>
+                  <a:sysClr val="windowText" lastClr="000000"/>
+                </a:solidFill>
+              </a:rPr>
+              <a:t>arr</a:t>
+            </a:r>
+            <a:r>
+              <a:rPr lang="en-US" sz="1600" kern="0" dirty="0">
+                <a:solidFill>
+                  <a:sysClr val="windowText" lastClr="000000"/>
+                </a:solidFill>
+              </a:rPr>
+              <a:t>[int])</a:t>
             </a:r>
           </a:p>
         </p:txBody>
       </p:sp>
       <p:cxnSp>
         <p:nvCxnSpPr>
-          <p:cNvPr id="32" name="Elbow Connector 26"/>
+          <p:cNvPr id="73" name="Straight Arrow Connector 72">
+            <a:extLst>
+              <a:ext uri="{FF2B5EF4-FFF2-40B4-BE49-F238E27FC236}">
+                <a16:creationId xmlns:a16="http://schemas.microsoft.com/office/drawing/2014/main" id="{FF912A9B-553F-4058-998B-284FC35ED57A}"/>
+              </a:ext>
+            </a:extLst>
+          </p:cNvPr>
           <p:cNvCxnSpPr>
-            <a:stCxn id="31" idx="1"/>
-            <a:endCxn id="30" idx="3"/>
+            <a:cxnSpLocks/>
+            <a:stCxn id="7" idx="3"/>
           </p:cNvCxnSpPr>
           <p:nvPr/>
         </p:nvCxnSpPr>
         <p:spPr>
-          <a:xfrm rot="10800000">
-            <a:off x="7485619" y="6169400"/>
-            <a:ext cx="1371600" cy="12700"/>
-          </a:xfrm>
-          <a:prstGeom prst="bentConnector3">
-            <a:avLst>
-              <a:gd name="adj1" fmla="val 50000"/>
-            </a:avLst>
+          <a:xfrm flipV="1">
+            <a:off x="4281568" y="246201"/>
+            <a:ext cx="2605216" cy="26422"/>
+          </a:xfrm>
+          <a:prstGeom prst="straightConnector1">
+            <a:avLst/>
           </a:prstGeom>
-          <a:noFill/>
-          <a:ln w="19050" cap="flat" cmpd="sng" algn="ctr">
+          <a:ln>
             <a:solidFill>
               <a:srgbClr val="FF0000"/>
             </a:solidFill>
-            <a:prstDash val="dash"/>
-            <a:headEnd type="arrow" w="med" len="med"/>
-            <a:tailEnd type="none" w="med" len="med"/>
+            <a:tailEnd type="triangle"/>
           </a:ln>
-          <a:effectLst/>
-        </p:spPr>
+        </p:spPr>
+        <p:style>
+          <a:lnRef idx="1">
+            <a:schemeClr val="accent2"/>
+          </a:lnRef>
+          <a:fillRef idx="0">
+            <a:schemeClr val="accent2"/>
+          </a:fillRef>
+          <a:effectRef idx="0">
+            <a:schemeClr val="accent2"/>
+          </a:effectRef>
+          <a:fontRef idx="minor">
+            <a:schemeClr val="tx1"/>
+          </a:fontRef>
+        </p:style>
       </p:cxnSp>
       <p:sp>
         <p:nvSpPr>
-          <p:cNvPr id="33" name="Rounded Rectangular Callout 32"/>
+          <p:cNvPr id="75" name="TextBox 74">
+            <a:extLst>
+              <a:ext uri="{FF2B5EF4-FFF2-40B4-BE49-F238E27FC236}">
+                <a16:creationId xmlns:a16="http://schemas.microsoft.com/office/drawing/2014/main" id="{D924F28A-4E6A-428C-87FF-D618CB5DF0F0}"/>
+              </a:ext>
+            </a:extLst>
+          </p:cNvPr>
+          <p:cNvSpPr txBox="1"/>
+          <p:nvPr/>
+        </p:nvSpPr>
+        <p:spPr>
+          <a:xfrm>
+            <a:off x="4801236" y="193453"/>
+            <a:ext cx="1497229" cy="338554"/>
+          </a:xfrm>
+          <a:prstGeom prst="rect">
+            <a:avLst/>
+          </a:prstGeom>
+          <a:noFill/>
+        </p:spPr>
+        <p:txBody>
+          <a:bodyPr wrap="square" rtlCol="0">
+            <a:spAutoFit/>
+          </a:bodyPr>
+          <a:lstStyle/>
+          <a:p>
+            <a:pPr>
+              <a:defRPr/>
+            </a:pPr>
+            <a:r>
+              <a:rPr lang="en-US" sz="1600" kern="0" dirty="0">
+                <a:solidFill>
+                  <a:sysClr val="windowText" lastClr="000000"/>
+                </a:solidFill>
+              </a:rPr>
+              <a:t>uses</a:t>
+            </a:r>
+          </a:p>
+        </p:txBody>
+      </p:sp>
+      <p:sp>
+        <p:nvSpPr>
+          <p:cNvPr id="78" name="Isosceles Triangle 1">
+            <a:extLst>
+              <a:ext uri="{FF2B5EF4-FFF2-40B4-BE49-F238E27FC236}">
+                <a16:creationId xmlns:a16="http://schemas.microsoft.com/office/drawing/2014/main" id="{B9A895AC-BF1D-4AE9-9C18-256D9203D513}"/>
+              </a:ext>
+            </a:extLst>
+          </p:cNvPr>
           <p:cNvSpPr/>
           <p:nvPr/>
         </p:nvSpPr>
         <p:spPr>
-          <a:xfrm>
-            <a:off x="7477378" y="5327812"/>
-            <a:ext cx="1734064" cy="442674"/>
-          </a:xfrm>
-          <a:prstGeom prst="wedgeRoundRectCallout">
-            <a:avLst>
-              <a:gd name="adj1" fmla="val -20833"/>
-              <a:gd name="adj2" fmla="val 104615"/>
-              <a:gd name="adj3" fmla="val 16667"/>
-            </a:avLst>
+          <a:xfrm rot="5400000" flipH="1">
+            <a:off x="5357160" y="332069"/>
+            <a:ext cx="158418" cy="119022"/>
+          </a:xfrm>
+          <a:prstGeom prst="triangle">
+            <a:avLst/>
           </a:prstGeom>
           <a:solidFill>
-            <a:schemeClr val="accent1">
-              <a:lumMod val="20000"/>
-              <a:lumOff val="80000"/>
-            </a:schemeClr>
+            <a:schemeClr val="tx1"/>
           </a:solidFill>
-          <a:ln w="9525">
+          <a:ln>
             <a:noFill/>
-            <a:prstDash val="sysDash"/>
-            <a:headEnd type="none" w="med" len="med"/>
-            <a:tailEnd type="arrow" w="med" len="med"/>
           </a:ln>
         </p:spPr>
         <p:style>
@@ -16881,120 +16188,76 @@
           </a:fontRef>
         </p:style>
         <p:txBody>
-          <a:bodyPr wrap="square" rtlCol="0" anchor="ctr">
-            <a:spAutoFit/>
-          </a:bodyPr>
-          <a:lstStyle/>
-          <a:p>
-            <a:pPr algn="ctr" defTabSz="872733"/>
-            <a:r>
-              <a:rPr lang="en-US" sz="2000" b="1" dirty="0">
-                <a:solidFill>
-                  <a:prstClr val="black"/>
-                </a:solidFill>
-                <a:latin typeface="Calibri"/>
-              </a:rPr>
-              <a:t>dependency</a:t>
-            </a:r>
-          </a:p>
-        </p:txBody>
-      </p:sp>
-      <p:cxnSp>
-        <p:nvCxnSpPr>
-          <p:cNvPr id="10" name="Straight Connector 9"/>
-          <p:cNvCxnSpPr/>
+          <a:bodyPr rtlCol="0" anchor="ctr"/>
+          <a:lstStyle/>
+          <a:p>
+            <a:pPr algn="ctr"/>
+            <a:endParaRPr lang="en-US" sz="1600">
+              <a:solidFill>
+                <a:prstClr val="white"/>
+              </a:solidFill>
+            </a:endParaRPr>
+          </a:p>
+        </p:txBody>
+      </p:sp>
+      <p:sp>
+        <p:nvSpPr>
+          <p:cNvPr id="79" name="TextBox 78">
+            <a:extLst>
+              <a:ext uri="{FF2B5EF4-FFF2-40B4-BE49-F238E27FC236}">
+                <a16:creationId xmlns:a16="http://schemas.microsoft.com/office/drawing/2014/main" id="{F5A141BD-5AA0-4DFA-8D05-B49EB4934F63}"/>
+              </a:ext>
+            </a:extLst>
+          </p:cNvPr>
+          <p:cNvSpPr txBox="1"/>
           <p:nvPr/>
-        </p:nvCxnSpPr>
+        </p:nvSpPr>
         <p:spPr>
           <a:xfrm>
-            <a:off x="7325497" y="4479956"/>
-            <a:ext cx="1344574" cy="0"/>
-          </a:xfrm>
-          <a:prstGeom prst="line">
-            <a:avLst/>
-          </a:prstGeom>
-          <a:ln w="19050">
-            <a:solidFill>
-              <a:schemeClr val="tx1"/>
-            </a:solidFill>
-          </a:ln>
-        </p:spPr>
-        <p:style>
-          <a:lnRef idx="1">
-            <a:schemeClr val="accent1"/>
-          </a:lnRef>
-          <a:fillRef idx="0">
-            <a:schemeClr val="accent1"/>
-          </a:fillRef>
-          <a:effectRef idx="0">
-            <a:schemeClr val="accent1"/>
-          </a:effectRef>
-          <a:fontRef idx="minor">
-            <a:schemeClr val="tx1"/>
-          </a:fontRef>
-        </p:style>
-      </p:cxnSp>
-      <p:sp>
-        <p:nvSpPr>
-          <p:cNvPr id="27" name="Rectangle 26"/>
-          <p:cNvSpPr/>
-          <p:nvPr/>
-        </p:nvSpPr>
-        <p:spPr>
-          <a:xfrm>
-            <a:off x="2109401" y="5995946"/>
-            <a:ext cx="1022520" cy="400110"/>
+            <a:off x="6194043" y="2359385"/>
+            <a:ext cx="609600" cy="338554"/>
           </a:xfrm>
           <a:prstGeom prst="rect">
             <a:avLst/>
           </a:prstGeom>
-          <a:ln w="19050"/>
-        </p:spPr>
-        <p:style>
-          <a:lnRef idx="1">
-            <a:schemeClr val="accent3"/>
-          </a:lnRef>
-          <a:fillRef idx="2">
-            <a:schemeClr val="accent3"/>
-          </a:fillRef>
-          <a:effectRef idx="1">
-            <a:schemeClr val="accent3"/>
-          </a:effectRef>
-          <a:fontRef idx="minor">
-            <a:schemeClr val="dk1"/>
-          </a:fontRef>
-        </p:style>
-        <p:txBody>
-          <a:bodyPr wrap="square" rtlCol="0" anchor="ctr">
+          <a:noFill/>
+        </p:spPr>
+        <p:txBody>
+          <a:bodyPr wrap="square" rtlCol="0">
             <a:spAutoFit/>
           </a:bodyPr>
           <a:lstStyle/>
           <a:p>
-            <a:pPr algn="ctr">
+            <a:pPr>
               <a:defRPr/>
             </a:pPr>
             <a:r>
-              <a:rPr lang="en-US" sz="2000" kern="0" dirty="0">
+              <a:rPr lang="en-US" sz="1600" kern="0" dirty="0">
                 <a:solidFill>
                   <a:sysClr val="windowText" lastClr="000000"/>
                 </a:solidFill>
-                <a:latin typeface="Calibri"/>
               </a:rPr>
-              <a:t>Class A</a:t>
-            </a:r>
-          </a:p>
-        </p:txBody>
-      </p:sp>
-      <p:sp>
-        <p:nvSpPr>
-          <p:cNvPr id="28" name="Rectangle 27"/>
+              <a:t>1</a:t>
+            </a:r>
+          </a:p>
+        </p:txBody>
+      </p:sp>
+      <p:sp>
+        <p:nvSpPr>
+          <p:cNvPr id="82" name="Rectangle 81">
+            <a:extLst>
+              <a:ext uri="{FF2B5EF4-FFF2-40B4-BE49-F238E27FC236}">
+                <a16:creationId xmlns:a16="http://schemas.microsoft.com/office/drawing/2014/main" id="{D60BF19D-0A20-49EC-A69C-8A43185CEFAF}"/>
+              </a:ext>
+            </a:extLst>
+          </p:cNvPr>
           <p:cNvSpPr/>
           <p:nvPr/>
         </p:nvSpPr>
         <p:spPr>
           <a:xfrm>
-            <a:off x="4503522" y="5995946"/>
-            <a:ext cx="1034881" cy="400110"/>
+            <a:off x="2009984" y="424789"/>
+            <a:ext cx="2271584" cy="338554"/>
           </a:xfrm>
           <a:prstGeom prst="rect">
             <a:avLst/>
@@ -17049,65 +16312,38 @@
               <a:defRPr/>
             </a:pPr>
             <a:r>
-              <a:rPr lang="en-US" sz="2000" kern="0" dirty="0">
+              <a:rPr lang="en-US" altLang="zh-CN" sz="1600" kern="0" dirty="0">
                 <a:solidFill>
                   <a:sysClr val="windowText" lastClr="000000"/>
                 </a:solidFill>
-                <a:latin typeface="Calibri"/>
+                <a:ea typeface="宋体" panose="02010600030101010101" pitchFamily="2" charset="-122"/>
               </a:rPr>
-              <a:t>Class B</a:t>
-            </a:r>
-          </a:p>
-        </p:txBody>
-      </p:sp>
-      <p:cxnSp>
-        <p:nvCxnSpPr>
-          <p:cNvPr id="35" name="Straight Connector 34"/>
-          <p:cNvCxnSpPr>
-            <a:stCxn id="27" idx="3"/>
-            <a:endCxn id="28" idx="1"/>
-          </p:cNvCxnSpPr>
+              <a:t>+execute(){abstract}</a:t>
+            </a:r>
+            <a:endParaRPr lang="en-US" sz="1600" kern="0" dirty="0">
+              <a:solidFill>
+                <a:sysClr val="windowText" lastClr="000000"/>
+              </a:solidFill>
+            </a:endParaRPr>
+          </a:p>
+        </p:txBody>
+      </p:sp>
+      <p:sp>
+        <p:nvSpPr>
+          <p:cNvPr id="84" name="Rectangle 83">
+            <a:extLst>
+              <a:ext uri="{FF2B5EF4-FFF2-40B4-BE49-F238E27FC236}">
+                <a16:creationId xmlns:a16="http://schemas.microsoft.com/office/drawing/2014/main" id="{B049F2D0-0617-4A31-9217-DCCDCD15C420}"/>
+              </a:ext>
+            </a:extLst>
+          </p:cNvPr>
+          <p:cNvSpPr/>
           <p:nvPr/>
-        </p:nvCxnSpPr>
+        </p:nvSpPr>
         <p:spPr>
           <a:xfrm>
-            <a:off x="3131921" y="6196001"/>
-            <a:ext cx="1371600" cy="0"/>
-          </a:xfrm>
-          <a:prstGeom prst="line">
-            <a:avLst/>
-          </a:prstGeom>
-          <a:ln w="19050">
-            <a:solidFill>
-              <a:schemeClr val="tx1"/>
-            </a:solidFill>
-          </a:ln>
-        </p:spPr>
-        <p:style>
-          <a:lnRef idx="1">
-            <a:schemeClr val="accent1"/>
-          </a:lnRef>
-          <a:fillRef idx="0">
-            <a:schemeClr val="accent1"/>
-          </a:fillRef>
-          <a:effectRef idx="0">
-            <a:schemeClr val="accent1"/>
-          </a:effectRef>
-          <a:fontRef idx="minor">
-            <a:schemeClr val="tx1"/>
-          </a:fontRef>
-        </p:style>
-      </p:cxnSp>
-      <p:sp>
-        <p:nvSpPr>
-          <p:cNvPr id="36" name="Rectangle 35"/>
-          <p:cNvSpPr/>
-          <p:nvPr/>
-        </p:nvSpPr>
-        <p:spPr>
-          <a:xfrm>
-            <a:off x="3335488" y="5267990"/>
-            <a:ext cx="1034881" cy="400110"/>
+            <a:off x="5238605" y="1903113"/>
+            <a:ext cx="1869605" cy="338554"/>
           </a:xfrm>
           <a:prstGeom prst="rect">
             <a:avLst/>
@@ -17158,127 +16394,111 @@
           </a:bodyPr>
           <a:lstStyle/>
           <a:p>
-            <a:pPr algn="ctr">
+            <a:pPr>
               <a:defRPr/>
             </a:pPr>
             <a:r>
-              <a:rPr lang="en-US" sz="2000" kern="0" dirty="0">
+              <a:rPr lang="en-US" sz="1600" kern="0" dirty="0">
                 <a:solidFill>
                   <a:sysClr val="windowText" lastClr="000000"/>
                 </a:solidFill>
-                <a:latin typeface="Calibri"/>
               </a:rPr>
-              <a:t>Class C</a:t>
+              <a:t>+execute()</a:t>
             </a:r>
           </a:p>
         </p:txBody>
       </p:sp>
       <p:cxnSp>
         <p:nvCxnSpPr>
-          <p:cNvPr id="37" name="Straight Connector 36"/>
-          <p:cNvCxnSpPr/>
+          <p:cNvPr id="3" name="Straight Connector 2">
+            <a:extLst>
+              <a:ext uri="{FF2B5EF4-FFF2-40B4-BE49-F238E27FC236}">
+                <a16:creationId xmlns:a16="http://schemas.microsoft.com/office/drawing/2014/main" id="{E150B03E-6EC1-4A5F-AA8E-D1E558738B75}"/>
+              </a:ext>
+            </a:extLst>
+          </p:cNvPr>
+          <p:cNvCxnSpPr>
+            <a:cxnSpLocks/>
+            <a:stCxn id="84" idx="2"/>
+          </p:cNvCxnSpPr>
           <p:nvPr/>
         </p:nvCxnSpPr>
         <p:spPr>
           <a:xfrm>
-            <a:off x="3852928" y="5651916"/>
-            <a:ext cx="1" cy="558732"/>
+            <a:off x="6173408" y="2241667"/>
+            <a:ext cx="0" cy="358767"/>
           </a:xfrm>
           <a:prstGeom prst="line">
             <a:avLst/>
           </a:prstGeom>
-          <a:ln w="19050">
+          <a:ln>
             <a:solidFill>
               <a:srgbClr val="FF0000"/>
             </a:solidFill>
-            <a:prstDash val="dash"/>
           </a:ln>
         </p:spPr>
         <p:style>
           <a:lnRef idx="1">
-            <a:schemeClr val="accent1"/>
+            <a:schemeClr val="accent2"/>
           </a:lnRef>
           <a:fillRef idx="0">
-            <a:schemeClr val="accent1"/>
+            <a:schemeClr val="accent2"/>
           </a:fillRef>
           <a:effectRef idx="0">
-            <a:schemeClr val="accent1"/>
+            <a:schemeClr val="accent2"/>
           </a:effectRef>
           <a:fontRef idx="minor">
             <a:schemeClr val="tx1"/>
           </a:fontRef>
         </p:style>
       </p:cxnSp>
-      <p:sp>
-        <p:nvSpPr>
-          <p:cNvPr id="40" name="Rounded Rectangular Callout 39"/>
-          <p:cNvSpPr/>
+      <p:cxnSp>
+        <p:nvCxnSpPr>
+          <p:cNvPr id="4" name="Straight Connector 3">
+            <a:extLst>
+              <a:ext uri="{FF2B5EF4-FFF2-40B4-BE49-F238E27FC236}">
+                <a16:creationId xmlns:a16="http://schemas.microsoft.com/office/drawing/2014/main" id="{B1DE62B3-8418-4368-8A21-6F954ED42F92}"/>
+              </a:ext>
+            </a:extLst>
+          </p:cNvPr>
+          <p:cNvCxnSpPr>
+            <a:stCxn id="32" idx="2"/>
+          </p:cNvCxnSpPr>
           <p:nvPr/>
-        </p:nvSpPr>
+        </p:nvCxnSpPr>
         <p:spPr>
-          <a:xfrm>
-            <a:off x="2109401" y="4610651"/>
-            <a:ext cx="2143898" cy="442674"/>
-          </a:xfrm>
-          <a:prstGeom prst="wedgeRoundRectCallout">
-            <a:avLst>
-              <a:gd name="adj1" fmla="val 20281"/>
-              <a:gd name="adj2" fmla="val 93449"/>
-              <a:gd name="adj3" fmla="val 16667"/>
-            </a:avLst>
+          <a:xfrm flipH="1">
+            <a:off x="7742921" y="4615351"/>
+            <a:ext cx="6881" cy="402660"/>
+          </a:xfrm>
+          <a:prstGeom prst="line">
+            <a:avLst/>
           </a:prstGeom>
-          <a:solidFill>
-            <a:schemeClr val="accent1">
-              <a:lumMod val="20000"/>
-              <a:lumOff val="80000"/>
-            </a:schemeClr>
-          </a:solidFill>
-          <a:ln w="9525">
-            <a:noFill/>
-            <a:prstDash val="sysDash"/>
-            <a:headEnd type="none" w="med" len="med"/>
-            <a:tailEnd type="arrow" w="med" len="med"/>
+          <a:ln>
+            <a:solidFill>
+              <a:srgbClr val="FF0000"/>
+            </a:solidFill>
           </a:ln>
         </p:spPr>
         <p:style>
-          <a:lnRef idx="2">
-            <a:schemeClr val="accent1">
-              <a:shade val="50000"/>
-            </a:schemeClr>
+          <a:lnRef idx="1">
+            <a:schemeClr val="accent2"/>
           </a:lnRef>
-          <a:fillRef idx="1">
-            <a:schemeClr val="accent1"/>
+          <a:fillRef idx="0">
+            <a:schemeClr val="accent2"/>
           </a:fillRef>
           <a:effectRef idx="0">
-            <a:schemeClr val="accent1"/>
+            <a:schemeClr val="accent2"/>
           </a:effectRef>
           <a:fontRef idx="minor">
-            <a:schemeClr val="lt1"/>
+            <a:schemeClr val="tx1"/>
           </a:fontRef>
         </p:style>
-        <p:txBody>
-          <a:bodyPr wrap="square" rtlCol="0" anchor="ctr">
-            <a:spAutoFit/>
-          </a:bodyPr>
-          <a:lstStyle/>
-          <a:p>
-            <a:pPr algn="ctr" defTabSz="872733"/>
-            <a:r>
-              <a:rPr lang="en-US" sz="2000" b="1" dirty="0">
-                <a:solidFill>
-                  <a:prstClr val="black"/>
-                </a:solidFill>
-                <a:latin typeface="Calibri"/>
-              </a:rPr>
-              <a:t>Association class</a:t>
-            </a:r>
-          </a:p>
-        </p:txBody>
-      </p:sp>
+      </p:cxnSp>
     </p:spTree>
     <p:extLst>
       <p:ext uri="{BB962C8B-B14F-4D97-AF65-F5344CB8AC3E}">
-        <p14:creationId xmlns:p14="http://schemas.microsoft.com/office/powerpoint/2010/main" val="242993981"/>
+        <p14:creationId xmlns:p14="http://schemas.microsoft.com/office/powerpoint/2010/main" val="83004840"/>
       </p:ext>
     </p:extLst>
   </p:cSld>
@@ -17288,7 +16508,7 @@
 </p:sld>
 </file>
 
-<file path=ppt/slides/slide5.xml><?xml version="1.0" encoding="utf-8"?>
+<file path=ppt/slides/slide4.xml><?xml version="1.0" encoding="utf-8"?>
 <p:sld xmlns:a="http://schemas.openxmlformats.org/drawingml/2006/main" xmlns:r="http://schemas.openxmlformats.org/officeDocument/2006/relationships" xmlns:p="http://schemas.openxmlformats.org/presentationml/2006/main">
   <p:cSld>
     <p:spTree>
@@ -17315,35 +16535,30 @@
             <p:ph type="title"/>
           </p:nvPr>
         </p:nvSpPr>
+        <p:spPr/>
+        <p:txBody>
+          <a:bodyPr vert="horz" lIns="87273" tIns="43637" rIns="87273" bIns="43637" rtlCol="0" anchor="ctr">
+            <a:normAutofit/>
+          </a:bodyPr>
+          <a:lstStyle/>
+          <a:p>
+            <a:r>
+              <a:rPr lang="en-US" dirty="0"/>
+              <a:t>Class diagrams</a:t>
+            </a:r>
+          </a:p>
+        </p:txBody>
+      </p:sp>
+      <p:sp>
+        <p:nvSpPr>
+          <p:cNvPr id="45" name="Rectangle 44"/>
+          <p:cNvSpPr/>
+          <p:nvPr/>
+        </p:nvSpPr>
         <p:spPr>
           <a:xfrm>
-            <a:off x="1852872" y="188256"/>
-            <a:ext cx="3633529" cy="377170"/>
-          </a:xfrm>
-        </p:spPr>
-        <p:txBody>
-          <a:bodyPr vert="horz" lIns="87273" tIns="43637" rIns="87273" bIns="43637" rtlCol="0" anchor="ctr">
-            <a:noAutofit/>
-          </a:bodyPr>
-          <a:lstStyle/>
-          <a:p>
-            <a:r>
-              <a:rPr lang="en-US" sz="2400" dirty="0"/>
-              <a:t>Class diagrams [example] </a:t>
-            </a:r>
-          </a:p>
-        </p:txBody>
-      </p:sp>
-      <p:sp>
-        <p:nvSpPr>
-          <p:cNvPr id="25" name="Rectangle 24"/>
-          <p:cNvSpPr/>
-          <p:nvPr/>
-        </p:nvSpPr>
-        <p:spPr>
-          <a:xfrm>
-            <a:off x="1700471" y="1057366"/>
-            <a:ext cx="1699055" cy="400110"/>
+            <a:off x="1840256" y="2336430"/>
+            <a:ext cx="1600200" cy="400110"/>
           </a:xfrm>
           <a:prstGeom prst="rect">
             <a:avLst/>
@@ -17380,26 +16595,26 @@
                 </a:solidFill>
                 <a:latin typeface="Calibri"/>
               </a:rPr>
-              <a:t>Minesweeper</a:t>
-            </a:r>
-          </a:p>
-        </p:txBody>
-      </p:sp>
-      <p:sp>
-        <p:nvSpPr>
-          <p:cNvPr id="29" name="Rectangle 28"/>
+              <a:t>Class A</a:t>
+            </a:r>
+          </a:p>
+        </p:txBody>
+      </p:sp>
+      <p:sp>
+        <p:nvSpPr>
+          <p:cNvPr id="48" name="Rectangle 47"/>
           <p:cNvSpPr/>
           <p:nvPr/>
         </p:nvSpPr>
         <p:spPr>
           <a:xfrm>
-            <a:off x="4443671" y="1057366"/>
+            <a:off x="9192526" y="2336430"/>
             <a:ext cx="1295400" cy="400110"/>
           </a:xfrm>
           <a:prstGeom prst="rect">
             <a:avLst/>
           </a:prstGeom>
-          <a:ln/>
+          <a:ln w="19050"/>
         </p:spPr>
         <p:style>
           <a:lnRef idx="1">
@@ -17431,21 +16646,385 @@
                 </a:solidFill>
                 <a:latin typeface="Calibri"/>
               </a:rPr>
-              <a:t>Minefield</a:t>
-            </a:r>
-          </a:p>
-        </p:txBody>
-      </p:sp>
-      <p:sp>
-        <p:nvSpPr>
-          <p:cNvPr id="30" name="Rectangle 29"/>
+              <a:t>Class B</a:t>
+            </a:r>
+          </a:p>
+        </p:txBody>
+      </p:sp>
+      <p:cxnSp>
+        <p:nvCxnSpPr>
+          <p:cNvPr id="51" name="Elbow Connector 50"/>
+          <p:cNvCxnSpPr>
+            <a:stCxn id="45" idx="3"/>
+            <a:endCxn id="48" idx="1"/>
+          </p:cNvCxnSpPr>
+          <p:nvPr/>
+        </p:nvCxnSpPr>
+        <p:spPr>
+          <a:xfrm>
+            <a:off x="3440456" y="2536485"/>
+            <a:ext cx="5752070" cy="1588"/>
+          </a:xfrm>
+          <a:prstGeom prst="bentConnector3">
+            <a:avLst>
+              <a:gd name="adj1" fmla="val 50000"/>
+            </a:avLst>
+          </a:prstGeom>
+          <a:noFill/>
+          <a:ln w="19050" cap="flat" cmpd="sng" algn="ctr">
+            <a:solidFill>
+              <a:srgbClr val="FF0000"/>
+            </a:solidFill>
+            <a:prstDash val="solid"/>
+            <a:headEnd type="none" w="med" len="med"/>
+            <a:tailEnd type="none" w="med" len="med"/>
+          </a:ln>
+          <a:effectLst/>
+        </p:spPr>
+      </p:cxnSp>
+      <p:sp>
+        <p:nvSpPr>
+          <p:cNvPr id="67" name="TextBox 66"/>
+          <p:cNvSpPr txBox="1"/>
+          <p:nvPr/>
+        </p:nvSpPr>
+        <p:spPr>
+          <a:xfrm>
+            <a:off x="3415262" y="2162544"/>
+            <a:ext cx="1878230" cy="400110"/>
+          </a:xfrm>
+          <a:prstGeom prst="rect">
+            <a:avLst/>
+          </a:prstGeom>
+          <a:noFill/>
+        </p:spPr>
+        <p:txBody>
+          <a:bodyPr wrap="square" rtlCol="0">
+            <a:spAutoFit/>
+          </a:bodyPr>
+          <a:lstStyle/>
+          <a:p>
+            <a:pPr>
+              <a:defRPr/>
+            </a:pPr>
+            <a:r>
+              <a:rPr lang="en-US" sz="2000" kern="0" dirty="0">
+                <a:solidFill>
+                  <a:sysClr val="windowText" lastClr="000000"/>
+                </a:solidFill>
+                <a:latin typeface="Calibri"/>
+              </a:rPr>
+              <a:t>multiplicity of A</a:t>
+            </a:r>
+          </a:p>
+        </p:txBody>
+      </p:sp>
+      <p:sp>
+        <p:nvSpPr>
+          <p:cNvPr id="71" name="TextBox 70"/>
+          <p:cNvSpPr txBox="1"/>
+          <p:nvPr/>
+        </p:nvSpPr>
+        <p:spPr>
+          <a:xfrm>
+            <a:off x="5545227" y="2160290"/>
+            <a:ext cx="2195381" cy="400110"/>
+          </a:xfrm>
+          <a:prstGeom prst="rect">
+            <a:avLst/>
+          </a:prstGeom>
+          <a:noFill/>
+        </p:spPr>
+        <p:txBody>
+          <a:bodyPr wrap="square" rtlCol="0">
+            <a:spAutoFit/>
+          </a:bodyPr>
+          <a:lstStyle/>
+          <a:p>
+            <a:pPr>
+              <a:defRPr/>
+            </a:pPr>
+            <a:r>
+              <a:rPr lang="en-US" sz="2000" kern="0" dirty="0">
+                <a:solidFill>
+                  <a:sysClr val="windowText" lastClr="000000"/>
+                </a:solidFill>
+                <a:latin typeface="Calibri"/>
+              </a:rPr>
+              <a:t>association label </a:t>
+            </a:r>
+          </a:p>
+        </p:txBody>
+      </p:sp>
+      <p:sp>
+        <p:nvSpPr>
+          <p:cNvPr id="73" name="Rectangle 72"/>
           <p:cNvSpPr/>
           <p:nvPr/>
         </p:nvSpPr>
         <p:spPr>
           <a:xfrm>
-            <a:off x="7110671" y="1057366"/>
-            <a:ext cx="1143000" cy="400110"/>
+            <a:off x="7920578" y="3369414"/>
+            <a:ext cx="2362200" cy="707886"/>
+          </a:xfrm>
+          <a:prstGeom prst="rect">
+            <a:avLst/>
+          </a:prstGeom>
+          <a:ln w="19050"/>
+        </p:spPr>
+        <p:style>
+          <a:lnRef idx="1">
+            <a:schemeClr val="accent4"/>
+          </a:lnRef>
+          <a:fillRef idx="2">
+            <a:schemeClr val="accent4"/>
+          </a:fillRef>
+          <a:effectRef idx="1">
+            <a:schemeClr val="accent4"/>
+          </a:effectRef>
+          <a:fontRef idx="minor">
+            <a:schemeClr val="dk1"/>
+          </a:fontRef>
+        </p:style>
+        <p:txBody>
+          <a:bodyPr wrap="square" rtlCol="0" anchor="ctr">
+            <a:spAutoFit/>
+          </a:bodyPr>
+          <a:lstStyle/>
+          <a:p>
+            <a:pPr algn="ctr" defTabSz="872733">
+              <a:defRPr/>
+            </a:pPr>
+            <a:r>
+              <a:rPr lang="en-US" sz="2000" kern="0" dirty="0">
+                <a:solidFill>
+                  <a:srgbClr val="FF0000"/>
+                </a:solidFill>
+                <a:latin typeface="Calibri"/>
+              </a:rPr>
+              <a:t>&lt;&lt;enumeration&gt;&gt;</a:t>
+            </a:r>
+            <a:br>
+              <a:rPr lang="en-US" sz="2000" kern="0" dirty="0">
+                <a:solidFill>
+                  <a:srgbClr val="FF0000"/>
+                </a:solidFill>
+                <a:latin typeface="Calibri"/>
+              </a:rPr>
+            </a:br>
+            <a:r>
+              <a:rPr lang="en-US" sz="2000" kern="0" dirty="0">
+                <a:solidFill>
+                  <a:sysClr val="windowText" lastClr="000000"/>
+                </a:solidFill>
+                <a:latin typeface="Calibri"/>
+              </a:rPr>
+              <a:t> </a:t>
+            </a:r>
+            <a:r>
+              <a:rPr lang="en-US" sz="2000" kern="0" dirty="0" err="1">
+                <a:solidFill>
+                  <a:sysClr val="windowText" lastClr="000000"/>
+                </a:solidFill>
+                <a:latin typeface="Calibri"/>
+              </a:rPr>
+              <a:t>EnumerationName</a:t>
+            </a:r>
+            <a:endParaRPr lang="en-US" sz="2000" kern="0" dirty="0">
+              <a:solidFill>
+                <a:sysClr val="windowText" lastClr="000000"/>
+              </a:solidFill>
+              <a:latin typeface="Calibri"/>
+            </a:endParaRPr>
+          </a:p>
+        </p:txBody>
+      </p:sp>
+      <p:sp>
+        <p:nvSpPr>
+          <p:cNvPr id="74" name="Rectangle 73"/>
+          <p:cNvSpPr/>
+          <p:nvPr/>
+        </p:nvSpPr>
+        <p:spPr>
+          <a:xfrm>
+            <a:off x="7920578" y="4001155"/>
+            <a:ext cx="2362200" cy="707886"/>
+          </a:xfrm>
+          <a:prstGeom prst="rect">
+            <a:avLst/>
+          </a:prstGeom>
+          <a:ln w="19050"/>
+        </p:spPr>
+        <p:style>
+          <a:lnRef idx="1">
+            <a:schemeClr val="accent4"/>
+          </a:lnRef>
+          <a:fillRef idx="2">
+            <a:schemeClr val="accent4"/>
+          </a:fillRef>
+          <a:effectRef idx="1">
+            <a:schemeClr val="accent4"/>
+          </a:effectRef>
+          <a:fontRef idx="minor">
+            <a:schemeClr val="dk1"/>
+          </a:fontRef>
+        </p:style>
+        <p:txBody>
+          <a:bodyPr wrap="square" rtlCol="0" anchor="ctr">
+            <a:spAutoFit/>
+          </a:bodyPr>
+          <a:lstStyle/>
+          <a:p>
+            <a:pPr>
+              <a:defRPr/>
+            </a:pPr>
+            <a:r>
+              <a:rPr lang="en-US" sz="2000" kern="0" dirty="0">
+                <a:solidFill>
+                  <a:sysClr val="windowText" lastClr="000000"/>
+                </a:solidFill>
+                <a:latin typeface="Calibri"/>
+              </a:rPr>
+              <a:t>VALUE_1</a:t>
+            </a:r>
+          </a:p>
+          <a:p>
+            <a:pPr>
+              <a:defRPr/>
+            </a:pPr>
+            <a:r>
+              <a:rPr lang="en-US" sz="2000" kern="0" dirty="0">
+                <a:solidFill>
+                  <a:sysClr val="windowText" lastClr="000000"/>
+                </a:solidFill>
+                <a:latin typeface="Calibri"/>
+              </a:rPr>
+              <a:t>VALUE_2</a:t>
+            </a:r>
+          </a:p>
+        </p:txBody>
+      </p:sp>
+      <p:sp>
+        <p:nvSpPr>
+          <p:cNvPr id="84" name="TextBox 83"/>
+          <p:cNvSpPr txBox="1"/>
+          <p:nvPr/>
+        </p:nvSpPr>
+        <p:spPr>
+          <a:xfrm>
+            <a:off x="3439300" y="2497497"/>
+            <a:ext cx="1725827" cy="400110"/>
+          </a:xfrm>
+          <a:prstGeom prst="rect">
+            <a:avLst/>
+          </a:prstGeom>
+          <a:noFill/>
+        </p:spPr>
+        <p:txBody>
+          <a:bodyPr wrap="square" rtlCol="0">
+            <a:spAutoFit/>
+          </a:bodyPr>
+          <a:lstStyle/>
+          <a:p>
+            <a:pPr>
+              <a:defRPr/>
+            </a:pPr>
+            <a:r>
+              <a:rPr lang="en-US" sz="2000" kern="0" dirty="0">
+                <a:solidFill>
+                  <a:sysClr val="windowText" lastClr="000000"/>
+                </a:solidFill>
+                <a:latin typeface="Calibri"/>
+              </a:rPr>
+              <a:t>role of A</a:t>
+            </a:r>
+          </a:p>
+        </p:txBody>
+      </p:sp>
+      <p:sp>
+        <p:nvSpPr>
+          <p:cNvPr id="85" name="TextBox 84"/>
+          <p:cNvSpPr txBox="1"/>
+          <p:nvPr/>
+        </p:nvSpPr>
+        <p:spPr>
+          <a:xfrm>
+            <a:off x="7771498" y="2169926"/>
+            <a:ext cx="1355124" cy="400110"/>
+          </a:xfrm>
+          <a:prstGeom prst="rect">
+            <a:avLst/>
+          </a:prstGeom>
+          <a:noFill/>
+        </p:spPr>
+        <p:txBody>
+          <a:bodyPr wrap="square" rtlCol="0">
+            <a:spAutoFit/>
+          </a:bodyPr>
+          <a:lstStyle/>
+          <a:p>
+            <a:pPr algn="r">
+              <a:defRPr/>
+            </a:pPr>
+            <a:r>
+              <a:rPr lang="en-US" sz="2000" kern="0" dirty="0">
+                <a:solidFill>
+                  <a:sysClr val="windowText" lastClr="000000"/>
+                </a:solidFill>
+                <a:latin typeface="Calibri"/>
+              </a:rPr>
+              <a:t>role of B</a:t>
+            </a:r>
+          </a:p>
+        </p:txBody>
+      </p:sp>
+      <p:sp>
+        <p:nvSpPr>
+          <p:cNvPr id="86" name="TextBox 85"/>
+          <p:cNvSpPr txBox="1"/>
+          <p:nvPr/>
+        </p:nvSpPr>
+        <p:spPr>
+          <a:xfrm>
+            <a:off x="7336957" y="2557764"/>
+            <a:ext cx="1824679" cy="400110"/>
+          </a:xfrm>
+          <a:prstGeom prst="rect">
+            <a:avLst/>
+          </a:prstGeom>
+          <a:noFill/>
+        </p:spPr>
+        <p:txBody>
+          <a:bodyPr wrap="square" rtlCol="0">
+            <a:spAutoFit/>
+          </a:bodyPr>
+          <a:lstStyle/>
+          <a:p>
+            <a:pPr algn="r">
+              <a:defRPr/>
+            </a:pPr>
+            <a:r>
+              <a:rPr lang="en-US" sz="2000" kern="0" dirty="0">
+                <a:solidFill>
+                  <a:sysClr val="windowText" lastClr="000000"/>
+                </a:solidFill>
+                <a:latin typeface="Calibri"/>
+              </a:rPr>
+              <a:t>multiplicity of B</a:t>
+            </a:r>
+          </a:p>
+        </p:txBody>
+      </p:sp>
+      <p:sp>
+        <p:nvSpPr>
+          <p:cNvPr id="87" name="Rectangle 86"/>
+          <p:cNvSpPr/>
+          <p:nvPr/>
+        </p:nvSpPr>
+        <p:spPr>
+          <a:xfrm>
+            <a:off x="2653615" y="3289808"/>
+            <a:ext cx="1342768" cy="400110"/>
           </a:xfrm>
           <a:prstGeom prst="rect">
             <a:avLst/>
@@ -17500,89 +17079,33 @@
               <a:defRPr/>
             </a:pPr>
             <a:r>
-              <a:rPr lang="en-US" sz="2000" kern="0" dirty="0">
+              <a:rPr lang="en-US" sz="2000" kern="0" dirty="0" err="1">
                 <a:solidFill>
                   <a:sysClr val="windowText" lastClr="000000"/>
                 </a:solidFill>
                 <a:latin typeface="Calibri"/>
               </a:rPr>
-              <a:t>Cell</a:t>
-            </a:r>
-          </a:p>
-        </p:txBody>
-      </p:sp>
-      <p:cxnSp>
-        <p:nvCxnSpPr>
-          <p:cNvPr id="31" name="Elbow Connector 26"/>
-          <p:cNvCxnSpPr>
-            <a:stCxn id="30" idx="1"/>
-            <a:endCxn id="52" idx="3"/>
-          </p:cNvCxnSpPr>
+              <a:t>Superclass</a:t>
+            </a:r>
+            <a:endParaRPr lang="en-US" sz="2000" kern="0" dirty="0">
+              <a:solidFill>
+                <a:sysClr val="windowText" lastClr="000000"/>
+              </a:solidFill>
+              <a:latin typeface="Calibri"/>
+            </a:endParaRPr>
+          </a:p>
+        </p:txBody>
+      </p:sp>
+      <p:sp>
+        <p:nvSpPr>
+          <p:cNvPr id="88" name="Rectangle 87"/>
+          <p:cNvSpPr/>
           <p:nvPr/>
-        </p:nvCxnSpPr>
-        <p:spPr>
-          <a:xfrm rot="10800000" flipV="1">
-            <a:off x="5967671" y="1257421"/>
-            <a:ext cx="1143000" cy="5834"/>
-          </a:xfrm>
-          <a:prstGeom prst="bentConnector3">
-            <a:avLst>
-              <a:gd name="adj1" fmla="val 50000"/>
-            </a:avLst>
-          </a:prstGeom>
-          <a:noFill/>
-          <a:ln w="19050" cap="flat" cmpd="sng" algn="ctr">
-            <a:solidFill>
-              <a:sysClr val="windowText" lastClr="000000"/>
-            </a:solidFill>
-            <a:prstDash val="solid"/>
-            <a:headEnd type="arrow" w="med" len="med"/>
-            <a:tailEnd type="none" w="med" len="med"/>
-          </a:ln>
-          <a:effectLst/>
-        </p:spPr>
-      </p:cxnSp>
-      <p:cxnSp>
-        <p:nvCxnSpPr>
-          <p:cNvPr id="32" name="Elbow Connector 31"/>
-          <p:cNvCxnSpPr>
-            <a:stCxn id="25" idx="3"/>
-            <a:endCxn id="29" idx="1"/>
-          </p:cNvCxnSpPr>
-          <p:nvPr/>
-        </p:nvCxnSpPr>
+        </p:nvSpPr>
         <p:spPr>
           <a:xfrm>
-            <a:off x="3399525" y="1257421"/>
-            <a:ext cx="1044146" cy="1588"/>
-          </a:xfrm>
-          <a:prstGeom prst="bentConnector3">
-            <a:avLst>
-              <a:gd name="adj1" fmla="val 50000"/>
-            </a:avLst>
-          </a:prstGeom>
-          <a:noFill/>
-          <a:ln w="19050" cap="flat" cmpd="sng" algn="ctr">
-            <a:solidFill>
-              <a:sysClr val="windowText" lastClr="000000"/>
-            </a:solidFill>
-            <a:prstDash val="solid"/>
-            <a:headEnd type="none" w="med" len="med"/>
-            <a:tailEnd type="arrow" w="med" len="med"/>
-          </a:ln>
-          <a:effectLst/>
-        </p:spPr>
-      </p:cxnSp>
-      <p:sp>
-        <p:nvSpPr>
-          <p:cNvPr id="33" name="Rectangle 32"/>
-          <p:cNvSpPr/>
-          <p:nvPr/>
-        </p:nvSpPr>
-        <p:spPr>
-          <a:xfrm>
-            <a:off x="6130369" y="2200366"/>
-            <a:ext cx="1361302" cy="400110"/>
+            <a:off x="1834981" y="4459703"/>
+            <a:ext cx="1299518" cy="400110"/>
           </a:xfrm>
           <a:prstGeom prst="rect">
             <a:avLst/>
@@ -17637,88 +17160,138 @@
               <a:defRPr/>
             </a:pPr>
             <a:r>
-              <a:rPr lang="en-US" sz="2000" kern="0" dirty="0" err="1">
+              <a:rPr lang="en-US" sz="2000" kern="0" dirty="0">
                 <a:solidFill>
                   <a:sysClr val="windowText" lastClr="000000"/>
                 </a:solidFill>
                 <a:latin typeface="Calibri"/>
               </a:rPr>
-              <a:t>MinedCell</a:t>
-            </a:r>
-            <a:endParaRPr lang="en-US" sz="2000" kern="0" dirty="0">
+              <a:t>Subclass 1</a:t>
+            </a:r>
+          </a:p>
+        </p:txBody>
+      </p:sp>
+      <p:sp>
+        <p:nvSpPr>
+          <p:cNvPr id="90" name="Isosceles Triangle 89"/>
+          <p:cNvSpPr/>
+          <p:nvPr/>
+        </p:nvSpPr>
+        <p:spPr>
+          <a:xfrm>
+            <a:off x="3210699" y="3713092"/>
+            <a:ext cx="228600" cy="152400"/>
+          </a:xfrm>
+          <a:prstGeom prst="triangle">
+            <a:avLst/>
+          </a:prstGeom>
+          <a:solidFill>
+            <a:schemeClr val="bg1"/>
+          </a:solidFill>
+          <a:ln w="19050">
+            <a:solidFill>
+              <a:srgbClr val="FF0000"/>
+            </a:solidFill>
+          </a:ln>
+        </p:spPr>
+        <p:style>
+          <a:lnRef idx="2">
+            <a:schemeClr val="accent1">
+              <a:shade val="50000"/>
+            </a:schemeClr>
+          </a:lnRef>
+          <a:fillRef idx="1">
+            <a:schemeClr val="accent1"/>
+          </a:fillRef>
+          <a:effectRef idx="0">
+            <a:schemeClr val="accent1"/>
+          </a:effectRef>
+          <a:fontRef idx="minor">
+            <a:schemeClr val="lt1"/>
+          </a:fontRef>
+        </p:style>
+        <p:txBody>
+          <a:bodyPr rtlCol="0" anchor="ctr"/>
+          <a:lstStyle/>
+          <a:p>
+            <a:pPr algn="ctr" defTabSz="872733"/>
+            <a:endParaRPr lang="en-US" sz="2000">
               <a:solidFill>
-                <a:sysClr val="windowText" lastClr="000000"/>
+                <a:prstClr val="black"/>
               </a:solidFill>
               <a:latin typeface="Calibri"/>
             </a:endParaRPr>
           </a:p>
         </p:txBody>
       </p:sp>
-      <p:sp>
-        <p:nvSpPr>
-          <p:cNvPr id="34" name="TextBox 33"/>
-          <p:cNvSpPr txBox="1"/>
+      <p:cxnSp>
+        <p:nvCxnSpPr>
+          <p:cNvPr id="91" name="Elbow Connector 26"/>
+          <p:cNvCxnSpPr>
+            <a:stCxn id="88" idx="0"/>
+            <a:endCxn id="90" idx="3"/>
+          </p:cNvCxnSpPr>
+          <p:nvPr/>
+        </p:nvCxnSpPr>
+        <p:spPr>
+          <a:xfrm rot="5400000" flipH="1" flipV="1">
+            <a:off x="2607765" y="3742470"/>
+            <a:ext cx="594211" cy="840259"/>
+          </a:xfrm>
+          <a:prstGeom prst="bentConnector3">
+            <a:avLst>
+              <a:gd name="adj1" fmla="val 50000"/>
+            </a:avLst>
+          </a:prstGeom>
+          <a:noFill/>
+          <a:ln w="19050" cap="flat" cmpd="sng" algn="ctr">
+            <a:solidFill>
+              <a:srgbClr val="FF0000"/>
+            </a:solidFill>
+            <a:prstDash val="solid"/>
+          </a:ln>
+          <a:effectLst/>
+        </p:spPr>
+      </p:cxnSp>
+      <p:cxnSp>
+        <p:nvCxnSpPr>
+          <p:cNvPr id="92" name="Elbow Connector 26"/>
+          <p:cNvCxnSpPr>
+            <a:stCxn id="96" idx="0"/>
+            <a:endCxn id="90" idx="3"/>
+          </p:cNvCxnSpPr>
+          <p:nvPr/>
+        </p:nvCxnSpPr>
+        <p:spPr>
+          <a:xfrm rot="16200000" flipV="1">
+            <a:off x="3482521" y="3707972"/>
+            <a:ext cx="598329" cy="913370"/>
+          </a:xfrm>
+          <a:prstGeom prst="bentConnector3">
+            <a:avLst>
+              <a:gd name="adj1" fmla="val 50000"/>
+            </a:avLst>
+          </a:prstGeom>
+          <a:noFill/>
+          <a:ln w="19050" cap="flat" cmpd="sng" algn="ctr">
+            <a:solidFill>
+              <a:srgbClr val="FF0000"/>
+            </a:solidFill>
+            <a:prstDash val="solid"/>
+          </a:ln>
+          <a:effectLst/>
+        </p:spPr>
+      </p:cxnSp>
+      <p:sp>
+        <p:nvSpPr>
+          <p:cNvPr id="96" name="Rectangle 95"/>
+          <p:cNvSpPr/>
           <p:nvPr/>
         </p:nvSpPr>
         <p:spPr>
           <a:xfrm>
-            <a:off x="8153400" y="142726"/>
-            <a:ext cx="1600200" cy="400110"/>
-          </a:xfrm>
-          <a:prstGeom prst="rect">
-            <a:avLst/>
-          </a:prstGeom>
-          <a:noFill/>
-        </p:spPr>
-        <p:txBody>
-          <a:bodyPr wrap="square" rtlCol="0">
-            <a:spAutoFit/>
-          </a:bodyPr>
-          <a:lstStyle/>
-          <a:p>
-            <a:pPr>
-              <a:defRPr/>
-            </a:pPr>
-            <a:r>
-              <a:rPr lang="en-US" sz="2000" kern="0" dirty="0">
-                <a:solidFill>
-                  <a:sysClr val="windowText" lastClr="000000"/>
-                </a:solidFill>
-                <a:latin typeface="Calibri"/>
-              </a:rPr>
-              <a:t> </a:t>
-            </a:r>
-            <a:r>
-              <a:rPr lang="en-US" sz="2000" b="1" kern="0" dirty="0">
-                <a:solidFill>
-                  <a:sysClr val="windowText" lastClr="000000"/>
-                </a:solidFill>
-                <a:latin typeface="Calibri"/>
-              </a:rPr>
-              <a:t>&lt;</a:t>
-            </a:r>
-            <a:r>
-              <a:rPr lang="en-US" sz="2000" kern="0" dirty="0">
-                <a:solidFill>
-                  <a:sysClr val="windowText" lastClr="000000"/>
-                </a:solidFill>
-                <a:latin typeface="Calibri"/>
-              </a:rPr>
-              <a:t> adjacent to</a:t>
-            </a:r>
-          </a:p>
-        </p:txBody>
-      </p:sp>
-      <p:sp>
-        <p:nvSpPr>
-          <p:cNvPr id="37" name="Rectangle 36"/>
-          <p:cNvSpPr/>
-          <p:nvPr/>
-        </p:nvSpPr>
-        <p:spPr>
-          <a:xfrm>
-            <a:off x="7761462" y="2200366"/>
-            <a:ext cx="2693772" cy="400110"/>
+            <a:off x="3601996" y="4463821"/>
+            <a:ext cx="1272747" cy="400110"/>
           </a:xfrm>
           <a:prstGeom prst="rect">
             <a:avLst/>
@@ -17769,6 +17342,3179 @@
           </a:bodyPr>
           <a:lstStyle/>
           <a:p>
+            <a:pPr>
+              <a:defRPr/>
+            </a:pPr>
+            <a:r>
+              <a:rPr lang="en-US" sz="2000" kern="0" dirty="0">
+                <a:solidFill>
+                  <a:sysClr val="windowText" lastClr="000000"/>
+                </a:solidFill>
+                <a:latin typeface="Calibri"/>
+              </a:rPr>
+              <a:t>Subclass 2</a:t>
+            </a:r>
+          </a:p>
+        </p:txBody>
+      </p:sp>
+      <p:sp>
+        <p:nvSpPr>
+          <p:cNvPr id="98" name="Rectangle 97"/>
+          <p:cNvSpPr/>
+          <p:nvPr/>
+        </p:nvSpPr>
+        <p:spPr>
+          <a:xfrm>
+            <a:off x="1762897" y="5928372"/>
+            <a:ext cx="1610498" cy="400110"/>
+          </a:xfrm>
+          <a:prstGeom prst="rect">
+            <a:avLst/>
+          </a:prstGeom>
+          <a:ln w="19050"/>
+        </p:spPr>
+        <p:style>
+          <a:lnRef idx="1">
+            <a:schemeClr val="accent3"/>
+          </a:lnRef>
+          <a:fillRef idx="2">
+            <a:schemeClr val="accent3"/>
+          </a:fillRef>
+          <a:effectRef idx="1">
+            <a:schemeClr val="accent3"/>
+          </a:effectRef>
+          <a:fontRef idx="minor">
+            <a:schemeClr val="dk1"/>
+          </a:fontRef>
+        </p:style>
+        <p:txBody>
+          <a:bodyPr wrap="square" rtlCol="0" anchor="ctr">
+            <a:spAutoFit/>
+          </a:bodyPr>
+          <a:lstStyle/>
+          <a:p>
+            <a:pPr algn="ctr">
+              <a:defRPr/>
+            </a:pPr>
+            <a:r>
+              <a:rPr lang="en-US" sz="2000" kern="0" dirty="0">
+                <a:solidFill>
+                  <a:sysClr val="windowText" lastClr="000000"/>
+                </a:solidFill>
+                <a:latin typeface="Calibri"/>
+              </a:rPr>
+              <a:t>Whole</a:t>
+            </a:r>
+          </a:p>
+        </p:txBody>
+      </p:sp>
+      <p:sp>
+        <p:nvSpPr>
+          <p:cNvPr id="99" name="Rectangle 98"/>
+          <p:cNvSpPr/>
+          <p:nvPr/>
+        </p:nvSpPr>
+        <p:spPr>
+          <a:xfrm>
+            <a:off x="4744995" y="5928372"/>
+            <a:ext cx="1268626" cy="400110"/>
+          </a:xfrm>
+          <a:prstGeom prst="rect">
+            <a:avLst/>
+          </a:prstGeom>
+          <a:gradFill rotWithShape="1">
+            <a:gsLst>
+              <a:gs pos="0">
+                <a:srgbClr val="4F81BD">
+                  <a:tint val="50000"/>
+                  <a:satMod val="300000"/>
+                </a:srgbClr>
+              </a:gs>
+              <a:gs pos="35000">
+                <a:srgbClr val="4F81BD">
+                  <a:tint val="37000"/>
+                  <a:satMod val="300000"/>
+                </a:srgbClr>
+              </a:gs>
+              <a:gs pos="100000">
+                <a:srgbClr val="4F81BD">
+                  <a:tint val="15000"/>
+                  <a:satMod val="350000"/>
+                </a:srgbClr>
+              </a:gs>
+            </a:gsLst>
+            <a:lin ang="16200000" scaled="1"/>
+          </a:gradFill>
+          <a:ln w="19050" cap="flat" cmpd="sng" algn="ctr">
+            <a:solidFill>
+              <a:srgbClr val="4F81BD">
+                <a:shade val="95000"/>
+                <a:satMod val="105000"/>
+              </a:srgbClr>
+            </a:solidFill>
+            <a:prstDash val="solid"/>
+          </a:ln>
+          <a:effectLst>
+            <a:outerShdw blurRad="40000" dist="20000" dir="5400000" rotWithShape="0">
+              <a:srgbClr val="000000">
+                <a:alpha val="38000"/>
+              </a:srgbClr>
+            </a:outerShdw>
+          </a:effectLst>
+        </p:spPr>
+        <p:txBody>
+          <a:bodyPr wrap="square" rtlCol="0" anchor="ctr">
+            <a:spAutoFit/>
+          </a:bodyPr>
+          <a:lstStyle/>
+          <a:p>
+            <a:pPr algn="ctr">
+              <a:defRPr/>
+            </a:pPr>
+            <a:r>
+              <a:rPr lang="en-US" sz="2000" kern="0" dirty="0">
+                <a:solidFill>
+                  <a:sysClr val="windowText" lastClr="000000"/>
+                </a:solidFill>
+                <a:latin typeface="Calibri"/>
+              </a:rPr>
+              <a:t>Part</a:t>
+            </a:r>
+          </a:p>
+        </p:txBody>
+      </p:sp>
+      <p:cxnSp>
+        <p:nvCxnSpPr>
+          <p:cNvPr id="100" name="Elbow Connector 26"/>
+          <p:cNvCxnSpPr>
+            <a:cxnSpLocks/>
+            <a:stCxn id="99" idx="1"/>
+            <a:endCxn id="98" idx="3"/>
+          </p:cNvCxnSpPr>
+          <p:nvPr/>
+        </p:nvCxnSpPr>
+        <p:spPr>
+          <a:xfrm rot="10800000">
+            <a:off x="3373395" y="6128427"/>
+            <a:ext cx="1371600" cy="1588"/>
+          </a:xfrm>
+          <a:prstGeom prst="bentConnector3">
+            <a:avLst>
+              <a:gd name="adj1" fmla="val 50000"/>
+            </a:avLst>
+          </a:prstGeom>
+          <a:noFill/>
+          <a:ln w="19050" cap="flat" cmpd="sng" algn="ctr">
+            <a:solidFill>
+              <a:sysClr val="windowText" lastClr="000000"/>
+            </a:solidFill>
+            <a:prstDash val="solid"/>
+          </a:ln>
+          <a:effectLst/>
+        </p:spPr>
+      </p:cxnSp>
+      <p:sp>
+        <p:nvSpPr>
+          <p:cNvPr id="105" name="Flowchart: Decision 104"/>
+          <p:cNvSpPr/>
+          <p:nvPr/>
+        </p:nvSpPr>
+        <p:spPr>
+          <a:xfrm>
+            <a:off x="3373395" y="6019961"/>
+            <a:ext cx="228600" cy="228600"/>
+          </a:xfrm>
+          <a:prstGeom prst="flowChartDecision">
+            <a:avLst/>
+          </a:prstGeom>
+          <a:solidFill>
+            <a:srgbClr val="FF0000"/>
+          </a:solidFill>
+          <a:ln w="19050">
+            <a:solidFill>
+              <a:srgbClr val="FF0000"/>
+            </a:solidFill>
+          </a:ln>
+        </p:spPr>
+        <p:style>
+          <a:lnRef idx="2">
+            <a:schemeClr val="accent1">
+              <a:shade val="50000"/>
+            </a:schemeClr>
+          </a:lnRef>
+          <a:fillRef idx="1">
+            <a:schemeClr val="accent1"/>
+          </a:fillRef>
+          <a:effectRef idx="0">
+            <a:schemeClr val="accent1"/>
+          </a:effectRef>
+          <a:fontRef idx="minor">
+            <a:schemeClr val="lt1"/>
+          </a:fontRef>
+        </p:style>
+        <p:txBody>
+          <a:bodyPr rtlCol="0" anchor="ctr"/>
+          <a:lstStyle/>
+          <a:p>
+            <a:pPr algn="ctr" defTabSz="872733"/>
+            <a:endParaRPr lang="en-US" sz="2000">
+              <a:solidFill>
+                <a:prstClr val="white"/>
+              </a:solidFill>
+              <a:latin typeface="Calibri"/>
+            </a:endParaRPr>
+          </a:p>
+        </p:txBody>
+      </p:sp>
+      <p:sp>
+        <p:nvSpPr>
+          <p:cNvPr id="110" name="Rectangle 109"/>
+          <p:cNvSpPr/>
+          <p:nvPr/>
+        </p:nvSpPr>
+        <p:spPr>
+          <a:xfrm>
+            <a:off x="6464000" y="345913"/>
+            <a:ext cx="1600200" cy="400110"/>
+          </a:xfrm>
+          <a:prstGeom prst="rect">
+            <a:avLst/>
+          </a:prstGeom>
+          <a:ln w="19050"/>
+        </p:spPr>
+        <p:style>
+          <a:lnRef idx="1">
+            <a:schemeClr val="accent6"/>
+          </a:lnRef>
+          <a:fillRef idx="2">
+            <a:schemeClr val="accent6"/>
+          </a:fillRef>
+          <a:effectRef idx="1">
+            <a:schemeClr val="accent6"/>
+          </a:effectRef>
+          <a:fontRef idx="minor">
+            <a:schemeClr val="dk1"/>
+          </a:fontRef>
+        </p:style>
+        <p:txBody>
+          <a:bodyPr wrap="square" rtlCol="0" anchor="ctr">
+            <a:spAutoFit/>
+          </a:bodyPr>
+          <a:lstStyle/>
+          <a:p>
+            <a:pPr algn="ctr">
+              <a:defRPr/>
+            </a:pPr>
+            <a:r>
+              <a:rPr lang="en-US" sz="2000" kern="0" dirty="0">
+                <a:solidFill>
+                  <a:sysClr val="windowText" lastClr="000000"/>
+                </a:solidFill>
+                <a:latin typeface="Calibri"/>
+              </a:rPr>
+              <a:t>Class name</a:t>
+            </a:r>
+          </a:p>
+        </p:txBody>
+      </p:sp>
+      <p:sp>
+        <p:nvSpPr>
+          <p:cNvPr id="111" name="Rectangle 110"/>
+          <p:cNvSpPr/>
+          <p:nvPr/>
+        </p:nvSpPr>
+        <p:spPr>
+          <a:xfrm>
+            <a:off x="6464001" y="737305"/>
+            <a:ext cx="1600199" cy="400110"/>
+          </a:xfrm>
+          <a:prstGeom prst="rect">
+            <a:avLst/>
+          </a:prstGeom>
+          <a:ln w="19050"/>
+        </p:spPr>
+        <p:style>
+          <a:lnRef idx="1">
+            <a:schemeClr val="accent6"/>
+          </a:lnRef>
+          <a:fillRef idx="2">
+            <a:schemeClr val="accent6"/>
+          </a:fillRef>
+          <a:effectRef idx="1">
+            <a:schemeClr val="accent6"/>
+          </a:effectRef>
+          <a:fontRef idx="minor">
+            <a:schemeClr val="dk1"/>
+          </a:fontRef>
+        </p:style>
+        <p:txBody>
+          <a:bodyPr wrap="square" rtlCol="0" anchor="ctr">
+            <a:spAutoFit/>
+          </a:bodyPr>
+          <a:lstStyle/>
+          <a:p>
+            <a:pPr>
+              <a:defRPr/>
+            </a:pPr>
+            <a:r>
+              <a:rPr lang="en-US" sz="2000" kern="0" dirty="0">
+                <a:solidFill>
+                  <a:sysClr val="windowText" lastClr="000000"/>
+                </a:solidFill>
+                <a:latin typeface="Calibri"/>
+              </a:rPr>
+              <a:t>attributes</a:t>
+            </a:r>
+          </a:p>
+        </p:txBody>
+      </p:sp>
+      <p:sp>
+        <p:nvSpPr>
+          <p:cNvPr id="112" name="Rounded Rectangular Callout 111"/>
+          <p:cNvSpPr/>
+          <p:nvPr/>
+        </p:nvSpPr>
+        <p:spPr>
+          <a:xfrm>
+            <a:off x="4348538" y="1449846"/>
+            <a:ext cx="1552833" cy="442674"/>
+          </a:xfrm>
+          <a:prstGeom prst="wedgeRoundRectCallout">
+            <a:avLst>
+              <a:gd name="adj1" fmla="val -20833"/>
+              <a:gd name="adj2" fmla="val 78544"/>
+              <a:gd name="adj3" fmla="val 16667"/>
+            </a:avLst>
+          </a:prstGeom>
+          <a:solidFill>
+            <a:schemeClr val="accent1">
+              <a:lumMod val="20000"/>
+              <a:lumOff val="80000"/>
+            </a:schemeClr>
+          </a:solidFill>
+          <a:ln w="9525">
+            <a:noFill/>
+            <a:prstDash val="sysDash"/>
+            <a:headEnd type="none" w="med" len="med"/>
+            <a:tailEnd type="arrow" w="med" len="med"/>
+          </a:ln>
+        </p:spPr>
+        <p:style>
+          <a:lnRef idx="2">
+            <a:schemeClr val="accent1">
+              <a:shade val="50000"/>
+            </a:schemeClr>
+          </a:lnRef>
+          <a:fillRef idx="1">
+            <a:schemeClr val="accent1"/>
+          </a:fillRef>
+          <a:effectRef idx="0">
+            <a:schemeClr val="accent1"/>
+          </a:effectRef>
+          <a:fontRef idx="minor">
+            <a:schemeClr val="lt1"/>
+          </a:fontRef>
+        </p:style>
+        <p:txBody>
+          <a:bodyPr wrap="square" rtlCol="0" anchor="ctr">
+            <a:spAutoFit/>
+          </a:bodyPr>
+          <a:lstStyle/>
+          <a:p>
+            <a:pPr algn="ctr" defTabSz="872733"/>
+            <a:r>
+              <a:rPr lang="en-US" sz="2000" b="1" dirty="0">
+                <a:solidFill>
+                  <a:prstClr val="black"/>
+                </a:solidFill>
+                <a:latin typeface="Calibri"/>
+              </a:rPr>
+              <a:t>association </a:t>
+            </a:r>
+          </a:p>
+        </p:txBody>
+      </p:sp>
+      <p:sp>
+        <p:nvSpPr>
+          <p:cNvPr id="114" name="Rounded Rectangular Callout 113"/>
+          <p:cNvSpPr/>
+          <p:nvPr/>
+        </p:nvSpPr>
+        <p:spPr>
+          <a:xfrm>
+            <a:off x="4327364" y="3630376"/>
+            <a:ext cx="1734064" cy="442674"/>
+          </a:xfrm>
+          <a:prstGeom prst="wedgeRoundRectCallout">
+            <a:avLst>
+              <a:gd name="adj1" fmla="val -64349"/>
+              <a:gd name="adj2" fmla="val 18380"/>
+              <a:gd name="adj3" fmla="val 16667"/>
+            </a:avLst>
+          </a:prstGeom>
+          <a:solidFill>
+            <a:schemeClr val="accent1">
+              <a:lumMod val="20000"/>
+              <a:lumOff val="80000"/>
+            </a:schemeClr>
+          </a:solidFill>
+          <a:ln w="9525">
+            <a:noFill/>
+            <a:prstDash val="sysDash"/>
+            <a:headEnd type="none" w="med" len="med"/>
+            <a:tailEnd type="arrow" w="med" len="med"/>
+          </a:ln>
+        </p:spPr>
+        <p:style>
+          <a:lnRef idx="2">
+            <a:schemeClr val="accent1">
+              <a:shade val="50000"/>
+            </a:schemeClr>
+          </a:lnRef>
+          <a:fillRef idx="1">
+            <a:schemeClr val="accent1"/>
+          </a:fillRef>
+          <a:effectRef idx="0">
+            <a:schemeClr val="accent1"/>
+          </a:effectRef>
+          <a:fontRef idx="minor">
+            <a:schemeClr val="lt1"/>
+          </a:fontRef>
+        </p:style>
+        <p:txBody>
+          <a:bodyPr wrap="square" rtlCol="0" anchor="ctr">
+            <a:spAutoFit/>
+          </a:bodyPr>
+          <a:lstStyle/>
+          <a:p>
+            <a:pPr algn="ctr" defTabSz="872733"/>
+            <a:r>
+              <a:rPr lang="en-US" sz="2000" b="1" dirty="0">
+                <a:solidFill>
+                  <a:prstClr val="black"/>
+                </a:solidFill>
+                <a:latin typeface="Calibri"/>
+              </a:rPr>
+              <a:t>inheritance</a:t>
+            </a:r>
+          </a:p>
+        </p:txBody>
+      </p:sp>
+      <p:sp>
+        <p:nvSpPr>
+          <p:cNvPr id="115" name="Rounded Rectangular Callout 114"/>
+          <p:cNvSpPr/>
+          <p:nvPr/>
+        </p:nvSpPr>
+        <p:spPr>
+          <a:xfrm>
+            <a:off x="3317789" y="5359468"/>
+            <a:ext cx="1734064" cy="442674"/>
+          </a:xfrm>
+          <a:prstGeom prst="wedgeRoundRectCallout">
+            <a:avLst>
+              <a:gd name="adj1" fmla="val -34589"/>
+              <a:gd name="adj2" fmla="val 93933"/>
+              <a:gd name="adj3" fmla="val 16667"/>
+            </a:avLst>
+          </a:prstGeom>
+          <a:solidFill>
+            <a:schemeClr val="accent1">
+              <a:lumMod val="20000"/>
+              <a:lumOff val="80000"/>
+            </a:schemeClr>
+          </a:solidFill>
+          <a:ln w="9525">
+            <a:noFill/>
+            <a:prstDash val="sysDash"/>
+            <a:headEnd type="none" w="med" len="med"/>
+            <a:tailEnd type="arrow" w="med" len="med"/>
+          </a:ln>
+        </p:spPr>
+        <p:style>
+          <a:lnRef idx="2">
+            <a:schemeClr val="accent1">
+              <a:shade val="50000"/>
+            </a:schemeClr>
+          </a:lnRef>
+          <a:fillRef idx="1">
+            <a:schemeClr val="accent1"/>
+          </a:fillRef>
+          <a:effectRef idx="0">
+            <a:schemeClr val="accent1"/>
+          </a:effectRef>
+          <a:fontRef idx="minor">
+            <a:schemeClr val="lt1"/>
+          </a:fontRef>
+        </p:style>
+        <p:txBody>
+          <a:bodyPr wrap="square" rtlCol="0" anchor="ctr">
+            <a:spAutoFit/>
+          </a:bodyPr>
+          <a:lstStyle/>
+          <a:p>
+            <a:pPr algn="ctr" defTabSz="872733"/>
+            <a:r>
+              <a:rPr lang="en-US" sz="2000" b="1" dirty="0">
+                <a:solidFill>
+                  <a:prstClr val="black"/>
+                </a:solidFill>
+                <a:latin typeface="Calibri"/>
+              </a:rPr>
+              <a:t>composition</a:t>
+            </a:r>
+          </a:p>
+        </p:txBody>
+      </p:sp>
+      <p:sp>
+        <p:nvSpPr>
+          <p:cNvPr id="116" name="Rounded Rectangular Callout 115"/>
+          <p:cNvSpPr/>
+          <p:nvPr/>
+        </p:nvSpPr>
+        <p:spPr>
+          <a:xfrm>
+            <a:off x="5802992" y="4261481"/>
+            <a:ext cx="1734064" cy="442674"/>
+          </a:xfrm>
+          <a:prstGeom prst="wedgeRoundRectCallout">
+            <a:avLst>
+              <a:gd name="adj1" fmla="val 59544"/>
+              <a:gd name="adj2" fmla="val 6347"/>
+              <a:gd name="adj3" fmla="val 16667"/>
+            </a:avLst>
+          </a:prstGeom>
+          <a:solidFill>
+            <a:schemeClr val="accent1">
+              <a:lumMod val="20000"/>
+              <a:lumOff val="80000"/>
+            </a:schemeClr>
+          </a:solidFill>
+          <a:ln w="9525">
+            <a:noFill/>
+            <a:prstDash val="sysDash"/>
+            <a:headEnd type="none" w="med" len="med"/>
+            <a:tailEnd type="arrow" w="med" len="med"/>
+          </a:ln>
+        </p:spPr>
+        <p:style>
+          <a:lnRef idx="2">
+            <a:schemeClr val="accent1">
+              <a:shade val="50000"/>
+            </a:schemeClr>
+          </a:lnRef>
+          <a:fillRef idx="1">
+            <a:schemeClr val="accent1"/>
+          </a:fillRef>
+          <a:effectRef idx="0">
+            <a:schemeClr val="accent1"/>
+          </a:effectRef>
+          <a:fontRef idx="minor">
+            <a:schemeClr val="lt1"/>
+          </a:fontRef>
+        </p:style>
+        <p:txBody>
+          <a:bodyPr wrap="square" rtlCol="0" anchor="ctr">
+            <a:spAutoFit/>
+          </a:bodyPr>
+          <a:lstStyle/>
+          <a:p>
+            <a:pPr algn="ctr" defTabSz="872733"/>
+            <a:r>
+              <a:rPr lang="en-US" sz="2000" b="1" dirty="0">
+                <a:solidFill>
+                  <a:prstClr val="black"/>
+                </a:solidFill>
+                <a:latin typeface="Calibri"/>
+              </a:rPr>
+              <a:t>enumerations</a:t>
+            </a:r>
+          </a:p>
+        </p:txBody>
+      </p:sp>
+      <p:sp>
+        <p:nvSpPr>
+          <p:cNvPr id="29" name="Isosceles Triangle 1"/>
+          <p:cNvSpPr/>
+          <p:nvPr/>
+        </p:nvSpPr>
+        <p:spPr>
+          <a:xfrm rot="5400000" flipH="1">
+            <a:off x="7391260" y="2321322"/>
+            <a:ext cx="158418" cy="119022"/>
+          </a:xfrm>
+          <a:prstGeom prst="triangle">
+            <a:avLst/>
+          </a:prstGeom>
+          <a:solidFill>
+            <a:schemeClr val="tx1"/>
+          </a:solidFill>
+          <a:ln>
+            <a:noFill/>
+          </a:ln>
+        </p:spPr>
+        <p:style>
+          <a:lnRef idx="2">
+            <a:schemeClr val="accent1">
+              <a:shade val="50000"/>
+            </a:schemeClr>
+          </a:lnRef>
+          <a:fillRef idx="1">
+            <a:schemeClr val="accent1"/>
+          </a:fillRef>
+          <a:effectRef idx="0">
+            <a:schemeClr val="accent1"/>
+          </a:effectRef>
+          <a:fontRef idx="minor">
+            <a:schemeClr val="lt1"/>
+          </a:fontRef>
+        </p:style>
+        <p:txBody>
+          <a:bodyPr rtlCol="0" anchor="ctr"/>
+          <a:lstStyle/>
+          <a:p>
+            <a:pPr algn="ctr"/>
+            <a:endParaRPr lang="en-US">
+              <a:solidFill>
+                <a:prstClr val="white"/>
+              </a:solidFill>
+              <a:latin typeface="Calibri"/>
+            </a:endParaRPr>
+          </a:p>
+        </p:txBody>
+      </p:sp>
+      <p:sp>
+        <p:nvSpPr>
+          <p:cNvPr id="30" name="Rectangle 29"/>
+          <p:cNvSpPr/>
+          <p:nvPr/>
+        </p:nvSpPr>
+        <p:spPr>
+          <a:xfrm>
+            <a:off x="6464001" y="1138075"/>
+            <a:ext cx="1600199" cy="400110"/>
+          </a:xfrm>
+          <a:prstGeom prst="rect">
+            <a:avLst/>
+          </a:prstGeom>
+          <a:ln w="19050"/>
+        </p:spPr>
+        <p:style>
+          <a:lnRef idx="1">
+            <a:schemeClr val="accent6"/>
+          </a:lnRef>
+          <a:fillRef idx="2">
+            <a:schemeClr val="accent6"/>
+          </a:fillRef>
+          <a:effectRef idx="1">
+            <a:schemeClr val="accent6"/>
+          </a:effectRef>
+          <a:fontRef idx="minor">
+            <a:schemeClr val="dk1"/>
+          </a:fontRef>
+        </p:style>
+        <p:txBody>
+          <a:bodyPr wrap="square" rtlCol="0" anchor="ctr">
+            <a:spAutoFit/>
+          </a:bodyPr>
+          <a:lstStyle/>
+          <a:p>
+            <a:pPr>
+              <a:defRPr/>
+            </a:pPr>
+            <a:r>
+              <a:rPr lang="en-US" sz="2000" kern="0" dirty="0">
+                <a:solidFill>
+                  <a:sysClr val="windowText" lastClr="000000"/>
+                </a:solidFill>
+                <a:latin typeface="Calibri"/>
+              </a:rPr>
+              <a:t>methods</a:t>
+            </a:r>
+          </a:p>
+        </p:txBody>
+      </p:sp>
+      <p:sp>
+        <p:nvSpPr>
+          <p:cNvPr id="31" name="Rectangle 30"/>
+          <p:cNvSpPr/>
+          <p:nvPr/>
+        </p:nvSpPr>
+        <p:spPr>
+          <a:xfrm>
+            <a:off x="6241641" y="5937261"/>
+            <a:ext cx="1610498" cy="400110"/>
+          </a:xfrm>
+          <a:prstGeom prst="rect">
+            <a:avLst/>
+          </a:prstGeom>
+          <a:ln w="19050"/>
+        </p:spPr>
+        <p:style>
+          <a:lnRef idx="1">
+            <a:schemeClr val="accent3"/>
+          </a:lnRef>
+          <a:fillRef idx="2">
+            <a:schemeClr val="accent3"/>
+          </a:fillRef>
+          <a:effectRef idx="1">
+            <a:schemeClr val="accent3"/>
+          </a:effectRef>
+          <a:fontRef idx="minor">
+            <a:schemeClr val="dk1"/>
+          </a:fontRef>
+        </p:style>
+        <p:txBody>
+          <a:bodyPr wrap="square" rtlCol="0" anchor="ctr">
+            <a:spAutoFit/>
+          </a:bodyPr>
+          <a:lstStyle/>
+          <a:p>
+            <a:pPr algn="ctr">
+              <a:defRPr/>
+            </a:pPr>
+            <a:r>
+              <a:rPr lang="en-US" sz="2000" kern="0" dirty="0">
+                <a:solidFill>
+                  <a:sysClr val="windowText" lastClr="000000"/>
+                </a:solidFill>
+                <a:latin typeface="Calibri"/>
+              </a:rPr>
+              <a:t>Container</a:t>
+            </a:r>
+          </a:p>
+        </p:txBody>
+      </p:sp>
+      <p:sp>
+        <p:nvSpPr>
+          <p:cNvPr id="32" name="Rectangle 31"/>
+          <p:cNvSpPr/>
+          <p:nvPr/>
+        </p:nvSpPr>
+        <p:spPr>
+          <a:xfrm>
+            <a:off x="9223739" y="5937261"/>
+            <a:ext cx="1268626" cy="400110"/>
+          </a:xfrm>
+          <a:prstGeom prst="rect">
+            <a:avLst/>
+          </a:prstGeom>
+          <a:gradFill rotWithShape="1">
+            <a:gsLst>
+              <a:gs pos="0">
+                <a:srgbClr val="4F81BD">
+                  <a:tint val="50000"/>
+                  <a:satMod val="300000"/>
+                </a:srgbClr>
+              </a:gs>
+              <a:gs pos="35000">
+                <a:srgbClr val="4F81BD">
+                  <a:tint val="37000"/>
+                  <a:satMod val="300000"/>
+                </a:srgbClr>
+              </a:gs>
+              <a:gs pos="100000">
+                <a:srgbClr val="4F81BD">
+                  <a:tint val="15000"/>
+                  <a:satMod val="350000"/>
+                </a:srgbClr>
+              </a:gs>
+            </a:gsLst>
+            <a:lin ang="16200000" scaled="1"/>
+          </a:gradFill>
+          <a:ln w="19050" cap="flat" cmpd="sng" algn="ctr">
+            <a:solidFill>
+              <a:srgbClr val="4F81BD">
+                <a:shade val="95000"/>
+                <a:satMod val="105000"/>
+              </a:srgbClr>
+            </a:solidFill>
+            <a:prstDash val="solid"/>
+          </a:ln>
+          <a:effectLst>
+            <a:outerShdw blurRad="40000" dist="20000" dir="5400000" rotWithShape="0">
+              <a:srgbClr val="000000">
+                <a:alpha val="38000"/>
+              </a:srgbClr>
+            </a:outerShdw>
+          </a:effectLst>
+        </p:spPr>
+        <p:txBody>
+          <a:bodyPr wrap="square" rtlCol="0" anchor="ctr">
+            <a:spAutoFit/>
+          </a:bodyPr>
+          <a:lstStyle/>
+          <a:p>
+            <a:pPr algn="ctr">
+              <a:defRPr/>
+            </a:pPr>
+            <a:r>
+              <a:rPr lang="en-US" sz="2000" kern="0" dirty="0">
+                <a:solidFill>
+                  <a:sysClr val="windowText" lastClr="000000"/>
+                </a:solidFill>
+                <a:latin typeface="Calibri"/>
+              </a:rPr>
+              <a:t>Item</a:t>
+            </a:r>
+          </a:p>
+        </p:txBody>
+      </p:sp>
+      <p:cxnSp>
+        <p:nvCxnSpPr>
+          <p:cNvPr id="33" name="Elbow Connector 26"/>
+          <p:cNvCxnSpPr>
+            <a:stCxn id="32" idx="1"/>
+            <a:endCxn id="34" idx="3"/>
+          </p:cNvCxnSpPr>
+          <p:nvPr/>
+        </p:nvCxnSpPr>
+        <p:spPr>
+          <a:xfrm rot="10800000" flipV="1">
+            <a:off x="8080739" y="6137316"/>
+            <a:ext cx="1143000" cy="5834"/>
+          </a:xfrm>
+          <a:prstGeom prst="bentConnector3">
+            <a:avLst>
+              <a:gd name="adj1" fmla="val 50000"/>
+            </a:avLst>
+          </a:prstGeom>
+          <a:noFill/>
+          <a:ln w="19050" cap="flat" cmpd="sng" algn="ctr">
+            <a:solidFill>
+              <a:sysClr val="windowText" lastClr="000000"/>
+            </a:solidFill>
+            <a:prstDash val="solid"/>
+          </a:ln>
+          <a:effectLst/>
+        </p:spPr>
+      </p:cxnSp>
+      <p:sp>
+        <p:nvSpPr>
+          <p:cNvPr id="34" name="Flowchart: Decision 33"/>
+          <p:cNvSpPr/>
+          <p:nvPr/>
+        </p:nvSpPr>
+        <p:spPr>
+          <a:xfrm>
+            <a:off x="7852139" y="6028850"/>
+            <a:ext cx="228600" cy="228600"/>
+          </a:xfrm>
+          <a:prstGeom prst="flowChartDecision">
+            <a:avLst/>
+          </a:prstGeom>
+          <a:noFill/>
+          <a:ln w="19050">
+            <a:solidFill>
+              <a:srgbClr val="FF0000"/>
+            </a:solidFill>
+          </a:ln>
+        </p:spPr>
+        <p:style>
+          <a:lnRef idx="2">
+            <a:schemeClr val="accent1">
+              <a:shade val="50000"/>
+            </a:schemeClr>
+          </a:lnRef>
+          <a:fillRef idx="1">
+            <a:schemeClr val="accent1"/>
+          </a:fillRef>
+          <a:effectRef idx="0">
+            <a:schemeClr val="accent1"/>
+          </a:effectRef>
+          <a:fontRef idx="minor">
+            <a:schemeClr val="lt1"/>
+          </a:fontRef>
+        </p:style>
+        <p:txBody>
+          <a:bodyPr rtlCol="0" anchor="ctr"/>
+          <a:lstStyle/>
+          <a:p>
+            <a:pPr algn="ctr" defTabSz="872733"/>
+            <a:endParaRPr lang="en-US" sz="2000">
+              <a:solidFill>
+                <a:prstClr val="white"/>
+              </a:solidFill>
+              <a:latin typeface="Calibri"/>
+            </a:endParaRPr>
+          </a:p>
+        </p:txBody>
+      </p:sp>
+      <p:sp>
+        <p:nvSpPr>
+          <p:cNvPr id="35" name="Rounded Rectangular Callout 34"/>
+          <p:cNvSpPr/>
+          <p:nvPr/>
+        </p:nvSpPr>
+        <p:spPr>
+          <a:xfrm>
+            <a:off x="7796533" y="5368357"/>
+            <a:ext cx="1734064" cy="442674"/>
+          </a:xfrm>
+          <a:prstGeom prst="wedgeRoundRectCallout">
+            <a:avLst>
+              <a:gd name="adj1" fmla="val -32608"/>
+              <a:gd name="adj2" fmla="val 102609"/>
+              <a:gd name="adj3" fmla="val 16667"/>
+            </a:avLst>
+          </a:prstGeom>
+          <a:solidFill>
+            <a:schemeClr val="accent1">
+              <a:lumMod val="20000"/>
+              <a:lumOff val="80000"/>
+            </a:schemeClr>
+          </a:solidFill>
+          <a:ln w="9525">
+            <a:noFill/>
+            <a:prstDash val="sysDash"/>
+            <a:headEnd type="none" w="med" len="med"/>
+            <a:tailEnd type="arrow" w="med" len="med"/>
+          </a:ln>
+        </p:spPr>
+        <p:style>
+          <a:lnRef idx="2">
+            <a:schemeClr val="accent1">
+              <a:shade val="50000"/>
+            </a:schemeClr>
+          </a:lnRef>
+          <a:fillRef idx="1">
+            <a:schemeClr val="accent1"/>
+          </a:fillRef>
+          <a:effectRef idx="0">
+            <a:schemeClr val="accent1"/>
+          </a:effectRef>
+          <a:fontRef idx="minor">
+            <a:schemeClr val="lt1"/>
+          </a:fontRef>
+        </p:style>
+        <p:txBody>
+          <a:bodyPr wrap="square" rtlCol="0" anchor="ctr">
+            <a:spAutoFit/>
+          </a:bodyPr>
+          <a:lstStyle/>
+          <a:p>
+            <a:pPr algn="ctr" defTabSz="872733"/>
+            <a:r>
+              <a:rPr lang="en-US" sz="2000" b="1" dirty="0">
+                <a:solidFill>
+                  <a:prstClr val="black"/>
+                </a:solidFill>
+                <a:latin typeface="Calibri"/>
+              </a:rPr>
+              <a:t>aggregation</a:t>
+            </a:r>
+          </a:p>
+        </p:txBody>
+      </p:sp>
+    </p:spTree>
+    <p:extLst>
+      <p:ext uri="{BB962C8B-B14F-4D97-AF65-F5344CB8AC3E}">
+        <p14:creationId xmlns:p14="http://schemas.microsoft.com/office/powerpoint/2010/main" val="3905253664"/>
+      </p:ext>
+    </p:extLst>
+  </p:cSld>
+  <p:clrMapOvr>
+    <a:masterClrMapping/>
+  </p:clrMapOvr>
+</p:sld>
+</file>
+
+<file path=ppt/slides/slide5.xml><?xml version="1.0" encoding="utf-8"?>
+<p:sld xmlns:a="http://schemas.openxmlformats.org/drawingml/2006/main" xmlns:r="http://schemas.openxmlformats.org/officeDocument/2006/relationships" xmlns:p="http://schemas.openxmlformats.org/presentationml/2006/main">
+  <p:cSld>
+    <p:spTree>
+      <p:nvGrpSpPr>
+        <p:cNvPr id="1" name=""/>
+        <p:cNvGrpSpPr/>
+        <p:nvPr/>
+      </p:nvGrpSpPr>
+      <p:grpSpPr>
+        <a:xfrm>
+          <a:off x="0" y="0"/>
+          <a:ext cx="0" cy="0"/>
+          <a:chOff x="0" y="0"/>
+          <a:chExt cx="0" cy="0"/>
+        </a:xfrm>
+      </p:grpSpPr>
+      <p:sp>
+        <p:nvSpPr>
+          <p:cNvPr id="4" name="Rectangle 3"/>
+          <p:cNvSpPr/>
+          <p:nvPr/>
+        </p:nvSpPr>
+        <p:spPr>
+          <a:xfrm>
+            <a:off x="1647404" y="258266"/>
+            <a:ext cx="5178020" cy="400110"/>
+          </a:xfrm>
+          <a:prstGeom prst="rect">
+            <a:avLst/>
+          </a:prstGeom>
+          <a:ln w="19050"/>
+        </p:spPr>
+        <p:style>
+          <a:lnRef idx="1">
+            <a:schemeClr val="accent5"/>
+          </a:lnRef>
+          <a:fillRef idx="2">
+            <a:schemeClr val="accent5"/>
+          </a:fillRef>
+          <a:effectRef idx="1">
+            <a:schemeClr val="accent5"/>
+          </a:effectRef>
+          <a:fontRef idx="minor">
+            <a:schemeClr val="dk1"/>
+          </a:fontRef>
+        </p:style>
+        <p:txBody>
+          <a:bodyPr wrap="square" rtlCol="0" anchor="ctr">
+            <a:spAutoFit/>
+          </a:bodyPr>
+          <a:lstStyle/>
+          <a:p>
+            <a:pPr algn="ctr">
+              <a:defRPr/>
+            </a:pPr>
+            <a:r>
+              <a:rPr lang="en-US" sz="2000" kern="0" dirty="0">
+                <a:solidFill>
+                  <a:sysClr val="windowText" lastClr="000000"/>
+                </a:solidFill>
+                <a:latin typeface="Calibri"/>
+              </a:rPr>
+              <a:t>Class name</a:t>
+            </a:r>
+          </a:p>
+        </p:txBody>
+      </p:sp>
+      <p:sp>
+        <p:nvSpPr>
+          <p:cNvPr id="5" name="Rectangle 4"/>
+          <p:cNvSpPr/>
+          <p:nvPr/>
+        </p:nvSpPr>
+        <p:spPr>
+          <a:xfrm>
+            <a:off x="1645426" y="640945"/>
+            <a:ext cx="5178020" cy="400110"/>
+          </a:xfrm>
+          <a:prstGeom prst="rect">
+            <a:avLst/>
+          </a:prstGeom>
+          <a:ln w="19050"/>
+        </p:spPr>
+        <p:style>
+          <a:lnRef idx="1">
+            <a:schemeClr val="accent5"/>
+          </a:lnRef>
+          <a:fillRef idx="2">
+            <a:schemeClr val="accent5"/>
+          </a:fillRef>
+          <a:effectRef idx="1">
+            <a:schemeClr val="accent5"/>
+          </a:effectRef>
+          <a:fontRef idx="minor">
+            <a:schemeClr val="dk1"/>
+          </a:fontRef>
+        </p:style>
+        <p:txBody>
+          <a:bodyPr wrap="square" rtlCol="0" anchor="ctr">
+            <a:spAutoFit/>
+          </a:bodyPr>
+          <a:lstStyle/>
+          <a:p>
+            <a:pPr>
+              <a:defRPr/>
+            </a:pPr>
+            <a:r>
+              <a:rPr lang="en-US" sz="2000" kern="0" dirty="0">
+                <a:solidFill>
+                  <a:sysClr val="windowText" lastClr="000000"/>
+                </a:solidFill>
+                <a:latin typeface="Calibri"/>
+              </a:rPr>
+              <a:t>visibility name : type multiplicity = default-value</a:t>
+            </a:r>
+          </a:p>
+        </p:txBody>
+      </p:sp>
+      <p:sp>
+        <p:nvSpPr>
+          <p:cNvPr id="6" name="Rectangle 5"/>
+          <p:cNvSpPr/>
+          <p:nvPr/>
+        </p:nvSpPr>
+        <p:spPr>
+          <a:xfrm>
+            <a:off x="1648853" y="1013734"/>
+            <a:ext cx="5174912" cy="400110"/>
+          </a:xfrm>
+          <a:prstGeom prst="rect">
+            <a:avLst/>
+          </a:prstGeom>
+          <a:ln w="19050"/>
+        </p:spPr>
+        <p:style>
+          <a:lnRef idx="1">
+            <a:schemeClr val="accent5"/>
+          </a:lnRef>
+          <a:fillRef idx="2">
+            <a:schemeClr val="accent5"/>
+          </a:fillRef>
+          <a:effectRef idx="1">
+            <a:schemeClr val="accent5"/>
+          </a:effectRef>
+          <a:fontRef idx="minor">
+            <a:schemeClr val="dk1"/>
+          </a:fontRef>
+        </p:style>
+        <p:txBody>
+          <a:bodyPr wrap="square" rtlCol="0" anchor="ctr">
+            <a:spAutoFit/>
+          </a:bodyPr>
+          <a:lstStyle/>
+          <a:p>
+            <a:pPr>
+              <a:defRPr/>
+            </a:pPr>
+            <a:r>
+              <a:rPr lang="en-US" sz="2000" kern="0" dirty="0">
+                <a:solidFill>
+                  <a:sysClr val="windowText" lastClr="000000"/>
+                </a:solidFill>
+                <a:latin typeface="Calibri"/>
+              </a:rPr>
+              <a:t>visibility name (parameter-list) : return-type </a:t>
+            </a:r>
+          </a:p>
+        </p:txBody>
+      </p:sp>
+      <p:sp>
+        <p:nvSpPr>
+          <p:cNvPr id="13" name="Rectangle 12"/>
+          <p:cNvSpPr/>
+          <p:nvPr/>
+        </p:nvSpPr>
+        <p:spPr>
+          <a:xfrm>
+            <a:off x="7146324" y="843582"/>
+            <a:ext cx="3301432" cy="707886"/>
+          </a:xfrm>
+          <a:prstGeom prst="rect">
+            <a:avLst/>
+          </a:prstGeom>
+          <a:ln w="19050"/>
+        </p:spPr>
+        <p:style>
+          <a:lnRef idx="1">
+            <a:schemeClr val="accent5"/>
+          </a:lnRef>
+          <a:fillRef idx="2">
+            <a:schemeClr val="accent5"/>
+          </a:fillRef>
+          <a:effectRef idx="1">
+            <a:schemeClr val="accent5"/>
+          </a:effectRef>
+          <a:fontRef idx="minor">
+            <a:schemeClr val="dk1"/>
+          </a:fontRef>
+        </p:style>
+        <p:txBody>
+          <a:bodyPr wrap="square" rtlCol="0" anchor="ctr">
+            <a:spAutoFit/>
+          </a:bodyPr>
+          <a:lstStyle/>
+          <a:p>
+            <a:pPr algn="ctr">
+              <a:defRPr/>
+            </a:pPr>
+            <a:r>
+              <a:rPr lang="en-US" sz="2000" kern="0" dirty="0">
+                <a:solidFill>
+                  <a:srgbClr val="FF0000"/>
+                </a:solidFill>
+                <a:latin typeface="Calibri"/>
+              </a:rPr>
+              <a:t>{abstract}</a:t>
+            </a:r>
+            <a:br>
+              <a:rPr lang="en-US" sz="2000" kern="0" dirty="0">
+                <a:solidFill>
+                  <a:srgbClr val="FF0000"/>
+                </a:solidFill>
+                <a:latin typeface="Calibri"/>
+              </a:rPr>
+            </a:br>
+            <a:r>
+              <a:rPr lang="en-US" sz="2000" kern="0" dirty="0" err="1">
+                <a:solidFill>
+                  <a:sysClr val="windowText" lastClr="000000"/>
+                </a:solidFill>
+                <a:latin typeface="Calibri"/>
+              </a:rPr>
+              <a:t>AbstractClass</a:t>
+            </a:r>
+            <a:endParaRPr lang="en-US" sz="2000" kern="0" dirty="0">
+              <a:solidFill>
+                <a:sysClr val="windowText" lastClr="000000"/>
+              </a:solidFill>
+              <a:latin typeface="Calibri"/>
+            </a:endParaRPr>
+          </a:p>
+        </p:txBody>
+      </p:sp>
+      <p:sp>
+        <p:nvSpPr>
+          <p:cNvPr id="14" name="Rectangle 13"/>
+          <p:cNvSpPr/>
+          <p:nvPr/>
+        </p:nvSpPr>
+        <p:spPr>
+          <a:xfrm>
+            <a:off x="7142938" y="1507056"/>
+            <a:ext cx="3305926" cy="524380"/>
+          </a:xfrm>
+          <a:prstGeom prst="rect">
+            <a:avLst/>
+          </a:prstGeom>
+          <a:ln w="19050"/>
+        </p:spPr>
+        <p:style>
+          <a:lnRef idx="1">
+            <a:schemeClr val="accent5"/>
+          </a:lnRef>
+          <a:fillRef idx="2">
+            <a:schemeClr val="accent5"/>
+          </a:fillRef>
+          <a:effectRef idx="1">
+            <a:schemeClr val="accent5"/>
+          </a:effectRef>
+          <a:fontRef idx="minor">
+            <a:schemeClr val="dk1"/>
+          </a:fontRef>
+        </p:style>
+        <p:txBody>
+          <a:bodyPr wrap="square" rtlCol="0" anchor="ctr">
+            <a:noAutofit/>
+          </a:bodyPr>
+          <a:lstStyle/>
+          <a:p>
+            <a:pPr>
+              <a:defRPr/>
+            </a:pPr>
+            <a:r>
+              <a:rPr lang="en-US" sz="2000" kern="0" dirty="0">
+                <a:solidFill>
+                  <a:sysClr val="windowText" lastClr="000000"/>
+                </a:solidFill>
+                <a:latin typeface="Calibri"/>
+              </a:rPr>
+              <a:t> </a:t>
+            </a:r>
+            <a:r>
+              <a:rPr lang="en-US" sz="2000" u="sng" kern="0" dirty="0" err="1">
+                <a:solidFill>
+                  <a:srgbClr val="FF0000"/>
+                </a:solidFill>
+                <a:latin typeface="Calibri"/>
+              </a:rPr>
+              <a:t>classLevelAttribute</a:t>
+            </a:r>
+            <a:endParaRPr lang="en-US" sz="2000" u="sng" kern="0" dirty="0">
+              <a:solidFill>
+                <a:srgbClr val="FF0000"/>
+              </a:solidFill>
+              <a:latin typeface="Calibri"/>
+            </a:endParaRPr>
+          </a:p>
+        </p:txBody>
+      </p:sp>
+      <p:sp>
+        <p:nvSpPr>
+          <p:cNvPr id="15" name="Rectangle 14"/>
+          <p:cNvSpPr/>
+          <p:nvPr/>
+        </p:nvSpPr>
+        <p:spPr>
+          <a:xfrm>
+            <a:off x="7145492" y="2035314"/>
+            <a:ext cx="3302265" cy="707886"/>
+          </a:xfrm>
+          <a:prstGeom prst="rect">
+            <a:avLst/>
+          </a:prstGeom>
+          <a:ln w="19050"/>
+        </p:spPr>
+        <p:style>
+          <a:lnRef idx="1">
+            <a:schemeClr val="accent5"/>
+          </a:lnRef>
+          <a:fillRef idx="2">
+            <a:schemeClr val="accent5"/>
+          </a:fillRef>
+          <a:effectRef idx="1">
+            <a:schemeClr val="accent5"/>
+          </a:effectRef>
+          <a:fontRef idx="minor">
+            <a:schemeClr val="dk1"/>
+          </a:fontRef>
+        </p:style>
+        <p:txBody>
+          <a:bodyPr wrap="square" rtlCol="0" anchor="ctr">
+            <a:spAutoFit/>
+          </a:bodyPr>
+          <a:lstStyle/>
+          <a:p>
+            <a:pPr>
+              <a:defRPr/>
+            </a:pPr>
+            <a:r>
+              <a:rPr lang="en-US" sz="2000" kern="0" dirty="0" err="1">
+                <a:solidFill>
+                  <a:sysClr val="windowText" lastClr="000000"/>
+                </a:solidFill>
+                <a:latin typeface="Calibri"/>
+              </a:rPr>
+              <a:t>abstractOperation</a:t>
+            </a:r>
+            <a:r>
+              <a:rPr lang="en-US" sz="2000" kern="0" dirty="0">
+                <a:solidFill>
+                  <a:sysClr val="windowText" lastClr="000000"/>
+                </a:solidFill>
+                <a:latin typeface="Calibri"/>
+              </a:rPr>
+              <a:t>  </a:t>
+            </a:r>
+            <a:r>
+              <a:rPr lang="en-US" sz="2000" kern="0" dirty="0">
+                <a:solidFill>
+                  <a:srgbClr val="FF0000"/>
+                </a:solidFill>
+                <a:latin typeface="Calibri"/>
+              </a:rPr>
+              <a:t>{abstract}</a:t>
+            </a:r>
+          </a:p>
+          <a:p>
+            <a:pPr>
+              <a:defRPr/>
+            </a:pPr>
+            <a:r>
+              <a:rPr lang="en-US" sz="2000" u="sng" kern="0" dirty="0" err="1">
+                <a:solidFill>
+                  <a:srgbClr val="FF0000"/>
+                </a:solidFill>
+                <a:latin typeface="Calibri"/>
+              </a:rPr>
+              <a:t>classLevelOperation</a:t>
+            </a:r>
+            <a:endParaRPr lang="en-US" sz="2000" u="sng" kern="0" dirty="0">
+              <a:solidFill>
+                <a:srgbClr val="FF0000"/>
+              </a:solidFill>
+              <a:latin typeface="Calibri"/>
+            </a:endParaRPr>
+          </a:p>
+        </p:txBody>
+      </p:sp>
+      <p:sp>
+        <p:nvSpPr>
+          <p:cNvPr id="16" name="Rectangle 15"/>
+          <p:cNvSpPr/>
+          <p:nvPr/>
+        </p:nvSpPr>
+        <p:spPr>
+          <a:xfrm>
+            <a:off x="2514600" y="2367992"/>
+            <a:ext cx="1915296" cy="707886"/>
+          </a:xfrm>
+          <a:prstGeom prst="rect">
+            <a:avLst/>
+          </a:prstGeom>
+          <a:gradFill rotWithShape="1">
+            <a:gsLst>
+              <a:gs pos="0">
+                <a:srgbClr val="4F81BD">
+                  <a:tint val="50000"/>
+                  <a:satMod val="300000"/>
+                </a:srgbClr>
+              </a:gs>
+              <a:gs pos="35000">
+                <a:srgbClr val="4F81BD">
+                  <a:tint val="37000"/>
+                  <a:satMod val="300000"/>
+                </a:srgbClr>
+              </a:gs>
+              <a:gs pos="100000">
+                <a:srgbClr val="4F81BD">
+                  <a:tint val="15000"/>
+                  <a:satMod val="350000"/>
+                </a:srgbClr>
+              </a:gs>
+            </a:gsLst>
+            <a:lin ang="16200000" scaled="1"/>
+          </a:gradFill>
+          <a:ln w="19050" cap="flat" cmpd="sng" algn="ctr">
+            <a:solidFill>
+              <a:srgbClr val="4F81BD">
+                <a:shade val="95000"/>
+                <a:satMod val="105000"/>
+              </a:srgbClr>
+            </a:solidFill>
+            <a:prstDash val="solid"/>
+          </a:ln>
+          <a:effectLst>
+            <a:outerShdw blurRad="40000" dist="20000" dir="5400000" rotWithShape="0">
+              <a:srgbClr val="000000">
+                <a:alpha val="38000"/>
+              </a:srgbClr>
+            </a:outerShdw>
+          </a:effectLst>
+        </p:spPr>
+        <p:txBody>
+          <a:bodyPr wrap="square" rtlCol="0" anchor="ctr">
+            <a:spAutoFit/>
+          </a:bodyPr>
+          <a:lstStyle/>
+          <a:p>
+            <a:pPr algn="ctr">
+              <a:defRPr/>
+            </a:pPr>
+            <a:r>
+              <a:rPr lang="en-US" sz="2000" kern="0" dirty="0">
+                <a:solidFill>
+                  <a:srgbClr val="FF0000"/>
+                </a:solidFill>
+                <a:latin typeface="Calibri"/>
+              </a:rPr>
+              <a:t>&lt;&lt;interface&gt;&gt;</a:t>
+            </a:r>
+            <a:br>
+              <a:rPr lang="en-US" sz="2000" kern="0" dirty="0">
+                <a:solidFill>
+                  <a:srgbClr val="FF0000"/>
+                </a:solidFill>
+                <a:latin typeface="Calibri"/>
+              </a:rPr>
+            </a:br>
+            <a:r>
+              <a:rPr lang="en-US" sz="2000" kern="0" dirty="0">
+                <a:solidFill>
+                  <a:sysClr val="windowText" lastClr="000000"/>
+                </a:solidFill>
+                <a:latin typeface="Calibri"/>
+              </a:rPr>
+              <a:t>Interface name</a:t>
+            </a:r>
+          </a:p>
+        </p:txBody>
+      </p:sp>
+      <p:sp>
+        <p:nvSpPr>
+          <p:cNvPr id="17" name="Rectangle 16"/>
+          <p:cNvSpPr/>
+          <p:nvPr/>
+        </p:nvSpPr>
+        <p:spPr>
+          <a:xfrm>
+            <a:off x="1970902" y="3800804"/>
+            <a:ext cx="1299518" cy="400110"/>
+          </a:xfrm>
+          <a:prstGeom prst="rect">
+            <a:avLst/>
+          </a:prstGeom>
+          <a:gradFill rotWithShape="1">
+            <a:gsLst>
+              <a:gs pos="0">
+                <a:srgbClr val="4F81BD">
+                  <a:tint val="50000"/>
+                  <a:satMod val="300000"/>
+                </a:srgbClr>
+              </a:gs>
+              <a:gs pos="35000">
+                <a:srgbClr val="4F81BD">
+                  <a:tint val="37000"/>
+                  <a:satMod val="300000"/>
+                </a:srgbClr>
+              </a:gs>
+              <a:gs pos="100000">
+                <a:srgbClr val="4F81BD">
+                  <a:tint val="15000"/>
+                  <a:satMod val="350000"/>
+                </a:srgbClr>
+              </a:gs>
+            </a:gsLst>
+            <a:lin ang="16200000" scaled="1"/>
+          </a:gradFill>
+          <a:ln w="19050" cap="flat" cmpd="sng" algn="ctr">
+            <a:solidFill>
+              <a:srgbClr val="4F81BD">
+                <a:shade val="95000"/>
+                <a:satMod val="105000"/>
+              </a:srgbClr>
+            </a:solidFill>
+            <a:prstDash val="solid"/>
+          </a:ln>
+          <a:effectLst>
+            <a:outerShdw blurRad="40000" dist="20000" dir="5400000" rotWithShape="0">
+              <a:srgbClr val="000000">
+                <a:alpha val="38000"/>
+              </a:srgbClr>
+            </a:outerShdw>
+          </a:effectLst>
+        </p:spPr>
+        <p:txBody>
+          <a:bodyPr wrap="square" rtlCol="0" anchor="ctr">
+            <a:spAutoFit/>
+          </a:bodyPr>
+          <a:lstStyle/>
+          <a:p>
+            <a:pPr>
+              <a:defRPr/>
+            </a:pPr>
+            <a:r>
+              <a:rPr lang="en-US" sz="2000" kern="0" dirty="0">
+                <a:solidFill>
+                  <a:sysClr val="windowText" lastClr="000000"/>
+                </a:solidFill>
+                <a:latin typeface="Calibri"/>
+              </a:rPr>
+              <a:t>Class 1</a:t>
+            </a:r>
+          </a:p>
+        </p:txBody>
+      </p:sp>
+      <p:sp>
+        <p:nvSpPr>
+          <p:cNvPr id="18" name="Isosceles Triangle 17"/>
+          <p:cNvSpPr/>
+          <p:nvPr/>
+        </p:nvSpPr>
+        <p:spPr>
+          <a:xfrm>
+            <a:off x="3346620" y="3054193"/>
+            <a:ext cx="228600" cy="152400"/>
+          </a:xfrm>
+          <a:prstGeom prst="triangle">
+            <a:avLst/>
+          </a:prstGeom>
+          <a:solidFill>
+            <a:schemeClr val="bg1"/>
+          </a:solidFill>
+          <a:ln w="19050">
+            <a:solidFill>
+              <a:srgbClr val="FF0000"/>
+            </a:solidFill>
+          </a:ln>
+        </p:spPr>
+        <p:style>
+          <a:lnRef idx="2">
+            <a:schemeClr val="accent1">
+              <a:shade val="50000"/>
+            </a:schemeClr>
+          </a:lnRef>
+          <a:fillRef idx="1">
+            <a:schemeClr val="accent1"/>
+          </a:fillRef>
+          <a:effectRef idx="0">
+            <a:schemeClr val="accent1"/>
+          </a:effectRef>
+          <a:fontRef idx="minor">
+            <a:schemeClr val="lt1"/>
+          </a:fontRef>
+        </p:style>
+        <p:txBody>
+          <a:bodyPr rtlCol="0" anchor="ctr"/>
+          <a:lstStyle/>
+          <a:p>
+            <a:pPr algn="ctr" defTabSz="872733"/>
+            <a:endParaRPr lang="en-US" sz="2000">
+              <a:solidFill>
+                <a:prstClr val="black"/>
+              </a:solidFill>
+              <a:latin typeface="Calibri"/>
+            </a:endParaRPr>
+          </a:p>
+        </p:txBody>
+      </p:sp>
+      <p:cxnSp>
+        <p:nvCxnSpPr>
+          <p:cNvPr id="19" name="Elbow Connector 26"/>
+          <p:cNvCxnSpPr>
+            <a:stCxn id="17" idx="0"/>
+            <a:endCxn id="18" idx="3"/>
+          </p:cNvCxnSpPr>
+          <p:nvPr/>
+        </p:nvCxnSpPr>
+        <p:spPr>
+          <a:xfrm rot="5400000" flipH="1" flipV="1">
+            <a:off x="2743686" y="3083571"/>
+            <a:ext cx="594211" cy="840259"/>
+          </a:xfrm>
+          <a:prstGeom prst="bentConnector3">
+            <a:avLst>
+              <a:gd name="adj1" fmla="val 50000"/>
+            </a:avLst>
+          </a:prstGeom>
+          <a:noFill/>
+          <a:ln w="19050" cap="flat" cmpd="sng" algn="ctr">
+            <a:solidFill>
+              <a:srgbClr val="FF0000"/>
+            </a:solidFill>
+            <a:prstDash val="dash"/>
+          </a:ln>
+          <a:effectLst/>
+        </p:spPr>
+      </p:cxnSp>
+      <p:cxnSp>
+        <p:nvCxnSpPr>
+          <p:cNvPr id="20" name="Elbow Connector 26"/>
+          <p:cNvCxnSpPr>
+            <a:stCxn id="21" idx="0"/>
+            <a:endCxn id="18" idx="3"/>
+          </p:cNvCxnSpPr>
+          <p:nvPr/>
+        </p:nvCxnSpPr>
+        <p:spPr>
+          <a:xfrm rot="16200000" flipV="1">
+            <a:off x="3618442" y="3049073"/>
+            <a:ext cx="598329" cy="913370"/>
+          </a:xfrm>
+          <a:prstGeom prst="bentConnector3">
+            <a:avLst>
+              <a:gd name="adj1" fmla="val 50000"/>
+            </a:avLst>
+          </a:prstGeom>
+          <a:noFill/>
+          <a:ln w="19050" cap="flat" cmpd="sng" algn="ctr">
+            <a:solidFill>
+              <a:srgbClr val="FF0000"/>
+            </a:solidFill>
+            <a:prstDash val="dash"/>
+          </a:ln>
+          <a:effectLst/>
+        </p:spPr>
+      </p:cxnSp>
+      <p:sp>
+        <p:nvSpPr>
+          <p:cNvPr id="21" name="Rectangle 20"/>
+          <p:cNvSpPr/>
+          <p:nvPr/>
+        </p:nvSpPr>
+        <p:spPr>
+          <a:xfrm>
+            <a:off x="3737917" y="3804922"/>
+            <a:ext cx="1272747" cy="400110"/>
+          </a:xfrm>
+          <a:prstGeom prst="rect">
+            <a:avLst/>
+          </a:prstGeom>
+          <a:gradFill rotWithShape="1">
+            <a:gsLst>
+              <a:gs pos="0">
+                <a:srgbClr val="4F81BD">
+                  <a:tint val="50000"/>
+                  <a:satMod val="300000"/>
+                </a:srgbClr>
+              </a:gs>
+              <a:gs pos="35000">
+                <a:srgbClr val="4F81BD">
+                  <a:tint val="37000"/>
+                  <a:satMod val="300000"/>
+                </a:srgbClr>
+              </a:gs>
+              <a:gs pos="100000">
+                <a:srgbClr val="4F81BD">
+                  <a:tint val="15000"/>
+                  <a:satMod val="350000"/>
+                </a:srgbClr>
+              </a:gs>
+            </a:gsLst>
+            <a:lin ang="16200000" scaled="1"/>
+          </a:gradFill>
+          <a:ln w="19050" cap="flat" cmpd="sng" algn="ctr">
+            <a:solidFill>
+              <a:srgbClr val="4F81BD">
+                <a:shade val="95000"/>
+                <a:satMod val="105000"/>
+              </a:srgbClr>
+            </a:solidFill>
+            <a:prstDash val="solid"/>
+          </a:ln>
+          <a:effectLst>
+            <a:outerShdw blurRad="40000" dist="20000" dir="5400000" rotWithShape="0">
+              <a:srgbClr val="000000">
+                <a:alpha val="38000"/>
+              </a:srgbClr>
+            </a:outerShdw>
+          </a:effectLst>
+        </p:spPr>
+        <p:txBody>
+          <a:bodyPr wrap="square" rtlCol="0" anchor="ctr">
+            <a:spAutoFit/>
+          </a:bodyPr>
+          <a:lstStyle/>
+          <a:p>
+            <a:pPr>
+              <a:defRPr/>
+            </a:pPr>
+            <a:r>
+              <a:rPr lang="en-US" sz="2000" kern="0" dirty="0">
+                <a:solidFill>
+                  <a:sysClr val="windowText" lastClr="000000"/>
+                </a:solidFill>
+                <a:latin typeface="Calibri"/>
+              </a:rPr>
+              <a:t>Class 2</a:t>
+            </a:r>
+          </a:p>
+        </p:txBody>
+      </p:sp>
+      <p:sp>
+        <p:nvSpPr>
+          <p:cNvPr id="22" name="Rounded Rectangular Callout 21"/>
+          <p:cNvSpPr/>
+          <p:nvPr/>
+        </p:nvSpPr>
+        <p:spPr>
+          <a:xfrm>
+            <a:off x="3313330" y="1746625"/>
+            <a:ext cx="1396653" cy="442674"/>
+          </a:xfrm>
+          <a:prstGeom prst="wedgeRoundRectCallout">
+            <a:avLst>
+              <a:gd name="adj1" fmla="val -21302"/>
+              <a:gd name="adj2" fmla="val 80549"/>
+              <a:gd name="adj3" fmla="val 16667"/>
+            </a:avLst>
+          </a:prstGeom>
+          <a:solidFill>
+            <a:schemeClr val="accent1">
+              <a:lumMod val="20000"/>
+              <a:lumOff val="80000"/>
+            </a:schemeClr>
+          </a:solidFill>
+          <a:ln w="9525">
+            <a:noFill/>
+            <a:prstDash val="sysDash"/>
+            <a:headEnd type="none" w="med" len="med"/>
+            <a:tailEnd type="arrow" w="med" len="med"/>
+          </a:ln>
+        </p:spPr>
+        <p:style>
+          <a:lnRef idx="2">
+            <a:schemeClr val="accent1">
+              <a:shade val="50000"/>
+            </a:schemeClr>
+          </a:lnRef>
+          <a:fillRef idx="1">
+            <a:schemeClr val="accent1"/>
+          </a:fillRef>
+          <a:effectRef idx="0">
+            <a:schemeClr val="accent1"/>
+          </a:effectRef>
+          <a:fontRef idx="minor">
+            <a:schemeClr val="lt1"/>
+          </a:fontRef>
+        </p:style>
+        <p:txBody>
+          <a:bodyPr wrap="square" rtlCol="0" anchor="ctr">
+            <a:spAutoFit/>
+          </a:bodyPr>
+          <a:lstStyle/>
+          <a:p>
+            <a:pPr algn="ctr" defTabSz="872733"/>
+            <a:r>
+              <a:rPr lang="en-US" sz="2000" b="1" dirty="0">
+                <a:solidFill>
+                  <a:prstClr val="black"/>
+                </a:solidFill>
+                <a:latin typeface="Calibri"/>
+              </a:rPr>
+              <a:t>interfaces</a:t>
+            </a:r>
+          </a:p>
+        </p:txBody>
+      </p:sp>
+      <p:sp>
+        <p:nvSpPr>
+          <p:cNvPr id="23" name="Rounded Rectangular Callout 22"/>
+          <p:cNvSpPr/>
+          <p:nvPr/>
+        </p:nvSpPr>
+        <p:spPr>
+          <a:xfrm>
+            <a:off x="7146325" y="222135"/>
+            <a:ext cx="3274541" cy="442674"/>
+          </a:xfrm>
+          <a:prstGeom prst="wedgeRoundRectCallout">
+            <a:avLst/>
+          </a:prstGeom>
+          <a:solidFill>
+            <a:schemeClr val="accent1">
+              <a:lumMod val="20000"/>
+              <a:lumOff val="80000"/>
+            </a:schemeClr>
+          </a:solidFill>
+          <a:ln w="9525">
+            <a:noFill/>
+            <a:prstDash val="sysDash"/>
+            <a:headEnd type="none" w="med" len="med"/>
+            <a:tailEnd type="arrow" w="med" len="med"/>
+          </a:ln>
+        </p:spPr>
+        <p:style>
+          <a:lnRef idx="2">
+            <a:schemeClr val="accent1">
+              <a:shade val="50000"/>
+            </a:schemeClr>
+          </a:lnRef>
+          <a:fillRef idx="1">
+            <a:schemeClr val="accent1"/>
+          </a:fillRef>
+          <a:effectRef idx="0">
+            <a:schemeClr val="accent1"/>
+          </a:effectRef>
+          <a:fontRef idx="minor">
+            <a:schemeClr val="lt1"/>
+          </a:fontRef>
+        </p:style>
+        <p:txBody>
+          <a:bodyPr wrap="square" rtlCol="0" anchor="ctr">
+            <a:spAutoFit/>
+          </a:bodyPr>
+          <a:lstStyle/>
+          <a:p>
+            <a:pPr algn="ctr" defTabSz="872733"/>
+            <a:r>
+              <a:rPr lang="en-US" sz="2000" b="1" dirty="0">
+                <a:solidFill>
+                  <a:prstClr val="black"/>
+                </a:solidFill>
+                <a:latin typeface="Calibri"/>
+              </a:rPr>
+              <a:t>abstract/ static</a:t>
+            </a:r>
+          </a:p>
+        </p:txBody>
+      </p:sp>
+      <p:sp>
+        <p:nvSpPr>
+          <p:cNvPr id="24" name="Rectangle 23"/>
+          <p:cNvSpPr/>
+          <p:nvPr/>
+        </p:nvSpPr>
+        <p:spPr>
+          <a:xfrm>
+            <a:off x="6172200" y="4267200"/>
+            <a:ext cx="1153298" cy="400110"/>
+          </a:xfrm>
+          <a:prstGeom prst="rect">
+            <a:avLst/>
+          </a:prstGeom>
+          <a:ln w="19050"/>
+        </p:spPr>
+        <p:style>
+          <a:lnRef idx="1">
+            <a:schemeClr val="accent3"/>
+          </a:lnRef>
+          <a:fillRef idx="2">
+            <a:schemeClr val="accent3"/>
+          </a:fillRef>
+          <a:effectRef idx="1">
+            <a:schemeClr val="accent3"/>
+          </a:effectRef>
+          <a:fontRef idx="minor">
+            <a:schemeClr val="dk1"/>
+          </a:fontRef>
+        </p:style>
+        <p:txBody>
+          <a:bodyPr wrap="square" rtlCol="0" anchor="ctr">
+            <a:spAutoFit/>
+          </a:bodyPr>
+          <a:lstStyle/>
+          <a:p>
+            <a:pPr algn="ctr">
+              <a:defRPr/>
+            </a:pPr>
+            <a:r>
+              <a:rPr lang="en-US" sz="2000" kern="0" dirty="0">
+                <a:solidFill>
+                  <a:sysClr val="windowText" lastClr="000000"/>
+                </a:solidFill>
+                <a:latin typeface="Calibri"/>
+              </a:rPr>
+              <a:t>Class A</a:t>
+            </a:r>
+          </a:p>
+        </p:txBody>
+      </p:sp>
+      <p:sp>
+        <p:nvSpPr>
+          <p:cNvPr id="25" name="Rectangle 24"/>
+          <p:cNvSpPr/>
+          <p:nvPr/>
+        </p:nvSpPr>
+        <p:spPr>
+          <a:xfrm>
+            <a:off x="8697098" y="4267200"/>
+            <a:ext cx="1268626" cy="400110"/>
+          </a:xfrm>
+          <a:prstGeom prst="rect">
+            <a:avLst/>
+          </a:prstGeom>
+          <a:gradFill rotWithShape="1">
+            <a:gsLst>
+              <a:gs pos="0">
+                <a:srgbClr val="4F81BD">
+                  <a:tint val="50000"/>
+                  <a:satMod val="300000"/>
+                </a:srgbClr>
+              </a:gs>
+              <a:gs pos="35000">
+                <a:srgbClr val="4F81BD">
+                  <a:tint val="37000"/>
+                  <a:satMod val="300000"/>
+                </a:srgbClr>
+              </a:gs>
+              <a:gs pos="100000">
+                <a:srgbClr val="4F81BD">
+                  <a:tint val="15000"/>
+                  <a:satMod val="350000"/>
+                </a:srgbClr>
+              </a:gs>
+            </a:gsLst>
+            <a:lin ang="16200000" scaled="1"/>
+          </a:gradFill>
+          <a:ln w="19050" cap="flat" cmpd="sng" algn="ctr">
+            <a:solidFill>
+              <a:srgbClr val="4F81BD">
+                <a:shade val="95000"/>
+                <a:satMod val="105000"/>
+              </a:srgbClr>
+            </a:solidFill>
+            <a:prstDash val="solid"/>
+          </a:ln>
+          <a:effectLst>
+            <a:outerShdw blurRad="40000" dist="20000" dir="5400000" rotWithShape="0">
+              <a:srgbClr val="000000">
+                <a:alpha val="38000"/>
+              </a:srgbClr>
+            </a:outerShdw>
+          </a:effectLst>
+        </p:spPr>
+        <p:txBody>
+          <a:bodyPr wrap="square" rtlCol="0" anchor="ctr">
+            <a:spAutoFit/>
+          </a:bodyPr>
+          <a:lstStyle/>
+          <a:p>
+            <a:pPr algn="ctr">
+              <a:defRPr/>
+            </a:pPr>
+            <a:r>
+              <a:rPr lang="en-US" sz="2000" kern="0" dirty="0">
+                <a:solidFill>
+                  <a:sysClr val="windowText" lastClr="000000"/>
+                </a:solidFill>
+                <a:latin typeface="Calibri"/>
+              </a:rPr>
+              <a:t>Class B</a:t>
+            </a:r>
+          </a:p>
+        </p:txBody>
+      </p:sp>
+      <p:cxnSp>
+        <p:nvCxnSpPr>
+          <p:cNvPr id="26" name="Elbow Connector 26"/>
+          <p:cNvCxnSpPr>
+            <a:stCxn id="25" idx="1"/>
+            <a:endCxn id="24" idx="3"/>
+          </p:cNvCxnSpPr>
+          <p:nvPr/>
+        </p:nvCxnSpPr>
+        <p:spPr>
+          <a:xfrm rot="10800000">
+            <a:off x="7325498" y="4467255"/>
+            <a:ext cx="1371600" cy="12700"/>
+          </a:xfrm>
+          <a:prstGeom prst="bentConnector3">
+            <a:avLst>
+              <a:gd name="adj1" fmla="val 50000"/>
+            </a:avLst>
+          </a:prstGeom>
+          <a:noFill/>
+          <a:ln w="19050" cap="flat" cmpd="sng" algn="ctr">
+            <a:solidFill>
+              <a:srgbClr val="FF0000"/>
+            </a:solidFill>
+            <a:prstDash val="solid"/>
+            <a:headEnd type="arrow" w="med" len="med"/>
+            <a:tailEnd type="none" w="med" len="med"/>
+          </a:ln>
+          <a:effectLst/>
+        </p:spPr>
+      </p:cxnSp>
+      <p:sp>
+        <p:nvSpPr>
+          <p:cNvPr id="29" name="Rounded Rectangular Callout 28"/>
+          <p:cNvSpPr/>
+          <p:nvPr/>
+        </p:nvSpPr>
+        <p:spPr>
+          <a:xfrm>
+            <a:off x="7830066" y="3344558"/>
+            <a:ext cx="1734064" cy="442674"/>
+          </a:xfrm>
+          <a:prstGeom prst="wedgeRoundRectCallout">
+            <a:avLst>
+              <a:gd name="adj1" fmla="val -5474"/>
+              <a:gd name="adj2" fmla="val 164779"/>
+              <a:gd name="adj3" fmla="val 16667"/>
+            </a:avLst>
+          </a:prstGeom>
+          <a:solidFill>
+            <a:schemeClr val="accent1">
+              <a:lumMod val="20000"/>
+              <a:lumOff val="80000"/>
+            </a:schemeClr>
+          </a:solidFill>
+          <a:ln w="9525">
+            <a:noFill/>
+            <a:prstDash val="sysDash"/>
+            <a:headEnd type="none" w="med" len="med"/>
+            <a:tailEnd type="arrow" w="med" len="med"/>
+          </a:ln>
+        </p:spPr>
+        <p:style>
+          <a:lnRef idx="2">
+            <a:schemeClr val="accent1">
+              <a:shade val="50000"/>
+            </a:schemeClr>
+          </a:lnRef>
+          <a:fillRef idx="1">
+            <a:schemeClr val="accent1"/>
+          </a:fillRef>
+          <a:effectRef idx="0">
+            <a:schemeClr val="accent1"/>
+          </a:effectRef>
+          <a:fontRef idx="minor">
+            <a:schemeClr val="lt1"/>
+          </a:fontRef>
+        </p:style>
+        <p:txBody>
+          <a:bodyPr wrap="square" rtlCol="0" anchor="ctr">
+            <a:spAutoFit/>
+          </a:bodyPr>
+          <a:lstStyle/>
+          <a:p>
+            <a:pPr algn="ctr" defTabSz="872733"/>
+            <a:r>
+              <a:rPr lang="en-US" sz="2000" b="1" dirty="0">
+                <a:solidFill>
+                  <a:prstClr val="black"/>
+                </a:solidFill>
+                <a:latin typeface="Calibri"/>
+              </a:rPr>
+              <a:t>navigability</a:t>
+            </a:r>
+          </a:p>
+        </p:txBody>
+      </p:sp>
+      <p:sp>
+        <p:nvSpPr>
+          <p:cNvPr id="30" name="Rectangle 29"/>
+          <p:cNvSpPr/>
+          <p:nvPr/>
+        </p:nvSpPr>
+        <p:spPr>
+          <a:xfrm>
+            <a:off x="6332321" y="5969345"/>
+            <a:ext cx="1153298" cy="400110"/>
+          </a:xfrm>
+          <a:prstGeom prst="rect">
+            <a:avLst/>
+          </a:prstGeom>
+          <a:ln w="19050"/>
+        </p:spPr>
+        <p:style>
+          <a:lnRef idx="1">
+            <a:schemeClr val="accent3"/>
+          </a:lnRef>
+          <a:fillRef idx="2">
+            <a:schemeClr val="accent3"/>
+          </a:fillRef>
+          <a:effectRef idx="1">
+            <a:schemeClr val="accent3"/>
+          </a:effectRef>
+          <a:fontRef idx="minor">
+            <a:schemeClr val="dk1"/>
+          </a:fontRef>
+        </p:style>
+        <p:txBody>
+          <a:bodyPr wrap="square" rtlCol="0" anchor="ctr">
+            <a:spAutoFit/>
+          </a:bodyPr>
+          <a:lstStyle/>
+          <a:p>
+            <a:pPr algn="ctr">
+              <a:defRPr/>
+            </a:pPr>
+            <a:r>
+              <a:rPr lang="en-US" sz="2000" kern="0" dirty="0">
+                <a:solidFill>
+                  <a:sysClr val="windowText" lastClr="000000"/>
+                </a:solidFill>
+                <a:latin typeface="Calibri"/>
+              </a:rPr>
+              <a:t>Class A</a:t>
+            </a:r>
+          </a:p>
+        </p:txBody>
+      </p:sp>
+      <p:sp>
+        <p:nvSpPr>
+          <p:cNvPr id="31" name="Rectangle 30"/>
+          <p:cNvSpPr/>
+          <p:nvPr/>
+        </p:nvSpPr>
+        <p:spPr>
+          <a:xfrm>
+            <a:off x="8857219" y="5969345"/>
+            <a:ext cx="1268626" cy="400110"/>
+          </a:xfrm>
+          <a:prstGeom prst="rect">
+            <a:avLst/>
+          </a:prstGeom>
+          <a:gradFill rotWithShape="1">
+            <a:gsLst>
+              <a:gs pos="0">
+                <a:srgbClr val="4F81BD">
+                  <a:tint val="50000"/>
+                  <a:satMod val="300000"/>
+                </a:srgbClr>
+              </a:gs>
+              <a:gs pos="35000">
+                <a:srgbClr val="4F81BD">
+                  <a:tint val="37000"/>
+                  <a:satMod val="300000"/>
+                </a:srgbClr>
+              </a:gs>
+              <a:gs pos="100000">
+                <a:srgbClr val="4F81BD">
+                  <a:tint val="15000"/>
+                  <a:satMod val="350000"/>
+                </a:srgbClr>
+              </a:gs>
+            </a:gsLst>
+            <a:lin ang="16200000" scaled="1"/>
+          </a:gradFill>
+          <a:ln w="19050" cap="flat" cmpd="sng" algn="ctr">
+            <a:solidFill>
+              <a:srgbClr val="4F81BD">
+                <a:shade val="95000"/>
+                <a:satMod val="105000"/>
+              </a:srgbClr>
+            </a:solidFill>
+            <a:prstDash val="solid"/>
+          </a:ln>
+          <a:effectLst>
+            <a:outerShdw blurRad="40000" dist="20000" dir="5400000" rotWithShape="0">
+              <a:srgbClr val="000000">
+                <a:alpha val="38000"/>
+              </a:srgbClr>
+            </a:outerShdw>
+          </a:effectLst>
+        </p:spPr>
+        <p:txBody>
+          <a:bodyPr wrap="square" rtlCol="0" anchor="ctr">
+            <a:spAutoFit/>
+          </a:bodyPr>
+          <a:lstStyle/>
+          <a:p>
+            <a:pPr algn="ctr">
+              <a:defRPr/>
+            </a:pPr>
+            <a:r>
+              <a:rPr lang="en-US" sz="2000" kern="0" dirty="0">
+                <a:solidFill>
+                  <a:sysClr val="windowText" lastClr="000000"/>
+                </a:solidFill>
+                <a:latin typeface="Calibri"/>
+              </a:rPr>
+              <a:t>Class B</a:t>
+            </a:r>
+          </a:p>
+        </p:txBody>
+      </p:sp>
+      <p:cxnSp>
+        <p:nvCxnSpPr>
+          <p:cNvPr id="32" name="Elbow Connector 26"/>
+          <p:cNvCxnSpPr>
+            <a:stCxn id="31" idx="1"/>
+            <a:endCxn id="30" idx="3"/>
+          </p:cNvCxnSpPr>
+          <p:nvPr/>
+        </p:nvCxnSpPr>
+        <p:spPr>
+          <a:xfrm rot="10800000">
+            <a:off x="7485619" y="6169400"/>
+            <a:ext cx="1371600" cy="12700"/>
+          </a:xfrm>
+          <a:prstGeom prst="bentConnector3">
+            <a:avLst>
+              <a:gd name="adj1" fmla="val 50000"/>
+            </a:avLst>
+          </a:prstGeom>
+          <a:noFill/>
+          <a:ln w="19050" cap="flat" cmpd="sng" algn="ctr">
+            <a:solidFill>
+              <a:srgbClr val="FF0000"/>
+            </a:solidFill>
+            <a:prstDash val="dash"/>
+            <a:headEnd type="arrow" w="med" len="med"/>
+            <a:tailEnd type="none" w="med" len="med"/>
+          </a:ln>
+          <a:effectLst/>
+        </p:spPr>
+      </p:cxnSp>
+      <p:sp>
+        <p:nvSpPr>
+          <p:cNvPr id="33" name="Rounded Rectangular Callout 32"/>
+          <p:cNvSpPr/>
+          <p:nvPr/>
+        </p:nvSpPr>
+        <p:spPr>
+          <a:xfrm>
+            <a:off x="7477378" y="5327812"/>
+            <a:ext cx="1734064" cy="442674"/>
+          </a:xfrm>
+          <a:prstGeom prst="wedgeRoundRectCallout">
+            <a:avLst>
+              <a:gd name="adj1" fmla="val -20833"/>
+              <a:gd name="adj2" fmla="val 104615"/>
+              <a:gd name="adj3" fmla="val 16667"/>
+            </a:avLst>
+          </a:prstGeom>
+          <a:solidFill>
+            <a:schemeClr val="accent1">
+              <a:lumMod val="20000"/>
+              <a:lumOff val="80000"/>
+            </a:schemeClr>
+          </a:solidFill>
+          <a:ln w="9525">
+            <a:noFill/>
+            <a:prstDash val="sysDash"/>
+            <a:headEnd type="none" w="med" len="med"/>
+            <a:tailEnd type="arrow" w="med" len="med"/>
+          </a:ln>
+        </p:spPr>
+        <p:style>
+          <a:lnRef idx="2">
+            <a:schemeClr val="accent1">
+              <a:shade val="50000"/>
+            </a:schemeClr>
+          </a:lnRef>
+          <a:fillRef idx="1">
+            <a:schemeClr val="accent1"/>
+          </a:fillRef>
+          <a:effectRef idx="0">
+            <a:schemeClr val="accent1"/>
+          </a:effectRef>
+          <a:fontRef idx="minor">
+            <a:schemeClr val="lt1"/>
+          </a:fontRef>
+        </p:style>
+        <p:txBody>
+          <a:bodyPr wrap="square" rtlCol="0" anchor="ctr">
+            <a:spAutoFit/>
+          </a:bodyPr>
+          <a:lstStyle/>
+          <a:p>
+            <a:pPr algn="ctr" defTabSz="872733"/>
+            <a:r>
+              <a:rPr lang="en-US" sz="2000" b="1" dirty="0">
+                <a:solidFill>
+                  <a:prstClr val="black"/>
+                </a:solidFill>
+                <a:latin typeface="Calibri"/>
+              </a:rPr>
+              <a:t>dependency</a:t>
+            </a:r>
+          </a:p>
+        </p:txBody>
+      </p:sp>
+      <p:cxnSp>
+        <p:nvCxnSpPr>
+          <p:cNvPr id="10" name="Straight Connector 9"/>
+          <p:cNvCxnSpPr/>
+          <p:nvPr/>
+        </p:nvCxnSpPr>
+        <p:spPr>
+          <a:xfrm>
+            <a:off x="7325497" y="4479956"/>
+            <a:ext cx="1344574" cy="0"/>
+          </a:xfrm>
+          <a:prstGeom prst="line">
+            <a:avLst/>
+          </a:prstGeom>
+          <a:ln w="19050">
+            <a:solidFill>
+              <a:schemeClr val="tx1"/>
+            </a:solidFill>
+          </a:ln>
+        </p:spPr>
+        <p:style>
+          <a:lnRef idx="1">
+            <a:schemeClr val="accent1"/>
+          </a:lnRef>
+          <a:fillRef idx="0">
+            <a:schemeClr val="accent1"/>
+          </a:fillRef>
+          <a:effectRef idx="0">
+            <a:schemeClr val="accent1"/>
+          </a:effectRef>
+          <a:fontRef idx="minor">
+            <a:schemeClr val="tx1"/>
+          </a:fontRef>
+        </p:style>
+      </p:cxnSp>
+      <p:sp>
+        <p:nvSpPr>
+          <p:cNvPr id="27" name="Rectangle 26"/>
+          <p:cNvSpPr/>
+          <p:nvPr/>
+        </p:nvSpPr>
+        <p:spPr>
+          <a:xfrm>
+            <a:off x="2109401" y="5995946"/>
+            <a:ext cx="1022520" cy="400110"/>
+          </a:xfrm>
+          <a:prstGeom prst="rect">
+            <a:avLst/>
+          </a:prstGeom>
+          <a:ln w="19050"/>
+        </p:spPr>
+        <p:style>
+          <a:lnRef idx="1">
+            <a:schemeClr val="accent3"/>
+          </a:lnRef>
+          <a:fillRef idx="2">
+            <a:schemeClr val="accent3"/>
+          </a:fillRef>
+          <a:effectRef idx="1">
+            <a:schemeClr val="accent3"/>
+          </a:effectRef>
+          <a:fontRef idx="minor">
+            <a:schemeClr val="dk1"/>
+          </a:fontRef>
+        </p:style>
+        <p:txBody>
+          <a:bodyPr wrap="square" rtlCol="0" anchor="ctr">
+            <a:spAutoFit/>
+          </a:bodyPr>
+          <a:lstStyle/>
+          <a:p>
+            <a:pPr algn="ctr">
+              <a:defRPr/>
+            </a:pPr>
+            <a:r>
+              <a:rPr lang="en-US" sz="2000" kern="0" dirty="0">
+                <a:solidFill>
+                  <a:sysClr val="windowText" lastClr="000000"/>
+                </a:solidFill>
+                <a:latin typeface="Calibri"/>
+              </a:rPr>
+              <a:t>Class A</a:t>
+            </a:r>
+          </a:p>
+        </p:txBody>
+      </p:sp>
+      <p:sp>
+        <p:nvSpPr>
+          <p:cNvPr id="28" name="Rectangle 27"/>
+          <p:cNvSpPr/>
+          <p:nvPr/>
+        </p:nvSpPr>
+        <p:spPr>
+          <a:xfrm>
+            <a:off x="4503522" y="5995946"/>
+            <a:ext cx="1034881" cy="400110"/>
+          </a:xfrm>
+          <a:prstGeom prst="rect">
+            <a:avLst/>
+          </a:prstGeom>
+          <a:gradFill rotWithShape="1">
+            <a:gsLst>
+              <a:gs pos="0">
+                <a:srgbClr val="4F81BD">
+                  <a:tint val="50000"/>
+                  <a:satMod val="300000"/>
+                </a:srgbClr>
+              </a:gs>
+              <a:gs pos="35000">
+                <a:srgbClr val="4F81BD">
+                  <a:tint val="37000"/>
+                  <a:satMod val="300000"/>
+                </a:srgbClr>
+              </a:gs>
+              <a:gs pos="100000">
+                <a:srgbClr val="4F81BD">
+                  <a:tint val="15000"/>
+                  <a:satMod val="350000"/>
+                </a:srgbClr>
+              </a:gs>
+            </a:gsLst>
+            <a:lin ang="16200000" scaled="1"/>
+          </a:gradFill>
+          <a:ln w="19050" cap="flat" cmpd="sng" algn="ctr">
+            <a:solidFill>
+              <a:srgbClr val="4F81BD">
+                <a:shade val="95000"/>
+                <a:satMod val="105000"/>
+              </a:srgbClr>
+            </a:solidFill>
+            <a:prstDash val="solid"/>
+          </a:ln>
+          <a:effectLst>
+            <a:outerShdw blurRad="40000" dist="20000" dir="5400000" rotWithShape="0">
+              <a:srgbClr val="000000">
+                <a:alpha val="38000"/>
+              </a:srgbClr>
+            </a:outerShdw>
+          </a:effectLst>
+        </p:spPr>
+        <p:txBody>
+          <a:bodyPr wrap="square" rtlCol="0" anchor="ctr">
+            <a:spAutoFit/>
+          </a:bodyPr>
+          <a:lstStyle/>
+          <a:p>
+            <a:pPr algn="ctr">
+              <a:defRPr/>
+            </a:pPr>
+            <a:r>
+              <a:rPr lang="en-US" sz="2000" kern="0" dirty="0">
+                <a:solidFill>
+                  <a:sysClr val="windowText" lastClr="000000"/>
+                </a:solidFill>
+                <a:latin typeface="Calibri"/>
+              </a:rPr>
+              <a:t>Class B</a:t>
+            </a:r>
+          </a:p>
+        </p:txBody>
+      </p:sp>
+      <p:cxnSp>
+        <p:nvCxnSpPr>
+          <p:cNvPr id="35" name="Straight Connector 34"/>
+          <p:cNvCxnSpPr>
+            <a:stCxn id="27" idx="3"/>
+            <a:endCxn id="28" idx="1"/>
+          </p:cNvCxnSpPr>
+          <p:nvPr/>
+        </p:nvCxnSpPr>
+        <p:spPr>
+          <a:xfrm>
+            <a:off x="3131921" y="6196001"/>
+            <a:ext cx="1371600" cy="0"/>
+          </a:xfrm>
+          <a:prstGeom prst="line">
+            <a:avLst/>
+          </a:prstGeom>
+          <a:ln w="19050">
+            <a:solidFill>
+              <a:schemeClr val="tx1"/>
+            </a:solidFill>
+          </a:ln>
+        </p:spPr>
+        <p:style>
+          <a:lnRef idx="1">
+            <a:schemeClr val="accent1"/>
+          </a:lnRef>
+          <a:fillRef idx="0">
+            <a:schemeClr val="accent1"/>
+          </a:fillRef>
+          <a:effectRef idx="0">
+            <a:schemeClr val="accent1"/>
+          </a:effectRef>
+          <a:fontRef idx="minor">
+            <a:schemeClr val="tx1"/>
+          </a:fontRef>
+        </p:style>
+      </p:cxnSp>
+      <p:sp>
+        <p:nvSpPr>
+          <p:cNvPr id="36" name="Rectangle 35"/>
+          <p:cNvSpPr/>
+          <p:nvPr/>
+        </p:nvSpPr>
+        <p:spPr>
+          <a:xfrm>
+            <a:off x="3335488" y="5267990"/>
+            <a:ext cx="1034881" cy="400110"/>
+          </a:xfrm>
+          <a:prstGeom prst="rect">
+            <a:avLst/>
+          </a:prstGeom>
+          <a:gradFill rotWithShape="1">
+            <a:gsLst>
+              <a:gs pos="0">
+                <a:srgbClr val="4F81BD">
+                  <a:tint val="50000"/>
+                  <a:satMod val="300000"/>
+                </a:srgbClr>
+              </a:gs>
+              <a:gs pos="35000">
+                <a:srgbClr val="4F81BD">
+                  <a:tint val="37000"/>
+                  <a:satMod val="300000"/>
+                </a:srgbClr>
+              </a:gs>
+              <a:gs pos="100000">
+                <a:srgbClr val="4F81BD">
+                  <a:tint val="15000"/>
+                  <a:satMod val="350000"/>
+                </a:srgbClr>
+              </a:gs>
+            </a:gsLst>
+            <a:lin ang="16200000" scaled="1"/>
+          </a:gradFill>
+          <a:ln w="19050" cap="flat" cmpd="sng" algn="ctr">
+            <a:solidFill>
+              <a:srgbClr val="4F81BD">
+                <a:shade val="95000"/>
+                <a:satMod val="105000"/>
+              </a:srgbClr>
+            </a:solidFill>
+            <a:prstDash val="solid"/>
+          </a:ln>
+          <a:effectLst>
+            <a:outerShdw blurRad="40000" dist="20000" dir="5400000" rotWithShape="0">
+              <a:srgbClr val="000000">
+                <a:alpha val="38000"/>
+              </a:srgbClr>
+            </a:outerShdw>
+          </a:effectLst>
+        </p:spPr>
+        <p:txBody>
+          <a:bodyPr wrap="square" rtlCol="0" anchor="ctr">
+            <a:spAutoFit/>
+          </a:bodyPr>
+          <a:lstStyle/>
+          <a:p>
+            <a:pPr algn="ctr">
+              <a:defRPr/>
+            </a:pPr>
+            <a:r>
+              <a:rPr lang="en-US" sz="2000" kern="0" dirty="0">
+                <a:solidFill>
+                  <a:sysClr val="windowText" lastClr="000000"/>
+                </a:solidFill>
+                <a:latin typeface="Calibri"/>
+              </a:rPr>
+              <a:t>Class C</a:t>
+            </a:r>
+          </a:p>
+        </p:txBody>
+      </p:sp>
+      <p:cxnSp>
+        <p:nvCxnSpPr>
+          <p:cNvPr id="37" name="Straight Connector 36"/>
+          <p:cNvCxnSpPr/>
+          <p:nvPr/>
+        </p:nvCxnSpPr>
+        <p:spPr>
+          <a:xfrm>
+            <a:off x="3852928" y="5651916"/>
+            <a:ext cx="1" cy="558732"/>
+          </a:xfrm>
+          <a:prstGeom prst="line">
+            <a:avLst/>
+          </a:prstGeom>
+          <a:ln w="19050">
+            <a:solidFill>
+              <a:srgbClr val="FF0000"/>
+            </a:solidFill>
+            <a:prstDash val="dash"/>
+          </a:ln>
+        </p:spPr>
+        <p:style>
+          <a:lnRef idx="1">
+            <a:schemeClr val="accent1"/>
+          </a:lnRef>
+          <a:fillRef idx="0">
+            <a:schemeClr val="accent1"/>
+          </a:fillRef>
+          <a:effectRef idx="0">
+            <a:schemeClr val="accent1"/>
+          </a:effectRef>
+          <a:fontRef idx="minor">
+            <a:schemeClr val="tx1"/>
+          </a:fontRef>
+        </p:style>
+      </p:cxnSp>
+      <p:sp>
+        <p:nvSpPr>
+          <p:cNvPr id="40" name="Rounded Rectangular Callout 39"/>
+          <p:cNvSpPr/>
+          <p:nvPr/>
+        </p:nvSpPr>
+        <p:spPr>
+          <a:xfrm>
+            <a:off x="2109401" y="4610651"/>
+            <a:ext cx="2143898" cy="442674"/>
+          </a:xfrm>
+          <a:prstGeom prst="wedgeRoundRectCallout">
+            <a:avLst>
+              <a:gd name="adj1" fmla="val 20281"/>
+              <a:gd name="adj2" fmla="val 93449"/>
+              <a:gd name="adj3" fmla="val 16667"/>
+            </a:avLst>
+          </a:prstGeom>
+          <a:solidFill>
+            <a:schemeClr val="accent1">
+              <a:lumMod val="20000"/>
+              <a:lumOff val="80000"/>
+            </a:schemeClr>
+          </a:solidFill>
+          <a:ln w="9525">
+            <a:noFill/>
+            <a:prstDash val="sysDash"/>
+            <a:headEnd type="none" w="med" len="med"/>
+            <a:tailEnd type="arrow" w="med" len="med"/>
+          </a:ln>
+        </p:spPr>
+        <p:style>
+          <a:lnRef idx="2">
+            <a:schemeClr val="accent1">
+              <a:shade val="50000"/>
+            </a:schemeClr>
+          </a:lnRef>
+          <a:fillRef idx="1">
+            <a:schemeClr val="accent1"/>
+          </a:fillRef>
+          <a:effectRef idx="0">
+            <a:schemeClr val="accent1"/>
+          </a:effectRef>
+          <a:fontRef idx="minor">
+            <a:schemeClr val="lt1"/>
+          </a:fontRef>
+        </p:style>
+        <p:txBody>
+          <a:bodyPr wrap="square" rtlCol="0" anchor="ctr">
+            <a:spAutoFit/>
+          </a:bodyPr>
+          <a:lstStyle/>
+          <a:p>
+            <a:pPr algn="ctr" defTabSz="872733"/>
+            <a:r>
+              <a:rPr lang="en-US" sz="2000" b="1" dirty="0">
+                <a:solidFill>
+                  <a:prstClr val="black"/>
+                </a:solidFill>
+                <a:latin typeface="Calibri"/>
+              </a:rPr>
+              <a:t>Association class</a:t>
+            </a:r>
+          </a:p>
+        </p:txBody>
+      </p:sp>
+    </p:spTree>
+    <p:extLst>
+      <p:ext uri="{BB962C8B-B14F-4D97-AF65-F5344CB8AC3E}">
+        <p14:creationId xmlns:p14="http://schemas.microsoft.com/office/powerpoint/2010/main" val="242993981"/>
+      </p:ext>
+    </p:extLst>
+  </p:cSld>
+  <p:clrMapOvr>
+    <a:masterClrMapping/>
+  </p:clrMapOvr>
+</p:sld>
+</file>
+
+<file path=ppt/slides/slide6.xml><?xml version="1.0" encoding="utf-8"?>
+<p:sld xmlns:a="http://schemas.openxmlformats.org/drawingml/2006/main" xmlns:r="http://schemas.openxmlformats.org/officeDocument/2006/relationships" xmlns:p="http://schemas.openxmlformats.org/presentationml/2006/main">
+  <p:cSld>
+    <p:spTree>
+      <p:nvGrpSpPr>
+        <p:cNvPr id="1" name=""/>
+        <p:cNvGrpSpPr/>
+        <p:nvPr/>
+      </p:nvGrpSpPr>
+      <p:grpSpPr>
+        <a:xfrm>
+          <a:off x="0" y="0"/>
+          <a:ext cx="0" cy="0"/>
+          <a:chOff x="0" y="0"/>
+          <a:chExt cx="0" cy="0"/>
+        </a:xfrm>
+      </p:grpSpPr>
+      <p:sp>
+        <p:nvSpPr>
+          <p:cNvPr id="3075" name="Rectangle 2"/>
+          <p:cNvSpPr>
+            <a:spLocks noGrp="1" noChangeArrowheads="1"/>
+          </p:cNvSpPr>
+          <p:nvPr>
+            <p:ph type="title"/>
+          </p:nvPr>
+        </p:nvSpPr>
+        <p:spPr>
+          <a:xfrm>
+            <a:off x="1852872" y="188256"/>
+            <a:ext cx="3633529" cy="377170"/>
+          </a:xfrm>
+        </p:spPr>
+        <p:txBody>
+          <a:bodyPr vert="horz" lIns="87273" tIns="43637" rIns="87273" bIns="43637" rtlCol="0" anchor="ctr">
+            <a:noAutofit/>
+          </a:bodyPr>
+          <a:lstStyle/>
+          <a:p>
+            <a:r>
+              <a:rPr lang="en-US" sz="2400" dirty="0"/>
+              <a:t>Class diagrams [example] </a:t>
+            </a:r>
+          </a:p>
+        </p:txBody>
+      </p:sp>
+      <p:sp>
+        <p:nvSpPr>
+          <p:cNvPr id="25" name="Rectangle 24"/>
+          <p:cNvSpPr/>
+          <p:nvPr/>
+        </p:nvSpPr>
+        <p:spPr>
+          <a:xfrm>
+            <a:off x="1700471" y="1057366"/>
+            <a:ext cx="1699055" cy="400110"/>
+          </a:xfrm>
+          <a:prstGeom prst="rect">
+            <a:avLst/>
+          </a:prstGeom>
+          <a:ln w="19050"/>
+        </p:spPr>
+        <p:style>
+          <a:lnRef idx="1">
+            <a:schemeClr val="accent6"/>
+          </a:lnRef>
+          <a:fillRef idx="2">
+            <a:schemeClr val="accent6"/>
+          </a:fillRef>
+          <a:effectRef idx="1">
+            <a:schemeClr val="accent6"/>
+          </a:effectRef>
+          <a:fontRef idx="minor">
+            <a:schemeClr val="dk1"/>
+          </a:fontRef>
+        </p:style>
+        <p:txBody>
+          <a:bodyPr wrap="square" rtlCol="0" anchor="ctr">
+            <a:spAutoFit/>
+          </a:bodyPr>
+          <a:lstStyle/>
+          <a:p>
+            <a:pPr algn="ctr">
+              <a:defRPr/>
+            </a:pPr>
+            <a:r>
+              <a:rPr lang="en-US" sz="2000" kern="0" dirty="0">
+                <a:solidFill>
+                  <a:sysClr val="windowText" lastClr="000000"/>
+                </a:solidFill>
+                <a:latin typeface="Calibri"/>
+              </a:rPr>
+              <a:t>Minesweeper</a:t>
+            </a:r>
+          </a:p>
+        </p:txBody>
+      </p:sp>
+      <p:sp>
+        <p:nvSpPr>
+          <p:cNvPr id="29" name="Rectangle 28"/>
+          <p:cNvSpPr/>
+          <p:nvPr/>
+        </p:nvSpPr>
+        <p:spPr>
+          <a:xfrm>
+            <a:off x="4443671" y="1057366"/>
+            <a:ext cx="1295400" cy="400110"/>
+          </a:xfrm>
+          <a:prstGeom prst="rect">
+            <a:avLst/>
+          </a:prstGeom>
+          <a:ln/>
+        </p:spPr>
+        <p:style>
+          <a:lnRef idx="1">
+            <a:schemeClr val="accent3"/>
+          </a:lnRef>
+          <a:fillRef idx="2">
+            <a:schemeClr val="accent3"/>
+          </a:fillRef>
+          <a:effectRef idx="1">
+            <a:schemeClr val="accent3"/>
+          </a:effectRef>
+          <a:fontRef idx="minor">
+            <a:schemeClr val="dk1"/>
+          </a:fontRef>
+        </p:style>
+        <p:txBody>
+          <a:bodyPr wrap="square" rtlCol="0" anchor="ctr">
+            <a:spAutoFit/>
+          </a:bodyPr>
+          <a:lstStyle/>
+          <a:p>
+            <a:pPr algn="ctr">
+              <a:defRPr/>
+            </a:pPr>
+            <a:r>
+              <a:rPr lang="en-US" sz="2000" kern="0" dirty="0">
+                <a:solidFill>
+                  <a:sysClr val="windowText" lastClr="000000"/>
+                </a:solidFill>
+                <a:latin typeface="Calibri"/>
+              </a:rPr>
+              <a:t>Minefield</a:t>
+            </a:r>
+          </a:p>
+        </p:txBody>
+      </p:sp>
+      <p:sp>
+        <p:nvSpPr>
+          <p:cNvPr id="30" name="Rectangle 29"/>
+          <p:cNvSpPr/>
+          <p:nvPr/>
+        </p:nvSpPr>
+        <p:spPr>
+          <a:xfrm>
+            <a:off x="7110671" y="1057366"/>
+            <a:ext cx="1143000" cy="400110"/>
+          </a:xfrm>
+          <a:prstGeom prst="rect">
+            <a:avLst/>
+          </a:prstGeom>
+          <a:gradFill rotWithShape="1">
+            <a:gsLst>
+              <a:gs pos="0">
+                <a:srgbClr val="4F81BD">
+                  <a:tint val="50000"/>
+                  <a:satMod val="300000"/>
+                </a:srgbClr>
+              </a:gs>
+              <a:gs pos="35000">
+                <a:srgbClr val="4F81BD">
+                  <a:tint val="37000"/>
+                  <a:satMod val="300000"/>
+                </a:srgbClr>
+              </a:gs>
+              <a:gs pos="100000">
+                <a:srgbClr val="4F81BD">
+                  <a:tint val="15000"/>
+                  <a:satMod val="350000"/>
+                </a:srgbClr>
+              </a:gs>
+            </a:gsLst>
+            <a:lin ang="16200000" scaled="1"/>
+          </a:gradFill>
+          <a:ln w="19050" cap="flat" cmpd="sng" algn="ctr">
+            <a:solidFill>
+              <a:srgbClr val="4F81BD">
+                <a:shade val="95000"/>
+                <a:satMod val="105000"/>
+              </a:srgbClr>
+            </a:solidFill>
+            <a:prstDash val="solid"/>
+          </a:ln>
+          <a:effectLst>
+            <a:outerShdw blurRad="40000" dist="20000" dir="5400000" rotWithShape="0">
+              <a:srgbClr val="000000">
+                <a:alpha val="38000"/>
+              </a:srgbClr>
+            </a:outerShdw>
+          </a:effectLst>
+        </p:spPr>
+        <p:txBody>
+          <a:bodyPr wrap="square" rtlCol="0" anchor="ctr">
+            <a:spAutoFit/>
+          </a:bodyPr>
+          <a:lstStyle/>
+          <a:p>
+            <a:pPr algn="ctr">
+              <a:defRPr/>
+            </a:pPr>
+            <a:r>
+              <a:rPr lang="en-US" sz="2000" kern="0" dirty="0">
+                <a:solidFill>
+                  <a:sysClr val="windowText" lastClr="000000"/>
+                </a:solidFill>
+                <a:latin typeface="Calibri"/>
+              </a:rPr>
+              <a:t>Cell</a:t>
+            </a:r>
+          </a:p>
+        </p:txBody>
+      </p:sp>
+      <p:cxnSp>
+        <p:nvCxnSpPr>
+          <p:cNvPr id="31" name="Elbow Connector 26"/>
+          <p:cNvCxnSpPr>
+            <a:stCxn id="30" idx="1"/>
+            <a:endCxn id="52" idx="3"/>
+          </p:cNvCxnSpPr>
+          <p:nvPr/>
+        </p:nvCxnSpPr>
+        <p:spPr>
+          <a:xfrm rot="10800000" flipV="1">
+            <a:off x="5967671" y="1257421"/>
+            <a:ext cx="1143000" cy="5834"/>
+          </a:xfrm>
+          <a:prstGeom prst="bentConnector3">
+            <a:avLst>
+              <a:gd name="adj1" fmla="val 50000"/>
+            </a:avLst>
+          </a:prstGeom>
+          <a:noFill/>
+          <a:ln w="19050" cap="flat" cmpd="sng" algn="ctr">
+            <a:solidFill>
+              <a:sysClr val="windowText" lastClr="000000"/>
+            </a:solidFill>
+            <a:prstDash val="solid"/>
+            <a:headEnd type="arrow" w="med" len="med"/>
+            <a:tailEnd type="none" w="med" len="med"/>
+          </a:ln>
+          <a:effectLst/>
+        </p:spPr>
+      </p:cxnSp>
+      <p:cxnSp>
+        <p:nvCxnSpPr>
+          <p:cNvPr id="32" name="Elbow Connector 31"/>
+          <p:cNvCxnSpPr>
+            <a:stCxn id="25" idx="3"/>
+            <a:endCxn id="29" idx="1"/>
+          </p:cNvCxnSpPr>
+          <p:nvPr/>
+        </p:nvCxnSpPr>
+        <p:spPr>
+          <a:xfrm>
+            <a:off x="3399525" y="1257421"/>
+            <a:ext cx="1044146" cy="1588"/>
+          </a:xfrm>
+          <a:prstGeom prst="bentConnector3">
+            <a:avLst>
+              <a:gd name="adj1" fmla="val 50000"/>
+            </a:avLst>
+          </a:prstGeom>
+          <a:noFill/>
+          <a:ln w="19050" cap="flat" cmpd="sng" algn="ctr">
+            <a:solidFill>
+              <a:sysClr val="windowText" lastClr="000000"/>
+            </a:solidFill>
+            <a:prstDash val="solid"/>
+            <a:headEnd type="none" w="med" len="med"/>
+            <a:tailEnd type="arrow" w="med" len="med"/>
+          </a:ln>
+          <a:effectLst/>
+        </p:spPr>
+      </p:cxnSp>
+      <p:sp>
+        <p:nvSpPr>
+          <p:cNvPr id="33" name="Rectangle 32"/>
+          <p:cNvSpPr/>
+          <p:nvPr/>
+        </p:nvSpPr>
+        <p:spPr>
+          <a:xfrm>
+            <a:off x="6130369" y="2200366"/>
+            <a:ext cx="1361302" cy="400110"/>
+          </a:xfrm>
+          <a:prstGeom prst="rect">
+            <a:avLst/>
+          </a:prstGeom>
+          <a:gradFill rotWithShape="1">
+            <a:gsLst>
+              <a:gs pos="0">
+                <a:srgbClr val="4F81BD">
+                  <a:tint val="50000"/>
+                  <a:satMod val="300000"/>
+                </a:srgbClr>
+              </a:gs>
+              <a:gs pos="35000">
+                <a:srgbClr val="4F81BD">
+                  <a:tint val="37000"/>
+                  <a:satMod val="300000"/>
+                </a:srgbClr>
+              </a:gs>
+              <a:gs pos="100000">
+                <a:srgbClr val="4F81BD">
+                  <a:tint val="15000"/>
+                  <a:satMod val="350000"/>
+                </a:srgbClr>
+              </a:gs>
+            </a:gsLst>
+            <a:lin ang="16200000" scaled="1"/>
+          </a:gradFill>
+          <a:ln w="19050" cap="flat" cmpd="sng" algn="ctr">
+            <a:solidFill>
+              <a:srgbClr val="4F81BD">
+                <a:shade val="95000"/>
+                <a:satMod val="105000"/>
+              </a:srgbClr>
+            </a:solidFill>
+            <a:prstDash val="solid"/>
+          </a:ln>
+          <a:effectLst>
+            <a:outerShdw blurRad="40000" dist="20000" dir="5400000" rotWithShape="0">
+              <a:srgbClr val="000000">
+                <a:alpha val="38000"/>
+              </a:srgbClr>
+            </a:outerShdw>
+          </a:effectLst>
+        </p:spPr>
+        <p:txBody>
+          <a:bodyPr wrap="square" rtlCol="0" anchor="ctr">
+            <a:spAutoFit/>
+          </a:bodyPr>
+          <a:lstStyle/>
+          <a:p>
+            <a:pPr>
+              <a:defRPr/>
+            </a:pPr>
+            <a:r>
+              <a:rPr lang="en-US" sz="2000" kern="0" dirty="0" err="1">
+                <a:solidFill>
+                  <a:sysClr val="windowText" lastClr="000000"/>
+                </a:solidFill>
+                <a:latin typeface="Calibri"/>
+              </a:rPr>
+              <a:t>MinedCell</a:t>
+            </a:r>
+            <a:endParaRPr lang="en-US" sz="2000" kern="0" dirty="0">
+              <a:solidFill>
+                <a:sysClr val="windowText" lastClr="000000"/>
+              </a:solidFill>
+              <a:latin typeface="Calibri"/>
+            </a:endParaRPr>
+          </a:p>
+        </p:txBody>
+      </p:sp>
+      <p:sp>
+        <p:nvSpPr>
+          <p:cNvPr id="34" name="TextBox 33"/>
+          <p:cNvSpPr txBox="1"/>
+          <p:nvPr/>
+        </p:nvSpPr>
+        <p:spPr>
+          <a:xfrm>
+            <a:off x="8153400" y="142726"/>
+            <a:ext cx="1600200" cy="400110"/>
+          </a:xfrm>
+          <a:prstGeom prst="rect">
+            <a:avLst/>
+          </a:prstGeom>
+          <a:noFill/>
+        </p:spPr>
+        <p:txBody>
+          <a:bodyPr wrap="square" rtlCol="0">
+            <a:spAutoFit/>
+          </a:bodyPr>
+          <a:lstStyle/>
+          <a:p>
+            <a:pPr>
+              <a:defRPr/>
+            </a:pPr>
+            <a:r>
+              <a:rPr lang="en-US" sz="2000" kern="0" dirty="0">
+                <a:solidFill>
+                  <a:sysClr val="windowText" lastClr="000000"/>
+                </a:solidFill>
+                <a:latin typeface="Calibri"/>
+              </a:rPr>
+              <a:t> </a:t>
+            </a:r>
+            <a:r>
+              <a:rPr lang="en-US" sz="2000" b="1" kern="0" dirty="0">
+                <a:solidFill>
+                  <a:sysClr val="windowText" lastClr="000000"/>
+                </a:solidFill>
+                <a:latin typeface="Calibri"/>
+              </a:rPr>
+              <a:t>&lt;</a:t>
+            </a:r>
+            <a:r>
+              <a:rPr lang="en-US" sz="2000" kern="0" dirty="0">
+                <a:solidFill>
+                  <a:sysClr val="windowText" lastClr="000000"/>
+                </a:solidFill>
+                <a:latin typeface="Calibri"/>
+              </a:rPr>
+              <a:t> adjacent to</a:t>
+            </a:r>
+          </a:p>
+        </p:txBody>
+      </p:sp>
+      <p:sp>
+        <p:nvSpPr>
+          <p:cNvPr id="37" name="Rectangle 36"/>
+          <p:cNvSpPr/>
+          <p:nvPr/>
+        </p:nvSpPr>
+        <p:spPr>
+          <a:xfrm>
+            <a:off x="7761462" y="2200366"/>
+            <a:ext cx="2693772" cy="400110"/>
+          </a:xfrm>
+          <a:prstGeom prst="rect">
+            <a:avLst/>
+          </a:prstGeom>
+          <a:gradFill rotWithShape="1">
+            <a:gsLst>
+              <a:gs pos="0">
+                <a:srgbClr val="4F81BD">
+                  <a:tint val="50000"/>
+                  <a:satMod val="300000"/>
+                </a:srgbClr>
+              </a:gs>
+              <a:gs pos="35000">
+                <a:srgbClr val="4F81BD">
+                  <a:tint val="37000"/>
+                  <a:satMod val="300000"/>
+                </a:srgbClr>
+              </a:gs>
+              <a:gs pos="100000">
+                <a:srgbClr val="4F81BD">
+                  <a:tint val="15000"/>
+                  <a:satMod val="350000"/>
+                </a:srgbClr>
+              </a:gs>
+            </a:gsLst>
+            <a:lin ang="16200000" scaled="1"/>
+          </a:gradFill>
+          <a:ln w="19050" cap="flat" cmpd="sng" algn="ctr">
+            <a:solidFill>
+              <a:srgbClr val="4F81BD">
+                <a:shade val="95000"/>
+                <a:satMod val="105000"/>
+              </a:srgbClr>
+            </a:solidFill>
+            <a:prstDash val="solid"/>
+          </a:ln>
+          <a:effectLst>
+            <a:outerShdw blurRad="40000" dist="20000" dir="5400000" rotWithShape="0">
+              <a:srgbClr val="000000">
+                <a:alpha val="38000"/>
+              </a:srgbClr>
+            </a:outerShdw>
+          </a:effectLst>
+        </p:spPr>
+        <p:txBody>
+          <a:bodyPr wrap="square" rtlCol="0" anchor="ctr">
+            <a:spAutoFit/>
+          </a:bodyPr>
+          <a:lstStyle/>
+          <a:p>
             <a:pPr algn="ctr">
               <a:defRPr/>
             </a:pPr>
@@ -19429,7 +22175,7 @@
 </p:sld>
 </file>
 
-<file path=ppt/slides/slide6.xml><?xml version="1.0" encoding="utf-8"?>
+<file path=ppt/slides/slide7.xml><?xml version="1.0" encoding="utf-8"?>
 <p:sld xmlns:a="http://schemas.openxmlformats.org/drawingml/2006/main" xmlns:r="http://schemas.openxmlformats.org/officeDocument/2006/relationships" xmlns:p="http://schemas.openxmlformats.org/presentationml/2006/main">
   <p:cSld>
     <p:spTree>
@@ -20760,7 +23506,7 @@
 </p:sld>
 </file>
 
-<file path=ppt/slides/slide7.xml><?xml version="1.0" encoding="utf-8"?>
+<file path=ppt/slides/slide8.xml><?xml version="1.0" encoding="utf-8"?>
 <p:sld xmlns:a="http://schemas.openxmlformats.org/drawingml/2006/main" xmlns:r="http://schemas.openxmlformats.org/officeDocument/2006/relationships" xmlns:p="http://schemas.openxmlformats.org/presentationml/2006/main">
   <p:cSld>
     <p:spTree>
@@ -25809,7 +28555,7 @@
 </p:sld>
 </file>
 
-<file path=ppt/slides/slide8.xml><?xml version="1.0" encoding="utf-8"?>
+<file path=ppt/slides/slide9.xml><?xml version="1.0" encoding="utf-8"?>
 <p:sld xmlns:a="http://schemas.openxmlformats.org/drawingml/2006/main" xmlns:r="http://schemas.openxmlformats.org/officeDocument/2006/relationships" xmlns:p="http://schemas.openxmlformats.org/presentationml/2006/main">
   <p:cSld>
     <p:spTree>
@@ -28977,521 +31723,6 @@
 </p:sld>
 </file>
 
-<file path=ppt/slides/slide9.xml><?xml version="1.0" encoding="utf-8"?>
-<p:sld xmlns:a="http://schemas.openxmlformats.org/drawingml/2006/main" xmlns:r="http://schemas.openxmlformats.org/officeDocument/2006/relationships" xmlns:p="http://schemas.openxmlformats.org/presentationml/2006/main">
-  <p:cSld>
-    <p:spTree>
-      <p:nvGrpSpPr>
-        <p:cNvPr id="1" name=""/>
-        <p:cNvGrpSpPr/>
-        <p:nvPr/>
-      </p:nvGrpSpPr>
-      <p:grpSpPr>
-        <a:xfrm>
-          <a:off x="0" y="0"/>
-          <a:ext cx="0" cy="0"/>
-          <a:chOff x="0" y="0"/>
-          <a:chExt cx="0" cy="0"/>
-        </a:xfrm>
-      </p:grpSpPr>
-      <p:sp>
-        <p:nvSpPr>
-          <p:cNvPr id="4" name="Rectangle 2"/>
-          <p:cNvSpPr txBox="1">
-            <a:spLocks noChangeArrowheads="1"/>
-          </p:cNvSpPr>
-          <p:nvPr/>
-        </p:nvSpPr>
-        <p:spPr>
-          <a:xfrm>
-            <a:off x="1895332" y="304800"/>
-            <a:ext cx="8229600" cy="792162"/>
-          </a:xfrm>
-          <a:prstGeom prst="rect">
-            <a:avLst/>
-          </a:prstGeom>
-        </p:spPr>
-        <p:txBody>
-          <a:bodyPr vert="horz" lIns="87273" tIns="43637" rIns="87273" bIns="43637" rtlCol="0" anchor="ctr">
-            <a:normAutofit/>
-          </a:bodyPr>
-          <a:lstStyle/>
-          <a:p>
-            <a:pPr defTabSz="872733">
-              <a:spcBef>
-                <a:spcPct val="0"/>
-              </a:spcBef>
-              <a:defRPr/>
-            </a:pPr>
-            <a:r>
-              <a:rPr lang="en-US" sz="3600" dirty="0">
-                <a:solidFill>
-                  <a:srgbClr val="F79646">
-                    <a:lumMod val="75000"/>
-                  </a:srgbClr>
-                </a:solidFill>
-                <a:latin typeface="Calibri"/>
-              </a:rPr>
-              <a:t>Notes and constraints</a:t>
-            </a:r>
-          </a:p>
-        </p:txBody>
-      </p:sp>
-      <p:sp>
-        <p:nvSpPr>
-          <p:cNvPr id="5" name="Folded Corner 4"/>
-          <p:cNvSpPr/>
-          <p:nvPr/>
-        </p:nvSpPr>
-        <p:spPr>
-          <a:xfrm>
-            <a:off x="3252516" y="1335322"/>
-            <a:ext cx="1386016" cy="477500"/>
-          </a:xfrm>
-          <a:prstGeom prst="foldedCorner">
-            <a:avLst/>
-          </a:prstGeom>
-          <a:ln w="19050"/>
-        </p:spPr>
-        <p:style>
-          <a:lnRef idx="1">
-            <a:schemeClr val="accent4"/>
-          </a:lnRef>
-          <a:fillRef idx="2">
-            <a:schemeClr val="accent4"/>
-          </a:fillRef>
-          <a:effectRef idx="1">
-            <a:schemeClr val="accent4"/>
-          </a:effectRef>
-          <a:fontRef idx="minor">
-            <a:schemeClr val="dk1"/>
-          </a:fontRef>
-        </p:style>
-        <p:txBody>
-          <a:bodyPr wrap="square" rtlCol="0" anchor="ctr">
-            <a:spAutoFit/>
-          </a:bodyPr>
-          <a:lstStyle/>
-          <a:p>
-            <a:pPr defTabSz="872733"/>
-            <a:r>
-              <a:rPr lang="en-US" sz="2000" dirty="0">
-                <a:solidFill>
-                  <a:prstClr val="black"/>
-                </a:solidFill>
-                <a:latin typeface="Calibri"/>
-              </a:rPr>
-              <a:t>Note text</a:t>
-            </a:r>
-          </a:p>
-        </p:txBody>
-      </p:sp>
-      <p:cxnSp>
-        <p:nvCxnSpPr>
-          <p:cNvPr id="6" name="Straight Connector 5"/>
-          <p:cNvCxnSpPr>
-            <a:stCxn id="5" idx="2"/>
-          </p:cNvCxnSpPr>
-          <p:nvPr/>
-        </p:nvCxnSpPr>
-        <p:spPr>
-          <a:xfrm rot="5400000">
-            <a:off x="3039461" y="1892014"/>
-            <a:ext cx="985254" cy="826873"/>
-          </a:xfrm>
-          <a:prstGeom prst="line">
-            <a:avLst/>
-          </a:prstGeom>
-          <a:ln w="19050">
-            <a:prstDash val="dash"/>
-          </a:ln>
-        </p:spPr>
-        <p:style>
-          <a:lnRef idx="1">
-            <a:schemeClr val="accent1"/>
-          </a:lnRef>
-          <a:fillRef idx="0">
-            <a:schemeClr val="accent1"/>
-          </a:fillRef>
-          <a:effectRef idx="0">
-            <a:schemeClr val="accent1"/>
-          </a:effectRef>
-          <a:fontRef idx="minor">
-            <a:schemeClr val="tx1"/>
-          </a:fontRef>
-        </p:style>
-      </p:cxnSp>
-      <p:sp>
-        <p:nvSpPr>
-          <p:cNvPr id="7" name="Folded Corner 6"/>
-          <p:cNvSpPr/>
-          <p:nvPr/>
-        </p:nvSpPr>
-        <p:spPr>
-          <a:xfrm>
-            <a:off x="6654743" y="1302370"/>
-            <a:ext cx="1386016" cy="477500"/>
-          </a:xfrm>
-          <a:prstGeom prst="foldedCorner">
-            <a:avLst/>
-          </a:prstGeom>
-          <a:ln w="19050"/>
-        </p:spPr>
-        <p:style>
-          <a:lnRef idx="1">
-            <a:schemeClr val="accent4"/>
-          </a:lnRef>
-          <a:fillRef idx="2">
-            <a:schemeClr val="accent4"/>
-          </a:fillRef>
-          <a:effectRef idx="1">
-            <a:schemeClr val="accent4"/>
-          </a:effectRef>
-          <a:fontRef idx="minor">
-            <a:schemeClr val="dk1"/>
-          </a:fontRef>
-        </p:style>
-        <p:txBody>
-          <a:bodyPr wrap="square" rtlCol="0" anchor="ctr">
-            <a:spAutoFit/>
-          </a:bodyPr>
-          <a:lstStyle/>
-          <a:p>
-            <a:pPr defTabSz="872733"/>
-            <a:r>
-              <a:rPr lang="en-US" sz="2000" dirty="0">
-                <a:solidFill>
-                  <a:prstClr val="black"/>
-                </a:solidFill>
-                <a:latin typeface="Calibri"/>
-              </a:rPr>
-              <a:t>{constraint}</a:t>
-            </a:r>
-          </a:p>
-        </p:txBody>
-      </p:sp>
-      <p:cxnSp>
-        <p:nvCxnSpPr>
-          <p:cNvPr id="8" name="Straight Connector 7"/>
-          <p:cNvCxnSpPr>
-            <a:stCxn id="7" idx="2"/>
-          </p:cNvCxnSpPr>
-          <p:nvPr/>
-        </p:nvCxnSpPr>
-        <p:spPr>
-          <a:xfrm rot="5400000">
-            <a:off x="6441689" y="1859063"/>
-            <a:ext cx="985254" cy="826871"/>
-          </a:xfrm>
-          <a:prstGeom prst="line">
-            <a:avLst/>
-          </a:prstGeom>
-          <a:ln w="19050">
-            <a:prstDash val="dash"/>
-          </a:ln>
-        </p:spPr>
-        <p:style>
-          <a:lnRef idx="1">
-            <a:schemeClr val="accent1"/>
-          </a:lnRef>
-          <a:fillRef idx="0">
-            <a:schemeClr val="accent1"/>
-          </a:fillRef>
-          <a:effectRef idx="0">
-            <a:schemeClr val="accent1"/>
-          </a:effectRef>
-          <a:fontRef idx="minor">
-            <a:schemeClr val="tx1"/>
-          </a:fontRef>
-        </p:style>
-      </p:cxnSp>
-      <p:sp>
-        <p:nvSpPr>
-          <p:cNvPr id="9" name="Folded Corner 8"/>
-          <p:cNvSpPr/>
-          <p:nvPr/>
-        </p:nvSpPr>
-        <p:spPr>
-          <a:xfrm>
-            <a:off x="4232819" y="2142630"/>
-            <a:ext cx="1386016" cy="477500"/>
-          </a:xfrm>
-          <a:prstGeom prst="foldedCorner">
-            <a:avLst/>
-          </a:prstGeom>
-          <a:ln w="19050"/>
-        </p:spPr>
-        <p:style>
-          <a:lnRef idx="1">
-            <a:schemeClr val="accent4"/>
-          </a:lnRef>
-          <a:fillRef idx="2">
-            <a:schemeClr val="accent4"/>
-          </a:fillRef>
-          <a:effectRef idx="1">
-            <a:schemeClr val="accent4"/>
-          </a:effectRef>
-          <a:fontRef idx="minor">
-            <a:schemeClr val="dk1"/>
-          </a:fontRef>
-        </p:style>
-        <p:txBody>
-          <a:bodyPr wrap="square" rtlCol="0" anchor="ctr">
-            <a:spAutoFit/>
-          </a:bodyPr>
-          <a:lstStyle/>
-          <a:p>
-            <a:pPr defTabSz="872733"/>
-            <a:r>
-              <a:rPr lang="en-US" sz="2000" dirty="0">
-                <a:solidFill>
-                  <a:prstClr val="black"/>
-                </a:solidFill>
-                <a:latin typeface="Calibri"/>
-              </a:rPr>
-              <a:t>Note text</a:t>
-            </a:r>
-          </a:p>
-        </p:txBody>
-      </p:sp>
-      <p:sp>
-        <p:nvSpPr>
-          <p:cNvPr id="10" name="Folded Corner 9"/>
-          <p:cNvSpPr/>
-          <p:nvPr/>
-        </p:nvSpPr>
-        <p:spPr>
-          <a:xfrm>
-            <a:off x="7622689" y="2220889"/>
-            <a:ext cx="1386016" cy="477500"/>
-          </a:xfrm>
-          <a:prstGeom prst="foldedCorner">
-            <a:avLst/>
-          </a:prstGeom>
-          <a:ln w="19050"/>
-        </p:spPr>
-        <p:style>
-          <a:lnRef idx="1">
-            <a:schemeClr val="accent4"/>
-          </a:lnRef>
-          <a:fillRef idx="2">
-            <a:schemeClr val="accent4"/>
-          </a:fillRef>
-          <a:effectRef idx="1">
-            <a:schemeClr val="accent4"/>
-          </a:effectRef>
-          <a:fontRef idx="minor">
-            <a:schemeClr val="dk1"/>
-          </a:fontRef>
-        </p:style>
-        <p:txBody>
-          <a:bodyPr wrap="square" rtlCol="0" anchor="ctr">
-            <a:spAutoFit/>
-          </a:bodyPr>
-          <a:lstStyle/>
-          <a:p>
-            <a:pPr defTabSz="872733"/>
-            <a:r>
-              <a:rPr lang="en-US" sz="2000" dirty="0">
-                <a:solidFill>
-                  <a:prstClr val="black"/>
-                </a:solidFill>
-                <a:latin typeface="Calibri"/>
-              </a:rPr>
-              <a:t>{constraint}</a:t>
-            </a:r>
-          </a:p>
-        </p:txBody>
-      </p:sp>
-      <p:sp>
-        <p:nvSpPr>
-          <p:cNvPr id="11" name="Rectangle 2"/>
-          <p:cNvSpPr txBox="1">
-            <a:spLocks noChangeArrowheads="1"/>
-          </p:cNvSpPr>
-          <p:nvPr/>
-        </p:nvSpPr>
-        <p:spPr>
-          <a:xfrm>
-            <a:off x="1895332" y="3633636"/>
-            <a:ext cx="8229600" cy="792162"/>
-          </a:xfrm>
-          <a:prstGeom prst="rect">
-            <a:avLst/>
-          </a:prstGeom>
-        </p:spPr>
-        <p:txBody>
-          <a:bodyPr vert="horz" lIns="87273" tIns="43637" rIns="87273" bIns="43637" rtlCol="0" anchor="ctr">
-            <a:normAutofit/>
-          </a:bodyPr>
-          <a:lstStyle/>
-          <a:p>
-            <a:pPr defTabSz="872733">
-              <a:spcBef>
-                <a:spcPct val="0"/>
-              </a:spcBef>
-              <a:defRPr/>
-            </a:pPr>
-            <a:r>
-              <a:rPr lang="en-US" sz="2400" dirty="0">
-                <a:solidFill>
-                  <a:srgbClr val="F79646">
-                    <a:lumMod val="75000"/>
-                  </a:srgbClr>
-                </a:solidFill>
-                <a:latin typeface="Calibri"/>
-              </a:rPr>
-              <a:t>[examples]</a:t>
-            </a:r>
-          </a:p>
-        </p:txBody>
-      </p:sp>
-      <p:sp>
-        <p:nvSpPr>
-          <p:cNvPr id="12" name="Folded Corner 11"/>
-          <p:cNvSpPr/>
-          <p:nvPr/>
-        </p:nvSpPr>
-        <p:spPr>
-          <a:xfrm>
-            <a:off x="3118651" y="4545239"/>
-            <a:ext cx="2514600" cy="844808"/>
-          </a:xfrm>
-          <a:prstGeom prst="foldedCorner">
-            <a:avLst/>
-          </a:prstGeom>
-          <a:ln w="19050"/>
-        </p:spPr>
-        <p:style>
-          <a:lnRef idx="1">
-            <a:schemeClr val="accent3"/>
-          </a:lnRef>
-          <a:fillRef idx="2">
-            <a:schemeClr val="accent3"/>
-          </a:fillRef>
-          <a:effectRef idx="1">
-            <a:schemeClr val="accent3"/>
-          </a:effectRef>
-          <a:fontRef idx="minor">
-            <a:schemeClr val="dk1"/>
-          </a:fontRef>
-        </p:style>
-        <p:txBody>
-          <a:bodyPr wrap="square" rtlCol="0" anchor="ctr">
-            <a:spAutoFit/>
-          </a:bodyPr>
-          <a:lstStyle/>
-          <a:p>
-            <a:pPr defTabSz="872733"/>
-            <a:r>
-              <a:rPr lang="en-US" sz="2000" dirty="0">
-                <a:solidFill>
-                  <a:prstClr val="black"/>
-                </a:solidFill>
-                <a:latin typeface="Calibri"/>
-              </a:rPr>
-              <a:t>This association may change later</a:t>
-            </a:r>
-          </a:p>
-        </p:txBody>
-      </p:sp>
-      <p:sp>
-        <p:nvSpPr>
-          <p:cNvPr id="13" name="Folded Corner 12"/>
-          <p:cNvSpPr/>
-          <p:nvPr/>
-        </p:nvSpPr>
-        <p:spPr>
-          <a:xfrm>
-            <a:off x="6929681" y="4589074"/>
-            <a:ext cx="2214319" cy="477500"/>
-          </a:xfrm>
-          <a:prstGeom prst="foldedCorner">
-            <a:avLst/>
-          </a:prstGeom>
-          <a:ln w="19050"/>
-        </p:spPr>
-        <p:style>
-          <a:lnRef idx="1">
-            <a:schemeClr val="accent5"/>
-          </a:lnRef>
-          <a:fillRef idx="2">
-            <a:schemeClr val="accent5"/>
-          </a:fillRef>
-          <a:effectRef idx="1">
-            <a:schemeClr val="accent5"/>
-          </a:effectRef>
-          <a:fontRef idx="minor">
-            <a:schemeClr val="dk1"/>
-          </a:fontRef>
-        </p:style>
-        <p:txBody>
-          <a:bodyPr wrap="square" rtlCol="0" anchor="ctr">
-            <a:spAutoFit/>
-          </a:bodyPr>
-          <a:lstStyle/>
-          <a:p>
-            <a:pPr defTabSz="872733"/>
-            <a:r>
-              <a:rPr lang="en-US" sz="2000" dirty="0">
-                <a:solidFill>
-                  <a:prstClr val="black"/>
-                </a:solidFill>
-                <a:latin typeface="Calibri"/>
-              </a:rPr>
-              <a:t>{total &gt;= 0}</a:t>
-            </a:r>
-          </a:p>
-        </p:txBody>
-      </p:sp>
-      <p:cxnSp>
-        <p:nvCxnSpPr>
-          <p:cNvPr id="14" name="Straight Connector 13"/>
-          <p:cNvCxnSpPr>
-            <a:stCxn id="13" idx="2"/>
-          </p:cNvCxnSpPr>
-          <p:nvPr/>
-        </p:nvCxnSpPr>
-        <p:spPr>
-          <a:xfrm flipH="1">
-            <a:off x="6795820" y="5066575"/>
-            <a:ext cx="1241020" cy="985255"/>
-          </a:xfrm>
-          <a:prstGeom prst="line">
-            <a:avLst/>
-          </a:prstGeom>
-          <a:ln w="19050">
-            <a:prstDash val="dash"/>
-          </a:ln>
-        </p:spPr>
-        <p:style>
-          <a:lnRef idx="1">
-            <a:schemeClr val="accent1"/>
-          </a:lnRef>
-          <a:fillRef idx="0">
-            <a:schemeClr val="accent1"/>
-          </a:fillRef>
-          <a:effectRef idx="0">
-            <a:schemeClr val="accent1"/>
-          </a:effectRef>
-          <a:fontRef idx="minor">
-            <a:schemeClr val="tx1"/>
-          </a:fontRef>
-        </p:style>
-      </p:cxnSp>
-    </p:spTree>
-    <p:extLst>
-      <p:ext uri="{BB962C8B-B14F-4D97-AF65-F5344CB8AC3E}">
-        <p14:creationId xmlns:p14="http://schemas.microsoft.com/office/powerpoint/2010/main" val="3801482090"/>
-      </p:ext>
-    </p:extLst>
-  </p:cSld>
-  <p:clrMapOvr>
-    <a:masterClrMapping/>
-  </p:clrMapOvr>
-</p:sld>
-</file>
-
 <file path=ppt/theme/theme1.xml><?xml version="1.0" encoding="utf-8"?>
 <a:theme xmlns:a="http://schemas.openxmlformats.org/drawingml/2006/main" name="Office Theme">
   <a:themeElements>

--- a/docs/UML Diagrams.pptx
+++ b/docs/UML Diagrams.pptx
@@ -6,19 +6,20 @@
     <p:sldMasterId id="2147483660" r:id="rId2"/>
   </p:sldMasterIdLst>
   <p:notesMasterIdLst>
-    <p:notesMasterId r:id="rId13"/>
+    <p:notesMasterId r:id="rId14"/>
   </p:notesMasterIdLst>
   <p:sldIdLst>
     <p:sldId id="273" r:id="rId3"/>
     <p:sldId id="274" r:id="rId4"/>
     <p:sldId id="272" r:id="rId5"/>
-    <p:sldId id="259" r:id="rId6"/>
-    <p:sldId id="262" r:id="rId7"/>
-    <p:sldId id="260" r:id="rId8"/>
-    <p:sldId id="261" r:id="rId9"/>
-    <p:sldId id="268" r:id="rId10"/>
-    <p:sldId id="269" r:id="rId11"/>
-    <p:sldId id="271" r:id="rId12"/>
+    <p:sldId id="275" r:id="rId6"/>
+    <p:sldId id="259" r:id="rId7"/>
+    <p:sldId id="262" r:id="rId8"/>
+    <p:sldId id="260" r:id="rId9"/>
+    <p:sldId id="261" r:id="rId10"/>
+    <p:sldId id="268" r:id="rId11"/>
+    <p:sldId id="269" r:id="rId12"/>
+    <p:sldId id="271" r:id="rId13"/>
   </p:sldIdLst>
   <p:sldSz cx="12192000" cy="6858000"/>
   <p:notesSz cx="6858000" cy="9144000"/>
@@ -132,6 +133,7 @@
         <p14:section name="list by category&amp;time" id="{B8DE2B35-3991-4D27-AF05-C2200B339A02}">
           <p14:sldIdLst>
             <p14:sldId id="272"/>
+            <p14:sldId id="275"/>
           </p14:sldIdLst>
         </p14:section>
         <p14:section name="Shapes" id="{8B5A42F4-DE71-42EF-A56E-C1A1DE3D4272}">
@@ -236,7 +238,7 @@
           <a:p>
             <a:fld id="{13D56AF7-0D1C-4071-AAD1-023829021DB5}" type="datetimeFigureOut">
               <a:rPr lang="en-SG" smtClean="0"/>
-              <a:t>30/3/2020</a:t>
+              <a:t>10/4/2020</a:t>
             </a:fld>
             <a:endParaRPr lang="en-SG"/>
           </a:p>
@@ -864,152 +866,6 @@
                 <a:tabLst/>
                 <a:defRPr/>
               </a:pPr>
-              <a:t>4</a:t>
-            </a:fld>
-            <a:endParaRPr kumimoji="0" lang="en-US" sz="1300" b="0" i="0" u="none" strike="noStrike" kern="1200" cap="none" spc="0" normalizeH="0" baseline="0" noProof="0">
-              <a:ln>
-                <a:noFill/>
-              </a:ln>
-              <a:solidFill>
-                <a:prstClr val="black"/>
-              </a:solidFill>
-              <a:effectLst/>
-              <a:uLnTx/>
-              <a:uFillTx/>
-              <a:latin typeface="Calibri"/>
-              <a:ea typeface="+mn-ea"/>
-              <a:cs typeface="+mn-cs"/>
-            </a:endParaRPr>
-          </a:p>
-        </p:txBody>
-      </p:sp>
-    </p:spTree>
-    <p:extLst>
-      <p:ext uri="{BB962C8B-B14F-4D97-AF65-F5344CB8AC3E}">
-        <p14:creationId xmlns:p14="http://schemas.microsoft.com/office/powerpoint/2010/main" val="265136881"/>
-      </p:ext>
-    </p:extLst>
-  </p:cSld>
-  <p:clrMapOvr>
-    <a:masterClrMapping/>
-  </p:clrMapOvr>
-</p:notes>
-</file>
-
-<file path=ppt/notesSlides/notesSlide4.xml><?xml version="1.0" encoding="utf-8"?>
-<p:notes xmlns:a="http://schemas.openxmlformats.org/drawingml/2006/main" xmlns:r="http://schemas.openxmlformats.org/officeDocument/2006/relationships" xmlns:p="http://schemas.openxmlformats.org/presentationml/2006/main">
-  <p:cSld>
-    <p:spTree>
-      <p:nvGrpSpPr>
-        <p:cNvPr id="1" name=""/>
-        <p:cNvGrpSpPr/>
-        <p:nvPr/>
-      </p:nvGrpSpPr>
-      <p:grpSpPr>
-        <a:xfrm>
-          <a:off x="0" y="0"/>
-          <a:ext cx="0" cy="0"/>
-          <a:chOff x="0" y="0"/>
-          <a:chExt cx="0" cy="0"/>
-        </a:xfrm>
-      </p:grpSpPr>
-      <p:sp>
-        <p:nvSpPr>
-          <p:cNvPr id="2" name="Slide Image Placeholder 1"/>
-          <p:cNvSpPr>
-            <a:spLocks noGrp="1" noRot="1" noChangeAspect="1"/>
-          </p:cNvSpPr>
-          <p:nvPr>
-            <p:ph type="sldImg"/>
-          </p:nvPr>
-        </p:nvSpPr>
-        <p:spPr/>
-      </p:sp>
-      <p:sp>
-        <p:nvSpPr>
-          <p:cNvPr id="3" name="Notes Placeholder 2"/>
-          <p:cNvSpPr>
-            <a:spLocks noGrp="1"/>
-          </p:cNvSpPr>
-          <p:nvPr>
-            <p:ph type="body" idx="1"/>
-          </p:nvPr>
-        </p:nvSpPr>
-        <p:spPr/>
-        <p:txBody>
-          <a:bodyPr>
-            <a:normAutofit/>
-          </a:bodyPr>
-          <a:lstStyle/>
-          <a:p>
-            <a:endParaRPr lang="en-US"/>
-          </a:p>
-        </p:txBody>
-      </p:sp>
-      <p:sp>
-        <p:nvSpPr>
-          <p:cNvPr id="4" name="Slide Number Placeholder 3"/>
-          <p:cNvSpPr>
-            <a:spLocks noGrp="1"/>
-          </p:cNvSpPr>
-          <p:nvPr>
-            <p:ph type="sldNum" sz="quarter" idx="10"/>
-          </p:nvPr>
-        </p:nvSpPr>
-        <p:spPr/>
-        <p:txBody>
-          <a:bodyPr/>
-          <a:lstStyle/>
-          <a:p>
-            <a:pPr marL="0" marR="0" lvl="0" indent="0" algn="r" defTabSz="914400" rtl="0" eaLnBrk="1" fontAlgn="auto" latinLnBrk="0" hangingPunct="1">
-              <a:lnSpc>
-                <a:spcPct val="100000"/>
-              </a:lnSpc>
-              <a:spcBef>
-                <a:spcPts val="0"/>
-              </a:spcBef>
-              <a:spcAft>
-                <a:spcPts val="0"/>
-              </a:spcAft>
-              <a:buClrTx/>
-              <a:buSzTx/>
-              <a:buFontTx/>
-              <a:buNone/>
-              <a:tabLst/>
-              <a:defRPr/>
-            </a:pPr>
-            <a:fld id="{46542BAB-0D38-4D52-BD5E-5D805000703B}" type="slidenum">
-              <a:rPr kumimoji="0" lang="en-US" sz="1300" b="0" i="0" u="none" strike="noStrike" kern="1200" cap="none" spc="0" normalizeH="0" baseline="0" noProof="0" smtClean="0">
-                <a:ln>
-                  <a:noFill/>
-                </a:ln>
-                <a:solidFill>
-                  <a:prstClr val="black"/>
-                </a:solidFill>
-                <a:effectLst/>
-                <a:uLnTx/>
-                <a:uFillTx/>
-                <a:latin typeface="Calibri"/>
-                <a:ea typeface="+mn-ea"/>
-                <a:cs typeface="+mn-cs"/>
-              </a:rPr>
-              <a:pPr marL="0" marR="0" lvl="0" indent="0" algn="r" defTabSz="914400" rtl="0" eaLnBrk="1" fontAlgn="auto" latinLnBrk="0" hangingPunct="1">
-                <a:lnSpc>
-                  <a:spcPct val="100000"/>
-                </a:lnSpc>
-                <a:spcBef>
-                  <a:spcPts val="0"/>
-                </a:spcBef>
-                <a:spcAft>
-                  <a:spcPts val="0"/>
-                </a:spcAft>
-                <a:buClrTx/>
-                <a:buSzTx/>
-                <a:buFontTx/>
-                <a:buNone/>
-                <a:tabLst/>
-                <a:defRPr/>
-              </a:pPr>
               <a:t>5</a:t>
             </a:fld>
             <a:endParaRPr kumimoji="0" lang="en-US" sz="1300" b="0" i="0" u="none" strike="noStrike" kern="1200" cap="none" spc="0" normalizeH="0" baseline="0" noProof="0">
@@ -1032,7 +888,7 @@
     </p:spTree>
     <p:extLst>
       <p:ext uri="{BB962C8B-B14F-4D97-AF65-F5344CB8AC3E}">
-        <p14:creationId xmlns:p14="http://schemas.microsoft.com/office/powerpoint/2010/main" val="2470170489"/>
+        <p14:creationId xmlns:p14="http://schemas.microsoft.com/office/powerpoint/2010/main" val="265136881"/>
       </p:ext>
     </p:extLst>
   </p:cSld>
@@ -1042,7 +898,7 @@
 </p:notes>
 </file>
 
-<file path=ppt/notesSlides/notesSlide5.xml><?xml version="1.0" encoding="utf-8"?>
+<file path=ppt/notesSlides/notesSlide4.xml><?xml version="1.0" encoding="utf-8"?>
 <p:notes xmlns:a="http://schemas.openxmlformats.org/drawingml/2006/main" xmlns:r="http://schemas.openxmlformats.org/officeDocument/2006/relationships" xmlns:p="http://schemas.openxmlformats.org/presentationml/2006/main">
   <p:cSld>
     <p:spTree>
@@ -1178,7 +1034,7 @@
     </p:spTree>
     <p:extLst>
       <p:ext uri="{BB962C8B-B14F-4D97-AF65-F5344CB8AC3E}">
-        <p14:creationId xmlns:p14="http://schemas.microsoft.com/office/powerpoint/2010/main" val="2013659878"/>
+        <p14:creationId xmlns:p14="http://schemas.microsoft.com/office/powerpoint/2010/main" val="2470170489"/>
       </p:ext>
     </p:extLst>
   </p:cSld>
@@ -1188,7 +1044,7 @@
 </p:notes>
 </file>
 
-<file path=ppt/notesSlides/notesSlide6.xml><?xml version="1.0" encoding="utf-8"?>
+<file path=ppt/notesSlides/notesSlide5.xml><?xml version="1.0" encoding="utf-8"?>
 <p:notes xmlns:a="http://schemas.openxmlformats.org/drawingml/2006/main" xmlns:r="http://schemas.openxmlformats.org/officeDocument/2006/relationships" xmlns:p="http://schemas.openxmlformats.org/presentationml/2006/main">
   <p:cSld>
     <p:spTree>
@@ -1324,7 +1180,7 @@
     </p:spTree>
     <p:extLst>
       <p:ext uri="{BB962C8B-B14F-4D97-AF65-F5344CB8AC3E}">
-        <p14:creationId xmlns:p14="http://schemas.microsoft.com/office/powerpoint/2010/main" val="3364708167"/>
+        <p14:creationId xmlns:p14="http://schemas.microsoft.com/office/powerpoint/2010/main" val="2013659878"/>
       </p:ext>
     </p:extLst>
   </p:cSld>
@@ -1334,7 +1190,7 @@
 </p:notes>
 </file>
 
-<file path=ppt/notesSlides/notesSlide7.xml><?xml version="1.0" encoding="utf-8"?>
+<file path=ppt/notesSlides/notesSlide6.xml><?xml version="1.0" encoding="utf-8"?>
 <p:notes xmlns:a="http://schemas.openxmlformats.org/drawingml/2006/main" xmlns:r="http://schemas.openxmlformats.org/officeDocument/2006/relationships" xmlns:p="http://schemas.openxmlformats.org/presentationml/2006/main">
   <p:cSld>
     <p:spTree>
@@ -1470,7 +1326,7 @@
     </p:spTree>
     <p:extLst>
       <p:ext uri="{BB962C8B-B14F-4D97-AF65-F5344CB8AC3E}">
-        <p14:creationId xmlns:p14="http://schemas.microsoft.com/office/powerpoint/2010/main" val="547756566"/>
+        <p14:creationId xmlns:p14="http://schemas.microsoft.com/office/powerpoint/2010/main" val="3364708167"/>
       </p:ext>
     </p:extLst>
   </p:cSld>
@@ -1480,7 +1336,7 @@
 </p:notes>
 </file>
 
-<file path=ppt/notesSlides/notesSlide8.xml><?xml version="1.0" encoding="utf-8"?>
+<file path=ppt/notesSlides/notesSlide7.xml><?xml version="1.0" encoding="utf-8"?>
 <p:notes xmlns:a="http://schemas.openxmlformats.org/drawingml/2006/main" xmlns:r="http://schemas.openxmlformats.org/officeDocument/2006/relationships" xmlns:p="http://schemas.openxmlformats.org/presentationml/2006/main">
   <p:cSld>
     <p:spTree>
@@ -1616,6 +1472,152 @@
     </p:spTree>
     <p:extLst>
       <p:ext uri="{BB962C8B-B14F-4D97-AF65-F5344CB8AC3E}">
+        <p14:creationId xmlns:p14="http://schemas.microsoft.com/office/powerpoint/2010/main" val="547756566"/>
+      </p:ext>
+    </p:extLst>
+  </p:cSld>
+  <p:clrMapOvr>
+    <a:masterClrMapping/>
+  </p:clrMapOvr>
+</p:notes>
+</file>
+
+<file path=ppt/notesSlides/notesSlide8.xml><?xml version="1.0" encoding="utf-8"?>
+<p:notes xmlns:a="http://schemas.openxmlformats.org/drawingml/2006/main" xmlns:r="http://schemas.openxmlformats.org/officeDocument/2006/relationships" xmlns:p="http://schemas.openxmlformats.org/presentationml/2006/main">
+  <p:cSld>
+    <p:spTree>
+      <p:nvGrpSpPr>
+        <p:cNvPr id="1" name=""/>
+        <p:cNvGrpSpPr/>
+        <p:nvPr/>
+      </p:nvGrpSpPr>
+      <p:grpSpPr>
+        <a:xfrm>
+          <a:off x="0" y="0"/>
+          <a:ext cx="0" cy="0"/>
+          <a:chOff x="0" y="0"/>
+          <a:chExt cx="0" cy="0"/>
+        </a:xfrm>
+      </p:grpSpPr>
+      <p:sp>
+        <p:nvSpPr>
+          <p:cNvPr id="2" name="Slide Image Placeholder 1"/>
+          <p:cNvSpPr>
+            <a:spLocks noGrp="1" noRot="1" noChangeAspect="1"/>
+          </p:cNvSpPr>
+          <p:nvPr>
+            <p:ph type="sldImg"/>
+          </p:nvPr>
+        </p:nvSpPr>
+        <p:spPr/>
+      </p:sp>
+      <p:sp>
+        <p:nvSpPr>
+          <p:cNvPr id="3" name="Notes Placeholder 2"/>
+          <p:cNvSpPr>
+            <a:spLocks noGrp="1"/>
+          </p:cNvSpPr>
+          <p:nvPr>
+            <p:ph type="body" idx="1"/>
+          </p:nvPr>
+        </p:nvSpPr>
+        <p:spPr/>
+        <p:txBody>
+          <a:bodyPr>
+            <a:normAutofit/>
+          </a:bodyPr>
+          <a:lstStyle/>
+          <a:p>
+            <a:endParaRPr lang="en-US"/>
+          </a:p>
+        </p:txBody>
+      </p:sp>
+      <p:sp>
+        <p:nvSpPr>
+          <p:cNvPr id="4" name="Slide Number Placeholder 3"/>
+          <p:cNvSpPr>
+            <a:spLocks noGrp="1"/>
+          </p:cNvSpPr>
+          <p:nvPr>
+            <p:ph type="sldNum" sz="quarter" idx="10"/>
+          </p:nvPr>
+        </p:nvSpPr>
+        <p:spPr/>
+        <p:txBody>
+          <a:bodyPr/>
+          <a:lstStyle/>
+          <a:p>
+            <a:pPr marL="0" marR="0" lvl="0" indent="0" algn="r" defTabSz="914400" rtl="0" eaLnBrk="1" fontAlgn="auto" latinLnBrk="0" hangingPunct="1">
+              <a:lnSpc>
+                <a:spcPct val="100000"/>
+              </a:lnSpc>
+              <a:spcBef>
+                <a:spcPts val="0"/>
+              </a:spcBef>
+              <a:spcAft>
+                <a:spcPts val="0"/>
+              </a:spcAft>
+              <a:buClrTx/>
+              <a:buSzTx/>
+              <a:buFontTx/>
+              <a:buNone/>
+              <a:tabLst/>
+              <a:defRPr/>
+            </a:pPr>
+            <a:fld id="{46542BAB-0D38-4D52-BD5E-5D805000703B}" type="slidenum">
+              <a:rPr kumimoji="0" lang="en-US" sz="1300" b="0" i="0" u="none" strike="noStrike" kern="1200" cap="none" spc="0" normalizeH="0" baseline="0" noProof="0" smtClean="0">
+                <a:ln>
+                  <a:noFill/>
+                </a:ln>
+                <a:solidFill>
+                  <a:prstClr val="black"/>
+                </a:solidFill>
+                <a:effectLst/>
+                <a:uLnTx/>
+                <a:uFillTx/>
+                <a:latin typeface="Calibri"/>
+                <a:ea typeface="+mn-ea"/>
+                <a:cs typeface="+mn-cs"/>
+              </a:rPr>
+              <a:pPr marL="0" marR="0" lvl="0" indent="0" algn="r" defTabSz="914400" rtl="0" eaLnBrk="1" fontAlgn="auto" latinLnBrk="0" hangingPunct="1">
+                <a:lnSpc>
+                  <a:spcPct val="100000"/>
+                </a:lnSpc>
+                <a:spcBef>
+                  <a:spcPts val="0"/>
+                </a:spcBef>
+                <a:spcAft>
+                  <a:spcPts val="0"/>
+                </a:spcAft>
+                <a:buClrTx/>
+                <a:buSzTx/>
+                <a:buFontTx/>
+                <a:buNone/>
+                <a:tabLst/>
+                <a:defRPr/>
+              </a:pPr>
+              <a:t>10</a:t>
+            </a:fld>
+            <a:endParaRPr kumimoji="0" lang="en-US" sz="1300" b="0" i="0" u="none" strike="noStrike" kern="1200" cap="none" spc="0" normalizeH="0" baseline="0" noProof="0">
+              <a:ln>
+                <a:noFill/>
+              </a:ln>
+              <a:solidFill>
+                <a:prstClr val="black"/>
+              </a:solidFill>
+              <a:effectLst/>
+              <a:uLnTx/>
+              <a:uFillTx/>
+              <a:latin typeface="Calibri"/>
+              <a:ea typeface="+mn-ea"/>
+              <a:cs typeface="+mn-cs"/>
+            </a:endParaRPr>
+          </a:p>
+        </p:txBody>
+      </p:sp>
+    </p:spTree>
+    <p:extLst>
+      <p:ext uri="{BB962C8B-B14F-4D97-AF65-F5344CB8AC3E}">
         <p14:creationId xmlns:p14="http://schemas.microsoft.com/office/powerpoint/2010/main" val="3547180629"/>
       </p:ext>
     </p:extLst>
@@ -1775,7 +1777,7 @@
           <a:p>
             <a:fld id="{D38588C5-B5CB-453C-BA05-BCBCA1ECE7B6}" type="datetimeFigureOut">
               <a:rPr lang="en-SG" smtClean="0"/>
-              <a:t>30/3/2020</a:t>
+              <a:t>10/4/2020</a:t>
             </a:fld>
             <a:endParaRPr lang="en-SG"/>
           </a:p>
@@ -1975,7 +1977,7 @@
           <a:p>
             <a:fld id="{D38588C5-B5CB-453C-BA05-BCBCA1ECE7B6}" type="datetimeFigureOut">
               <a:rPr lang="en-SG" smtClean="0"/>
-              <a:t>30/3/2020</a:t>
+              <a:t>10/4/2020</a:t>
             </a:fld>
             <a:endParaRPr lang="en-SG"/>
           </a:p>
@@ -2185,7 +2187,7 @@
           <a:p>
             <a:fld id="{D38588C5-B5CB-453C-BA05-BCBCA1ECE7B6}" type="datetimeFigureOut">
               <a:rPr lang="en-SG" smtClean="0"/>
-              <a:t>30/3/2020</a:t>
+              <a:t>10/4/2020</a:t>
             </a:fld>
             <a:endParaRPr lang="en-SG"/>
           </a:p>
@@ -4418,7 +4420,7 @@
           <a:p>
             <a:fld id="{D38588C5-B5CB-453C-BA05-BCBCA1ECE7B6}" type="datetimeFigureOut">
               <a:rPr lang="en-SG" smtClean="0"/>
-              <a:t>30/3/2020</a:t>
+              <a:t>10/4/2020</a:t>
             </a:fld>
             <a:endParaRPr lang="en-SG"/>
           </a:p>
@@ -5355,7 +5357,7 @@
           <a:p>
             <a:fld id="{D38588C5-B5CB-453C-BA05-BCBCA1ECE7B6}" type="datetimeFigureOut">
               <a:rPr lang="en-SG" smtClean="0"/>
-              <a:t>30/3/2020</a:t>
+              <a:t>10/4/2020</a:t>
             </a:fld>
             <a:endParaRPr lang="en-SG"/>
           </a:p>
@@ -5623,7 +5625,7 @@
           <a:p>
             <a:fld id="{D38588C5-B5CB-453C-BA05-BCBCA1ECE7B6}" type="datetimeFigureOut">
               <a:rPr lang="en-SG" smtClean="0"/>
-              <a:t>30/3/2020</a:t>
+              <a:t>10/4/2020</a:t>
             </a:fld>
             <a:endParaRPr lang="en-SG"/>
           </a:p>
@@ -6038,7 +6040,7 @@
           <a:p>
             <a:fld id="{D38588C5-B5CB-453C-BA05-BCBCA1ECE7B6}" type="datetimeFigureOut">
               <a:rPr lang="en-SG" smtClean="0"/>
-              <a:t>30/3/2020</a:t>
+              <a:t>10/4/2020</a:t>
             </a:fld>
             <a:endParaRPr lang="en-SG"/>
           </a:p>
@@ -6180,7 +6182,7 @@
           <a:p>
             <a:fld id="{D38588C5-B5CB-453C-BA05-BCBCA1ECE7B6}" type="datetimeFigureOut">
               <a:rPr lang="en-SG" smtClean="0"/>
-              <a:t>30/3/2020</a:t>
+              <a:t>10/4/2020</a:t>
             </a:fld>
             <a:endParaRPr lang="en-SG"/>
           </a:p>
@@ -6293,7 +6295,7 @@
           <a:p>
             <a:fld id="{D38588C5-B5CB-453C-BA05-BCBCA1ECE7B6}" type="datetimeFigureOut">
               <a:rPr lang="en-SG" smtClean="0"/>
-              <a:t>30/3/2020</a:t>
+              <a:t>10/4/2020</a:t>
             </a:fld>
             <a:endParaRPr lang="en-SG"/>
           </a:p>
@@ -6606,7 +6608,7 @@
           <a:p>
             <a:fld id="{D38588C5-B5CB-453C-BA05-BCBCA1ECE7B6}" type="datetimeFigureOut">
               <a:rPr lang="en-SG" smtClean="0"/>
-              <a:t>30/3/2020</a:t>
+              <a:t>10/4/2020</a:t>
             </a:fld>
             <a:endParaRPr lang="en-SG"/>
           </a:p>
@@ -6895,7 +6897,7 @@
           <a:p>
             <a:fld id="{D38588C5-B5CB-453C-BA05-BCBCA1ECE7B6}" type="datetimeFigureOut">
               <a:rPr lang="en-SG" smtClean="0"/>
-              <a:t>30/3/2020</a:t>
+              <a:t>10/4/2020</a:t>
             </a:fld>
             <a:endParaRPr lang="en-SG"/>
           </a:p>
@@ -7138,7 +7140,7 @@
           <a:p>
             <a:fld id="{D38588C5-B5CB-453C-BA05-BCBCA1ECE7B6}" type="datetimeFigureOut">
               <a:rPr lang="en-SG" smtClean="0"/>
-              <a:t>30/3/2020</a:t>
+              <a:t>10/4/2020</a:t>
             </a:fld>
             <a:endParaRPr lang="en-SG"/>
           </a:p>
@@ -10115,6 +10117,3174 @@
 </file>
 
 <file path=ppt/slides/slide10.xml><?xml version="1.0" encoding="utf-8"?>
+<p:sld xmlns:a="http://schemas.openxmlformats.org/drawingml/2006/main" xmlns:r="http://schemas.openxmlformats.org/officeDocument/2006/relationships" xmlns:p="http://schemas.openxmlformats.org/presentationml/2006/main">
+  <p:cSld>
+    <p:spTree>
+      <p:nvGrpSpPr>
+        <p:cNvPr id="1" name=""/>
+        <p:cNvGrpSpPr/>
+        <p:nvPr/>
+      </p:nvGrpSpPr>
+      <p:grpSpPr>
+        <a:xfrm>
+          <a:off x="0" y="0"/>
+          <a:ext cx="0" cy="0"/>
+          <a:chOff x="0" y="0"/>
+          <a:chExt cx="0" cy="0"/>
+        </a:xfrm>
+      </p:grpSpPr>
+      <p:sp>
+        <p:nvSpPr>
+          <p:cNvPr id="3075" name="Rectangle 2"/>
+          <p:cNvSpPr>
+            <a:spLocks noGrp="1" noChangeArrowheads="1"/>
+          </p:cNvSpPr>
+          <p:nvPr>
+            <p:ph type="title"/>
+          </p:nvPr>
+        </p:nvSpPr>
+        <p:spPr>
+          <a:xfrm>
+            <a:off x="1981200" y="274638"/>
+            <a:ext cx="8229600" cy="506306"/>
+          </a:xfrm>
+        </p:spPr>
+        <p:txBody>
+          <a:bodyPr>
+            <a:normAutofit/>
+          </a:bodyPr>
+          <a:lstStyle/>
+          <a:p>
+            <a:pPr eaLnBrk="1" hangingPunct="1"/>
+            <a:r>
+              <a:rPr lang="en-US" sz="2400" dirty="0"/>
+              <a:t>Sequence diagrams [example]</a:t>
+            </a:r>
+          </a:p>
+        </p:txBody>
+      </p:sp>
+      <p:sp>
+        <p:nvSpPr>
+          <p:cNvPr id="4" name="Line 13"/>
+          <p:cNvSpPr>
+            <a:spLocks noChangeShapeType="1"/>
+          </p:cNvSpPr>
+          <p:nvPr/>
+        </p:nvSpPr>
+        <p:spPr bwMode="auto">
+          <a:xfrm>
+            <a:off x="2499606" y="1964212"/>
+            <a:ext cx="0" cy="4682206"/>
+          </a:xfrm>
+          <a:prstGeom prst="line">
+            <a:avLst/>
+          </a:prstGeom>
+          <a:ln>
+            <a:solidFill>
+              <a:schemeClr val="accent1"/>
+            </a:solidFill>
+            <a:prstDash val="sysDash"/>
+            <a:headEnd/>
+            <a:tailEnd/>
+          </a:ln>
+        </p:spPr>
+        <p:style>
+          <a:lnRef idx="2">
+            <a:schemeClr val="accent4"/>
+          </a:lnRef>
+          <a:fillRef idx="0">
+            <a:schemeClr val="accent4"/>
+          </a:fillRef>
+          <a:effectRef idx="1">
+            <a:schemeClr val="accent4"/>
+          </a:effectRef>
+          <a:fontRef idx="minor">
+            <a:schemeClr val="tx1"/>
+          </a:fontRef>
+        </p:style>
+        <p:txBody>
+          <a:bodyPr/>
+          <a:lstStyle/>
+          <a:p>
+            <a:pPr defTabSz="872733"/>
+            <a:endParaRPr lang="en-US" sz="2000">
+              <a:solidFill>
+                <a:prstClr val="black"/>
+              </a:solidFill>
+              <a:latin typeface="Calibri"/>
+            </a:endParaRPr>
+          </a:p>
+        </p:txBody>
+      </p:sp>
+      <p:sp>
+        <p:nvSpPr>
+          <p:cNvPr id="5" name="Line 13"/>
+          <p:cNvSpPr>
+            <a:spLocks noChangeShapeType="1"/>
+          </p:cNvSpPr>
+          <p:nvPr/>
+        </p:nvSpPr>
+        <p:spPr bwMode="auto">
+          <a:xfrm>
+            <a:off x="5242806" y="1811812"/>
+            <a:ext cx="0" cy="4818564"/>
+          </a:xfrm>
+          <a:prstGeom prst="line">
+            <a:avLst/>
+          </a:prstGeom>
+          <a:ln>
+            <a:prstDash val="sysDash"/>
+            <a:headEnd/>
+            <a:tailEnd/>
+          </a:ln>
+        </p:spPr>
+        <p:style>
+          <a:lnRef idx="2">
+            <a:schemeClr val="accent4"/>
+          </a:lnRef>
+          <a:fillRef idx="0">
+            <a:schemeClr val="accent4"/>
+          </a:fillRef>
+          <a:effectRef idx="1">
+            <a:schemeClr val="accent4"/>
+          </a:effectRef>
+          <a:fontRef idx="minor">
+            <a:schemeClr val="tx1"/>
+          </a:fontRef>
+        </p:style>
+        <p:txBody>
+          <a:bodyPr/>
+          <a:lstStyle/>
+          <a:p>
+            <a:pPr defTabSz="872733"/>
+            <a:endParaRPr lang="en-US" sz="2000">
+              <a:solidFill>
+                <a:prstClr val="black"/>
+              </a:solidFill>
+              <a:latin typeface="Calibri"/>
+            </a:endParaRPr>
+          </a:p>
+        </p:txBody>
+      </p:sp>
+      <p:sp>
+        <p:nvSpPr>
+          <p:cNvPr id="6" name="Text Box 11"/>
+          <p:cNvSpPr txBox="1">
+            <a:spLocks noChangeArrowheads="1"/>
+          </p:cNvSpPr>
+          <p:nvPr/>
+        </p:nvSpPr>
+        <p:spPr bwMode="auto">
+          <a:xfrm>
+            <a:off x="4557006" y="1079975"/>
+            <a:ext cx="1295400" cy="677108"/>
+          </a:xfrm>
+          <a:prstGeom prst="rect">
+            <a:avLst/>
+          </a:prstGeom>
+          <a:ln w="19050">
+            <a:headEnd/>
+            <a:tailEnd/>
+          </a:ln>
+        </p:spPr>
+        <p:style>
+          <a:lnRef idx="1">
+            <a:schemeClr val="accent4"/>
+          </a:lnRef>
+          <a:fillRef idx="2">
+            <a:schemeClr val="accent4"/>
+          </a:fillRef>
+          <a:effectRef idx="1">
+            <a:schemeClr val="accent4"/>
+          </a:effectRef>
+          <a:fontRef idx="minor">
+            <a:schemeClr val="dk1"/>
+          </a:fontRef>
+        </p:style>
+        <p:txBody>
+          <a:bodyPr tIns="182880" bIns="182880">
+            <a:spAutoFit/>
+          </a:bodyPr>
+          <a:lstStyle/>
+          <a:p>
+            <a:pPr algn="ctr" defTabSz="872733">
+              <a:spcBef>
+                <a:spcPct val="50000"/>
+              </a:spcBef>
+            </a:pPr>
+            <a:r>
+              <a:rPr lang="en-US" sz="2000" dirty="0">
+                <a:solidFill>
+                  <a:prstClr val="black"/>
+                </a:solidFill>
+                <a:latin typeface="Calibri"/>
+              </a:rPr>
+              <a:t>:</a:t>
+            </a:r>
+            <a:r>
+              <a:rPr lang="en-US" sz="2000" dirty="0" err="1">
+                <a:solidFill>
+                  <a:prstClr val="black"/>
+                </a:solidFill>
+                <a:latin typeface="Calibri"/>
+              </a:rPr>
+              <a:t>TextUI</a:t>
+            </a:r>
+            <a:endParaRPr lang="en-US" sz="2000" dirty="0">
+              <a:solidFill>
+                <a:prstClr val="black"/>
+              </a:solidFill>
+              <a:latin typeface="Calibri"/>
+            </a:endParaRPr>
+          </a:p>
+        </p:txBody>
+      </p:sp>
+      <p:sp>
+        <p:nvSpPr>
+          <p:cNvPr id="7" name="Line 15"/>
+          <p:cNvSpPr>
+            <a:spLocks noChangeShapeType="1"/>
+          </p:cNvSpPr>
+          <p:nvPr/>
+        </p:nvSpPr>
+        <p:spPr bwMode="auto">
+          <a:xfrm>
+            <a:off x="2499606" y="2802412"/>
+            <a:ext cx="2590800" cy="0"/>
+          </a:xfrm>
+          <a:prstGeom prst="line">
+            <a:avLst/>
+          </a:prstGeom>
+          <a:noFill/>
+          <a:ln w="19050">
+            <a:solidFill>
+              <a:schemeClr val="accent1"/>
+            </a:solidFill>
+            <a:round/>
+            <a:headEnd/>
+            <a:tailEnd type="triangle" w="lg" len="lg"/>
+          </a:ln>
+        </p:spPr>
+        <p:txBody>
+          <a:bodyPr/>
+          <a:lstStyle/>
+          <a:p>
+            <a:pPr defTabSz="872733"/>
+            <a:endParaRPr lang="en-US" sz="2000">
+              <a:solidFill>
+                <a:prstClr val="black"/>
+              </a:solidFill>
+              <a:latin typeface="Calibri"/>
+            </a:endParaRPr>
+          </a:p>
+        </p:txBody>
+      </p:sp>
+      <p:sp>
+        <p:nvSpPr>
+          <p:cNvPr id="8" name="Line 16"/>
+          <p:cNvSpPr>
+            <a:spLocks noChangeShapeType="1"/>
+          </p:cNvSpPr>
+          <p:nvPr/>
+        </p:nvSpPr>
+        <p:spPr bwMode="auto">
+          <a:xfrm flipH="1">
+            <a:off x="2475854" y="5500112"/>
+            <a:ext cx="2590800" cy="0"/>
+          </a:xfrm>
+          <a:prstGeom prst="line">
+            <a:avLst/>
+          </a:prstGeom>
+          <a:noFill/>
+          <a:ln w="19050">
+            <a:solidFill>
+              <a:srgbClr val="7030A0"/>
+            </a:solidFill>
+            <a:prstDash val="sysDash"/>
+            <a:round/>
+            <a:headEnd/>
+            <a:tailEnd type="triangle" w="lg" len="lg"/>
+          </a:ln>
+        </p:spPr>
+        <p:txBody>
+          <a:bodyPr/>
+          <a:lstStyle/>
+          <a:p>
+            <a:pPr defTabSz="872733"/>
+            <a:endParaRPr lang="en-US" sz="2000">
+              <a:solidFill>
+                <a:prstClr val="black"/>
+              </a:solidFill>
+              <a:latin typeface="Calibri"/>
+            </a:endParaRPr>
+          </a:p>
+        </p:txBody>
+      </p:sp>
+      <p:sp>
+        <p:nvSpPr>
+          <p:cNvPr id="9" name="Text Box 25"/>
+          <p:cNvSpPr txBox="1">
+            <a:spLocks noChangeArrowheads="1"/>
+          </p:cNvSpPr>
+          <p:nvPr/>
+        </p:nvSpPr>
+        <p:spPr bwMode="auto">
+          <a:xfrm>
+            <a:off x="2599039" y="2412994"/>
+            <a:ext cx="2323069" cy="400110"/>
+          </a:xfrm>
+          <a:prstGeom prst="rect">
+            <a:avLst/>
+          </a:prstGeom>
+          <a:noFill/>
+          <a:ln w="12700" algn="ctr">
+            <a:noFill/>
+            <a:miter lim="800000"/>
+            <a:headEnd/>
+            <a:tailEnd/>
+          </a:ln>
+        </p:spPr>
+        <p:txBody>
+          <a:bodyPr wrap="square">
+            <a:spAutoFit/>
+          </a:bodyPr>
+          <a:lstStyle/>
+          <a:p>
+            <a:pPr defTabSz="872733">
+              <a:spcBef>
+                <a:spcPct val="50000"/>
+              </a:spcBef>
+            </a:pPr>
+            <a:r>
+              <a:rPr lang="en-US" sz="2000" b="1" dirty="0">
+                <a:solidFill>
+                  <a:srgbClr val="7030A0"/>
+                </a:solidFill>
+                <a:latin typeface="Courier New" pitchFamily="49" charset="0"/>
+                <a:cs typeface="Courier New" pitchFamily="49" charset="0"/>
+              </a:rPr>
+              <a:t>mark x y</a:t>
+            </a:r>
+          </a:p>
+        </p:txBody>
+      </p:sp>
+      <p:sp>
+        <p:nvSpPr>
+          <p:cNvPr id="10" name="Text Box 25"/>
+          <p:cNvSpPr txBox="1">
+            <a:spLocks noChangeArrowheads="1"/>
+          </p:cNvSpPr>
+          <p:nvPr/>
+        </p:nvSpPr>
+        <p:spPr bwMode="auto">
+          <a:xfrm>
+            <a:off x="2931076" y="5131898"/>
+            <a:ext cx="2135579" cy="707886"/>
+          </a:xfrm>
+          <a:prstGeom prst="rect">
+            <a:avLst/>
+          </a:prstGeom>
+          <a:noFill/>
+          <a:ln w="12700" algn="ctr">
+            <a:noFill/>
+            <a:miter lim="800000"/>
+            <a:headEnd/>
+            <a:tailEnd/>
+          </a:ln>
+        </p:spPr>
+        <p:txBody>
+          <a:bodyPr wrap="square">
+            <a:spAutoFit/>
+          </a:bodyPr>
+          <a:lstStyle/>
+          <a:p>
+            <a:pPr defTabSz="872733">
+              <a:spcBef>
+                <a:spcPct val="50000"/>
+              </a:spcBef>
+            </a:pPr>
+            <a:r>
+              <a:rPr lang="en-US" sz="2000" i="1" dirty="0">
+                <a:solidFill>
+                  <a:srgbClr val="7030A0"/>
+                </a:solidFill>
+                <a:latin typeface="Calibri"/>
+              </a:rPr>
+              <a:t>Show updated  minefield</a:t>
+            </a:r>
+          </a:p>
+        </p:txBody>
+      </p:sp>
+      <p:grpSp>
+        <p:nvGrpSpPr>
+          <p:cNvPr id="2" name="Group 42"/>
+          <p:cNvGrpSpPr/>
+          <p:nvPr/>
+        </p:nvGrpSpPr>
+        <p:grpSpPr>
+          <a:xfrm>
+            <a:off x="2356112" y="1045848"/>
+            <a:ext cx="304800" cy="685800"/>
+            <a:chOff x="2819400" y="3124200"/>
+            <a:chExt cx="304800" cy="685800"/>
+          </a:xfrm>
+        </p:grpSpPr>
+        <p:cxnSp>
+          <p:nvCxnSpPr>
+            <p:cNvPr id="12" name="Straight Connector 11"/>
+            <p:cNvCxnSpPr/>
+            <p:nvPr/>
+          </p:nvCxnSpPr>
+          <p:spPr>
+            <a:xfrm rot="5400000">
+              <a:off x="2781300" y="3467100"/>
+              <a:ext cx="381000" cy="0"/>
+            </a:xfrm>
+            <a:prstGeom prst="line">
+              <a:avLst/>
+            </a:prstGeom>
+            <a:ln w="19050"/>
+          </p:spPr>
+          <p:style>
+            <a:lnRef idx="1">
+              <a:schemeClr val="accent1"/>
+            </a:lnRef>
+            <a:fillRef idx="0">
+              <a:schemeClr val="accent1"/>
+            </a:fillRef>
+            <a:effectRef idx="0">
+              <a:schemeClr val="accent1"/>
+            </a:effectRef>
+            <a:fontRef idx="minor">
+              <a:schemeClr val="tx1"/>
+            </a:fontRef>
+          </p:style>
+        </p:cxnSp>
+        <p:cxnSp>
+          <p:nvCxnSpPr>
+            <p:cNvPr id="13" name="Straight Connector 12"/>
+            <p:cNvCxnSpPr/>
+            <p:nvPr/>
+          </p:nvCxnSpPr>
+          <p:spPr>
+            <a:xfrm>
+              <a:off x="2819400" y="3429000"/>
+              <a:ext cx="304800" cy="0"/>
+            </a:xfrm>
+            <a:prstGeom prst="line">
+              <a:avLst/>
+            </a:prstGeom>
+            <a:ln w="19050"/>
+          </p:spPr>
+          <p:style>
+            <a:lnRef idx="1">
+              <a:schemeClr val="accent1"/>
+            </a:lnRef>
+            <a:fillRef idx="0">
+              <a:schemeClr val="accent1"/>
+            </a:fillRef>
+            <a:effectRef idx="0">
+              <a:schemeClr val="accent1"/>
+            </a:effectRef>
+            <a:fontRef idx="minor">
+              <a:schemeClr val="tx1"/>
+            </a:fontRef>
+          </p:style>
+        </p:cxnSp>
+        <p:cxnSp>
+          <p:nvCxnSpPr>
+            <p:cNvPr id="14" name="Straight Connector 13"/>
+            <p:cNvCxnSpPr/>
+            <p:nvPr/>
+          </p:nvCxnSpPr>
+          <p:spPr>
+            <a:xfrm rot="5400000">
+              <a:off x="2819400" y="3657600"/>
+              <a:ext cx="152400" cy="152400"/>
+            </a:xfrm>
+            <a:prstGeom prst="line">
+              <a:avLst/>
+            </a:prstGeom>
+            <a:ln w="19050"/>
+          </p:spPr>
+          <p:style>
+            <a:lnRef idx="1">
+              <a:schemeClr val="accent1"/>
+            </a:lnRef>
+            <a:fillRef idx="0">
+              <a:schemeClr val="accent1"/>
+            </a:fillRef>
+            <a:effectRef idx="0">
+              <a:schemeClr val="accent1"/>
+            </a:effectRef>
+            <a:fontRef idx="minor">
+              <a:schemeClr val="tx1"/>
+            </a:fontRef>
+          </p:style>
+        </p:cxnSp>
+        <p:cxnSp>
+          <p:nvCxnSpPr>
+            <p:cNvPr id="15" name="Straight Connector 14"/>
+            <p:cNvCxnSpPr/>
+            <p:nvPr/>
+          </p:nvCxnSpPr>
+          <p:spPr>
+            <a:xfrm rot="16200000" flipH="1">
+              <a:off x="2971800" y="3657600"/>
+              <a:ext cx="152400" cy="152400"/>
+            </a:xfrm>
+            <a:prstGeom prst="line">
+              <a:avLst/>
+            </a:prstGeom>
+            <a:ln w="19050"/>
+          </p:spPr>
+          <p:style>
+            <a:lnRef idx="1">
+              <a:schemeClr val="accent1"/>
+            </a:lnRef>
+            <a:fillRef idx="0">
+              <a:schemeClr val="accent1"/>
+            </a:fillRef>
+            <a:effectRef idx="0">
+              <a:schemeClr val="accent1"/>
+            </a:effectRef>
+            <a:fontRef idx="minor">
+              <a:schemeClr val="tx1"/>
+            </a:fontRef>
+          </p:style>
+        </p:cxnSp>
+        <p:sp>
+          <p:nvSpPr>
+            <p:cNvPr id="16" name="Oval 15"/>
+            <p:cNvSpPr/>
+            <p:nvPr/>
+          </p:nvSpPr>
+          <p:spPr>
+            <a:xfrm>
+              <a:off x="2857500" y="3124200"/>
+              <a:ext cx="228600" cy="228600"/>
+            </a:xfrm>
+            <a:prstGeom prst="ellipse">
+              <a:avLst/>
+            </a:prstGeom>
+            <a:ln w="19050"/>
+          </p:spPr>
+          <p:style>
+            <a:lnRef idx="1">
+              <a:schemeClr val="accent5"/>
+            </a:lnRef>
+            <a:fillRef idx="2">
+              <a:schemeClr val="accent5"/>
+            </a:fillRef>
+            <a:effectRef idx="1">
+              <a:schemeClr val="accent5"/>
+            </a:effectRef>
+            <a:fontRef idx="minor">
+              <a:schemeClr val="dk1"/>
+            </a:fontRef>
+          </p:style>
+          <p:txBody>
+            <a:bodyPr rtlCol="0" anchor="ctr"/>
+            <a:lstStyle/>
+            <a:p>
+              <a:pPr algn="ctr" defTabSz="872733"/>
+              <a:endParaRPr lang="en-US" sz="2000">
+                <a:solidFill>
+                  <a:prstClr val="black"/>
+                </a:solidFill>
+                <a:latin typeface="Calibri"/>
+              </a:endParaRPr>
+            </a:p>
+          </p:txBody>
+        </p:sp>
+      </p:grpSp>
+      <p:sp>
+        <p:nvSpPr>
+          <p:cNvPr id="17" name="Rectangle 16"/>
+          <p:cNvSpPr/>
+          <p:nvPr/>
+        </p:nvSpPr>
+        <p:spPr>
+          <a:xfrm>
+            <a:off x="5104263" y="2774231"/>
+            <a:ext cx="225619" cy="2781325"/>
+          </a:xfrm>
+          <a:prstGeom prst="rect">
+            <a:avLst/>
+          </a:prstGeom>
+          <a:solidFill>
+            <a:schemeClr val="accent4">
+              <a:lumMod val="20000"/>
+              <a:lumOff val="80000"/>
+            </a:schemeClr>
+          </a:solidFill>
+        </p:spPr>
+        <p:style>
+          <a:lnRef idx="2">
+            <a:schemeClr val="accent4"/>
+          </a:lnRef>
+          <a:fillRef idx="1">
+            <a:schemeClr val="lt1"/>
+          </a:fillRef>
+          <a:effectRef idx="0">
+            <a:schemeClr val="accent4"/>
+          </a:effectRef>
+          <a:fontRef idx="minor">
+            <a:schemeClr val="dk1"/>
+          </a:fontRef>
+        </p:style>
+        <p:txBody>
+          <a:bodyPr rtlCol="0" anchor="ctr"/>
+          <a:lstStyle/>
+          <a:p>
+            <a:pPr algn="ctr" defTabSz="872733"/>
+            <a:endParaRPr lang="en-US" sz="2000">
+              <a:solidFill>
+                <a:prstClr val="black"/>
+              </a:solidFill>
+              <a:latin typeface="Calibri"/>
+            </a:endParaRPr>
+          </a:p>
+        </p:txBody>
+      </p:sp>
+      <p:sp>
+        <p:nvSpPr>
+          <p:cNvPr id="18" name="Text Box 11"/>
+          <p:cNvSpPr txBox="1">
+            <a:spLocks noChangeArrowheads="1"/>
+          </p:cNvSpPr>
+          <p:nvPr/>
+        </p:nvSpPr>
+        <p:spPr bwMode="auto">
+          <a:xfrm>
+            <a:off x="7469431" y="1079975"/>
+            <a:ext cx="1295400" cy="677108"/>
+          </a:xfrm>
+          <a:prstGeom prst="rect">
+            <a:avLst/>
+          </a:prstGeom>
+          <a:ln w="19050">
+            <a:headEnd/>
+            <a:tailEnd/>
+          </a:ln>
+        </p:spPr>
+        <p:style>
+          <a:lnRef idx="1">
+            <a:schemeClr val="accent3"/>
+          </a:lnRef>
+          <a:fillRef idx="2">
+            <a:schemeClr val="accent3"/>
+          </a:fillRef>
+          <a:effectRef idx="1">
+            <a:schemeClr val="accent3"/>
+          </a:effectRef>
+          <a:fontRef idx="minor">
+            <a:schemeClr val="dk1"/>
+          </a:fontRef>
+        </p:style>
+        <p:txBody>
+          <a:bodyPr tIns="182880" bIns="182880">
+            <a:spAutoFit/>
+          </a:bodyPr>
+          <a:lstStyle/>
+          <a:p>
+            <a:pPr algn="ctr" defTabSz="872733">
+              <a:spcBef>
+                <a:spcPct val="50000"/>
+              </a:spcBef>
+            </a:pPr>
+            <a:r>
+              <a:rPr lang="en-US" sz="2000" dirty="0">
+                <a:solidFill>
+                  <a:prstClr val="black"/>
+                </a:solidFill>
+                <a:latin typeface="Calibri"/>
+              </a:rPr>
+              <a:t>:</a:t>
+            </a:r>
+            <a:r>
+              <a:rPr lang="en-US" sz="2000" dirty="0" err="1">
+                <a:solidFill>
+                  <a:prstClr val="black"/>
+                </a:solidFill>
+                <a:latin typeface="Calibri"/>
+              </a:rPr>
+              <a:t>MSLogic</a:t>
+            </a:r>
+            <a:endParaRPr lang="en-US" sz="2000" dirty="0">
+              <a:solidFill>
+                <a:prstClr val="black"/>
+              </a:solidFill>
+              <a:latin typeface="Calibri"/>
+            </a:endParaRPr>
+          </a:p>
+        </p:txBody>
+      </p:sp>
+      <p:sp>
+        <p:nvSpPr>
+          <p:cNvPr id="19" name="Line 13"/>
+          <p:cNvSpPr>
+            <a:spLocks noChangeShapeType="1"/>
+          </p:cNvSpPr>
+          <p:nvPr/>
+        </p:nvSpPr>
+        <p:spPr bwMode="auto">
+          <a:xfrm>
+            <a:off x="8077200" y="1811812"/>
+            <a:ext cx="0" cy="4176880"/>
+          </a:xfrm>
+          <a:prstGeom prst="line">
+            <a:avLst/>
+          </a:prstGeom>
+          <a:ln>
+            <a:solidFill>
+              <a:schemeClr val="accent3">
+                <a:lumMod val="75000"/>
+              </a:schemeClr>
+            </a:solidFill>
+            <a:prstDash val="sysDash"/>
+            <a:headEnd/>
+            <a:tailEnd/>
+          </a:ln>
+        </p:spPr>
+        <p:style>
+          <a:lnRef idx="2">
+            <a:schemeClr val="accent4"/>
+          </a:lnRef>
+          <a:fillRef idx="0">
+            <a:schemeClr val="accent4"/>
+          </a:fillRef>
+          <a:effectRef idx="1">
+            <a:schemeClr val="accent4"/>
+          </a:effectRef>
+          <a:fontRef idx="minor">
+            <a:schemeClr val="tx1"/>
+          </a:fontRef>
+        </p:style>
+        <p:txBody>
+          <a:bodyPr/>
+          <a:lstStyle/>
+          <a:p>
+            <a:pPr defTabSz="872733"/>
+            <a:endParaRPr lang="en-US" sz="2000">
+              <a:solidFill>
+                <a:prstClr val="black"/>
+              </a:solidFill>
+              <a:latin typeface="Calibri"/>
+            </a:endParaRPr>
+          </a:p>
+        </p:txBody>
+      </p:sp>
+      <p:sp>
+        <p:nvSpPr>
+          <p:cNvPr id="20" name="Line 15"/>
+          <p:cNvSpPr>
+            <a:spLocks noChangeShapeType="1"/>
+          </p:cNvSpPr>
+          <p:nvPr/>
+        </p:nvSpPr>
+        <p:spPr bwMode="auto">
+          <a:xfrm>
+            <a:off x="5371455" y="2966688"/>
+            <a:ext cx="2590800" cy="0"/>
+          </a:xfrm>
+          <a:prstGeom prst="line">
+            <a:avLst/>
+          </a:prstGeom>
+          <a:noFill/>
+          <a:ln w="19050">
+            <a:solidFill>
+              <a:srgbClr val="7030A0"/>
+            </a:solidFill>
+            <a:round/>
+            <a:headEnd/>
+            <a:tailEnd type="triangle" w="lg" len="lg"/>
+          </a:ln>
+        </p:spPr>
+        <p:txBody>
+          <a:bodyPr/>
+          <a:lstStyle/>
+          <a:p>
+            <a:pPr defTabSz="872733"/>
+            <a:endParaRPr lang="en-US" sz="2000">
+              <a:solidFill>
+                <a:prstClr val="black"/>
+              </a:solidFill>
+              <a:latin typeface="Calibri"/>
+            </a:endParaRPr>
+          </a:p>
+        </p:txBody>
+      </p:sp>
+      <p:sp>
+        <p:nvSpPr>
+          <p:cNvPr id="21" name="Text Box 25"/>
+          <p:cNvSpPr txBox="1">
+            <a:spLocks noChangeArrowheads="1"/>
+          </p:cNvSpPr>
+          <p:nvPr/>
+        </p:nvSpPr>
+        <p:spPr bwMode="auto">
+          <a:xfrm>
+            <a:off x="5472396" y="2580186"/>
+            <a:ext cx="2553195" cy="400110"/>
+          </a:xfrm>
+          <a:prstGeom prst="rect">
+            <a:avLst/>
+          </a:prstGeom>
+          <a:noFill/>
+          <a:ln w="12700" algn="ctr">
+            <a:noFill/>
+            <a:miter lim="800000"/>
+            <a:headEnd/>
+            <a:tailEnd/>
+          </a:ln>
+        </p:spPr>
+        <p:txBody>
+          <a:bodyPr wrap="square">
+            <a:spAutoFit/>
+          </a:bodyPr>
+          <a:lstStyle/>
+          <a:p>
+            <a:pPr defTabSz="872733">
+              <a:spcBef>
+                <a:spcPct val="50000"/>
+              </a:spcBef>
+            </a:pPr>
+            <a:r>
+              <a:rPr lang="en-US" sz="2000" i="1" dirty="0" err="1">
+                <a:solidFill>
+                  <a:srgbClr val="9BBB59">
+                    <a:lumMod val="75000"/>
+                  </a:srgbClr>
+                </a:solidFill>
+                <a:latin typeface="Calibri"/>
+              </a:rPr>
+              <a:t>markCellAt</a:t>
+            </a:r>
+            <a:r>
+              <a:rPr lang="en-US" sz="2000" i="1" dirty="0">
+                <a:solidFill>
+                  <a:srgbClr val="9BBB59">
+                    <a:lumMod val="75000"/>
+                  </a:srgbClr>
+                </a:solidFill>
+                <a:latin typeface="Calibri"/>
+              </a:rPr>
+              <a:t>(</a:t>
+            </a:r>
+            <a:r>
+              <a:rPr lang="en-US" sz="2000" i="1" dirty="0" err="1">
+                <a:solidFill>
+                  <a:srgbClr val="9BBB59">
+                    <a:lumMod val="75000"/>
+                  </a:srgbClr>
+                </a:solidFill>
+                <a:latin typeface="Calibri"/>
+              </a:rPr>
+              <a:t>x,y</a:t>
+            </a:r>
+            <a:r>
+              <a:rPr lang="en-US" sz="2000" i="1" dirty="0">
+                <a:solidFill>
+                  <a:srgbClr val="9BBB59">
+                    <a:lumMod val="75000"/>
+                  </a:srgbClr>
+                </a:solidFill>
+                <a:latin typeface="Calibri"/>
+              </a:rPr>
+              <a:t>)</a:t>
+            </a:r>
+          </a:p>
+        </p:txBody>
+      </p:sp>
+      <p:sp>
+        <p:nvSpPr>
+          <p:cNvPr id="22" name="Rectangle 21"/>
+          <p:cNvSpPr/>
+          <p:nvPr/>
+        </p:nvSpPr>
+        <p:spPr>
+          <a:xfrm>
+            <a:off x="7976111" y="2962256"/>
+            <a:ext cx="251361" cy="393865"/>
+          </a:xfrm>
+          <a:prstGeom prst="rect">
+            <a:avLst/>
+          </a:prstGeom>
+          <a:solidFill>
+            <a:schemeClr val="accent3">
+              <a:lumMod val="20000"/>
+              <a:lumOff val="80000"/>
+            </a:schemeClr>
+          </a:solidFill>
+          <a:ln>
+            <a:solidFill>
+              <a:schemeClr val="accent3">
+                <a:lumMod val="75000"/>
+              </a:schemeClr>
+            </a:solidFill>
+          </a:ln>
+        </p:spPr>
+        <p:style>
+          <a:lnRef idx="2">
+            <a:schemeClr val="accent4"/>
+          </a:lnRef>
+          <a:fillRef idx="1">
+            <a:schemeClr val="lt1"/>
+          </a:fillRef>
+          <a:effectRef idx="0">
+            <a:schemeClr val="accent4"/>
+          </a:effectRef>
+          <a:fontRef idx="minor">
+            <a:schemeClr val="dk1"/>
+          </a:fontRef>
+        </p:style>
+        <p:txBody>
+          <a:bodyPr rtlCol="0" anchor="ctr"/>
+          <a:lstStyle/>
+          <a:p>
+            <a:pPr algn="ctr" defTabSz="872733"/>
+            <a:endParaRPr lang="en-US" sz="2000">
+              <a:solidFill>
+                <a:prstClr val="black"/>
+              </a:solidFill>
+              <a:latin typeface="Calibri"/>
+            </a:endParaRPr>
+          </a:p>
+        </p:txBody>
+      </p:sp>
+      <p:sp>
+        <p:nvSpPr>
+          <p:cNvPr id="23" name="Line 16"/>
+          <p:cNvSpPr>
+            <a:spLocks noChangeShapeType="1"/>
+          </p:cNvSpPr>
+          <p:nvPr/>
+        </p:nvSpPr>
+        <p:spPr bwMode="auto">
+          <a:xfrm flipH="1">
+            <a:off x="5359580" y="3367442"/>
+            <a:ext cx="2590800" cy="0"/>
+          </a:xfrm>
+          <a:prstGeom prst="line">
+            <a:avLst/>
+          </a:prstGeom>
+          <a:noFill/>
+          <a:ln w="19050">
+            <a:solidFill>
+              <a:schemeClr val="accent3">
+                <a:lumMod val="75000"/>
+              </a:schemeClr>
+            </a:solidFill>
+            <a:prstDash val="sysDash"/>
+            <a:round/>
+            <a:headEnd/>
+            <a:tailEnd type="triangle" w="lg" len="lg"/>
+          </a:ln>
+        </p:spPr>
+        <p:txBody>
+          <a:bodyPr/>
+          <a:lstStyle/>
+          <a:p>
+            <a:pPr defTabSz="872733"/>
+            <a:endParaRPr lang="en-US" sz="2000">
+              <a:solidFill>
+                <a:prstClr val="black"/>
+              </a:solidFill>
+              <a:latin typeface="Calibri"/>
+            </a:endParaRPr>
+          </a:p>
+        </p:txBody>
+      </p:sp>
+      <p:sp>
+        <p:nvSpPr>
+          <p:cNvPr id="24" name="Line 15"/>
+          <p:cNvSpPr>
+            <a:spLocks noChangeShapeType="1"/>
+          </p:cNvSpPr>
+          <p:nvPr/>
+        </p:nvSpPr>
+        <p:spPr bwMode="auto">
+          <a:xfrm>
+            <a:off x="5357600" y="4917261"/>
+            <a:ext cx="2590800" cy="0"/>
+          </a:xfrm>
+          <a:prstGeom prst="line">
+            <a:avLst/>
+          </a:prstGeom>
+          <a:noFill/>
+          <a:ln w="19050">
+            <a:solidFill>
+              <a:srgbClr val="7030A0"/>
+            </a:solidFill>
+            <a:round/>
+            <a:headEnd/>
+            <a:tailEnd type="triangle" w="lg" len="lg"/>
+          </a:ln>
+        </p:spPr>
+        <p:txBody>
+          <a:bodyPr/>
+          <a:lstStyle/>
+          <a:p>
+            <a:pPr defTabSz="872733"/>
+            <a:endParaRPr lang="en-US" sz="2000">
+              <a:solidFill>
+                <a:prstClr val="black"/>
+              </a:solidFill>
+              <a:latin typeface="Calibri"/>
+            </a:endParaRPr>
+          </a:p>
+        </p:txBody>
+      </p:sp>
+      <p:sp>
+        <p:nvSpPr>
+          <p:cNvPr id="25" name="Text Box 25"/>
+          <p:cNvSpPr txBox="1">
+            <a:spLocks noChangeArrowheads="1"/>
+          </p:cNvSpPr>
+          <p:nvPr/>
+        </p:nvSpPr>
+        <p:spPr bwMode="auto">
+          <a:xfrm>
+            <a:off x="5584395" y="4503513"/>
+            <a:ext cx="2249009" cy="400110"/>
+          </a:xfrm>
+          <a:prstGeom prst="rect">
+            <a:avLst/>
+          </a:prstGeom>
+          <a:noFill/>
+          <a:ln w="12700" algn="ctr">
+            <a:noFill/>
+            <a:miter lim="800000"/>
+            <a:headEnd/>
+            <a:tailEnd/>
+          </a:ln>
+        </p:spPr>
+        <p:txBody>
+          <a:bodyPr wrap="square">
+            <a:spAutoFit/>
+          </a:bodyPr>
+          <a:lstStyle/>
+          <a:p>
+            <a:pPr defTabSz="872733">
+              <a:spcBef>
+                <a:spcPct val="50000"/>
+              </a:spcBef>
+            </a:pPr>
+            <a:r>
+              <a:rPr lang="en-US" sz="2000" i="1" dirty="0" err="1">
+                <a:solidFill>
+                  <a:srgbClr val="9BBB59">
+                    <a:lumMod val="75000"/>
+                  </a:srgbClr>
+                </a:solidFill>
+                <a:latin typeface="Calibri"/>
+              </a:rPr>
+              <a:t>getGameState</a:t>
+            </a:r>
+            <a:r>
+              <a:rPr lang="en-US" sz="2000" i="1" dirty="0">
+                <a:solidFill>
+                  <a:srgbClr val="9BBB59">
+                    <a:lumMod val="75000"/>
+                  </a:srgbClr>
+                </a:solidFill>
+                <a:latin typeface="Calibri"/>
+              </a:rPr>
+              <a:t>()</a:t>
+            </a:r>
+          </a:p>
+        </p:txBody>
+      </p:sp>
+      <p:sp>
+        <p:nvSpPr>
+          <p:cNvPr id="26" name="Rectangle 25"/>
+          <p:cNvSpPr/>
+          <p:nvPr/>
+        </p:nvSpPr>
+        <p:spPr>
+          <a:xfrm>
+            <a:off x="7962256" y="4912829"/>
+            <a:ext cx="251361" cy="393865"/>
+          </a:xfrm>
+          <a:prstGeom prst="rect">
+            <a:avLst/>
+          </a:prstGeom>
+          <a:solidFill>
+            <a:schemeClr val="accent3">
+              <a:lumMod val="20000"/>
+              <a:lumOff val="80000"/>
+            </a:schemeClr>
+          </a:solidFill>
+          <a:ln>
+            <a:solidFill>
+              <a:schemeClr val="accent3">
+                <a:lumMod val="75000"/>
+              </a:schemeClr>
+            </a:solidFill>
+          </a:ln>
+        </p:spPr>
+        <p:style>
+          <a:lnRef idx="2">
+            <a:schemeClr val="accent4"/>
+          </a:lnRef>
+          <a:fillRef idx="1">
+            <a:schemeClr val="lt1"/>
+          </a:fillRef>
+          <a:effectRef idx="0">
+            <a:schemeClr val="accent4"/>
+          </a:effectRef>
+          <a:fontRef idx="minor">
+            <a:schemeClr val="dk1"/>
+          </a:fontRef>
+        </p:style>
+        <p:txBody>
+          <a:bodyPr rtlCol="0" anchor="ctr"/>
+          <a:lstStyle/>
+          <a:p>
+            <a:pPr algn="ctr" defTabSz="872733"/>
+            <a:endParaRPr lang="en-US" sz="2000">
+              <a:solidFill>
+                <a:prstClr val="black"/>
+              </a:solidFill>
+              <a:latin typeface="Calibri"/>
+            </a:endParaRPr>
+          </a:p>
+        </p:txBody>
+      </p:sp>
+      <p:sp>
+        <p:nvSpPr>
+          <p:cNvPr id="27" name="Line 16"/>
+          <p:cNvSpPr>
+            <a:spLocks noChangeShapeType="1"/>
+          </p:cNvSpPr>
+          <p:nvPr/>
+        </p:nvSpPr>
+        <p:spPr bwMode="auto">
+          <a:xfrm flipH="1">
+            <a:off x="5345725" y="5318015"/>
+            <a:ext cx="2590800" cy="0"/>
+          </a:xfrm>
+          <a:prstGeom prst="line">
+            <a:avLst/>
+          </a:prstGeom>
+          <a:noFill/>
+          <a:ln w="19050">
+            <a:solidFill>
+              <a:schemeClr val="accent3">
+                <a:lumMod val="75000"/>
+              </a:schemeClr>
+            </a:solidFill>
+            <a:prstDash val="sysDash"/>
+            <a:round/>
+            <a:headEnd/>
+            <a:tailEnd type="triangle" w="lg" len="lg"/>
+          </a:ln>
+        </p:spPr>
+        <p:txBody>
+          <a:bodyPr/>
+          <a:lstStyle/>
+          <a:p>
+            <a:pPr defTabSz="872733"/>
+            <a:endParaRPr lang="en-US" sz="2000">
+              <a:solidFill>
+                <a:prstClr val="black"/>
+              </a:solidFill>
+              <a:latin typeface="Calibri"/>
+            </a:endParaRPr>
+          </a:p>
+        </p:txBody>
+      </p:sp>
+      <p:sp>
+        <p:nvSpPr>
+          <p:cNvPr id="29" name="Text Box 25"/>
+          <p:cNvSpPr txBox="1">
+            <a:spLocks noChangeArrowheads="1"/>
+          </p:cNvSpPr>
+          <p:nvPr/>
+        </p:nvSpPr>
+        <p:spPr bwMode="auto">
+          <a:xfrm>
+            <a:off x="5864282" y="5345293"/>
+            <a:ext cx="1710047" cy="400110"/>
+          </a:xfrm>
+          <a:prstGeom prst="rect">
+            <a:avLst/>
+          </a:prstGeom>
+          <a:noFill/>
+          <a:ln w="12700" algn="ctr">
+            <a:noFill/>
+            <a:miter lim="800000"/>
+            <a:headEnd/>
+            <a:tailEnd/>
+          </a:ln>
+        </p:spPr>
+        <p:txBody>
+          <a:bodyPr wrap="square">
+            <a:spAutoFit/>
+          </a:bodyPr>
+          <a:lstStyle/>
+          <a:p>
+            <a:pPr defTabSz="872733">
+              <a:spcBef>
+                <a:spcPct val="50000"/>
+              </a:spcBef>
+            </a:pPr>
+            <a:r>
+              <a:rPr lang="en-US" sz="2000" i="1" dirty="0" err="1">
+                <a:solidFill>
+                  <a:srgbClr val="9BBB59">
+                    <a:lumMod val="75000"/>
+                  </a:srgbClr>
+                </a:solidFill>
+                <a:latin typeface="Calibri"/>
+              </a:rPr>
+              <a:t>gameState</a:t>
+            </a:r>
+            <a:endParaRPr lang="en-US" sz="2000" i="1" dirty="0">
+              <a:solidFill>
+                <a:srgbClr val="9BBB59">
+                  <a:lumMod val="75000"/>
+                </a:srgbClr>
+              </a:solidFill>
+              <a:latin typeface="Calibri"/>
+            </a:endParaRPr>
+          </a:p>
+        </p:txBody>
+      </p:sp>
+      <p:sp>
+        <p:nvSpPr>
+          <p:cNvPr id="35" name="Rectangle 34"/>
+          <p:cNvSpPr>
+            <a:spLocks noChangeArrowheads="1"/>
+          </p:cNvSpPr>
+          <p:nvPr/>
+        </p:nvSpPr>
+        <p:spPr bwMode="auto">
+          <a:xfrm>
+            <a:off x="2218557" y="2038433"/>
+            <a:ext cx="8144643" cy="3837964"/>
+          </a:xfrm>
+          <a:prstGeom prst="rect">
+            <a:avLst/>
+          </a:prstGeom>
+          <a:noFill/>
+          <a:ln w="19050" algn="ctr">
+            <a:solidFill>
+              <a:srgbClr val="00B050"/>
+            </a:solidFill>
+            <a:miter lim="800000"/>
+            <a:headEnd/>
+            <a:tailEnd/>
+          </a:ln>
+        </p:spPr>
+        <p:txBody>
+          <a:bodyPr wrap="none" anchor="ctr"/>
+          <a:lstStyle>
+            <a:defPPr>
+              <a:defRPr lang="en-SG"/>
+            </a:defPPr>
+            <a:lvl1pPr algn="l" rtl="0" fontAlgn="base">
+              <a:spcBef>
+                <a:spcPct val="0"/>
+              </a:spcBef>
+              <a:spcAft>
+                <a:spcPct val="0"/>
+              </a:spcAft>
+              <a:defRPr kern="1200">
+                <a:solidFill>
+                  <a:schemeClr val="tx1"/>
+                </a:solidFill>
+                <a:latin typeface="Arial" charset="0"/>
+                <a:ea typeface="+mn-ea"/>
+                <a:cs typeface="Arial" charset="0"/>
+              </a:defRPr>
+            </a:lvl1pPr>
+            <a:lvl2pPr marL="457200" algn="l" rtl="0" fontAlgn="base">
+              <a:spcBef>
+                <a:spcPct val="0"/>
+              </a:spcBef>
+              <a:spcAft>
+                <a:spcPct val="0"/>
+              </a:spcAft>
+              <a:defRPr kern="1200">
+                <a:solidFill>
+                  <a:schemeClr val="tx1"/>
+                </a:solidFill>
+                <a:latin typeface="Arial" charset="0"/>
+                <a:ea typeface="+mn-ea"/>
+                <a:cs typeface="Arial" charset="0"/>
+              </a:defRPr>
+            </a:lvl2pPr>
+            <a:lvl3pPr marL="914400" algn="l" rtl="0" fontAlgn="base">
+              <a:spcBef>
+                <a:spcPct val="0"/>
+              </a:spcBef>
+              <a:spcAft>
+                <a:spcPct val="0"/>
+              </a:spcAft>
+              <a:defRPr kern="1200">
+                <a:solidFill>
+                  <a:schemeClr val="tx1"/>
+                </a:solidFill>
+                <a:latin typeface="Arial" charset="0"/>
+                <a:ea typeface="+mn-ea"/>
+                <a:cs typeface="Arial" charset="0"/>
+              </a:defRPr>
+            </a:lvl3pPr>
+            <a:lvl4pPr marL="1371600" algn="l" rtl="0" fontAlgn="base">
+              <a:spcBef>
+                <a:spcPct val="0"/>
+              </a:spcBef>
+              <a:spcAft>
+                <a:spcPct val="0"/>
+              </a:spcAft>
+              <a:defRPr kern="1200">
+                <a:solidFill>
+                  <a:schemeClr val="tx1"/>
+                </a:solidFill>
+                <a:latin typeface="Arial" charset="0"/>
+                <a:ea typeface="+mn-ea"/>
+                <a:cs typeface="Arial" charset="0"/>
+              </a:defRPr>
+            </a:lvl4pPr>
+            <a:lvl5pPr marL="1828800" algn="l" rtl="0" fontAlgn="base">
+              <a:spcBef>
+                <a:spcPct val="0"/>
+              </a:spcBef>
+              <a:spcAft>
+                <a:spcPct val="0"/>
+              </a:spcAft>
+              <a:defRPr kern="1200">
+                <a:solidFill>
+                  <a:schemeClr val="tx1"/>
+                </a:solidFill>
+                <a:latin typeface="Arial" charset="0"/>
+                <a:ea typeface="+mn-ea"/>
+                <a:cs typeface="Arial" charset="0"/>
+              </a:defRPr>
+            </a:lvl5pPr>
+            <a:lvl6pPr marL="2286000" algn="l" defTabSz="914400" rtl="0" eaLnBrk="1" latinLnBrk="0" hangingPunct="1">
+              <a:defRPr kern="1200">
+                <a:solidFill>
+                  <a:schemeClr val="tx1"/>
+                </a:solidFill>
+                <a:latin typeface="Arial" charset="0"/>
+                <a:ea typeface="+mn-ea"/>
+                <a:cs typeface="Arial" charset="0"/>
+              </a:defRPr>
+            </a:lvl6pPr>
+            <a:lvl7pPr marL="2743200" algn="l" defTabSz="914400" rtl="0" eaLnBrk="1" latinLnBrk="0" hangingPunct="1">
+              <a:defRPr kern="1200">
+                <a:solidFill>
+                  <a:schemeClr val="tx1"/>
+                </a:solidFill>
+                <a:latin typeface="Arial" charset="0"/>
+                <a:ea typeface="+mn-ea"/>
+                <a:cs typeface="Arial" charset="0"/>
+              </a:defRPr>
+            </a:lvl7pPr>
+            <a:lvl8pPr marL="3200400" algn="l" defTabSz="914400" rtl="0" eaLnBrk="1" latinLnBrk="0" hangingPunct="1">
+              <a:defRPr kern="1200">
+                <a:solidFill>
+                  <a:schemeClr val="tx1"/>
+                </a:solidFill>
+                <a:latin typeface="Arial" charset="0"/>
+                <a:ea typeface="+mn-ea"/>
+                <a:cs typeface="Arial" charset="0"/>
+              </a:defRPr>
+            </a:lvl8pPr>
+            <a:lvl9pPr marL="3657600" algn="l" defTabSz="914400" rtl="0" eaLnBrk="1" latinLnBrk="0" hangingPunct="1">
+              <a:defRPr kern="1200">
+                <a:solidFill>
+                  <a:schemeClr val="tx1"/>
+                </a:solidFill>
+                <a:latin typeface="Arial" charset="0"/>
+                <a:ea typeface="+mn-ea"/>
+                <a:cs typeface="Arial" charset="0"/>
+              </a:defRPr>
+            </a:lvl9pPr>
+          </a:lstStyle>
+          <a:p>
+            <a:pPr defTabSz="872733"/>
+            <a:r>
+              <a:rPr lang="en-US" sz="2000">
+                <a:solidFill>
+                  <a:prstClr val="black"/>
+                </a:solidFill>
+                <a:latin typeface="Calibri" pitchFamily="34" charset="0"/>
+              </a:rPr>
+              <a:t>					</a:t>
+            </a:r>
+          </a:p>
+        </p:txBody>
+      </p:sp>
+      <p:sp>
+        <p:nvSpPr>
+          <p:cNvPr id="36" name="Snip Single Corner Rectangle 35"/>
+          <p:cNvSpPr/>
+          <p:nvPr/>
+        </p:nvSpPr>
+        <p:spPr>
+          <a:xfrm flipV="1">
+            <a:off x="2218558" y="2037956"/>
+            <a:ext cx="673143" cy="403761"/>
+          </a:xfrm>
+          <a:prstGeom prst="snip1Rect">
+            <a:avLst/>
+          </a:prstGeom>
+          <a:solidFill>
+            <a:schemeClr val="bg1"/>
+          </a:solidFill>
+          <a:ln>
+            <a:solidFill>
+              <a:srgbClr val="00B050"/>
+            </a:solidFill>
+          </a:ln>
+        </p:spPr>
+        <p:style>
+          <a:lnRef idx="2">
+            <a:schemeClr val="accent1">
+              <a:shade val="50000"/>
+            </a:schemeClr>
+          </a:lnRef>
+          <a:fillRef idx="1">
+            <a:schemeClr val="accent1"/>
+          </a:fillRef>
+          <a:effectRef idx="0">
+            <a:schemeClr val="accent1"/>
+          </a:effectRef>
+          <a:fontRef idx="minor">
+            <a:schemeClr val="lt1"/>
+          </a:fontRef>
+        </p:style>
+        <p:txBody>
+          <a:bodyPr rtlCol="0" anchor="ctr"/>
+          <a:lstStyle/>
+          <a:p>
+            <a:pPr algn="ctr" defTabSz="872733"/>
+            <a:endParaRPr lang="en-US" sz="2000">
+              <a:solidFill>
+                <a:prstClr val="white"/>
+              </a:solidFill>
+              <a:latin typeface="Calibri"/>
+            </a:endParaRPr>
+          </a:p>
+        </p:txBody>
+      </p:sp>
+      <p:sp>
+        <p:nvSpPr>
+          <p:cNvPr id="37" name="Rectangle 36"/>
+          <p:cNvSpPr/>
+          <p:nvPr/>
+        </p:nvSpPr>
+        <p:spPr bwMode="auto">
+          <a:xfrm>
+            <a:off x="2182931" y="2038433"/>
+            <a:ext cx="3016332" cy="381000"/>
+          </a:xfrm>
+          <a:prstGeom prst="rect">
+            <a:avLst/>
+          </a:prstGeom>
+          <a:noFill/>
+          <a:ln>
+            <a:noFill/>
+          </a:ln>
+        </p:spPr>
+        <p:style>
+          <a:lnRef idx="2">
+            <a:schemeClr val="accent1">
+              <a:shade val="50000"/>
+            </a:schemeClr>
+          </a:lnRef>
+          <a:fillRef idx="1">
+            <a:schemeClr val="accent1"/>
+          </a:fillRef>
+          <a:effectRef idx="0">
+            <a:schemeClr val="accent1"/>
+          </a:effectRef>
+          <a:fontRef idx="minor">
+            <a:schemeClr val="lt1"/>
+          </a:fontRef>
+        </p:style>
+        <p:txBody>
+          <a:bodyPr anchor="ctr"/>
+          <a:lstStyle>
+            <a:defPPr>
+              <a:defRPr lang="en-SG"/>
+            </a:defPPr>
+            <a:lvl1pPr algn="l" rtl="0" fontAlgn="base">
+              <a:spcBef>
+                <a:spcPct val="0"/>
+              </a:spcBef>
+              <a:spcAft>
+                <a:spcPct val="0"/>
+              </a:spcAft>
+              <a:defRPr kern="1200">
+                <a:solidFill>
+                  <a:schemeClr val="lt1"/>
+                </a:solidFill>
+                <a:latin typeface="+mn-lt"/>
+                <a:ea typeface="+mn-ea"/>
+                <a:cs typeface="+mn-cs"/>
+              </a:defRPr>
+            </a:lvl1pPr>
+            <a:lvl2pPr marL="457200" algn="l" rtl="0" fontAlgn="base">
+              <a:spcBef>
+                <a:spcPct val="0"/>
+              </a:spcBef>
+              <a:spcAft>
+                <a:spcPct val="0"/>
+              </a:spcAft>
+              <a:defRPr kern="1200">
+                <a:solidFill>
+                  <a:schemeClr val="lt1"/>
+                </a:solidFill>
+                <a:latin typeface="+mn-lt"/>
+                <a:ea typeface="+mn-ea"/>
+                <a:cs typeface="+mn-cs"/>
+              </a:defRPr>
+            </a:lvl2pPr>
+            <a:lvl3pPr marL="914400" algn="l" rtl="0" fontAlgn="base">
+              <a:spcBef>
+                <a:spcPct val="0"/>
+              </a:spcBef>
+              <a:spcAft>
+                <a:spcPct val="0"/>
+              </a:spcAft>
+              <a:defRPr kern="1200">
+                <a:solidFill>
+                  <a:schemeClr val="lt1"/>
+                </a:solidFill>
+                <a:latin typeface="+mn-lt"/>
+                <a:ea typeface="+mn-ea"/>
+                <a:cs typeface="+mn-cs"/>
+              </a:defRPr>
+            </a:lvl3pPr>
+            <a:lvl4pPr marL="1371600" algn="l" rtl="0" fontAlgn="base">
+              <a:spcBef>
+                <a:spcPct val="0"/>
+              </a:spcBef>
+              <a:spcAft>
+                <a:spcPct val="0"/>
+              </a:spcAft>
+              <a:defRPr kern="1200">
+                <a:solidFill>
+                  <a:schemeClr val="lt1"/>
+                </a:solidFill>
+                <a:latin typeface="+mn-lt"/>
+                <a:ea typeface="+mn-ea"/>
+                <a:cs typeface="+mn-cs"/>
+              </a:defRPr>
+            </a:lvl4pPr>
+            <a:lvl5pPr marL="1828800" algn="l" rtl="0" fontAlgn="base">
+              <a:spcBef>
+                <a:spcPct val="0"/>
+              </a:spcBef>
+              <a:spcAft>
+                <a:spcPct val="0"/>
+              </a:spcAft>
+              <a:defRPr kern="1200">
+                <a:solidFill>
+                  <a:schemeClr val="lt1"/>
+                </a:solidFill>
+                <a:latin typeface="+mn-lt"/>
+                <a:ea typeface="+mn-ea"/>
+                <a:cs typeface="+mn-cs"/>
+              </a:defRPr>
+            </a:lvl5pPr>
+            <a:lvl6pPr marL="2286000" algn="l" defTabSz="914400" rtl="0" eaLnBrk="1" latinLnBrk="0" hangingPunct="1">
+              <a:defRPr kern="1200">
+                <a:solidFill>
+                  <a:schemeClr val="lt1"/>
+                </a:solidFill>
+                <a:latin typeface="+mn-lt"/>
+                <a:ea typeface="+mn-ea"/>
+                <a:cs typeface="+mn-cs"/>
+              </a:defRPr>
+            </a:lvl6pPr>
+            <a:lvl7pPr marL="2743200" algn="l" defTabSz="914400" rtl="0" eaLnBrk="1" latinLnBrk="0" hangingPunct="1">
+              <a:defRPr kern="1200">
+                <a:solidFill>
+                  <a:schemeClr val="lt1"/>
+                </a:solidFill>
+                <a:latin typeface="+mn-lt"/>
+                <a:ea typeface="+mn-ea"/>
+                <a:cs typeface="+mn-cs"/>
+              </a:defRPr>
+            </a:lvl7pPr>
+            <a:lvl8pPr marL="3200400" algn="l" defTabSz="914400" rtl="0" eaLnBrk="1" latinLnBrk="0" hangingPunct="1">
+              <a:defRPr kern="1200">
+                <a:solidFill>
+                  <a:schemeClr val="lt1"/>
+                </a:solidFill>
+                <a:latin typeface="+mn-lt"/>
+                <a:ea typeface="+mn-ea"/>
+                <a:cs typeface="+mn-cs"/>
+              </a:defRPr>
+            </a:lvl8pPr>
+            <a:lvl9pPr marL="3657600" algn="l" defTabSz="914400" rtl="0" eaLnBrk="1" latinLnBrk="0" hangingPunct="1">
+              <a:defRPr kern="1200">
+                <a:solidFill>
+                  <a:schemeClr val="lt1"/>
+                </a:solidFill>
+                <a:latin typeface="+mn-lt"/>
+                <a:ea typeface="+mn-ea"/>
+                <a:cs typeface="+mn-cs"/>
+              </a:defRPr>
+            </a:lvl9pPr>
+          </a:lstStyle>
+          <a:p>
+            <a:pPr defTabSz="872733"/>
+            <a:r>
+              <a:rPr lang="en-US" sz="2000" dirty="0">
+                <a:solidFill>
+                  <a:srgbClr val="00B050"/>
+                </a:solidFill>
+                <a:latin typeface="Calibri"/>
+                <a:cs typeface="Arial" charset="0"/>
+              </a:rPr>
+              <a:t>loop    [until </a:t>
+            </a:r>
+            <a:r>
+              <a:rPr lang="en-US" sz="2000" dirty="0" err="1">
+                <a:solidFill>
+                  <a:srgbClr val="00B050"/>
+                </a:solidFill>
+                <a:latin typeface="Calibri"/>
+                <a:cs typeface="Arial" charset="0"/>
+              </a:rPr>
+              <a:t>won|lost</a:t>
+            </a:r>
+            <a:r>
+              <a:rPr lang="en-US" sz="2000" dirty="0">
+                <a:solidFill>
+                  <a:srgbClr val="00B050"/>
+                </a:solidFill>
+                <a:latin typeface="Calibri"/>
+                <a:cs typeface="Arial" charset="0"/>
+              </a:rPr>
+              <a:t>]</a:t>
+            </a:r>
+          </a:p>
+        </p:txBody>
+      </p:sp>
+      <p:sp>
+        <p:nvSpPr>
+          <p:cNvPr id="39" name="TextBox 38"/>
+          <p:cNvSpPr txBox="1"/>
+          <p:nvPr/>
+        </p:nvSpPr>
+        <p:spPr>
+          <a:xfrm>
+            <a:off x="2118530" y="1637737"/>
+            <a:ext cx="1082633" cy="400110"/>
+          </a:xfrm>
+          <a:prstGeom prst="rect">
+            <a:avLst/>
+          </a:prstGeom>
+          <a:noFill/>
+        </p:spPr>
+        <p:txBody>
+          <a:bodyPr wrap="square" rtlCol="0">
+            <a:spAutoFit/>
+          </a:bodyPr>
+          <a:lstStyle/>
+          <a:p>
+            <a:pPr algn="ctr" defTabSz="872733"/>
+            <a:r>
+              <a:rPr lang="en-US" sz="2000" dirty="0">
+                <a:solidFill>
+                  <a:srgbClr val="0070C0"/>
+                </a:solidFill>
+                <a:latin typeface="Calibri"/>
+              </a:rPr>
+              <a:t>Player</a:t>
+            </a:r>
+          </a:p>
+        </p:txBody>
+      </p:sp>
+      <p:sp>
+        <p:nvSpPr>
+          <p:cNvPr id="32" name="Text Box 11"/>
+          <p:cNvSpPr txBox="1">
+            <a:spLocks noChangeArrowheads="1"/>
+          </p:cNvSpPr>
+          <p:nvPr/>
+        </p:nvSpPr>
+        <p:spPr bwMode="auto">
+          <a:xfrm>
+            <a:off x="9182100" y="1079975"/>
+            <a:ext cx="1295400" cy="677108"/>
+          </a:xfrm>
+          <a:prstGeom prst="rect">
+            <a:avLst/>
+          </a:prstGeom>
+          <a:ln w="19050">
+            <a:headEnd/>
+            <a:tailEnd/>
+          </a:ln>
+        </p:spPr>
+        <p:style>
+          <a:lnRef idx="1">
+            <a:schemeClr val="accent3"/>
+          </a:lnRef>
+          <a:fillRef idx="2">
+            <a:schemeClr val="accent3"/>
+          </a:fillRef>
+          <a:effectRef idx="1">
+            <a:schemeClr val="accent3"/>
+          </a:effectRef>
+          <a:fontRef idx="minor">
+            <a:schemeClr val="dk1"/>
+          </a:fontRef>
+        </p:style>
+        <p:txBody>
+          <a:bodyPr lIns="0" tIns="0" rIns="0" bIns="0">
+            <a:noAutofit/>
+          </a:bodyPr>
+          <a:lstStyle/>
+          <a:p>
+            <a:pPr algn="ctr" defTabSz="872733">
+              <a:spcBef>
+                <a:spcPct val="50000"/>
+              </a:spcBef>
+            </a:pPr>
+            <a:r>
+              <a:rPr lang="en-US" sz="2000" dirty="0">
+                <a:solidFill>
+                  <a:prstClr val="black"/>
+                </a:solidFill>
+                <a:latin typeface="Calibri"/>
+              </a:rPr>
+              <a:t>&lt;&lt;class&gt;&gt;</a:t>
+            </a:r>
+            <a:br>
+              <a:rPr lang="en-US" sz="2000" dirty="0">
+                <a:solidFill>
+                  <a:prstClr val="black"/>
+                </a:solidFill>
+                <a:latin typeface="Calibri"/>
+              </a:rPr>
+            </a:br>
+            <a:r>
+              <a:rPr lang="en-US" sz="2000" dirty="0">
+                <a:solidFill>
+                  <a:prstClr val="black"/>
+                </a:solidFill>
+                <a:latin typeface="Calibri"/>
+              </a:rPr>
+              <a:t>:Logger</a:t>
+            </a:r>
+          </a:p>
+        </p:txBody>
+      </p:sp>
+      <p:sp>
+        <p:nvSpPr>
+          <p:cNvPr id="33" name="Line 13"/>
+          <p:cNvSpPr>
+            <a:spLocks noChangeShapeType="1"/>
+          </p:cNvSpPr>
+          <p:nvPr/>
+        </p:nvSpPr>
+        <p:spPr bwMode="auto">
+          <a:xfrm>
+            <a:off x="9829800" y="1757084"/>
+            <a:ext cx="0" cy="4231609"/>
+          </a:xfrm>
+          <a:prstGeom prst="line">
+            <a:avLst/>
+          </a:prstGeom>
+          <a:ln>
+            <a:solidFill>
+              <a:schemeClr val="accent3">
+                <a:lumMod val="75000"/>
+              </a:schemeClr>
+            </a:solidFill>
+            <a:prstDash val="sysDash"/>
+            <a:headEnd/>
+            <a:tailEnd/>
+          </a:ln>
+        </p:spPr>
+        <p:style>
+          <a:lnRef idx="2">
+            <a:schemeClr val="accent4"/>
+          </a:lnRef>
+          <a:fillRef idx="0">
+            <a:schemeClr val="accent4"/>
+          </a:fillRef>
+          <a:effectRef idx="1">
+            <a:schemeClr val="accent4"/>
+          </a:effectRef>
+          <a:fontRef idx="minor">
+            <a:schemeClr val="tx1"/>
+          </a:fontRef>
+        </p:style>
+        <p:txBody>
+          <a:bodyPr/>
+          <a:lstStyle/>
+          <a:p>
+            <a:pPr defTabSz="872733"/>
+            <a:endParaRPr lang="en-US" sz="2000">
+              <a:solidFill>
+                <a:prstClr val="black"/>
+              </a:solidFill>
+              <a:latin typeface="Calibri"/>
+            </a:endParaRPr>
+          </a:p>
+        </p:txBody>
+      </p:sp>
+      <p:sp>
+        <p:nvSpPr>
+          <p:cNvPr id="34" name="Line 15"/>
+          <p:cNvSpPr>
+            <a:spLocks noChangeShapeType="1"/>
+          </p:cNvSpPr>
+          <p:nvPr/>
+        </p:nvSpPr>
+        <p:spPr bwMode="auto">
+          <a:xfrm>
+            <a:off x="5323781" y="3883650"/>
+            <a:ext cx="4385463" cy="0"/>
+          </a:xfrm>
+          <a:prstGeom prst="line">
+            <a:avLst/>
+          </a:prstGeom>
+          <a:noFill/>
+          <a:ln w="19050">
+            <a:solidFill>
+              <a:srgbClr val="7030A0"/>
+            </a:solidFill>
+            <a:round/>
+            <a:headEnd/>
+            <a:tailEnd type="triangle" w="lg" len="lg"/>
+          </a:ln>
+        </p:spPr>
+        <p:txBody>
+          <a:bodyPr/>
+          <a:lstStyle/>
+          <a:p>
+            <a:pPr defTabSz="872733"/>
+            <a:endParaRPr lang="en-US" sz="2000">
+              <a:solidFill>
+                <a:prstClr val="black"/>
+              </a:solidFill>
+              <a:latin typeface="Calibri"/>
+            </a:endParaRPr>
+          </a:p>
+        </p:txBody>
+      </p:sp>
+      <p:sp>
+        <p:nvSpPr>
+          <p:cNvPr id="38" name="Text Box 25"/>
+          <p:cNvSpPr txBox="1">
+            <a:spLocks noChangeArrowheads="1"/>
+          </p:cNvSpPr>
+          <p:nvPr/>
+        </p:nvSpPr>
+        <p:spPr bwMode="auto">
+          <a:xfrm>
+            <a:off x="6055758" y="3474659"/>
+            <a:ext cx="981337" cy="400110"/>
+          </a:xfrm>
+          <a:prstGeom prst="rect">
+            <a:avLst/>
+          </a:prstGeom>
+          <a:noFill/>
+          <a:ln w="12700" algn="ctr">
+            <a:noFill/>
+            <a:miter lim="800000"/>
+            <a:headEnd/>
+            <a:tailEnd/>
+          </a:ln>
+        </p:spPr>
+        <p:txBody>
+          <a:bodyPr wrap="square">
+            <a:spAutoFit/>
+          </a:bodyPr>
+          <a:lstStyle/>
+          <a:p>
+            <a:pPr defTabSz="872733">
+              <a:spcBef>
+                <a:spcPct val="50000"/>
+              </a:spcBef>
+            </a:pPr>
+            <a:r>
+              <a:rPr lang="en-US" sz="2000" i="1" dirty="0">
+                <a:solidFill>
+                  <a:srgbClr val="9BBB59">
+                    <a:lumMod val="75000"/>
+                  </a:srgbClr>
+                </a:solidFill>
+                <a:latin typeface="Calibri"/>
+              </a:rPr>
+              <a:t>log()</a:t>
+            </a:r>
+          </a:p>
+        </p:txBody>
+      </p:sp>
+      <p:sp>
+        <p:nvSpPr>
+          <p:cNvPr id="40" name="Rectangle 39"/>
+          <p:cNvSpPr/>
+          <p:nvPr/>
+        </p:nvSpPr>
+        <p:spPr>
+          <a:xfrm>
+            <a:off x="9701007" y="3897259"/>
+            <a:ext cx="251361" cy="393865"/>
+          </a:xfrm>
+          <a:prstGeom prst="rect">
+            <a:avLst/>
+          </a:prstGeom>
+          <a:solidFill>
+            <a:schemeClr val="accent3">
+              <a:lumMod val="20000"/>
+              <a:lumOff val="80000"/>
+            </a:schemeClr>
+          </a:solidFill>
+          <a:ln>
+            <a:solidFill>
+              <a:schemeClr val="accent3">
+                <a:lumMod val="75000"/>
+              </a:schemeClr>
+            </a:solidFill>
+          </a:ln>
+        </p:spPr>
+        <p:style>
+          <a:lnRef idx="2">
+            <a:schemeClr val="accent4"/>
+          </a:lnRef>
+          <a:fillRef idx="1">
+            <a:schemeClr val="lt1"/>
+          </a:fillRef>
+          <a:effectRef idx="0">
+            <a:schemeClr val="accent4"/>
+          </a:effectRef>
+          <a:fontRef idx="minor">
+            <a:schemeClr val="dk1"/>
+          </a:fontRef>
+        </p:style>
+        <p:txBody>
+          <a:bodyPr rtlCol="0" anchor="ctr"/>
+          <a:lstStyle/>
+          <a:p>
+            <a:pPr algn="ctr" defTabSz="872733"/>
+            <a:endParaRPr lang="en-US" sz="2000">
+              <a:solidFill>
+                <a:prstClr val="black"/>
+              </a:solidFill>
+              <a:latin typeface="Calibri"/>
+            </a:endParaRPr>
+          </a:p>
+        </p:txBody>
+      </p:sp>
+      <p:sp>
+        <p:nvSpPr>
+          <p:cNvPr id="41" name="Line 16"/>
+          <p:cNvSpPr>
+            <a:spLocks noChangeShapeType="1"/>
+          </p:cNvSpPr>
+          <p:nvPr/>
+        </p:nvSpPr>
+        <p:spPr bwMode="auto">
+          <a:xfrm flipH="1">
+            <a:off x="5303668" y="4284404"/>
+            <a:ext cx="4397337" cy="0"/>
+          </a:xfrm>
+          <a:prstGeom prst="line">
+            <a:avLst/>
+          </a:prstGeom>
+          <a:noFill/>
+          <a:ln w="19050">
+            <a:solidFill>
+              <a:schemeClr val="accent3">
+                <a:lumMod val="75000"/>
+              </a:schemeClr>
+            </a:solidFill>
+            <a:prstDash val="sysDash"/>
+            <a:round/>
+            <a:headEnd/>
+            <a:tailEnd type="triangle" w="lg" len="lg"/>
+          </a:ln>
+        </p:spPr>
+        <p:txBody>
+          <a:bodyPr/>
+          <a:lstStyle/>
+          <a:p>
+            <a:pPr defTabSz="872733"/>
+            <a:endParaRPr lang="en-US" sz="2000">
+              <a:solidFill>
+                <a:prstClr val="black"/>
+              </a:solidFill>
+              <a:latin typeface="Calibri"/>
+            </a:endParaRPr>
+          </a:p>
+        </p:txBody>
+      </p:sp>
+    </p:spTree>
+    <p:extLst>
+      <p:ext uri="{BB962C8B-B14F-4D97-AF65-F5344CB8AC3E}">
+        <p14:creationId xmlns:p14="http://schemas.microsoft.com/office/powerpoint/2010/main" val="3228498101"/>
+      </p:ext>
+    </p:extLst>
+  </p:cSld>
+  <p:clrMapOvr>
+    <a:masterClrMapping/>
+  </p:clrMapOvr>
+  <p:timing>
+    <p:tnLst>
+      <p:par>
+        <p:cTn id="1" dur="indefinite" restart="never" nodeType="tmRoot">
+          <p:childTnLst>
+            <p:seq concurrent="1" nextAc="seek">
+              <p:cTn id="2" dur="indefinite" nodeType="mainSeq">
+                <p:childTnLst>
+                  <p:par>
+                    <p:cTn id="3" fill="hold">
+                      <p:stCondLst>
+                        <p:cond delay="indefinite"/>
+                      </p:stCondLst>
+                      <p:childTnLst>
+                        <p:par>
+                          <p:cTn id="4" fill="hold">
+                            <p:stCondLst>
+                              <p:cond delay="0"/>
+                            </p:stCondLst>
+                            <p:childTnLst>
+                              <p:par>
+                                <p:cTn id="5" presetID="1" presetClass="entr" presetSubtype="0" fill="hold" grpId="0" nodeType="clickEffect">
+                                  <p:stCondLst>
+                                    <p:cond delay="0"/>
+                                  </p:stCondLst>
+                                  <p:childTnLst>
+                                    <p:set>
+                                      <p:cBhvr>
+                                        <p:cTn id="6" dur="1" fill="hold">
+                                          <p:stCondLst>
+                                            <p:cond delay="0"/>
+                                          </p:stCondLst>
+                                        </p:cTn>
+                                        <p:tgtEl>
+                                          <p:spTgt spid="24"/>
+                                        </p:tgtEl>
+                                        <p:attrNameLst>
+                                          <p:attrName>style.visibility</p:attrName>
+                                        </p:attrNameLst>
+                                      </p:cBhvr>
+                                      <p:to>
+                                        <p:strVal val="visible"/>
+                                      </p:to>
+                                    </p:set>
+                                  </p:childTnLst>
+                                </p:cTn>
+                              </p:par>
+                              <p:par>
+                                <p:cTn id="7" presetID="1" presetClass="entr" presetSubtype="0" fill="hold" grpId="0" nodeType="withEffect">
+                                  <p:stCondLst>
+                                    <p:cond delay="0"/>
+                                  </p:stCondLst>
+                                  <p:childTnLst>
+                                    <p:set>
+                                      <p:cBhvr>
+                                        <p:cTn id="8" dur="1" fill="hold">
+                                          <p:stCondLst>
+                                            <p:cond delay="0"/>
+                                          </p:stCondLst>
+                                        </p:cTn>
+                                        <p:tgtEl>
+                                          <p:spTgt spid="25"/>
+                                        </p:tgtEl>
+                                        <p:attrNameLst>
+                                          <p:attrName>style.visibility</p:attrName>
+                                        </p:attrNameLst>
+                                      </p:cBhvr>
+                                      <p:to>
+                                        <p:strVal val="visible"/>
+                                      </p:to>
+                                    </p:set>
+                                  </p:childTnLst>
+                                </p:cTn>
+                              </p:par>
+                              <p:par>
+                                <p:cTn id="9" presetID="1" presetClass="entr" presetSubtype="0" fill="hold" grpId="0" nodeType="withEffect">
+                                  <p:stCondLst>
+                                    <p:cond delay="0"/>
+                                  </p:stCondLst>
+                                  <p:childTnLst>
+                                    <p:set>
+                                      <p:cBhvr>
+                                        <p:cTn id="10" dur="1" fill="hold">
+                                          <p:stCondLst>
+                                            <p:cond delay="0"/>
+                                          </p:stCondLst>
+                                        </p:cTn>
+                                        <p:tgtEl>
+                                          <p:spTgt spid="26"/>
+                                        </p:tgtEl>
+                                        <p:attrNameLst>
+                                          <p:attrName>style.visibility</p:attrName>
+                                        </p:attrNameLst>
+                                      </p:cBhvr>
+                                      <p:to>
+                                        <p:strVal val="visible"/>
+                                      </p:to>
+                                    </p:set>
+                                  </p:childTnLst>
+                                </p:cTn>
+                              </p:par>
+                              <p:par>
+                                <p:cTn id="11" presetID="1" presetClass="entr" presetSubtype="0" fill="hold" grpId="0" nodeType="withEffect">
+                                  <p:stCondLst>
+                                    <p:cond delay="0"/>
+                                  </p:stCondLst>
+                                  <p:childTnLst>
+                                    <p:set>
+                                      <p:cBhvr>
+                                        <p:cTn id="12" dur="1" fill="hold">
+                                          <p:stCondLst>
+                                            <p:cond delay="0"/>
+                                          </p:stCondLst>
+                                        </p:cTn>
+                                        <p:tgtEl>
+                                          <p:spTgt spid="27"/>
+                                        </p:tgtEl>
+                                        <p:attrNameLst>
+                                          <p:attrName>style.visibility</p:attrName>
+                                        </p:attrNameLst>
+                                      </p:cBhvr>
+                                      <p:to>
+                                        <p:strVal val="visible"/>
+                                      </p:to>
+                                    </p:set>
+                                  </p:childTnLst>
+                                </p:cTn>
+                              </p:par>
+                              <p:par>
+                                <p:cTn id="13" presetID="1" presetClass="entr" presetSubtype="0" fill="hold" grpId="0" nodeType="withEffect">
+                                  <p:stCondLst>
+                                    <p:cond delay="0"/>
+                                  </p:stCondLst>
+                                  <p:childTnLst>
+                                    <p:set>
+                                      <p:cBhvr>
+                                        <p:cTn id="14" dur="1" fill="hold">
+                                          <p:stCondLst>
+                                            <p:cond delay="0"/>
+                                          </p:stCondLst>
+                                        </p:cTn>
+                                        <p:tgtEl>
+                                          <p:spTgt spid="29"/>
+                                        </p:tgtEl>
+                                        <p:attrNameLst>
+                                          <p:attrName>style.visibility</p:attrName>
+                                        </p:attrNameLst>
+                                      </p:cBhvr>
+                                      <p:to>
+                                        <p:strVal val="visible"/>
+                                      </p:to>
+                                    </p:set>
+                                  </p:childTnLst>
+                                </p:cTn>
+                              </p:par>
+                            </p:childTnLst>
+                          </p:cTn>
+                        </p:par>
+                      </p:childTnLst>
+                    </p:cTn>
+                  </p:par>
+                  <p:par>
+                    <p:cTn id="15" fill="hold">
+                      <p:stCondLst>
+                        <p:cond delay="indefinite"/>
+                      </p:stCondLst>
+                      <p:childTnLst>
+                        <p:par>
+                          <p:cTn id="16" fill="hold">
+                            <p:stCondLst>
+                              <p:cond delay="0"/>
+                            </p:stCondLst>
+                            <p:childTnLst>
+                              <p:par>
+                                <p:cTn id="17" presetID="1" presetClass="entr" presetSubtype="0" fill="hold" grpId="0" nodeType="clickEffect">
+                                  <p:stCondLst>
+                                    <p:cond delay="0"/>
+                                  </p:stCondLst>
+                                  <p:childTnLst>
+                                    <p:set>
+                                      <p:cBhvr>
+                                        <p:cTn id="18" dur="1" fill="hold">
+                                          <p:stCondLst>
+                                            <p:cond delay="0"/>
+                                          </p:stCondLst>
+                                        </p:cTn>
+                                        <p:tgtEl>
+                                          <p:spTgt spid="36"/>
+                                        </p:tgtEl>
+                                        <p:attrNameLst>
+                                          <p:attrName>style.visibility</p:attrName>
+                                        </p:attrNameLst>
+                                      </p:cBhvr>
+                                      <p:to>
+                                        <p:strVal val="visible"/>
+                                      </p:to>
+                                    </p:set>
+                                  </p:childTnLst>
+                                </p:cTn>
+                              </p:par>
+                              <p:par>
+                                <p:cTn id="19" presetID="1" presetClass="entr" presetSubtype="0" fill="hold" grpId="0" nodeType="withEffect">
+                                  <p:stCondLst>
+                                    <p:cond delay="0"/>
+                                  </p:stCondLst>
+                                  <p:childTnLst>
+                                    <p:set>
+                                      <p:cBhvr>
+                                        <p:cTn id="20" dur="1" fill="hold">
+                                          <p:stCondLst>
+                                            <p:cond delay="0"/>
+                                          </p:stCondLst>
+                                        </p:cTn>
+                                        <p:tgtEl>
+                                          <p:spTgt spid="37"/>
+                                        </p:tgtEl>
+                                        <p:attrNameLst>
+                                          <p:attrName>style.visibility</p:attrName>
+                                        </p:attrNameLst>
+                                      </p:cBhvr>
+                                      <p:to>
+                                        <p:strVal val="visible"/>
+                                      </p:to>
+                                    </p:set>
+                                  </p:childTnLst>
+                                </p:cTn>
+                              </p:par>
+                              <p:par>
+                                <p:cTn id="21" presetID="1" presetClass="entr" presetSubtype="0" fill="hold" grpId="0" nodeType="withEffect">
+                                  <p:stCondLst>
+                                    <p:cond delay="0"/>
+                                  </p:stCondLst>
+                                  <p:childTnLst>
+                                    <p:set>
+                                      <p:cBhvr>
+                                        <p:cTn id="22" dur="1" fill="hold">
+                                          <p:stCondLst>
+                                            <p:cond delay="0"/>
+                                          </p:stCondLst>
+                                        </p:cTn>
+                                        <p:tgtEl>
+                                          <p:spTgt spid="35"/>
+                                        </p:tgtEl>
+                                        <p:attrNameLst>
+                                          <p:attrName>style.visibility</p:attrName>
+                                        </p:attrNameLst>
+                                      </p:cBhvr>
+                                      <p:to>
+                                        <p:strVal val="visible"/>
+                                      </p:to>
+                                    </p:set>
+                                  </p:childTnLst>
+                                </p:cTn>
+                              </p:par>
+                            </p:childTnLst>
+                          </p:cTn>
+                        </p:par>
+                      </p:childTnLst>
+                    </p:cTn>
+                  </p:par>
+                  <p:par>
+                    <p:cTn id="23" fill="hold">
+                      <p:stCondLst>
+                        <p:cond delay="indefinite"/>
+                      </p:stCondLst>
+                      <p:childTnLst>
+                        <p:par>
+                          <p:cTn id="24" fill="hold">
+                            <p:stCondLst>
+                              <p:cond delay="0"/>
+                            </p:stCondLst>
+                            <p:childTnLst>
+                              <p:par>
+                                <p:cTn id="25" presetID="1" presetClass="exit" presetSubtype="0" fill="hold" grpId="0" nodeType="clickEffect">
+                                  <p:stCondLst>
+                                    <p:cond delay="0"/>
+                                  </p:stCondLst>
+                                  <p:childTnLst>
+                                    <p:set>
+                                      <p:cBhvr>
+                                        <p:cTn id="26" dur="1" fill="hold">
+                                          <p:stCondLst>
+                                            <p:cond delay="0"/>
+                                          </p:stCondLst>
+                                        </p:cTn>
+                                        <p:tgtEl>
+                                          <p:spTgt spid="4"/>
+                                        </p:tgtEl>
+                                        <p:attrNameLst>
+                                          <p:attrName>style.visibility</p:attrName>
+                                        </p:attrNameLst>
+                                      </p:cBhvr>
+                                      <p:to>
+                                        <p:strVal val="hidden"/>
+                                      </p:to>
+                                    </p:set>
+                                  </p:childTnLst>
+                                </p:cTn>
+                              </p:par>
+                              <p:par>
+                                <p:cTn id="27" presetID="1" presetClass="exit" presetSubtype="0" fill="hold" grpId="0" nodeType="withEffect">
+                                  <p:stCondLst>
+                                    <p:cond delay="0"/>
+                                  </p:stCondLst>
+                                  <p:childTnLst>
+                                    <p:set>
+                                      <p:cBhvr>
+                                        <p:cTn id="28" dur="1" fill="hold">
+                                          <p:stCondLst>
+                                            <p:cond delay="0"/>
+                                          </p:stCondLst>
+                                        </p:cTn>
+                                        <p:tgtEl>
+                                          <p:spTgt spid="5"/>
+                                        </p:tgtEl>
+                                        <p:attrNameLst>
+                                          <p:attrName>style.visibility</p:attrName>
+                                        </p:attrNameLst>
+                                      </p:cBhvr>
+                                      <p:to>
+                                        <p:strVal val="hidden"/>
+                                      </p:to>
+                                    </p:set>
+                                  </p:childTnLst>
+                                </p:cTn>
+                              </p:par>
+                              <p:par>
+                                <p:cTn id="29" presetID="1" presetClass="exit" presetSubtype="0" fill="hold" grpId="0" nodeType="withEffect">
+                                  <p:stCondLst>
+                                    <p:cond delay="0"/>
+                                  </p:stCondLst>
+                                  <p:childTnLst>
+                                    <p:set>
+                                      <p:cBhvr>
+                                        <p:cTn id="30" dur="1" fill="hold">
+                                          <p:stCondLst>
+                                            <p:cond delay="0"/>
+                                          </p:stCondLst>
+                                        </p:cTn>
+                                        <p:tgtEl>
+                                          <p:spTgt spid="6"/>
+                                        </p:tgtEl>
+                                        <p:attrNameLst>
+                                          <p:attrName>style.visibility</p:attrName>
+                                        </p:attrNameLst>
+                                      </p:cBhvr>
+                                      <p:to>
+                                        <p:strVal val="hidden"/>
+                                      </p:to>
+                                    </p:set>
+                                  </p:childTnLst>
+                                </p:cTn>
+                              </p:par>
+                              <p:par>
+                                <p:cTn id="31" presetID="1" presetClass="exit" presetSubtype="0" fill="hold" grpId="0" nodeType="withEffect">
+                                  <p:stCondLst>
+                                    <p:cond delay="0"/>
+                                  </p:stCondLst>
+                                  <p:childTnLst>
+                                    <p:set>
+                                      <p:cBhvr>
+                                        <p:cTn id="32" dur="1" fill="hold">
+                                          <p:stCondLst>
+                                            <p:cond delay="0"/>
+                                          </p:stCondLst>
+                                        </p:cTn>
+                                        <p:tgtEl>
+                                          <p:spTgt spid="7"/>
+                                        </p:tgtEl>
+                                        <p:attrNameLst>
+                                          <p:attrName>style.visibility</p:attrName>
+                                        </p:attrNameLst>
+                                      </p:cBhvr>
+                                      <p:to>
+                                        <p:strVal val="hidden"/>
+                                      </p:to>
+                                    </p:set>
+                                  </p:childTnLst>
+                                </p:cTn>
+                              </p:par>
+                              <p:par>
+                                <p:cTn id="33" presetID="1" presetClass="exit" presetSubtype="0" fill="hold" grpId="0" nodeType="withEffect">
+                                  <p:stCondLst>
+                                    <p:cond delay="0"/>
+                                  </p:stCondLst>
+                                  <p:childTnLst>
+                                    <p:set>
+                                      <p:cBhvr>
+                                        <p:cTn id="34" dur="1" fill="hold">
+                                          <p:stCondLst>
+                                            <p:cond delay="0"/>
+                                          </p:stCondLst>
+                                        </p:cTn>
+                                        <p:tgtEl>
+                                          <p:spTgt spid="8"/>
+                                        </p:tgtEl>
+                                        <p:attrNameLst>
+                                          <p:attrName>style.visibility</p:attrName>
+                                        </p:attrNameLst>
+                                      </p:cBhvr>
+                                      <p:to>
+                                        <p:strVal val="hidden"/>
+                                      </p:to>
+                                    </p:set>
+                                  </p:childTnLst>
+                                </p:cTn>
+                              </p:par>
+                              <p:par>
+                                <p:cTn id="35" presetID="1" presetClass="exit" presetSubtype="0" fill="hold" grpId="0" nodeType="withEffect">
+                                  <p:stCondLst>
+                                    <p:cond delay="0"/>
+                                  </p:stCondLst>
+                                  <p:childTnLst>
+                                    <p:set>
+                                      <p:cBhvr>
+                                        <p:cTn id="36" dur="1" fill="hold">
+                                          <p:stCondLst>
+                                            <p:cond delay="0"/>
+                                          </p:stCondLst>
+                                        </p:cTn>
+                                        <p:tgtEl>
+                                          <p:spTgt spid="9"/>
+                                        </p:tgtEl>
+                                        <p:attrNameLst>
+                                          <p:attrName>style.visibility</p:attrName>
+                                        </p:attrNameLst>
+                                      </p:cBhvr>
+                                      <p:to>
+                                        <p:strVal val="hidden"/>
+                                      </p:to>
+                                    </p:set>
+                                  </p:childTnLst>
+                                </p:cTn>
+                              </p:par>
+                              <p:par>
+                                <p:cTn id="37" presetID="1" presetClass="exit" presetSubtype="0" fill="hold" grpId="0" nodeType="withEffect">
+                                  <p:stCondLst>
+                                    <p:cond delay="0"/>
+                                  </p:stCondLst>
+                                  <p:childTnLst>
+                                    <p:set>
+                                      <p:cBhvr>
+                                        <p:cTn id="38" dur="1" fill="hold">
+                                          <p:stCondLst>
+                                            <p:cond delay="0"/>
+                                          </p:stCondLst>
+                                        </p:cTn>
+                                        <p:tgtEl>
+                                          <p:spTgt spid="10"/>
+                                        </p:tgtEl>
+                                        <p:attrNameLst>
+                                          <p:attrName>style.visibility</p:attrName>
+                                        </p:attrNameLst>
+                                      </p:cBhvr>
+                                      <p:to>
+                                        <p:strVal val="hidden"/>
+                                      </p:to>
+                                    </p:set>
+                                  </p:childTnLst>
+                                </p:cTn>
+                              </p:par>
+                              <p:par>
+                                <p:cTn id="39" presetID="1" presetClass="exit" presetSubtype="0" fill="hold" nodeType="withEffect">
+                                  <p:stCondLst>
+                                    <p:cond delay="0"/>
+                                  </p:stCondLst>
+                                  <p:childTnLst>
+                                    <p:set>
+                                      <p:cBhvr>
+                                        <p:cTn id="40" dur="1" fill="hold">
+                                          <p:stCondLst>
+                                            <p:cond delay="0"/>
+                                          </p:stCondLst>
+                                        </p:cTn>
+                                        <p:tgtEl>
+                                          <p:spTgt spid="2"/>
+                                        </p:tgtEl>
+                                        <p:attrNameLst>
+                                          <p:attrName>style.visibility</p:attrName>
+                                        </p:attrNameLst>
+                                      </p:cBhvr>
+                                      <p:to>
+                                        <p:strVal val="hidden"/>
+                                      </p:to>
+                                    </p:set>
+                                  </p:childTnLst>
+                                </p:cTn>
+                              </p:par>
+                              <p:par>
+                                <p:cTn id="41" presetID="1" presetClass="exit" presetSubtype="0" fill="hold" grpId="0" nodeType="withEffect">
+                                  <p:stCondLst>
+                                    <p:cond delay="0"/>
+                                  </p:stCondLst>
+                                  <p:childTnLst>
+                                    <p:set>
+                                      <p:cBhvr>
+                                        <p:cTn id="42" dur="1" fill="hold">
+                                          <p:stCondLst>
+                                            <p:cond delay="0"/>
+                                          </p:stCondLst>
+                                        </p:cTn>
+                                        <p:tgtEl>
+                                          <p:spTgt spid="17"/>
+                                        </p:tgtEl>
+                                        <p:attrNameLst>
+                                          <p:attrName>style.visibility</p:attrName>
+                                        </p:attrNameLst>
+                                      </p:cBhvr>
+                                      <p:to>
+                                        <p:strVal val="hidden"/>
+                                      </p:to>
+                                    </p:set>
+                                  </p:childTnLst>
+                                </p:cTn>
+                              </p:par>
+                              <p:par>
+                                <p:cTn id="43" presetID="1" presetClass="exit" presetSubtype="0" fill="hold" grpId="0" nodeType="withEffect">
+                                  <p:stCondLst>
+                                    <p:cond delay="0"/>
+                                  </p:stCondLst>
+                                  <p:childTnLst>
+                                    <p:set>
+                                      <p:cBhvr>
+                                        <p:cTn id="44" dur="1" fill="hold">
+                                          <p:stCondLst>
+                                            <p:cond delay="0"/>
+                                          </p:stCondLst>
+                                        </p:cTn>
+                                        <p:tgtEl>
+                                          <p:spTgt spid="18"/>
+                                        </p:tgtEl>
+                                        <p:attrNameLst>
+                                          <p:attrName>style.visibility</p:attrName>
+                                        </p:attrNameLst>
+                                      </p:cBhvr>
+                                      <p:to>
+                                        <p:strVal val="hidden"/>
+                                      </p:to>
+                                    </p:set>
+                                  </p:childTnLst>
+                                </p:cTn>
+                              </p:par>
+                              <p:par>
+                                <p:cTn id="45" presetID="1" presetClass="exit" presetSubtype="0" fill="hold" grpId="0" nodeType="withEffect">
+                                  <p:stCondLst>
+                                    <p:cond delay="0"/>
+                                  </p:stCondLst>
+                                  <p:childTnLst>
+                                    <p:set>
+                                      <p:cBhvr>
+                                        <p:cTn id="46" dur="1" fill="hold">
+                                          <p:stCondLst>
+                                            <p:cond delay="0"/>
+                                          </p:stCondLst>
+                                        </p:cTn>
+                                        <p:tgtEl>
+                                          <p:spTgt spid="19"/>
+                                        </p:tgtEl>
+                                        <p:attrNameLst>
+                                          <p:attrName>style.visibility</p:attrName>
+                                        </p:attrNameLst>
+                                      </p:cBhvr>
+                                      <p:to>
+                                        <p:strVal val="hidden"/>
+                                      </p:to>
+                                    </p:set>
+                                  </p:childTnLst>
+                                </p:cTn>
+                              </p:par>
+                              <p:par>
+                                <p:cTn id="47" presetID="1" presetClass="exit" presetSubtype="0" fill="hold" grpId="0" nodeType="withEffect">
+                                  <p:stCondLst>
+                                    <p:cond delay="0"/>
+                                  </p:stCondLst>
+                                  <p:childTnLst>
+                                    <p:set>
+                                      <p:cBhvr>
+                                        <p:cTn id="48" dur="1" fill="hold">
+                                          <p:stCondLst>
+                                            <p:cond delay="0"/>
+                                          </p:stCondLst>
+                                        </p:cTn>
+                                        <p:tgtEl>
+                                          <p:spTgt spid="20"/>
+                                        </p:tgtEl>
+                                        <p:attrNameLst>
+                                          <p:attrName>style.visibility</p:attrName>
+                                        </p:attrNameLst>
+                                      </p:cBhvr>
+                                      <p:to>
+                                        <p:strVal val="hidden"/>
+                                      </p:to>
+                                    </p:set>
+                                  </p:childTnLst>
+                                </p:cTn>
+                              </p:par>
+                              <p:par>
+                                <p:cTn id="49" presetID="1" presetClass="exit" presetSubtype="0" fill="hold" grpId="0" nodeType="withEffect">
+                                  <p:stCondLst>
+                                    <p:cond delay="0"/>
+                                  </p:stCondLst>
+                                  <p:childTnLst>
+                                    <p:set>
+                                      <p:cBhvr>
+                                        <p:cTn id="50" dur="1" fill="hold">
+                                          <p:stCondLst>
+                                            <p:cond delay="0"/>
+                                          </p:stCondLst>
+                                        </p:cTn>
+                                        <p:tgtEl>
+                                          <p:spTgt spid="21"/>
+                                        </p:tgtEl>
+                                        <p:attrNameLst>
+                                          <p:attrName>style.visibility</p:attrName>
+                                        </p:attrNameLst>
+                                      </p:cBhvr>
+                                      <p:to>
+                                        <p:strVal val="hidden"/>
+                                      </p:to>
+                                    </p:set>
+                                  </p:childTnLst>
+                                </p:cTn>
+                              </p:par>
+                              <p:par>
+                                <p:cTn id="51" presetID="1" presetClass="exit" presetSubtype="0" fill="hold" grpId="0" nodeType="withEffect">
+                                  <p:stCondLst>
+                                    <p:cond delay="0"/>
+                                  </p:stCondLst>
+                                  <p:childTnLst>
+                                    <p:set>
+                                      <p:cBhvr>
+                                        <p:cTn id="52" dur="1" fill="hold">
+                                          <p:stCondLst>
+                                            <p:cond delay="0"/>
+                                          </p:stCondLst>
+                                        </p:cTn>
+                                        <p:tgtEl>
+                                          <p:spTgt spid="22"/>
+                                        </p:tgtEl>
+                                        <p:attrNameLst>
+                                          <p:attrName>style.visibility</p:attrName>
+                                        </p:attrNameLst>
+                                      </p:cBhvr>
+                                      <p:to>
+                                        <p:strVal val="hidden"/>
+                                      </p:to>
+                                    </p:set>
+                                  </p:childTnLst>
+                                </p:cTn>
+                              </p:par>
+                              <p:par>
+                                <p:cTn id="53" presetID="1" presetClass="exit" presetSubtype="0" fill="hold" grpId="0" nodeType="withEffect">
+                                  <p:stCondLst>
+                                    <p:cond delay="0"/>
+                                  </p:stCondLst>
+                                  <p:childTnLst>
+                                    <p:set>
+                                      <p:cBhvr>
+                                        <p:cTn id="54" dur="1" fill="hold">
+                                          <p:stCondLst>
+                                            <p:cond delay="0"/>
+                                          </p:stCondLst>
+                                        </p:cTn>
+                                        <p:tgtEl>
+                                          <p:spTgt spid="23"/>
+                                        </p:tgtEl>
+                                        <p:attrNameLst>
+                                          <p:attrName>style.visibility</p:attrName>
+                                        </p:attrNameLst>
+                                      </p:cBhvr>
+                                      <p:to>
+                                        <p:strVal val="hidden"/>
+                                      </p:to>
+                                    </p:set>
+                                  </p:childTnLst>
+                                </p:cTn>
+                              </p:par>
+                              <p:par>
+                                <p:cTn id="55" presetID="1" presetClass="exit" presetSubtype="0" fill="hold" grpId="1" nodeType="withEffect">
+                                  <p:stCondLst>
+                                    <p:cond delay="0"/>
+                                  </p:stCondLst>
+                                  <p:childTnLst>
+                                    <p:set>
+                                      <p:cBhvr>
+                                        <p:cTn id="56" dur="1" fill="hold">
+                                          <p:stCondLst>
+                                            <p:cond delay="0"/>
+                                          </p:stCondLst>
+                                        </p:cTn>
+                                        <p:tgtEl>
+                                          <p:spTgt spid="24"/>
+                                        </p:tgtEl>
+                                        <p:attrNameLst>
+                                          <p:attrName>style.visibility</p:attrName>
+                                        </p:attrNameLst>
+                                      </p:cBhvr>
+                                      <p:to>
+                                        <p:strVal val="hidden"/>
+                                      </p:to>
+                                    </p:set>
+                                  </p:childTnLst>
+                                </p:cTn>
+                              </p:par>
+                              <p:par>
+                                <p:cTn id="57" presetID="1" presetClass="exit" presetSubtype="0" fill="hold" grpId="1" nodeType="withEffect">
+                                  <p:stCondLst>
+                                    <p:cond delay="0"/>
+                                  </p:stCondLst>
+                                  <p:childTnLst>
+                                    <p:set>
+                                      <p:cBhvr>
+                                        <p:cTn id="58" dur="1" fill="hold">
+                                          <p:stCondLst>
+                                            <p:cond delay="0"/>
+                                          </p:stCondLst>
+                                        </p:cTn>
+                                        <p:tgtEl>
+                                          <p:spTgt spid="25"/>
+                                        </p:tgtEl>
+                                        <p:attrNameLst>
+                                          <p:attrName>style.visibility</p:attrName>
+                                        </p:attrNameLst>
+                                      </p:cBhvr>
+                                      <p:to>
+                                        <p:strVal val="hidden"/>
+                                      </p:to>
+                                    </p:set>
+                                  </p:childTnLst>
+                                </p:cTn>
+                              </p:par>
+                              <p:par>
+                                <p:cTn id="59" presetID="1" presetClass="exit" presetSubtype="0" fill="hold" grpId="1" nodeType="withEffect">
+                                  <p:stCondLst>
+                                    <p:cond delay="0"/>
+                                  </p:stCondLst>
+                                  <p:childTnLst>
+                                    <p:set>
+                                      <p:cBhvr>
+                                        <p:cTn id="60" dur="1" fill="hold">
+                                          <p:stCondLst>
+                                            <p:cond delay="0"/>
+                                          </p:stCondLst>
+                                        </p:cTn>
+                                        <p:tgtEl>
+                                          <p:spTgt spid="26"/>
+                                        </p:tgtEl>
+                                        <p:attrNameLst>
+                                          <p:attrName>style.visibility</p:attrName>
+                                        </p:attrNameLst>
+                                      </p:cBhvr>
+                                      <p:to>
+                                        <p:strVal val="hidden"/>
+                                      </p:to>
+                                    </p:set>
+                                  </p:childTnLst>
+                                </p:cTn>
+                              </p:par>
+                              <p:par>
+                                <p:cTn id="61" presetID="1" presetClass="exit" presetSubtype="0" fill="hold" grpId="1" nodeType="withEffect">
+                                  <p:stCondLst>
+                                    <p:cond delay="0"/>
+                                  </p:stCondLst>
+                                  <p:childTnLst>
+                                    <p:set>
+                                      <p:cBhvr>
+                                        <p:cTn id="62" dur="1" fill="hold">
+                                          <p:stCondLst>
+                                            <p:cond delay="0"/>
+                                          </p:stCondLst>
+                                        </p:cTn>
+                                        <p:tgtEl>
+                                          <p:spTgt spid="27"/>
+                                        </p:tgtEl>
+                                        <p:attrNameLst>
+                                          <p:attrName>style.visibility</p:attrName>
+                                        </p:attrNameLst>
+                                      </p:cBhvr>
+                                      <p:to>
+                                        <p:strVal val="hidden"/>
+                                      </p:to>
+                                    </p:set>
+                                  </p:childTnLst>
+                                </p:cTn>
+                              </p:par>
+                              <p:par>
+                                <p:cTn id="63" presetID="1" presetClass="exit" presetSubtype="0" fill="hold" grpId="1" nodeType="withEffect">
+                                  <p:stCondLst>
+                                    <p:cond delay="0"/>
+                                  </p:stCondLst>
+                                  <p:childTnLst>
+                                    <p:set>
+                                      <p:cBhvr>
+                                        <p:cTn id="64" dur="1" fill="hold">
+                                          <p:stCondLst>
+                                            <p:cond delay="0"/>
+                                          </p:stCondLst>
+                                        </p:cTn>
+                                        <p:tgtEl>
+                                          <p:spTgt spid="29"/>
+                                        </p:tgtEl>
+                                        <p:attrNameLst>
+                                          <p:attrName>style.visibility</p:attrName>
+                                        </p:attrNameLst>
+                                      </p:cBhvr>
+                                      <p:to>
+                                        <p:strVal val="hidden"/>
+                                      </p:to>
+                                    </p:set>
+                                  </p:childTnLst>
+                                </p:cTn>
+                              </p:par>
+                              <p:par>
+                                <p:cTn id="65" presetID="1" presetClass="exit" presetSubtype="0" fill="hold" grpId="1" nodeType="withEffect">
+                                  <p:stCondLst>
+                                    <p:cond delay="0"/>
+                                  </p:stCondLst>
+                                  <p:childTnLst>
+                                    <p:set>
+                                      <p:cBhvr>
+                                        <p:cTn id="66" dur="1" fill="hold">
+                                          <p:stCondLst>
+                                            <p:cond delay="0"/>
+                                          </p:stCondLst>
+                                        </p:cTn>
+                                        <p:tgtEl>
+                                          <p:spTgt spid="35"/>
+                                        </p:tgtEl>
+                                        <p:attrNameLst>
+                                          <p:attrName>style.visibility</p:attrName>
+                                        </p:attrNameLst>
+                                      </p:cBhvr>
+                                      <p:to>
+                                        <p:strVal val="hidden"/>
+                                      </p:to>
+                                    </p:set>
+                                  </p:childTnLst>
+                                </p:cTn>
+                              </p:par>
+                              <p:par>
+                                <p:cTn id="67" presetID="1" presetClass="exit" presetSubtype="0" fill="hold" grpId="1" nodeType="withEffect">
+                                  <p:stCondLst>
+                                    <p:cond delay="0"/>
+                                  </p:stCondLst>
+                                  <p:childTnLst>
+                                    <p:set>
+                                      <p:cBhvr>
+                                        <p:cTn id="68" dur="1" fill="hold">
+                                          <p:stCondLst>
+                                            <p:cond delay="0"/>
+                                          </p:stCondLst>
+                                        </p:cTn>
+                                        <p:tgtEl>
+                                          <p:spTgt spid="36"/>
+                                        </p:tgtEl>
+                                        <p:attrNameLst>
+                                          <p:attrName>style.visibility</p:attrName>
+                                        </p:attrNameLst>
+                                      </p:cBhvr>
+                                      <p:to>
+                                        <p:strVal val="hidden"/>
+                                      </p:to>
+                                    </p:set>
+                                  </p:childTnLst>
+                                </p:cTn>
+                              </p:par>
+                              <p:par>
+                                <p:cTn id="69" presetID="1" presetClass="exit" presetSubtype="0" fill="hold" grpId="1" nodeType="withEffect">
+                                  <p:stCondLst>
+                                    <p:cond delay="0"/>
+                                  </p:stCondLst>
+                                  <p:childTnLst>
+                                    <p:set>
+                                      <p:cBhvr>
+                                        <p:cTn id="70" dur="1" fill="hold">
+                                          <p:stCondLst>
+                                            <p:cond delay="0"/>
+                                          </p:stCondLst>
+                                        </p:cTn>
+                                        <p:tgtEl>
+                                          <p:spTgt spid="37"/>
+                                        </p:tgtEl>
+                                        <p:attrNameLst>
+                                          <p:attrName>style.visibility</p:attrName>
+                                        </p:attrNameLst>
+                                      </p:cBhvr>
+                                      <p:to>
+                                        <p:strVal val="hidden"/>
+                                      </p:to>
+                                    </p:set>
+                                  </p:childTnLst>
+                                </p:cTn>
+                              </p:par>
+                              <p:par>
+                                <p:cTn id="71" presetID="1" presetClass="exit" presetSubtype="0" fill="hold" grpId="0" nodeType="withEffect">
+                                  <p:stCondLst>
+                                    <p:cond delay="0"/>
+                                  </p:stCondLst>
+                                  <p:childTnLst>
+                                    <p:set>
+                                      <p:cBhvr>
+                                        <p:cTn id="72" dur="1" fill="hold">
+                                          <p:stCondLst>
+                                            <p:cond delay="0"/>
+                                          </p:stCondLst>
+                                        </p:cTn>
+                                        <p:tgtEl>
+                                          <p:spTgt spid="39"/>
+                                        </p:tgtEl>
+                                        <p:attrNameLst>
+                                          <p:attrName>style.visibility</p:attrName>
+                                        </p:attrNameLst>
+                                      </p:cBhvr>
+                                      <p:to>
+                                        <p:strVal val="hidden"/>
+                                      </p:to>
+                                    </p:set>
+                                  </p:childTnLst>
+                                </p:cTn>
+                              </p:par>
+                              <p:par>
+                                <p:cTn id="73" presetID="1" presetClass="exit" presetSubtype="0" fill="hold" grpId="0" nodeType="withEffect">
+                                  <p:stCondLst>
+                                    <p:cond delay="0"/>
+                                  </p:stCondLst>
+                                  <p:childTnLst>
+                                    <p:set>
+                                      <p:cBhvr>
+                                        <p:cTn id="74" dur="1" fill="hold">
+                                          <p:stCondLst>
+                                            <p:cond delay="0"/>
+                                          </p:stCondLst>
+                                        </p:cTn>
+                                        <p:tgtEl>
+                                          <p:spTgt spid="32"/>
+                                        </p:tgtEl>
+                                        <p:attrNameLst>
+                                          <p:attrName>style.visibility</p:attrName>
+                                        </p:attrNameLst>
+                                      </p:cBhvr>
+                                      <p:to>
+                                        <p:strVal val="hidden"/>
+                                      </p:to>
+                                    </p:set>
+                                  </p:childTnLst>
+                                </p:cTn>
+                              </p:par>
+                              <p:par>
+                                <p:cTn id="75" presetID="1" presetClass="exit" presetSubtype="0" fill="hold" grpId="0" nodeType="withEffect">
+                                  <p:stCondLst>
+                                    <p:cond delay="0"/>
+                                  </p:stCondLst>
+                                  <p:childTnLst>
+                                    <p:set>
+                                      <p:cBhvr>
+                                        <p:cTn id="76" dur="1" fill="hold">
+                                          <p:stCondLst>
+                                            <p:cond delay="0"/>
+                                          </p:stCondLst>
+                                        </p:cTn>
+                                        <p:tgtEl>
+                                          <p:spTgt spid="33"/>
+                                        </p:tgtEl>
+                                        <p:attrNameLst>
+                                          <p:attrName>style.visibility</p:attrName>
+                                        </p:attrNameLst>
+                                      </p:cBhvr>
+                                      <p:to>
+                                        <p:strVal val="hidden"/>
+                                      </p:to>
+                                    </p:set>
+                                  </p:childTnLst>
+                                </p:cTn>
+                              </p:par>
+                              <p:par>
+                                <p:cTn id="77" presetID="1" presetClass="exit" presetSubtype="0" fill="hold" grpId="0" nodeType="withEffect">
+                                  <p:stCondLst>
+                                    <p:cond delay="0"/>
+                                  </p:stCondLst>
+                                  <p:childTnLst>
+                                    <p:set>
+                                      <p:cBhvr>
+                                        <p:cTn id="78" dur="1" fill="hold">
+                                          <p:stCondLst>
+                                            <p:cond delay="0"/>
+                                          </p:stCondLst>
+                                        </p:cTn>
+                                        <p:tgtEl>
+                                          <p:spTgt spid="34"/>
+                                        </p:tgtEl>
+                                        <p:attrNameLst>
+                                          <p:attrName>style.visibility</p:attrName>
+                                        </p:attrNameLst>
+                                      </p:cBhvr>
+                                      <p:to>
+                                        <p:strVal val="hidden"/>
+                                      </p:to>
+                                    </p:set>
+                                  </p:childTnLst>
+                                </p:cTn>
+                              </p:par>
+                              <p:par>
+                                <p:cTn id="79" presetID="1" presetClass="exit" presetSubtype="0" fill="hold" grpId="0" nodeType="withEffect">
+                                  <p:stCondLst>
+                                    <p:cond delay="0"/>
+                                  </p:stCondLst>
+                                  <p:childTnLst>
+                                    <p:set>
+                                      <p:cBhvr>
+                                        <p:cTn id="80" dur="1" fill="hold">
+                                          <p:stCondLst>
+                                            <p:cond delay="0"/>
+                                          </p:stCondLst>
+                                        </p:cTn>
+                                        <p:tgtEl>
+                                          <p:spTgt spid="38"/>
+                                        </p:tgtEl>
+                                        <p:attrNameLst>
+                                          <p:attrName>style.visibility</p:attrName>
+                                        </p:attrNameLst>
+                                      </p:cBhvr>
+                                      <p:to>
+                                        <p:strVal val="hidden"/>
+                                      </p:to>
+                                    </p:set>
+                                  </p:childTnLst>
+                                </p:cTn>
+                              </p:par>
+                              <p:par>
+                                <p:cTn id="81" presetID="1" presetClass="exit" presetSubtype="0" fill="hold" grpId="0" nodeType="withEffect">
+                                  <p:stCondLst>
+                                    <p:cond delay="0"/>
+                                  </p:stCondLst>
+                                  <p:childTnLst>
+                                    <p:set>
+                                      <p:cBhvr>
+                                        <p:cTn id="82" dur="1" fill="hold">
+                                          <p:stCondLst>
+                                            <p:cond delay="0"/>
+                                          </p:stCondLst>
+                                        </p:cTn>
+                                        <p:tgtEl>
+                                          <p:spTgt spid="40"/>
+                                        </p:tgtEl>
+                                        <p:attrNameLst>
+                                          <p:attrName>style.visibility</p:attrName>
+                                        </p:attrNameLst>
+                                      </p:cBhvr>
+                                      <p:to>
+                                        <p:strVal val="hidden"/>
+                                      </p:to>
+                                    </p:set>
+                                  </p:childTnLst>
+                                </p:cTn>
+                              </p:par>
+                              <p:par>
+                                <p:cTn id="83" presetID="1" presetClass="exit" presetSubtype="0" fill="hold" grpId="0" nodeType="withEffect">
+                                  <p:stCondLst>
+                                    <p:cond delay="0"/>
+                                  </p:stCondLst>
+                                  <p:childTnLst>
+                                    <p:set>
+                                      <p:cBhvr>
+                                        <p:cTn id="84" dur="1" fill="hold">
+                                          <p:stCondLst>
+                                            <p:cond delay="0"/>
+                                          </p:stCondLst>
+                                        </p:cTn>
+                                        <p:tgtEl>
+                                          <p:spTgt spid="41"/>
+                                        </p:tgtEl>
+                                        <p:attrNameLst>
+                                          <p:attrName>style.visibility</p:attrName>
+                                        </p:attrNameLst>
+                                      </p:cBhvr>
+                                      <p:to>
+                                        <p:strVal val="hidden"/>
+                                      </p:to>
+                                    </p:set>
+                                  </p:childTnLst>
+                                </p:cTn>
+                              </p:par>
+                            </p:childTnLst>
+                          </p:cTn>
+                        </p:par>
+                      </p:childTnLst>
+                    </p:cTn>
+                  </p:par>
+                </p:childTnLst>
+              </p:cTn>
+              <p:prevCondLst>
+                <p:cond evt="onPrev" delay="0">
+                  <p:tgtEl>
+                    <p:sldTgt/>
+                  </p:tgtEl>
+                </p:cond>
+              </p:prevCondLst>
+              <p:nextCondLst>
+                <p:cond evt="onNext" delay="0">
+                  <p:tgtEl>
+                    <p:sldTgt/>
+                  </p:tgtEl>
+                </p:cond>
+              </p:nextCondLst>
+            </p:seq>
+          </p:childTnLst>
+        </p:cTn>
+      </p:par>
+    </p:tnLst>
+    <p:bldLst>
+      <p:bldP spid="4" grpId="0" animBg="1"/>
+      <p:bldP spid="5" grpId="0" animBg="1"/>
+      <p:bldP spid="6" grpId="0" animBg="1"/>
+      <p:bldP spid="7" grpId="0" animBg="1"/>
+      <p:bldP spid="8" grpId="0" animBg="1"/>
+      <p:bldP spid="9" grpId="0"/>
+      <p:bldP spid="10" grpId="0"/>
+      <p:bldP spid="17" grpId="0" animBg="1"/>
+      <p:bldP spid="18" grpId="0" animBg="1"/>
+      <p:bldP spid="19" grpId="0" animBg="1"/>
+      <p:bldP spid="20" grpId="0" animBg="1"/>
+      <p:bldP spid="21" grpId="0"/>
+      <p:bldP spid="22" grpId="0" animBg="1"/>
+      <p:bldP spid="23" grpId="0" animBg="1"/>
+      <p:bldP spid="24" grpId="0" animBg="1"/>
+      <p:bldP spid="24" grpId="1" animBg="1"/>
+      <p:bldP spid="25" grpId="0"/>
+      <p:bldP spid="25" grpId="1"/>
+      <p:bldP spid="26" grpId="0" animBg="1"/>
+      <p:bldP spid="26" grpId="1" animBg="1"/>
+      <p:bldP spid="27" grpId="0" animBg="1"/>
+      <p:bldP spid="27" grpId="1" animBg="1"/>
+      <p:bldP spid="29" grpId="0"/>
+      <p:bldP spid="29" grpId="1"/>
+      <p:bldP spid="35" grpId="0" animBg="1"/>
+      <p:bldP spid="35" grpId="1" animBg="1"/>
+      <p:bldP spid="36" grpId="0" animBg="1"/>
+      <p:bldP spid="36" grpId="1" animBg="1"/>
+      <p:bldP spid="37" grpId="0"/>
+      <p:bldP spid="37" grpId="1"/>
+      <p:bldP spid="39" grpId="0"/>
+      <p:bldP spid="32" grpId="0" animBg="1"/>
+      <p:bldP spid="33" grpId="0" animBg="1"/>
+      <p:bldP spid="34" grpId="0" animBg="1"/>
+      <p:bldP spid="38" grpId="0"/>
+      <p:bldP spid="40" grpId="0" animBg="1"/>
+      <p:bldP spid="41" grpId="0" animBg="1"/>
+    </p:bldLst>
+  </p:timing>
+</p:sld>
+</file>
+
+<file path=ppt/slides/slide11.xml><?xml version="1.0" encoding="utf-8"?>
 <p:sld xmlns:a="http://schemas.openxmlformats.org/drawingml/2006/main" xmlns:r="http://schemas.openxmlformats.org/officeDocument/2006/relationships" xmlns:p="http://schemas.openxmlformats.org/presentationml/2006/main">
   <p:cSld>
     <p:spTree>
@@ -14411,7 +17581,7 @@
         </p:nvSpPr>
         <p:spPr>
           <a:xfrm>
-            <a:off x="1653231" y="1570222"/>
+            <a:off x="1404986" y="1707748"/>
             <a:ext cx="3299770" cy="338554"/>
           </a:xfrm>
           <a:prstGeom prst="rect">
@@ -14512,7 +17682,7 @@
         </p:nvSpPr>
         <p:spPr>
           <a:xfrm>
-            <a:off x="3467100" y="783052"/>
+            <a:off x="3269069" y="783185"/>
             <a:ext cx="228600" cy="152400"/>
           </a:xfrm>
           <a:prstGeom prst="triangle">
@@ -14574,8 +17744,8 @@
         </p:nvCxnSpPr>
         <p:spPr>
           <a:xfrm rot="5400000" flipH="1" flipV="1">
-            <a:off x="3124873" y="1113695"/>
-            <a:ext cx="634770" cy="278284"/>
+            <a:off x="2833039" y="1157418"/>
+            <a:ext cx="772163" cy="328498"/>
           </a:xfrm>
           <a:prstGeom prst="bentConnector3">
             <a:avLst>
@@ -14610,8 +17780,8 @@
         </p:nvCxnSpPr>
         <p:spPr>
           <a:xfrm rot="16200000" flipV="1">
-            <a:off x="4562851" y="-45998"/>
-            <a:ext cx="629107" cy="2592007"/>
+            <a:off x="4401382" y="-82428"/>
+            <a:ext cx="746692" cy="2782718"/>
           </a:xfrm>
           <a:prstGeom prst="bentConnector3">
             <a:avLst>
@@ -14642,7 +17812,7 @@
         </p:nvSpPr>
         <p:spPr>
           <a:xfrm>
-            <a:off x="5238604" y="1564559"/>
+            <a:off x="5231284" y="1682277"/>
             <a:ext cx="1869605" cy="338554"/>
           </a:xfrm>
           <a:prstGeom prst="rect">
@@ -15116,7 +18286,7 @@
         </p:nvSpPr>
         <p:spPr>
           <a:xfrm>
-            <a:off x="1653231" y="1866944"/>
+            <a:off x="1404986" y="2004470"/>
             <a:ext cx="3299770" cy="1323439"/>
           </a:xfrm>
           <a:prstGeom prst="rect">
@@ -15442,58 +18612,6 @@
           </a:p>
         </p:txBody>
       </p:sp>
-      <p:cxnSp>
-        <p:nvCxnSpPr>
-          <p:cNvPr id="45" name="Straight Arrow Connector 44">
-            <a:extLst>
-              <a:ext uri="{FF2B5EF4-FFF2-40B4-BE49-F238E27FC236}">
-                <a16:creationId xmlns:a16="http://schemas.microsoft.com/office/drawing/2014/main" id="{4A633286-662F-4C79-A87F-BF167D32C038}"/>
-              </a:ext>
-            </a:extLst>
-          </p:cNvPr>
-          <p:cNvCxnSpPr>
-            <a:cxnSpLocks/>
-            <a:stCxn id="37" idx="2"/>
-            <a:endCxn id="26" idx="1"/>
-          </p:cNvCxnSpPr>
-          <p:nvPr/>
-        </p:nvCxnSpPr>
-        <p:spPr>
-          <a:xfrm rot="5400000" flipH="1" flipV="1">
-            <a:off x="4251576" y="1876878"/>
-            <a:ext cx="365045" cy="2261966"/>
-          </a:xfrm>
-          <a:prstGeom prst="bentConnector4">
-            <a:avLst>
-              <a:gd name="adj1" fmla="val -62622"/>
-              <a:gd name="adj2" fmla="val 86470"/>
-            </a:avLst>
-          </a:prstGeom>
-          <a:ln w="9525" cap="flat" cmpd="sng" algn="ctr">
-            <a:solidFill>
-              <a:srgbClr val="FF0000"/>
-            </a:solidFill>
-            <a:prstDash val="solid"/>
-            <a:round/>
-            <a:headEnd type="none" w="med" len="med"/>
-            <a:tailEnd type="arrow" w="med" len="med"/>
-          </a:ln>
-        </p:spPr>
-        <p:style>
-          <a:lnRef idx="0">
-            <a:scrgbClr r="0" g="0" b="0"/>
-          </a:lnRef>
-          <a:fillRef idx="0">
-            <a:scrgbClr r="0" g="0" b="0"/>
-          </a:fillRef>
-          <a:effectRef idx="0">
-            <a:scrgbClr r="0" g="0" b="0"/>
-          </a:effectRef>
-          <a:fontRef idx="minor">
-            <a:schemeClr val="tx1"/>
-          </a:fontRef>
-        </p:style>
-      </p:cxnSp>
       <p:sp>
         <p:nvSpPr>
           <p:cNvPr id="48" name="Rectangle 47">
@@ -15882,7 +19000,7 @@
         </p:nvSpPr>
         <p:spPr>
           <a:xfrm>
-            <a:off x="6857999" y="196808"/>
+            <a:off x="6882244" y="76924"/>
             <a:ext cx="3299772" cy="338554"/>
           </a:xfrm>
           <a:prstGeom prst="rect">
@@ -15938,7 +19056,7 @@
         </p:nvSpPr>
         <p:spPr>
           <a:xfrm>
-            <a:off x="6858001" y="540202"/>
+            <a:off x="6882246" y="420318"/>
             <a:ext cx="3299770" cy="584775"/>
           </a:xfrm>
           <a:prstGeom prst="rect">
@@ -16342,7 +19460,7 @@
         </p:nvSpPr>
         <p:spPr>
           <a:xfrm>
-            <a:off x="5238605" y="1903113"/>
+            <a:off x="5231285" y="2020831"/>
             <a:ext cx="1869605" cy="338554"/>
           </a:xfrm>
           <a:prstGeom prst="rect">
@@ -16425,7 +19543,7 @@
         </p:nvCxnSpPr>
         <p:spPr>
           <a:xfrm>
-            <a:off x="6173408" y="2241667"/>
+            <a:off x="6166088" y="2359385"/>
             <a:ext cx="0" cy="358767"/>
           </a:xfrm>
           <a:prstGeom prst="line">
@@ -16495,6 +19613,140 @@
           </a:fontRef>
         </p:style>
       </p:cxnSp>
+      <p:cxnSp>
+        <p:nvCxnSpPr>
+          <p:cNvPr id="5" name="Straight Connector 4">
+            <a:extLst>
+              <a:ext uri="{FF2B5EF4-FFF2-40B4-BE49-F238E27FC236}">
+                <a16:creationId xmlns:a16="http://schemas.microsoft.com/office/drawing/2014/main" id="{0EFD66F3-89A7-4793-B1F0-313A9014D0FE}"/>
+              </a:ext>
+            </a:extLst>
+          </p:cNvPr>
+          <p:cNvCxnSpPr>
+            <a:cxnSpLocks/>
+            <a:stCxn id="37" idx="2"/>
+          </p:cNvCxnSpPr>
+          <p:nvPr/>
+        </p:nvCxnSpPr>
+        <p:spPr>
+          <a:xfrm rot="5400000" flipH="1" flipV="1">
+            <a:off x="4201813" y="2039130"/>
+            <a:ext cx="141837" cy="2435722"/>
+          </a:xfrm>
+          <a:prstGeom prst="bentConnector4">
+            <a:avLst>
+              <a:gd name="adj1" fmla="val -161171"/>
+              <a:gd name="adj2" fmla="val 83868"/>
+            </a:avLst>
+          </a:prstGeom>
+          <a:ln>
+            <a:solidFill>
+              <a:srgbClr val="FF0000"/>
+            </a:solidFill>
+          </a:ln>
+        </p:spPr>
+        <p:style>
+          <a:lnRef idx="1">
+            <a:schemeClr val="accent2"/>
+          </a:lnRef>
+          <a:fillRef idx="0">
+            <a:schemeClr val="accent2"/>
+          </a:fillRef>
+          <a:effectRef idx="0">
+            <a:schemeClr val="accent2"/>
+          </a:effectRef>
+          <a:fontRef idx="minor">
+            <a:schemeClr val="tx1"/>
+          </a:fontRef>
+        </p:style>
+      </p:cxnSp>
+      <p:cxnSp>
+        <p:nvCxnSpPr>
+          <p:cNvPr id="27" name="Straight Connector 26">
+            <a:extLst>
+              <a:ext uri="{FF2B5EF4-FFF2-40B4-BE49-F238E27FC236}">
+                <a16:creationId xmlns:a16="http://schemas.microsoft.com/office/drawing/2014/main" id="{AE9E0391-30BA-4301-B13C-861A478078DD}"/>
+              </a:ext>
+            </a:extLst>
+          </p:cNvPr>
+          <p:cNvCxnSpPr>
+            <a:cxnSpLocks/>
+          </p:cNvCxnSpPr>
+          <p:nvPr/>
+        </p:nvCxnSpPr>
+        <p:spPr>
+          <a:xfrm rot="16200000" flipH="1">
+            <a:off x="5271230" y="-604849"/>
+            <a:ext cx="1892718" cy="4629103"/>
+          </a:xfrm>
+          <a:prstGeom prst="bentConnector3">
+            <a:avLst>
+              <a:gd name="adj1" fmla="val 19007"/>
+            </a:avLst>
+          </a:prstGeom>
+          <a:ln>
+            <a:solidFill>
+              <a:srgbClr val="FF0000"/>
+            </a:solidFill>
+          </a:ln>
+        </p:spPr>
+        <p:style>
+          <a:lnRef idx="1">
+            <a:schemeClr val="accent1"/>
+          </a:lnRef>
+          <a:fillRef idx="0">
+            <a:schemeClr val="accent1"/>
+          </a:fillRef>
+          <a:effectRef idx="0">
+            <a:schemeClr val="accent1"/>
+          </a:effectRef>
+          <a:fontRef idx="minor">
+            <a:schemeClr val="tx1"/>
+          </a:fontRef>
+        </p:style>
+      </p:cxnSp>
+      <p:sp>
+        <p:nvSpPr>
+          <p:cNvPr id="53" name="TextBox 52">
+            <a:extLst>
+              <a:ext uri="{FF2B5EF4-FFF2-40B4-BE49-F238E27FC236}">
+                <a16:creationId xmlns:a16="http://schemas.microsoft.com/office/drawing/2014/main" id="{4895A2A1-B7F4-45F9-88BC-B40C112539C9}"/>
+              </a:ext>
+            </a:extLst>
+          </p:cNvPr>
+          <p:cNvSpPr txBox="1"/>
+          <p:nvPr/>
+        </p:nvSpPr>
+        <p:spPr>
+          <a:xfrm>
+            <a:off x="8648808" y="2286625"/>
+            <a:ext cx="609600" cy="338554"/>
+          </a:xfrm>
+          <a:prstGeom prst="rect">
+            <a:avLst/>
+          </a:prstGeom>
+          <a:noFill/>
+        </p:spPr>
+        <p:txBody>
+          <a:bodyPr wrap="square" rtlCol="0">
+            <a:spAutoFit/>
+          </a:bodyPr>
+          <a:lstStyle/>
+          <a:p>
+            <a:pPr>
+              <a:defRPr/>
+            </a:pPr>
+            <a:r>
+              <a:rPr lang="en-US" sz="1600" kern="0" dirty="0">
+                <a:solidFill>
+                  <a:sysClr val="windowText" lastClr="000000"/>
+                </a:solidFill>
+              </a:rPr>
+              <a:t>1</a:t>
+            </a:r>
+          </a:p>
+        </p:txBody>
+      </p:sp>
     </p:spTree>
     <p:extLst>
       <p:ext uri="{BB962C8B-B14F-4D97-AF65-F5344CB8AC3E}">
@@ -16509,6 +19761,587 @@
 </file>
 
 <file path=ppt/slides/slide4.xml><?xml version="1.0" encoding="utf-8"?>
+<p:sld xmlns:a="http://schemas.openxmlformats.org/drawingml/2006/main" xmlns:r="http://schemas.openxmlformats.org/officeDocument/2006/relationships" xmlns:p="http://schemas.openxmlformats.org/presentationml/2006/main">
+  <p:cSld>
+    <p:spTree>
+      <p:nvGrpSpPr>
+        <p:cNvPr id="1" name=""/>
+        <p:cNvGrpSpPr/>
+        <p:nvPr/>
+      </p:nvGrpSpPr>
+      <p:grpSpPr>
+        <a:xfrm>
+          <a:off x="0" y="0"/>
+          <a:ext cx="0" cy="0"/>
+          <a:chOff x="0" y="0"/>
+          <a:chExt cx="0" cy="0"/>
+        </a:xfrm>
+      </p:grpSpPr>
+      <p:pic>
+        <p:nvPicPr>
+          <p:cNvPr id="5" name="Picture 4" descr="A screenshot of a social media post&#10;&#10;Description automatically generated">
+            <a:extLst>
+              <a:ext uri="{FF2B5EF4-FFF2-40B4-BE49-F238E27FC236}">
+                <a16:creationId xmlns:a16="http://schemas.microsoft.com/office/drawing/2014/main" id="{0A35602F-2C9C-4359-946E-BA78051CAD22}"/>
+              </a:ext>
+            </a:extLst>
+          </p:cNvPr>
+          <p:cNvPicPr>
+            <a:picLocks noChangeAspect="1"/>
+          </p:cNvPicPr>
+          <p:nvPr/>
+        </p:nvPicPr>
+        <p:blipFill>
+          <a:blip r:embed="rId2">
+            <a:extLst>
+              <a:ext uri="{28A0092B-C50C-407E-A947-70E740481C1C}">
+                <a14:useLocalDpi xmlns:a14="http://schemas.microsoft.com/office/drawing/2010/main" val="0"/>
+              </a:ext>
+            </a:extLst>
+          </a:blip>
+          <a:stretch>
+            <a:fillRect/>
+          </a:stretch>
+        </p:blipFill>
+        <p:spPr>
+          <a:xfrm>
+            <a:off x="663993" y="24089"/>
+            <a:ext cx="10864014" cy="6809822"/>
+          </a:xfrm>
+          <a:prstGeom prst="rect">
+            <a:avLst/>
+          </a:prstGeom>
+        </p:spPr>
+      </p:pic>
+      <p:grpSp>
+        <p:nvGrpSpPr>
+          <p:cNvPr id="6" name="Group 40">
+            <a:extLst>
+              <a:ext uri="{FF2B5EF4-FFF2-40B4-BE49-F238E27FC236}">
+                <a16:creationId xmlns:a16="http://schemas.microsoft.com/office/drawing/2014/main" id="{B3F1A587-1583-4A73-A9BB-35902F23E1CF}"/>
+              </a:ext>
+            </a:extLst>
+          </p:cNvPr>
+          <p:cNvGrpSpPr/>
+          <p:nvPr/>
+        </p:nvGrpSpPr>
+        <p:grpSpPr>
+          <a:xfrm>
+            <a:off x="3438016" y="2144783"/>
+            <a:ext cx="276298" cy="210590"/>
+            <a:chOff x="2660072" y="4394662"/>
+            <a:chExt cx="276298" cy="210590"/>
+          </a:xfrm>
+        </p:grpSpPr>
+        <p:cxnSp>
+          <p:nvCxnSpPr>
+            <p:cNvPr id="7" name="Straight Connector 6">
+              <a:extLst>
+                <a:ext uri="{FF2B5EF4-FFF2-40B4-BE49-F238E27FC236}">
+                  <a16:creationId xmlns:a16="http://schemas.microsoft.com/office/drawing/2014/main" id="{EE3B866F-9621-492A-8B8A-C58B372E416F}"/>
+                </a:ext>
+              </a:extLst>
+            </p:cNvPr>
+            <p:cNvCxnSpPr/>
+            <p:nvPr/>
+          </p:nvCxnSpPr>
+          <p:spPr>
+            <a:xfrm>
+              <a:off x="2660072" y="4394662"/>
+              <a:ext cx="276298" cy="0"/>
+            </a:xfrm>
+            <a:prstGeom prst="line">
+              <a:avLst/>
+            </a:prstGeom>
+            <a:ln w="19050">
+              <a:solidFill>
+                <a:schemeClr val="accent1">
+                  <a:lumMod val="75000"/>
+                </a:schemeClr>
+              </a:solidFill>
+            </a:ln>
+          </p:spPr>
+          <p:style>
+            <a:lnRef idx="1">
+              <a:schemeClr val="accent1"/>
+            </a:lnRef>
+            <a:fillRef idx="0">
+              <a:schemeClr val="accent1"/>
+            </a:fillRef>
+            <a:effectRef idx="0">
+              <a:schemeClr val="accent1"/>
+            </a:effectRef>
+            <a:fontRef idx="minor">
+              <a:schemeClr val="tx1"/>
+            </a:fontRef>
+          </p:style>
+        </p:cxnSp>
+        <p:cxnSp>
+          <p:nvCxnSpPr>
+            <p:cNvPr id="8" name="Straight Connector 7">
+              <a:extLst>
+                <a:ext uri="{FF2B5EF4-FFF2-40B4-BE49-F238E27FC236}">
+                  <a16:creationId xmlns:a16="http://schemas.microsoft.com/office/drawing/2014/main" id="{B8657D83-8791-418C-B0D7-5A9308C79815}"/>
+                </a:ext>
+              </a:extLst>
+            </p:cNvPr>
+            <p:cNvCxnSpPr/>
+            <p:nvPr/>
+          </p:nvCxnSpPr>
+          <p:spPr>
+            <a:xfrm rot="5400000">
+              <a:off x="2871058" y="4455225"/>
+              <a:ext cx="110045" cy="1"/>
+            </a:xfrm>
+            <a:prstGeom prst="line">
+              <a:avLst/>
+            </a:prstGeom>
+            <a:ln w="19050">
+              <a:solidFill>
+                <a:schemeClr val="accent1">
+                  <a:lumMod val="75000"/>
+                </a:schemeClr>
+              </a:solidFill>
+            </a:ln>
+          </p:spPr>
+          <p:style>
+            <a:lnRef idx="1">
+              <a:schemeClr val="accent1"/>
+            </a:lnRef>
+            <a:fillRef idx="0">
+              <a:schemeClr val="accent1"/>
+            </a:fillRef>
+            <a:effectRef idx="0">
+              <a:schemeClr val="accent1"/>
+            </a:effectRef>
+            <a:fontRef idx="minor">
+              <a:schemeClr val="tx1"/>
+            </a:fontRef>
+          </p:style>
+        </p:cxnSp>
+        <p:cxnSp>
+          <p:nvCxnSpPr>
+            <p:cNvPr id="9" name="Straight Connector 8">
+              <a:extLst>
+                <a:ext uri="{FF2B5EF4-FFF2-40B4-BE49-F238E27FC236}">
+                  <a16:creationId xmlns:a16="http://schemas.microsoft.com/office/drawing/2014/main" id="{29A0D8CB-54BC-49D2-A108-5C236B1885C0}"/>
+                </a:ext>
+              </a:extLst>
+            </p:cNvPr>
+            <p:cNvCxnSpPr/>
+            <p:nvPr/>
+          </p:nvCxnSpPr>
+          <p:spPr>
+            <a:xfrm flipV="1">
+              <a:off x="2753491" y="4498373"/>
+              <a:ext cx="178130" cy="106879"/>
+            </a:xfrm>
+            <a:prstGeom prst="line">
+              <a:avLst/>
+            </a:prstGeom>
+            <a:ln>
+              <a:solidFill>
+                <a:schemeClr val="accent1">
+                  <a:lumMod val="75000"/>
+                </a:schemeClr>
+              </a:solidFill>
+              <a:headEnd type="triangle" w="med" len="med"/>
+              <a:tailEnd type="none" w="med" len="med"/>
+            </a:ln>
+          </p:spPr>
+          <p:style>
+            <a:lnRef idx="1">
+              <a:schemeClr val="accent1"/>
+            </a:lnRef>
+            <a:fillRef idx="0">
+              <a:schemeClr val="accent1"/>
+            </a:fillRef>
+            <a:effectRef idx="0">
+              <a:schemeClr val="accent1"/>
+            </a:effectRef>
+            <a:fontRef idx="minor">
+              <a:schemeClr val="tx1"/>
+            </a:fontRef>
+          </p:style>
+        </p:cxnSp>
+      </p:grpSp>
+      <p:grpSp>
+        <p:nvGrpSpPr>
+          <p:cNvPr id="10" name="Group 40">
+            <a:extLst>
+              <a:ext uri="{FF2B5EF4-FFF2-40B4-BE49-F238E27FC236}">
+                <a16:creationId xmlns:a16="http://schemas.microsoft.com/office/drawing/2014/main" id="{7ADB39ED-AB88-4627-BAD8-B8742881690B}"/>
+              </a:ext>
+            </a:extLst>
+          </p:cNvPr>
+          <p:cNvGrpSpPr/>
+          <p:nvPr/>
+        </p:nvGrpSpPr>
+        <p:grpSpPr>
+          <a:xfrm>
+            <a:off x="3438016" y="4183753"/>
+            <a:ext cx="276298" cy="210590"/>
+            <a:chOff x="2660072" y="4394662"/>
+            <a:chExt cx="276298" cy="210590"/>
+          </a:xfrm>
+        </p:grpSpPr>
+        <p:cxnSp>
+          <p:nvCxnSpPr>
+            <p:cNvPr id="11" name="Straight Connector 10">
+              <a:extLst>
+                <a:ext uri="{FF2B5EF4-FFF2-40B4-BE49-F238E27FC236}">
+                  <a16:creationId xmlns:a16="http://schemas.microsoft.com/office/drawing/2014/main" id="{BC85D57F-B445-4E44-A467-59601BE1E692}"/>
+                </a:ext>
+              </a:extLst>
+            </p:cNvPr>
+            <p:cNvCxnSpPr/>
+            <p:nvPr/>
+          </p:nvCxnSpPr>
+          <p:spPr>
+            <a:xfrm>
+              <a:off x="2660072" y="4394662"/>
+              <a:ext cx="276298" cy="0"/>
+            </a:xfrm>
+            <a:prstGeom prst="line">
+              <a:avLst/>
+            </a:prstGeom>
+            <a:ln w="19050">
+              <a:solidFill>
+                <a:schemeClr val="accent1">
+                  <a:lumMod val="75000"/>
+                </a:schemeClr>
+              </a:solidFill>
+            </a:ln>
+          </p:spPr>
+          <p:style>
+            <a:lnRef idx="1">
+              <a:schemeClr val="accent1"/>
+            </a:lnRef>
+            <a:fillRef idx="0">
+              <a:schemeClr val="accent1"/>
+            </a:fillRef>
+            <a:effectRef idx="0">
+              <a:schemeClr val="accent1"/>
+            </a:effectRef>
+            <a:fontRef idx="minor">
+              <a:schemeClr val="tx1"/>
+            </a:fontRef>
+          </p:style>
+        </p:cxnSp>
+        <p:cxnSp>
+          <p:nvCxnSpPr>
+            <p:cNvPr id="12" name="Straight Connector 11">
+              <a:extLst>
+                <a:ext uri="{FF2B5EF4-FFF2-40B4-BE49-F238E27FC236}">
+                  <a16:creationId xmlns:a16="http://schemas.microsoft.com/office/drawing/2014/main" id="{39780C55-3936-4E35-9F0C-4246D2483B76}"/>
+                </a:ext>
+              </a:extLst>
+            </p:cNvPr>
+            <p:cNvCxnSpPr/>
+            <p:nvPr/>
+          </p:nvCxnSpPr>
+          <p:spPr>
+            <a:xfrm rot="5400000">
+              <a:off x="2871058" y="4455225"/>
+              <a:ext cx="110045" cy="1"/>
+            </a:xfrm>
+            <a:prstGeom prst="line">
+              <a:avLst/>
+            </a:prstGeom>
+            <a:ln w="19050">
+              <a:solidFill>
+                <a:schemeClr val="accent1">
+                  <a:lumMod val="75000"/>
+                </a:schemeClr>
+              </a:solidFill>
+            </a:ln>
+          </p:spPr>
+          <p:style>
+            <a:lnRef idx="1">
+              <a:schemeClr val="accent1"/>
+            </a:lnRef>
+            <a:fillRef idx="0">
+              <a:schemeClr val="accent1"/>
+            </a:fillRef>
+            <a:effectRef idx="0">
+              <a:schemeClr val="accent1"/>
+            </a:effectRef>
+            <a:fontRef idx="minor">
+              <a:schemeClr val="tx1"/>
+            </a:fontRef>
+          </p:style>
+        </p:cxnSp>
+        <p:cxnSp>
+          <p:nvCxnSpPr>
+            <p:cNvPr id="13" name="Straight Connector 12">
+              <a:extLst>
+                <a:ext uri="{FF2B5EF4-FFF2-40B4-BE49-F238E27FC236}">
+                  <a16:creationId xmlns:a16="http://schemas.microsoft.com/office/drawing/2014/main" id="{0FD46D3B-5A3F-42C3-A1CC-5954D9C05471}"/>
+                </a:ext>
+              </a:extLst>
+            </p:cNvPr>
+            <p:cNvCxnSpPr/>
+            <p:nvPr/>
+          </p:nvCxnSpPr>
+          <p:spPr>
+            <a:xfrm flipV="1">
+              <a:off x="2753491" y="4498373"/>
+              <a:ext cx="178130" cy="106879"/>
+            </a:xfrm>
+            <a:prstGeom prst="line">
+              <a:avLst/>
+            </a:prstGeom>
+            <a:ln>
+              <a:solidFill>
+                <a:schemeClr val="accent1">
+                  <a:lumMod val="75000"/>
+                </a:schemeClr>
+              </a:solidFill>
+              <a:headEnd type="triangle" w="med" len="med"/>
+              <a:tailEnd type="none" w="med" len="med"/>
+            </a:ln>
+          </p:spPr>
+          <p:style>
+            <a:lnRef idx="1">
+              <a:schemeClr val="accent1"/>
+            </a:lnRef>
+            <a:fillRef idx="0">
+              <a:schemeClr val="accent1"/>
+            </a:fillRef>
+            <a:effectRef idx="0">
+              <a:schemeClr val="accent1"/>
+            </a:effectRef>
+            <a:fontRef idx="minor">
+              <a:schemeClr val="tx1"/>
+            </a:fontRef>
+          </p:style>
+        </p:cxnSp>
+      </p:grpSp>
+      <p:sp>
+        <p:nvSpPr>
+          <p:cNvPr id="14" name="Rectangle 13">
+            <a:extLst>
+              <a:ext uri="{FF2B5EF4-FFF2-40B4-BE49-F238E27FC236}">
+                <a16:creationId xmlns:a16="http://schemas.microsoft.com/office/drawing/2014/main" id="{3DE0CFFB-D066-4109-AB14-FCE5F8745838}"/>
+              </a:ext>
+            </a:extLst>
+          </p:cNvPr>
+          <p:cNvSpPr/>
+          <p:nvPr/>
+        </p:nvSpPr>
+        <p:spPr>
+          <a:xfrm>
+            <a:off x="3335547" y="5032075"/>
+            <a:ext cx="195888" cy="287545"/>
+          </a:xfrm>
+          <a:prstGeom prst="rect">
+            <a:avLst/>
+          </a:prstGeom>
+          <a:noFill/>
+          <a:ln>
+            <a:solidFill>
+              <a:schemeClr val="bg1"/>
+            </a:solidFill>
+          </a:ln>
+        </p:spPr>
+        <p:style>
+          <a:lnRef idx="2">
+            <a:schemeClr val="accent1">
+              <a:shade val="50000"/>
+            </a:schemeClr>
+          </a:lnRef>
+          <a:fillRef idx="1">
+            <a:schemeClr val="accent1"/>
+          </a:fillRef>
+          <a:effectRef idx="0">
+            <a:schemeClr val="accent1"/>
+          </a:effectRef>
+          <a:fontRef idx="minor">
+            <a:schemeClr val="lt1"/>
+          </a:fontRef>
+        </p:style>
+        <p:txBody>
+          <a:bodyPr rtlCol="0" anchor="ctr"/>
+          <a:lstStyle/>
+          <a:p>
+            <a:pPr algn="ctr"/>
+            <a:endParaRPr lang="zh-CN" altLang="en-US"/>
+          </a:p>
+        </p:txBody>
+      </p:sp>
+      <p:sp>
+        <p:nvSpPr>
+          <p:cNvPr id="15" name="Rectangle 14">
+            <a:extLst>
+              <a:ext uri="{FF2B5EF4-FFF2-40B4-BE49-F238E27FC236}">
+                <a16:creationId xmlns:a16="http://schemas.microsoft.com/office/drawing/2014/main" id="{188A5DE7-39C3-43A2-84A3-A166652EECD6}"/>
+              </a:ext>
+            </a:extLst>
+          </p:cNvPr>
+          <p:cNvSpPr/>
+          <p:nvPr/>
+        </p:nvSpPr>
+        <p:spPr>
+          <a:xfrm>
+            <a:off x="3353305" y="5032075"/>
+            <a:ext cx="178130" cy="287537"/>
+          </a:xfrm>
+          <a:prstGeom prst="rect">
+            <a:avLst/>
+          </a:prstGeom>
+          <a:solidFill>
+            <a:schemeClr val="bg1"/>
+          </a:solidFill>
+          <a:ln>
+            <a:solidFill>
+              <a:schemeClr val="bg1"/>
+            </a:solidFill>
+          </a:ln>
+        </p:spPr>
+        <p:style>
+          <a:lnRef idx="2">
+            <a:schemeClr val="accent1">
+              <a:shade val="50000"/>
+            </a:schemeClr>
+          </a:lnRef>
+          <a:fillRef idx="1">
+            <a:schemeClr val="accent1"/>
+          </a:fillRef>
+          <a:effectRef idx="0">
+            <a:schemeClr val="accent1"/>
+          </a:effectRef>
+          <a:fontRef idx="minor">
+            <a:schemeClr val="lt1"/>
+          </a:fontRef>
+        </p:style>
+        <p:txBody>
+          <a:bodyPr rtlCol="0" anchor="ctr"/>
+          <a:lstStyle/>
+          <a:p>
+            <a:pPr algn="ctr"/>
+            <a:endParaRPr lang="zh-CN" altLang="en-US"/>
+          </a:p>
+        </p:txBody>
+      </p:sp>
+    </p:spTree>
+    <p:extLst>
+      <p:ext uri="{BB962C8B-B14F-4D97-AF65-F5344CB8AC3E}">
+        <p14:creationId xmlns:p14="http://schemas.microsoft.com/office/powerpoint/2010/main" val="2878510765"/>
+      </p:ext>
+    </p:extLst>
+  </p:cSld>
+  <p:clrMapOvr>
+    <a:masterClrMapping/>
+  </p:clrMapOvr>
+  <p:timing>
+    <p:tnLst>
+      <p:par>
+        <p:cTn id="1" dur="indefinite" restart="never" nodeType="tmRoot">
+          <p:childTnLst>
+            <p:seq concurrent="1" nextAc="seek">
+              <p:cTn id="2" dur="indefinite" nodeType="mainSeq">
+                <p:childTnLst>
+                  <p:par>
+                    <p:cTn id="3" fill="hold">
+                      <p:stCondLst>
+                        <p:cond delay="indefinite"/>
+                        <p:cond evt="onBegin" delay="0">
+                          <p:tn val="2"/>
+                        </p:cond>
+                      </p:stCondLst>
+                      <p:childTnLst>
+                        <p:par>
+                          <p:cTn id="4" fill="hold">
+                            <p:stCondLst>
+                              <p:cond delay="0"/>
+                            </p:stCondLst>
+                            <p:childTnLst>
+                              <p:par>
+                                <p:cTn id="5" presetID="1" presetClass="entr" presetSubtype="0" fill="hold" nodeType="withEffect">
+                                  <p:stCondLst>
+                                    <p:cond delay="0"/>
+                                  </p:stCondLst>
+                                  <p:childTnLst>
+                                    <p:set>
+                                      <p:cBhvr>
+                                        <p:cTn id="6" dur="1" fill="hold">
+                                          <p:stCondLst>
+                                            <p:cond delay="0"/>
+                                          </p:stCondLst>
+                                        </p:cTn>
+                                        <p:tgtEl>
+                                          <p:spTgt spid="6"/>
+                                        </p:tgtEl>
+                                        <p:attrNameLst>
+                                          <p:attrName>style.visibility</p:attrName>
+                                        </p:attrNameLst>
+                                      </p:cBhvr>
+                                      <p:to>
+                                        <p:strVal val="visible"/>
+                                      </p:to>
+                                    </p:set>
+                                  </p:childTnLst>
+                                </p:cTn>
+                              </p:par>
+                              <p:par>
+                                <p:cTn id="7" presetID="1" presetClass="entr" presetSubtype="0" fill="hold" nodeType="withEffect">
+                                  <p:stCondLst>
+                                    <p:cond delay="0"/>
+                                  </p:stCondLst>
+                                  <p:childTnLst>
+                                    <p:set>
+                                      <p:cBhvr>
+                                        <p:cTn id="8" dur="1" fill="hold">
+                                          <p:stCondLst>
+                                            <p:cond delay="0"/>
+                                          </p:stCondLst>
+                                        </p:cTn>
+                                        <p:tgtEl>
+                                          <p:spTgt spid="10"/>
+                                        </p:tgtEl>
+                                        <p:attrNameLst>
+                                          <p:attrName>style.visibility</p:attrName>
+                                        </p:attrNameLst>
+                                      </p:cBhvr>
+                                      <p:to>
+                                        <p:strVal val="visible"/>
+                                      </p:to>
+                                    </p:set>
+                                  </p:childTnLst>
+                                </p:cTn>
+                              </p:par>
+                            </p:childTnLst>
+                          </p:cTn>
+                        </p:par>
+                      </p:childTnLst>
+                    </p:cTn>
+                  </p:par>
+                </p:childTnLst>
+              </p:cTn>
+              <p:prevCondLst>
+                <p:cond evt="onPrev" delay="0">
+                  <p:tgtEl>
+                    <p:sldTgt/>
+                  </p:tgtEl>
+                </p:cond>
+              </p:prevCondLst>
+              <p:nextCondLst>
+                <p:cond evt="onNext" delay="0">
+                  <p:tgtEl>
+                    <p:sldTgt/>
+                  </p:tgtEl>
+                </p:cond>
+              </p:nextCondLst>
+            </p:seq>
+          </p:childTnLst>
+        </p:cTn>
+      </p:par>
+    </p:tnLst>
+  </p:timing>
+</p:sld>
+</file>
+
+<file path=ppt/slides/slide5.xml><?xml version="1.0" encoding="utf-8"?>
 <p:sld xmlns:a="http://schemas.openxmlformats.org/drawingml/2006/main" xmlns:r="http://schemas.openxmlformats.org/officeDocument/2006/relationships" xmlns:p="http://schemas.openxmlformats.org/presentationml/2006/main">
   <p:cSld>
     <p:spTree>
@@ -18319,7 +22152,7 @@
 </p:sld>
 </file>
 
-<file path=ppt/slides/slide5.xml><?xml version="1.0" encoding="utf-8"?>
+<file path=ppt/slides/slide6.xml><?xml version="1.0" encoding="utf-8"?>
 <p:sld xmlns:a="http://schemas.openxmlformats.org/drawingml/2006/main" xmlns:r="http://schemas.openxmlformats.org/officeDocument/2006/relationships" xmlns:p="http://schemas.openxmlformats.org/presentationml/2006/main">
   <p:cSld>
     <p:spTree>
@@ -20034,7 +23867,7 @@
 </p:sld>
 </file>
 
-<file path=ppt/slides/slide6.xml><?xml version="1.0" encoding="utf-8"?>
+<file path=ppt/slides/slide7.xml><?xml version="1.0" encoding="utf-8"?>
 <p:sld xmlns:a="http://schemas.openxmlformats.org/drawingml/2006/main" xmlns:r="http://schemas.openxmlformats.org/officeDocument/2006/relationships" xmlns:p="http://schemas.openxmlformats.org/presentationml/2006/main">
   <p:cSld>
     <p:spTree>
@@ -22175,7 +26008,7 @@
 </p:sld>
 </file>
 
-<file path=ppt/slides/slide7.xml><?xml version="1.0" encoding="utf-8"?>
+<file path=ppt/slides/slide8.xml><?xml version="1.0" encoding="utf-8"?>
 <p:sld xmlns:a="http://schemas.openxmlformats.org/drawingml/2006/main" xmlns:r="http://schemas.openxmlformats.org/officeDocument/2006/relationships" xmlns:p="http://schemas.openxmlformats.org/presentationml/2006/main">
   <p:cSld>
     <p:spTree>
@@ -23506,7 +27339,7 @@
 </p:sld>
 </file>
 
-<file path=ppt/slides/slide8.xml><?xml version="1.0" encoding="utf-8"?>
+<file path=ppt/slides/slide9.xml><?xml version="1.0" encoding="utf-8"?>
 <p:sld xmlns:a="http://schemas.openxmlformats.org/drawingml/2006/main" xmlns:r="http://schemas.openxmlformats.org/officeDocument/2006/relationships" xmlns:p="http://schemas.openxmlformats.org/presentationml/2006/main">
   <p:cSld>
     <p:spTree>
@@ -28555,3174 +32388,6 @@
 </p:sld>
 </file>
 
-<file path=ppt/slides/slide9.xml><?xml version="1.0" encoding="utf-8"?>
-<p:sld xmlns:a="http://schemas.openxmlformats.org/drawingml/2006/main" xmlns:r="http://schemas.openxmlformats.org/officeDocument/2006/relationships" xmlns:p="http://schemas.openxmlformats.org/presentationml/2006/main">
-  <p:cSld>
-    <p:spTree>
-      <p:nvGrpSpPr>
-        <p:cNvPr id="1" name=""/>
-        <p:cNvGrpSpPr/>
-        <p:nvPr/>
-      </p:nvGrpSpPr>
-      <p:grpSpPr>
-        <a:xfrm>
-          <a:off x="0" y="0"/>
-          <a:ext cx="0" cy="0"/>
-          <a:chOff x="0" y="0"/>
-          <a:chExt cx="0" cy="0"/>
-        </a:xfrm>
-      </p:grpSpPr>
-      <p:sp>
-        <p:nvSpPr>
-          <p:cNvPr id="3075" name="Rectangle 2"/>
-          <p:cNvSpPr>
-            <a:spLocks noGrp="1" noChangeArrowheads="1"/>
-          </p:cNvSpPr>
-          <p:nvPr>
-            <p:ph type="title"/>
-          </p:nvPr>
-        </p:nvSpPr>
-        <p:spPr>
-          <a:xfrm>
-            <a:off x="1981200" y="274638"/>
-            <a:ext cx="8229600" cy="506306"/>
-          </a:xfrm>
-        </p:spPr>
-        <p:txBody>
-          <a:bodyPr>
-            <a:normAutofit/>
-          </a:bodyPr>
-          <a:lstStyle/>
-          <a:p>
-            <a:pPr eaLnBrk="1" hangingPunct="1"/>
-            <a:r>
-              <a:rPr lang="en-US" sz="2400" dirty="0"/>
-              <a:t>Sequence diagrams [example]</a:t>
-            </a:r>
-          </a:p>
-        </p:txBody>
-      </p:sp>
-      <p:sp>
-        <p:nvSpPr>
-          <p:cNvPr id="4" name="Line 13"/>
-          <p:cNvSpPr>
-            <a:spLocks noChangeShapeType="1"/>
-          </p:cNvSpPr>
-          <p:nvPr/>
-        </p:nvSpPr>
-        <p:spPr bwMode="auto">
-          <a:xfrm>
-            <a:off x="2499606" y="1964212"/>
-            <a:ext cx="0" cy="4682206"/>
-          </a:xfrm>
-          <a:prstGeom prst="line">
-            <a:avLst/>
-          </a:prstGeom>
-          <a:ln>
-            <a:solidFill>
-              <a:schemeClr val="accent1"/>
-            </a:solidFill>
-            <a:prstDash val="sysDash"/>
-            <a:headEnd/>
-            <a:tailEnd/>
-          </a:ln>
-        </p:spPr>
-        <p:style>
-          <a:lnRef idx="2">
-            <a:schemeClr val="accent4"/>
-          </a:lnRef>
-          <a:fillRef idx="0">
-            <a:schemeClr val="accent4"/>
-          </a:fillRef>
-          <a:effectRef idx="1">
-            <a:schemeClr val="accent4"/>
-          </a:effectRef>
-          <a:fontRef idx="minor">
-            <a:schemeClr val="tx1"/>
-          </a:fontRef>
-        </p:style>
-        <p:txBody>
-          <a:bodyPr/>
-          <a:lstStyle/>
-          <a:p>
-            <a:pPr defTabSz="872733"/>
-            <a:endParaRPr lang="en-US" sz="2000">
-              <a:solidFill>
-                <a:prstClr val="black"/>
-              </a:solidFill>
-              <a:latin typeface="Calibri"/>
-            </a:endParaRPr>
-          </a:p>
-        </p:txBody>
-      </p:sp>
-      <p:sp>
-        <p:nvSpPr>
-          <p:cNvPr id="5" name="Line 13"/>
-          <p:cNvSpPr>
-            <a:spLocks noChangeShapeType="1"/>
-          </p:cNvSpPr>
-          <p:nvPr/>
-        </p:nvSpPr>
-        <p:spPr bwMode="auto">
-          <a:xfrm>
-            <a:off x="5242806" y="1811812"/>
-            <a:ext cx="0" cy="4818564"/>
-          </a:xfrm>
-          <a:prstGeom prst="line">
-            <a:avLst/>
-          </a:prstGeom>
-          <a:ln>
-            <a:prstDash val="sysDash"/>
-            <a:headEnd/>
-            <a:tailEnd/>
-          </a:ln>
-        </p:spPr>
-        <p:style>
-          <a:lnRef idx="2">
-            <a:schemeClr val="accent4"/>
-          </a:lnRef>
-          <a:fillRef idx="0">
-            <a:schemeClr val="accent4"/>
-          </a:fillRef>
-          <a:effectRef idx="1">
-            <a:schemeClr val="accent4"/>
-          </a:effectRef>
-          <a:fontRef idx="minor">
-            <a:schemeClr val="tx1"/>
-          </a:fontRef>
-        </p:style>
-        <p:txBody>
-          <a:bodyPr/>
-          <a:lstStyle/>
-          <a:p>
-            <a:pPr defTabSz="872733"/>
-            <a:endParaRPr lang="en-US" sz="2000">
-              <a:solidFill>
-                <a:prstClr val="black"/>
-              </a:solidFill>
-              <a:latin typeface="Calibri"/>
-            </a:endParaRPr>
-          </a:p>
-        </p:txBody>
-      </p:sp>
-      <p:sp>
-        <p:nvSpPr>
-          <p:cNvPr id="6" name="Text Box 11"/>
-          <p:cNvSpPr txBox="1">
-            <a:spLocks noChangeArrowheads="1"/>
-          </p:cNvSpPr>
-          <p:nvPr/>
-        </p:nvSpPr>
-        <p:spPr bwMode="auto">
-          <a:xfrm>
-            <a:off x="4557006" y="1079975"/>
-            <a:ext cx="1295400" cy="677108"/>
-          </a:xfrm>
-          <a:prstGeom prst="rect">
-            <a:avLst/>
-          </a:prstGeom>
-          <a:ln w="19050">
-            <a:headEnd/>
-            <a:tailEnd/>
-          </a:ln>
-        </p:spPr>
-        <p:style>
-          <a:lnRef idx="1">
-            <a:schemeClr val="accent4"/>
-          </a:lnRef>
-          <a:fillRef idx="2">
-            <a:schemeClr val="accent4"/>
-          </a:fillRef>
-          <a:effectRef idx="1">
-            <a:schemeClr val="accent4"/>
-          </a:effectRef>
-          <a:fontRef idx="minor">
-            <a:schemeClr val="dk1"/>
-          </a:fontRef>
-        </p:style>
-        <p:txBody>
-          <a:bodyPr tIns="182880" bIns="182880">
-            <a:spAutoFit/>
-          </a:bodyPr>
-          <a:lstStyle/>
-          <a:p>
-            <a:pPr algn="ctr" defTabSz="872733">
-              <a:spcBef>
-                <a:spcPct val="50000"/>
-              </a:spcBef>
-            </a:pPr>
-            <a:r>
-              <a:rPr lang="en-US" sz="2000" dirty="0">
-                <a:solidFill>
-                  <a:prstClr val="black"/>
-                </a:solidFill>
-                <a:latin typeface="Calibri"/>
-              </a:rPr>
-              <a:t>:</a:t>
-            </a:r>
-            <a:r>
-              <a:rPr lang="en-US" sz="2000" dirty="0" err="1">
-                <a:solidFill>
-                  <a:prstClr val="black"/>
-                </a:solidFill>
-                <a:latin typeface="Calibri"/>
-              </a:rPr>
-              <a:t>TextUI</a:t>
-            </a:r>
-            <a:endParaRPr lang="en-US" sz="2000" dirty="0">
-              <a:solidFill>
-                <a:prstClr val="black"/>
-              </a:solidFill>
-              <a:latin typeface="Calibri"/>
-            </a:endParaRPr>
-          </a:p>
-        </p:txBody>
-      </p:sp>
-      <p:sp>
-        <p:nvSpPr>
-          <p:cNvPr id="7" name="Line 15"/>
-          <p:cNvSpPr>
-            <a:spLocks noChangeShapeType="1"/>
-          </p:cNvSpPr>
-          <p:nvPr/>
-        </p:nvSpPr>
-        <p:spPr bwMode="auto">
-          <a:xfrm>
-            <a:off x="2499606" y="2802412"/>
-            <a:ext cx="2590800" cy="0"/>
-          </a:xfrm>
-          <a:prstGeom prst="line">
-            <a:avLst/>
-          </a:prstGeom>
-          <a:noFill/>
-          <a:ln w="19050">
-            <a:solidFill>
-              <a:schemeClr val="accent1"/>
-            </a:solidFill>
-            <a:round/>
-            <a:headEnd/>
-            <a:tailEnd type="triangle" w="lg" len="lg"/>
-          </a:ln>
-        </p:spPr>
-        <p:txBody>
-          <a:bodyPr/>
-          <a:lstStyle/>
-          <a:p>
-            <a:pPr defTabSz="872733"/>
-            <a:endParaRPr lang="en-US" sz="2000">
-              <a:solidFill>
-                <a:prstClr val="black"/>
-              </a:solidFill>
-              <a:latin typeface="Calibri"/>
-            </a:endParaRPr>
-          </a:p>
-        </p:txBody>
-      </p:sp>
-      <p:sp>
-        <p:nvSpPr>
-          <p:cNvPr id="8" name="Line 16"/>
-          <p:cNvSpPr>
-            <a:spLocks noChangeShapeType="1"/>
-          </p:cNvSpPr>
-          <p:nvPr/>
-        </p:nvSpPr>
-        <p:spPr bwMode="auto">
-          <a:xfrm flipH="1">
-            <a:off x="2475854" y="5500112"/>
-            <a:ext cx="2590800" cy="0"/>
-          </a:xfrm>
-          <a:prstGeom prst="line">
-            <a:avLst/>
-          </a:prstGeom>
-          <a:noFill/>
-          <a:ln w="19050">
-            <a:solidFill>
-              <a:srgbClr val="7030A0"/>
-            </a:solidFill>
-            <a:prstDash val="sysDash"/>
-            <a:round/>
-            <a:headEnd/>
-            <a:tailEnd type="triangle" w="lg" len="lg"/>
-          </a:ln>
-        </p:spPr>
-        <p:txBody>
-          <a:bodyPr/>
-          <a:lstStyle/>
-          <a:p>
-            <a:pPr defTabSz="872733"/>
-            <a:endParaRPr lang="en-US" sz="2000">
-              <a:solidFill>
-                <a:prstClr val="black"/>
-              </a:solidFill>
-              <a:latin typeface="Calibri"/>
-            </a:endParaRPr>
-          </a:p>
-        </p:txBody>
-      </p:sp>
-      <p:sp>
-        <p:nvSpPr>
-          <p:cNvPr id="9" name="Text Box 25"/>
-          <p:cNvSpPr txBox="1">
-            <a:spLocks noChangeArrowheads="1"/>
-          </p:cNvSpPr>
-          <p:nvPr/>
-        </p:nvSpPr>
-        <p:spPr bwMode="auto">
-          <a:xfrm>
-            <a:off x="2599039" y="2412994"/>
-            <a:ext cx="2323069" cy="400110"/>
-          </a:xfrm>
-          <a:prstGeom prst="rect">
-            <a:avLst/>
-          </a:prstGeom>
-          <a:noFill/>
-          <a:ln w="12700" algn="ctr">
-            <a:noFill/>
-            <a:miter lim="800000"/>
-            <a:headEnd/>
-            <a:tailEnd/>
-          </a:ln>
-        </p:spPr>
-        <p:txBody>
-          <a:bodyPr wrap="square">
-            <a:spAutoFit/>
-          </a:bodyPr>
-          <a:lstStyle/>
-          <a:p>
-            <a:pPr defTabSz="872733">
-              <a:spcBef>
-                <a:spcPct val="50000"/>
-              </a:spcBef>
-            </a:pPr>
-            <a:r>
-              <a:rPr lang="en-US" sz="2000" b="1" dirty="0">
-                <a:solidFill>
-                  <a:srgbClr val="7030A0"/>
-                </a:solidFill>
-                <a:latin typeface="Courier New" pitchFamily="49" charset="0"/>
-                <a:cs typeface="Courier New" pitchFamily="49" charset="0"/>
-              </a:rPr>
-              <a:t>mark x y</a:t>
-            </a:r>
-          </a:p>
-        </p:txBody>
-      </p:sp>
-      <p:sp>
-        <p:nvSpPr>
-          <p:cNvPr id="10" name="Text Box 25"/>
-          <p:cNvSpPr txBox="1">
-            <a:spLocks noChangeArrowheads="1"/>
-          </p:cNvSpPr>
-          <p:nvPr/>
-        </p:nvSpPr>
-        <p:spPr bwMode="auto">
-          <a:xfrm>
-            <a:off x="2931076" y="5131898"/>
-            <a:ext cx="2135579" cy="707886"/>
-          </a:xfrm>
-          <a:prstGeom prst="rect">
-            <a:avLst/>
-          </a:prstGeom>
-          <a:noFill/>
-          <a:ln w="12700" algn="ctr">
-            <a:noFill/>
-            <a:miter lim="800000"/>
-            <a:headEnd/>
-            <a:tailEnd/>
-          </a:ln>
-        </p:spPr>
-        <p:txBody>
-          <a:bodyPr wrap="square">
-            <a:spAutoFit/>
-          </a:bodyPr>
-          <a:lstStyle/>
-          <a:p>
-            <a:pPr defTabSz="872733">
-              <a:spcBef>
-                <a:spcPct val="50000"/>
-              </a:spcBef>
-            </a:pPr>
-            <a:r>
-              <a:rPr lang="en-US" sz="2000" i="1" dirty="0">
-                <a:solidFill>
-                  <a:srgbClr val="7030A0"/>
-                </a:solidFill>
-                <a:latin typeface="Calibri"/>
-              </a:rPr>
-              <a:t>Show updated  minefield</a:t>
-            </a:r>
-          </a:p>
-        </p:txBody>
-      </p:sp>
-      <p:grpSp>
-        <p:nvGrpSpPr>
-          <p:cNvPr id="2" name="Group 42"/>
-          <p:cNvGrpSpPr/>
-          <p:nvPr/>
-        </p:nvGrpSpPr>
-        <p:grpSpPr>
-          <a:xfrm>
-            <a:off x="2356112" y="1045848"/>
-            <a:ext cx="304800" cy="685800"/>
-            <a:chOff x="2819400" y="3124200"/>
-            <a:chExt cx="304800" cy="685800"/>
-          </a:xfrm>
-        </p:grpSpPr>
-        <p:cxnSp>
-          <p:nvCxnSpPr>
-            <p:cNvPr id="12" name="Straight Connector 11"/>
-            <p:cNvCxnSpPr/>
-            <p:nvPr/>
-          </p:nvCxnSpPr>
-          <p:spPr>
-            <a:xfrm rot="5400000">
-              <a:off x="2781300" y="3467100"/>
-              <a:ext cx="381000" cy="0"/>
-            </a:xfrm>
-            <a:prstGeom prst="line">
-              <a:avLst/>
-            </a:prstGeom>
-            <a:ln w="19050"/>
-          </p:spPr>
-          <p:style>
-            <a:lnRef idx="1">
-              <a:schemeClr val="accent1"/>
-            </a:lnRef>
-            <a:fillRef idx="0">
-              <a:schemeClr val="accent1"/>
-            </a:fillRef>
-            <a:effectRef idx="0">
-              <a:schemeClr val="accent1"/>
-            </a:effectRef>
-            <a:fontRef idx="minor">
-              <a:schemeClr val="tx1"/>
-            </a:fontRef>
-          </p:style>
-        </p:cxnSp>
-        <p:cxnSp>
-          <p:nvCxnSpPr>
-            <p:cNvPr id="13" name="Straight Connector 12"/>
-            <p:cNvCxnSpPr/>
-            <p:nvPr/>
-          </p:nvCxnSpPr>
-          <p:spPr>
-            <a:xfrm>
-              <a:off x="2819400" y="3429000"/>
-              <a:ext cx="304800" cy="0"/>
-            </a:xfrm>
-            <a:prstGeom prst="line">
-              <a:avLst/>
-            </a:prstGeom>
-            <a:ln w="19050"/>
-          </p:spPr>
-          <p:style>
-            <a:lnRef idx="1">
-              <a:schemeClr val="accent1"/>
-            </a:lnRef>
-            <a:fillRef idx="0">
-              <a:schemeClr val="accent1"/>
-            </a:fillRef>
-            <a:effectRef idx="0">
-              <a:schemeClr val="accent1"/>
-            </a:effectRef>
-            <a:fontRef idx="minor">
-              <a:schemeClr val="tx1"/>
-            </a:fontRef>
-          </p:style>
-        </p:cxnSp>
-        <p:cxnSp>
-          <p:nvCxnSpPr>
-            <p:cNvPr id="14" name="Straight Connector 13"/>
-            <p:cNvCxnSpPr/>
-            <p:nvPr/>
-          </p:nvCxnSpPr>
-          <p:spPr>
-            <a:xfrm rot="5400000">
-              <a:off x="2819400" y="3657600"/>
-              <a:ext cx="152400" cy="152400"/>
-            </a:xfrm>
-            <a:prstGeom prst="line">
-              <a:avLst/>
-            </a:prstGeom>
-            <a:ln w="19050"/>
-          </p:spPr>
-          <p:style>
-            <a:lnRef idx="1">
-              <a:schemeClr val="accent1"/>
-            </a:lnRef>
-            <a:fillRef idx="0">
-              <a:schemeClr val="accent1"/>
-            </a:fillRef>
-            <a:effectRef idx="0">
-              <a:schemeClr val="accent1"/>
-            </a:effectRef>
-            <a:fontRef idx="minor">
-              <a:schemeClr val="tx1"/>
-            </a:fontRef>
-          </p:style>
-        </p:cxnSp>
-        <p:cxnSp>
-          <p:nvCxnSpPr>
-            <p:cNvPr id="15" name="Straight Connector 14"/>
-            <p:cNvCxnSpPr/>
-            <p:nvPr/>
-          </p:nvCxnSpPr>
-          <p:spPr>
-            <a:xfrm rot="16200000" flipH="1">
-              <a:off x="2971800" y="3657600"/>
-              <a:ext cx="152400" cy="152400"/>
-            </a:xfrm>
-            <a:prstGeom prst="line">
-              <a:avLst/>
-            </a:prstGeom>
-            <a:ln w="19050"/>
-          </p:spPr>
-          <p:style>
-            <a:lnRef idx="1">
-              <a:schemeClr val="accent1"/>
-            </a:lnRef>
-            <a:fillRef idx="0">
-              <a:schemeClr val="accent1"/>
-            </a:fillRef>
-            <a:effectRef idx="0">
-              <a:schemeClr val="accent1"/>
-            </a:effectRef>
-            <a:fontRef idx="minor">
-              <a:schemeClr val="tx1"/>
-            </a:fontRef>
-          </p:style>
-        </p:cxnSp>
-        <p:sp>
-          <p:nvSpPr>
-            <p:cNvPr id="16" name="Oval 15"/>
-            <p:cNvSpPr/>
-            <p:nvPr/>
-          </p:nvSpPr>
-          <p:spPr>
-            <a:xfrm>
-              <a:off x="2857500" y="3124200"/>
-              <a:ext cx="228600" cy="228600"/>
-            </a:xfrm>
-            <a:prstGeom prst="ellipse">
-              <a:avLst/>
-            </a:prstGeom>
-            <a:ln w="19050"/>
-          </p:spPr>
-          <p:style>
-            <a:lnRef idx="1">
-              <a:schemeClr val="accent5"/>
-            </a:lnRef>
-            <a:fillRef idx="2">
-              <a:schemeClr val="accent5"/>
-            </a:fillRef>
-            <a:effectRef idx="1">
-              <a:schemeClr val="accent5"/>
-            </a:effectRef>
-            <a:fontRef idx="minor">
-              <a:schemeClr val="dk1"/>
-            </a:fontRef>
-          </p:style>
-          <p:txBody>
-            <a:bodyPr rtlCol="0" anchor="ctr"/>
-            <a:lstStyle/>
-            <a:p>
-              <a:pPr algn="ctr" defTabSz="872733"/>
-              <a:endParaRPr lang="en-US" sz="2000">
-                <a:solidFill>
-                  <a:prstClr val="black"/>
-                </a:solidFill>
-                <a:latin typeface="Calibri"/>
-              </a:endParaRPr>
-            </a:p>
-          </p:txBody>
-        </p:sp>
-      </p:grpSp>
-      <p:sp>
-        <p:nvSpPr>
-          <p:cNvPr id="17" name="Rectangle 16"/>
-          <p:cNvSpPr/>
-          <p:nvPr/>
-        </p:nvSpPr>
-        <p:spPr>
-          <a:xfrm>
-            <a:off x="5104263" y="2774231"/>
-            <a:ext cx="225619" cy="2781325"/>
-          </a:xfrm>
-          <a:prstGeom prst="rect">
-            <a:avLst/>
-          </a:prstGeom>
-          <a:solidFill>
-            <a:schemeClr val="accent4">
-              <a:lumMod val="20000"/>
-              <a:lumOff val="80000"/>
-            </a:schemeClr>
-          </a:solidFill>
-        </p:spPr>
-        <p:style>
-          <a:lnRef idx="2">
-            <a:schemeClr val="accent4"/>
-          </a:lnRef>
-          <a:fillRef idx="1">
-            <a:schemeClr val="lt1"/>
-          </a:fillRef>
-          <a:effectRef idx="0">
-            <a:schemeClr val="accent4"/>
-          </a:effectRef>
-          <a:fontRef idx="minor">
-            <a:schemeClr val="dk1"/>
-          </a:fontRef>
-        </p:style>
-        <p:txBody>
-          <a:bodyPr rtlCol="0" anchor="ctr"/>
-          <a:lstStyle/>
-          <a:p>
-            <a:pPr algn="ctr" defTabSz="872733"/>
-            <a:endParaRPr lang="en-US" sz="2000">
-              <a:solidFill>
-                <a:prstClr val="black"/>
-              </a:solidFill>
-              <a:latin typeface="Calibri"/>
-            </a:endParaRPr>
-          </a:p>
-        </p:txBody>
-      </p:sp>
-      <p:sp>
-        <p:nvSpPr>
-          <p:cNvPr id="18" name="Text Box 11"/>
-          <p:cNvSpPr txBox="1">
-            <a:spLocks noChangeArrowheads="1"/>
-          </p:cNvSpPr>
-          <p:nvPr/>
-        </p:nvSpPr>
-        <p:spPr bwMode="auto">
-          <a:xfrm>
-            <a:off x="7469431" y="1079975"/>
-            <a:ext cx="1295400" cy="677108"/>
-          </a:xfrm>
-          <a:prstGeom prst="rect">
-            <a:avLst/>
-          </a:prstGeom>
-          <a:ln w="19050">
-            <a:headEnd/>
-            <a:tailEnd/>
-          </a:ln>
-        </p:spPr>
-        <p:style>
-          <a:lnRef idx="1">
-            <a:schemeClr val="accent3"/>
-          </a:lnRef>
-          <a:fillRef idx="2">
-            <a:schemeClr val="accent3"/>
-          </a:fillRef>
-          <a:effectRef idx="1">
-            <a:schemeClr val="accent3"/>
-          </a:effectRef>
-          <a:fontRef idx="minor">
-            <a:schemeClr val="dk1"/>
-          </a:fontRef>
-        </p:style>
-        <p:txBody>
-          <a:bodyPr tIns="182880" bIns="182880">
-            <a:spAutoFit/>
-          </a:bodyPr>
-          <a:lstStyle/>
-          <a:p>
-            <a:pPr algn="ctr" defTabSz="872733">
-              <a:spcBef>
-                <a:spcPct val="50000"/>
-              </a:spcBef>
-            </a:pPr>
-            <a:r>
-              <a:rPr lang="en-US" sz="2000" dirty="0">
-                <a:solidFill>
-                  <a:prstClr val="black"/>
-                </a:solidFill>
-                <a:latin typeface="Calibri"/>
-              </a:rPr>
-              <a:t>:</a:t>
-            </a:r>
-            <a:r>
-              <a:rPr lang="en-US" sz="2000" dirty="0" err="1">
-                <a:solidFill>
-                  <a:prstClr val="black"/>
-                </a:solidFill>
-                <a:latin typeface="Calibri"/>
-              </a:rPr>
-              <a:t>MSLogic</a:t>
-            </a:r>
-            <a:endParaRPr lang="en-US" sz="2000" dirty="0">
-              <a:solidFill>
-                <a:prstClr val="black"/>
-              </a:solidFill>
-              <a:latin typeface="Calibri"/>
-            </a:endParaRPr>
-          </a:p>
-        </p:txBody>
-      </p:sp>
-      <p:sp>
-        <p:nvSpPr>
-          <p:cNvPr id="19" name="Line 13"/>
-          <p:cNvSpPr>
-            <a:spLocks noChangeShapeType="1"/>
-          </p:cNvSpPr>
-          <p:nvPr/>
-        </p:nvSpPr>
-        <p:spPr bwMode="auto">
-          <a:xfrm>
-            <a:off x="8077200" y="1811812"/>
-            <a:ext cx="0" cy="4176880"/>
-          </a:xfrm>
-          <a:prstGeom prst="line">
-            <a:avLst/>
-          </a:prstGeom>
-          <a:ln>
-            <a:solidFill>
-              <a:schemeClr val="accent3">
-                <a:lumMod val="75000"/>
-              </a:schemeClr>
-            </a:solidFill>
-            <a:prstDash val="sysDash"/>
-            <a:headEnd/>
-            <a:tailEnd/>
-          </a:ln>
-        </p:spPr>
-        <p:style>
-          <a:lnRef idx="2">
-            <a:schemeClr val="accent4"/>
-          </a:lnRef>
-          <a:fillRef idx="0">
-            <a:schemeClr val="accent4"/>
-          </a:fillRef>
-          <a:effectRef idx="1">
-            <a:schemeClr val="accent4"/>
-          </a:effectRef>
-          <a:fontRef idx="minor">
-            <a:schemeClr val="tx1"/>
-          </a:fontRef>
-        </p:style>
-        <p:txBody>
-          <a:bodyPr/>
-          <a:lstStyle/>
-          <a:p>
-            <a:pPr defTabSz="872733"/>
-            <a:endParaRPr lang="en-US" sz="2000">
-              <a:solidFill>
-                <a:prstClr val="black"/>
-              </a:solidFill>
-              <a:latin typeface="Calibri"/>
-            </a:endParaRPr>
-          </a:p>
-        </p:txBody>
-      </p:sp>
-      <p:sp>
-        <p:nvSpPr>
-          <p:cNvPr id="20" name="Line 15"/>
-          <p:cNvSpPr>
-            <a:spLocks noChangeShapeType="1"/>
-          </p:cNvSpPr>
-          <p:nvPr/>
-        </p:nvSpPr>
-        <p:spPr bwMode="auto">
-          <a:xfrm>
-            <a:off x="5371455" y="2966688"/>
-            <a:ext cx="2590800" cy="0"/>
-          </a:xfrm>
-          <a:prstGeom prst="line">
-            <a:avLst/>
-          </a:prstGeom>
-          <a:noFill/>
-          <a:ln w="19050">
-            <a:solidFill>
-              <a:srgbClr val="7030A0"/>
-            </a:solidFill>
-            <a:round/>
-            <a:headEnd/>
-            <a:tailEnd type="triangle" w="lg" len="lg"/>
-          </a:ln>
-        </p:spPr>
-        <p:txBody>
-          <a:bodyPr/>
-          <a:lstStyle/>
-          <a:p>
-            <a:pPr defTabSz="872733"/>
-            <a:endParaRPr lang="en-US" sz="2000">
-              <a:solidFill>
-                <a:prstClr val="black"/>
-              </a:solidFill>
-              <a:latin typeface="Calibri"/>
-            </a:endParaRPr>
-          </a:p>
-        </p:txBody>
-      </p:sp>
-      <p:sp>
-        <p:nvSpPr>
-          <p:cNvPr id="21" name="Text Box 25"/>
-          <p:cNvSpPr txBox="1">
-            <a:spLocks noChangeArrowheads="1"/>
-          </p:cNvSpPr>
-          <p:nvPr/>
-        </p:nvSpPr>
-        <p:spPr bwMode="auto">
-          <a:xfrm>
-            <a:off x="5472396" y="2580186"/>
-            <a:ext cx="2553195" cy="400110"/>
-          </a:xfrm>
-          <a:prstGeom prst="rect">
-            <a:avLst/>
-          </a:prstGeom>
-          <a:noFill/>
-          <a:ln w="12700" algn="ctr">
-            <a:noFill/>
-            <a:miter lim="800000"/>
-            <a:headEnd/>
-            <a:tailEnd/>
-          </a:ln>
-        </p:spPr>
-        <p:txBody>
-          <a:bodyPr wrap="square">
-            <a:spAutoFit/>
-          </a:bodyPr>
-          <a:lstStyle/>
-          <a:p>
-            <a:pPr defTabSz="872733">
-              <a:spcBef>
-                <a:spcPct val="50000"/>
-              </a:spcBef>
-            </a:pPr>
-            <a:r>
-              <a:rPr lang="en-US" sz="2000" i="1" dirty="0" err="1">
-                <a:solidFill>
-                  <a:srgbClr val="9BBB59">
-                    <a:lumMod val="75000"/>
-                  </a:srgbClr>
-                </a:solidFill>
-                <a:latin typeface="Calibri"/>
-              </a:rPr>
-              <a:t>markCellAt</a:t>
-            </a:r>
-            <a:r>
-              <a:rPr lang="en-US" sz="2000" i="1" dirty="0">
-                <a:solidFill>
-                  <a:srgbClr val="9BBB59">
-                    <a:lumMod val="75000"/>
-                  </a:srgbClr>
-                </a:solidFill>
-                <a:latin typeface="Calibri"/>
-              </a:rPr>
-              <a:t>(</a:t>
-            </a:r>
-            <a:r>
-              <a:rPr lang="en-US" sz="2000" i="1" dirty="0" err="1">
-                <a:solidFill>
-                  <a:srgbClr val="9BBB59">
-                    <a:lumMod val="75000"/>
-                  </a:srgbClr>
-                </a:solidFill>
-                <a:latin typeface="Calibri"/>
-              </a:rPr>
-              <a:t>x,y</a:t>
-            </a:r>
-            <a:r>
-              <a:rPr lang="en-US" sz="2000" i="1" dirty="0">
-                <a:solidFill>
-                  <a:srgbClr val="9BBB59">
-                    <a:lumMod val="75000"/>
-                  </a:srgbClr>
-                </a:solidFill>
-                <a:latin typeface="Calibri"/>
-              </a:rPr>
-              <a:t>)</a:t>
-            </a:r>
-          </a:p>
-        </p:txBody>
-      </p:sp>
-      <p:sp>
-        <p:nvSpPr>
-          <p:cNvPr id="22" name="Rectangle 21"/>
-          <p:cNvSpPr/>
-          <p:nvPr/>
-        </p:nvSpPr>
-        <p:spPr>
-          <a:xfrm>
-            <a:off x="7976111" y="2962256"/>
-            <a:ext cx="251361" cy="393865"/>
-          </a:xfrm>
-          <a:prstGeom prst="rect">
-            <a:avLst/>
-          </a:prstGeom>
-          <a:solidFill>
-            <a:schemeClr val="accent3">
-              <a:lumMod val="20000"/>
-              <a:lumOff val="80000"/>
-            </a:schemeClr>
-          </a:solidFill>
-          <a:ln>
-            <a:solidFill>
-              <a:schemeClr val="accent3">
-                <a:lumMod val="75000"/>
-              </a:schemeClr>
-            </a:solidFill>
-          </a:ln>
-        </p:spPr>
-        <p:style>
-          <a:lnRef idx="2">
-            <a:schemeClr val="accent4"/>
-          </a:lnRef>
-          <a:fillRef idx="1">
-            <a:schemeClr val="lt1"/>
-          </a:fillRef>
-          <a:effectRef idx="0">
-            <a:schemeClr val="accent4"/>
-          </a:effectRef>
-          <a:fontRef idx="minor">
-            <a:schemeClr val="dk1"/>
-          </a:fontRef>
-        </p:style>
-        <p:txBody>
-          <a:bodyPr rtlCol="0" anchor="ctr"/>
-          <a:lstStyle/>
-          <a:p>
-            <a:pPr algn="ctr" defTabSz="872733"/>
-            <a:endParaRPr lang="en-US" sz="2000">
-              <a:solidFill>
-                <a:prstClr val="black"/>
-              </a:solidFill>
-              <a:latin typeface="Calibri"/>
-            </a:endParaRPr>
-          </a:p>
-        </p:txBody>
-      </p:sp>
-      <p:sp>
-        <p:nvSpPr>
-          <p:cNvPr id="23" name="Line 16"/>
-          <p:cNvSpPr>
-            <a:spLocks noChangeShapeType="1"/>
-          </p:cNvSpPr>
-          <p:nvPr/>
-        </p:nvSpPr>
-        <p:spPr bwMode="auto">
-          <a:xfrm flipH="1">
-            <a:off x="5359580" y="3367442"/>
-            <a:ext cx="2590800" cy="0"/>
-          </a:xfrm>
-          <a:prstGeom prst="line">
-            <a:avLst/>
-          </a:prstGeom>
-          <a:noFill/>
-          <a:ln w="19050">
-            <a:solidFill>
-              <a:schemeClr val="accent3">
-                <a:lumMod val="75000"/>
-              </a:schemeClr>
-            </a:solidFill>
-            <a:prstDash val="sysDash"/>
-            <a:round/>
-            <a:headEnd/>
-            <a:tailEnd type="triangle" w="lg" len="lg"/>
-          </a:ln>
-        </p:spPr>
-        <p:txBody>
-          <a:bodyPr/>
-          <a:lstStyle/>
-          <a:p>
-            <a:pPr defTabSz="872733"/>
-            <a:endParaRPr lang="en-US" sz="2000">
-              <a:solidFill>
-                <a:prstClr val="black"/>
-              </a:solidFill>
-              <a:latin typeface="Calibri"/>
-            </a:endParaRPr>
-          </a:p>
-        </p:txBody>
-      </p:sp>
-      <p:sp>
-        <p:nvSpPr>
-          <p:cNvPr id="24" name="Line 15"/>
-          <p:cNvSpPr>
-            <a:spLocks noChangeShapeType="1"/>
-          </p:cNvSpPr>
-          <p:nvPr/>
-        </p:nvSpPr>
-        <p:spPr bwMode="auto">
-          <a:xfrm>
-            <a:off x="5357600" y="4917261"/>
-            <a:ext cx="2590800" cy="0"/>
-          </a:xfrm>
-          <a:prstGeom prst="line">
-            <a:avLst/>
-          </a:prstGeom>
-          <a:noFill/>
-          <a:ln w="19050">
-            <a:solidFill>
-              <a:srgbClr val="7030A0"/>
-            </a:solidFill>
-            <a:round/>
-            <a:headEnd/>
-            <a:tailEnd type="triangle" w="lg" len="lg"/>
-          </a:ln>
-        </p:spPr>
-        <p:txBody>
-          <a:bodyPr/>
-          <a:lstStyle/>
-          <a:p>
-            <a:pPr defTabSz="872733"/>
-            <a:endParaRPr lang="en-US" sz="2000">
-              <a:solidFill>
-                <a:prstClr val="black"/>
-              </a:solidFill>
-              <a:latin typeface="Calibri"/>
-            </a:endParaRPr>
-          </a:p>
-        </p:txBody>
-      </p:sp>
-      <p:sp>
-        <p:nvSpPr>
-          <p:cNvPr id="25" name="Text Box 25"/>
-          <p:cNvSpPr txBox="1">
-            <a:spLocks noChangeArrowheads="1"/>
-          </p:cNvSpPr>
-          <p:nvPr/>
-        </p:nvSpPr>
-        <p:spPr bwMode="auto">
-          <a:xfrm>
-            <a:off x="5584395" y="4503513"/>
-            <a:ext cx="2249009" cy="400110"/>
-          </a:xfrm>
-          <a:prstGeom prst="rect">
-            <a:avLst/>
-          </a:prstGeom>
-          <a:noFill/>
-          <a:ln w="12700" algn="ctr">
-            <a:noFill/>
-            <a:miter lim="800000"/>
-            <a:headEnd/>
-            <a:tailEnd/>
-          </a:ln>
-        </p:spPr>
-        <p:txBody>
-          <a:bodyPr wrap="square">
-            <a:spAutoFit/>
-          </a:bodyPr>
-          <a:lstStyle/>
-          <a:p>
-            <a:pPr defTabSz="872733">
-              <a:spcBef>
-                <a:spcPct val="50000"/>
-              </a:spcBef>
-            </a:pPr>
-            <a:r>
-              <a:rPr lang="en-US" sz="2000" i="1" dirty="0" err="1">
-                <a:solidFill>
-                  <a:srgbClr val="9BBB59">
-                    <a:lumMod val="75000"/>
-                  </a:srgbClr>
-                </a:solidFill>
-                <a:latin typeface="Calibri"/>
-              </a:rPr>
-              <a:t>getGameState</a:t>
-            </a:r>
-            <a:r>
-              <a:rPr lang="en-US" sz="2000" i="1" dirty="0">
-                <a:solidFill>
-                  <a:srgbClr val="9BBB59">
-                    <a:lumMod val="75000"/>
-                  </a:srgbClr>
-                </a:solidFill>
-                <a:latin typeface="Calibri"/>
-              </a:rPr>
-              <a:t>()</a:t>
-            </a:r>
-          </a:p>
-        </p:txBody>
-      </p:sp>
-      <p:sp>
-        <p:nvSpPr>
-          <p:cNvPr id="26" name="Rectangle 25"/>
-          <p:cNvSpPr/>
-          <p:nvPr/>
-        </p:nvSpPr>
-        <p:spPr>
-          <a:xfrm>
-            <a:off x="7962256" y="4912829"/>
-            <a:ext cx="251361" cy="393865"/>
-          </a:xfrm>
-          <a:prstGeom prst="rect">
-            <a:avLst/>
-          </a:prstGeom>
-          <a:solidFill>
-            <a:schemeClr val="accent3">
-              <a:lumMod val="20000"/>
-              <a:lumOff val="80000"/>
-            </a:schemeClr>
-          </a:solidFill>
-          <a:ln>
-            <a:solidFill>
-              <a:schemeClr val="accent3">
-                <a:lumMod val="75000"/>
-              </a:schemeClr>
-            </a:solidFill>
-          </a:ln>
-        </p:spPr>
-        <p:style>
-          <a:lnRef idx="2">
-            <a:schemeClr val="accent4"/>
-          </a:lnRef>
-          <a:fillRef idx="1">
-            <a:schemeClr val="lt1"/>
-          </a:fillRef>
-          <a:effectRef idx="0">
-            <a:schemeClr val="accent4"/>
-          </a:effectRef>
-          <a:fontRef idx="minor">
-            <a:schemeClr val="dk1"/>
-          </a:fontRef>
-        </p:style>
-        <p:txBody>
-          <a:bodyPr rtlCol="0" anchor="ctr"/>
-          <a:lstStyle/>
-          <a:p>
-            <a:pPr algn="ctr" defTabSz="872733"/>
-            <a:endParaRPr lang="en-US" sz="2000">
-              <a:solidFill>
-                <a:prstClr val="black"/>
-              </a:solidFill>
-              <a:latin typeface="Calibri"/>
-            </a:endParaRPr>
-          </a:p>
-        </p:txBody>
-      </p:sp>
-      <p:sp>
-        <p:nvSpPr>
-          <p:cNvPr id="27" name="Line 16"/>
-          <p:cNvSpPr>
-            <a:spLocks noChangeShapeType="1"/>
-          </p:cNvSpPr>
-          <p:nvPr/>
-        </p:nvSpPr>
-        <p:spPr bwMode="auto">
-          <a:xfrm flipH="1">
-            <a:off x="5345725" y="5318015"/>
-            <a:ext cx="2590800" cy="0"/>
-          </a:xfrm>
-          <a:prstGeom prst="line">
-            <a:avLst/>
-          </a:prstGeom>
-          <a:noFill/>
-          <a:ln w="19050">
-            <a:solidFill>
-              <a:schemeClr val="accent3">
-                <a:lumMod val="75000"/>
-              </a:schemeClr>
-            </a:solidFill>
-            <a:prstDash val="sysDash"/>
-            <a:round/>
-            <a:headEnd/>
-            <a:tailEnd type="triangle" w="lg" len="lg"/>
-          </a:ln>
-        </p:spPr>
-        <p:txBody>
-          <a:bodyPr/>
-          <a:lstStyle/>
-          <a:p>
-            <a:pPr defTabSz="872733"/>
-            <a:endParaRPr lang="en-US" sz="2000">
-              <a:solidFill>
-                <a:prstClr val="black"/>
-              </a:solidFill>
-              <a:latin typeface="Calibri"/>
-            </a:endParaRPr>
-          </a:p>
-        </p:txBody>
-      </p:sp>
-      <p:sp>
-        <p:nvSpPr>
-          <p:cNvPr id="29" name="Text Box 25"/>
-          <p:cNvSpPr txBox="1">
-            <a:spLocks noChangeArrowheads="1"/>
-          </p:cNvSpPr>
-          <p:nvPr/>
-        </p:nvSpPr>
-        <p:spPr bwMode="auto">
-          <a:xfrm>
-            <a:off x="5864282" y="5345293"/>
-            <a:ext cx="1710047" cy="400110"/>
-          </a:xfrm>
-          <a:prstGeom prst="rect">
-            <a:avLst/>
-          </a:prstGeom>
-          <a:noFill/>
-          <a:ln w="12700" algn="ctr">
-            <a:noFill/>
-            <a:miter lim="800000"/>
-            <a:headEnd/>
-            <a:tailEnd/>
-          </a:ln>
-        </p:spPr>
-        <p:txBody>
-          <a:bodyPr wrap="square">
-            <a:spAutoFit/>
-          </a:bodyPr>
-          <a:lstStyle/>
-          <a:p>
-            <a:pPr defTabSz="872733">
-              <a:spcBef>
-                <a:spcPct val="50000"/>
-              </a:spcBef>
-            </a:pPr>
-            <a:r>
-              <a:rPr lang="en-US" sz="2000" i="1" dirty="0" err="1">
-                <a:solidFill>
-                  <a:srgbClr val="9BBB59">
-                    <a:lumMod val="75000"/>
-                  </a:srgbClr>
-                </a:solidFill>
-                <a:latin typeface="Calibri"/>
-              </a:rPr>
-              <a:t>gameState</a:t>
-            </a:r>
-            <a:endParaRPr lang="en-US" sz="2000" i="1" dirty="0">
-              <a:solidFill>
-                <a:srgbClr val="9BBB59">
-                  <a:lumMod val="75000"/>
-                </a:srgbClr>
-              </a:solidFill>
-              <a:latin typeface="Calibri"/>
-            </a:endParaRPr>
-          </a:p>
-        </p:txBody>
-      </p:sp>
-      <p:sp>
-        <p:nvSpPr>
-          <p:cNvPr id="35" name="Rectangle 34"/>
-          <p:cNvSpPr>
-            <a:spLocks noChangeArrowheads="1"/>
-          </p:cNvSpPr>
-          <p:nvPr/>
-        </p:nvSpPr>
-        <p:spPr bwMode="auto">
-          <a:xfrm>
-            <a:off x="2218557" y="2038433"/>
-            <a:ext cx="8144643" cy="3837964"/>
-          </a:xfrm>
-          <a:prstGeom prst="rect">
-            <a:avLst/>
-          </a:prstGeom>
-          <a:noFill/>
-          <a:ln w="19050" algn="ctr">
-            <a:solidFill>
-              <a:srgbClr val="00B050"/>
-            </a:solidFill>
-            <a:miter lim="800000"/>
-            <a:headEnd/>
-            <a:tailEnd/>
-          </a:ln>
-        </p:spPr>
-        <p:txBody>
-          <a:bodyPr wrap="none" anchor="ctr"/>
-          <a:lstStyle>
-            <a:defPPr>
-              <a:defRPr lang="en-SG"/>
-            </a:defPPr>
-            <a:lvl1pPr algn="l" rtl="0" fontAlgn="base">
-              <a:spcBef>
-                <a:spcPct val="0"/>
-              </a:spcBef>
-              <a:spcAft>
-                <a:spcPct val="0"/>
-              </a:spcAft>
-              <a:defRPr kern="1200">
-                <a:solidFill>
-                  <a:schemeClr val="tx1"/>
-                </a:solidFill>
-                <a:latin typeface="Arial" charset="0"/>
-                <a:ea typeface="+mn-ea"/>
-                <a:cs typeface="Arial" charset="0"/>
-              </a:defRPr>
-            </a:lvl1pPr>
-            <a:lvl2pPr marL="457200" algn="l" rtl="0" fontAlgn="base">
-              <a:spcBef>
-                <a:spcPct val="0"/>
-              </a:spcBef>
-              <a:spcAft>
-                <a:spcPct val="0"/>
-              </a:spcAft>
-              <a:defRPr kern="1200">
-                <a:solidFill>
-                  <a:schemeClr val="tx1"/>
-                </a:solidFill>
-                <a:latin typeface="Arial" charset="0"/>
-                <a:ea typeface="+mn-ea"/>
-                <a:cs typeface="Arial" charset="0"/>
-              </a:defRPr>
-            </a:lvl2pPr>
-            <a:lvl3pPr marL="914400" algn="l" rtl="0" fontAlgn="base">
-              <a:spcBef>
-                <a:spcPct val="0"/>
-              </a:spcBef>
-              <a:spcAft>
-                <a:spcPct val="0"/>
-              </a:spcAft>
-              <a:defRPr kern="1200">
-                <a:solidFill>
-                  <a:schemeClr val="tx1"/>
-                </a:solidFill>
-                <a:latin typeface="Arial" charset="0"/>
-                <a:ea typeface="+mn-ea"/>
-                <a:cs typeface="Arial" charset="0"/>
-              </a:defRPr>
-            </a:lvl3pPr>
-            <a:lvl4pPr marL="1371600" algn="l" rtl="0" fontAlgn="base">
-              <a:spcBef>
-                <a:spcPct val="0"/>
-              </a:spcBef>
-              <a:spcAft>
-                <a:spcPct val="0"/>
-              </a:spcAft>
-              <a:defRPr kern="1200">
-                <a:solidFill>
-                  <a:schemeClr val="tx1"/>
-                </a:solidFill>
-                <a:latin typeface="Arial" charset="0"/>
-                <a:ea typeface="+mn-ea"/>
-                <a:cs typeface="Arial" charset="0"/>
-              </a:defRPr>
-            </a:lvl4pPr>
-            <a:lvl5pPr marL="1828800" algn="l" rtl="0" fontAlgn="base">
-              <a:spcBef>
-                <a:spcPct val="0"/>
-              </a:spcBef>
-              <a:spcAft>
-                <a:spcPct val="0"/>
-              </a:spcAft>
-              <a:defRPr kern="1200">
-                <a:solidFill>
-                  <a:schemeClr val="tx1"/>
-                </a:solidFill>
-                <a:latin typeface="Arial" charset="0"/>
-                <a:ea typeface="+mn-ea"/>
-                <a:cs typeface="Arial" charset="0"/>
-              </a:defRPr>
-            </a:lvl5pPr>
-            <a:lvl6pPr marL="2286000" algn="l" defTabSz="914400" rtl="0" eaLnBrk="1" latinLnBrk="0" hangingPunct="1">
-              <a:defRPr kern="1200">
-                <a:solidFill>
-                  <a:schemeClr val="tx1"/>
-                </a:solidFill>
-                <a:latin typeface="Arial" charset="0"/>
-                <a:ea typeface="+mn-ea"/>
-                <a:cs typeface="Arial" charset="0"/>
-              </a:defRPr>
-            </a:lvl6pPr>
-            <a:lvl7pPr marL="2743200" algn="l" defTabSz="914400" rtl="0" eaLnBrk="1" latinLnBrk="0" hangingPunct="1">
-              <a:defRPr kern="1200">
-                <a:solidFill>
-                  <a:schemeClr val="tx1"/>
-                </a:solidFill>
-                <a:latin typeface="Arial" charset="0"/>
-                <a:ea typeface="+mn-ea"/>
-                <a:cs typeface="Arial" charset="0"/>
-              </a:defRPr>
-            </a:lvl7pPr>
-            <a:lvl8pPr marL="3200400" algn="l" defTabSz="914400" rtl="0" eaLnBrk="1" latinLnBrk="0" hangingPunct="1">
-              <a:defRPr kern="1200">
-                <a:solidFill>
-                  <a:schemeClr val="tx1"/>
-                </a:solidFill>
-                <a:latin typeface="Arial" charset="0"/>
-                <a:ea typeface="+mn-ea"/>
-                <a:cs typeface="Arial" charset="0"/>
-              </a:defRPr>
-            </a:lvl8pPr>
-            <a:lvl9pPr marL="3657600" algn="l" defTabSz="914400" rtl="0" eaLnBrk="1" latinLnBrk="0" hangingPunct="1">
-              <a:defRPr kern="1200">
-                <a:solidFill>
-                  <a:schemeClr val="tx1"/>
-                </a:solidFill>
-                <a:latin typeface="Arial" charset="0"/>
-                <a:ea typeface="+mn-ea"/>
-                <a:cs typeface="Arial" charset="0"/>
-              </a:defRPr>
-            </a:lvl9pPr>
-          </a:lstStyle>
-          <a:p>
-            <a:pPr defTabSz="872733"/>
-            <a:r>
-              <a:rPr lang="en-US" sz="2000">
-                <a:solidFill>
-                  <a:prstClr val="black"/>
-                </a:solidFill>
-                <a:latin typeface="Calibri" pitchFamily="34" charset="0"/>
-              </a:rPr>
-              <a:t>					</a:t>
-            </a:r>
-          </a:p>
-        </p:txBody>
-      </p:sp>
-      <p:sp>
-        <p:nvSpPr>
-          <p:cNvPr id="36" name="Snip Single Corner Rectangle 35"/>
-          <p:cNvSpPr/>
-          <p:nvPr/>
-        </p:nvSpPr>
-        <p:spPr>
-          <a:xfrm flipV="1">
-            <a:off x="2218558" y="2037956"/>
-            <a:ext cx="673143" cy="403761"/>
-          </a:xfrm>
-          <a:prstGeom prst="snip1Rect">
-            <a:avLst/>
-          </a:prstGeom>
-          <a:solidFill>
-            <a:schemeClr val="bg1"/>
-          </a:solidFill>
-          <a:ln>
-            <a:solidFill>
-              <a:srgbClr val="00B050"/>
-            </a:solidFill>
-          </a:ln>
-        </p:spPr>
-        <p:style>
-          <a:lnRef idx="2">
-            <a:schemeClr val="accent1">
-              <a:shade val="50000"/>
-            </a:schemeClr>
-          </a:lnRef>
-          <a:fillRef idx="1">
-            <a:schemeClr val="accent1"/>
-          </a:fillRef>
-          <a:effectRef idx="0">
-            <a:schemeClr val="accent1"/>
-          </a:effectRef>
-          <a:fontRef idx="minor">
-            <a:schemeClr val="lt1"/>
-          </a:fontRef>
-        </p:style>
-        <p:txBody>
-          <a:bodyPr rtlCol="0" anchor="ctr"/>
-          <a:lstStyle/>
-          <a:p>
-            <a:pPr algn="ctr" defTabSz="872733"/>
-            <a:endParaRPr lang="en-US" sz="2000">
-              <a:solidFill>
-                <a:prstClr val="white"/>
-              </a:solidFill>
-              <a:latin typeface="Calibri"/>
-            </a:endParaRPr>
-          </a:p>
-        </p:txBody>
-      </p:sp>
-      <p:sp>
-        <p:nvSpPr>
-          <p:cNvPr id="37" name="Rectangle 36"/>
-          <p:cNvSpPr/>
-          <p:nvPr/>
-        </p:nvSpPr>
-        <p:spPr bwMode="auto">
-          <a:xfrm>
-            <a:off x="2182931" y="2038433"/>
-            <a:ext cx="3016332" cy="381000"/>
-          </a:xfrm>
-          <a:prstGeom prst="rect">
-            <a:avLst/>
-          </a:prstGeom>
-          <a:noFill/>
-          <a:ln>
-            <a:noFill/>
-          </a:ln>
-        </p:spPr>
-        <p:style>
-          <a:lnRef idx="2">
-            <a:schemeClr val="accent1">
-              <a:shade val="50000"/>
-            </a:schemeClr>
-          </a:lnRef>
-          <a:fillRef idx="1">
-            <a:schemeClr val="accent1"/>
-          </a:fillRef>
-          <a:effectRef idx="0">
-            <a:schemeClr val="accent1"/>
-          </a:effectRef>
-          <a:fontRef idx="minor">
-            <a:schemeClr val="lt1"/>
-          </a:fontRef>
-        </p:style>
-        <p:txBody>
-          <a:bodyPr anchor="ctr"/>
-          <a:lstStyle>
-            <a:defPPr>
-              <a:defRPr lang="en-SG"/>
-            </a:defPPr>
-            <a:lvl1pPr algn="l" rtl="0" fontAlgn="base">
-              <a:spcBef>
-                <a:spcPct val="0"/>
-              </a:spcBef>
-              <a:spcAft>
-                <a:spcPct val="0"/>
-              </a:spcAft>
-              <a:defRPr kern="1200">
-                <a:solidFill>
-                  <a:schemeClr val="lt1"/>
-                </a:solidFill>
-                <a:latin typeface="+mn-lt"/>
-                <a:ea typeface="+mn-ea"/>
-                <a:cs typeface="+mn-cs"/>
-              </a:defRPr>
-            </a:lvl1pPr>
-            <a:lvl2pPr marL="457200" algn="l" rtl="0" fontAlgn="base">
-              <a:spcBef>
-                <a:spcPct val="0"/>
-              </a:spcBef>
-              <a:spcAft>
-                <a:spcPct val="0"/>
-              </a:spcAft>
-              <a:defRPr kern="1200">
-                <a:solidFill>
-                  <a:schemeClr val="lt1"/>
-                </a:solidFill>
-                <a:latin typeface="+mn-lt"/>
-                <a:ea typeface="+mn-ea"/>
-                <a:cs typeface="+mn-cs"/>
-              </a:defRPr>
-            </a:lvl2pPr>
-            <a:lvl3pPr marL="914400" algn="l" rtl="0" fontAlgn="base">
-              <a:spcBef>
-                <a:spcPct val="0"/>
-              </a:spcBef>
-              <a:spcAft>
-                <a:spcPct val="0"/>
-              </a:spcAft>
-              <a:defRPr kern="1200">
-                <a:solidFill>
-                  <a:schemeClr val="lt1"/>
-                </a:solidFill>
-                <a:latin typeface="+mn-lt"/>
-                <a:ea typeface="+mn-ea"/>
-                <a:cs typeface="+mn-cs"/>
-              </a:defRPr>
-            </a:lvl3pPr>
-            <a:lvl4pPr marL="1371600" algn="l" rtl="0" fontAlgn="base">
-              <a:spcBef>
-                <a:spcPct val="0"/>
-              </a:spcBef>
-              <a:spcAft>
-                <a:spcPct val="0"/>
-              </a:spcAft>
-              <a:defRPr kern="1200">
-                <a:solidFill>
-                  <a:schemeClr val="lt1"/>
-                </a:solidFill>
-                <a:latin typeface="+mn-lt"/>
-                <a:ea typeface="+mn-ea"/>
-                <a:cs typeface="+mn-cs"/>
-              </a:defRPr>
-            </a:lvl4pPr>
-            <a:lvl5pPr marL="1828800" algn="l" rtl="0" fontAlgn="base">
-              <a:spcBef>
-                <a:spcPct val="0"/>
-              </a:spcBef>
-              <a:spcAft>
-                <a:spcPct val="0"/>
-              </a:spcAft>
-              <a:defRPr kern="1200">
-                <a:solidFill>
-                  <a:schemeClr val="lt1"/>
-                </a:solidFill>
-                <a:latin typeface="+mn-lt"/>
-                <a:ea typeface="+mn-ea"/>
-                <a:cs typeface="+mn-cs"/>
-              </a:defRPr>
-            </a:lvl5pPr>
-            <a:lvl6pPr marL="2286000" algn="l" defTabSz="914400" rtl="0" eaLnBrk="1" latinLnBrk="0" hangingPunct="1">
-              <a:defRPr kern="1200">
-                <a:solidFill>
-                  <a:schemeClr val="lt1"/>
-                </a:solidFill>
-                <a:latin typeface="+mn-lt"/>
-                <a:ea typeface="+mn-ea"/>
-                <a:cs typeface="+mn-cs"/>
-              </a:defRPr>
-            </a:lvl6pPr>
-            <a:lvl7pPr marL="2743200" algn="l" defTabSz="914400" rtl="0" eaLnBrk="1" latinLnBrk="0" hangingPunct="1">
-              <a:defRPr kern="1200">
-                <a:solidFill>
-                  <a:schemeClr val="lt1"/>
-                </a:solidFill>
-                <a:latin typeface="+mn-lt"/>
-                <a:ea typeface="+mn-ea"/>
-                <a:cs typeface="+mn-cs"/>
-              </a:defRPr>
-            </a:lvl7pPr>
-            <a:lvl8pPr marL="3200400" algn="l" defTabSz="914400" rtl="0" eaLnBrk="1" latinLnBrk="0" hangingPunct="1">
-              <a:defRPr kern="1200">
-                <a:solidFill>
-                  <a:schemeClr val="lt1"/>
-                </a:solidFill>
-                <a:latin typeface="+mn-lt"/>
-                <a:ea typeface="+mn-ea"/>
-                <a:cs typeface="+mn-cs"/>
-              </a:defRPr>
-            </a:lvl8pPr>
-            <a:lvl9pPr marL="3657600" algn="l" defTabSz="914400" rtl="0" eaLnBrk="1" latinLnBrk="0" hangingPunct="1">
-              <a:defRPr kern="1200">
-                <a:solidFill>
-                  <a:schemeClr val="lt1"/>
-                </a:solidFill>
-                <a:latin typeface="+mn-lt"/>
-                <a:ea typeface="+mn-ea"/>
-                <a:cs typeface="+mn-cs"/>
-              </a:defRPr>
-            </a:lvl9pPr>
-          </a:lstStyle>
-          <a:p>
-            <a:pPr defTabSz="872733"/>
-            <a:r>
-              <a:rPr lang="en-US" sz="2000" dirty="0">
-                <a:solidFill>
-                  <a:srgbClr val="00B050"/>
-                </a:solidFill>
-                <a:latin typeface="Calibri"/>
-                <a:cs typeface="Arial" charset="0"/>
-              </a:rPr>
-              <a:t>loop    [until </a:t>
-            </a:r>
-            <a:r>
-              <a:rPr lang="en-US" sz="2000" dirty="0" err="1">
-                <a:solidFill>
-                  <a:srgbClr val="00B050"/>
-                </a:solidFill>
-                <a:latin typeface="Calibri"/>
-                <a:cs typeface="Arial" charset="0"/>
-              </a:rPr>
-              <a:t>won|lost</a:t>
-            </a:r>
-            <a:r>
-              <a:rPr lang="en-US" sz="2000" dirty="0">
-                <a:solidFill>
-                  <a:srgbClr val="00B050"/>
-                </a:solidFill>
-                <a:latin typeface="Calibri"/>
-                <a:cs typeface="Arial" charset="0"/>
-              </a:rPr>
-              <a:t>]</a:t>
-            </a:r>
-          </a:p>
-        </p:txBody>
-      </p:sp>
-      <p:sp>
-        <p:nvSpPr>
-          <p:cNvPr id="39" name="TextBox 38"/>
-          <p:cNvSpPr txBox="1"/>
-          <p:nvPr/>
-        </p:nvSpPr>
-        <p:spPr>
-          <a:xfrm>
-            <a:off x="2118530" y="1637737"/>
-            <a:ext cx="1082633" cy="400110"/>
-          </a:xfrm>
-          <a:prstGeom prst="rect">
-            <a:avLst/>
-          </a:prstGeom>
-          <a:noFill/>
-        </p:spPr>
-        <p:txBody>
-          <a:bodyPr wrap="square" rtlCol="0">
-            <a:spAutoFit/>
-          </a:bodyPr>
-          <a:lstStyle/>
-          <a:p>
-            <a:pPr algn="ctr" defTabSz="872733"/>
-            <a:r>
-              <a:rPr lang="en-US" sz="2000" dirty="0">
-                <a:solidFill>
-                  <a:srgbClr val="0070C0"/>
-                </a:solidFill>
-                <a:latin typeface="Calibri"/>
-              </a:rPr>
-              <a:t>Player</a:t>
-            </a:r>
-          </a:p>
-        </p:txBody>
-      </p:sp>
-      <p:sp>
-        <p:nvSpPr>
-          <p:cNvPr id="32" name="Text Box 11"/>
-          <p:cNvSpPr txBox="1">
-            <a:spLocks noChangeArrowheads="1"/>
-          </p:cNvSpPr>
-          <p:nvPr/>
-        </p:nvSpPr>
-        <p:spPr bwMode="auto">
-          <a:xfrm>
-            <a:off x="9182100" y="1079975"/>
-            <a:ext cx="1295400" cy="677108"/>
-          </a:xfrm>
-          <a:prstGeom prst="rect">
-            <a:avLst/>
-          </a:prstGeom>
-          <a:ln w="19050">
-            <a:headEnd/>
-            <a:tailEnd/>
-          </a:ln>
-        </p:spPr>
-        <p:style>
-          <a:lnRef idx="1">
-            <a:schemeClr val="accent3"/>
-          </a:lnRef>
-          <a:fillRef idx="2">
-            <a:schemeClr val="accent3"/>
-          </a:fillRef>
-          <a:effectRef idx="1">
-            <a:schemeClr val="accent3"/>
-          </a:effectRef>
-          <a:fontRef idx="minor">
-            <a:schemeClr val="dk1"/>
-          </a:fontRef>
-        </p:style>
-        <p:txBody>
-          <a:bodyPr lIns="0" tIns="0" rIns="0" bIns="0">
-            <a:noAutofit/>
-          </a:bodyPr>
-          <a:lstStyle/>
-          <a:p>
-            <a:pPr algn="ctr" defTabSz="872733">
-              <a:spcBef>
-                <a:spcPct val="50000"/>
-              </a:spcBef>
-            </a:pPr>
-            <a:r>
-              <a:rPr lang="en-US" sz="2000" dirty="0">
-                <a:solidFill>
-                  <a:prstClr val="black"/>
-                </a:solidFill>
-                <a:latin typeface="Calibri"/>
-              </a:rPr>
-              <a:t>&lt;&lt;class&gt;&gt;</a:t>
-            </a:r>
-            <a:br>
-              <a:rPr lang="en-US" sz="2000" dirty="0">
-                <a:solidFill>
-                  <a:prstClr val="black"/>
-                </a:solidFill>
-                <a:latin typeface="Calibri"/>
-              </a:rPr>
-            </a:br>
-            <a:r>
-              <a:rPr lang="en-US" sz="2000" dirty="0">
-                <a:solidFill>
-                  <a:prstClr val="black"/>
-                </a:solidFill>
-                <a:latin typeface="Calibri"/>
-              </a:rPr>
-              <a:t>:Logger</a:t>
-            </a:r>
-          </a:p>
-        </p:txBody>
-      </p:sp>
-      <p:sp>
-        <p:nvSpPr>
-          <p:cNvPr id="33" name="Line 13"/>
-          <p:cNvSpPr>
-            <a:spLocks noChangeShapeType="1"/>
-          </p:cNvSpPr>
-          <p:nvPr/>
-        </p:nvSpPr>
-        <p:spPr bwMode="auto">
-          <a:xfrm>
-            <a:off x="9829800" y="1757084"/>
-            <a:ext cx="0" cy="4231609"/>
-          </a:xfrm>
-          <a:prstGeom prst="line">
-            <a:avLst/>
-          </a:prstGeom>
-          <a:ln>
-            <a:solidFill>
-              <a:schemeClr val="accent3">
-                <a:lumMod val="75000"/>
-              </a:schemeClr>
-            </a:solidFill>
-            <a:prstDash val="sysDash"/>
-            <a:headEnd/>
-            <a:tailEnd/>
-          </a:ln>
-        </p:spPr>
-        <p:style>
-          <a:lnRef idx="2">
-            <a:schemeClr val="accent4"/>
-          </a:lnRef>
-          <a:fillRef idx="0">
-            <a:schemeClr val="accent4"/>
-          </a:fillRef>
-          <a:effectRef idx="1">
-            <a:schemeClr val="accent4"/>
-          </a:effectRef>
-          <a:fontRef idx="minor">
-            <a:schemeClr val="tx1"/>
-          </a:fontRef>
-        </p:style>
-        <p:txBody>
-          <a:bodyPr/>
-          <a:lstStyle/>
-          <a:p>
-            <a:pPr defTabSz="872733"/>
-            <a:endParaRPr lang="en-US" sz="2000">
-              <a:solidFill>
-                <a:prstClr val="black"/>
-              </a:solidFill>
-              <a:latin typeface="Calibri"/>
-            </a:endParaRPr>
-          </a:p>
-        </p:txBody>
-      </p:sp>
-      <p:sp>
-        <p:nvSpPr>
-          <p:cNvPr id="34" name="Line 15"/>
-          <p:cNvSpPr>
-            <a:spLocks noChangeShapeType="1"/>
-          </p:cNvSpPr>
-          <p:nvPr/>
-        </p:nvSpPr>
-        <p:spPr bwMode="auto">
-          <a:xfrm>
-            <a:off x="5323781" y="3883650"/>
-            <a:ext cx="4385463" cy="0"/>
-          </a:xfrm>
-          <a:prstGeom prst="line">
-            <a:avLst/>
-          </a:prstGeom>
-          <a:noFill/>
-          <a:ln w="19050">
-            <a:solidFill>
-              <a:srgbClr val="7030A0"/>
-            </a:solidFill>
-            <a:round/>
-            <a:headEnd/>
-            <a:tailEnd type="triangle" w="lg" len="lg"/>
-          </a:ln>
-        </p:spPr>
-        <p:txBody>
-          <a:bodyPr/>
-          <a:lstStyle/>
-          <a:p>
-            <a:pPr defTabSz="872733"/>
-            <a:endParaRPr lang="en-US" sz="2000">
-              <a:solidFill>
-                <a:prstClr val="black"/>
-              </a:solidFill>
-              <a:latin typeface="Calibri"/>
-            </a:endParaRPr>
-          </a:p>
-        </p:txBody>
-      </p:sp>
-      <p:sp>
-        <p:nvSpPr>
-          <p:cNvPr id="38" name="Text Box 25"/>
-          <p:cNvSpPr txBox="1">
-            <a:spLocks noChangeArrowheads="1"/>
-          </p:cNvSpPr>
-          <p:nvPr/>
-        </p:nvSpPr>
-        <p:spPr bwMode="auto">
-          <a:xfrm>
-            <a:off x="6055758" y="3474659"/>
-            <a:ext cx="981337" cy="400110"/>
-          </a:xfrm>
-          <a:prstGeom prst="rect">
-            <a:avLst/>
-          </a:prstGeom>
-          <a:noFill/>
-          <a:ln w="12700" algn="ctr">
-            <a:noFill/>
-            <a:miter lim="800000"/>
-            <a:headEnd/>
-            <a:tailEnd/>
-          </a:ln>
-        </p:spPr>
-        <p:txBody>
-          <a:bodyPr wrap="square">
-            <a:spAutoFit/>
-          </a:bodyPr>
-          <a:lstStyle/>
-          <a:p>
-            <a:pPr defTabSz="872733">
-              <a:spcBef>
-                <a:spcPct val="50000"/>
-              </a:spcBef>
-            </a:pPr>
-            <a:r>
-              <a:rPr lang="en-US" sz="2000" i="1" dirty="0">
-                <a:solidFill>
-                  <a:srgbClr val="9BBB59">
-                    <a:lumMod val="75000"/>
-                  </a:srgbClr>
-                </a:solidFill>
-                <a:latin typeface="Calibri"/>
-              </a:rPr>
-              <a:t>log()</a:t>
-            </a:r>
-          </a:p>
-        </p:txBody>
-      </p:sp>
-      <p:sp>
-        <p:nvSpPr>
-          <p:cNvPr id="40" name="Rectangle 39"/>
-          <p:cNvSpPr/>
-          <p:nvPr/>
-        </p:nvSpPr>
-        <p:spPr>
-          <a:xfrm>
-            <a:off x="9701007" y="3897259"/>
-            <a:ext cx="251361" cy="393865"/>
-          </a:xfrm>
-          <a:prstGeom prst="rect">
-            <a:avLst/>
-          </a:prstGeom>
-          <a:solidFill>
-            <a:schemeClr val="accent3">
-              <a:lumMod val="20000"/>
-              <a:lumOff val="80000"/>
-            </a:schemeClr>
-          </a:solidFill>
-          <a:ln>
-            <a:solidFill>
-              <a:schemeClr val="accent3">
-                <a:lumMod val="75000"/>
-              </a:schemeClr>
-            </a:solidFill>
-          </a:ln>
-        </p:spPr>
-        <p:style>
-          <a:lnRef idx="2">
-            <a:schemeClr val="accent4"/>
-          </a:lnRef>
-          <a:fillRef idx="1">
-            <a:schemeClr val="lt1"/>
-          </a:fillRef>
-          <a:effectRef idx="0">
-            <a:schemeClr val="accent4"/>
-          </a:effectRef>
-          <a:fontRef idx="minor">
-            <a:schemeClr val="dk1"/>
-          </a:fontRef>
-        </p:style>
-        <p:txBody>
-          <a:bodyPr rtlCol="0" anchor="ctr"/>
-          <a:lstStyle/>
-          <a:p>
-            <a:pPr algn="ctr" defTabSz="872733"/>
-            <a:endParaRPr lang="en-US" sz="2000">
-              <a:solidFill>
-                <a:prstClr val="black"/>
-              </a:solidFill>
-              <a:latin typeface="Calibri"/>
-            </a:endParaRPr>
-          </a:p>
-        </p:txBody>
-      </p:sp>
-      <p:sp>
-        <p:nvSpPr>
-          <p:cNvPr id="41" name="Line 16"/>
-          <p:cNvSpPr>
-            <a:spLocks noChangeShapeType="1"/>
-          </p:cNvSpPr>
-          <p:nvPr/>
-        </p:nvSpPr>
-        <p:spPr bwMode="auto">
-          <a:xfrm flipH="1">
-            <a:off x="5303668" y="4284404"/>
-            <a:ext cx="4397337" cy="0"/>
-          </a:xfrm>
-          <a:prstGeom prst="line">
-            <a:avLst/>
-          </a:prstGeom>
-          <a:noFill/>
-          <a:ln w="19050">
-            <a:solidFill>
-              <a:schemeClr val="accent3">
-                <a:lumMod val="75000"/>
-              </a:schemeClr>
-            </a:solidFill>
-            <a:prstDash val="sysDash"/>
-            <a:round/>
-            <a:headEnd/>
-            <a:tailEnd type="triangle" w="lg" len="lg"/>
-          </a:ln>
-        </p:spPr>
-        <p:txBody>
-          <a:bodyPr/>
-          <a:lstStyle/>
-          <a:p>
-            <a:pPr defTabSz="872733"/>
-            <a:endParaRPr lang="en-US" sz="2000">
-              <a:solidFill>
-                <a:prstClr val="black"/>
-              </a:solidFill>
-              <a:latin typeface="Calibri"/>
-            </a:endParaRPr>
-          </a:p>
-        </p:txBody>
-      </p:sp>
-    </p:spTree>
-    <p:extLst>
-      <p:ext uri="{BB962C8B-B14F-4D97-AF65-F5344CB8AC3E}">
-        <p14:creationId xmlns:p14="http://schemas.microsoft.com/office/powerpoint/2010/main" val="3228498101"/>
-      </p:ext>
-    </p:extLst>
-  </p:cSld>
-  <p:clrMapOvr>
-    <a:masterClrMapping/>
-  </p:clrMapOvr>
-  <p:timing>
-    <p:tnLst>
-      <p:par>
-        <p:cTn id="1" dur="indefinite" restart="never" nodeType="tmRoot">
-          <p:childTnLst>
-            <p:seq concurrent="1" nextAc="seek">
-              <p:cTn id="2" dur="indefinite" nodeType="mainSeq">
-                <p:childTnLst>
-                  <p:par>
-                    <p:cTn id="3" fill="hold">
-                      <p:stCondLst>
-                        <p:cond delay="indefinite"/>
-                      </p:stCondLst>
-                      <p:childTnLst>
-                        <p:par>
-                          <p:cTn id="4" fill="hold">
-                            <p:stCondLst>
-                              <p:cond delay="0"/>
-                            </p:stCondLst>
-                            <p:childTnLst>
-                              <p:par>
-                                <p:cTn id="5" presetID="1" presetClass="entr" presetSubtype="0" fill="hold" grpId="0" nodeType="clickEffect">
-                                  <p:stCondLst>
-                                    <p:cond delay="0"/>
-                                  </p:stCondLst>
-                                  <p:childTnLst>
-                                    <p:set>
-                                      <p:cBhvr>
-                                        <p:cTn id="6" dur="1" fill="hold">
-                                          <p:stCondLst>
-                                            <p:cond delay="0"/>
-                                          </p:stCondLst>
-                                        </p:cTn>
-                                        <p:tgtEl>
-                                          <p:spTgt spid="24"/>
-                                        </p:tgtEl>
-                                        <p:attrNameLst>
-                                          <p:attrName>style.visibility</p:attrName>
-                                        </p:attrNameLst>
-                                      </p:cBhvr>
-                                      <p:to>
-                                        <p:strVal val="visible"/>
-                                      </p:to>
-                                    </p:set>
-                                  </p:childTnLst>
-                                </p:cTn>
-                              </p:par>
-                              <p:par>
-                                <p:cTn id="7" presetID="1" presetClass="entr" presetSubtype="0" fill="hold" grpId="0" nodeType="withEffect">
-                                  <p:stCondLst>
-                                    <p:cond delay="0"/>
-                                  </p:stCondLst>
-                                  <p:childTnLst>
-                                    <p:set>
-                                      <p:cBhvr>
-                                        <p:cTn id="8" dur="1" fill="hold">
-                                          <p:stCondLst>
-                                            <p:cond delay="0"/>
-                                          </p:stCondLst>
-                                        </p:cTn>
-                                        <p:tgtEl>
-                                          <p:spTgt spid="25"/>
-                                        </p:tgtEl>
-                                        <p:attrNameLst>
-                                          <p:attrName>style.visibility</p:attrName>
-                                        </p:attrNameLst>
-                                      </p:cBhvr>
-                                      <p:to>
-                                        <p:strVal val="visible"/>
-                                      </p:to>
-                                    </p:set>
-                                  </p:childTnLst>
-                                </p:cTn>
-                              </p:par>
-                              <p:par>
-                                <p:cTn id="9" presetID="1" presetClass="entr" presetSubtype="0" fill="hold" grpId="0" nodeType="withEffect">
-                                  <p:stCondLst>
-                                    <p:cond delay="0"/>
-                                  </p:stCondLst>
-                                  <p:childTnLst>
-                                    <p:set>
-                                      <p:cBhvr>
-                                        <p:cTn id="10" dur="1" fill="hold">
-                                          <p:stCondLst>
-                                            <p:cond delay="0"/>
-                                          </p:stCondLst>
-                                        </p:cTn>
-                                        <p:tgtEl>
-                                          <p:spTgt spid="26"/>
-                                        </p:tgtEl>
-                                        <p:attrNameLst>
-                                          <p:attrName>style.visibility</p:attrName>
-                                        </p:attrNameLst>
-                                      </p:cBhvr>
-                                      <p:to>
-                                        <p:strVal val="visible"/>
-                                      </p:to>
-                                    </p:set>
-                                  </p:childTnLst>
-                                </p:cTn>
-                              </p:par>
-                              <p:par>
-                                <p:cTn id="11" presetID="1" presetClass="entr" presetSubtype="0" fill="hold" grpId="0" nodeType="withEffect">
-                                  <p:stCondLst>
-                                    <p:cond delay="0"/>
-                                  </p:stCondLst>
-                                  <p:childTnLst>
-                                    <p:set>
-                                      <p:cBhvr>
-                                        <p:cTn id="12" dur="1" fill="hold">
-                                          <p:stCondLst>
-                                            <p:cond delay="0"/>
-                                          </p:stCondLst>
-                                        </p:cTn>
-                                        <p:tgtEl>
-                                          <p:spTgt spid="27"/>
-                                        </p:tgtEl>
-                                        <p:attrNameLst>
-                                          <p:attrName>style.visibility</p:attrName>
-                                        </p:attrNameLst>
-                                      </p:cBhvr>
-                                      <p:to>
-                                        <p:strVal val="visible"/>
-                                      </p:to>
-                                    </p:set>
-                                  </p:childTnLst>
-                                </p:cTn>
-                              </p:par>
-                              <p:par>
-                                <p:cTn id="13" presetID="1" presetClass="entr" presetSubtype="0" fill="hold" grpId="0" nodeType="withEffect">
-                                  <p:stCondLst>
-                                    <p:cond delay="0"/>
-                                  </p:stCondLst>
-                                  <p:childTnLst>
-                                    <p:set>
-                                      <p:cBhvr>
-                                        <p:cTn id="14" dur="1" fill="hold">
-                                          <p:stCondLst>
-                                            <p:cond delay="0"/>
-                                          </p:stCondLst>
-                                        </p:cTn>
-                                        <p:tgtEl>
-                                          <p:spTgt spid="29"/>
-                                        </p:tgtEl>
-                                        <p:attrNameLst>
-                                          <p:attrName>style.visibility</p:attrName>
-                                        </p:attrNameLst>
-                                      </p:cBhvr>
-                                      <p:to>
-                                        <p:strVal val="visible"/>
-                                      </p:to>
-                                    </p:set>
-                                  </p:childTnLst>
-                                </p:cTn>
-                              </p:par>
-                            </p:childTnLst>
-                          </p:cTn>
-                        </p:par>
-                      </p:childTnLst>
-                    </p:cTn>
-                  </p:par>
-                  <p:par>
-                    <p:cTn id="15" fill="hold">
-                      <p:stCondLst>
-                        <p:cond delay="indefinite"/>
-                      </p:stCondLst>
-                      <p:childTnLst>
-                        <p:par>
-                          <p:cTn id="16" fill="hold">
-                            <p:stCondLst>
-                              <p:cond delay="0"/>
-                            </p:stCondLst>
-                            <p:childTnLst>
-                              <p:par>
-                                <p:cTn id="17" presetID="1" presetClass="entr" presetSubtype="0" fill="hold" grpId="0" nodeType="clickEffect">
-                                  <p:stCondLst>
-                                    <p:cond delay="0"/>
-                                  </p:stCondLst>
-                                  <p:childTnLst>
-                                    <p:set>
-                                      <p:cBhvr>
-                                        <p:cTn id="18" dur="1" fill="hold">
-                                          <p:stCondLst>
-                                            <p:cond delay="0"/>
-                                          </p:stCondLst>
-                                        </p:cTn>
-                                        <p:tgtEl>
-                                          <p:spTgt spid="36"/>
-                                        </p:tgtEl>
-                                        <p:attrNameLst>
-                                          <p:attrName>style.visibility</p:attrName>
-                                        </p:attrNameLst>
-                                      </p:cBhvr>
-                                      <p:to>
-                                        <p:strVal val="visible"/>
-                                      </p:to>
-                                    </p:set>
-                                  </p:childTnLst>
-                                </p:cTn>
-                              </p:par>
-                              <p:par>
-                                <p:cTn id="19" presetID="1" presetClass="entr" presetSubtype="0" fill="hold" grpId="0" nodeType="withEffect">
-                                  <p:stCondLst>
-                                    <p:cond delay="0"/>
-                                  </p:stCondLst>
-                                  <p:childTnLst>
-                                    <p:set>
-                                      <p:cBhvr>
-                                        <p:cTn id="20" dur="1" fill="hold">
-                                          <p:stCondLst>
-                                            <p:cond delay="0"/>
-                                          </p:stCondLst>
-                                        </p:cTn>
-                                        <p:tgtEl>
-                                          <p:spTgt spid="37"/>
-                                        </p:tgtEl>
-                                        <p:attrNameLst>
-                                          <p:attrName>style.visibility</p:attrName>
-                                        </p:attrNameLst>
-                                      </p:cBhvr>
-                                      <p:to>
-                                        <p:strVal val="visible"/>
-                                      </p:to>
-                                    </p:set>
-                                  </p:childTnLst>
-                                </p:cTn>
-                              </p:par>
-                              <p:par>
-                                <p:cTn id="21" presetID="1" presetClass="entr" presetSubtype="0" fill="hold" grpId="0" nodeType="withEffect">
-                                  <p:stCondLst>
-                                    <p:cond delay="0"/>
-                                  </p:stCondLst>
-                                  <p:childTnLst>
-                                    <p:set>
-                                      <p:cBhvr>
-                                        <p:cTn id="22" dur="1" fill="hold">
-                                          <p:stCondLst>
-                                            <p:cond delay="0"/>
-                                          </p:stCondLst>
-                                        </p:cTn>
-                                        <p:tgtEl>
-                                          <p:spTgt spid="35"/>
-                                        </p:tgtEl>
-                                        <p:attrNameLst>
-                                          <p:attrName>style.visibility</p:attrName>
-                                        </p:attrNameLst>
-                                      </p:cBhvr>
-                                      <p:to>
-                                        <p:strVal val="visible"/>
-                                      </p:to>
-                                    </p:set>
-                                  </p:childTnLst>
-                                </p:cTn>
-                              </p:par>
-                            </p:childTnLst>
-                          </p:cTn>
-                        </p:par>
-                      </p:childTnLst>
-                    </p:cTn>
-                  </p:par>
-                  <p:par>
-                    <p:cTn id="23" fill="hold">
-                      <p:stCondLst>
-                        <p:cond delay="indefinite"/>
-                      </p:stCondLst>
-                      <p:childTnLst>
-                        <p:par>
-                          <p:cTn id="24" fill="hold">
-                            <p:stCondLst>
-                              <p:cond delay="0"/>
-                            </p:stCondLst>
-                            <p:childTnLst>
-                              <p:par>
-                                <p:cTn id="25" presetID="1" presetClass="exit" presetSubtype="0" fill="hold" grpId="0" nodeType="clickEffect">
-                                  <p:stCondLst>
-                                    <p:cond delay="0"/>
-                                  </p:stCondLst>
-                                  <p:childTnLst>
-                                    <p:set>
-                                      <p:cBhvr>
-                                        <p:cTn id="26" dur="1" fill="hold">
-                                          <p:stCondLst>
-                                            <p:cond delay="0"/>
-                                          </p:stCondLst>
-                                        </p:cTn>
-                                        <p:tgtEl>
-                                          <p:spTgt spid="4"/>
-                                        </p:tgtEl>
-                                        <p:attrNameLst>
-                                          <p:attrName>style.visibility</p:attrName>
-                                        </p:attrNameLst>
-                                      </p:cBhvr>
-                                      <p:to>
-                                        <p:strVal val="hidden"/>
-                                      </p:to>
-                                    </p:set>
-                                  </p:childTnLst>
-                                </p:cTn>
-                              </p:par>
-                              <p:par>
-                                <p:cTn id="27" presetID="1" presetClass="exit" presetSubtype="0" fill="hold" grpId="0" nodeType="withEffect">
-                                  <p:stCondLst>
-                                    <p:cond delay="0"/>
-                                  </p:stCondLst>
-                                  <p:childTnLst>
-                                    <p:set>
-                                      <p:cBhvr>
-                                        <p:cTn id="28" dur="1" fill="hold">
-                                          <p:stCondLst>
-                                            <p:cond delay="0"/>
-                                          </p:stCondLst>
-                                        </p:cTn>
-                                        <p:tgtEl>
-                                          <p:spTgt spid="5"/>
-                                        </p:tgtEl>
-                                        <p:attrNameLst>
-                                          <p:attrName>style.visibility</p:attrName>
-                                        </p:attrNameLst>
-                                      </p:cBhvr>
-                                      <p:to>
-                                        <p:strVal val="hidden"/>
-                                      </p:to>
-                                    </p:set>
-                                  </p:childTnLst>
-                                </p:cTn>
-                              </p:par>
-                              <p:par>
-                                <p:cTn id="29" presetID="1" presetClass="exit" presetSubtype="0" fill="hold" grpId="0" nodeType="withEffect">
-                                  <p:stCondLst>
-                                    <p:cond delay="0"/>
-                                  </p:stCondLst>
-                                  <p:childTnLst>
-                                    <p:set>
-                                      <p:cBhvr>
-                                        <p:cTn id="30" dur="1" fill="hold">
-                                          <p:stCondLst>
-                                            <p:cond delay="0"/>
-                                          </p:stCondLst>
-                                        </p:cTn>
-                                        <p:tgtEl>
-                                          <p:spTgt spid="6"/>
-                                        </p:tgtEl>
-                                        <p:attrNameLst>
-                                          <p:attrName>style.visibility</p:attrName>
-                                        </p:attrNameLst>
-                                      </p:cBhvr>
-                                      <p:to>
-                                        <p:strVal val="hidden"/>
-                                      </p:to>
-                                    </p:set>
-                                  </p:childTnLst>
-                                </p:cTn>
-                              </p:par>
-                              <p:par>
-                                <p:cTn id="31" presetID="1" presetClass="exit" presetSubtype="0" fill="hold" grpId="0" nodeType="withEffect">
-                                  <p:stCondLst>
-                                    <p:cond delay="0"/>
-                                  </p:stCondLst>
-                                  <p:childTnLst>
-                                    <p:set>
-                                      <p:cBhvr>
-                                        <p:cTn id="32" dur="1" fill="hold">
-                                          <p:stCondLst>
-                                            <p:cond delay="0"/>
-                                          </p:stCondLst>
-                                        </p:cTn>
-                                        <p:tgtEl>
-                                          <p:spTgt spid="7"/>
-                                        </p:tgtEl>
-                                        <p:attrNameLst>
-                                          <p:attrName>style.visibility</p:attrName>
-                                        </p:attrNameLst>
-                                      </p:cBhvr>
-                                      <p:to>
-                                        <p:strVal val="hidden"/>
-                                      </p:to>
-                                    </p:set>
-                                  </p:childTnLst>
-                                </p:cTn>
-                              </p:par>
-                              <p:par>
-                                <p:cTn id="33" presetID="1" presetClass="exit" presetSubtype="0" fill="hold" grpId="0" nodeType="withEffect">
-                                  <p:stCondLst>
-                                    <p:cond delay="0"/>
-                                  </p:stCondLst>
-                                  <p:childTnLst>
-                                    <p:set>
-                                      <p:cBhvr>
-                                        <p:cTn id="34" dur="1" fill="hold">
-                                          <p:stCondLst>
-                                            <p:cond delay="0"/>
-                                          </p:stCondLst>
-                                        </p:cTn>
-                                        <p:tgtEl>
-                                          <p:spTgt spid="8"/>
-                                        </p:tgtEl>
-                                        <p:attrNameLst>
-                                          <p:attrName>style.visibility</p:attrName>
-                                        </p:attrNameLst>
-                                      </p:cBhvr>
-                                      <p:to>
-                                        <p:strVal val="hidden"/>
-                                      </p:to>
-                                    </p:set>
-                                  </p:childTnLst>
-                                </p:cTn>
-                              </p:par>
-                              <p:par>
-                                <p:cTn id="35" presetID="1" presetClass="exit" presetSubtype="0" fill="hold" grpId="0" nodeType="withEffect">
-                                  <p:stCondLst>
-                                    <p:cond delay="0"/>
-                                  </p:stCondLst>
-                                  <p:childTnLst>
-                                    <p:set>
-                                      <p:cBhvr>
-                                        <p:cTn id="36" dur="1" fill="hold">
-                                          <p:stCondLst>
-                                            <p:cond delay="0"/>
-                                          </p:stCondLst>
-                                        </p:cTn>
-                                        <p:tgtEl>
-                                          <p:spTgt spid="9"/>
-                                        </p:tgtEl>
-                                        <p:attrNameLst>
-                                          <p:attrName>style.visibility</p:attrName>
-                                        </p:attrNameLst>
-                                      </p:cBhvr>
-                                      <p:to>
-                                        <p:strVal val="hidden"/>
-                                      </p:to>
-                                    </p:set>
-                                  </p:childTnLst>
-                                </p:cTn>
-                              </p:par>
-                              <p:par>
-                                <p:cTn id="37" presetID="1" presetClass="exit" presetSubtype="0" fill="hold" grpId="0" nodeType="withEffect">
-                                  <p:stCondLst>
-                                    <p:cond delay="0"/>
-                                  </p:stCondLst>
-                                  <p:childTnLst>
-                                    <p:set>
-                                      <p:cBhvr>
-                                        <p:cTn id="38" dur="1" fill="hold">
-                                          <p:stCondLst>
-                                            <p:cond delay="0"/>
-                                          </p:stCondLst>
-                                        </p:cTn>
-                                        <p:tgtEl>
-                                          <p:spTgt spid="10"/>
-                                        </p:tgtEl>
-                                        <p:attrNameLst>
-                                          <p:attrName>style.visibility</p:attrName>
-                                        </p:attrNameLst>
-                                      </p:cBhvr>
-                                      <p:to>
-                                        <p:strVal val="hidden"/>
-                                      </p:to>
-                                    </p:set>
-                                  </p:childTnLst>
-                                </p:cTn>
-                              </p:par>
-                              <p:par>
-                                <p:cTn id="39" presetID="1" presetClass="exit" presetSubtype="0" fill="hold" nodeType="withEffect">
-                                  <p:stCondLst>
-                                    <p:cond delay="0"/>
-                                  </p:stCondLst>
-                                  <p:childTnLst>
-                                    <p:set>
-                                      <p:cBhvr>
-                                        <p:cTn id="40" dur="1" fill="hold">
-                                          <p:stCondLst>
-                                            <p:cond delay="0"/>
-                                          </p:stCondLst>
-                                        </p:cTn>
-                                        <p:tgtEl>
-                                          <p:spTgt spid="2"/>
-                                        </p:tgtEl>
-                                        <p:attrNameLst>
-                                          <p:attrName>style.visibility</p:attrName>
-                                        </p:attrNameLst>
-                                      </p:cBhvr>
-                                      <p:to>
-                                        <p:strVal val="hidden"/>
-                                      </p:to>
-                                    </p:set>
-                                  </p:childTnLst>
-                                </p:cTn>
-                              </p:par>
-                              <p:par>
-                                <p:cTn id="41" presetID="1" presetClass="exit" presetSubtype="0" fill="hold" grpId="0" nodeType="withEffect">
-                                  <p:stCondLst>
-                                    <p:cond delay="0"/>
-                                  </p:stCondLst>
-                                  <p:childTnLst>
-                                    <p:set>
-                                      <p:cBhvr>
-                                        <p:cTn id="42" dur="1" fill="hold">
-                                          <p:stCondLst>
-                                            <p:cond delay="0"/>
-                                          </p:stCondLst>
-                                        </p:cTn>
-                                        <p:tgtEl>
-                                          <p:spTgt spid="17"/>
-                                        </p:tgtEl>
-                                        <p:attrNameLst>
-                                          <p:attrName>style.visibility</p:attrName>
-                                        </p:attrNameLst>
-                                      </p:cBhvr>
-                                      <p:to>
-                                        <p:strVal val="hidden"/>
-                                      </p:to>
-                                    </p:set>
-                                  </p:childTnLst>
-                                </p:cTn>
-                              </p:par>
-                              <p:par>
-                                <p:cTn id="43" presetID="1" presetClass="exit" presetSubtype="0" fill="hold" grpId="0" nodeType="withEffect">
-                                  <p:stCondLst>
-                                    <p:cond delay="0"/>
-                                  </p:stCondLst>
-                                  <p:childTnLst>
-                                    <p:set>
-                                      <p:cBhvr>
-                                        <p:cTn id="44" dur="1" fill="hold">
-                                          <p:stCondLst>
-                                            <p:cond delay="0"/>
-                                          </p:stCondLst>
-                                        </p:cTn>
-                                        <p:tgtEl>
-                                          <p:spTgt spid="18"/>
-                                        </p:tgtEl>
-                                        <p:attrNameLst>
-                                          <p:attrName>style.visibility</p:attrName>
-                                        </p:attrNameLst>
-                                      </p:cBhvr>
-                                      <p:to>
-                                        <p:strVal val="hidden"/>
-                                      </p:to>
-                                    </p:set>
-                                  </p:childTnLst>
-                                </p:cTn>
-                              </p:par>
-                              <p:par>
-                                <p:cTn id="45" presetID="1" presetClass="exit" presetSubtype="0" fill="hold" grpId="0" nodeType="withEffect">
-                                  <p:stCondLst>
-                                    <p:cond delay="0"/>
-                                  </p:stCondLst>
-                                  <p:childTnLst>
-                                    <p:set>
-                                      <p:cBhvr>
-                                        <p:cTn id="46" dur="1" fill="hold">
-                                          <p:stCondLst>
-                                            <p:cond delay="0"/>
-                                          </p:stCondLst>
-                                        </p:cTn>
-                                        <p:tgtEl>
-                                          <p:spTgt spid="19"/>
-                                        </p:tgtEl>
-                                        <p:attrNameLst>
-                                          <p:attrName>style.visibility</p:attrName>
-                                        </p:attrNameLst>
-                                      </p:cBhvr>
-                                      <p:to>
-                                        <p:strVal val="hidden"/>
-                                      </p:to>
-                                    </p:set>
-                                  </p:childTnLst>
-                                </p:cTn>
-                              </p:par>
-                              <p:par>
-                                <p:cTn id="47" presetID="1" presetClass="exit" presetSubtype="0" fill="hold" grpId="0" nodeType="withEffect">
-                                  <p:stCondLst>
-                                    <p:cond delay="0"/>
-                                  </p:stCondLst>
-                                  <p:childTnLst>
-                                    <p:set>
-                                      <p:cBhvr>
-                                        <p:cTn id="48" dur="1" fill="hold">
-                                          <p:stCondLst>
-                                            <p:cond delay="0"/>
-                                          </p:stCondLst>
-                                        </p:cTn>
-                                        <p:tgtEl>
-                                          <p:spTgt spid="20"/>
-                                        </p:tgtEl>
-                                        <p:attrNameLst>
-                                          <p:attrName>style.visibility</p:attrName>
-                                        </p:attrNameLst>
-                                      </p:cBhvr>
-                                      <p:to>
-                                        <p:strVal val="hidden"/>
-                                      </p:to>
-                                    </p:set>
-                                  </p:childTnLst>
-                                </p:cTn>
-                              </p:par>
-                              <p:par>
-                                <p:cTn id="49" presetID="1" presetClass="exit" presetSubtype="0" fill="hold" grpId="0" nodeType="withEffect">
-                                  <p:stCondLst>
-                                    <p:cond delay="0"/>
-                                  </p:stCondLst>
-                                  <p:childTnLst>
-                                    <p:set>
-                                      <p:cBhvr>
-                                        <p:cTn id="50" dur="1" fill="hold">
-                                          <p:stCondLst>
-                                            <p:cond delay="0"/>
-                                          </p:stCondLst>
-                                        </p:cTn>
-                                        <p:tgtEl>
-                                          <p:spTgt spid="21"/>
-                                        </p:tgtEl>
-                                        <p:attrNameLst>
-                                          <p:attrName>style.visibility</p:attrName>
-                                        </p:attrNameLst>
-                                      </p:cBhvr>
-                                      <p:to>
-                                        <p:strVal val="hidden"/>
-                                      </p:to>
-                                    </p:set>
-                                  </p:childTnLst>
-                                </p:cTn>
-                              </p:par>
-                              <p:par>
-                                <p:cTn id="51" presetID="1" presetClass="exit" presetSubtype="0" fill="hold" grpId="0" nodeType="withEffect">
-                                  <p:stCondLst>
-                                    <p:cond delay="0"/>
-                                  </p:stCondLst>
-                                  <p:childTnLst>
-                                    <p:set>
-                                      <p:cBhvr>
-                                        <p:cTn id="52" dur="1" fill="hold">
-                                          <p:stCondLst>
-                                            <p:cond delay="0"/>
-                                          </p:stCondLst>
-                                        </p:cTn>
-                                        <p:tgtEl>
-                                          <p:spTgt spid="22"/>
-                                        </p:tgtEl>
-                                        <p:attrNameLst>
-                                          <p:attrName>style.visibility</p:attrName>
-                                        </p:attrNameLst>
-                                      </p:cBhvr>
-                                      <p:to>
-                                        <p:strVal val="hidden"/>
-                                      </p:to>
-                                    </p:set>
-                                  </p:childTnLst>
-                                </p:cTn>
-                              </p:par>
-                              <p:par>
-                                <p:cTn id="53" presetID="1" presetClass="exit" presetSubtype="0" fill="hold" grpId="0" nodeType="withEffect">
-                                  <p:stCondLst>
-                                    <p:cond delay="0"/>
-                                  </p:stCondLst>
-                                  <p:childTnLst>
-                                    <p:set>
-                                      <p:cBhvr>
-                                        <p:cTn id="54" dur="1" fill="hold">
-                                          <p:stCondLst>
-                                            <p:cond delay="0"/>
-                                          </p:stCondLst>
-                                        </p:cTn>
-                                        <p:tgtEl>
-                                          <p:spTgt spid="23"/>
-                                        </p:tgtEl>
-                                        <p:attrNameLst>
-                                          <p:attrName>style.visibility</p:attrName>
-                                        </p:attrNameLst>
-                                      </p:cBhvr>
-                                      <p:to>
-                                        <p:strVal val="hidden"/>
-                                      </p:to>
-                                    </p:set>
-                                  </p:childTnLst>
-                                </p:cTn>
-                              </p:par>
-                              <p:par>
-                                <p:cTn id="55" presetID="1" presetClass="exit" presetSubtype="0" fill="hold" grpId="1" nodeType="withEffect">
-                                  <p:stCondLst>
-                                    <p:cond delay="0"/>
-                                  </p:stCondLst>
-                                  <p:childTnLst>
-                                    <p:set>
-                                      <p:cBhvr>
-                                        <p:cTn id="56" dur="1" fill="hold">
-                                          <p:stCondLst>
-                                            <p:cond delay="0"/>
-                                          </p:stCondLst>
-                                        </p:cTn>
-                                        <p:tgtEl>
-                                          <p:spTgt spid="24"/>
-                                        </p:tgtEl>
-                                        <p:attrNameLst>
-                                          <p:attrName>style.visibility</p:attrName>
-                                        </p:attrNameLst>
-                                      </p:cBhvr>
-                                      <p:to>
-                                        <p:strVal val="hidden"/>
-                                      </p:to>
-                                    </p:set>
-                                  </p:childTnLst>
-                                </p:cTn>
-                              </p:par>
-                              <p:par>
-                                <p:cTn id="57" presetID="1" presetClass="exit" presetSubtype="0" fill="hold" grpId="1" nodeType="withEffect">
-                                  <p:stCondLst>
-                                    <p:cond delay="0"/>
-                                  </p:stCondLst>
-                                  <p:childTnLst>
-                                    <p:set>
-                                      <p:cBhvr>
-                                        <p:cTn id="58" dur="1" fill="hold">
-                                          <p:stCondLst>
-                                            <p:cond delay="0"/>
-                                          </p:stCondLst>
-                                        </p:cTn>
-                                        <p:tgtEl>
-                                          <p:spTgt spid="25"/>
-                                        </p:tgtEl>
-                                        <p:attrNameLst>
-                                          <p:attrName>style.visibility</p:attrName>
-                                        </p:attrNameLst>
-                                      </p:cBhvr>
-                                      <p:to>
-                                        <p:strVal val="hidden"/>
-                                      </p:to>
-                                    </p:set>
-                                  </p:childTnLst>
-                                </p:cTn>
-                              </p:par>
-                              <p:par>
-                                <p:cTn id="59" presetID="1" presetClass="exit" presetSubtype="0" fill="hold" grpId="1" nodeType="withEffect">
-                                  <p:stCondLst>
-                                    <p:cond delay="0"/>
-                                  </p:stCondLst>
-                                  <p:childTnLst>
-                                    <p:set>
-                                      <p:cBhvr>
-                                        <p:cTn id="60" dur="1" fill="hold">
-                                          <p:stCondLst>
-                                            <p:cond delay="0"/>
-                                          </p:stCondLst>
-                                        </p:cTn>
-                                        <p:tgtEl>
-                                          <p:spTgt spid="26"/>
-                                        </p:tgtEl>
-                                        <p:attrNameLst>
-                                          <p:attrName>style.visibility</p:attrName>
-                                        </p:attrNameLst>
-                                      </p:cBhvr>
-                                      <p:to>
-                                        <p:strVal val="hidden"/>
-                                      </p:to>
-                                    </p:set>
-                                  </p:childTnLst>
-                                </p:cTn>
-                              </p:par>
-                              <p:par>
-                                <p:cTn id="61" presetID="1" presetClass="exit" presetSubtype="0" fill="hold" grpId="1" nodeType="withEffect">
-                                  <p:stCondLst>
-                                    <p:cond delay="0"/>
-                                  </p:stCondLst>
-                                  <p:childTnLst>
-                                    <p:set>
-                                      <p:cBhvr>
-                                        <p:cTn id="62" dur="1" fill="hold">
-                                          <p:stCondLst>
-                                            <p:cond delay="0"/>
-                                          </p:stCondLst>
-                                        </p:cTn>
-                                        <p:tgtEl>
-                                          <p:spTgt spid="27"/>
-                                        </p:tgtEl>
-                                        <p:attrNameLst>
-                                          <p:attrName>style.visibility</p:attrName>
-                                        </p:attrNameLst>
-                                      </p:cBhvr>
-                                      <p:to>
-                                        <p:strVal val="hidden"/>
-                                      </p:to>
-                                    </p:set>
-                                  </p:childTnLst>
-                                </p:cTn>
-                              </p:par>
-                              <p:par>
-                                <p:cTn id="63" presetID="1" presetClass="exit" presetSubtype="0" fill="hold" grpId="1" nodeType="withEffect">
-                                  <p:stCondLst>
-                                    <p:cond delay="0"/>
-                                  </p:stCondLst>
-                                  <p:childTnLst>
-                                    <p:set>
-                                      <p:cBhvr>
-                                        <p:cTn id="64" dur="1" fill="hold">
-                                          <p:stCondLst>
-                                            <p:cond delay="0"/>
-                                          </p:stCondLst>
-                                        </p:cTn>
-                                        <p:tgtEl>
-                                          <p:spTgt spid="29"/>
-                                        </p:tgtEl>
-                                        <p:attrNameLst>
-                                          <p:attrName>style.visibility</p:attrName>
-                                        </p:attrNameLst>
-                                      </p:cBhvr>
-                                      <p:to>
-                                        <p:strVal val="hidden"/>
-                                      </p:to>
-                                    </p:set>
-                                  </p:childTnLst>
-                                </p:cTn>
-                              </p:par>
-                              <p:par>
-                                <p:cTn id="65" presetID="1" presetClass="exit" presetSubtype="0" fill="hold" grpId="1" nodeType="withEffect">
-                                  <p:stCondLst>
-                                    <p:cond delay="0"/>
-                                  </p:stCondLst>
-                                  <p:childTnLst>
-                                    <p:set>
-                                      <p:cBhvr>
-                                        <p:cTn id="66" dur="1" fill="hold">
-                                          <p:stCondLst>
-                                            <p:cond delay="0"/>
-                                          </p:stCondLst>
-                                        </p:cTn>
-                                        <p:tgtEl>
-                                          <p:spTgt spid="35"/>
-                                        </p:tgtEl>
-                                        <p:attrNameLst>
-                                          <p:attrName>style.visibility</p:attrName>
-                                        </p:attrNameLst>
-                                      </p:cBhvr>
-                                      <p:to>
-                                        <p:strVal val="hidden"/>
-                                      </p:to>
-                                    </p:set>
-                                  </p:childTnLst>
-                                </p:cTn>
-                              </p:par>
-                              <p:par>
-                                <p:cTn id="67" presetID="1" presetClass="exit" presetSubtype="0" fill="hold" grpId="1" nodeType="withEffect">
-                                  <p:stCondLst>
-                                    <p:cond delay="0"/>
-                                  </p:stCondLst>
-                                  <p:childTnLst>
-                                    <p:set>
-                                      <p:cBhvr>
-                                        <p:cTn id="68" dur="1" fill="hold">
-                                          <p:stCondLst>
-                                            <p:cond delay="0"/>
-                                          </p:stCondLst>
-                                        </p:cTn>
-                                        <p:tgtEl>
-                                          <p:spTgt spid="36"/>
-                                        </p:tgtEl>
-                                        <p:attrNameLst>
-                                          <p:attrName>style.visibility</p:attrName>
-                                        </p:attrNameLst>
-                                      </p:cBhvr>
-                                      <p:to>
-                                        <p:strVal val="hidden"/>
-                                      </p:to>
-                                    </p:set>
-                                  </p:childTnLst>
-                                </p:cTn>
-                              </p:par>
-                              <p:par>
-                                <p:cTn id="69" presetID="1" presetClass="exit" presetSubtype="0" fill="hold" grpId="1" nodeType="withEffect">
-                                  <p:stCondLst>
-                                    <p:cond delay="0"/>
-                                  </p:stCondLst>
-                                  <p:childTnLst>
-                                    <p:set>
-                                      <p:cBhvr>
-                                        <p:cTn id="70" dur="1" fill="hold">
-                                          <p:stCondLst>
-                                            <p:cond delay="0"/>
-                                          </p:stCondLst>
-                                        </p:cTn>
-                                        <p:tgtEl>
-                                          <p:spTgt spid="37"/>
-                                        </p:tgtEl>
-                                        <p:attrNameLst>
-                                          <p:attrName>style.visibility</p:attrName>
-                                        </p:attrNameLst>
-                                      </p:cBhvr>
-                                      <p:to>
-                                        <p:strVal val="hidden"/>
-                                      </p:to>
-                                    </p:set>
-                                  </p:childTnLst>
-                                </p:cTn>
-                              </p:par>
-                              <p:par>
-                                <p:cTn id="71" presetID="1" presetClass="exit" presetSubtype="0" fill="hold" grpId="0" nodeType="withEffect">
-                                  <p:stCondLst>
-                                    <p:cond delay="0"/>
-                                  </p:stCondLst>
-                                  <p:childTnLst>
-                                    <p:set>
-                                      <p:cBhvr>
-                                        <p:cTn id="72" dur="1" fill="hold">
-                                          <p:stCondLst>
-                                            <p:cond delay="0"/>
-                                          </p:stCondLst>
-                                        </p:cTn>
-                                        <p:tgtEl>
-                                          <p:spTgt spid="39"/>
-                                        </p:tgtEl>
-                                        <p:attrNameLst>
-                                          <p:attrName>style.visibility</p:attrName>
-                                        </p:attrNameLst>
-                                      </p:cBhvr>
-                                      <p:to>
-                                        <p:strVal val="hidden"/>
-                                      </p:to>
-                                    </p:set>
-                                  </p:childTnLst>
-                                </p:cTn>
-                              </p:par>
-                              <p:par>
-                                <p:cTn id="73" presetID="1" presetClass="exit" presetSubtype="0" fill="hold" grpId="0" nodeType="withEffect">
-                                  <p:stCondLst>
-                                    <p:cond delay="0"/>
-                                  </p:stCondLst>
-                                  <p:childTnLst>
-                                    <p:set>
-                                      <p:cBhvr>
-                                        <p:cTn id="74" dur="1" fill="hold">
-                                          <p:stCondLst>
-                                            <p:cond delay="0"/>
-                                          </p:stCondLst>
-                                        </p:cTn>
-                                        <p:tgtEl>
-                                          <p:spTgt spid="32"/>
-                                        </p:tgtEl>
-                                        <p:attrNameLst>
-                                          <p:attrName>style.visibility</p:attrName>
-                                        </p:attrNameLst>
-                                      </p:cBhvr>
-                                      <p:to>
-                                        <p:strVal val="hidden"/>
-                                      </p:to>
-                                    </p:set>
-                                  </p:childTnLst>
-                                </p:cTn>
-                              </p:par>
-                              <p:par>
-                                <p:cTn id="75" presetID="1" presetClass="exit" presetSubtype="0" fill="hold" grpId="0" nodeType="withEffect">
-                                  <p:stCondLst>
-                                    <p:cond delay="0"/>
-                                  </p:stCondLst>
-                                  <p:childTnLst>
-                                    <p:set>
-                                      <p:cBhvr>
-                                        <p:cTn id="76" dur="1" fill="hold">
-                                          <p:stCondLst>
-                                            <p:cond delay="0"/>
-                                          </p:stCondLst>
-                                        </p:cTn>
-                                        <p:tgtEl>
-                                          <p:spTgt spid="33"/>
-                                        </p:tgtEl>
-                                        <p:attrNameLst>
-                                          <p:attrName>style.visibility</p:attrName>
-                                        </p:attrNameLst>
-                                      </p:cBhvr>
-                                      <p:to>
-                                        <p:strVal val="hidden"/>
-                                      </p:to>
-                                    </p:set>
-                                  </p:childTnLst>
-                                </p:cTn>
-                              </p:par>
-                              <p:par>
-                                <p:cTn id="77" presetID="1" presetClass="exit" presetSubtype="0" fill="hold" grpId="0" nodeType="withEffect">
-                                  <p:stCondLst>
-                                    <p:cond delay="0"/>
-                                  </p:stCondLst>
-                                  <p:childTnLst>
-                                    <p:set>
-                                      <p:cBhvr>
-                                        <p:cTn id="78" dur="1" fill="hold">
-                                          <p:stCondLst>
-                                            <p:cond delay="0"/>
-                                          </p:stCondLst>
-                                        </p:cTn>
-                                        <p:tgtEl>
-                                          <p:spTgt spid="34"/>
-                                        </p:tgtEl>
-                                        <p:attrNameLst>
-                                          <p:attrName>style.visibility</p:attrName>
-                                        </p:attrNameLst>
-                                      </p:cBhvr>
-                                      <p:to>
-                                        <p:strVal val="hidden"/>
-                                      </p:to>
-                                    </p:set>
-                                  </p:childTnLst>
-                                </p:cTn>
-                              </p:par>
-                              <p:par>
-                                <p:cTn id="79" presetID="1" presetClass="exit" presetSubtype="0" fill="hold" grpId="0" nodeType="withEffect">
-                                  <p:stCondLst>
-                                    <p:cond delay="0"/>
-                                  </p:stCondLst>
-                                  <p:childTnLst>
-                                    <p:set>
-                                      <p:cBhvr>
-                                        <p:cTn id="80" dur="1" fill="hold">
-                                          <p:stCondLst>
-                                            <p:cond delay="0"/>
-                                          </p:stCondLst>
-                                        </p:cTn>
-                                        <p:tgtEl>
-                                          <p:spTgt spid="38"/>
-                                        </p:tgtEl>
-                                        <p:attrNameLst>
-                                          <p:attrName>style.visibility</p:attrName>
-                                        </p:attrNameLst>
-                                      </p:cBhvr>
-                                      <p:to>
-                                        <p:strVal val="hidden"/>
-                                      </p:to>
-                                    </p:set>
-                                  </p:childTnLst>
-                                </p:cTn>
-                              </p:par>
-                              <p:par>
-                                <p:cTn id="81" presetID="1" presetClass="exit" presetSubtype="0" fill="hold" grpId="0" nodeType="withEffect">
-                                  <p:stCondLst>
-                                    <p:cond delay="0"/>
-                                  </p:stCondLst>
-                                  <p:childTnLst>
-                                    <p:set>
-                                      <p:cBhvr>
-                                        <p:cTn id="82" dur="1" fill="hold">
-                                          <p:stCondLst>
-                                            <p:cond delay="0"/>
-                                          </p:stCondLst>
-                                        </p:cTn>
-                                        <p:tgtEl>
-                                          <p:spTgt spid="40"/>
-                                        </p:tgtEl>
-                                        <p:attrNameLst>
-                                          <p:attrName>style.visibility</p:attrName>
-                                        </p:attrNameLst>
-                                      </p:cBhvr>
-                                      <p:to>
-                                        <p:strVal val="hidden"/>
-                                      </p:to>
-                                    </p:set>
-                                  </p:childTnLst>
-                                </p:cTn>
-                              </p:par>
-                              <p:par>
-                                <p:cTn id="83" presetID="1" presetClass="exit" presetSubtype="0" fill="hold" grpId="0" nodeType="withEffect">
-                                  <p:stCondLst>
-                                    <p:cond delay="0"/>
-                                  </p:stCondLst>
-                                  <p:childTnLst>
-                                    <p:set>
-                                      <p:cBhvr>
-                                        <p:cTn id="84" dur="1" fill="hold">
-                                          <p:stCondLst>
-                                            <p:cond delay="0"/>
-                                          </p:stCondLst>
-                                        </p:cTn>
-                                        <p:tgtEl>
-                                          <p:spTgt spid="41"/>
-                                        </p:tgtEl>
-                                        <p:attrNameLst>
-                                          <p:attrName>style.visibility</p:attrName>
-                                        </p:attrNameLst>
-                                      </p:cBhvr>
-                                      <p:to>
-                                        <p:strVal val="hidden"/>
-                                      </p:to>
-                                    </p:set>
-                                  </p:childTnLst>
-                                </p:cTn>
-                              </p:par>
-                            </p:childTnLst>
-                          </p:cTn>
-                        </p:par>
-                      </p:childTnLst>
-                    </p:cTn>
-                  </p:par>
-                </p:childTnLst>
-              </p:cTn>
-              <p:prevCondLst>
-                <p:cond evt="onPrev" delay="0">
-                  <p:tgtEl>
-                    <p:sldTgt/>
-                  </p:tgtEl>
-                </p:cond>
-              </p:prevCondLst>
-              <p:nextCondLst>
-                <p:cond evt="onNext" delay="0">
-                  <p:tgtEl>
-                    <p:sldTgt/>
-                  </p:tgtEl>
-                </p:cond>
-              </p:nextCondLst>
-            </p:seq>
-          </p:childTnLst>
-        </p:cTn>
-      </p:par>
-    </p:tnLst>
-    <p:bldLst>
-      <p:bldP spid="4" grpId="0" animBg="1"/>
-      <p:bldP spid="5" grpId="0" animBg="1"/>
-      <p:bldP spid="6" grpId="0" animBg="1"/>
-      <p:bldP spid="7" grpId="0" animBg="1"/>
-      <p:bldP spid="8" grpId="0" animBg="1"/>
-      <p:bldP spid="9" grpId="0"/>
-      <p:bldP spid="10" grpId="0"/>
-      <p:bldP spid="17" grpId="0" animBg="1"/>
-      <p:bldP spid="18" grpId="0" animBg="1"/>
-      <p:bldP spid="19" grpId="0" animBg="1"/>
-      <p:bldP spid="20" grpId="0" animBg="1"/>
-      <p:bldP spid="21" grpId="0"/>
-      <p:bldP spid="22" grpId="0" animBg="1"/>
-      <p:bldP spid="23" grpId="0" animBg="1"/>
-      <p:bldP spid="24" grpId="0" animBg="1"/>
-      <p:bldP spid="24" grpId="1" animBg="1"/>
-      <p:bldP spid="25" grpId="0"/>
-      <p:bldP spid="25" grpId="1"/>
-      <p:bldP spid="26" grpId="0" animBg="1"/>
-      <p:bldP spid="26" grpId="1" animBg="1"/>
-      <p:bldP spid="27" grpId="0" animBg="1"/>
-      <p:bldP spid="27" grpId="1" animBg="1"/>
-      <p:bldP spid="29" grpId="0"/>
-      <p:bldP spid="29" grpId="1"/>
-      <p:bldP spid="35" grpId="0" animBg="1"/>
-      <p:bldP spid="35" grpId="1" animBg="1"/>
-      <p:bldP spid="36" grpId="0" animBg="1"/>
-      <p:bldP spid="36" grpId="1" animBg="1"/>
-      <p:bldP spid="37" grpId="0"/>
-      <p:bldP spid="37" grpId="1"/>
-      <p:bldP spid="39" grpId="0"/>
-      <p:bldP spid="32" grpId="0" animBg="1"/>
-      <p:bldP spid="33" grpId="0" animBg="1"/>
-      <p:bldP spid="34" grpId="0" animBg="1"/>
-      <p:bldP spid="38" grpId="0"/>
-      <p:bldP spid="40" grpId="0" animBg="1"/>
-      <p:bldP spid="41" grpId="0" animBg="1"/>
-    </p:bldLst>
-  </p:timing>
-</p:sld>
-</file>
-
 <file path=ppt/theme/theme1.xml><?xml version="1.0" encoding="utf-8"?>
 <a:theme xmlns:a="http://schemas.openxmlformats.org/drawingml/2006/main" name="Office Theme">
   <a:themeElements>

--- a/docs/UML Diagrams.pptx
+++ b/docs/UML Diagrams.pptx
@@ -6,7 +6,7 @@
     <p:sldMasterId id="2147483660" r:id="rId2"/>
   </p:sldMasterIdLst>
   <p:notesMasterIdLst>
-    <p:notesMasterId r:id="rId19"/>
+    <p:notesMasterId r:id="rId20"/>
   </p:notesMasterIdLst>
   <p:sldIdLst>
     <p:sldId id="273" r:id="rId3"/>
@@ -18,13 +18,14 @@
     <p:sldId id="275" r:id="rId9"/>
     <p:sldId id="279" r:id="rId10"/>
     <p:sldId id="281" r:id="rId11"/>
-    <p:sldId id="259" r:id="rId12"/>
-    <p:sldId id="262" r:id="rId13"/>
-    <p:sldId id="260" r:id="rId14"/>
-    <p:sldId id="261" r:id="rId15"/>
-    <p:sldId id="268" r:id="rId16"/>
-    <p:sldId id="269" r:id="rId17"/>
-    <p:sldId id="271" r:id="rId18"/>
+    <p:sldId id="282" r:id="rId12"/>
+    <p:sldId id="259" r:id="rId13"/>
+    <p:sldId id="262" r:id="rId14"/>
+    <p:sldId id="260" r:id="rId15"/>
+    <p:sldId id="261" r:id="rId16"/>
+    <p:sldId id="268" r:id="rId17"/>
+    <p:sldId id="269" r:id="rId18"/>
+    <p:sldId id="271" r:id="rId19"/>
   </p:sldIdLst>
   <p:sldSz cx="12192000" cy="6858000"/>
   <p:notesSz cx="6858000" cy="9144000"/>
@@ -154,6 +155,11 @@
             <p14:sldId id="281"/>
           </p14:sldIdLst>
         </p14:section>
+        <p14:section name="Storage" id="{6469228F-A905-9A4B-B473-BA0665C328C6}">
+          <p14:sldIdLst>
+            <p14:sldId id="282"/>
+          </p14:sldIdLst>
+        </p14:section>
         <p14:section name="Shapes" id="{8B5A42F4-DE71-42EF-A56E-C1A1DE3D4272}">
           <p14:sldIdLst>
             <p14:sldId id="259"/>
@@ -256,7 +262,7 @@
           <a:p>
             <a:fld id="{13D56AF7-0D1C-4071-AAD1-023829021DB5}" type="datetimeFigureOut">
               <a:rPr lang="en-SG" smtClean="0"/>
-              <a:t>11/4/2020</a:t>
+              <a:t>10/4/20</a:t>
             </a:fld>
             <a:endParaRPr lang="en-SG"/>
           </a:p>
@@ -738,152 +744,6 @@
                 <a:tabLst/>
                 <a:defRPr/>
               </a:pPr>
-              <a:t>13</a:t>
-            </a:fld>
-            <a:endParaRPr kumimoji="0" lang="en-US" sz="1300" b="0" i="0" u="none" strike="noStrike" kern="1200" cap="none" spc="0" normalizeH="0" baseline="0" noProof="0">
-              <a:ln>
-                <a:noFill/>
-              </a:ln>
-              <a:solidFill>
-                <a:prstClr val="black"/>
-              </a:solidFill>
-              <a:effectLst/>
-              <a:uLnTx/>
-              <a:uFillTx/>
-              <a:latin typeface="Calibri"/>
-              <a:ea typeface="+mn-ea"/>
-              <a:cs typeface="+mn-cs"/>
-            </a:endParaRPr>
-          </a:p>
-        </p:txBody>
-      </p:sp>
-    </p:spTree>
-    <p:extLst>
-      <p:ext uri="{BB962C8B-B14F-4D97-AF65-F5344CB8AC3E}">
-        <p14:creationId xmlns:p14="http://schemas.microsoft.com/office/powerpoint/2010/main" val="3364708167"/>
-      </p:ext>
-    </p:extLst>
-  </p:cSld>
-  <p:clrMapOvr>
-    <a:masterClrMapping/>
-  </p:clrMapOvr>
-</p:notes>
-</file>
-
-<file path=ppt/notesSlides/notesSlide11.xml><?xml version="1.0" encoding="utf-8"?>
-<p:notes xmlns:a="http://schemas.openxmlformats.org/drawingml/2006/main" xmlns:r="http://schemas.openxmlformats.org/officeDocument/2006/relationships" xmlns:p="http://schemas.openxmlformats.org/presentationml/2006/main">
-  <p:cSld>
-    <p:spTree>
-      <p:nvGrpSpPr>
-        <p:cNvPr id="1" name=""/>
-        <p:cNvGrpSpPr/>
-        <p:nvPr/>
-      </p:nvGrpSpPr>
-      <p:grpSpPr>
-        <a:xfrm>
-          <a:off x="0" y="0"/>
-          <a:ext cx="0" cy="0"/>
-          <a:chOff x="0" y="0"/>
-          <a:chExt cx="0" cy="0"/>
-        </a:xfrm>
-      </p:grpSpPr>
-      <p:sp>
-        <p:nvSpPr>
-          <p:cNvPr id="2" name="Slide Image Placeholder 1"/>
-          <p:cNvSpPr>
-            <a:spLocks noGrp="1" noRot="1" noChangeAspect="1"/>
-          </p:cNvSpPr>
-          <p:nvPr>
-            <p:ph type="sldImg"/>
-          </p:nvPr>
-        </p:nvSpPr>
-        <p:spPr/>
-      </p:sp>
-      <p:sp>
-        <p:nvSpPr>
-          <p:cNvPr id="3" name="Notes Placeholder 2"/>
-          <p:cNvSpPr>
-            <a:spLocks noGrp="1"/>
-          </p:cNvSpPr>
-          <p:nvPr>
-            <p:ph type="body" idx="1"/>
-          </p:nvPr>
-        </p:nvSpPr>
-        <p:spPr/>
-        <p:txBody>
-          <a:bodyPr>
-            <a:normAutofit/>
-          </a:bodyPr>
-          <a:lstStyle/>
-          <a:p>
-            <a:endParaRPr lang="en-US"/>
-          </a:p>
-        </p:txBody>
-      </p:sp>
-      <p:sp>
-        <p:nvSpPr>
-          <p:cNvPr id="4" name="Slide Number Placeholder 3"/>
-          <p:cNvSpPr>
-            <a:spLocks noGrp="1"/>
-          </p:cNvSpPr>
-          <p:nvPr>
-            <p:ph type="sldNum" sz="quarter" idx="10"/>
-          </p:nvPr>
-        </p:nvSpPr>
-        <p:spPr/>
-        <p:txBody>
-          <a:bodyPr/>
-          <a:lstStyle/>
-          <a:p>
-            <a:pPr marL="0" marR="0" lvl="0" indent="0" algn="r" defTabSz="914400" rtl="0" eaLnBrk="1" fontAlgn="auto" latinLnBrk="0" hangingPunct="1">
-              <a:lnSpc>
-                <a:spcPct val="100000"/>
-              </a:lnSpc>
-              <a:spcBef>
-                <a:spcPts val="0"/>
-              </a:spcBef>
-              <a:spcAft>
-                <a:spcPts val="0"/>
-              </a:spcAft>
-              <a:buClrTx/>
-              <a:buSzTx/>
-              <a:buFontTx/>
-              <a:buNone/>
-              <a:tabLst/>
-              <a:defRPr/>
-            </a:pPr>
-            <a:fld id="{46542BAB-0D38-4D52-BD5E-5D805000703B}" type="slidenum">
-              <a:rPr kumimoji="0" lang="en-US" sz="1300" b="0" i="0" u="none" strike="noStrike" kern="1200" cap="none" spc="0" normalizeH="0" baseline="0" noProof="0" smtClean="0">
-                <a:ln>
-                  <a:noFill/>
-                </a:ln>
-                <a:solidFill>
-                  <a:prstClr val="black"/>
-                </a:solidFill>
-                <a:effectLst/>
-                <a:uLnTx/>
-                <a:uFillTx/>
-                <a:latin typeface="Calibri"/>
-                <a:ea typeface="+mn-ea"/>
-                <a:cs typeface="+mn-cs"/>
-              </a:rPr>
-              <a:pPr marL="0" marR="0" lvl="0" indent="0" algn="r" defTabSz="914400" rtl="0" eaLnBrk="1" fontAlgn="auto" latinLnBrk="0" hangingPunct="1">
-                <a:lnSpc>
-                  <a:spcPct val="100000"/>
-                </a:lnSpc>
-                <a:spcBef>
-                  <a:spcPts val="0"/>
-                </a:spcBef>
-                <a:spcAft>
-                  <a:spcPts val="0"/>
-                </a:spcAft>
-                <a:buClrTx/>
-                <a:buSzTx/>
-                <a:buFontTx/>
-                <a:buNone/>
-                <a:tabLst/>
-                <a:defRPr/>
-              </a:pPr>
               <a:t>14</a:t>
             </a:fld>
             <a:endParaRPr kumimoji="0" lang="en-US" sz="1300" b="0" i="0" u="none" strike="noStrike" kern="1200" cap="none" spc="0" normalizeH="0" baseline="0" noProof="0">
@@ -906,7 +766,7 @@
     </p:spTree>
     <p:extLst>
       <p:ext uri="{BB962C8B-B14F-4D97-AF65-F5344CB8AC3E}">
-        <p14:creationId xmlns:p14="http://schemas.microsoft.com/office/powerpoint/2010/main" val="547756566"/>
+        <p14:creationId xmlns:p14="http://schemas.microsoft.com/office/powerpoint/2010/main" val="3364708167"/>
       </p:ext>
     </p:extLst>
   </p:cSld>
@@ -916,7 +776,7 @@
 </p:notes>
 </file>
 
-<file path=ppt/notesSlides/notesSlide12.xml><?xml version="1.0" encoding="utf-8"?>
+<file path=ppt/notesSlides/notesSlide11.xml><?xml version="1.0" encoding="utf-8"?>
 <p:notes xmlns:a="http://schemas.openxmlformats.org/drawingml/2006/main" xmlns:r="http://schemas.openxmlformats.org/officeDocument/2006/relationships" xmlns:p="http://schemas.openxmlformats.org/presentationml/2006/main">
   <p:cSld>
     <p:spTree>
@@ -1052,6 +912,152 @@
     </p:spTree>
     <p:extLst>
       <p:ext uri="{BB962C8B-B14F-4D97-AF65-F5344CB8AC3E}">
+        <p14:creationId xmlns:p14="http://schemas.microsoft.com/office/powerpoint/2010/main" val="547756566"/>
+      </p:ext>
+    </p:extLst>
+  </p:cSld>
+  <p:clrMapOvr>
+    <a:masterClrMapping/>
+  </p:clrMapOvr>
+</p:notes>
+</file>
+
+<file path=ppt/notesSlides/notesSlide12.xml><?xml version="1.0" encoding="utf-8"?>
+<p:notes xmlns:a="http://schemas.openxmlformats.org/drawingml/2006/main" xmlns:r="http://schemas.openxmlformats.org/officeDocument/2006/relationships" xmlns:p="http://schemas.openxmlformats.org/presentationml/2006/main">
+  <p:cSld>
+    <p:spTree>
+      <p:nvGrpSpPr>
+        <p:cNvPr id="1" name=""/>
+        <p:cNvGrpSpPr/>
+        <p:nvPr/>
+      </p:nvGrpSpPr>
+      <p:grpSpPr>
+        <a:xfrm>
+          <a:off x="0" y="0"/>
+          <a:ext cx="0" cy="0"/>
+          <a:chOff x="0" y="0"/>
+          <a:chExt cx="0" cy="0"/>
+        </a:xfrm>
+      </p:grpSpPr>
+      <p:sp>
+        <p:nvSpPr>
+          <p:cNvPr id="2" name="Slide Image Placeholder 1"/>
+          <p:cNvSpPr>
+            <a:spLocks noGrp="1" noRot="1" noChangeAspect="1"/>
+          </p:cNvSpPr>
+          <p:nvPr>
+            <p:ph type="sldImg"/>
+          </p:nvPr>
+        </p:nvSpPr>
+        <p:spPr/>
+      </p:sp>
+      <p:sp>
+        <p:nvSpPr>
+          <p:cNvPr id="3" name="Notes Placeholder 2"/>
+          <p:cNvSpPr>
+            <a:spLocks noGrp="1"/>
+          </p:cNvSpPr>
+          <p:nvPr>
+            <p:ph type="body" idx="1"/>
+          </p:nvPr>
+        </p:nvSpPr>
+        <p:spPr/>
+        <p:txBody>
+          <a:bodyPr>
+            <a:normAutofit/>
+          </a:bodyPr>
+          <a:lstStyle/>
+          <a:p>
+            <a:endParaRPr lang="en-US"/>
+          </a:p>
+        </p:txBody>
+      </p:sp>
+      <p:sp>
+        <p:nvSpPr>
+          <p:cNvPr id="4" name="Slide Number Placeholder 3"/>
+          <p:cNvSpPr>
+            <a:spLocks noGrp="1"/>
+          </p:cNvSpPr>
+          <p:nvPr>
+            <p:ph type="sldNum" sz="quarter" idx="10"/>
+          </p:nvPr>
+        </p:nvSpPr>
+        <p:spPr/>
+        <p:txBody>
+          <a:bodyPr/>
+          <a:lstStyle/>
+          <a:p>
+            <a:pPr marL="0" marR="0" lvl="0" indent="0" algn="r" defTabSz="914400" rtl="0" eaLnBrk="1" fontAlgn="auto" latinLnBrk="0" hangingPunct="1">
+              <a:lnSpc>
+                <a:spcPct val="100000"/>
+              </a:lnSpc>
+              <a:spcBef>
+                <a:spcPts val="0"/>
+              </a:spcBef>
+              <a:spcAft>
+                <a:spcPts val="0"/>
+              </a:spcAft>
+              <a:buClrTx/>
+              <a:buSzTx/>
+              <a:buFontTx/>
+              <a:buNone/>
+              <a:tabLst/>
+              <a:defRPr/>
+            </a:pPr>
+            <a:fld id="{46542BAB-0D38-4D52-BD5E-5D805000703B}" type="slidenum">
+              <a:rPr kumimoji="0" lang="en-US" sz="1300" b="0" i="0" u="none" strike="noStrike" kern="1200" cap="none" spc="0" normalizeH="0" baseline="0" noProof="0" smtClean="0">
+                <a:ln>
+                  <a:noFill/>
+                </a:ln>
+                <a:solidFill>
+                  <a:prstClr val="black"/>
+                </a:solidFill>
+                <a:effectLst/>
+                <a:uLnTx/>
+                <a:uFillTx/>
+                <a:latin typeface="Calibri"/>
+                <a:ea typeface="+mn-ea"/>
+                <a:cs typeface="+mn-cs"/>
+              </a:rPr>
+              <a:pPr marL="0" marR="0" lvl="0" indent="0" algn="r" defTabSz="914400" rtl="0" eaLnBrk="1" fontAlgn="auto" latinLnBrk="0" hangingPunct="1">
+                <a:lnSpc>
+                  <a:spcPct val="100000"/>
+                </a:lnSpc>
+                <a:spcBef>
+                  <a:spcPts val="0"/>
+                </a:spcBef>
+                <a:spcAft>
+                  <a:spcPts val="0"/>
+                </a:spcAft>
+                <a:buClrTx/>
+                <a:buSzTx/>
+                <a:buFontTx/>
+                <a:buNone/>
+                <a:tabLst/>
+                <a:defRPr/>
+              </a:pPr>
+              <a:t>16</a:t>
+            </a:fld>
+            <a:endParaRPr kumimoji="0" lang="en-US" sz="1300" b="0" i="0" u="none" strike="noStrike" kern="1200" cap="none" spc="0" normalizeH="0" baseline="0" noProof="0">
+              <a:ln>
+                <a:noFill/>
+              </a:ln>
+              <a:solidFill>
+                <a:prstClr val="black"/>
+              </a:solidFill>
+              <a:effectLst/>
+              <a:uLnTx/>
+              <a:uFillTx/>
+              <a:latin typeface="Calibri"/>
+              <a:ea typeface="+mn-ea"/>
+              <a:cs typeface="+mn-cs"/>
+            </a:endParaRPr>
+          </a:p>
+        </p:txBody>
+      </p:sp>
+    </p:spTree>
+    <p:extLst>
+      <p:ext uri="{BB962C8B-B14F-4D97-AF65-F5344CB8AC3E}">
         <p14:creationId xmlns:p14="http://schemas.microsoft.com/office/powerpoint/2010/main" val="3547180629"/>
       </p:ext>
     </p:extLst>
@@ -1894,152 +1900,6 @@
                 <a:tabLst/>
                 <a:defRPr/>
               </a:pPr>
-              <a:t>10</a:t>
-            </a:fld>
-            <a:endParaRPr kumimoji="0" lang="en-US" sz="1300" b="0" i="0" u="none" strike="noStrike" kern="1200" cap="none" spc="0" normalizeH="0" baseline="0" noProof="0">
-              <a:ln>
-                <a:noFill/>
-              </a:ln>
-              <a:solidFill>
-                <a:prstClr val="black"/>
-              </a:solidFill>
-              <a:effectLst/>
-              <a:uLnTx/>
-              <a:uFillTx/>
-              <a:latin typeface="Calibri"/>
-              <a:ea typeface="+mn-ea"/>
-              <a:cs typeface="+mn-cs"/>
-            </a:endParaRPr>
-          </a:p>
-        </p:txBody>
-      </p:sp>
-    </p:spTree>
-    <p:extLst>
-      <p:ext uri="{BB962C8B-B14F-4D97-AF65-F5344CB8AC3E}">
-        <p14:creationId xmlns:p14="http://schemas.microsoft.com/office/powerpoint/2010/main" val="265136881"/>
-      </p:ext>
-    </p:extLst>
-  </p:cSld>
-  <p:clrMapOvr>
-    <a:masterClrMapping/>
-  </p:clrMapOvr>
-</p:notes>
-</file>
-
-<file path=ppt/notesSlides/notesSlide8.xml><?xml version="1.0" encoding="utf-8"?>
-<p:notes xmlns:a="http://schemas.openxmlformats.org/drawingml/2006/main" xmlns:r="http://schemas.openxmlformats.org/officeDocument/2006/relationships" xmlns:p="http://schemas.openxmlformats.org/presentationml/2006/main">
-  <p:cSld>
-    <p:spTree>
-      <p:nvGrpSpPr>
-        <p:cNvPr id="1" name=""/>
-        <p:cNvGrpSpPr/>
-        <p:nvPr/>
-      </p:nvGrpSpPr>
-      <p:grpSpPr>
-        <a:xfrm>
-          <a:off x="0" y="0"/>
-          <a:ext cx="0" cy="0"/>
-          <a:chOff x="0" y="0"/>
-          <a:chExt cx="0" cy="0"/>
-        </a:xfrm>
-      </p:grpSpPr>
-      <p:sp>
-        <p:nvSpPr>
-          <p:cNvPr id="2" name="Slide Image Placeholder 1"/>
-          <p:cNvSpPr>
-            <a:spLocks noGrp="1" noRot="1" noChangeAspect="1"/>
-          </p:cNvSpPr>
-          <p:nvPr>
-            <p:ph type="sldImg"/>
-          </p:nvPr>
-        </p:nvSpPr>
-        <p:spPr/>
-      </p:sp>
-      <p:sp>
-        <p:nvSpPr>
-          <p:cNvPr id="3" name="Notes Placeholder 2"/>
-          <p:cNvSpPr>
-            <a:spLocks noGrp="1"/>
-          </p:cNvSpPr>
-          <p:nvPr>
-            <p:ph type="body" idx="1"/>
-          </p:nvPr>
-        </p:nvSpPr>
-        <p:spPr/>
-        <p:txBody>
-          <a:bodyPr>
-            <a:normAutofit/>
-          </a:bodyPr>
-          <a:lstStyle/>
-          <a:p>
-            <a:endParaRPr lang="en-US"/>
-          </a:p>
-        </p:txBody>
-      </p:sp>
-      <p:sp>
-        <p:nvSpPr>
-          <p:cNvPr id="4" name="Slide Number Placeholder 3"/>
-          <p:cNvSpPr>
-            <a:spLocks noGrp="1"/>
-          </p:cNvSpPr>
-          <p:nvPr>
-            <p:ph type="sldNum" sz="quarter" idx="10"/>
-          </p:nvPr>
-        </p:nvSpPr>
-        <p:spPr/>
-        <p:txBody>
-          <a:bodyPr/>
-          <a:lstStyle/>
-          <a:p>
-            <a:pPr marL="0" marR="0" lvl="0" indent="0" algn="r" defTabSz="914400" rtl="0" eaLnBrk="1" fontAlgn="auto" latinLnBrk="0" hangingPunct="1">
-              <a:lnSpc>
-                <a:spcPct val="100000"/>
-              </a:lnSpc>
-              <a:spcBef>
-                <a:spcPts val="0"/>
-              </a:spcBef>
-              <a:spcAft>
-                <a:spcPts val="0"/>
-              </a:spcAft>
-              <a:buClrTx/>
-              <a:buSzTx/>
-              <a:buFontTx/>
-              <a:buNone/>
-              <a:tabLst/>
-              <a:defRPr/>
-            </a:pPr>
-            <a:fld id="{46542BAB-0D38-4D52-BD5E-5D805000703B}" type="slidenum">
-              <a:rPr kumimoji="0" lang="en-US" sz="1300" b="0" i="0" u="none" strike="noStrike" kern="1200" cap="none" spc="0" normalizeH="0" baseline="0" noProof="0" smtClean="0">
-                <a:ln>
-                  <a:noFill/>
-                </a:ln>
-                <a:solidFill>
-                  <a:prstClr val="black"/>
-                </a:solidFill>
-                <a:effectLst/>
-                <a:uLnTx/>
-                <a:uFillTx/>
-                <a:latin typeface="Calibri"/>
-                <a:ea typeface="+mn-ea"/>
-                <a:cs typeface="+mn-cs"/>
-              </a:rPr>
-              <a:pPr marL="0" marR="0" lvl="0" indent="0" algn="r" defTabSz="914400" rtl="0" eaLnBrk="1" fontAlgn="auto" latinLnBrk="0" hangingPunct="1">
-                <a:lnSpc>
-                  <a:spcPct val="100000"/>
-                </a:lnSpc>
-                <a:spcBef>
-                  <a:spcPts val="0"/>
-                </a:spcBef>
-                <a:spcAft>
-                  <a:spcPts val="0"/>
-                </a:spcAft>
-                <a:buClrTx/>
-                <a:buSzTx/>
-                <a:buFontTx/>
-                <a:buNone/>
-                <a:tabLst/>
-                <a:defRPr/>
-              </a:pPr>
               <a:t>11</a:t>
             </a:fld>
             <a:endParaRPr kumimoji="0" lang="en-US" sz="1300" b="0" i="0" u="none" strike="noStrike" kern="1200" cap="none" spc="0" normalizeH="0" baseline="0" noProof="0">
@@ -2062,7 +1922,7 @@
     </p:spTree>
     <p:extLst>
       <p:ext uri="{BB962C8B-B14F-4D97-AF65-F5344CB8AC3E}">
-        <p14:creationId xmlns:p14="http://schemas.microsoft.com/office/powerpoint/2010/main" val="2470170489"/>
+        <p14:creationId xmlns:p14="http://schemas.microsoft.com/office/powerpoint/2010/main" val="265136881"/>
       </p:ext>
     </p:extLst>
   </p:cSld>
@@ -2072,7 +1932,7 @@
 </p:notes>
 </file>
 
-<file path=ppt/notesSlides/notesSlide9.xml><?xml version="1.0" encoding="utf-8"?>
+<file path=ppt/notesSlides/notesSlide8.xml><?xml version="1.0" encoding="utf-8"?>
 <p:notes xmlns:a="http://schemas.openxmlformats.org/drawingml/2006/main" xmlns:r="http://schemas.openxmlformats.org/officeDocument/2006/relationships" xmlns:p="http://schemas.openxmlformats.org/presentationml/2006/main">
   <p:cSld>
     <p:spTree>
@@ -2208,6 +2068,152 @@
     </p:spTree>
     <p:extLst>
       <p:ext uri="{BB962C8B-B14F-4D97-AF65-F5344CB8AC3E}">
+        <p14:creationId xmlns:p14="http://schemas.microsoft.com/office/powerpoint/2010/main" val="2470170489"/>
+      </p:ext>
+    </p:extLst>
+  </p:cSld>
+  <p:clrMapOvr>
+    <a:masterClrMapping/>
+  </p:clrMapOvr>
+</p:notes>
+</file>
+
+<file path=ppt/notesSlides/notesSlide9.xml><?xml version="1.0" encoding="utf-8"?>
+<p:notes xmlns:a="http://schemas.openxmlformats.org/drawingml/2006/main" xmlns:r="http://schemas.openxmlformats.org/officeDocument/2006/relationships" xmlns:p="http://schemas.openxmlformats.org/presentationml/2006/main">
+  <p:cSld>
+    <p:spTree>
+      <p:nvGrpSpPr>
+        <p:cNvPr id="1" name=""/>
+        <p:cNvGrpSpPr/>
+        <p:nvPr/>
+      </p:nvGrpSpPr>
+      <p:grpSpPr>
+        <a:xfrm>
+          <a:off x="0" y="0"/>
+          <a:ext cx="0" cy="0"/>
+          <a:chOff x="0" y="0"/>
+          <a:chExt cx="0" cy="0"/>
+        </a:xfrm>
+      </p:grpSpPr>
+      <p:sp>
+        <p:nvSpPr>
+          <p:cNvPr id="2" name="Slide Image Placeholder 1"/>
+          <p:cNvSpPr>
+            <a:spLocks noGrp="1" noRot="1" noChangeAspect="1"/>
+          </p:cNvSpPr>
+          <p:nvPr>
+            <p:ph type="sldImg"/>
+          </p:nvPr>
+        </p:nvSpPr>
+        <p:spPr/>
+      </p:sp>
+      <p:sp>
+        <p:nvSpPr>
+          <p:cNvPr id="3" name="Notes Placeholder 2"/>
+          <p:cNvSpPr>
+            <a:spLocks noGrp="1"/>
+          </p:cNvSpPr>
+          <p:nvPr>
+            <p:ph type="body" idx="1"/>
+          </p:nvPr>
+        </p:nvSpPr>
+        <p:spPr/>
+        <p:txBody>
+          <a:bodyPr>
+            <a:normAutofit/>
+          </a:bodyPr>
+          <a:lstStyle/>
+          <a:p>
+            <a:endParaRPr lang="en-US"/>
+          </a:p>
+        </p:txBody>
+      </p:sp>
+      <p:sp>
+        <p:nvSpPr>
+          <p:cNvPr id="4" name="Slide Number Placeholder 3"/>
+          <p:cNvSpPr>
+            <a:spLocks noGrp="1"/>
+          </p:cNvSpPr>
+          <p:nvPr>
+            <p:ph type="sldNum" sz="quarter" idx="10"/>
+          </p:nvPr>
+        </p:nvSpPr>
+        <p:spPr/>
+        <p:txBody>
+          <a:bodyPr/>
+          <a:lstStyle/>
+          <a:p>
+            <a:pPr marL="0" marR="0" lvl="0" indent="0" algn="r" defTabSz="914400" rtl="0" eaLnBrk="1" fontAlgn="auto" latinLnBrk="0" hangingPunct="1">
+              <a:lnSpc>
+                <a:spcPct val="100000"/>
+              </a:lnSpc>
+              <a:spcBef>
+                <a:spcPts val="0"/>
+              </a:spcBef>
+              <a:spcAft>
+                <a:spcPts val="0"/>
+              </a:spcAft>
+              <a:buClrTx/>
+              <a:buSzTx/>
+              <a:buFontTx/>
+              <a:buNone/>
+              <a:tabLst/>
+              <a:defRPr/>
+            </a:pPr>
+            <a:fld id="{46542BAB-0D38-4D52-BD5E-5D805000703B}" type="slidenum">
+              <a:rPr kumimoji="0" lang="en-US" sz="1300" b="0" i="0" u="none" strike="noStrike" kern="1200" cap="none" spc="0" normalizeH="0" baseline="0" noProof="0" smtClean="0">
+                <a:ln>
+                  <a:noFill/>
+                </a:ln>
+                <a:solidFill>
+                  <a:prstClr val="black"/>
+                </a:solidFill>
+                <a:effectLst/>
+                <a:uLnTx/>
+                <a:uFillTx/>
+                <a:latin typeface="Calibri"/>
+                <a:ea typeface="+mn-ea"/>
+                <a:cs typeface="+mn-cs"/>
+              </a:rPr>
+              <a:pPr marL="0" marR="0" lvl="0" indent="0" algn="r" defTabSz="914400" rtl="0" eaLnBrk="1" fontAlgn="auto" latinLnBrk="0" hangingPunct="1">
+                <a:lnSpc>
+                  <a:spcPct val="100000"/>
+                </a:lnSpc>
+                <a:spcBef>
+                  <a:spcPts val="0"/>
+                </a:spcBef>
+                <a:spcAft>
+                  <a:spcPts val="0"/>
+                </a:spcAft>
+                <a:buClrTx/>
+                <a:buSzTx/>
+                <a:buFontTx/>
+                <a:buNone/>
+                <a:tabLst/>
+                <a:defRPr/>
+              </a:pPr>
+              <a:t>13</a:t>
+            </a:fld>
+            <a:endParaRPr kumimoji="0" lang="en-US" sz="1300" b="0" i="0" u="none" strike="noStrike" kern="1200" cap="none" spc="0" normalizeH="0" baseline="0" noProof="0">
+              <a:ln>
+                <a:noFill/>
+              </a:ln>
+              <a:solidFill>
+                <a:prstClr val="black"/>
+              </a:solidFill>
+              <a:effectLst/>
+              <a:uLnTx/>
+              <a:uFillTx/>
+              <a:latin typeface="Calibri"/>
+              <a:ea typeface="+mn-ea"/>
+              <a:cs typeface="+mn-cs"/>
+            </a:endParaRPr>
+          </a:p>
+        </p:txBody>
+      </p:sp>
+    </p:spTree>
+    <p:extLst>
+      <p:ext uri="{BB962C8B-B14F-4D97-AF65-F5344CB8AC3E}">
         <p14:creationId xmlns:p14="http://schemas.microsoft.com/office/powerpoint/2010/main" val="2013659878"/>
       </p:ext>
     </p:extLst>
@@ -2367,7 +2373,7 @@
           <a:p>
             <a:fld id="{D38588C5-B5CB-453C-BA05-BCBCA1ECE7B6}" type="datetimeFigureOut">
               <a:rPr lang="en-SG" smtClean="0"/>
-              <a:t>11/4/2020</a:t>
+              <a:t>10/4/20</a:t>
             </a:fld>
             <a:endParaRPr lang="en-SG"/>
           </a:p>
@@ -2567,7 +2573,7 @@
           <a:p>
             <a:fld id="{D38588C5-B5CB-453C-BA05-BCBCA1ECE7B6}" type="datetimeFigureOut">
               <a:rPr lang="en-SG" smtClean="0"/>
-              <a:t>11/4/2020</a:t>
+              <a:t>10/4/20</a:t>
             </a:fld>
             <a:endParaRPr lang="en-SG"/>
           </a:p>
@@ -2777,7 +2783,7 @@
           <a:p>
             <a:fld id="{D38588C5-B5CB-453C-BA05-BCBCA1ECE7B6}" type="datetimeFigureOut">
               <a:rPr lang="en-SG" smtClean="0"/>
-              <a:t>11/4/2020</a:t>
+              <a:t>10/4/20</a:t>
             </a:fld>
             <a:endParaRPr lang="en-SG"/>
           </a:p>
@@ -5010,7 +5016,7 @@
           <a:p>
             <a:fld id="{D38588C5-B5CB-453C-BA05-BCBCA1ECE7B6}" type="datetimeFigureOut">
               <a:rPr lang="en-SG" smtClean="0"/>
-              <a:t>11/4/2020</a:t>
+              <a:t>10/4/20</a:t>
             </a:fld>
             <a:endParaRPr lang="en-SG"/>
           </a:p>
@@ -5947,7 +5953,7 @@
           <a:p>
             <a:fld id="{D38588C5-B5CB-453C-BA05-BCBCA1ECE7B6}" type="datetimeFigureOut">
               <a:rPr lang="en-SG" smtClean="0"/>
-              <a:t>11/4/2020</a:t>
+              <a:t>10/4/20</a:t>
             </a:fld>
             <a:endParaRPr lang="en-SG"/>
           </a:p>
@@ -6215,7 +6221,7 @@
           <a:p>
             <a:fld id="{D38588C5-B5CB-453C-BA05-BCBCA1ECE7B6}" type="datetimeFigureOut">
               <a:rPr lang="en-SG" smtClean="0"/>
-              <a:t>11/4/2020</a:t>
+              <a:t>10/4/20</a:t>
             </a:fld>
             <a:endParaRPr lang="en-SG"/>
           </a:p>
@@ -6630,7 +6636,7 @@
           <a:p>
             <a:fld id="{D38588C5-B5CB-453C-BA05-BCBCA1ECE7B6}" type="datetimeFigureOut">
               <a:rPr lang="en-SG" smtClean="0"/>
-              <a:t>11/4/2020</a:t>
+              <a:t>10/4/20</a:t>
             </a:fld>
             <a:endParaRPr lang="en-SG"/>
           </a:p>
@@ -6772,7 +6778,7 @@
           <a:p>
             <a:fld id="{D38588C5-B5CB-453C-BA05-BCBCA1ECE7B6}" type="datetimeFigureOut">
               <a:rPr lang="en-SG" smtClean="0"/>
-              <a:t>11/4/2020</a:t>
+              <a:t>10/4/20</a:t>
             </a:fld>
             <a:endParaRPr lang="en-SG"/>
           </a:p>
@@ -6885,7 +6891,7 @@
           <a:p>
             <a:fld id="{D38588C5-B5CB-453C-BA05-BCBCA1ECE7B6}" type="datetimeFigureOut">
               <a:rPr lang="en-SG" smtClean="0"/>
-              <a:t>11/4/2020</a:t>
+              <a:t>10/4/20</a:t>
             </a:fld>
             <a:endParaRPr lang="en-SG"/>
           </a:p>
@@ -7198,7 +7204,7 @@
           <a:p>
             <a:fld id="{D38588C5-B5CB-453C-BA05-BCBCA1ECE7B6}" type="datetimeFigureOut">
               <a:rPr lang="en-SG" smtClean="0"/>
-              <a:t>11/4/2020</a:t>
+              <a:t>10/4/20</a:t>
             </a:fld>
             <a:endParaRPr lang="en-SG"/>
           </a:p>
@@ -7487,7 +7493,7 @@
           <a:p>
             <a:fld id="{D38588C5-B5CB-453C-BA05-BCBCA1ECE7B6}" type="datetimeFigureOut">
               <a:rPr lang="en-SG" smtClean="0"/>
-              <a:t>11/4/2020</a:t>
+              <a:t>10/4/20</a:t>
             </a:fld>
             <a:endParaRPr lang="en-SG"/>
           </a:p>
@@ -7730,7 +7736,7 @@
           <a:p>
             <a:fld id="{D38588C5-B5CB-453C-BA05-BCBCA1ECE7B6}" type="datetimeFigureOut">
               <a:rPr lang="en-SG" smtClean="0"/>
-              <a:t>11/4/2020</a:t>
+              <a:t>10/4/20</a:t>
             </a:fld>
             <a:endParaRPr lang="en-SG"/>
           </a:p>
@@ -9506,18 +9512,13 @@
             <a:p>
               <a:pPr algn="ctr" defTabSz="872733"/>
               <a:r>
-                <a:rPr lang="en-US" sz="1400" dirty="0" err="1">
+                <a:rPr lang="en-US" sz="1400" dirty="0">
                   <a:solidFill>
                     <a:prstClr val="black"/>
                   </a:solidFill>
                 </a:rPr>
                 <a:t>TaskList</a:t>
               </a:r>
-              <a:endParaRPr lang="en-US" sz="1400" dirty="0">
-                <a:solidFill>
-                  <a:prstClr val="black"/>
-                </a:solidFill>
-              </a:endParaRPr>
             </a:p>
           </p:txBody>
         </p:sp>
@@ -9974,18 +9975,13 @@
           <a:p>
             <a:pPr algn="ctr" defTabSz="872733"/>
             <a:r>
-              <a:rPr lang="en-US" sz="1400" dirty="0" err="1">
+              <a:rPr lang="en-US" sz="1400" dirty="0">
                 <a:solidFill>
                   <a:prstClr val="black"/>
                 </a:solidFill>
               </a:rPr>
               <a:t>TaskList</a:t>
             </a:r>
-            <a:endParaRPr lang="en-US" sz="1400" dirty="0">
-              <a:solidFill>
-                <a:prstClr val="black"/>
-              </a:solidFill>
-            </a:endParaRPr>
           </a:p>
         </p:txBody>
       </p:sp>
@@ -10725,504 +10721,20 @@
       </p:grpSpPr>
       <p:sp>
         <p:nvSpPr>
-          <p:cNvPr id="3075" name="Rectangle 2"/>
-          <p:cNvSpPr>
-            <a:spLocks noGrp="1" noChangeArrowheads="1"/>
-          </p:cNvSpPr>
-          <p:nvPr>
-            <p:ph type="title"/>
-          </p:nvPr>
-        </p:nvSpPr>
-        <p:spPr/>
-        <p:txBody>
-          <a:bodyPr vert="horz" lIns="87273" tIns="43637" rIns="87273" bIns="43637" rtlCol="0" anchor="ctr">
-            <a:normAutofit/>
-          </a:bodyPr>
-          <a:lstStyle/>
-          <a:p>
-            <a:r>
-              <a:rPr lang="en-US" dirty="0"/>
-              <a:t>Class diagrams</a:t>
-            </a:r>
-          </a:p>
-        </p:txBody>
-      </p:sp>
-      <p:sp>
-        <p:nvSpPr>
-          <p:cNvPr id="45" name="Rectangle 44"/>
+          <p:cNvPr id="4" name="Rectangle 3">
+            <a:extLst>
+              <a:ext uri="{FF2B5EF4-FFF2-40B4-BE49-F238E27FC236}">
+                <a16:creationId xmlns:a16="http://schemas.microsoft.com/office/drawing/2014/main" id="{A6E6C7E2-6902-5D4E-95E0-A1A5E481B17A}"/>
+              </a:ext>
+            </a:extLst>
+          </p:cNvPr>
           <p:cNvSpPr/>
           <p:nvPr/>
         </p:nvSpPr>
         <p:spPr>
           <a:xfrm>
-            <a:off x="1840256" y="2336430"/>
-            <a:ext cx="1600200" cy="400110"/>
-          </a:xfrm>
-          <a:prstGeom prst="rect">
-            <a:avLst/>
-          </a:prstGeom>
-          <a:ln w="19050"/>
-        </p:spPr>
-        <p:style>
-          <a:lnRef idx="1">
-            <a:schemeClr val="accent6"/>
-          </a:lnRef>
-          <a:fillRef idx="2">
-            <a:schemeClr val="accent6"/>
-          </a:fillRef>
-          <a:effectRef idx="1">
-            <a:schemeClr val="accent6"/>
-          </a:effectRef>
-          <a:fontRef idx="minor">
-            <a:schemeClr val="dk1"/>
-          </a:fontRef>
-        </p:style>
-        <p:txBody>
-          <a:bodyPr wrap="square" rtlCol="0" anchor="ctr">
-            <a:spAutoFit/>
-          </a:bodyPr>
-          <a:lstStyle/>
-          <a:p>
-            <a:pPr algn="ctr">
-              <a:defRPr/>
-            </a:pPr>
-            <a:r>
-              <a:rPr lang="en-US" sz="2000" kern="0" dirty="0">
-                <a:solidFill>
-                  <a:sysClr val="windowText" lastClr="000000"/>
-                </a:solidFill>
-                <a:latin typeface="Calibri"/>
-              </a:rPr>
-              <a:t>Class A</a:t>
-            </a:r>
-          </a:p>
-        </p:txBody>
-      </p:sp>
-      <p:sp>
-        <p:nvSpPr>
-          <p:cNvPr id="48" name="Rectangle 47"/>
-          <p:cNvSpPr/>
-          <p:nvPr/>
-        </p:nvSpPr>
-        <p:spPr>
-          <a:xfrm>
-            <a:off x="9192526" y="2336430"/>
-            <a:ext cx="1295400" cy="400110"/>
-          </a:xfrm>
-          <a:prstGeom prst="rect">
-            <a:avLst/>
-          </a:prstGeom>
-          <a:ln w="19050"/>
-        </p:spPr>
-        <p:style>
-          <a:lnRef idx="1">
-            <a:schemeClr val="accent3"/>
-          </a:lnRef>
-          <a:fillRef idx="2">
-            <a:schemeClr val="accent3"/>
-          </a:fillRef>
-          <a:effectRef idx="1">
-            <a:schemeClr val="accent3"/>
-          </a:effectRef>
-          <a:fontRef idx="minor">
-            <a:schemeClr val="dk1"/>
-          </a:fontRef>
-        </p:style>
-        <p:txBody>
-          <a:bodyPr wrap="square" rtlCol="0" anchor="ctr">
-            <a:spAutoFit/>
-          </a:bodyPr>
-          <a:lstStyle/>
-          <a:p>
-            <a:pPr algn="ctr">
-              <a:defRPr/>
-            </a:pPr>
-            <a:r>
-              <a:rPr lang="en-US" sz="2000" kern="0" dirty="0">
-                <a:solidFill>
-                  <a:sysClr val="windowText" lastClr="000000"/>
-                </a:solidFill>
-                <a:latin typeface="Calibri"/>
-              </a:rPr>
-              <a:t>Class B</a:t>
-            </a:r>
-          </a:p>
-        </p:txBody>
-      </p:sp>
-      <p:cxnSp>
-        <p:nvCxnSpPr>
-          <p:cNvPr id="51" name="Elbow Connector 50"/>
-          <p:cNvCxnSpPr>
-            <a:stCxn id="45" idx="3"/>
-            <a:endCxn id="48" idx="1"/>
-          </p:cNvCxnSpPr>
-          <p:nvPr/>
-        </p:nvCxnSpPr>
-        <p:spPr>
-          <a:xfrm>
-            <a:off x="3440456" y="2536485"/>
-            <a:ext cx="5752070" cy="1588"/>
-          </a:xfrm>
-          <a:prstGeom prst="bentConnector3">
-            <a:avLst>
-              <a:gd name="adj1" fmla="val 50000"/>
-            </a:avLst>
-          </a:prstGeom>
-          <a:noFill/>
-          <a:ln w="19050" cap="flat" cmpd="sng" algn="ctr">
-            <a:solidFill>
-              <a:srgbClr val="FF0000"/>
-            </a:solidFill>
-            <a:prstDash val="solid"/>
-            <a:headEnd type="none" w="med" len="med"/>
-            <a:tailEnd type="none" w="med" len="med"/>
-          </a:ln>
-          <a:effectLst/>
-        </p:spPr>
-      </p:cxnSp>
-      <p:sp>
-        <p:nvSpPr>
-          <p:cNvPr id="67" name="TextBox 66"/>
-          <p:cNvSpPr txBox="1"/>
-          <p:nvPr/>
-        </p:nvSpPr>
-        <p:spPr>
-          <a:xfrm>
-            <a:off x="3415262" y="2162544"/>
-            <a:ext cx="1878230" cy="400110"/>
-          </a:xfrm>
-          <a:prstGeom prst="rect">
-            <a:avLst/>
-          </a:prstGeom>
-          <a:noFill/>
-        </p:spPr>
-        <p:txBody>
-          <a:bodyPr wrap="square" rtlCol="0">
-            <a:spAutoFit/>
-          </a:bodyPr>
-          <a:lstStyle/>
-          <a:p>
-            <a:pPr>
-              <a:defRPr/>
-            </a:pPr>
-            <a:r>
-              <a:rPr lang="en-US" sz="2000" kern="0" dirty="0">
-                <a:solidFill>
-                  <a:sysClr val="windowText" lastClr="000000"/>
-                </a:solidFill>
-                <a:latin typeface="Calibri"/>
-              </a:rPr>
-              <a:t>multiplicity of A</a:t>
-            </a:r>
-          </a:p>
-        </p:txBody>
-      </p:sp>
-      <p:sp>
-        <p:nvSpPr>
-          <p:cNvPr id="71" name="TextBox 70"/>
-          <p:cNvSpPr txBox="1"/>
-          <p:nvPr/>
-        </p:nvSpPr>
-        <p:spPr>
-          <a:xfrm>
-            <a:off x="5545227" y="2160290"/>
-            <a:ext cx="2195381" cy="400110"/>
-          </a:xfrm>
-          <a:prstGeom prst="rect">
-            <a:avLst/>
-          </a:prstGeom>
-          <a:noFill/>
-        </p:spPr>
-        <p:txBody>
-          <a:bodyPr wrap="square" rtlCol="0">
-            <a:spAutoFit/>
-          </a:bodyPr>
-          <a:lstStyle/>
-          <a:p>
-            <a:pPr>
-              <a:defRPr/>
-            </a:pPr>
-            <a:r>
-              <a:rPr lang="en-US" sz="2000" kern="0" dirty="0">
-                <a:solidFill>
-                  <a:sysClr val="windowText" lastClr="000000"/>
-                </a:solidFill>
-                <a:latin typeface="Calibri"/>
-              </a:rPr>
-              <a:t>association label </a:t>
-            </a:r>
-          </a:p>
-        </p:txBody>
-      </p:sp>
-      <p:sp>
-        <p:nvSpPr>
-          <p:cNvPr id="73" name="Rectangle 72"/>
-          <p:cNvSpPr/>
-          <p:nvPr/>
-        </p:nvSpPr>
-        <p:spPr>
-          <a:xfrm>
-            <a:off x="7920578" y="3369414"/>
-            <a:ext cx="2362200" cy="707886"/>
-          </a:xfrm>
-          <a:prstGeom prst="rect">
-            <a:avLst/>
-          </a:prstGeom>
-          <a:ln w="19050"/>
-        </p:spPr>
-        <p:style>
-          <a:lnRef idx="1">
-            <a:schemeClr val="accent4"/>
-          </a:lnRef>
-          <a:fillRef idx="2">
-            <a:schemeClr val="accent4"/>
-          </a:fillRef>
-          <a:effectRef idx="1">
-            <a:schemeClr val="accent4"/>
-          </a:effectRef>
-          <a:fontRef idx="minor">
-            <a:schemeClr val="dk1"/>
-          </a:fontRef>
-        </p:style>
-        <p:txBody>
-          <a:bodyPr wrap="square" rtlCol="0" anchor="ctr">
-            <a:spAutoFit/>
-          </a:bodyPr>
-          <a:lstStyle/>
-          <a:p>
-            <a:pPr algn="ctr" defTabSz="872733">
-              <a:defRPr/>
-            </a:pPr>
-            <a:r>
-              <a:rPr lang="en-US" sz="2000" kern="0" dirty="0">
-                <a:solidFill>
-                  <a:srgbClr val="FF0000"/>
-                </a:solidFill>
-                <a:latin typeface="Calibri"/>
-              </a:rPr>
-              <a:t>&lt;&lt;enumeration&gt;&gt;</a:t>
-            </a:r>
-            <a:br>
-              <a:rPr lang="en-US" sz="2000" kern="0" dirty="0">
-                <a:solidFill>
-                  <a:srgbClr val="FF0000"/>
-                </a:solidFill>
-                <a:latin typeface="Calibri"/>
-              </a:rPr>
-            </a:br>
-            <a:r>
-              <a:rPr lang="en-US" sz="2000" kern="0" dirty="0">
-                <a:solidFill>
-                  <a:sysClr val="windowText" lastClr="000000"/>
-                </a:solidFill>
-                <a:latin typeface="Calibri"/>
-              </a:rPr>
-              <a:t> </a:t>
-            </a:r>
-            <a:r>
-              <a:rPr lang="en-US" sz="2000" kern="0" dirty="0" err="1">
-                <a:solidFill>
-                  <a:sysClr val="windowText" lastClr="000000"/>
-                </a:solidFill>
-                <a:latin typeface="Calibri"/>
-              </a:rPr>
-              <a:t>EnumerationName</a:t>
-            </a:r>
-            <a:endParaRPr lang="en-US" sz="2000" kern="0" dirty="0">
-              <a:solidFill>
-                <a:sysClr val="windowText" lastClr="000000"/>
-              </a:solidFill>
-              <a:latin typeface="Calibri"/>
-            </a:endParaRPr>
-          </a:p>
-        </p:txBody>
-      </p:sp>
-      <p:sp>
-        <p:nvSpPr>
-          <p:cNvPr id="74" name="Rectangle 73"/>
-          <p:cNvSpPr/>
-          <p:nvPr/>
-        </p:nvSpPr>
-        <p:spPr>
-          <a:xfrm>
-            <a:off x="7920578" y="4001155"/>
-            <a:ext cx="2362200" cy="707886"/>
-          </a:xfrm>
-          <a:prstGeom prst="rect">
-            <a:avLst/>
-          </a:prstGeom>
-          <a:ln w="19050"/>
-        </p:spPr>
-        <p:style>
-          <a:lnRef idx="1">
-            <a:schemeClr val="accent4"/>
-          </a:lnRef>
-          <a:fillRef idx="2">
-            <a:schemeClr val="accent4"/>
-          </a:fillRef>
-          <a:effectRef idx="1">
-            <a:schemeClr val="accent4"/>
-          </a:effectRef>
-          <a:fontRef idx="minor">
-            <a:schemeClr val="dk1"/>
-          </a:fontRef>
-        </p:style>
-        <p:txBody>
-          <a:bodyPr wrap="square" rtlCol="0" anchor="ctr">
-            <a:spAutoFit/>
-          </a:bodyPr>
-          <a:lstStyle/>
-          <a:p>
-            <a:pPr>
-              <a:defRPr/>
-            </a:pPr>
-            <a:r>
-              <a:rPr lang="en-US" sz="2000" kern="0" dirty="0">
-                <a:solidFill>
-                  <a:sysClr val="windowText" lastClr="000000"/>
-                </a:solidFill>
-                <a:latin typeface="Calibri"/>
-              </a:rPr>
-              <a:t>VALUE_1</a:t>
-            </a:r>
-          </a:p>
-          <a:p>
-            <a:pPr>
-              <a:defRPr/>
-            </a:pPr>
-            <a:r>
-              <a:rPr lang="en-US" sz="2000" kern="0" dirty="0">
-                <a:solidFill>
-                  <a:sysClr val="windowText" lastClr="000000"/>
-                </a:solidFill>
-                <a:latin typeface="Calibri"/>
-              </a:rPr>
-              <a:t>VALUE_2</a:t>
-            </a:r>
-          </a:p>
-        </p:txBody>
-      </p:sp>
-      <p:sp>
-        <p:nvSpPr>
-          <p:cNvPr id="84" name="TextBox 83"/>
-          <p:cNvSpPr txBox="1"/>
-          <p:nvPr/>
-        </p:nvSpPr>
-        <p:spPr>
-          <a:xfrm>
-            <a:off x="3439300" y="2497497"/>
-            <a:ext cx="1725827" cy="400110"/>
-          </a:xfrm>
-          <a:prstGeom prst="rect">
-            <a:avLst/>
-          </a:prstGeom>
-          <a:noFill/>
-        </p:spPr>
-        <p:txBody>
-          <a:bodyPr wrap="square" rtlCol="0">
-            <a:spAutoFit/>
-          </a:bodyPr>
-          <a:lstStyle/>
-          <a:p>
-            <a:pPr>
-              <a:defRPr/>
-            </a:pPr>
-            <a:r>
-              <a:rPr lang="en-US" sz="2000" kern="0" dirty="0">
-                <a:solidFill>
-                  <a:sysClr val="windowText" lastClr="000000"/>
-                </a:solidFill>
-                <a:latin typeface="Calibri"/>
-              </a:rPr>
-              <a:t>role of A</a:t>
-            </a:r>
-          </a:p>
-        </p:txBody>
-      </p:sp>
-      <p:sp>
-        <p:nvSpPr>
-          <p:cNvPr id="85" name="TextBox 84"/>
-          <p:cNvSpPr txBox="1"/>
-          <p:nvPr/>
-        </p:nvSpPr>
-        <p:spPr>
-          <a:xfrm>
-            <a:off x="7771498" y="2169926"/>
-            <a:ext cx="1355124" cy="400110"/>
-          </a:xfrm>
-          <a:prstGeom prst="rect">
-            <a:avLst/>
-          </a:prstGeom>
-          <a:noFill/>
-        </p:spPr>
-        <p:txBody>
-          <a:bodyPr wrap="square" rtlCol="0">
-            <a:spAutoFit/>
-          </a:bodyPr>
-          <a:lstStyle/>
-          <a:p>
-            <a:pPr algn="r">
-              <a:defRPr/>
-            </a:pPr>
-            <a:r>
-              <a:rPr lang="en-US" sz="2000" kern="0" dirty="0">
-                <a:solidFill>
-                  <a:sysClr val="windowText" lastClr="000000"/>
-                </a:solidFill>
-                <a:latin typeface="Calibri"/>
-              </a:rPr>
-              <a:t>role of B</a:t>
-            </a:r>
-          </a:p>
-        </p:txBody>
-      </p:sp>
-      <p:sp>
-        <p:nvSpPr>
-          <p:cNvPr id="86" name="TextBox 85"/>
-          <p:cNvSpPr txBox="1"/>
-          <p:nvPr/>
-        </p:nvSpPr>
-        <p:spPr>
-          <a:xfrm>
-            <a:off x="7336957" y="2557764"/>
-            <a:ext cx="1824679" cy="400110"/>
-          </a:xfrm>
-          <a:prstGeom prst="rect">
-            <a:avLst/>
-          </a:prstGeom>
-          <a:noFill/>
-        </p:spPr>
-        <p:txBody>
-          <a:bodyPr wrap="square" rtlCol="0">
-            <a:spAutoFit/>
-          </a:bodyPr>
-          <a:lstStyle/>
-          <a:p>
-            <a:pPr algn="r">
-              <a:defRPr/>
-            </a:pPr>
-            <a:r>
-              <a:rPr lang="en-US" sz="2000" kern="0" dirty="0">
-                <a:solidFill>
-                  <a:sysClr val="windowText" lastClr="000000"/>
-                </a:solidFill>
-                <a:latin typeface="Calibri"/>
-              </a:rPr>
-              <a:t>multiplicity of B</a:t>
-            </a:r>
-          </a:p>
-        </p:txBody>
-      </p:sp>
-      <p:sp>
-        <p:nvSpPr>
-          <p:cNvPr id="87" name="Rectangle 86"/>
-          <p:cNvSpPr/>
-          <p:nvPr/>
-        </p:nvSpPr>
-        <p:spPr>
-          <a:xfrm>
-            <a:off x="2653615" y="3289808"/>
-            <a:ext cx="1342768" cy="400110"/>
+            <a:off x="4629747" y="2620332"/>
+            <a:ext cx="2932506" cy="338554"/>
           </a:xfrm>
           <a:prstGeom prst="rect">
             <a:avLst/>
@@ -11277,33 +10789,33 @@
               <a:defRPr/>
             </a:pPr>
             <a:r>
-              <a:rPr lang="en-US" sz="2000" kern="0" dirty="0" err="1">
+              <a:rPr lang="en-US" sz="1600" kern="0" dirty="0">
                 <a:solidFill>
                   <a:sysClr val="windowText" lastClr="000000"/>
                 </a:solidFill>
                 <a:latin typeface="Calibri"/>
               </a:rPr>
-              <a:t>Superclass</a:t>
-            </a:r>
-            <a:endParaRPr lang="en-US" sz="2000" kern="0" dirty="0">
-              <a:solidFill>
-                <a:sysClr val="windowText" lastClr="000000"/>
-              </a:solidFill>
-              <a:latin typeface="Calibri"/>
-            </a:endParaRPr>
-          </a:p>
-        </p:txBody>
-      </p:sp>
-      <p:sp>
-        <p:nvSpPr>
-          <p:cNvPr id="88" name="Rectangle 87"/>
+              <a:t>Storage</a:t>
+            </a:r>
+          </a:p>
+        </p:txBody>
+      </p:sp>
+      <p:sp>
+        <p:nvSpPr>
+          <p:cNvPr id="5" name="Rectangle 4">
+            <a:extLst>
+              <a:ext uri="{FF2B5EF4-FFF2-40B4-BE49-F238E27FC236}">
+                <a16:creationId xmlns:a16="http://schemas.microsoft.com/office/drawing/2014/main" id="{4C1A7720-3B55-154F-B1C3-FC6977F8557B}"/>
+              </a:ext>
+            </a:extLst>
+          </p:cNvPr>
           <p:cNvSpPr/>
           <p:nvPr/>
         </p:nvSpPr>
         <p:spPr>
           <a:xfrm>
-            <a:off x="1834981" y="4459703"/>
-            <a:ext cx="1299518" cy="400110"/>
+            <a:off x="4629745" y="3274357"/>
+            <a:ext cx="2932507" cy="584775"/>
           </a:xfrm>
           <a:prstGeom prst="rect">
             <a:avLst/>
@@ -11354,142 +10866,69 @@
           </a:bodyPr>
           <a:lstStyle/>
           <a:p>
-            <a:pPr>
+            <a:pPr algn="ctr">
               <a:defRPr/>
             </a:pPr>
             <a:r>
-              <a:rPr lang="en-US" sz="2000" kern="0" dirty="0">
+              <a:rPr lang="en-US" sz="1600" kern="0" dirty="0">
                 <a:solidFill>
                   <a:sysClr val="windowText" lastClr="000000"/>
                 </a:solidFill>
                 <a:latin typeface="Calibri"/>
               </a:rPr>
-              <a:t>Subclass 1</a:t>
-            </a:r>
-          </a:p>
-        </p:txBody>
-      </p:sp>
-      <p:sp>
-        <p:nvSpPr>
-          <p:cNvPr id="90" name="Isosceles Triangle 89"/>
+              <a:t>+ </a:t>
+            </a:r>
+            <a:r>
+              <a:rPr lang="en-US" sz="1600" u="sng" kern="0" dirty="0">
+                <a:solidFill>
+                  <a:sysClr val="windowText" lastClr="000000"/>
+                </a:solidFill>
+                <a:latin typeface="Calibri"/>
+              </a:rPr>
+              <a:t>overwriteFile</a:t>
+            </a:r>
+            <a:r>
+              <a:rPr lang="en-US" sz="1600" kern="0" dirty="0">
+                <a:solidFill>
+                  <a:sysClr val="windowText" lastClr="000000"/>
+                </a:solidFill>
+                <a:latin typeface="Calibri"/>
+              </a:rPr>
+              <a:t> (list: TaskList)</a:t>
+            </a:r>
+          </a:p>
+          <a:p>
+            <a:pPr algn="ctr">
+              <a:defRPr/>
+            </a:pPr>
+            <a:r>
+              <a:rPr lang="en-US" sz="1600" kern="0" dirty="0">
+                <a:solidFill>
+                  <a:sysClr val="windowText" lastClr="000000"/>
+                </a:solidFill>
+                <a:latin typeface="Calibri"/>
+              </a:rPr>
+              <a:t>+ loadFromFile (list: TaskList)</a:t>
+            </a:r>
+          </a:p>
+        </p:txBody>
+      </p:sp>
+      <p:sp>
+        <p:nvSpPr>
+          <p:cNvPr id="6" name="Rectangle 5">
+            <a:extLst>
+              <a:ext uri="{FF2B5EF4-FFF2-40B4-BE49-F238E27FC236}">
+                <a16:creationId xmlns:a16="http://schemas.microsoft.com/office/drawing/2014/main" id="{D3A67A33-383E-4A44-949E-E15061F2383A}"/>
+              </a:ext>
+            </a:extLst>
+          </p:cNvPr>
           <p:cNvSpPr/>
           <p:nvPr/>
         </p:nvSpPr>
         <p:spPr>
           <a:xfrm>
-            <a:off x="3210699" y="3713092"/>
-            <a:ext cx="228600" cy="152400"/>
-          </a:xfrm>
-          <a:prstGeom prst="triangle">
-            <a:avLst/>
-          </a:prstGeom>
-          <a:solidFill>
-            <a:schemeClr val="bg1"/>
-          </a:solidFill>
-          <a:ln w="19050">
-            <a:solidFill>
-              <a:srgbClr val="FF0000"/>
-            </a:solidFill>
-          </a:ln>
-        </p:spPr>
-        <p:style>
-          <a:lnRef idx="2">
-            <a:schemeClr val="accent1">
-              <a:shade val="50000"/>
-            </a:schemeClr>
-          </a:lnRef>
-          <a:fillRef idx="1">
-            <a:schemeClr val="accent1"/>
-          </a:fillRef>
-          <a:effectRef idx="0">
-            <a:schemeClr val="accent1"/>
-          </a:effectRef>
-          <a:fontRef idx="minor">
-            <a:schemeClr val="lt1"/>
-          </a:fontRef>
-        </p:style>
-        <p:txBody>
-          <a:bodyPr rtlCol="0" anchor="ctr"/>
-          <a:lstStyle/>
-          <a:p>
-            <a:pPr algn="ctr" defTabSz="872733"/>
-            <a:endParaRPr lang="en-US" sz="2000">
-              <a:solidFill>
-                <a:prstClr val="black"/>
-              </a:solidFill>
-              <a:latin typeface="Calibri"/>
-            </a:endParaRPr>
-          </a:p>
-        </p:txBody>
-      </p:sp>
-      <p:cxnSp>
-        <p:nvCxnSpPr>
-          <p:cNvPr id="91" name="Elbow Connector 26"/>
-          <p:cNvCxnSpPr>
-            <a:stCxn id="88" idx="0"/>
-            <a:endCxn id="90" idx="3"/>
-          </p:cNvCxnSpPr>
-          <p:nvPr/>
-        </p:nvCxnSpPr>
-        <p:spPr>
-          <a:xfrm rot="5400000" flipH="1" flipV="1">
-            <a:off x="2607765" y="3742470"/>
-            <a:ext cx="594211" cy="840259"/>
-          </a:xfrm>
-          <a:prstGeom prst="bentConnector3">
-            <a:avLst>
-              <a:gd name="adj1" fmla="val 50000"/>
-            </a:avLst>
-          </a:prstGeom>
-          <a:noFill/>
-          <a:ln w="19050" cap="flat" cmpd="sng" algn="ctr">
-            <a:solidFill>
-              <a:srgbClr val="FF0000"/>
-            </a:solidFill>
-            <a:prstDash val="solid"/>
-          </a:ln>
-          <a:effectLst/>
-        </p:spPr>
-      </p:cxnSp>
-      <p:cxnSp>
-        <p:nvCxnSpPr>
-          <p:cNvPr id="92" name="Elbow Connector 26"/>
-          <p:cNvCxnSpPr>
-            <a:stCxn id="96" idx="0"/>
-            <a:endCxn id="90" idx="3"/>
-          </p:cNvCxnSpPr>
-          <p:nvPr/>
-        </p:nvCxnSpPr>
-        <p:spPr>
-          <a:xfrm rot="16200000" flipV="1">
-            <a:off x="3482521" y="3707972"/>
-            <a:ext cx="598329" cy="913370"/>
-          </a:xfrm>
-          <a:prstGeom prst="bentConnector3">
-            <a:avLst>
-              <a:gd name="adj1" fmla="val 50000"/>
-            </a:avLst>
-          </a:prstGeom>
-          <a:noFill/>
-          <a:ln w="19050" cap="flat" cmpd="sng" algn="ctr">
-            <a:solidFill>
-              <a:srgbClr val="FF0000"/>
-            </a:solidFill>
-            <a:prstDash val="solid"/>
-          </a:ln>
-          <a:effectLst/>
-        </p:spPr>
-      </p:cxnSp>
-      <p:sp>
-        <p:nvSpPr>
-          <p:cNvPr id="96" name="Rectangle 95"/>
-          <p:cNvSpPr/>
-          <p:nvPr/>
-        </p:nvSpPr>
-        <p:spPr>
-          <a:xfrm>
-            <a:off x="3601996" y="4463821"/>
-            <a:ext cx="1272747" cy="400110"/>
+            <a:off x="8968154" y="2620332"/>
+            <a:ext cx="1549007" cy="338554"/>
           </a:xfrm>
           <a:prstGeom prst="rect">
             <a:avLst/>
@@ -11540,82 +10979,207 @@
           </a:bodyPr>
           <a:lstStyle/>
           <a:p>
-            <a:pPr>
+            <a:pPr algn="ctr">
               <a:defRPr/>
             </a:pPr>
             <a:r>
-              <a:rPr lang="en-US" sz="2000" kern="0" dirty="0">
+              <a:rPr lang="en-US" sz="1600" kern="0" dirty="0">
                 <a:solidFill>
                   <a:sysClr val="windowText" lastClr="000000"/>
                 </a:solidFill>
                 <a:latin typeface="Calibri"/>
               </a:rPr>
-              <a:t>Subclass 2</a:t>
-            </a:r>
-          </a:p>
-        </p:txBody>
-      </p:sp>
-      <p:sp>
-        <p:nvSpPr>
-          <p:cNvPr id="98" name="Rectangle 97"/>
-          <p:cNvSpPr/>
+              <a:t>Main</a:t>
+            </a:r>
+          </a:p>
+        </p:txBody>
+      </p:sp>
+      <p:cxnSp>
+        <p:nvCxnSpPr>
+          <p:cNvPr id="8" name="Straight Arrow Connector 7">
+            <a:extLst>
+              <a:ext uri="{FF2B5EF4-FFF2-40B4-BE49-F238E27FC236}">
+                <a16:creationId xmlns:a16="http://schemas.microsoft.com/office/drawing/2014/main" id="{44E21DA1-C442-5748-BA3E-52B8FE110500}"/>
+              </a:ext>
+            </a:extLst>
+          </p:cNvPr>
+          <p:cNvCxnSpPr>
+            <a:cxnSpLocks/>
+            <a:stCxn id="6" idx="1"/>
+            <a:endCxn id="4" idx="3"/>
+          </p:cNvCxnSpPr>
+          <p:nvPr/>
+        </p:nvCxnSpPr>
+        <p:spPr>
+          <a:xfrm flipH="1">
+            <a:off x="7562253" y="2789609"/>
+            <a:ext cx="1405901" cy="0"/>
+          </a:xfrm>
+          <a:prstGeom prst="straightConnector1">
+            <a:avLst/>
+          </a:prstGeom>
+          <a:ln>
+            <a:tailEnd type="triangle"/>
+          </a:ln>
+        </p:spPr>
+        <p:style>
+          <a:lnRef idx="1">
+            <a:schemeClr val="accent1"/>
+          </a:lnRef>
+          <a:fillRef idx="0">
+            <a:schemeClr val="accent1"/>
+          </a:fillRef>
+          <a:effectRef idx="0">
+            <a:schemeClr val="accent1"/>
+          </a:effectRef>
+          <a:fontRef idx="minor">
+            <a:schemeClr val="tx1"/>
+          </a:fontRef>
+        </p:style>
+      </p:cxnSp>
+      <p:sp>
+        <p:nvSpPr>
+          <p:cNvPr id="13" name="TextBox 12">
+            <a:extLst>
+              <a:ext uri="{FF2B5EF4-FFF2-40B4-BE49-F238E27FC236}">
+                <a16:creationId xmlns:a16="http://schemas.microsoft.com/office/drawing/2014/main" id="{79A262D2-B2C9-7D43-9B60-13D1FF03903B}"/>
+              </a:ext>
+            </a:extLst>
+          </p:cNvPr>
+          <p:cNvSpPr txBox="1"/>
           <p:nvPr/>
         </p:nvSpPr>
         <p:spPr>
           <a:xfrm>
-            <a:off x="1762897" y="5928372"/>
-            <a:ext cx="1610498" cy="400110"/>
+            <a:off x="7613272" y="2774220"/>
+            <a:ext cx="269630" cy="307777"/>
           </a:xfrm>
           <a:prstGeom prst="rect">
             <a:avLst/>
           </a:prstGeom>
-          <a:ln w="19050"/>
-        </p:spPr>
-        <p:style>
-          <a:lnRef idx="1">
-            <a:schemeClr val="accent3"/>
-          </a:lnRef>
-          <a:fillRef idx="2">
-            <a:schemeClr val="accent3"/>
-          </a:fillRef>
-          <a:effectRef idx="1">
-            <a:schemeClr val="accent3"/>
-          </a:effectRef>
-          <a:fontRef idx="minor">
-            <a:schemeClr val="dk1"/>
-          </a:fontRef>
-        </p:style>
-        <p:txBody>
-          <a:bodyPr wrap="square" rtlCol="0" anchor="ctr">
+          <a:noFill/>
+        </p:spPr>
+        <p:txBody>
+          <a:bodyPr wrap="square" rtlCol="0">
             <a:spAutoFit/>
           </a:bodyPr>
           <a:lstStyle/>
           <a:p>
-            <a:pPr algn="ctr">
-              <a:defRPr/>
-            </a:pPr>
-            <a:r>
-              <a:rPr lang="en-US" sz="2000" kern="0" dirty="0">
-                <a:solidFill>
-                  <a:sysClr val="windowText" lastClr="000000"/>
-                </a:solidFill>
-                <a:latin typeface="Calibri"/>
-              </a:rPr>
-              <a:t>Whole</a:t>
-            </a:r>
-          </a:p>
-        </p:txBody>
-      </p:sp>
-      <p:sp>
-        <p:nvSpPr>
-          <p:cNvPr id="99" name="Rectangle 98"/>
+            <a:r>
+              <a:rPr lang="en-US" sz="1400" dirty="0"/>
+              <a:t>1</a:t>
+            </a:r>
+          </a:p>
+        </p:txBody>
+      </p:sp>
+      <p:sp>
+        <p:nvSpPr>
+          <p:cNvPr id="14" name="TextBox 13">
+            <a:extLst>
+              <a:ext uri="{FF2B5EF4-FFF2-40B4-BE49-F238E27FC236}">
+                <a16:creationId xmlns:a16="http://schemas.microsoft.com/office/drawing/2014/main" id="{F23E2FA3-DF0F-FA4F-87AF-82B2410CC4C9}"/>
+              </a:ext>
+            </a:extLst>
+          </p:cNvPr>
+          <p:cNvSpPr txBox="1"/>
+          <p:nvPr/>
+        </p:nvSpPr>
+        <p:spPr>
+          <a:xfrm>
+            <a:off x="7933920" y="2481832"/>
+            <a:ext cx="1227750" cy="307777"/>
+          </a:xfrm>
+          <a:prstGeom prst="rect">
+            <a:avLst/>
+          </a:prstGeom>
+          <a:noFill/>
+        </p:spPr>
+        <p:txBody>
+          <a:bodyPr wrap="square" rtlCol="0">
+            <a:spAutoFit/>
+          </a:bodyPr>
+          <a:lstStyle/>
+          <a:p>
+            <a:r>
+              <a:rPr lang="en-US" sz="1400" dirty="0"/>
+              <a:t> loads from</a:t>
+            </a:r>
+          </a:p>
+        </p:txBody>
+      </p:sp>
+      <p:sp>
+        <p:nvSpPr>
+          <p:cNvPr id="15" name="Isosceles Triangle 1">
+            <a:extLst>
+              <a:ext uri="{FF2B5EF4-FFF2-40B4-BE49-F238E27FC236}">
+                <a16:creationId xmlns:a16="http://schemas.microsoft.com/office/drawing/2014/main" id="{FDED1DD9-DDF5-3142-8D79-B53AA934DA9E}"/>
+              </a:ext>
+            </a:extLst>
+          </p:cNvPr>
           <p:cNvSpPr/>
           <p:nvPr/>
         </p:nvSpPr>
         <p:spPr>
+          <a:xfrm rot="16200000">
+            <a:off x="7854711" y="2579375"/>
+            <a:ext cx="158418" cy="119022"/>
+          </a:xfrm>
+          <a:prstGeom prst="triangle">
+            <a:avLst/>
+          </a:prstGeom>
+          <a:solidFill>
+            <a:schemeClr val="tx1"/>
+          </a:solidFill>
+          <a:ln>
+            <a:noFill/>
+          </a:ln>
+        </p:spPr>
+        <p:style>
+          <a:lnRef idx="2">
+            <a:schemeClr val="accent1">
+              <a:shade val="50000"/>
+            </a:schemeClr>
+          </a:lnRef>
+          <a:fillRef idx="1">
+            <a:schemeClr val="accent1"/>
+          </a:fillRef>
+          <a:effectRef idx="0">
+            <a:schemeClr val="accent1"/>
+          </a:effectRef>
+          <a:fontRef idx="minor">
+            <a:schemeClr val="lt1"/>
+          </a:fontRef>
+        </p:style>
+        <p:txBody>
+          <a:bodyPr rtlCol="0" anchor="ctr"/>
+          <a:lstStyle/>
+          <a:p>
+            <a:pPr algn="ctr"/>
+            <a:endParaRPr lang="en-US">
+              <a:solidFill>
+                <a:prstClr val="white"/>
+              </a:solidFill>
+              <a:latin typeface="Calibri"/>
+            </a:endParaRPr>
+          </a:p>
+        </p:txBody>
+      </p:sp>
+      <p:sp>
+        <p:nvSpPr>
+          <p:cNvPr id="19" name="Rectangle 18">
+            <a:extLst>
+              <a:ext uri="{FF2B5EF4-FFF2-40B4-BE49-F238E27FC236}">
+                <a16:creationId xmlns:a16="http://schemas.microsoft.com/office/drawing/2014/main" id="{C2538C0C-870A-5E45-AA28-E6F34541C41D}"/>
+              </a:ext>
+            </a:extLst>
+          </p:cNvPr>
+          <p:cNvSpPr/>
+          <p:nvPr/>
+        </p:nvSpPr>
+        <p:spPr>
           <a:xfrm>
-            <a:off x="4744995" y="5928372"/>
-            <a:ext cx="1268626" cy="400110"/>
+            <a:off x="4629746" y="2935803"/>
+            <a:ext cx="2932507" cy="338554"/>
           </a:xfrm>
           <a:prstGeom prst="rect">
             <a:avLst/>
@@ -11670,629 +11234,51 @@
               <a:defRPr/>
             </a:pPr>
             <a:r>
-              <a:rPr lang="en-US" sz="2000" kern="0" dirty="0">
+              <a:rPr lang="en-US" sz="1600" kern="0" dirty="0">
                 <a:solidFill>
                   <a:sysClr val="windowText" lastClr="000000"/>
                 </a:solidFill>
                 <a:latin typeface="Calibri"/>
               </a:rPr>
-              <a:t>Part</a:t>
-            </a:r>
-          </a:p>
-        </p:txBody>
-      </p:sp>
-      <p:cxnSp>
-        <p:nvCxnSpPr>
-          <p:cNvPr id="100" name="Elbow Connector 26"/>
-          <p:cNvCxnSpPr>
-            <a:cxnSpLocks/>
-            <a:stCxn id="99" idx="1"/>
-            <a:endCxn id="98" idx="3"/>
-          </p:cNvCxnSpPr>
-          <p:nvPr/>
-        </p:nvCxnSpPr>
-        <p:spPr>
-          <a:xfrm rot="10800000">
-            <a:off x="3373395" y="6128427"/>
-            <a:ext cx="1371600" cy="1588"/>
-          </a:xfrm>
-          <a:prstGeom prst="bentConnector3">
-            <a:avLst>
-              <a:gd name="adj1" fmla="val 50000"/>
-            </a:avLst>
-          </a:prstGeom>
-          <a:noFill/>
-          <a:ln w="19050" cap="flat" cmpd="sng" algn="ctr">
-            <a:solidFill>
-              <a:sysClr val="windowText" lastClr="000000"/>
-            </a:solidFill>
-            <a:prstDash val="solid"/>
-          </a:ln>
-          <a:effectLst/>
-        </p:spPr>
-      </p:cxnSp>
-      <p:sp>
-        <p:nvSpPr>
-          <p:cNvPr id="105" name="Flowchart: Decision 104"/>
+              <a:t>- </a:t>
+            </a:r>
+            <a:r>
+              <a:rPr lang="en-US" sz="1600" u="sng" kern="0" dirty="0">
+                <a:solidFill>
+                  <a:sysClr val="windowText" lastClr="000000"/>
+                </a:solidFill>
+                <a:latin typeface="Calibri"/>
+              </a:rPr>
+              <a:t>gson</a:t>
+            </a:r>
+            <a:r>
+              <a:rPr lang="en-US" sz="1600" kern="0" dirty="0">
+                <a:solidFill>
+                  <a:sysClr val="windowText" lastClr="000000"/>
+                </a:solidFill>
+                <a:latin typeface="Calibri"/>
+              </a:rPr>
+              <a:t>: Gson</a:t>
+            </a:r>
+          </a:p>
+        </p:txBody>
+      </p:sp>
+      <p:sp>
+        <p:nvSpPr>
+          <p:cNvPr id="20" name="Rectangle 19">
+            <a:extLst>
+              <a:ext uri="{FF2B5EF4-FFF2-40B4-BE49-F238E27FC236}">
+                <a16:creationId xmlns:a16="http://schemas.microsoft.com/office/drawing/2014/main" id="{1C41A9C8-11C0-E944-BB40-94D9F94AEE92}"/>
+              </a:ext>
+            </a:extLst>
+          </p:cNvPr>
           <p:cNvSpPr/>
           <p:nvPr/>
         </p:nvSpPr>
         <p:spPr>
           <a:xfrm>
-            <a:off x="3373395" y="6019961"/>
-            <a:ext cx="228600" cy="228600"/>
-          </a:xfrm>
-          <a:prstGeom prst="flowChartDecision">
-            <a:avLst/>
-          </a:prstGeom>
-          <a:solidFill>
-            <a:srgbClr val="FF0000"/>
-          </a:solidFill>
-          <a:ln w="19050">
-            <a:solidFill>
-              <a:srgbClr val="FF0000"/>
-            </a:solidFill>
-          </a:ln>
-        </p:spPr>
-        <p:style>
-          <a:lnRef idx="2">
-            <a:schemeClr val="accent1">
-              <a:shade val="50000"/>
-            </a:schemeClr>
-          </a:lnRef>
-          <a:fillRef idx="1">
-            <a:schemeClr val="accent1"/>
-          </a:fillRef>
-          <a:effectRef idx="0">
-            <a:schemeClr val="accent1"/>
-          </a:effectRef>
-          <a:fontRef idx="minor">
-            <a:schemeClr val="lt1"/>
-          </a:fontRef>
-        </p:style>
-        <p:txBody>
-          <a:bodyPr rtlCol="0" anchor="ctr"/>
-          <a:lstStyle/>
-          <a:p>
-            <a:pPr algn="ctr" defTabSz="872733"/>
-            <a:endParaRPr lang="en-US" sz="2000">
-              <a:solidFill>
-                <a:prstClr val="white"/>
-              </a:solidFill>
-              <a:latin typeface="Calibri"/>
-            </a:endParaRPr>
-          </a:p>
-        </p:txBody>
-      </p:sp>
-      <p:sp>
-        <p:nvSpPr>
-          <p:cNvPr id="110" name="Rectangle 109"/>
-          <p:cNvSpPr/>
-          <p:nvPr/>
-        </p:nvSpPr>
-        <p:spPr>
-          <a:xfrm>
-            <a:off x="6464000" y="345913"/>
-            <a:ext cx="1600200" cy="400110"/>
-          </a:xfrm>
-          <a:prstGeom prst="rect">
-            <a:avLst/>
-          </a:prstGeom>
-          <a:ln w="19050"/>
-        </p:spPr>
-        <p:style>
-          <a:lnRef idx="1">
-            <a:schemeClr val="accent6"/>
-          </a:lnRef>
-          <a:fillRef idx="2">
-            <a:schemeClr val="accent6"/>
-          </a:fillRef>
-          <a:effectRef idx="1">
-            <a:schemeClr val="accent6"/>
-          </a:effectRef>
-          <a:fontRef idx="minor">
-            <a:schemeClr val="dk1"/>
-          </a:fontRef>
-        </p:style>
-        <p:txBody>
-          <a:bodyPr wrap="square" rtlCol="0" anchor="ctr">
-            <a:spAutoFit/>
-          </a:bodyPr>
-          <a:lstStyle/>
-          <a:p>
-            <a:pPr algn="ctr">
-              <a:defRPr/>
-            </a:pPr>
-            <a:r>
-              <a:rPr lang="en-US" sz="2000" kern="0" dirty="0">
-                <a:solidFill>
-                  <a:sysClr val="windowText" lastClr="000000"/>
-                </a:solidFill>
-                <a:latin typeface="Calibri"/>
-              </a:rPr>
-              <a:t>Class name</a:t>
-            </a:r>
-          </a:p>
-        </p:txBody>
-      </p:sp>
-      <p:sp>
-        <p:nvSpPr>
-          <p:cNvPr id="111" name="Rectangle 110"/>
-          <p:cNvSpPr/>
-          <p:nvPr/>
-        </p:nvSpPr>
-        <p:spPr>
-          <a:xfrm>
-            <a:off x="6464001" y="737305"/>
-            <a:ext cx="1600199" cy="400110"/>
-          </a:xfrm>
-          <a:prstGeom prst="rect">
-            <a:avLst/>
-          </a:prstGeom>
-          <a:ln w="19050"/>
-        </p:spPr>
-        <p:style>
-          <a:lnRef idx="1">
-            <a:schemeClr val="accent6"/>
-          </a:lnRef>
-          <a:fillRef idx="2">
-            <a:schemeClr val="accent6"/>
-          </a:fillRef>
-          <a:effectRef idx="1">
-            <a:schemeClr val="accent6"/>
-          </a:effectRef>
-          <a:fontRef idx="minor">
-            <a:schemeClr val="dk1"/>
-          </a:fontRef>
-        </p:style>
-        <p:txBody>
-          <a:bodyPr wrap="square" rtlCol="0" anchor="ctr">
-            <a:spAutoFit/>
-          </a:bodyPr>
-          <a:lstStyle/>
-          <a:p>
-            <a:pPr>
-              <a:defRPr/>
-            </a:pPr>
-            <a:r>
-              <a:rPr lang="en-US" sz="2000" kern="0" dirty="0">
-                <a:solidFill>
-                  <a:sysClr val="windowText" lastClr="000000"/>
-                </a:solidFill>
-                <a:latin typeface="Calibri"/>
-              </a:rPr>
-              <a:t>attributes</a:t>
-            </a:r>
-          </a:p>
-        </p:txBody>
-      </p:sp>
-      <p:sp>
-        <p:nvSpPr>
-          <p:cNvPr id="112" name="Rounded Rectangular Callout 111"/>
-          <p:cNvSpPr/>
-          <p:nvPr/>
-        </p:nvSpPr>
-        <p:spPr>
-          <a:xfrm>
-            <a:off x="4348538" y="1449846"/>
-            <a:ext cx="1552833" cy="442674"/>
-          </a:xfrm>
-          <a:prstGeom prst="wedgeRoundRectCallout">
-            <a:avLst>
-              <a:gd name="adj1" fmla="val -20833"/>
-              <a:gd name="adj2" fmla="val 78544"/>
-              <a:gd name="adj3" fmla="val 16667"/>
-            </a:avLst>
-          </a:prstGeom>
-          <a:solidFill>
-            <a:schemeClr val="accent1">
-              <a:lumMod val="20000"/>
-              <a:lumOff val="80000"/>
-            </a:schemeClr>
-          </a:solidFill>
-          <a:ln w="9525">
-            <a:noFill/>
-            <a:prstDash val="sysDash"/>
-            <a:headEnd type="none" w="med" len="med"/>
-            <a:tailEnd type="arrow" w="med" len="med"/>
-          </a:ln>
-        </p:spPr>
-        <p:style>
-          <a:lnRef idx="2">
-            <a:schemeClr val="accent1">
-              <a:shade val="50000"/>
-            </a:schemeClr>
-          </a:lnRef>
-          <a:fillRef idx="1">
-            <a:schemeClr val="accent1"/>
-          </a:fillRef>
-          <a:effectRef idx="0">
-            <a:schemeClr val="accent1"/>
-          </a:effectRef>
-          <a:fontRef idx="minor">
-            <a:schemeClr val="lt1"/>
-          </a:fontRef>
-        </p:style>
-        <p:txBody>
-          <a:bodyPr wrap="square" rtlCol="0" anchor="ctr">
-            <a:spAutoFit/>
-          </a:bodyPr>
-          <a:lstStyle/>
-          <a:p>
-            <a:pPr algn="ctr" defTabSz="872733"/>
-            <a:r>
-              <a:rPr lang="en-US" sz="2000" b="1" dirty="0">
-                <a:solidFill>
-                  <a:prstClr val="black"/>
-                </a:solidFill>
-                <a:latin typeface="Calibri"/>
-              </a:rPr>
-              <a:t>association </a:t>
-            </a:r>
-          </a:p>
-        </p:txBody>
-      </p:sp>
-      <p:sp>
-        <p:nvSpPr>
-          <p:cNvPr id="114" name="Rounded Rectangular Callout 113"/>
-          <p:cNvSpPr/>
-          <p:nvPr/>
-        </p:nvSpPr>
-        <p:spPr>
-          <a:xfrm>
-            <a:off x="4327364" y="3630376"/>
-            <a:ext cx="1734064" cy="442674"/>
-          </a:xfrm>
-          <a:prstGeom prst="wedgeRoundRectCallout">
-            <a:avLst>
-              <a:gd name="adj1" fmla="val -64349"/>
-              <a:gd name="adj2" fmla="val 18380"/>
-              <a:gd name="adj3" fmla="val 16667"/>
-            </a:avLst>
-          </a:prstGeom>
-          <a:solidFill>
-            <a:schemeClr val="accent1">
-              <a:lumMod val="20000"/>
-              <a:lumOff val="80000"/>
-            </a:schemeClr>
-          </a:solidFill>
-          <a:ln w="9525">
-            <a:noFill/>
-            <a:prstDash val="sysDash"/>
-            <a:headEnd type="none" w="med" len="med"/>
-            <a:tailEnd type="arrow" w="med" len="med"/>
-          </a:ln>
-        </p:spPr>
-        <p:style>
-          <a:lnRef idx="2">
-            <a:schemeClr val="accent1">
-              <a:shade val="50000"/>
-            </a:schemeClr>
-          </a:lnRef>
-          <a:fillRef idx="1">
-            <a:schemeClr val="accent1"/>
-          </a:fillRef>
-          <a:effectRef idx="0">
-            <a:schemeClr val="accent1"/>
-          </a:effectRef>
-          <a:fontRef idx="minor">
-            <a:schemeClr val="lt1"/>
-          </a:fontRef>
-        </p:style>
-        <p:txBody>
-          <a:bodyPr wrap="square" rtlCol="0" anchor="ctr">
-            <a:spAutoFit/>
-          </a:bodyPr>
-          <a:lstStyle/>
-          <a:p>
-            <a:pPr algn="ctr" defTabSz="872733"/>
-            <a:r>
-              <a:rPr lang="en-US" sz="2000" b="1" dirty="0">
-                <a:solidFill>
-                  <a:prstClr val="black"/>
-                </a:solidFill>
-                <a:latin typeface="Calibri"/>
-              </a:rPr>
-              <a:t>inheritance</a:t>
-            </a:r>
-          </a:p>
-        </p:txBody>
-      </p:sp>
-      <p:sp>
-        <p:nvSpPr>
-          <p:cNvPr id="115" name="Rounded Rectangular Callout 114"/>
-          <p:cNvSpPr/>
-          <p:nvPr/>
-        </p:nvSpPr>
-        <p:spPr>
-          <a:xfrm>
-            <a:off x="3317789" y="5359468"/>
-            <a:ext cx="1734064" cy="442674"/>
-          </a:xfrm>
-          <a:prstGeom prst="wedgeRoundRectCallout">
-            <a:avLst>
-              <a:gd name="adj1" fmla="val -34589"/>
-              <a:gd name="adj2" fmla="val 93933"/>
-              <a:gd name="adj3" fmla="val 16667"/>
-            </a:avLst>
-          </a:prstGeom>
-          <a:solidFill>
-            <a:schemeClr val="accent1">
-              <a:lumMod val="20000"/>
-              <a:lumOff val="80000"/>
-            </a:schemeClr>
-          </a:solidFill>
-          <a:ln w="9525">
-            <a:noFill/>
-            <a:prstDash val="sysDash"/>
-            <a:headEnd type="none" w="med" len="med"/>
-            <a:tailEnd type="arrow" w="med" len="med"/>
-          </a:ln>
-        </p:spPr>
-        <p:style>
-          <a:lnRef idx="2">
-            <a:schemeClr val="accent1">
-              <a:shade val="50000"/>
-            </a:schemeClr>
-          </a:lnRef>
-          <a:fillRef idx="1">
-            <a:schemeClr val="accent1"/>
-          </a:fillRef>
-          <a:effectRef idx="0">
-            <a:schemeClr val="accent1"/>
-          </a:effectRef>
-          <a:fontRef idx="minor">
-            <a:schemeClr val="lt1"/>
-          </a:fontRef>
-        </p:style>
-        <p:txBody>
-          <a:bodyPr wrap="square" rtlCol="0" anchor="ctr">
-            <a:spAutoFit/>
-          </a:bodyPr>
-          <a:lstStyle/>
-          <a:p>
-            <a:pPr algn="ctr" defTabSz="872733"/>
-            <a:r>
-              <a:rPr lang="en-US" sz="2000" b="1" dirty="0">
-                <a:solidFill>
-                  <a:prstClr val="black"/>
-                </a:solidFill>
-                <a:latin typeface="Calibri"/>
-              </a:rPr>
-              <a:t>composition</a:t>
-            </a:r>
-          </a:p>
-        </p:txBody>
-      </p:sp>
-      <p:sp>
-        <p:nvSpPr>
-          <p:cNvPr id="116" name="Rounded Rectangular Callout 115"/>
-          <p:cNvSpPr/>
-          <p:nvPr/>
-        </p:nvSpPr>
-        <p:spPr>
-          <a:xfrm>
-            <a:off x="5802992" y="4261481"/>
-            <a:ext cx="1734064" cy="442674"/>
-          </a:xfrm>
-          <a:prstGeom prst="wedgeRoundRectCallout">
-            <a:avLst>
-              <a:gd name="adj1" fmla="val 59544"/>
-              <a:gd name="adj2" fmla="val 6347"/>
-              <a:gd name="adj3" fmla="val 16667"/>
-            </a:avLst>
-          </a:prstGeom>
-          <a:solidFill>
-            <a:schemeClr val="accent1">
-              <a:lumMod val="20000"/>
-              <a:lumOff val="80000"/>
-            </a:schemeClr>
-          </a:solidFill>
-          <a:ln w="9525">
-            <a:noFill/>
-            <a:prstDash val="sysDash"/>
-            <a:headEnd type="none" w="med" len="med"/>
-            <a:tailEnd type="arrow" w="med" len="med"/>
-          </a:ln>
-        </p:spPr>
-        <p:style>
-          <a:lnRef idx="2">
-            <a:schemeClr val="accent1">
-              <a:shade val="50000"/>
-            </a:schemeClr>
-          </a:lnRef>
-          <a:fillRef idx="1">
-            <a:schemeClr val="accent1"/>
-          </a:fillRef>
-          <a:effectRef idx="0">
-            <a:schemeClr val="accent1"/>
-          </a:effectRef>
-          <a:fontRef idx="minor">
-            <a:schemeClr val="lt1"/>
-          </a:fontRef>
-        </p:style>
-        <p:txBody>
-          <a:bodyPr wrap="square" rtlCol="0" anchor="ctr">
-            <a:spAutoFit/>
-          </a:bodyPr>
-          <a:lstStyle/>
-          <a:p>
-            <a:pPr algn="ctr" defTabSz="872733"/>
-            <a:r>
-              <a:rPr lang="en-US" sz="2000" b="1" dirty="0">
-                <a:solidFill>
-                  <a:prstClr val="black"/>
-                </a:solidFill>
-                <a:latin typeface="Calibri"/>
-              </a:rPr>
-              <a:t>enumerations</a:t>
-            </a:r>
-          </a:p>
-        </p:txBody>
-      </p:sp>
-      <p:sp>
-        <p:nvSpPr>
-          <p:cNvPr id="29" name="Isosceles Triangle 1"/>
-          <p:cNvSpPr/>
-          <p:nvPr/>
-        </p:nvSpPr>
-        <p:spPr>
-          <a:xfrm rot="5400000" flipH="1">
-            <a:off x="7391260" y="2321322"/>
-            <a:ext cx="158418" cy="119022"/>
-          </a:xfrm>
-          <a:prstGeom prst="triangle">
-            <a:avLst/>
-          </a:prstGeom>
-          <a:solidFill>
-            <a:schemeClr val="tx1"/>
-          </a:solidFill>
-          <a:ln>
-            <a:noFill/>
-          </a:ln>
-        </p:spPr>
-        <p:style>
-          <a:lnRef idx="2">
-            <a:schemeClr val="accent1">
-              <a:shade val="50000"/>
-            </a:schemeClr>
-          </a:lnRef>
-          <a:fillRef idx="1">
-            <a:schemeClr val="accent1"/>
-          </a:fillRef>
-          <a:effectRef idx="0">
-            <a:schemeClr val="accent1"/>
-          </a:effectRef>
-          <a:fontRef idx="minor">
-            <a:schemeClr val="lt1"/>
-          </a:fontRef>
-        </p:style>
-        <p:txBody>
-          <a:bodyPr rtlCol="0" anchor="ctr"/>
-          <a:lstStyle/>
-          <a:p>
-            <a:pPr algn="ctr"/>
-            <a:endParaRPr lang="en-US">
-              <a:solidFill>
-                <a:prstClr val="white"/>
-              </a:solidFill>
-              <a:latin typeface="Calibri"/>
-            </a:endParaRPr>
-          </a:p>
-        </p:txBody>
-      </p:sp>
-      <p:sp>
-        <p:nvSpPr>
-          <p:cNvPr id="30" name="Rectangle 29"/>
-          <p:cNvSpPr/>
-          <p:nvPr/>
-        </p:nvSpPr>
-        <p:spPr>
-          <a:xfrm>
-            <a:off x="6464001" y="1138075"/>
-            <a:ext cx="1600199" cy="400110"/>
-          </a:xfrm>
-          <a:prstGeom prst="rect">
-            <a:avLst/>
-          </a:prstGeom>
-          <a:ln w="19050"/>
-        </p:spPr>
-        <p:style>
-          <a:lnRef idx="1">
-            <a:schemeClr val="accent6"/>
-          </a:lnRef>
-          <a:fillRef idx="2">
-            <a:schemeClr val="accent6"/>
-          </a:fillRef>
-          <a:effectRef idx="1">
-            <a:schemeClr val="accent6"/>
-          </a:effectRef>
-          <a:fontRef idx="minor">
-            <a:schemeClr val="dk1"/>
-          </a:fontRef>
-        </p:style>
-        <p:txBody>
-          <a:bodyPr wrap="square" rtlCol="0" anchor="ctr">
-            <a:spAutoFit/>
-          </a:bodyPr>
-          <a:lstStyle/>
-          <a:p>
-            <a:pPr>
-              <a:defRPr/>
-            </a:pPr>
-            <a:r>
-              <a:rPr lang="en-US" sz="2000" kern="0" dirty="0">
-                <a:solidFill>
-                  <a:sysClr val="windowText" lastClr="000000"/>
-                </a:solidFill>
-                <a:latin typeface="Calibri"/>
-              </a:rPr>
-              <a:t>methods</a:t>
-            </a:r>
-          </a:p>
-        </p:txBody>
-      </p:sp>
-      <p:sp>
-        <p:nvSpPr>
-          <p:cNvPr id="31" name="Rectangle 30"/>
-          <p:cNvSpPr/>
-          <p:nvPr/>
-        </p:nvSpPr>
-        <p:spPr>
-          <a:xfrm>
-            <a:off x="6241641" y="5937261"/>
-            <a:ext cx="1610498" cy="400110"/>
-          </a:xfrm>
-          <a:prstGeom prst="rect">
-            <a:avLst/>
-          </a:prstGeom>
-          <a:ln w="19050"/>
-        </p:spPr>
-        <p:style>
-          <a:lnRef idx="1">
-            <a:schemeClr val="accent3"/>
-          </a:lnRef>
-          <a:fillRef idx="2">
-            <a:schemeClr val="accent3"/>
-          </a:fillRef>
-          <a:effectRef idx="1">
-            <a:schemeClr val="accent3"/>
-          </a:effectRef>
-          <a:fontRef idx="minor">
-            <a:schemeClr val="dk1"/>
-          </a:fontRef>
-        </p:style>
-        <p:txBody>
-          <a:bodyPr wrap="square" rtlCol="0" anchor="ctr">
-            <a:spAutoFit/>
-          </a:bodyPr>
-          <a:lstStyle/>
-          <a:p>
-            <a:pPr algn="ctr">
-              <a:defRPr/>
-            </a:pPr>
-            <a:r>
-              <a:rPr lang="en-US" sz="2000" kern="0" dirty="0">
-                <a:solidFill>
-                  <a:sysClr val="windowText" lastClr="000000"/>
-                </a:solidFill>
-                <a:latin typeface="Calibri"/>
-              </a:rPr>
-              <a:t>Container</a:t>
-            </a:r>
-          </a:p>
-        </p:txBody>
-      </p:sp>
-      <p:sp>
-        <p:nvSpPr>
-          <p:cNvPr id="32" name="Rectangle 31"/>
-          <p:cNvSpPr/>
-          <p:nvPr/>
-        </p:nvSpPr>
-        <p:spPr>
-          <a:xfrm>
-            <a:off x="9223739" y="5937261"/>
-            <a:ext cx="1268626" cy="400110"/>
+            <a:off x="1661555" y="1318240"/>
+            <a:ext cx="1549007" cy="338554"/>
           </a:xfrm>
           <a:prstGeom prst="rect">
             <a:avLst/>
@@ -12347,585 +11333,33 @@
               <a:defRPr/>
             </a:pPr>
             <a:r>
-              <a:rPr lang="en-US" sz="2000" kern="0" dirty="0">
+              <a:rPr lang="en-US" sz="1600" kern="0" dirty="0">
                 <a:solidFill>
                   <a:sysClr val="windowText" lastClr="000000"/>
                 </a:solidFill>
                 <a:latin typeface="Calibri"/>
               </a:rPr>
-              <a:t>Item</a:t>
-            </a:r>
-          </a:p>
-        </p:txBody>
-      </p:sp>
-      <p:cxnSp>
-        <p:nvCxnSpPr>
-          <p:cNvPr id="33" name="Elbow Connector 26"/>
-          <p:cNvCxnSpPr>
-            <a:stCxn id="32" idx="1"/>
-            <a:endCxn id="34" idx="3"/>
-          </p:cNvCxnSpPr>
-          <p:nvPr/>
-        </p:nvCxnSpPr>
-        <p:spPr>
-          <a:xfrm rot="10800000" flipV="1">
-            <a:off x="8080739" y="6137316"/>
-            <a:ext cx="1143000" cy="5834"/>
-          </a:xfrm>
-          <a:prstGeom prst="bentConnector3">
-            <a:avLst>
-              <a:gd name="adj1" fmla="val 50000"/>
-            </a:avLst>
-          </a:prstGeom>
-          <a:noFill/>
-          <a:ln w="19050" cap="flat" cmpd="sng" algn="ctr">
-            <a:solidFill>
-              <a:sysClr val="windowText" lastClr="000000"/>
-            </a:solidFill>
-            <a:prstDash val="solid"/>
-          </a:ln>
-          <a:effectLst/>
-        </p:spPr>
-      </p:cxnSp>
-      <p:sp>
-        <p:nvSpPr>
-          <p:cNvPr id="34" name="Flowchart: Decision 33"/>
+              <a:t>DoneCommand</a:t>
+            </a:r>
+          </a:p>
+        </p:txBody>
+      </p:sp>
+      <p:sp>
+        <p:nvSpPr>
+          <p:cNvPr id="21" name="Rectangle 20">
+            <a:extLst>
+              <a:ext uri="{FF2B5EF4-FFF2-40B4-BE49-F238E27FC236}">
+                <a16:creationId xmlns:a16="http://schemas.microsoft.com/office/drawing/2014/main" id="{18FAE469-5020-5D44-9C70-3061B3CA0BAE}"/>
+              </a:ext>
+            </a:extLst>
+          </p:cNvPr>
           <p:cNvSpPr/>
           <p:nvPr/>
         </p:nvSpPr>
         <p:spPr>
           <a:xfrm>
-            <a:off x="7852139" y="6028850"/>
-            <a:ext cx="228600" cy="228600"/>
-          </a:xfrm>
-          <a:prstGeom prst="flowChartDecision">
-            <a:avLst/>
-          </a:prstGeom>
-          <a:noFill/>
-          <a:ln w="19050">
-            <a:solidFill>
-              <a:srgbClr val="FF0000"/>
-            </a:solidFill>
-          </a:ln>
-        </p:spPr>
-        <p:style>
-          <a:lnRef idx="2">
-            <a:schemeClr val="accent1">
-              <a:shade val="50000"/>
-            </a:schemeClr>
-          </a:lnRef>
-          <a:fillRef idx="1">
-            <a:schemeClr val="accent1"/>
-          </a:fillRef>
-          <a:effectRef idx="0">
-            <a:schemeClr val="accent1"/>
-          </a:effectRef>
-          <a:fontRef idx="minor">
-            <a:schemeClr val="lt1"/>
-          </a:fontRef>
-        </p:style>
-        <p:txBody>
-          <a:bodyPr rtlCol="0" anchor="ctr"/>
-          <a:lstStyle/>
-          <a:p>
-            <a:pPr algn="ctr" defTabSz="872733"/>
-            <a:endParaRPr lang="en-US" sz="2000">
-              <a:solidFill>
-                <a:prstClr val="white"/>
-              </a:solidFill>
-              <a:latin typeface="Calibri"/>
-            </a:endParaRPr>
-          </a:p>
-        </p:txBody>
-      </p:sp>
-      <p:sp>
-        <p:nvSpPr>
-          <p:cNvPr id="35" name="Rounded Rectangular Callout 34"/>
-          <p:cNvSpPr/>
-          <p:nvPr/>
-        </p:nvSpPr>
-        <p:spPr>
-          <a:xfrm>
-            <a:off x="7796533" y="5368357"/>
-            <a:ext cx="1734064" cy="442674"/>
-          </a:xfrm>
-          <a:prstGeom prst="wedgeRoundRectCallout">
-            <a:avLst>
-              <a:gd name="adj1" fmla="val -32608"/>
-              <a:gd name="adj2" fmla="val 102609"/>
-              <a:gd name="adj3" fmla="val 16667"/>
-            </a:avLst>
-          </a:prstGeom>
-          <a:solidFill>
-            <a:schemeClr val="accent1">
-              <a:lumMod val="20000"/>
-              <a:lumOff val="80000"/>
-            </a:schemeClr>
-          </a:solidFill>
-          <a:ln w="9525">
-            <a:noFill/>
-            <a:prstDash val="sysDash"/>
-            <a:headEnd type="none" w="med" len="med"/>
-            <a:tailEnd type="arrow" w="med" len="med"/>
-          </a:ln>
-        </p:spPr>
-        <p:style>
-          <a:lnRef idx="2">
-            <a:schemeClr val="accent1">
-              <a:shade val="50000"/>
-            </a:schemeClr>
-          </a:lnRef>
-          <a:fillRef idx="1">
-            <a:schemeClr val="accent1"/>
-          </a:fillRef>
-          <a:effectRef idx="0">
-            <a:schemeClr val="accent1"/>
-          </a:effectRef>
-          <a:fontRef idx="minor">
-            <a:schemeClr val="lt1"/>
-          </a:fontRef>
-        </p:style>
-        <p:txBody>
-          <a:bodyPr wrap="square" rtlCol="0" anchor="ctr">
-            <a:spAutoFit/>
-          </a:bodyPr>
-          <a:lstStyle/>
-          <a:p>
-            <a:pPr algn="ctr" defTabSz="872733"/>
-            <a:r>
-              <a:rPr lang="en-US" sz="2000" b="1" dirty="0">
-                <a:solidFill>
-                  <a:prstClr val="black"/>
-                </a:solidFill>
-                <a:latin typeface="Calibri"/>
-              </a:rPr>
-              <a:t>aggregation</a:t>
-            </a:r>
-          </a:p>
-        </p:txBody>
-      </p:sp>
-    </p:spTree>
-    <p:extLst>
-      <p:ext uri="{BB962C8B-B14F-4D97-AF65-F5344CB8AC3E}">
-        <p14:creationId xmlns:p14="http://schemas.microsoft.com/office/powerpoint/2010/main" val="3905253664"/>
-      </p:ext>
-    </p:extLst>
-  </p:cSld>
-  <p:clrMapOvr>
-    <a:masterClrMapping/>
-  </p:clrMapOvr>
-</p:sld>
-</file>
-
-<file path=ppt/slides/slide11.xml><?xml version="1.0" encoding="utf-8"?>
-<p:sld xmlns:a="http://schemas.openxmlformats.org/drawingml/2006/main" xmlns:r="http://schemas.openxmlformats.org/officeDocument/2006/relationships" xmlns:p="http://schemas.openxmlformats.org/presentationml/2006/main">
-  <p:cSld>
-    <p:spTree>
-      <p:nvGrpSpPr>
-        <p:cNvPr id="1" name=""/>
-        <p:cNvGrpSpPr/>
-        <p:nvPr/>
-      </p:nvGrpSpPr>
-      <p:grpSpPr>
-        <a:xfrm>
-          <a:off x="0" y="0"/>
-          <a:ext cx="0" cy="0"/>
-          <a:chOff x="0" y="0"/>
-          <a:chExt cx="0" cy="0"/>
-        </a:xfrm>
-      </p:grpSpPr>
-      <p:sp>
-        <p:nvSpPr>
-          <p:cNvPr id="4" name="Rectangle 3"/>
-          <p:cNvSpPr/>
-          <p:nvPr/>
-        </p:nvSpPr>
-        <p:spPr>
-          <a:xfrm>
-            <a:off x="1647404" y="258266"/>
-            <a:ext cx="5178020" cy="400110"/>
-          </a:xfrm>
-          <a:prstGeom prst="rect">
-            <a:avLst/>
-          </a:prstGeom>
-          <a:ln w="19050"/>
-        </p:spPr>
-        <p:style>
-          <a:lnRef idx="1">
-            <a:schemeClr val="accent5"/>
-          </a:lnRef>
-          <a:fillRef idx="2">
-            <a:schemeClr val="accent5"/>
-          </a:fillRef>
-          <a:effectRef idx="1">
-            <a:schemeClr val="accent5"/>
-          </a:effectRef>
-          <a:fontRef idx="minor">
-            <a:schemeClr val="dk1"/>
-          </a:fontRef>
-        </p:style>
-        <p:txBody>
-          <a:bodyPr wrap="square" rtlCol="0" anchor="ctr">
-            <a:spAutoFit/>
-          </a:bodyPr>
-          <a:lstStyle/>
-          <a:p>
-            <a:pPr algn="ctr">
-              <a:defRPr/>
-            </a:pPr>
-            <a:r>
-              <a:rPr lang="en-US" sz="2000" kern="0" dirty="0">
-                <a:solidFill>
-                  <a:sysClr val="windowText" lastClr="000000"/>
-                </a:solidFill>
-                <a:latin typeface="Calibri"/>
-              </a:rPr>
-              <a:t>Class name</a:t>
-            </a:r>
-          </a:p>
-        </p:txBody>
-      </p:sp>
-      <p:sp>
-        <p:nvSpPr>
-          <p:cNvPr id="5" name="Rectangle 4"/>
-          <p:cNvSpPr/>
-          <p:nvPr/>
-        </p:nvSpPr>
-        <p:spPr>
-          <a:xfrm>
-            <a:off x="1645426" y="640945"/>
-            <a:ext cx="5178020" cy="400110"/>
-          </a:xfrm>
-          <a:prstGeom prst="rect">
-            <a:avLst/>
-          </a:prstGeom>
-          <a:ln w="19050"/>
-        </p:spPr>
-        <p:style>
-          <a:lnRef idx="1">
-            <a:schemeClr val="accent5"/>
-          </a:lnRef>
-          <a:fillRef idx="2">
-            <a:schemeClr val="accent5"/>
-          </a:fillRef>
-          <a:effectRef idx="1">
-            <a:schemeClr val="accent5"/>
-          </a:effectRef>
-          <a:fontRef idx="minor">
-            <a:schemeClr val="dk1"/>
-          </a:fontRef>
-        </p:style>
-        <p:txBody>
-          <a:bodyPr wrap="square" rtlCol="0" anchor="ctr">
-            <a:spAutoFit/>
-          </a:bodyPr>
-          <a:lstStyle/>
-          <a:p>
-            <a:pPr>
-              <a:defRPr/>
-            </a:pPr>
-            <a:r>
-              <a:rPr lang="en-US" sz="2000" kern="0" dirty="0">
-                <a:solidFill>
-                  <a:sysClr val="windowText" lastClr="000000"/>
-                </a:solidFill>
-                <a:latin typeface="Calibri"/>
-              </a:rPr>
-              <a:t>visibility name : type multiplicity = default-value</a:t>
-            </a:r>
-          </a:p>
-        </p:txBody>
-      </p:sp>
-      <p:sp>
-        <p:nvSpPr>
-          <p:cNvPr id="6" name="Rectangle 5"/>
-          <p:cNvSpPr/>
-          <p:nvPr/>
-        </p:nvSpPr>
-        <p:spPr>
-          <a:xfrm>
-            <a:off x="1648853" y="1013734"/>
-            <a:ext cx="5174912" cy="400110"/>
-          </a:xfrm>
-          <a:prstGeom prst="rect">
-            <a:avLst/>
-          </a:prstGeom>
-          <a:ln w="19050"/>
-        </p:spPr>
-        <p:style>
-          <a:lnRef idx="1">
-            <a:schemeClr val="accent5"/>
-          </a:lnRef>
-          <a:fillRef idx="2">
-            <a:schemeClr val="accent5"/>
-          </a:fillRef>
-          <a:effectRef idx="1">
-            <a:schemeClr val="accent5"/>
-          </a:effectRef>
-          <a:fontRef idx="minor">
-            <a:schemeClr val="dk1"/>
-          </a:fontRef>
-        </p:style>
-        <p:txBody>
-          <a:bodyPr wrap="square" rtlCol="0" anchor="ctr">
-            <a:spAutoFit/>
-          </a:bodyPr>
-          <a:lstStyle/>
-          <a:p>
-            <a:pPr>
-              <a:defRPr/>
-            </a:pPr>
-            <a:r>
-              <a:rPr lang="en-US" sz="2000" kern="0" dirty="0">
-                <a:solidFill>
-                  <a:sysClr val="windowText" lastClr="000000"/>
-                </a:solidFill>
-                <a:latin typeface="Calibri"/>
-              </a:rPr>
-              <a:t>visibility name (parameter-list) : return-type </a:t>
-            </a:r>
-          </a:p>
-        </p:txBody>
-      </p:sp>
-      <p:sp>
-        <p:nvSpPr>
-          <p:cNvPr id="13" name="Rectangle 12"/>
-          <p:cNvSpPr/>
-          <p:nvPr/>
-        </p:nvSpPr>
-        <p:spPr>
-          <a:xfrm>
-            <a:off x="7146324" y="843582"/>
-            <a:ext cx="3301432" cy="707886"/>
-          </a:xfrm>
-          <a:prstGeom prst="rect">
-            <a:avLst/>
-          </a:prstGeom>
-          <a:ln w="19050"/>
-        </p:spPr>
-        <p:style>
-          <a:lnRef idx="1">
-            <a:schemeClr val="accent5"/>
-          </a:lnRef>
-          <a:fillRef idx="2">
-            <a:schemeClr val="accent5"/>
-          </a:fillRef>
-          <a:effectRef idx="1">
-            <a:schemeClr val="accent5"/>
-          </a:effectRef>
-          <a:fontRef idx="minor">
-            <a:schemeClr val="dk1"/>
-          </a:fontRef>
-        </p:style>
-        <p:txBody>
-          <a:bodyPr wrap="square" rtlCol="0" anchor="ctr">
-            <a:spAutoFit/>
-          </a:bodyPr>
-          <a:lstStyle/>
-          <a:p>
-            <a:pPr algn="ctr">
-              <a:defRPr/>
-            </a:pPr>
-            <a:r>
-              <a:rPr lang="en-US" sz="2000" kern="0" dirty="0">
-                <a:solidFill>
-                  <a:srgbClr val="FF0000"/>
-                </a:solidFill>
-                <a:latin typeface="Calibri"/>
-              </a:rPr>
-              <a:t>{abstract}</a:t>
-            </a:r>
-            <a:br>
-              <a:rPr lang="en-US" sz="2000" kern="0" dirty="0">
-                <a:solidFill>
-                  <a:srgbClr val="FF0000"/>
-                </a:solidFill>
-                <a:latin typeface="Calibri"/>
-              </a:rPr>
-            </a:br>
-            <a:r>
-              <a:rPr lang="en-US" sz="2000" kern="0" dirty="0" err="1">
-                <a:solidFill>
-                  <a:sysClr val="windowText" lastClr="000000"/>
-                </a:solidFill>
-                <a:latin typeface="Calibri"/>
-              </a:rPr>
-              <a:t>AbstractClass</a:t>
-            </a:r>
-            <a:endParaRPr lang="en-US" sz="2000" kern="0" dirty="0">
-              <a:solidFill>
-                <a:sysClr val="windowText" lastClr="000000"/>
-              </a:solidFill>
-              <a:latin typeface="Calibri"/>
-            </a:endParaRPr>
-          </a:p>
-        </p:txBody>
-      </p:sp>
-      <p:sp>
-        <p:nvSpPr>
-          <p:cNvPr id="14" name="Rectangle 13"/>
-          <p:cNvSpPr/>
-          <p:nvPr/>
-        </p:nvSpPr>
-        <p:spPr>
-          <a:xfrm>
-            <a:off x="7142938" y="1507056"/>
-            <a:ext cx="3305926" cy="524380"/>
-          </a:xfrm>
-          <a:prstGeom prst="rect">
-            <a:avLst/>
-          </a:prstGeom>
-          <a:ln w="19050"/>
-        </p:spPr>
-        <p:style>
-          <a:lnRef idx="1">
-            <a:schemeClr val="accent5"/>
-          </a:lnRef>
-          <a:fillRef idx="2">
-            <a:schemeClr val="accent5"/>
-          </a:fillRef>
-          <a:effectRef idx="1">
-            <a:schemeClr val="accent5"/>
-          </a:effectRef>
-          <a:fontRef idx="minor">
-            <a:schemeClr val="dk1"/>
-          </a:fontRef>
-        </p:style>
-        <p:txBody>
-          <a:bodyPr wrap="square" rtlCol="0" anchor="ctr">
-            <a:noAutofit/>
-          </a:bodyPr>
-          <a:lstStyle/>
-          <a:p>
-            <a:pPr>
-              <a:defRPr/>
-            </a:pPr>
-            <a:r>
-              <a:rPr lang="en-US" sz="2000" kern="0" dirty="0">
-                <a:solidFill>
-                  <a:sysClr val="windowText" lastClr="000000"/>
-                </a:solidFill>
-                <a:latin typeface="Calibri"/>
-              </a:rPr>
-              <a:t> </a:t>
-            </a:r>
-            <a:r>
-              <a:rPr lang="en-US" sz="2000" u="sng" kern="0" dirty="0" err="1">
-                <a:solidFill>
-                  <a:srgbClr val="FF0000"/>
-                </a:solidFill>
-                <a:latin typeface="Calibri"/>
-              </a:rPr>
-              <a:t>classLevelAttribute</a:t>
-            </a:r>
-            <a:endParaRPr lang="en-US" sz="2000" u="sng" kern="0" dirty="0">
-              <a:solidFill>
-                <a:srgbClr val="FF0000"/>
-              </a:solidFill>
-              <a:latin typeface="Calibri"/>
-            </a:endParaRPr>
-          </a:p>
-        </p:txBody>
-      </p:sp>
-      <p:sp>
-        <p:nvSpPr>
-          <p:cNvPr id="15" name="Rectangle 14"/>
-          <p:cNvSpPr/>
-          <p:nvPr/>
-        </p:nvSpPr>
-        <p:spPr>
-          <a:xfrm>
-            <a:off x="7145492" y="2035314"/>
-            <a:ext cx="3302265" cy="707886"/>
-          </a:xfrm>
-          <a:prstGeom prst="rect">
-            <a:avLst/>
-          </a:prstGeom>
-          <a:ln w="19050"/>
-        </p:spPr>
-        <p:style>
-          <a:lnRef idx="1">
-            <a:schemeClr val="accent5"/>
-          </a:lnRef>
-          <a:fillRef idx="2">
-            <a:schemeClr val="accent5"/>
-          </a:fillRef>
-          <a:effectRef idx="1">
-            <a:schemeClr val="accent5"/>
-          </a:effectRef>
-          <a:fontRef idx="minor">
-            <a:schemeClr val="dk1"/>
-          </a:fontRef>
-        </p:style>
-        <p:txBody>
-          <a:bodyPr wrap="square" rtlCol="0" anchor="ctr">
-            <a:spAutoFit/>
-          </a:bodyPr>
-          <a:lstStyle/>
-          <a:p>
-            <a:pPr>
-              <a:defRPr/>
-            </a:pPr>
-            <a:r>
-              <a:rPr lang="en-US" sz="2000" kern="0" dirty="0" err="1">
-                <a:solidFill>
-                  <a:sysClr val="windowText" lastClr="000000"/>
-                </a:solidFill>
-                <a:latin typeface="Calibri"/>
-              </a:rPr>
-              <a:t>abstractOperation</a:t>
-            </a:r>
-            <a:r>
-              <a:rPr lang="en-US" sz="2000" kern="0" dirty="0">
-                <a:solidFill>
-                  <a:sysClr val="windowText" lastClr="000000"/>
-                </a:solidFill>
-                <a:latin typeface="Calibri"/>
-              </a:rPr>
-              <a:t>  </a:t>
-            </a:r>
-            <a:r>
-              <a:rPr lang="en-US" sz="2000" kern="0" dirty="0">
-                <a:solidFill>
-                  <a:srgbClr val="FF0000"/>
-                </a:solidFill>
-                <a:latin typeface="Calibri"/>
-              </a:rPr>
-              <a:t>{abstract}</a:t>
-            </a:r>
-          </a:p>
-          <a:p>
-            <a:pPr>
-              <a:defRPr/>
-            </a:pPr>
-            <a:r>
-              <a:rPr lang="en-US" sz="2000" u="sng" kern="0" dirty="0" err="1">
-                <a:solidFill>
-                  <a:srgbClr val="FF0000"/>
-                </a:solidFill>
-                <a:latin typeface="Calibri"/>
-              </a:rPr>
-              <a:t>classLevelOperation</a:t>
-            </a:r>
-            <a:endParaRPr lang="en-US" sz="2000" u="sng" kern="0" dirty="0">
-              <a:solidFill>
-                <a:srgbClr val="FF0000"/>
-              </a:solidFill>
-              <a:latin typeface="Calibri"/>
-            </a:endParaRPr>
-          </a:p>
-        </p:txBody>
-      </p:sp>
-      <p:sp>
-        <p:nvSpPr>
-          <p:cNvPr id="16" name="Rectangle 15"/>
-          <p:cNvSpPr/>
-          <p:nvPr/>
-        </p:nvSpPr>
-        <p:spPr>
-          <a:xfrm>
-            <a:off x="2514600" y="2367992"/>
-            <a:ext cx="1915296" cy="707886"/>
+            <a:off x="1674839" y="2142794"/>
+            <a:ext cx="1549007" cy="338554"/>
           </a:xfrm>
           <a:prstGeom prst="rect">
             <a:avLst/>
@@ -12980,44 +11414,33 @@
               <a:defRPr/>
             </a:pPr>
             <a:r>
-              <a:rPr lang="en-US" sz="2000" kern="0" dirty="0">
-                <a:solidFill>
-                  <a:srgbClr val="FF0000"/>
+              <a:rPr lang="en-US" sz="1600" kern="0" dirty="0">
+                <a:solidFill>
+                  <a:sysClr val="windowText" lastClr="000000"/>
                 </a:solidFill>
                 <a:latin typeface="Calibri"/>
               </a:rPr>
-              <a:t>&lt;&lt;interface&gt;&gt;</a:t>
-            </a:r>
-            <a:br>
-              <a:rPr lang="en-US" sz="2000" kern="0" dirty="0">
-                <a:solidFill>
-                  <a:srgbClr val="FF0000"/>
-                </a:solidFill>
-                <a:latin typeface="Calibri"/>
-              </a:rPr>
-            </a:br>
-            <a:r>
-              <a:rPr lang="en-US" sz="2000" kern="0" dirty="0">
-                <a:solidFill>
-                  <a:sysClr val="windowText" lastClr="000000"/>
-                </a:solidFill>
-                <a:latin typeface="Calibri"/>
-              </a:rPr>
-              <a:t>Interface name</a:t>
-            </a:r>
-          </a:p>
-        </p:txBody>
-      </p:sp>
-      <p:sp>
-        <p:nvSpPr>
-          <p:cNvPr id="17" name="Rectangle 16"/>
+              <a:t>EditCommand</a:t>
+            </a:r>
+          </a:p>
+        </p:txBody>
+      </p:sp>
+      <p:sp>
+        <p:nvSpPr>
+          <p:cNvPr id="22" name="Rectangle 21">
+            <a:extLst>
+              <a:ext uri="{FF2B5EF4-FFF2-40B4-BE49-F238E27FC236}">
+                <a16:creationId xmlns:a16="http://schemas.microsoft.com/office/drawing/2014/main" id="{F7EA9525-19A3-724A-BED1-F760B20E19B3}"/>
+              </a:ext>
+            </a:extLst>
+          </p:cNvPr>
           <p:cNvSpPr/>
           <p:nvPr/>
         </p:nvSpPr>
         <p:spPr>
           <a:xfrm>
-            <a:off x="1970902" y="3800804"/>
-            <a:ext cx="1299518" cy="400110"/>
+            <a:off x="1661554" y="3397467"/>
+            <a:ext cx="1549007" cy="338554"/>
           </a:xfrm>
           <a:prstGeom prst="rect">
             <a:avLst/>
@@ -13068,142 +11491,37 @@
           </a:bodyPr>
           <a:lstStyle/>
           <a:p>
-            <a:pPr>
+            <a:pPr algn="ctr">
               <a:defRPr/>
             </a:pPr>
             <a:r>
-              <a:rPr lang="en-US" sz="2000" kern="0" dirty="0">
+              <a:rPr lang="en-US" sz="1600" kern="0" dirty="0">
                 <a:solidFill>
                   <a:sysClr val="windowText" lastClr="000000"/>
                 </a:solidFill>
                 <a:latin typeface="Calibri"/>
               </a:rPr>
-              <a:t>Class 1</a:t>
-            </a:r>
-          </a:p>
-        </p:txBody>
-      </p:sp>
-      <p:sp>
-        <p:nvSpPr>
-          <p:cNvPr id="18" name="Isosceles Triangle 17"/>
+              <a:t>AddCommand</a:t>
+            </a:r>
+          </a:p>
+        </p:txBody>
+      </p:sp>
+      <p:sp>
+        <p:nvSpPr>
+          <p:cNvPr id="23" name="Rectangle 22">
+            <a:extLst>
+              <a:ext uri="{FF2B5EF4-FFF2-40B4-BE49-F238E27FC236}">
+                <a16:creationId xmlns:a16="http://schemas.microsoft.com/office/drawing/2014/main" id="{720FA069-D614-C848-9793-DA4EED180EC2}"/>
+              </a:ext>
+            </a:extLst>
+          </p:cNvPr>
           <p:cNvSpPr/>
           <p:nvPr/>
         </p:nvSpPr>
         <p:spPr>
           <a:xfrm>
-            <a:off x="3346620" y="3054193"/>
-            <a:ext cx="228600" cy="152400"/>
-          </a:xfrm>
-          <a:prstGeom prst="triangle">
-            <a:avLst/>
-          </a:prstGeom>
-          <a:solidFill>
-            <a:schemeClr val="bg1"/>
-          </a:solidFill>
-          <a:ln w="19050">
-            <a:solidFill>
-              <a:srgbClr val="FF0000"/>
-            </a:solidFill>
-          </a:ln>
-        </p:spPr>
-        <p:style>
-          <a:lnRef idx="2">
-            <a:schemeClr val="accent1">
-              <a:shade val="50000"/>
-            </a:schemeClr>
-          </a:lnRef>
-          <a:fillRef idx="1">
-            <a:schemeClr val="accent1"/>
-          </a:fillRef>
-          <a:effectRef idx="0">
-            <a:schemeClr val="accent1"/>
-          </a:effectRef>
-          <a:fontRef idx="minor">
-            <a:schemeClr val="lt1"/>
-          </a:fontRef>
-        </p:style>
-        <p:txBody>
-          <a:bodyPr rtlCol="0" anchor="ctr"/>
-          <a:lstStyle/>
-          <a:p>
-            <a:pPr algn="ctr" defTabSz="872733"/>
-            <a:endParaRPr lang="en-US" sz="2000">
-              <a:solidFill>
-                <a:prstClr val="black"/>
-              </a:solidFill>
-              <a:latin typeface="Calibri"/>
-            </a:endParaRPr>
-          </a:p>
-        </p:txBody>
-      </p:sp>
-      <p:cxnSp>
-        <p:nvCxnSpPr>
-          <p:cNvPr id="19" name="Elbow Connector 26"/>
-          <p:cNvCxnSpPr>
-            <a:stCxn id="17" idx="0"/>
-            <a:endCxn id="18" idx="3"/>
-          </p:cNvCxnSpPr>
-          <p:nvPr/>
-        </p:nvCxnSpPr>
-        <p:spPr>
-          <a:xfrm rot="5400000" flipH="1" flipV="1">
-            <a:off x="2743686" y="3083571"/>
-            <a:ext cx="594211" cy="840259"/>
-          </a:xfrm>
-          <a:prstGeom prst="bentConnector3">
-            <a:avLst>
-              <a:gd name="adj1" fmla="val 50000"/>
-            </a:avLst>
-          </a:prstGeom>
-          <a:noFill/>
-          <a:ln w="19050" cap="flat" cmpd="sng" algn="ctr">
-            <a:solidFill>
-              <a:srgbClr val="FF0000"/>
-            </a:solidFill>
-            <a:prstDash val="dash"/>
-          </a:ln>
-          <a:effectLst/>
-        </p:spPr>
-      </p:cxnSp>
-      <p:cxnSp>
-        <p:nvCxnSpPr>
-          <p:cNvPr id="20" name="Elbow Connector 26"/>
-          <p:cNvCxnSpPr>
-            <a:stCxn id="21" idx="0"/>
-            <a:endCxn id="18" idx="3"/>
-          </p:cNvCxnSpPr>
-          <p:nvPr/>
-        </p:nvCxnSpPr>
-        <p:spPr>
-          <a:xfrm rot="16200000" flipV="1">
-            <a:off x="3618442" y="3049073"/>
-            <a:ext cx="598329" cy="913370"/>
-          </a:xfrm>
-          <a:prstGeom prst="bentConnector3">
-            <a:avLst>
-              <a:gd name="adj1" fmla="val 50000"/>
-            </a:avLst>
-          </a:prstGeom>
-          <a:noFill/>
-          <a:ln w="19050" cap="flat" cmpd="sng" algn="ctr">
-            <a:solidFill>
-              <a:srgbClr val="FF0000"/>
-            </a:solidFill>
-            <a:prstDash val="dash"/>
-          </a:ln>
-          <a:effectLst/>
-        </p:spPr>
-      </p:cxnSp>
-      <p:sp>
-        <p:nvSpPr>
-          <p:cNvPr id="21" name="Rectangle 20"/>
-          <p:cNvSpPr/>
-          <p:nvPr/>
-        </p:nvSpPr>
-        <p:spPr>
-          <a:xfrm>
-            <a:off x="3737917" y="3804922"/>
-            <a:ext cx="1272747" cy="400110"/>
+            <a:off x="1520876" y="4313586"/>
+            <a:ext cx="1689685" cy="338554"/>
           </a:xfrm>
           <a:prstGeom prst="rect">
             <a:avLst/>
@@ -13254,50 +11572,411 @@
           </a:bodyPr>
           <a:lstStyle/>
           <a:p>
-            <a:pPr>
+            <a:pPr algn="ctr">
               <a:defRPr/>
             </a:pPr>
             <a:r>
-              <a:rPr lang="en-US" sz="2000" kern="0" dirty="0">
+              <a:rPr lang="en-US" sz="1600" kern="0" dirty="0">
                 <a:solidFill>
                   <a:sysClr val="windowText" lastClr="000000"/>
                 </a:solidFill>
                 <a:latin typeface="Calibri"/>
               </a:rPr>
-              <a:t>Class 2</a:t>
-            </a:r>
-          </a:p>
-        </p:txBody>
-      </p:sp>
-      <p:sp>
-        <p:nvSpPr>
-          <p:cNvPr id="22" name="Rounded Rectangular Callout 21"/>
+              <a:t>DeleteCommand</a:t>
+            </a:r>
+          </a:p>
+        </p:txBody>
+      </p:sp>
+      <p:cxnSp>
+        <p:nvCxnSpPr>
+          <p:cNvPr id="33" name="Straight Connector 32">
+            <a:extLst>
+              <a:ext uri="{FF2B5EF4-FFF2-40B4-BE49-F238E27FC236}">
+                <a16:creationId xmlns:a16="http://schemas.microsoft.com/office/drawing/2014/main" id="{0EC220E3-1063-874D-B419-0B801DAF72F0}"/>
+              </a:ext>
+            </a:extLst>
+          </p:cNvPr>
+          <p:cNvCxnSpPr>
+            <a:cxnSpLocks/>
+          </p:cNvCxnSpPr>
+          <p:nvPr/>
+        </p:nvCxnSpPr>
+        <p:spPr>
+          <a:xfrm>
+            <a:off x="3223846" y="1487517"/>
+            <a:ext cx="2003474" cy="21243"/>
+          </a:xfrm>
+          <a:prstGeom prst="line">
+            <a:avLst/>
+          </a:prstGeom>
+          <a:ln w="31750" cap="flat" cmpd="sng" algn="ctr">
+            <a:solidFill>
+              <a:schemeClr val="accent5"/>
+            </a:solidFill>
+            <a:prstDash val="dash"/>
+            <a:round/>
+            <a:headEnd type="none" w="med" len="med"/>
+            <a:tailEnd type="none" w="med" len="med"/>
+          </a:ln>
+        </p:spPr>
+        <p:style>
+          <a:lnRef idx="0">
+            <a:scrgbClr r="0" g="0" b="0"/>
+          </a:lnRef>
+          <a:fillRef idx="0">
+            <a:scrgbClr r="0" g="0" b="0"/>
+          </a:fillRef>
+          <a:effectRef idx="0">
+            <a:scrgbClr r="0" g="0" b="0"/>
+          </a:effectRef>
+          <a:fontRef idx="minor">
+            <a:schemeClr val="tx1"/>
+          </a:fontRef>
+        </p:style>
+      </p:cxnSp>
+      <p:cxnSp>
+        <p:nvCxnSpPr>
+          <p:cNvPr id="35" name="Straight Connector 34">
+            <a:extLst>
+              <a:ext uri="{FF2B5EF4-FFF2-40B4-BE49-F238E27FC236}">
+                <a16:creationId xmlns:a16="http://schemas.microsoft.com/office/drawing/2014/main" id="{E7BB6453-9C41-5142-B8F0-AD6CD7944182}"/>
+              </a:ext>
+            </a:extLst>
+          </p:cNvPr>
+          <p:cNvCxnSpPr>
+            <a:cxnSpLocks/>
+          </p:cNvCxnSpPr>
+          <p:nvPr/>
+        </p:nvCxnSpPr>
+        <p:spPr>
+          <a:xfrm>
+            <a:off x="2866726" y="2498412"/>
+            <a:ext cx="0" cy="304800"/>
+          </a:xfrm>
+          <a:prstGeom prst="line">
+            <a:avLst/>
+          </a:prstGeom>
+          <a:ln w="31750" cap="flat" cmpd="sng" algn="ctr">
+            <a:solidFill>
+              <a:schemeClr val="accent5"/>
+            </a:solidFill>
+            <a:prstDash val="dash"/>
+            <a:round/>
+            <a:headEnd type="none" w="med" len="med"/>
+            <a:tailEnd type="none" w="med" len="med"/>
+          </a:ln>
+        </p:spPr>
+        <p:style>
+          <a:lnRef idx="0">
+            <a:scrgbClr r="0" g="0" b="0"/>
+          </a:lnRef>
+          <a:fillRef idx="0">
+            <a:scrgbClr r="0" g="0" b="0"/>
+          </a:fillRef>
+          <a:effectRef idx="0">
+            <a:scrgbClr r="0" g="0" b="0"/>
+          </a:effectRef>
+          <a:fontRef idx="minor">
+            <a:schemeClr val="tx1"/>
+          </a:fontRef>
+        </p:style>
+      </p:cxnSp>
+      <p:cxnSp>
+        <p:nvCxnSpPr>
+          <p:cNvPr id="36" name="Straight Connector 35">
+            <a:extLst>
+              <a:ext uri="{FF2B5EF4-FFF2-40B4-BE49-F238E27FC236}">
+                <a16:creationId xmlns:a16="http://schemas.microsoft.com/office/drawing/2014/main" id="{21778073-1156-3944-A4E1-FECBBFBCEA3D}"/>
+              </a:ext>
+            </a:extLst>
+          </p:cNvPr>
+          <p:cNvCxnSpPr>
+            <a:cxnSpLocks/>
+          </p:cNvCxnSpPr>
+          <p:nvPr/>
+        </p:nvCxnSpPr>
+        <p:spPr>
+          <a:xfrm>
+            <a:off x="3223846" y="4480620"/>
+            <a:ext cx="1835834" cy="0"/>
+          </a:xfrm>
+          <a:prstGeom prst="line">
+            <a:avLst/>
+          </a:prstGeom>
+          <a:ln w="31750" cap="flat" cmpd="sng" algn="ctr">
+            <a:solidFill>
+              <a:schemeClr val="accent5"/>
+            </a:solidFill>
+            <a:prstDash val="dash"/>
+            <a:round/>
+            <a:headEnd type="none" w="med" len="med"/>
+            <a:tailEnd type="none" w="med" len="med"/>
+          </a:ln>
+        </p:spPr>
+        <p:style>
+          <a:lnRef idx="0">
+            <a:scrgbClr r="0" g="0" b="0"/>
+          </a:lnRef>
+          <a:fillRef idx="0">
+            <a:scrgbClr r="0" g="0" b="0"/>
+          </a:fillRef>
+          <a:effectRef idx="0">
+            <a:scrgbClr r="0" g="0" b="0"/>
+          </a:effectRef>
+          <a:fontRef idx="minor">
+            <a:schemeClr val="tx1"/>
+          </a:fontRef>
+        </p:style>
+      </p:cxnSp>
+      <p:cxnSp>
+        <p:nvCxnSpPr>
+          <p:cNvPr id="41" name="Straight Connector 40">
+            <a:extLst>
+              <a:ext uri="{FF2B5EF4-FFF2-40B4-BE49-F238E27FC236}">
+                <a16:creationId xmlns:a16="http://schemas.microsoft.com/office/drawing/2014/main" id="{2CC1BE23-A84D-A346-B2E4-FBDA1039E381}"/>
+              </a:ext>
+            </a:extLst>
+          </p:cNvPr>
+          <p:cNvCxnSpPr>
+            <a:cxnSpLocks/>
+          </p:cNvCxnSpPr>
+          <p:nvPr/>
+        </p:nvCxnSpPr>
+        <p:spPr>
+          <a:xfrm flipH="1">
+            <a:off x="2866726" y="2853089"/>
+            <a:ext cx="1763019" cy="0"/>
+          </a:xfrm>
+          <a:prstGeom prst="line">
+            <a:avLst/>
+          </a:prstGeom>
+          <a:ln w="31750" cap="flat" cmpd="sng" algn="ctr">
+            <a:solidFill>
+              <a:schemeClr val="accent5"/>
+            </a:solidFill>
+            <a:prstDash val="dash"/>
+            <a:round/>
+            <a:headEnd type="triangle" w="med" len="med"/>
+            <a:tailEnd type="none" w="med" len="med"/>
+          </a:ln>
+        </p:spPr>
+        <p:style>
+          <a:lnRef idx="0">
+            <a:scrgbClr r="0" g="0" b="0"/>
+          </a:lnRef>
+          <a:fillRef idx="0">
+            <a:scrgbClr r="0" g="0" b="0"/>
+          </a:fillRef>
+          <a:effectRef idx="0">
+            <a:scrgbClr r="0" g="0" b="0"/>
+          </a:effectRef>
+          <a:fontRef idx="minor">
+            <a:schemeClr val="tx1"/>
+          </a:fontRef>
+        </p:style>
+      </p:cxnSp>
+      <p:cxnSp>
+        <p:nvCxnSpPr>
+          <p:cNvPr id="42" name="Straight Connector 41">
+            <a:extLst>
+              <a:ext uri="{FF2B5EF4-FFF2-40B4-BE49-F238E27FC236}">
+                <a16:creationId xmlns:a16="http://schemas.microsoft.com/office/drawing/2014/main" id="{EF85AFCE-1F95-0A49-A1FF-C57604B62C84}"/>
+              </a:ext>
+            </a:extLst>
+          </p:cNvPr>
+          <p:cNvCxnSpPr>
+            <a:cxnSpLocks/>
+          </p:cNvCxnSpPr>
+          <p:nvPr/>
+        </p:nvCxnSpPr>
+        <p:spPr>
+          <a:xfrm flipV="1">
+            <a:off x="5227320" y="1508760"/>
+            <a:ext cx="0" cy="1111572"/>
+          </a:xfrm>
+          <a:prstGeom prst="line">
+            <a:avLst/>
+          </a:prstGeom>
+          <a:ln w="31750" cap="flat" cmpd="sng" algn="ctr">
+            <a:solidFill>
+              <a:schemeClr val="accent5"/>
+            </a:solidFill>
+            <a:prstDash val="dash"/>
+            <a:round/>
+            <a:headEnd type="triangle" w="med" len="med"/>
+            <a:tailEnd type="none" w="med" len="med"/>
+          </a:ln>
+        </p:spPr>
+        <p:style>
+          <a:lnRef idx="0">
+            <a:scrgbClr r="0" g="0" b="0"/>
+          </a:lnRef>
+          <a:fillRef idx="0">
+            <a:scrgbClr r="0" g="0" b="0"/>
+          </a:fillRef>
+          <a:effectRef idx="0">
+            <a:scrgbClr r="0" g="0" b="0"/>
+          </a:effectRef>
+          <a:fontRef idx="minor">
+            <a:schemeClr val="tx1"/>
+          </a:fontRef>
+        </p:style>
+      </p:cxnSp>
+      <p:cxnSp>
+        <p:nvCxnSpPr>
+          <p:cNvPr id="53" name="Straight Connector 52">
+            <a:extLst>
+              <a:ext uri="{FF2B5EF4-FFF2-40B4-BE49-F238E27FC236}">
+                <a16:creationId xmlns:a16="http://schemas.microsoft.com/office/drawing/2014/main" id="{9DECD580-8C0C-1F49-BA3A-477CD74988AB}"/>
+              </a:ext>
+            </a:extLst>
+          </p:cNvPr>
+          <p:cNvCxnSpPr>
+            <a:cxnSpLocks/>
+            <a:stCxn id="5" idx="1"/>
+          </p:cNvCxnSpPr>
+          <p:nvPr/>
+        </p:nvCxnSpPr>
+        <p:spPr>
+          <a:xfrm flipH="1" flipV="1">
+            <a:off x="3223846" y="3536451"/>
+            <a:ext cx="1405899" cy="30294"/>
+          </a:xfrm>
+          <a:prstGeom prst="line">
+            <a:avLst/>
+          </a:prstGeom>
+          <a:ln w="31750" cap="flat" cmpd="sng" algn="ctr">
+            <a:solidFill>
+              <a:schemeClr val="accent5"/>
+            </a:solidFill>
+            <a:prstDash val="dash"/>
+            <a:round/>
+            <a:headEnd type="triangle" w="med" len="med"/>
+            <a:tailEnd type="none" w="med" len="med"/>
+          </a:ln>
+        </p:spPr>
+        <p:style>
+          <a:lnRef idx="0">
+            <a:scrgbClr r="0" g="0" b="0"/>
+          </a:lnRef>
+          <a:fillRef idx="0">
+            <a:scrgbClr r="0" g="0" b="0"/>
+          </a:fillRef>
+          <a:effectRef idx="0">
+            <a:scrgbClr r="0" g="0" b="0"/>
+          </a:effectRef>
+          <a:fontRef idx="minor">
+            <a:schemeClr val="tx1"/>
+          </a:fontRef>
+        </p:style>
+      </p:cxnSp>
+      <p:cxnSp>
+        <p:nvCxnSpPr>
+          <p:cNvPr id="55" name="Straight Connector 54">
+            <a:extLst>
+              <a:ext uri="{FF2B5EF4-FFF2-40B4-BE49-F238E27FC236}">
+                <a16:creationId xmlns:a16="http://schemas.microsoft.com/office/drawing/2014/main" id="{DA278E89-72D4-B546-B308-BA340CFDEA2F}"/>
+              </a:ext>
+            </a:extLst>
+          </p:cNvPr>
+          <p:cNvCxnSpPr>
+            <a:cxnSpLocks/>
+          </p:cNvCxnSpPr>
+          <p:nvPr/>
+        </p:nvCxnSpPr>
+        <p:spPr>
+          <a:xfrm>
+            <a:off x="5063037" y="3917429"/>
+            <a:ext cx="0" cy="563191"/>
+          </a:xfrm>
+          <a:prstGeom prst="line">
+            <a:avLst/>
+          </a:prstGeom>
+          <a:ln w="31750" cap="flat" cmpd="sng" algn="ctr">
+            <a:solidFill>
+              <a:schemeClr val="accent5"/>
+            </a:solidFill>
+            <a:prstDash val="dash"/>
+            <a:round/>
+            <a:headEnd type="triangle" w="med" len="med"/>
+            <a:tailEnd type="none" w="med" len="med"/>
+          </a:ln>
+        </p:spPr>
+        <p:style>
+          <a:lnRef idx="0">
+            <a:scrgbClr r="0" g="0" b="0"/>
+          </a:lnRef>
+          <a:fillRef idx="0">
+            <a:scrgbClr r="0" g="0" b="0"/>
+          </a:fillRef>
+          <a:effectRef idx="0">
+            <a:scrgbClr r="0" g="0" b="0"/>
+          </a:effectRef>
+          <a:fontRef idx="minor">
+            <a:schemeClr val="tx1"/>
+          </a:fontRef>
+        </p:style>
+      </p:cxnSp>
+      <p:sp>
+        <p:nvSpPr>
+          <p:cNvPr id="60" name="TextBox 59">
+            <a:extLst>
+              <a:ext uri="{FF2B5EF4-FFF2-40B4-BE49-F238E27FC236}">
+                <a16:creationId xmlns:a16="http://schemas.microsoft.com/office/drawing/2014/main" id="{4AAA9C51-C8B2-5947-A252-5B21A1440836}"/>
+              </a:ext>
+            </a:extLst>
+          </p:cNvPr>
+          <p:cNvSpPr txBox="1"/>
+          <p:nvPr/>
+        </p:nvSpPr>
+        <p:spPr>
+          <a:xfrm>
+            <a:off x="3354264" y="4526207"/>
+            <a:ext cx="1405900" cy="307777"/>
+          </a:xfrm>
+          <a:prstGeom prst="rect">
+            <a:avLst/>
+          </a:prstGeom>
+          <a:noFill/>
+        </p:spPr>
+        <p:txBody>
+          <a:bodyPr wrap="square" rtlCol="0">
+            <a:spAutoFit/>
+          </a:bodyPr>
+          <a:lstStyle/>
+          <a:p>
+            <a:r>
+              <a:rPr lang="en-US" sz="1400" dirty="0"/>
+              <a:t> overwrites with</a:t>
+            </a:r>
+          </a:p>
+        </p:txBody>
+      </p:sp>
+      <p:sp>
+        <p:nvSpPr>
+          <p:cNvPr id="61" name="Isosceles Triangle 1">
+            <a:extLst>
+              <a:ext uri="{FF2B5EF4-FFF2-40B4-BE49-F238E27FC236}">
+                <a16:creationId xmlns:a16="http://schemas.microsoft.com/office/drawing/2014/main" id="{14849D09-D4CA-0A49-A2C4-CC4296DE465F}"/>
+              </a:ext>
+            </a:extLst>
+          </p:cNvPr>
           <p:cNvSpPr/>
           <p:nvPr/>
         </p:nvSpPr>
         <p:spPr>
-          <a:xfrm>
-            <a:off x="3313330" y="1746625"/>
-            <a:ext cx="1396653" cy="442674"/>
-          </a:xfrm>
-          <a:prstGeom prst="wedgeRoundRectCallout">
-            <a:avLst>
-              <a:gd name="adj1" fmla="val -21302"/>
-              <a:gd name="adj2" fmla="val 80549"/>
-              <a:gd name="adj3" fmla="val 16667"/>
-            </a:avLst>
+          <a:xfrm rot="5400000">
+            <a:off x="4680955" y="4635972"/>
+            <a:ext cx="158418" cy="119022"/>
+          </a:xfrm>
+          <a:prstGeom prst="triangle">
+            <a:avLst/>
           </a:prstGeom>
           <a:solidFill>
-            <a:schemeClr val="accent1">
-              <a:lumMod val="20000"/>
-              <a:lumOff val="80000"/>
-            </a:schemeClr>
+            <a:schemeClr val="tx1"/>
           </a:solidFill>
-          <a:ln w="9525">
+          <a:ln>
             <a:noFill/>
-            <a:prstDash val="sysDash"/>
-            <a:headEnd type="none" w="med" len="med"/>
-            <a:tailEnd type="arrow" w="med" len="med"/>
           </a:ln>
         </p:spPr>
         <p:style>
@@ -13317,49 +11996,79 @@
           </a:fontRef>
         </p:style>
         <p:txBody>
-          <a:bodyPr wrap="square" rtlCol="0" anchor="ctr">
+          <a:bodyPr rtlCol="0" anchor="ctr"/>
+          <a:lstStyle/>
+          <a:p>
+            <a:pPr algn="ctr"/>
+            <a:endParaRPr lang="en-US">
+              <a:solidFill>
+                <a:prstClr val="white"/>
+              </a:solidFill>
+              <a:latin typeface="Calibri"/>
+            </a:endParaRPr>
+          </a:p>
+        </p:txBody>
+      </p:sp>
+      <p:sp>
+        <p:nvSpPr>
+          <p:cNvPr id="62" name="TextBox 61">
+            <a:extLst>
+              <a:ext uri="{FF2B5EF4-FFF2-40B4-BE49-F238E27FC236}">
+                <a16:creationId xmlns:a16="http://schemas.microsoft.com/office/drawing/2014/main" id="{93125F8D-E1F4-5B47-B4B7-DDDE0129FE0E}"/>
+              </a:ext>
+            </a:extLst>
+          </p:cNvPr>
+          <p:cNvSpPr txBox="1"/>
+          <p:nvPr/>
+        </p:nvSpPr>
+        <p:spPr>
+          <a:xfrm>
+            <a:off x="3438670" y="1170846"/>
+            <a:ext cx="1405900" cy="307777"/>
+          </a:xfrm>
+          <a:prstGeom prst="rect">
+            <a:avLst/>
+          </a:prstGeom>
+          <a:noFill/>
+        </p:spPr>
+        <p:txBody>
+          <a:bodyPr wrap="square" rtlCol="0">
             <a:spAutoFit/>
           </a:bodyPr>
           <a:lstStyle/>
           <a:p>
-            <a:pPr algn="ctr" defTabSz="872733"/>
-            <a:r>
-              <a:rPr lang="en-US" sz="2000" b="1" dirty="0">
-                <a:solidFill>
-                  <a:prstClr val="black"/>
-                </a:solidFill>
-                <a:latin typeface="Calibri"/>
-              </a:rPr>
-              <a:t>interfaces</a:t>
-            </a:r>
-          </a:p>
-        </p:txBody>
-      </p:sp>
-      <p:sp>
-        <p:nvSpPr>
-          <p:cNvPr id="23" name="Rounded Rectangular Callout 22"/>
+            <a:r>
+              <a:rPr lang="en-US" sz="1400" dirty="0"/>
+              <a:t> overwrites with</a:t>
+            </a:r>
+          </a:p>
+        </p:txBody>
+      </p:sp>
+      <p:sp>
+        <p:nvSpPr>
+          <p:cNvPr id="63" name="Isosceles Triangle 1">
+            <a:extLst>
+              <a:ext uri="{FF2B5EF4-FFF2-40B4-BE49-F238E27FC236}">
+                <a16:creationId xmlns:a16="http://schemas.microsoft.com/office/drawing/2014/main" id="{2BFC84BF-5A9B-FD4A-98E1-6D0EA092F154}"/>
+              </a:ext>
+            </a:extLst>
+          </p:cNvPr>
           <p:cNvSpPr/>
           <p:nvPr/>
         </p:nvSpPr>
         <p:spPr>
-          <a:xfrm>
-            <a:off x="7146325" y="222135"/>
-            <a:ext cx="3274541" cy="442674"/>
-          </a:xfrm>
-          <a:prstGeom prst="wedgeRoundRectCallout">
+          <a:xfrm rot="5400000">
+            <a:off x="4765361" y="1280611"/>
+            <a:ext cx="158418" cy="119022"/>
+          </a:xfrm>
+          <a:prstGeom prst="triangle">
             <a:avLst/>
           </a:prstGeom>
           <a:solidFill>
-            <a:schemeClr val="accent1">
-              <a:lumMod val="20000"/>
-              <a:lumOff val="80000"/>
-            </a:schemeClr>
+            <a:schemeClr val="tx1"/>
           </a:solidFill>
-          <a:ln w="9525">
+          <a:ln>
             <a:noFill/>
-            <a:prstDash val="sysDash"/>
-            <a:headEnd type="none" w="med" len="med"/>
-            <a:tailEnd type="arrow" w="med" len="med"/>
           </a:ln>
         </p:spPr>
         <p:style>
@@ -13379,34 +12088,318 @@
           </a:fontRef>
         </p:style>
         <p:txBody>
+          <a:bodyPr rtlCol="0" anchor="ctr"/>
+          <a:lstStyle/>
+          <a:p>
+            <a:pPr algn="ctr"/>
+            <a:endParaRPr lang="en-US">
+              <a:solidFill>
+                <a:prstClr val="white"/>
+              </a:solidFill>
+              <a:latin typeface="Calibri"/>
+            </a:endParaRPr>
+          </a:p>
+        </p:txBody>
+      </p:sp>
+      <p:sp>
+        <p:nvSpPr>
+          <p:cNvPr id="64" name="TextBox 63">
+            <a:extLst>
+              <a:ext uri="{FF2B5EF4-FFF2-40B4-BE49-F238E27FC236}">
+                <a16:creationId xmlns:a16="http://schemas.microsoft.com/office/drawing/2014/main" id="{6FDBD828-D440-1040-9109-3DB35C4EA2D7}"/>
+              </a:ext>
+            </a:extLst>
+          </p:cNvPr>
+          <p:cNvSpPr txBox="1"/>
+          <p:nvPr/>
+        </p:nvSpPr>
+        <p:spPr>
+          <a:xfrm>
+            <a:off x="3030331" y="2512125"/>
+            <a:ext cx="1405900" cy="307777"/>
+          </a:xfrm>
+          <a:prstGeom prst="rect">
+            <a:avLst/>
+          </a:prstGeom>
+          <a:noFill/>
+        </p:spPr>
+        <p:txBody>
+          <a:bodyPr wrap="square" rtlCol="0">
+            <a:spAutoFit/>
+          </a:bodyPr>
+          <a:lstStyle/>
+          <a:p>
+            <a:r>
+              <a:rPr lang="en-US" sz="1400" dirty="0"/>
+              <a:t> overwrites with</a:t>
+            </a:r>
+          </a:p>
+        </p:txBody>
+      </p:sp>
+      <p:sp>
+        <p:nvSpPr>
+          <p:cNvPr id="65" name="Isosceles Triangle 1">
+            <a:extLst>
+              <a:ext uri="{FF2B5EF4-FFF2-40B4-BE49-F238E27FC236}">
+                <a16:creationId xmlns:a16="http://schemas.microsoft.com/office/drawing/2014/main" id="{1363F583-EFB0-EA4E-8951-06481C6B75C7}"/>
+              </a:ext>
+            </a:extLst>
+          </p:cNvPr>
+          <p:cNvSpPr/>
+          <p:nvPr/>
+        </p:nvSpPr>
+        <p:spPr>
+          <a:xfrm rot="5400000">
+            <a:off x="4357022" y="2621890"/>
+            <a:ext cx="158418" cy="119022"/>
+          </a:xfrm>
+          <a:prstGeom prst="triangle">
+            <a:avLst/>
+          </a:prstGeom>
+          <a:solidFill>
+            <a:schemeClr val="tx1"/>
+          </a:solidFill>
+          <a:ln>
+            <a:noFill/>
+          </a:ln>
+        </p:spPr>
+        <p:style>
+          <a:lnRef idx="2">
+            <a:schemeClr val="accent1">
+              <a:shade val="50000"/>
+            </a:schemeClr>
+          </a:lnRef>
+          <a:fillRef idx="1">
+            <a:schemeClr val="accent1"/>
+          </a:fillRef>
+          <a:effectRef idx="0">
+            <a:schemeClr val="accent1"/>
+          </a:effectRef>
+          <a:fontRef idx="minor">
+            <a:schemeClr val="lt1"/>
+          </a:fontRef>
+        </p:style>
+        <p:txBody>
+          <a:bodyPr rtlCol="0" anchor="ctr"/>
+          <a:lstStyle/>
+          <a:p>
+            <a:pPr algn="ctr"/>
+            <a:endParaRPr lang="en-US">
+              <a:solidFill>
+                <a:prstClr val="white"/>
+              </a:solidFill>
+              <a:latin typeface="Calibri"/>
+            </a:endParaRPr>
+          </a:p>
+        </p:txBody>
+      </p:sp>
+      <p:sp>
+        <p:nvSpPr>
+          <p:cNvPr id="66" name="TextBox 65">
+            <a:extLst>
+              <a:ext uri="{FF2B5EF4-FFF2-40B4-BE49-F238E27FC236}">
+                <a16:creationId xmlns:a16="http://schemas.microsoft.com/office/drawing/2014/main" id="{FB584701-DBB3-1441-9490-27147A9E5B29}"/>
+              </a:ext>
+            </a:extLst>
+          </p:cNvPr>
+          <p:cNvSpPr txBox="1"/>
+          <p:nvPr/>
+        </p:nvSpPr>
+        <p:spPr>
+          <a:xfrm>
+            <a:off x="3141027" y="3562017"/>
+            <a:ext cx="1405900" cy="307777"/>
+          </a:xfrm>
+          <a:prstGeom prst="rect">
+            <a:avLst/>
+          </a:prstGeom>
+          <a:noFill/>
+        </p:spPr>
+        <p:txBody>
+          <a:bodyPr wrap="square" rtlCol="0">
+            <a:spAutoFit/>
+          </a:bodyPr>
+          <a:lstStyle/>
+          <a:p>
+            <a:r>
+              <a:rPr lang="en-US" sz="1400" dirty="0"/>
+              <a:t> overwrites with</a:t>
+            </a:r>
+          </a:p>
+        </p:txBody>
+      </p:sp>
+      <p:sp>
+        <p:nvSpPr>
+          <p:cNvPr id="67" name="Isosceles Triangle 1">
+            <a:extLst>
+              <a:ext uri="{FF2B5EF4-FFF2-40B4-BE49-F238E27FC236}">
+                <a16:creationId xmlns:a16="http://schemas.microsoft.com/office/drawing/2014/main" id="{E50666E5-E52B-6349-A275-8318BD47B4C5}"/>
+              </a:ext>
+            </a:extLst>
+          </p:cNvPr>
+          <p:cNvSpPr/>
+          <p:nvPr/>
+        </p:nvSpPr>
+        <p:spPr>
+          <a:xfrm rot="5400000">
+            <a:off x="4467718" y="3671782"/>
+            <a:ext cx="158418" cy="119022"/>
+          </a:xfrm>
+          <a:prstGeom prst="triangle">
+            <a:avLst/>
+          </a:prstGeom>
+          <a:solidFill>
+            <a:schemeClr val="tx1"/>
+          </a:solidFill>
+          <a:ln>
+            <a:noFill/>
+          </a:ln>
+        </p:spPr>
+        <p:style>
+          <a:lnRef idx="2">
+            <a:schemeClr val="accent1">
+              <a:shade val="50000"/>
+            </a:schemeClr>
+          </a:lnRef>
+          <a:fillRef idx="1">
+            <a:schemeClr val="accent1"/>
+          </a:fillRef>
+          <a:effectRef idx="0">
+            <a:schemeClr val="accent1"/>
+          </a:effectRef>
+          <a:fontRef idx="minor">
+            <a:schemeClr val="lt1"/>
+          </a:fontRef>
+        </p:style>
+        <p:txBody>
+          <a:bodyPr rtlCol="0" anchor="ctr"/>
+          <a:lstStyle/>
+          <a:p>
+            <a:pPr algn="ctr"/>
+            <a:endParaRPr lang="en-US">
+              <a:solidFill>
+                <a:prstClr val="white"/>
+              </a:solidFill>
+              <a:latin typeface="Calibri"/>
+            </a:endParaRPr>
+          </a:p>
+        </p:txBody>
+      </p:sp>
+    </p:spTree>
+    <p:extLst>
+      <p:ext uri="{BB962C8B-B14F-4D97-AF65-F5344CB8AC3E}">
+        <p14:creationId xmlns:p14="http://schemas.microsoft.com/office/powerpoint/2010/main" val="2326124704"/>
+      </p:ext>
+    </p:extLst>
+  </p:cSld>
+  <p:clrMapOvr>
+    <a:masterClrMapping/>
+  </p:clrMapOvr>
+</p:sld>
+</file>
+
+<file path=ppt/slides/slide11.xml><?xml version="1.0" encoding="utf-8"?>
+<p:sld xmlns:a="http://schemas.openxmlformats.org/drawingml/2006/main" xmlns:r="http://schemas.openxmlformats.org/officeDocument/2006/relationships" xmlns:p="http://schemas.openxmlformats.org/presentationml/2006/main">
+  <p:cSld>
+    <p:spTree>
+      <p:nvGrpSpPr>
+        <p:cNvPr id="1" name=""/>
+        <p:cNvGrpSpPr/>
+        <p:nvPr/>
+      </p:nvGrpSpPr>
+      <p:grpSpPr>
+        <a:xfrm>
+          <a:off x="0" y="0"/>
+          <a:ext cx="0" cy="0"/>
+          <a:chOff x="0" y="0"/>
+          <a:chExt cx="0" cy="0"/>
+        </a:xfrm>
+      </p:grpSpPr>
+      <p:sp>
+        <p:nvSpPr>
+          <p:cNvPr id="3075" name="Rectangle 2"/>
+          <p:cNvSpPr>
+            <a:spLocks noGrp="1" noChangeArrowheads="1"/>
+          </p:cNvSpPr>
+          <p:nvPr>
+            <p:ph type="title"/>
+          </p:nvPr>
+        </p:nvSpPr>
+        <p:spPr/>
+        <p:txBody>
+          <a:bodyPr vert="horz" lIns="87273" tIns="43637" rIns="87273" bIns="43637" rtlCol="0" anchor="ctr">
+            <a:normAutofit/>
+          </a:bodyPr>
+          <a:lstStyle/>
+          <a:p>
+            <a:r>
+              <a:rPr lang="en-US" dirty="0"/>
+              <a:t>Class diagrams</a:t>
+            </a:r>
+          </a:p>
+        </p:txBody>
+      </p:sp>
+      <p:sp>
+        <p:nvSpPr>
+          <p:cNvPr id="45" name="Rectangle 44"/>
+          <p:cNvSpPr/>
+          <p:nvPr/>
+        </p:nvSpPr>
+        <p:spPr>
+          <a:xfrm>
+            <a:off x="1840256" y="2336430"/>
+            <a:ext cx="1600200" cy="400110"/>
+          </a:xfrm>
+          <a:prstGeom prst="rect">
+            <a:avLst/>
+          </a:prstGeom>
+          <a:ln w="19050"/>
+        </p:spPr>
+        <p:style>
+          <a:lnRef idx="1">
+            <a:schemeClr val="accent6"/>
+          </a:lnRef>
+          <a:fillRef idx="2">
+            <a:schemeClr val="accent6"/>
+          </a:fillRef>
+          <a:effectRef idx="1">
+            <a:schemeClr val="accent6"/>
+          </a:effectRef>
+          <a:fontRef idx="minor">
+            <a:schemeClr val="dk1"/>
+          </a:fontRef>
+        </p:style>
+        <p:txBody>
           <a:bodyPr wrap="square" rtlCol="0" anchor="ctr">
             <a:spAutoFit/>
           </a:bodyPr>
           <a:lstStyle/>
           <a:p>
-            <a:pPr algn="ctr" defTabSz="872733"/>
-            <a:r>
-              <a:rPr lang="en-US" sz="2000" b="1" dirty="0">
-                <a:solidFill>
-                  <a:prstClr val="black"/>
+            <a:pPr algn="ctr">
+              <a:defRPr/>
+            </a:pPr>
+            <a:r>
+              <a:rPr lang="en-US" sz="2000" kern="0" dirty="0">
+                <a:solidFill>
+                  <a:sysClr val="windowText" lastClr="000000"/>
                 </a:solidFill>
                 <a:latin typeface="Calibri"/>
               </a:rPr>
-              <a:t>abstract/ static</a:t>
-            </a:r>
-          </a:p>
-        </p:txBody>
-      </p:sp>
-      <p:sp>
-        <p:nvSpPr>
-          <p:cNvPr id="24" name="Rectangle 23"/>
+              <a:t>Class A</a:t>
+            </a:r>
+          </a:p>
+        </p:txBody>
+      </p:sp>
+      <p:sp>
+        <p:nvSpPr>
+          <p:cNvPr id="48" name="Rectangle 47"/>
           <p:cNvSpPr/>
           <p:nvPr/>
         </p:nvSpPr>
         <p:spPr>
           <a:xfrm>
-            <a:off x="6172200" y="4267200"/>
-            <a:ext cx="1153298" cy="400110"/>
+            <a:off x="9192526" y="2336430"/>
+            <a:ext cx="1295400" cy="400110"/>
           </a:xfrm>
           <a:prstGeom prst="rect">
             <a:avLst/>
@@ -13443,21 +12436,385 @@
                 </a:solidFill>
                 <a:latin typeface="Calibri"/>
               </a:rPr>
-              <a:t>Class A</a:t>
-            </a:r>
-          </a:p>
-        </p:txBody>
-      </p:sp>
-      <p:sp>
-        <p:nvSpPr>
-          <p:cNvPr id="25" name="Rectangle 24"/>
+              <a:t>Class B</a:t>
+            </a:r>
+          </a:p>
+        </p:txBody>
+      </p:sp>
+      <p:cxnSp>
+        <p:nvCxnSpPr>
+          <p:cNvPr id="51" name="Elbow Connector 50"/>
+          <p:cNvCxnSpPr>
+            <a:stCxn id="45" idx="3"/>
+            <a:endCxn id="48" idx="1"/>
+          </p:cNvCxnSpPr>
+          <p:nvPr/>
+        </p:nvCxnSpPr>
+        <p:spPr>
+          <a:xfrm>
+            <a:off x="3440456" y="2536485"/>
+            <a:ext cx="5752070" cy="1588"/>
+          </a:xfrm>
+          <a:prstGeom prst="bentConnector3">
+            <a:avLst>
+              <a:gd name="adj1" fmla="val 50000"/>
+            </a:avLst>
+          </a:prstGeom>
+          <a:noFill/>
+          <a:ln w="19050" cap="flat" cmpd="sng" algn="ctr">
+            <a:solidFill>
+              <a:srgbClr val="FF0000"/>
+            </a:solidFill>
+            <a:prstDash val="solid"/>
+            <a:headEnd type="none" w="med" len="med"/>
+            <a:tailEnd type="none" w="med" len="med"/>
+          </a:ln>
+          <a:effectLst/>
+        </p:spPr>
+      </p:cxnSp>
+      <p:sp>
+        <p:nvSpPr>
+          <p:cNvPr id="67" name="TextBox 66"/>
+          <p:cNvSpPr txBox="1"/>
+          <p:nvPr/>
+        </p:nvSpPr>
+        <p:spPr>
+          <a:xfrm>
+            <a:off x="3415262" y="2162544"/>
+            <a:ext cx="1878230" cy="400110"/>
+          </a:xfrm>
+          <a:prstGeom prst="rect">
+            <a:avLst/>
+          </a:prstGeom>
+          <a:noFill/>
+        </p:spPr>
+        <p:txBody>
+          <a:bodyPr wrap="square" rtlCol="0">
+            <a:spAutoFit/>
+          </a:bodyPr>
+          <a:lstStyle/>
+          <a:p>
+            <a:pPr>
+              <a:defRPr/>
+            </a:pPr>
+            <a:r>
+              <a:rPr lang="en-US" sz="2000" kern="0" dirty="0">
+                <a:solidFill>
+                  <a:sysClr val="windowText" lastClr="000000"/>
+                </a:solidFill>
+                <a:latin typeface="Calibri"/>
+              </a:rPr>
+              <a:t>multiplicity of A</a:t>
+            </a:r>
+          </a:p>
+        </p:txBody>
+      </p:sp>
+      <p:sp>
+        <p:nvSpPr>
+          <p:cNvPr id="71" name="TextBox 70"/>
+          <p:cNvSpPr txBox="1"/>
+          <p:nvPr/>
+        </p:nvSpPr>
+        <p:spPr>
+          <a:xfrm>
+            <a:off x="5545227" y="2160290"/>
+            <a:ext cx="2195381" cy="400110"/>
+          </a:xfrm>
+          <a:prstGeom prst="rect">
+            <a:avLst/>
+          </a:prstGeom>
+          <a:noFill/>
+        </p:spPr>
+        <p:txBody>
+          <a:bodyPr wrap="square" rtlCol="0">
+            <a:spAutoFit/>
+          </a:bodyPr>
+          <a:lstStyle/>
+          <a:p>
+            <a:pPr>
+              <a:defRPr/>
+            </a:pPr>
+            <a:r>
+              <a:rPr lang="en-US" sz="2000" kern="0" dirty="0">
+                <a:solidFill>
+                  <a:sysClr val="windowText" lastClr="000000"/>
+                </a:solidFill>
+                <a:latin typeface="Calibri"/>
+              </a:rPr>
+              <a:t>association label </a:t>
+            </a:r>
+          </a:p>
+        </p:txBody>
+      </p:sp>
+      <p:sp>
+        <p:nvSpPr>
+          <p:cNvPr id="73" name="Rectangle 72"/>
           <p:cNvSpPr/>
           <p:nvPr/>
         </p:nvSpPr>
         <p:spPr>
           <a:xfrm>
-            <a:off x="8697098" y="4267200"/>
-            <a:ext cx="1268626" cy="400110"/>
+            <a:off x="7920578" y="3369414"/>
+            <a:ext cx="2362200" cy="707886"/>
+          </a:xfrm>
+          <a:prstGeom prst="rect">
+            <a:avLst/>
+          </a:prstGeom>
+          <a:ln w="19050"/>
+        </p:spPr>
+        <p:style>
+          <a:lnRef idx="1">
+            <a:schemeClr val="accent4"/>
+          </a:lnRef>
+          <a:fillRef idx="2">
+            <a:schemeClr val="accent4"/>
+          </a:fillRef>
+          <a:effectRef idx="1">
+            <a:schemeClr val="accent4"/>
+          </a:effectRef>
+          <a:fontRef idx="minor">
+            <a:schemeClr val="dk1"/>
+          </a:fontRef>
+        </p:style>
+        <p:txBody>
+          <a:bodyPr wrap="square" rtlCol="0" anchor="ctr">
+            <a:spAutoFit/>
+          </a:bodyPr>
+          <a:lstStyle/>
+          <a:p>
+            <a:pPr algn="ctr" defTabSz="872733">
+              <a:defRPr/>
+            </a:pPr>
+            <a:r>
+              <a:rPr lang="en-US" sz="2000" kern="0" dirty="0">
+                <a:solidFill>
+                  <a:srgbClr val="FF0000"/>
+                </a:solidFill>
+                <a:latin typeface="Calibri"/>
+              </a:rPr>
+              <a:t>&lt;&lt;enumeration&gt;&gt;</a:t>
+            </a:r>
+            <a:br>
+              <a:rPr lang="en-US" sz="2000" kern="0" dirty="0">
+                <a:solidFill>
+                  <a:srgbClr val="FF0000"/>
+                </a:solidFill>
+                <a:latin typeface="Calibri"/>
+              </a:rPr>
+            </a:br>
+            <a:r>
+              <a:rPr lang="en-US" sz="2000" kern="0" dirty="0">
+                <a:solidFill>
+                  <a:sysClr val="windowText" lastClr="000000"/>
+                </a:solidFill>
+                <a:latin typeface="Calibri"/>
+              </a:rPr>
+              <a:t> </a:t>
+            </a:r>
+            <a:r>
+              <a:rPr lang="en-US" sz="2000" kern="0" dirty="0" err="1">
+                <a:solidFill>
+                  <a:sysClr val="windowText" lastClr="000000"/>
+                </a:solidFill>
+                <a:latin typeface="Calibri"/>
+              </a:rPr>
+              <a:t>EnumerationName</a:t>
+            </a:r>
+            <a:endParaRPr lang="en-US" sz="2000" kern="0" dirty="0">
+              <a:solidFill>
+                <a:sysClr val="windowText" lastClr="000000"/>
+              </a:solidFill>
+              <a:latin typeface="Calibri"/>
+            </a:endParaRPr>
+          </a:p>
+        </p:txBody>
+      </p:sp>
+      <p:sp>
+        <p:nvSpPr>
+          <p:cNvPr id="74" name="Rectangle 73"/>
+          <p:cNvSpPr/>
+          <p:nvPr/>
+        </p:nvSpPr>
+        <p:spPr>
+          <a:xfrm>
+            <a:off x="7920578" y="4001155"/>
+            <a:ext cx="2362200" cy="707886"/>
+          </a:xfrm>
+          <a:prstGeom prst="rect">
+            <a:avLst/>
+          </a:prstGeom>
+          <a:ln w="19050"/>
+        </p:spPr>
+        <p:style>
+          <a:lnRef idx="1">
+            <a:schemeClr val="accent4"/>
+          </a:lnRef>
+          <a:fillRef idx="2">
+            <a:schemeClr val="accent4"/>
+          </a:fillRef>
+          <a:effectRef idx="1">
+            <a:schemeClr val="accent4"/>
+          </a:effectRef>
+          <a:fontRef idx="minor">
+            <a:schemeClr val="dk1"/>
+          </a:fontRef>
+        </p:style>
+        <p:txBody>
+          <a:bodyPr wrap="square" rtlCol="0" anchor="ctr">
+            <a:spAutoFit/>
+          </a:bodyPr>
+          <a:lstStyle/>
+          <a:p>
+            <a:pPr>
+              <a:defRPr/>
+            </a:pPr>
+            <a:r>
+              <a:rPr lang="en-US" sz="2000" kern="0" dirty="0">
+                <a:solidFill>
+                  <a:sysClr val="windowText" lastClr="000000"/>
+                </a:solidFill>
+                <a:latin typeface="Calibri"/>
+              </a:rPr>
+              <a:t>VALUE_1</a:t>
+            </a:r>
+          </a:p>
+          <a:p>
+            <a:pPr>
+              <a:defRPr/>
+            </a:pPr>
+            <a:r>
+              <a:rPr lang="en-US" sz="2000" kern="0" dirty="0">
+                <a:solidFill>
+                  <a:sysClr val="windowText" lastClr="000000"/>
+                </a:solidFill>
+                <a:latin typeface="Calibri"/>
+              </a:rPr>
+              <a:t>VALUE_2</a:t>
+            </a:r>
+          </a:p>
+        </p:txBody>
+      </p:sp>
+      <p:sp>
+        <p:nvSpPr>
+          <p:cNvPr id="84" name="TextBox 83"/>
+          <p:cNvSpPr txBox="1"/>
+          <p:nvPr/>
+        </p:nvSpPr>
+        <p:spPr>
+          <a:xfrm>
+            <a:off x="3439300" y="2497497"/>
+            <a:ext cx="1725827" cy="400110"/>
+          </a:xfrm>
+          <a:prstGeom prst="rect">
+            <a:avLst/>
+          </a:prstGeom>
+          <a:noFill/>
+        </p:spPr>
+        <p:txBody>
+          <a:bodyPr wrap="square" rtlCol="0">
+            <a:spAutoFit/>
+          </a:bodyPr>
+          <a:lstStyle/>
+          <a:p>
+            <a:pPr>
+              <a:defRPr/>
+            </a:pPr>
+            <a:r>
+              <a:rPr lang="en-US" sz="2000" kern="0" dirty="0">
+                <a:solidFill>
+                  <a:sysClr val="windowText" lastClr="000000"/>
+                </a:solidFill>
+                <a:latin typeface="Calibri"/>
+              </a:rPr>
+              <a:t>role of A</a:t>
+            </a:r>
+          </a:p>
+        </p:txBody>
+      </p:sp>
+      <p:sp>
+        <p:nvSpPr>
+          <p:cNvPr id="85" name="TextBox 84"/>
+          <p:cNvSpPr txBox="1"/>
+          <p:nvPr/>
+        </p:nvSpPr>
+        <p:spPr>
+          <a:xfrm>
+            <a:off x="7771498" y="2169926"/>
+            <a:ext cx="1355124" cy="400110"/>
+          </a:xfrm>
+          <a:prstGeom prst="rect">
+            <a:avLst/>
+          </a:prstGeom>
+          <a:noFill/>
+        </p:spPr>
+        <p:txBody>
+          <a:bodyPr wrap="square" rtlCol="0">
+            <a:spAutoFit/>
+          </a:bodyPr>
+          <a:lstStyle/>
+          <a:p>
+            <a:pPr algn="r">
+              <a:defRPr/>
+            </a:pPr>
+            <a:r>
+              <a:rPr lang="en-US" sz="2000" kern="0" dirty="0">
+                <a:solidFill>
+                  <a:sysClr val="windowText" lastClr="000000"/>
+                </a:solidFill>
+                <a:latin typeface="Calibri"/>
+              </a:rPr>
+              <a:t>role of B</a:t>
+            </a:r>
+          </a:p>
+        </p:txBody>
+      </p:sp>
+      <p:sp>
+        <p:nvSpPr>
+          <p:cNvPr id="86" name="TextBox 85"/>
+          <p:cNvSpPr txBox="1"/>
+          <p:nvPr/>
+        </p:nvSpPr>
+        <p:spPr>
+          <a:xfrm>
+            <a:off x="7336957" y="2557764"/>
+            <a:ext cx="1824679" cy="400110"/>
+          </a:xfrm>
+          <a:prstGeom prst="rect">
+            <a:avLst/>
+          </a:prstGeom>
+          <a:noFill/>
+        </p:spPr>
+        <p:txBody>
+          <a:bodyPr wrap="square" rtlCol="0">
+            <a:spAutoFit/>
+          </a:bodyPr>
+          <a:lstStyle/>
+          <a:p>
+            <a:pPr algn="r">
+              <a:defRPr/>
+            </a:pPr>
+            <a:r>
+              <a:rPr lang="en-US" sz="2000" kern="0" dirty="0">
+                <a:solidFill>
+                  <a:sysClr val="windowText" lastClr="000000"/>
+                </a:solidFill>
+                <a:latin typeface="Calibri"/>
+              </a:rPr>
+              <a:t>multiplicity of B</a:t>
+            </a:r>
+          </a:p>
+        </p:txBody>
+      </p:sp>
+      <p:sp>
+        <p:nvSpPr>
+          <p:cNvPr id="87" name="Rectangle 86"/>
+          <p:cNvSpPr/>
+          <p:nvPr/>
+        </p:nvSpPr>
+        <p:spPr>
+          <a:xfrm>
+            <a:off x="2653615" y="3289808"/>
+            <a:ext cx="1342768" cy="400110"/>
           </a:xfrm>
           <a:prstGeom prst="rect">
             <a:avLst/>
@@ -13512,175 +12869,33 @@
               <a:defRPr/>
             </a:pPr>
             <a:r>
-              <a:rPr lang="en-US" sz="2000" kern="0" dirty="0">
+              <a:rPr lang="en-US" sz="2000" kern="0" dirty="0" err="1">
                 <a:solidFill>
                   <a:sysClr val="windowText" lastClr="000000"/>
                 </a:solidFill>
                 <a:latin typeface="Calibri"/>
               </a:rPr>
-              <a:t>Class B</a:t>
-            </a:r>
-          </a:p>
-        </p:txBody>
-      </p:sp>
-      <p:cxnSp>
-        <p:nvCxnSpPr>
-          <p:cNvPr id="26" name="Elbow Connector 26"/>
-          <p:cNvCxnSpPr>
-            <a:stCxn id="25" idx="1"/>
-            <a:endCxn id="24" idx="3"/>
-          </p:cNvCxnSpPr>
-          <p:nvPr/>
-        </p:nvCxnSpPr>
-        <p:spPr>
-          <a:xfrm rot="10800000">
-            <a:off x="7325498" y="4467255"/>
-            <a:ext cx="1371600" cy="12700"/>
-          </a:xfrm>
-          <a:prstGeom prst="bentConnector3">
-            <a:avLst>
-              <a:gd name="adj1" fmla="val 50000"/>
-            </a:avLst>
-          </a:prstGeom>
-          <a:noFill/>
-          <a:ln w="19050" cap="flat" cmpd="sng" algn="ctr">
-            <a:solidFill>
-              <a:srgbClr val="FF0000"/>
-            </a:solidFill>
-            <a:prstDash val="solid"/>
-            <a:headEnd type="arrow" w="med" len="med"/>
-            <a:tailEnd type="none" w="med" len="med"/>
-          </a:ln>
-          <a:effectLst/>
-        </p:spPr>
-      </p:cxnSp>
-      <p:sp>
-        <p:nvSpPr>
-          <p:cNvPr id="29" name="Rounded Rectangular Callout 28"/>
+              <a:t>Superclass</a:t>
+            </a:r>
+            <a:endParaRPr lang="en-US" sz="2000" kern="0" dirty="0">
+              <a:solidFill>
+                <a:sysClr val="windowText" lastClr="000000"/>
+              </a:solidFill>
+              <a:latin typeface="Calibri"/>
+            </a:endParaRPr>
+          </a:p>
+        </p:txBody>
+      </p:sp>
+      <p:sp>
+        <p:nvSpPr>
+          <p:cNvPr id="88" name="Rectangle 87"/>
           <p:cNvSpPr/>
           <p:nvPr/>
         </p:nvSpPr>
         <p:spPr>
           <a:xfrm>
-            <a:off x="7830066" y="3344558"/>
-            <a:ext cx="1734064" cy="442674"/>
-          </a:xfrm>
-          <a:prstGeom prst="wedgeRoundRectCallout">
-            <a:avLst>
-              <a:gd name="adj1" fmla="val -5474"/>
-              <a:gd name="adj2" fmla="val 164779"/>
-              <a:gd name="adj3" fmla="val 16667"/>
-            </a:avLst>
-          </a:prstGeom>
-          <a:solidFill>
-            <a:schemeClr val="accent1">
-              <a:lumMod val="20000"/>
-              <a:lumOff val="80000"/>
-            </a:schemeClr>
-          </a:solidFill>
-          <a:ln w="9525">
-            <a:noFill/>
-            <a:prstDash val="sysDash"/>
-            <a:headEnd type="none" w="med" len="med"/>
-            <a:tailEnd type="arrow" w="med" len="med"/>
-          </a:ln>
-        </p:spPr>
-        <p:style>
-          <a:lnRef idx="2">
-            <a:schemeClr val="accent1">
-              <a:shade val="50000"/>
-            </a:schemeClr>
-          </a:lnRef>
-          <a:fillRef idx="1">
-            <a:schemeClr val="accent1"/>
-          </a:fillRef>
-          <a:effectRef idx="0">
-            <a:schemeClr val="accent1"/>
-          </a:effectRef>
-          <a:fontRef idx="minor">
-            <a:schemeClr val="lt1"/>
-          </a:fontRef>
-        </p:style>
-        <p:txBody>
-          <a:bodyPr wrap="square" rtlCol="0" anchor="ctr">
-            <a:spAutoFit/>
-          </a:bodyPr>
-          <a:lstStyle/>
-          <a:p>
-            <a:pPr algn="ctr" defTabSz="872733"/>
-            <a:r>
-              <a:rPr lang="en-US" sz="2000" b="1" dirty="0">
-                <a:solidFill>
-                  <a:prstClr val="black"/>
-                </a:solidFill>
-                <a:latin typeface="Calibri"/>
-              </a:rPr>
-              <a:t>navigability</a:t>
-            </a:r>
-          </a:p>
-        </p:txBody>
-      </p:sp>
-      <p:sp>
-        <p:nvSpPr>
-          <p:cNvPr id="30" name="Rectangle 29"/>
-          <p:cNvSpPr/>
-          <p:nvPr/>
-        </p:nvSpPr>
-        <p:spPr>
-          <a:xfrm>
-            <a:off x="6332321" y="5969345"/>
-            <a:ext cx="1153298" cy="400110"/>
-          </a:xfrm>
-          <a:prstGeom prst="rect">
-            <a:avLst/>
-          </a:prstGeom>
-          <a:ln w="19050"/>
-        </p:spPr>
-        <p:style>
-          <a:lnRef idx="1">
-            <a:schemeClr val="accent3"/>
-          </a:lnRef>
-          <a:fillRef idx="2">
-            <a:schemeClr val="accent3"/>
-          </a:fillRef>
-          <a:effectRef idx="1">
-            <a:schemeClr val="accent3"/>
-          </a:effectRef>
-          <a:fontRef idx="minor">
-            <a:schemeClr val="dk1"/>
-          </a:fontRef>
-        </p:style>
-        <p:txBody>
-          <a:bodyPr wrap="square" rtlCol="0" anchor="ctr">
-            <a:spAutoFit/>
-          </a:bodyPr>
-          <a:lstStyle/>
-          <a:p>
-            <a:pPr algn="ctr">
-              <a:defRPr/>
-            </a:pPr>
-            <a:r>
-              <a:rPr lang="en-US" sz="2000" kern="0" dirty="0">
-                <a:solidFill>
-                  <a:sysClr val="windowText" lastClr="000000"/>
-                </a:solidFill>
-                <a:latin typeface="Calibri"/>
-              </a:rPr>
-              <a:t>Class A</a:t>
-            </a:r>
-          </a:p>
-        </p:txBody>
-      </p:sp>
-      <p:sp>
-        <p:nvSpPr>
-          <p:cNvPr id="31" name="Rectangle 30"/>
-          <p:cNvSpPr/>
-          <p:nvPr/>
-        </p:nvSpPr>
-        <p:spPr>
-          <a:xfrm>
-            <a:off x="8857219" y="5969345"/>
-            <a:ext cx="1268626" cy="400110"/>
+            <a:off x="1834981" y="4459703"/>
+            <a:ext cx="1299518" cy="400110"/>
           </a:xfrm>
           <a:prstGeom prst="rect">
             <a:avLst/>
@@ -13731,7 +12946,7 @@
           </a:bodyPr>
           <a:lstStyle/>
           <a:p>
-            <a:pPr algn="ctr">
+            <a:pPr>
               <a:defRPr/>
             </a:pPr>
             <a:r>
@@ -13741,71 +12956,32 @@
                 </a:solidFill>
                 <a:latin typeface="Calibri"/>
               </a:rPr>
-              <a:t>Class B</a:t>
-            </a:r>
-          </a:p>
-        </p:txBody>
-      </p:sp>
-      <p:cxnSp>
-        <p:nvCxnSpPr>
-          <p:cNvPr id="32" name="Elbow Connector 26"/>
-          <p:cNvCxnSpPr>
-            <a:stCxn id="31" idx="1"/>
-            <a:endCxn id="30" idx="3"/>
-          </p:cNvCxnSpPr>
+              <a:t>Subclass 1</a:t>
+            </a:r>
+          </a:p>
+        </p:txBody>
+      </p:sp>
+      <p:sp>
+        <p:nvSpPr>
+          <p:cNvPr id="90" name="Isosceles Triangle 89"/>
+          <p:cNvSpPr/>
           <p:nvPr/>
-        </p:nvCxnSpPr>
+        </p:nvSpPr>
         <p:spPr>
-          <a:xfrm rot="10800000">
-            <a:off x="7485619" y="6169400"/>
-            <a:ext cx="1371600" cy="12700"/>
-          </a:xfrm>
-          <a:prstGeom prst="bentConnector3">
-            <a:avLst>
-              <a:gd name="adj1" fmla="val 50000"/>
-            </a:avLst>
+          <a:xfrm>
+            <a:off x="3210699" y="3713092"/>
+            <a:ext cx="228600" cy="152400"/>
+          </a:xfrm>
+          <a:prstGeom prst="triangle">
+            <a:avLst/>
           </a:prstGeom>
-          <a:noFill/>
-          <a:ln w="19050" cap="flat" cmpd="sng" algn="ctr">
+          <a:solidFill>
+            <a:schemeClr val="bg1"/>
+          </a:solidFill>
+          <a:ln w="19050">
             <a:solidFill>
               <a:srgbClr val="FF0000"/>
             </a:solidFill>
-            <a:prstDash val="dash"/>
-            <a:headEnd type="arrow" w="med" len="med"/>
-            <a:tailEnd type="none" w="med" len="med"/>
-          </a:ln>
-          <a:effectLst/>
-        </p:spPr>
-      </p:cxnSp>
-      <p:sp>
-        <p:nvSpPr>
-          <p:cNvPr id="33" name="Rounded Rectangular Callout 32"/>
-          <p:cNvSpPr/>
-          <p:nvPr/>
-        </p:nvSpPr>
-        <p:spPr>
-          <a:xfrm>
-            <a:off x="7477378" y="5327812"/>
-            <a:ext cx="1734064" cy="442674"/>
-          </a:xfrm>
-          <a:prstGeom prst="wedgeRoundRectCallout">
-            <a:avLst>
-              <a:gd name="adj1" fmla="val -20833"/>
-              <a:gd name="adj2" fmla="val 104615"/>
-              <a:gd name="adj3" fmla="val 16667"/>
-            </a:avLst>
-          </a:prstGeom>
-          <a:solidFill>
-            <a:schemeClr val="accent1">
-              <a:lumMod val="20000"/>
-              <a:lumOff val="80000"/>
-            </a:schemeClr>
-          </a:solidFill>
-          <a:ln w="9525">
-            <a:noFill/>
-            <a:prstDash val="sysDash"/>
-            <a:headEnd type="none" w="med" len="med"/>
-            <a:tailEnd type="arrow" w="med" len="med"/>
           </a:ln>
         </p:spPr>
         <p:style>
@@ -13825,120 +13001,87 @@
           </a:fontRef>
         </p:style>
         <p:txBody>
-          <a:bodyPr wrap="square" rtlCol="0" anchor="ctr">
-            <a:spAutoFit/>
-          </a:bodyPr>
+          <a:bodyPr rtlCol="0" anchor="ctr"/>
           <a:lstStyle/>
           <a:p>
             <a:pPr algn="ctr" defTabSz="872733"/>
-            <a:r>
-              <a:rPr lang="en-US" sz="2000" b="1" dirty="0">
-                <a:solidFill>
-                  <a:prstClr val="black"/>
-                </a:solidFill>
-                <a:latin typeface="Calibri"/>
-              </a:rPr>
-              <a:t>dependency</a:t>
-            </a:r>
+            <a:endParaRPr lang="en-US" sz="2000">
+              <a:solidFill>
+                <a:prstClr val="black"/>
+              </a:solidFill>
+              <a:latin typeface="Calibri"/>
+            </a:endParaRPr>
           </a:p>
         </p:txBody>
       </p:sp>
       <p:cxnSp>
         <p:nvCxnSpPr>
-          <p:cNvPr id="10" name="Straight Connector 9"/>
-          <p:cNvCxnSpPr/>
+          <p:cNvPr id="91" name="Elbow Connector 26"/>
+          <p:cNvCxnSpPr>
+            <a:stCxn id="88" idx="0"/>
+            <a:endCxn id="90" idx="3"/>
+          </p:cNvCxnSpPr>
           <p:nvPr/>
         </p:nvCxnSpPr>
         <p:spPr>
-          <a:xfrm>
-            <a:off x="7325497" y="4479956"/>
-            <a:ext cx="1344574" cy="0"/>
-          </a:xfrm>
-          <a:prstGeom prst="line">
-            <a:avLst/>
+          <a:xfrm rot="5400000" flipH="1" flipV="1">
+            <a:off x="2607765" y="3742470"/>
+            <a:ext cx="594211" cy="840259"/>
+          </a:xfrm>
+          <a:prstGeom prst="bentConnector3">
+            <a:avLst>
+              <a:gd name="adj1" fmla="val 50000"/>
+            </a:avLst>
           </a:prstGeom>
-          <a:ln w="19050">
+          <a:noFill/>
+          <a:ln w="19050" cap="flat" cmpd="sng" algn="ctr">
             <a:solidFill>
-              <a:schemeClr val="tx1"/>
+              <a:srgbClr val="FF0000"/>
             </a:solidFill>
+            <a:prstDash val="solid"/>
           </a:ln>
-        </p:spPr>
-        <p:style>
-          <a:lnRef idx="1">
-            <a:schemeClr val="accent1"/>
-          </a:lnRef>
-          <a:fillRef idx="0">
-            <a:schemeClr val="accent1"/>
-          </a:fillRef>
-          <a:effectRef idx="0">
-            <a:schemeClr val="accent1"/>
-          </a:effectRef>
-          <a:fontRef idx="minor">
-            <a:schemeClr val="tx1"/>
-          </a:fontRef>
-        </p:style>
+          <a:effectLst/>
+        </p:spPr>
       </p:cxnSp>
-      <p:sp>
-        <p:nvSpPr>
-          <p:cNvPr id="27" name="Rectangle 26"/>
+      <p:cxnSp>
+        <p:nvCxnSpPr>
+          <p:cNvPr id="92" name="Elbow Connector 26"/>
+          <p:cNvCxnSpPr>
+            <a:stCxn id="96" idx="0"/>
+            <a:endCxn id="90" idx="3"/>
+          </p:cNvCxnSpPr>
+          <p:nvPr/>
+        </p:nvCxnSpPr>
+        <p:spPr>
+          <a:xfrm rot="16200000" flipV="1">
+            <a:off x="3482521" y="3707972"/>
+            <a:ext cx="598329" cy="913370"/>
+          </a:xfrm>
+          <a:prstGeom prst="bentConnector3">
+            <a:avLst>
+              <a:gd name="adj1" fmla="val 50000"/>
+            </a:avLst>
+          </a:prstGeom>
+          <a:noFill/>
+          <a:ln w="19050" cap="flat" cmpd="sng" algn="ctr">
+            <a:solidFill>
+              <a:srgbClr val="FF0000"/>
+            </a:solidFill>
+            <a:prstDash val="solid"/>
+          </a:ln>
+          <a:effectLst/>
+        </p:spPr>
+      </p:cxnSp>
+      <p:sp>
+        <p:nvSpPr>
+          <p:cNvPr id="96" name="Rectangle 95"/>
           <p:cNvSpPr/>
           <p:nvPr/>
         </p:nvSpPr>
         <p:spPr>
           <a:xfrm>
-            <a:off x="2109401" y="5995946"/>
-            <a:ext cx="1022520" cy="400110"/>
-          </a:xfrm>
-          <a:prstGeom prst="rect">
-            <a:avLst/>
-          </a:prstGeom>
-          <a:ln w="19050"/>
-        </p:spPr>
-        <p:style>
-          <a:lnRef idx="1">
-            <a:schemeClr val="accent3"/>
-          </a:lnRef>
-          <a:fillRef idx="2">
-            <a:schemeClr val="accent3"/>
-          </a:fillRef>
-          <a:effectRef idx="1">
-            <a:schemeClr val="accent3"/>
-          </a:effectRef>
-          <a:fontRef idx="minor">
-            <a:schemeClr val="dk1"/>
-          </a:fontRef>
-        </p:style>
-        <p:txBody>
-          <a:bodyPr wrap="square" rtlCol="0" anchor="ctr">
-            <a:spAutoFit/>
-          </a:bodyPr>
-          <a:lstStyle/>
-          <a:p>
-            <a:pPr algn="ctr">
-              <a:defRPr/>
-            </a:pPr>
-            <a:r>
-              <a:rPr lang="en-US" sz="2000" kern="0" dirty="0">
-                <a:solidFill>
-                  <a:sysClr val="windowText" lastClr="000000"/>
-                </a:solidFill>
-                <a:latin typeface="Calibri"/>
-              </a:rPr>
-              <a:t>Class A</a:t>
-            </a:r>
-          </a:p>
-        </p:txBody>
-      </p:sp>
-      <p:sp>
-        <p:nvSpPr>
-          <p:cNvPr id="28" name="Rectangle 27"/>
-          <p:cNvSpPr/>
-          <p:nvPr/>
-        </p:nvSpPr>
-        <p:spPr>
-          <a:xfrm>
-            <a:off x="4503522" y="5995946"/>
-            <a:ext cx="1034881" cy="400110"/>
+            <a:off x="3601996" y="4463821"/>
+            <a:ext cx="1272747" cy="400110"/>
           </a:xfrm>
           <a:prstGeom prst="rect">
             <a:avLst/>
@@ -13989,6 +13132,57 @@
           </a:bodyPr>
           <a:lstStyle/>
           <a:p>
+            <a:pPr>
+              <a:defRPr/>
+            </a:pPr>
+            <a:r>
+              <a:rPr lang="en-US" sz="2000" kern="0" dirty="0">
+                <a:solidFill>
+                  <a:sysClr val="windowText" lastClr="000000"/>
+                </a:solidFill>
+                <a:latin typeface="Calibri"/>
+              </a:rPr>
+              <a:t>Subclass 2</a:t>
+            </a:r>
+          </a:p>
+        </p:txBody>
+      </p:sp>
+      <p:sp>
+        <p:nvSpPr>
+          <p:cNvPr id="98" name="Rectangle 97"/>
+          <p:cNvSpPr/>
+          <p:nvPr/>
+        </p:nvSpPr>
+        <p:spPr>
+          <a:xfrm>
+            <a:off x="1762897" y="5928372"/>
+            <a:ext cx="1610498" cy="400110"/>
+          </a:xfrm>
+          <a:prstGeom prst="rect">
+            <a:avLst/>
+          </a:prstGeom>
+          <a:ln w="19050"/>
+        </p:spPr>
+        <p:style>
+          <a:lnRef idx="1">
+            <a:schemeClr val="accent3"/>
+          </a:lnRef>
+          <a:fillRef idx="2">
+            <a:schemeClr val="accent3"/>
+          </a:fillRef>
+          <a:effectRef idx="1">
+            <a:schemeClr val="accent3"/>
+          </a:effectRef>
+          <a:fontRef idx="minor">
+            <a:schemeClr val="dk1"/>
+          </a:fontRef>
+        </p:style>
+        <p:txBody>
+          <a:bodyPr wrap="square" rtlCol="0" anchor="ctr">
+            <a:spAutoFit/>
+          </a:bodyPr>
+          <a:lstStyle/>
+          <a:p>
             <a:pPr algn="ctr">
               <a:defRPr/>
             </a:pPr>
@@ -13999,59 +13193,21 @@
                 </a:solidFill>
                 <a:latin typeface="Calibri"/>
               </a:rPr>
-              <a:t>Class B</a:t>
-            </a:r>
-          </a:p>
-        </p:txBody>
-      </p:sp>
-      <p:cxnSp>
-        <p:nvCxnSpPr>
-          <p:cNvPr id="35" name="Straight Connector 34"/>
-          <p:cNvCxnSpPr>
-            <a:stCxn id="27" idx="3"/>
-            <a:endCxn id="28" idx="1"/>
-          </p:cNvCxnSpPr>
+              <a:t>Whole</a:t>
+            </a:r>
+          </a:p>
+        </p:txBody>
+      </p:sp>
+      <p:sp>
+        <p:nvSpPr>
+          <p:cNvPr id="99" name="Rectangle 98"/>
+          <p:cNvSpPr/>
           <p:nvPr/>
-        </p:nvCxnSpPr>
+        </p:nvSpPr>
         <p:spPr>
           <a:xfrm>
-            <a:off x="3131921" y="6196001"/>
-            <a:ext cx="1371600" cy="0"/>
-          </a:xfrm>
-          <a:prstGeom prst="line">
-            <a:avLst/>
-          </a:prstGeom>
-          <a:ln w="19050">
-            <a:solidFill>
-              <a:schemeClr val="tx1"/>
-            </a:solidFill>
-          </a:ln>
-        </p:spPr>
-        <p:style>
-          <a:lnRef idx="1">
-            <a:schemeClr val="accent1"/>
-          </a:lnRef>
-          <a:fillRef idx="0">
-            <a:schemeClr val="accent1"/>
-          </a:fillRef>
-          <a:effectRef idx="0">
-            <a:schemeClr val="accent1"/>
-          </a:effectRef>
-          <a:fontRef idx="minor">
-            <a:schemeClr val="tx1"/>
-          </a:fontRef>
-        </p:style>
-      </p:cxnSp>
-      <p:sp>
-        <p:nvSpPr>
-          <p:cNvPr id="36" name="Rectangle 35"/>
-          <p:cNvSpPr/>
-          <p:nvPr/>
-        </p:nvSpPr>
-        <p:spPr>
-          <a:xfrm>
-            <a:off x="3335488" y="5267990"/>
-            <a:ext cx="1034881" cy="400110"/>
+            <a:off x="4744995" y="5928372"/>
+            <a:ext cx="1268626" cy="400110"/>
           </a:xfrm>
           <a:prstGeom prst="rect">
             <a:avLst/>
@@ -14112,76 +13268,62 @@
                 </a:solidFill>
                 <a:latin typeface="Calibri"/>
               </a:rPr>
-              <a:t>Class C</a:t>
+              <a:t>Part</a:t>
             </a:r>
           </a:p>
         </p:txBody>
       </p:sp>
       <p:cxnSp>
         <p:nvCxnSpPr>
-          <p:cNvPr id="37" name="Straight Connector 36"/>
-          <p:cNvCxnSpPr/>
+          <p:cNvPr id="100" name="Elbow Connector 26"/>
+          <p:cNvCxnSpPr>
+            <a:cxnSpLocks/>
+            <a:stCxn id="99" idx="1"/>
+            <a:endCxn id="98" idx="3"/>
+          </p:cNvCxnSpPr>
           <p:nvPr/>
         </p:nvCxnSpPr>
         <p:spPr>
+          <a:xfrm rot="10800000">
+            <a:off x="3373395" y="6128427"/>
+            <a:ext cx="1371600" cy="1588"/>
+          </a:xfrm>
+          <a:prstGeom prst="bentConnector3">
+            <a:avLst>
+              <a:gd name="adj1" fmla="val 50000"/>
+            </a:avLst>
+          </a:prstGeom>
+          <a:noFill/>
+          <a:ln w="19050" cap="flat" cmpd="sng" algn="ctr">
+            <a:solidFill>
+              <a:sysClr val="windowText" lastClr="000000"/>
+            </a:solidFill>
+            <a:prstDash val="solid"/>
+          </a:ln>
+          <a:effectLst/>
+        </p:spPr>
+      </p:cxnSp>
+      <p:sp>
+        <p:nvSpPr>
+          <p:cNvPr id="105" name="Flowchart: Decision 104"/>
+          <p:cNvSpPr/>
+          <p:nvPr/>
+        </p:nvSpPr>
+        <p:spPr>
           <a:xfrm>
-            <a:off x="3852928" y="5651916"/>
-            <a:ext cx="1" cy="558732"/>
-          </a:xfrm>
-          <a:prstGeom prst="line">
+            <a:off x="3373395" y="6019961"/>
+            <a:ext cx="228600" cy="228600"/>
+          </a:xfrm>
+          <a:prstGeom prst="flowChartDecision">
             <a:avLst/>
           </a:prstGeom>
+          <a:solidFill>
+            <a:srgbClr val="FF0000"/>
+          </a:solidFill>
           <a:ln w="19050">
             <a:solidFill>
               <a:srgbClr val="FF0000"/>
             </a:solidFill>
-            <a:prstDash val="dash"/>
-          </a:ln>
-        </p:spPr>
-        <p:style>
-          <a:lnRef idx="1">
-            <a:schemeClr val="accent1"/>
-          </a:lnRef>
-          <a:fillRef idx="0">
-            <a:schemeClr val="accent1"/>
-          </a:fillRef>
-          <a:effectRef idx="0">
-            <a:schemeClr val="accent1"/>
-          </a:effectRef>
-          <a:fontRef idx="minor">
-            <a:schemeClr val="tx1"/>
-          </a:fontRef>
-        </p:style>
-      </p:cxnSp>
-      <p:sp>
-        <p:nvSpPr>
-          <p:cNvPr id="40" name="Rounded Rectangular Callout 39"/>
-          <p:cNvSpPr/>
-          <p:nvPr/>
-        </p:nvSpPr>
-        <p:spPr>
-          <a:xfrm>
-            <a:off x="2109401" y="4610651"/>
-            <a:ext cx="2143898" cy="442674"/>
-          </a:xfrm>
-          <a:prstGeom prst="wedgeRoundRectCallout">
-            <a:avLst>
-              <a:gd name="adj1" fmla="val 20281"/>
-              <a:gd name="adj2" fmla="val 93449"/>
-              <a:gd name="adj3" fmla="val 16667"/>
-            </a:avLst>
-          </a:prstGeom>
-          <a:solidFill>
-            <a:schemeClr val="accent1">
-              <a:lumMod val="20000"/>
-              <a:lumOff val="80000"/>
-            </a:schemeClr>
-          </a:solidFill>
-          <a:ln w="9525">
-            <a:noFill/>
-            <a:prstDash val="sysDash"/>
-            <a:headEnd type="none" w="med" len="med"/>
-            <a:tailEnd type="arrow" w="med" len="med"/>
           </a:ln>
         </p:spPr>
         <p:style>
@@ -14201,93 +13343,29 @@
           </a:fontRef>
         </p:style>
         <p:txBody>
-          <a:bodyPr wrap="square" rtlCol="0" anchor="ctr">
-            <a:spAutoFit/>
-          </a:bodyPr>
+          <a:bodyPr rtlCol="0" anchor="ctr"/>
           <a:lstStyle/>
           <a:p>
             <a:pPr algn="ctr" defTabSz="872733"/>
-            <a:r>
-              <a:rPr lang="en-US" sz="2000" b="1" dirty="0">
-                <a:solidFill>
-                  <a:prstClr val="black"/>
-                </a:solidFill>
-                <a:latin typeface="Calibri"/>
-              </a:rPr>
-              <a:t>Association class</a:t>
-            </a:r>
-          </a:p>
-        </p:txBody>
-      </p:sp>
-    </p:spTree>
-    <p:extLst>
-      <p:ext uri="{BB962C8B-B14F-4D97-AF65-F5344CB8AC3E}">
-        <p14:creationId xmlns:p14="http://schemas.microsoft.com/office/powerpoint/2010/main" val="242993981"/>
-      </p:ext>
-    </p:extLst>
-  </p:cSld>
-  <p:clrMapOvr>
-    <a:masterClrMapping/>
-  </p:clrMapOvr>
-</p:sld>
-</file>
-
-<file path=ppt/slides/slide12.xml><?xml version="1.0" encoding="utf-8"?>
-<p:sld xmlns:a="http://schemas.openxmlformats.org/drawingml/2006/main" xmlns:r="http://schemas.openxmlformats.org/officeDocument/2006/relationships" xmlns:p="http://schemas.openxmlformats.org/presentationml/2006/main">
-  <p:cSld>
-    <p:spTree>
-      <p:nvGrpSpPr>
-        <p:cNvPr id="1" name=""/>
-        <p:cNvGrpSpPr/>
-        <p:nvPr/>
-      </p:nvGrpSpPr>
-      <p:grpSpPr>
-        <a:xfrm>
-          <a:off x="0" y="0"/>
-          <a:ext cx="0" cy="0"/>
-          <a:chOff x="0" y="0"/>
-          <a:chExt cx="0" cy="0"/>
-        </a:xfrm>
-      </p:grpSpPr>
-      <p:sp>
-        <p:nvSpPr>
-          <p:cNvPr id="3075" name="Rectangle 2"/>
-          <p:cNvSpPr>
-            <a:spLocks noGrp="1" noChangeArrowheads="1"/>
-          </p:cNvSpPr>
-          <p:nvPr>
-            <p:ph type="title"/>
-          </p:nvPr>
+            <a:endParaRPr lang="en-US" sz="2000">
+              <a:solidFill>
+                <a:prstClr val="white"/>
+              </a:solidFill>
+              <a:latin typeface="Calibri"/>
+            </a:endParaRPr>
+          </a:p>
+        </p:txBody>
+      </p:sp>
+      <p:sp>
+        <p:nvSpPr>
+          <p:cNvPr id="110" name="Rectangle 109"/>
+          <p:cNvSpPr/>
+          <p:nvPr/>
         </p:nvSpPr>
         <p:spPr>
           <a:xfrm>
-            <a:off x="1852872" y="188256"/>
-            <a:ext cx="3633529" cy="377170"/>
-          </a:xfrm>
-        </p:spPr>
-        <p:txBody>
-          <a:bodyPr vert="horz" lIns="87273" tIns="43637" rIns="87273" bIns="43637" rtlCol="0" anchor="ctr">
-            <a:noAutofit/>
-          </a:bodyPr>
-          <a:lstStyle/>
-          <a:p>
-            <a:r>
-              <a:rPr lang="en-US" sz="2400" dirty="0"/>
-              <a:t>Class diagrams [example] </a:t>
-            </a:r>
-          </a:p>
-        </p:txBody>
-      </p:sp>
-      <p:sp>
-        <p:nvSpPr>
-          <p:cNvPr id="25" name="Rectangle 24"/>
-          <p:cNvSpPr/>
-          <p:nvPr/>
-        </p:nvSpPr>
-        <p:spPr>
-          <a:xfrm>
-            <a:off x="1700471" y="1057366"/>
-            <a:ext cx="1699055" cy="400110"/>
+            <a:off x="6464000" y="345913"/>
+            <a:ext cx="1600200" cy="400110"/>
           </a:xfrm>
           <a:prstGeom prst="rect">
             <a:avLst/>
@@ -14324,26 +13402,443 @@
                 </a:solidFill>
                 <a:latin typeface="Calibri"/>
               </a:rPr>
-              <a:t>Minesweeper</a:t>
-            </a:r>
-          </a:p>
-        </p:txBody>
-      </p:sp>
-      <p:sp>
-        <p:nvSpPr>
-          <p:cNvPr id="29" name="Rectangle 28"/>
+              <a:t>Class name</a:t>
+            </a:r>
+          </a:p>
+        </p:txBody>
+      </p:sp>
+      <p:sp>
+        <p:nvSpPr>
+          <p:cNvPr id="111" name="Rectangle 110"/>
           <p:cNvSpPr/>
           <p:nvPr/>
         </p:nvSpPr>
         <p:spPr>
           <a:xfrm>
-            <a:off x="4443671" y="1057366"/>
-            <a:ext cx="1295400" cy="400110"/>
+            <a:off x="6464001" y="737305"/>
+            <a:ext cx="1600199" cy="400110"/>
           </a:xfrm>
           <a:prstGeom prst="rect">
             <a:avLst/>
           </a:prstGeom>
-          <a:ln/>
+          <a:ln w="19050"/>
+        </p:spPr>
+        <p:style>
+          <a:lnRef idx="1">
+            <a:schemeClr val="accent6"/>
+          </a:lnRef>
+          <a:fillRef idx="2">
+            <a:schemeClr val="accent6"/>
+          </a:fillRef>
+          <a:effectRef idx="1">
+            <a:schemeClr val="accent6"/>
+          </a:effectRef>
+          <a:fontRef idx="minor">
+            <a:schemeClr val="dk1"/>
+          </a:fontRef>
+        </p:style>
+        <p:txBody>
+          <a:bodyPr wrap="square" rtlCol="0" anchor="ctr">
+            <a:spAutoFit/>
+          </a:bodyPr>
+          <a:lstStyle/>
+          <a:p>
+            <a:pPr>
+              <a:defRPr/>
+            </a:pPr>
+            <a:r>
+              <a:rPr lang="en-US" sz="2000" kern="0" dirty="0">
+                <a:solidFill>
+                  <a:sysClr val="windowText" lastClr="000000"/>
+                </a:solidFill>
+                <a:latin typeface="Calibri"/>
+              </a:rPr>
+              <a:t>attributes</a:t>
+            </a:r>
+          </a:p>
+        </p:txBody>
+      </p:sp>
+      <p:sp>
+        <p:nvSpPr>
+          <p:cNvPr id="112" name="Rounded Rectangular Callout 111"/>
+          <p:cNvSpPr/>
+          <p:nvPr/>
+        </p:nvSpPr>
+        <p:spPr>
+          <a:xfrm>
+            <a:off x="4348538" y="1449846"/>
+            <a:ext cx="1552833" cy="442674"/>
+          </a:xfrm>
+          <a:prstGeom prst="wedgeRoundRectCallout">
+            <a:avLst>
+              <a:gd name="adj1" fmla="val -20833"/>
+              <a:gd name="adj2" fmla="val 78544"/>
+              <a:gd name="adj3" fmla="val 16667"/>
+            </a:avLst>
+          </a:prstGeom>
+          <a:solidFill>
+            <a:schemeClr val="accent1">
+              <a:lumMod val="20000"/>
+              <a:lumOff val="80000"/>
+            </a:schemeClr>
+          </a:solidFill>
+          <a:ln w="9525">
+            <a:noFill/>
+            <a:prstDash val="sysDash"/>
+            <a:headEnd type="none" w="med" len="med"/>
+            <a:tailEnd type="arrow" w="med" len="med"/>
+          </a:ln>
+        </p:spPr>
+        <p:style>
+          <a:lnRef idx="2">
+            <a:schemeClr val="accent1">
+              <a:shade val="50000"/>
+            </a:schemeClr>
+          </a:lnRef>
+          <a:fillRef idx="1">
+            <a:schemeClr val="accent1"/>
+          </a:fillRef>
+          <a:effectRef idx="0">
+            <a:schemeClr val="accent1"/>
+          </a:effectRef>
+          <a:fontRef idx="minor">
+            <a:schemeClr val="lt1"/>
+          </a:fontRef>
+        </p:style>
+        <p:txBody>
+          <a:bodyPr wrap="square" rtlCol="0" anchor="ctr">
+            <a:spAutoFit/>
+          </a:bodyPr>
+          <a:lstStyle/>
+          <a:p>
+            <a:pPr algn="ctr" defTabSz="872733"/>
+            <a:r>
+              <a:rPr lang="en-US" sz="2000" b="1" dirty="0">
+                <a:solidFill>
+                  <a:prstClr val="black"/>
+                </a:solidFill>
+                <a:latin typeface="Calibri"/>
+              </a:rPr>
+              <a:t>association </a:t>
+            </a:r>
+          </a:p>
+        </p:txBody>
+      </p:sp>
+      <p:sp>
+        <p:nvSpPr>
+          <p:cNvPr id="114" name="Rounded Rectangular Callout 113"/>
+          <p:cNvSpPr/>
+          <p:nvPr/>
+        </p:nvSpPr>
+        <p:spPr>
+          <a:xfrm>
+            <a:off x="4327364" y="3630376"/>
+            <a:ext cx="1734064" cy="442674"/>
+          </a:xfrm>
+          <a:prstGeom prst="wedgeRoundRectCallout">
+            <a:avLst>
+              <a:gd name="adj1" fmla="val -64349"/>
+              <a:gd name="adj2" fmla="val 18380"/>
+              <a:gd name="adj3" fmla="val 16667"/>
+            </a:avLst>
+          </a:prstGeom>
+          <a:solidFill>
+            <a:schemeClr val="accent1">
+              <a:lumMod val="20000"/>
+              <a:lumOff val="80000"/>
+            </a:schemeClr>
+          </a:solidFill>
+          <a:ln w="9525">
+            <a:noFill/>
+            <a:prstDash val="sysDash"/>
+            <a:headEnd type="none" w="med" len="med"/>
+            <a:tailEnd type="arrow" w="med" len="med"/>
+          </a:ln>
+        </p:spPr>
+        <p:style>
+          <a:lnRef idx="2">
+            <a:schemeClr val="accent1">
+              <a:shade val="50000"/>
+            </a:schemeClr>
+          </a:lnRef>
+          <a:fillRef idx="1">
+            <a:schemeClr val="accent1"/>
+          </a:fillRef>
+          <a:effectRef idx="0">
+            <a:schemeClr val="accent1"/>
+          </a:effectRef>
+          <a:fontRef idx="minor">
+            <a:schemeClr val="lt1"/>
+          </a:fontRef>
+        </p:style>
+        <p:txBody>
+          <a:bodyPr wrap="square" rtlCol="0" anchor="ctr">
+            <a:spAutoFit/>
+          </a:bodyPr>
+          <a:lstStyle/>
+          <a:p>
+            <a:pPr algn="ctr" defTabSz="872733"/>
+            <a:r>
+              <a:rPr lang="en-US" sz="2000" b="1" dirty="0">
+                <a:solidFill>
+                  <a:prstClr val="black"/>
+                </a:solidFill>
+                <a:latin typeface="Calibri"/>
+              </a:rPr>
+              <a:t>inheritance</a:t>
+            </a:r>
+          </a:p>
+        </p:txBody>
+      </p:sp>
+      <p:sp>
+        <p:nvSpPr>
+          <p:cNvPr id="115" name="Rounded Rectangular Callout 114"/>
+          <p:cNvSpPr/>
+          <p:nvPr/>
+        </p:nvSpPr>
+        <p:spPr>
+          <a:xfrm>
+            <a:off x="3317789" y="5359468"/>
+            <a:ext cx="1734064" cy="442674"/>
+          </a:xfrm>
+          <a:prstGeom prst="wedgeRoundRectCallout">
+            <a:avLst>
+              <a:gd name="adj1" fmla="val -34589"/>
+              <a:gd name="adj2" fmla="val 93933"/>
+              <a:gd name="adj3" fmla="val 16667"/>
+            </a:avLst>
+          </a:prstGeom>
+          <a:solidFill>
+            <a:schemeClr val="accent1">
+              <a:lumMod val="20000"/>
+              <a:lumOff val="80000"/>
+            </a:schemeClr>
+          </a:solidFill>
+          <a:ln w="9525">
+            <a:noFill/>
+            <a:prstDash val="sysDash"/>
+            <a:headEnd type="none" w="med" len="med"/>
+            <a:tailEnd type="arrow" w="med" len="med"/>
+          </a:ln>
+        </p:spPr>
+        <p:style>
+          <a:lnRef idx="2">
+            <a:schemeClr val="accent1">
+              <a:shade val="50000"/>
+            </a:schemeClr>
+          </a:lnRef>
+          <a:fillRef idx="1">
+            <a:schemeClr val="accent1"/>
+          </a:fillRef>
+          <a:effectRef idx="0">
+            <a:schemeClr val="accent1"/>
+          </a:effectRef>
+          <a:fontRef idx="minor">
+            <a:schemeClr val="lt1"/>
+          </a:fontRef>
+        </p:style>
+        <p:txBody>
+          <a:bodyPr wrap="square" rtlCol="0" anchor="ctr">
+            <a:spAutoFit/>
+          </a:bodyPr>
+          <a:lstStyle/>
+          <a:p>
+            <a:pPr algn="ctr" defTabSz="872733"/>
+            <a:r>
+              <a:rPr lang="en-US" sz="2000" b="1" dirty="0">
+                <a:solidFill>
+                  <a:prstClr val="black"/>
+                </a:solidFill>
+                <a:latin typeface="Calibri"/>
+              </a:rPr>
+              <a:t>composition</a:t>
+            </a:r>
+          </a:p>
+        </p:txBody>
+      </p:sp>
+      <p:sp>
+        <p:nvSpPr>
+          <p:cNvPr id="116" name="Rounded Rectangular Callout 115"/>
+          <p:cNvSpPr/>
+          <p:nvPr/>
+        </p:nvSpPr>
+        <p:spPr>
+          <a:xfrm>
+            <a:off x="5802992" y="4261481"/>
+            <a:ext cx="1734064" cy="442674"/>
+          </a:xfrm>
+          <a:prstGeom prst="wedgeRoundRectCallout">
+            <a:avLst>
+              <a:gd name="adj1" fmla="val 59544"/>
+              <a:gd name="adj2" fmla="val 6347"/>
+              <a:gd name="adj3" fmla="val 16667"/>
+            </a:avLst>
+          </a:prstGeom>
+          <a:solidFill>
+            <a:schemeClr val="accent1">
+              <a:lumMod val="20000"/>
+              <a:lumOff val="80000"/>
+            </a:schemeClr>
+          </a:solidFill>
+          <a:ln w="9525">
+            <a:noFill/>
+            <a:prstDash val="sysDash"/>
+            <a:headEnd type="none" w="med" len="med"/>
+            <a:tailEnd type="arrow" w="med" len="med"/>
+          </a:ln>
+        </p:spPr>
+        <p:style>
+          <a:lnRef idx="2">
+            <a:schemeClr val="accent1">
+              <a:shade val="50000"/>
+            </a:schemeClr>
+          </a:lnRef>
+          <a:fillRef idx="1">
+            <a:schemeClr val="accent1"/>
+          </a:fillRef>
+          <a:effectRef idx="0">
+            <a:schemeClr val="accent1"/>
+          </a:effectRef>
+          <a:fontRef idx="minor">
+            <a:schemeClr val="lt1"/>
+          </a:fontRef>
+        </p:style>
+        <p:txBody>
+          <a:bodyPr wrap="square" rtlCol="0" anchor="ctr">
+            <a:spAutoFit/>
+          </a:bodyPr>
+          <a:lstStyle/>
+          <a:p>
+            <a:pPr algn="ctr" defTabSz="872733"/>
+            <a:r>
+              <a:rPr lang="en-US" sz="2000" b="1" dirty="0">
+                <a:solidFill>
+                  <a:prstClr val="black"/>
+                </a:solidFill>
+                <a:latin typeface="Calibri"/>
+              </a:rPr>
+              <a:t>enumerations</a:t>
+            </a:r>
+          </a:p>
+        </p:txBody>
+      </p:sp>
+      <p:sp>
+        <p:nvSpPr>
+          <p:cNvPr id="29" name="Isosceles Triangle 1"/>
+          <p:cNvSpPr/>
+          <p:nvPr/>
+        </p:nvSpPr>
+        <p:spPr>
+          <a:xfrm rot="5400000" flipH="1">
+            <a:off x="7391260" y="2321322"/>
+            <a:ext cx="158418" cy="119022"/>
+          </a:xfrm>
+          <a:prstGeom prst="triangle">
+            <a:avLst/>
+          </a:prstGeom>
+          <a:solidFill>
+            <a:schemeClr val="tx1"/>
+          </a:solidFill>
+          <a:ln>
+            <a:noFill/>
+          </a:ln>
+        </p:spPr>
+        <p:style>
+          <a:lnRef idx="2">
+            <a:schemeClr val="accent1">
+              <a:shade val="50000"/>
+            </a:schemeClr>
+          </a:lnRef>
+          <a:fillRef idx="1">
+            <a:schemeClr val="accent1"/>
+          </a:fillRef>
+          <a:effectRef idx="0">
+            <a:schemeClr val="accent1"/>
+          </a:effectRef>
+          <a:fontRef idx="minor">
+            <a:schemeClr val="lt1"/>
+          </a:fontRef>
+        </p:style>
+        <p:txBody>
+          <a:bodyPr rtlCol="0" anchor="ctr"/>
+          <a:lstStyle/>
+          <a:p>
+            <a:pPr algn="ctr"/>
+            <a:endParaRPr lang="en-US">
+              <a:solidFill>
+                <a:prstClr val="white"/>
+              </a:solidFill>
+              <a:latin typeface="Calibri"/>
+            </a:endParaRPr>
+          </a:p>
+        </p:txBody>
+      </p:sp>
+      <p:sp>
+        <p:nvSpPr>
+          <p:cNvPr id="30" name="Rectangle 29"/>
+          <p:cNvSpPr/>
+          <p:nvPr/>
+        </p:nvSpPr>
+        <p:spPr>
+          <a:xfrm>
+            <a:off x="6464001" y="1138075"/>
+            <a:ext cx="1600199" cy="400110"/>
+          </a:xfrm>
+          <a:prstGeom prst="rect">
+            <a:avLst/>
+          </a:prstGeom>
+          <a:ln w="19050"/>
+        </p:spPr>
+        <p:style>
+          <a:lnRef idx="1">
+            <a:schemeClr val="accent6"/>
+          </a:lnRef>
+          <a:fillRef idx="2">
+            <a:schemeClr val="accent6"/>
+          </a:fillRef>
+          <a:effectRef idx="1">
+            <a:schemeClr val="accent6"/>
+          </a:effectRef>
+          <a:fontRef idx="minor">
+            <a:schemeClr val="dk1"/>
+          </a:fontRef>
+        </p:style>
+        <p:txBody>
+          <a:bodyPr wrap="square" rtlCol="0" anchor="ctr">
+            <a:spAutoFit/>
+          </a:bodyPr>
+          <a:lstStyle/>
+          <a:p>
+            <a:pPr>
+              <a:defRPr/>
+            </a:pPr>
+            <a:r>
+              <a:rPr lang="en-US" sz="2000" kern="0" dirty="0">
+                <a:solidFill>
+                  <a:sysClr val="windowText" lastClr="000000"/>
+                </a:solidFill>
+                <a:latin typeface="Calibri"/>
+              </a:rPr>
+              <a:t>methods</a:t>
+            </a:r>
+          </a:p>
+        </p:txBody>
+      </p:sp>
+      <p:sp>
+        <p:nvSpPr>
+          <p:cNvPr id="31" name="Rectangle 30"/>
+          <p:cNvSpPr/>
+          <p:nvPr/>
+        </p:nvSpPr>
+        <p:spPr>
+          <a:xfrm>
+            <a:off x="6241641" y="5937261"/>
+            <a:ext cx="1610498" cy="400110"/>
+          </a:xfrm>
+          <a:prstGeom prst="rect">
+            <a:avLst/>
+          </a:prstGeom>
+          <a:ln w="19050"/>
         </p:spPr>
         <p:style>
           <a:lnRef idx="1">
@@ -14375,21 +13870,21 @@
                 </a:solidFill>
                 <a:latin typeface="Calibri"/>
               </a:rPr>
-              <a:t>Minefield</a:t>
-            </a:r>
-          </a:p>
-        </p:txBody>
-      </p:sp>
-      <p:sp>
-        <p:nvSpPr>
-          <p:cNvPr id="30" name="Rectangle 29"/>
+              <a:t>Container</a:t>
+            </a:r>
+          </a:p>
+        </p:txBody>
+      </p:sp>
+      <p:sp>
+        <p:nvSpPr>
+          <p:cNvPr id="32" name="Rectangle 31"/>
           <p:cNvSpPr/>
           <p:nvPr/>
         </p:nvSpPr>
         <p:spPr>
           <a:xfrm>
-            <a:off x="7110671" y="1057366"/>
-            <a:ext cx="1143000" cy="400110"/>
+            <a:off x="9223739" y="5937261"/>
+            <a:ext cx="1268626" cy="400110"/>
           </a:xfrm>
           <a:prstGeom prst="rect">
             <a:avLst/>
@@ -14450,23 +13945,23 @@
                 </a:solidFill>
                 <a:latin typeface="Calibri"/>
               </a:rPr>
-              <a:t>Cell</a:t>
+              <a:t>Item</a:t>
             </a:r>
           </a:p>
         </p:txBody>
       </p:sp>
       <p:cxnSp>
         <p:nvCxnSpPr>
-          <p:cNvPr id="31" name="Elbow Connector 26"/>
+          <p:cNvPr id="33" name="Elbow Connector 26"/>
           <p:cNvCxnSpPr>
-            <a:stCxn id="30" idx="1"/>
-            <a:endCxn id="52" idx="3"/>
+            <a:stCxn id="32" idx="1"/>
+            <a:endCxn id="34" idx="3"/>
           </p:cNvCxnSpPr>
           <p:nvPr/>
         </p:nvCxnSpPr>
         <p:spPr>
           <a:xfrm rot="10800000" flipV="1">
-            <a:off x="5967671" y="1257421"/>
+            <a:off x="8080739" y="6137316"/>
             <a:ext cx="1143000" cy="5834"/>
           </a:xfrm>
           <a:prstGeom prst="bentConnector3">
@@ -14480,53 +13975,549 @@
               <a:sysClr val="windowText" lastClr="000000"/>
             </a:solidFill>
             <a:prstDash val="solid"/>
-            <a:headEnd type="arrow" w="med" len="med"/>
-            <a:tailEnd type="none" w="med" len="med"/>
           </a:ln>
           <a:effectLst/>
         </p:spPr>
       </p:cxnSp>
-      <p:cxnSp>
-        <p:nvCxnSpPr>
-          <p:cNvPr id="32" name="Elbow Connector 31"/>
-          <p:cNvCxnSpPr>
-            <a:stCxn id="25" idx="3"/>
-            <a:endCxn id="29" idx="1"/>
-          </p:cNvCxnSpPr>
+      <p:sp>
+        <p:nvSpPr>
+          <p:cNvPr id="34" name="Flowchart: Decision 33"/>
+          <p:cNvSpPr/>
           <p:nvPr/>
-        </p:nvCxnSpPr>
+        </p:nvSpPr>
         <p:spPr>
           <a:xfrm>
-            <a:off x="3399525" y="1257421"/>
-            <a:ext cx="1044146" cy="1588"/>
-          </a:xfrm>
-          <a:prstGeom prst="bentConnector3">
+            <a:off x="7852139" y="6028850"/>
+            <a:ext cx="228600" cy="228600"/>
+          </a:xfrm>
+          <a:prstGeom prst="flowChartDecision">
+            <a:avLst/>
+          </a:prstGeom>
+          <a:noFill/>
+          <a:ln w="19050">
+            <a:solidFill>
+              <a:srgbClr val="FF0000"/>
+            </a:solidFill>
+          </a:ln>
+        </p:spPr>
+        <p:style>
+          <a:lnRef idx="2">
+            <a:schemeClr val="accent1">
+              <a:shade val="50000"/>
+            </a:schemeClr>
+          </a:lnRef>
+          <a:fillRef idx="1">
+            <a:schemeClr val="accent1"/>
+          </a:fillRef>
+          <a:effectRef idx="0">
+            <a:schemeClr val="accent1"/>
+          </a:effectRef>
+          <a:fontRef idx="minor">
+            <a:schemeClr val="lt1"/>
+          </a:fontRef>
+        </p:style>
+        <p:txBody>
+          <a:bodyPr rtlCol="0" anchor="ctr"/>
+          <a:lstStyle/>
+          <a:p>
+            <a:pPr algn="ctr" defTabSz="872733"/>
+            <a:endParaRPr lang="en-US" sz="2000">
+              <a:solidFill>
+                <a:prstClr val="white"/>
+              </a:solidFill>
+              <a:latin typeface="Calibri"/>
+            </a:endParaRPr>
+          </a:p>
+        </p:txBody>
+      </p:sp>
+      <p:sp>
+        <p:nvSpPr>
+          <p:cNvPr id="35" name="Rounded Rectangular Callout 34"/>
+          <p:cNvSpPr/>
+          <p:nvPr/>
+        </p:nvSpPr>
+        <p:spPr>
+          <a:xfrm>
+            <a:off x="7796533" y="5368357"/>
+            <a:ext cx="1734064" cy="442674"/>
+          </a:xfrm>
+          <a:prstGeom prst="wedgeRoundRectCallout">
             <a:avLst>
-              <a:gd name="adj1" fmla="val 50000"/>
+              <a:gd name="adj1" fmla="val -32608"/>
+              <a:gd name="adj2" fmla="val 102609"/>
+              <a:gd name="adj3" fmla="val 16667"/>
             </a:avLst>
           </a:prstGeom>
-          <a:noFill/>
-          <a:ln w="19050" cap="flat" cmpd="sng" algn="ctr">
-            <a:solidFill>
-              <a:sysClr val="windowText" lastClr="000000"/>
-            </a:solidFill>
-            <a:prstDash val="solid"/>
+          <a:solidFill>
+            <a:schemeClr val="accent1">
+              <a:lumMod val="20000"/>
+              <a:lumOff val="80000"/>
+            </a:schemeClr>
+          </a:solidFill>
+          <a:ln w="9525">
+            <a:noFill/>
+            <a:prstDash val="sysDash"/>
             <a:headEnd type="none" w="med" len="med"/>
             <a:tailEnd type="arrow" w="med" len="med"/>
           </a:ln>
-          <a:effectLst/>
-        </p:spPr>
-      </p:cxnSp>
-      <p:sp>
-        <p:nvSpPr>
-          <p:cNvPr id="33" name="Rectangle 32"/>
+        </p:spPr>
+        <p:style>
+          <a:lnRef idx="2">
+            <a:schemeClr val="accent1">
+              <a:shade val="50000"/>
+            </a:schemeClr>
+          </a:lnRef>
+          <a:fillRef idx="1">
+            <a:schemeClr val="accent1"/>
+          </a:fillRef>
+          <a:effectRef idx="0">
+            <a:schemeClr val="accent1"/>
+          </a:effectRef>
+          <a:fontRef idx="minor">
+            <a:schemeClr val="lt1"/>
+          </a:fontRef>
+        </p:style>
+        <p:txBody>
+          <a:bodyPr wrap="square" rtlCol="0" anchor="ctr">
+            <a:spAutoFit/>
+          </a:bodyPr>
+          <a:lstStyle/>
+          <a:p>
+            <a:pPr algn="ctr" defTabSz="872733"/>
+            <a:r>
+              <a:rPr lang="en-US" sz="2000" b="1" dirty="0">
+                <a:solidFill>
+                  <a:prstClr val="black"/>
+                </a:solidFill>
+                <a:latin typeface="Calibri"/>
+              </a:rPr>
+              <a:t>aggregation</a:t>
+            </a:r>
+          </a:p>
+        </p:txBody>
+      </p:sp>
+    </p:spTree>
+    <p:extLst>
+      <p:ext uri="{BB962C8B-B14F-4D97-AF65-F5344CB8AC3E}">
+        <p14:creationId xmlns:p14="http://schemas.microsoft.com/office/powerpoint/2010/main" val="3905253664"/>
+      </p:ext>
+    </p:extLst>
+  </p:cSld>
+  <p:clrMapOvr>
+    <a:masterClrMapping/>
+  </p:clrMapOvr>
+</p:sld>
+</file>
+
+<file path=ppt/slides/slide12.xml><?xml version="1.0" encoding="utf-8"?>
+<p:sld xmlns:a="http://schemas.openxmlformats.org/drawingml/2006/main" xmlns:r="http://schemas.openxmlformats.org/officeDocument/2006/relationships" xmlns:p="http://schemas.openxmlformats.org/presentationml/2006/main">
+  <p:cSld>
+    <p:spTree>
+      <p:nvGrpSpPr>
+        <p:cNvPr id="1" name=""/>
+        <p:cNvGrpSpPr/>
+        <p:nvPr/>
+      </p:nvGrpSpPr>
+      <p:grpSpPr>
+        <a:xfrm>
+          <a:off x="0" y="0"/>
+          <a:ext cx="0" cy="0"/>
+          <a:chOff x="0" y="0"/>
+          <a:chExt cx="0" cy="0"/>
+        </a:xfrm>
+      </p:grpSpPr>
+      <p:sp>
+        <p:nvSpPr>
+          <p:cNvPr id="4" name="Rectangle 3"/>
           <p:cNvSpPr/>
           <p:nvPr/>
         </p:nvSpPr>
         <p:spPr>
           <a:xfrm>
-            <a:off x="6130369" y="2200366"/>
-            <a:ext cx="1361302" cy="400110"/>
+            <a:off x="1647404" y="258266"/>
+            <a:ext cx="5178020" cy="400110"/>
+          </a:xfrm>
+          <a:prstGeom prst="rect">
+            <a:avLst/>
+          </a:prstGeom>
+          <a:ln w="19050"/>
+        </p:spPr>
+        <p:style>
+          <a:lnRef idx="1">
+            <a:schemeClr val="accent5"/>
+          </a:lnRef>
+          <a:fillRef idx="2">
+            <a:schemeClr val="accent5"/>
+          </a:fillRef>
+          <a:effectRef idx="1">
+            <a:schemeClr val="accent5"/>
+          </a:effectRef>
+          <a:fontRef idx="minor">
+            <a:schemeClr val="dk1"/>
+          </a:fontRef>
+        </p:style>
+        <p:txBody>
+          <a:bodyPr wrap="square" rtlCol="0" anchor="ctr">
+            <a:spAutoFit/>
+          </a:bodyPr>
+          <a:lstStyle/>
+          <a:p>
+            <a:pPr algn="ctr">
+              <a:defRPr/>
+            </a:pPr>
+            <a:r>
+              <a:rPr lang="en-US" sz="2000" kern="0" dirty="0">
+                <a:solidFill>
+                  <a:sysClr val="windowText" lastClr="000000"/>
+                </a:solidFill>
+                <a:latin typeface="Calibri"/>
+              </a:rPr>
+              <a:t>Class name</a:t>
+            </a:r>
+          </a:p>
+        </p:txBody>
+      </p:sp>
+      <p:sp>
+        <p:nvSpPr>
+          <p:cNvPr id="5" name="Rectangle 4"/>
+          <p:cNvSpPr/>
+          <p:nvPr/>
+        </p:nvSpPr>
+        <p:spPr>
+          <a:xfrm>
+            <a:off x="1645426" y="640945"/>
+            <a:ext cx="5178020" cy="400110"/>
+          </a:xfrm>
+          <a:prstGeom prst="rect">
+            <a:avLst/>
+          </a:prstGeom>
+          <a:ln w="19050"/>
+        </p:spPr>
+        <p:style>
+          <a:lnRef idx="1">
+            <a:schemeClr val="accent5"/>
+          </a:lnRef>
+          <a:fillRef idx="2">
+            <a:schemeClr val="accent5"/>
+          </a:fillRef>
+          <a:effectRef idx="1">
+            <a:schemeClr val="accent5"/>
+          </a:effectRef>
+          <a:fontRef idx="minor">
+            <a:schemeClr val="dk1"/>
+          </a:fontRef>
+        </p:style>
+        <p:txBody>
+          <a:bodyPr wrap="square" rtlCol="0" anchor="ctr">
+            <a:spAutoFit/>
+          </a:bodyPr>
+          <a:lstStyle/>
+          <a:p>
+            <a:pPr>
+              <a:defRPr/>
+            </a:pPr>
+            <a:r>
+              <a:rPr lang="en-US" sz="2000" kern="0" dirty="0">
+                <a:solidFill>
+                  <a:sysClr val="windowText" lastClr="000000"/>
+                </a:solidFill>
+                <a:latin typeface="Calibri"/>
+              </a:rPr>
+              <a:t>visibility name : type multiplicity = default-value</a:t>
+            </a:r>
+          </a:p>
+        </p:txBody>
+      </p:sp>
+      <p:sp>
+        <p:nvSpPr>
+          <p:cNvPr id="6" name="Rectangle 5"/>
+          <p:cNvSpPr/>
+          <p:nvPr/>
+        </p:nvSpPr>
+        <p:spPr>
+          <a:xfrm>
+            <a:off x="1648853" y="1013734"/>
+            <a:ext cx="5174912" cy="400110"/>
+          </a:xfrm>
+          <a:prstGeom prst="rect">
+            <a:avLst/>
+          </a:prstGeom>
+          <a:ln w="19050"/>
+        </p:spPr>
+        <p:style>
+          <a:lnRef idx="1">
+            <a:schemeClr val="accent5"/>
+          </a:lnRef>
+          <a:fillRef idx="2">
+            <a:schemeClr val="accent5"/>
+          </a:fillRef>
+          <a:effectRef idx="1">
+            <a:schemeClr val="accent5"/>
+          </a:effectRef>
+          <a:fontRef idx="minor">
+            <a:schemeClr val="dk1"/>
+          </a:fontRef>
+        </p:style>
+        <p:txBody>
+          <a:bodyPr wrap="square" rtlCol="0" anchor="ctr">
+            <a:spAutoFit/>
+          </a:bodyPr>
+          <a:lstStyle/>
+          <a:p>
+            <a:pPr>
+              <a:defRPr/>
+            </a:pPr>
+            <a:r>
+              <a:rPr lang="en-US" sz="2000" kern="0" dirty="0">
+                <a:solidFill>
+                  <a:sysClr val="windowText" lastClr="000000"/>
+                </a:solidFill>
+                <a:latin typeface="Calibri"/>
+              </a:rPr>
+              <a:t>visibility name (parameter-list) : return-type </a:t>
+            </a:r>
+          </a:p>
+        </p:txBody>
+      </p:sp>
+      <p:sp>
+        <p:nvSpPr>
+          <p:cNvPr id="13" name="Rectangle 12"/>
+          <p:cNvSpPr/>
+          <p:nvPr/>
+        </p:nvSpPr>
+        <p:spPr>
+          <a:xfrm>
+            <a:off x="7146324" y="843582"/>
+            <a:ext cx="3301432" cy="707886"/>
+          </a:xfrm>
+          <a:prstGeom prst="rect">
+            <a:avLst/>
+          </a:prstGeom>
+          <a:ln w="19050"/>
+        </p:spPr>
+        <p:style>
+          <a:lnRef idx="1">
+            <a:schemeClr val="accent5"/>
+          </a:lnRef>
+          <a:fillRef idx="2">
+            <a:schemeClr val="accent5"/>
+          </a:fillRef>
+          <a:effectRef idx="1">
+            <a:schemeClr val="accent5"/>
+          </a:effectRef>
+          <a:fontRef idx="minor">
+            <a:schemeClr val="dk1"/>
+          </a:fontRef>
+        </p:style>
+        <p:txBody>
+          <a:bodyPr wrap="square" rtlCol="0" anchor="ctr">
+            <a:spAutoFit/>
+          </a:bodyPr>
+          <a:lstStyle/>
+          <a:p>
+            <a:pPr algn="ctr">
+              <a:defRPr/>
+            </a:pPr>
+            <a:r>
+              <a:rPr lang="en-US" sz="2000" kern="0" dirty="0">
+                <a:solidFill>
+                  <a:srgbClr val="FF0000"/>
+                </a:solidFill>
+                <a:latin typeface="Calibri"/>
+              </a:rPr>
+              <a:t>{abstract}</a:t>
+            </a:r>
+            <a:br>
+              <a:rPr lang="en-US" sz="2000" kern="0" dirty="0">
+                <a:solidFill>
+                  <a:srgbClr val="FF0000"/>
+                </a:solidFill>
+                <a:latin typeface="Calibri"/>
+              </a:rPr>
+            </a:br>
+            <a:r>
+              <a:rPr lang="en-US" sz="2000" kern="0" dirty="0" err="1">
+                <a:solidFill>
+                  <a:sysClr val="windowText" lastClr="000000"/>
+                </a:solidFill>
+                <a:latin typeface="Calibri"/>
+              </a:rPr>
+              <a:t>AbstractClass</a:t>
+            </a:r>
+            <a:endParaRPr lang="en-US" sz="2000" kern="0" dirty="0">
+              <a:solidFill>
+                <a:sysClr val="windowText" lastClr="000000"/>
+              </a:solidFill>
+              <a:latin typeface="Calibri"/>
+            </a:endParaRPr>
+          </a:p>
+        </p:txBody>
+      </p:sp>
+      <p:sp>
+        <p:nvSpPr>
+          <p:cNvPr id="14" name="Rectangle 13"/>
+          <p:cNvSpPr/>
+          <p:nvPr/>
+        </p:nvSpPr>
+        <p:spPr>
+          <a:xfrm>
+            <a:off x="7142938" y="1507056"/>
+            <a:ext cx="3305926" cy="524380"/>
+          </a:xfrm>
+          <a:prstGeom prst="rect">
+            <a:avLst/>
+          </a:prstGeom>
+          <a:ln w="19050"/>
+        </p:spPr>
+        <p:style>
+          <a:lnRef idx="1">
+            <a:schemeClr val="accent5"/>
+          </a:lnRef>
+          <a:fillRef idx="2">
+            <a:schemeClr val="accent5"/>
+          </a:fillRef>
+          <a:effectRef idx="1">
+            <a:schemeClr val="accent5"/>
+          </a:effectRef>
+          <a:fontRef idx="minor">
+            <a:schemeClr val="dk1"/>
+          </a:fontRef>
+        </p:style>
+        <p:txBody>
+          <a:bodyPr wrap="square" rtlCol="0" anchor="ctr">
+            <a:noAutofit/>
+          </a:bodyPr>
+          <a:lstStyle/>
+          <a:p>
+            <a:pPr>
+              <a:defRPr/>
+            </a:pPr>
+            <a:r>
+              <a:rPr lang="en-US" sz="2000" kern="0" dirty="0">
+                <a:solidFill>
+                  <a:sysClr val="windowText" lastClr="000000"/>
+                </a:solidFill>
+                <a:latin typeface="Calibri"/>
+              </a:rPr>
+              <a:t> </a:t>
+            </a:r>
+            <a:r>
+              <a:rPr lang="en-US" sz="2000" u="sng" kern="0" dirty="0" err="1">
+                <a:solidFill>
+                  <a:srgbClr val="FF0000"/>
+                </a:solidFill>
+                <a:latin typeface="Calibri"/>
+              </a:rPr>
+              <a:t>classLevelAttribute</a:t>
+            </a:r>
+            <a:endParaRPr lang="en-US" sz="2000" u="sng" kern="0" dirty="0">
+              <a:solidFill>
+                <a:srgbClr val="FF0000"/>
+              </a:solidFill>
+              <a:latin typeface="Calibri"/>
+            </a:endParaRPr>
+          </a:p>
+        </p:txBody>
+      </p:sp>
+      <p:sp>
+        <p:nvSpPr>
+          <p:cNvPr id="15" name="Rectangle 14"/>
+          <p:cNvSpPr/>
+          <p:nvPr/>
+        </p:nvSpPr>
+        <p:spPr>
+          <a:xfrm>
+            <a:off x="7145492" y="2035314"/>
+            <a:ext cx="3302265" cy="707886"/>
+          </a:xfrm>
+          <a:prstGeom prst="rect">
+            <a:avLst/>
+          </a:prstGeom>
+          <a:ln w="19050"/>
+        </p:spPr>
+        <p:style>
+          <a:lnRef idx="1">
+            <a:schemeClr val="accent5"/>
+          </a:lnRef>
+          <a:fillRef idx="2">
+            <a:schemeClr val="accent5"/>
+          </a:fillRef>
+          <a:effectRef idx="1">
+            <a:schemeClr val="accent5"/>
+          </a:effectRef>
+          <a:fontRef idx="minor">
+            <a:schemeClr val="dk1"/>
+          </a:fontRef>
+        </p:style>
+        <p:txBody>
+          <a:bodyPr wrap="square" rtlCol="0" anchor="ctr">
+            <a:spAutoFit/>
+          </a:bodyPr>
+          <a:lstStyle/>
+          <a:p>
+            <a:pPr>
+              <a:defRPr/>
+            </a:pPr>
+            <a:r>
+              <a:rPr lang="en-US" sz="2000" kern="0" dirty="0" err="1">
+                <a:solidFill>
+                  <a:sysClr val="windowText" lastClr="000000"/>
+                </a:solidFill>
+                <a:latin typeface="Calibri"/>
+              </a:rPr>
+              <a:t>abstractOperation</a:t>
+            </a:r>
+            <a:r>
+              <a:rPr lang="en-US" sz="2000" kern="0" dirty="0">
+                <a:solidFill>
+                  <a:sysClr val="windowText" lastClr="000000"/>
+                </a:solidFill>
+                <a:latin typeface="Calibri"/>
+              </a:rPr>
+              <a:t>  </a:t>
+            </a:r>
+            <a:r>
+              <a:rPr lang="en-US" sz="2000" kern="0" dirty="0">
+                <a:solidFill>
+                  <a:srgbClr val="FF0000"/>
+                </a:solidFill>
+                <a:latin typeface="Calibri"/>
+              </a:rPr>
+              <a:t>{abstract}</a:t>
+            </a:r>
+          </a:p>
+          <a:p>
+            <a:pPr>
+              <a:defRPr/>
+            </a:pPr>
+            <a:r>
+              <a:rPr lang="en-US" sz="2000" u="sng" kern="0" dirty="0" err="1">
+                <a:solidFill>
+                  <a:srgbClr val="FF0000"/>
+                </a:solidFill>
+                <a:latin typeface="Calibri"/>
+              </a:rPr>
+              <a:t>classLevelOperation</a:t>
+            </a:r>
+            <a:endParaRPr lang="en-US" sz="2000" u="sng" kern="0" dirty="0">
+              <a:solidFill>
+                <a:srgbClr val="FF0000"/>
+              </a:solidFill>
+              <a:latin typeface="Calibri"/>
+            </a:endParaRPr>
+          </a:p>
+        </p:txBody>
+      </p:sp>
+      <p:sp>
+        <p:nvSpPr>
+          <p:cNvPr id="16" name="Rectangle 15"/>
+          <p:cNvSpPr/>
+          <p:nvPr/>
+        </p:nvSpPr>
+        <p:spPr>
+          <a:xfrm>
+            <a:off x="2514600" y="2367992"/>
+            <a:ext cx="1915296" cy="707886"/>
           </a:xfrm>
           <a:prstGeom prst="rect">
             <a:avLst/>
@@ -14577,92 +14568,48 @@
           </a:bodyPr>
           <a:lstStyle/>
           <a:p>
-            <a:pPr>
+            <a:pPr algn="ctr">
               <a:defRPr/>
             </a:pPr>
             <a:r>
-              <a:rPr lang="en-US" sz="2000" kern="0" dirty="0" err="1">
-                <a:solidFill>
-                  <a:sysClr val="windowText" lastClr="000000"/>
+              <a:rPr lang="en-US" sz="2000" kern="0" dirty="0">
+                <a:solidFill>
+                  <a:srgbClr val="FF0000"/>
                 </a:solidFill>
                 <a:latin typeface="Calibri"/>
               </a:rPr>
-              <a:t>MinedCell</a:t>
-            </a:r>
-            <a:endParaRPr lang="en-US" sz="2000" kern="0" dirty="0">
-              <a:solidFill>
-                <a:sysClr val="windowText" lastClr="000000"/>
-              </a:solidFill>
-              <a:latin typeface="Calibri"/>
-            </a:endParaRPr>
-          </a:p>
-        </p:txBody>
-      </p:sp>
-      <p:sp>
-        <p:nvSpPr>
-          <p:cNvPr id="34" name="TextBox 33"/>
-          <p:cNvSpPr txBox="1"/>
+              <a:t>&lt;&lt;interface&gt;&gt;</a:t>
+            </a:r>
+            <a:br>
+              <a:rPr lang="en-US" sz="2000" kern="0" dirty="0">
+                <a:solidFill>
+                  <a:srgbClr val="FF0000"/>
+                </a:solidFill>
+                <a:latin typeface="Calibri"/>
+              </a:rPr>
+            </a:br>
+            <a:r>
+              <a:rPr lang="en-US" sz="2000" kern="0" dirty="0">
+                <a:solidFill>
+                  <a:sysClr val="windowText" lastClr="000000"/>
+                </a:solidFill>
+                <a:latin typeface="Calibri"/>
+              </a:rPr>
+              <a:t>Interface name</a:t>
+            </a:r>
+          </a:p>
+        </p:txBody>
+      </p:sp>
+      <p:sp>
+        <p:nvSpPr>
+          <p:cNvPr id="17" name="Rectangle 16"/>
+          <p:cNvSpPr/>
           <p:nvPr/>
         </p:nvSpPr>
         <p:spPr>
           <a:xfrm>
-            <a:off x="8153400" y="142726"/>
-            <a:ext cx="1600200" cy="400110"/>
-          </a:xfrm>
-          <a:prstGeom prst="rect">
-            <a:avLst/>
-          </a:prstGeom>
-          <a:noFill/>
-        </p:spPr>
-        <p:txBody>
-          <a:bodyPr wrap="square" rtlCol="0">
-            <a:spAutoFit/>
-          </a:bodyPr>
-          <a:lstStyle/>
-          <a:p>
-            <a:pPr>
-              <a:defRPr/>
-            </a:pPr>
-            <a:r>
-              <a:rPr lang="en-US" sz="2000" kern="0" dirty="0">
-                <a:solidFill>
-                  <a:sysClr val="windowText" lastClr="000000"/>
-                </a:solidFill>
-                <a:latin typeface="Calibri"/>
-              </a:rPr>
-              <a:t> </a:t>
-            </a:r>
-            <a:r>
-              <a:rPr lang="en-US" sz="2000" b="1" kern="0" dirty="0">
-                <a:solidFill>
-                  <a:sysClr val="windowText" lastClr="000000"/>
-                </a:solidFill>
-                <a:latin typeface="Calibri"/>
-              </a:rPr>
-              <a:t>&lt;</a:t>
-            </a:r>
-            <a:r>
-              <a:rPr lang="en-US" sz="2000" kern="0" dirty="0">
-                <a:solidFill>
-                  <a:sysClr val="windowText" lastClr="000000"/>
-                </a:solidFill>
-                <a:latin typeface="Calibri"/>
-              </a:rPr>
-              <a:t> adjacent to</a:t>
-            </a:r>
-          </a:p>
-        </p:txBody>
-      </p:sp>
-      <p:sp>
-        <p:nvSpPr>
-          <p:cNvPr id="37" name="Rectangle 36"/>
-          <p:cNvSpPr/>
-          <p:nvPr/>
-        </p:nvSpPr>
-        <p:spPr>
-          <a:xfrm>
-            <a:off x="7761462" y="2200366"/>
-            <a:ext cx="2693772" cy="400110"/>
+            <a:off x="1970902" y="3800804"/>
+            <a:ext cx="1299518" cy="400110"/>
           </a:xfrm>
           <a:prstGeom prst="rect">
             <a:avLst/>
@@ -14713,6 +14660,1651 @@
           </a:bodyPr>
           <a:lstStyle/>
           <a:p>
+            <a:pPr>
+              <a:defRPr/>
+            </a:pPr>
+            <a:r>
+              <a:rPr lang="en-US" sz="2000" kern="0" dirty="0">
+                <a:solidFill>
+                  <a:sysClr val="windowText" lastClr="000000"/>
+                </a:solidFill>
+                <a:latin typeface="Calibri"/>
+              </a:rPr>
+              <a:t>Class 1</a:t>
+            </a:r>
+          </a:p>
+        </p:txBody>
+      </p:sp>
+      <p:sp>
+        <p:nvSpPr>
+          <p:cNvPr id="18" name="Isosceles Triangle 17"/>
+          <p:cNvSpPr/>
+          <p:nvPr/>
+        </p:nvSpPr>
+        <p:spPr>
+          <a:xfrm>
+            <a:off x="3346620" y="3054193"/>
+            <a:ext cx="228600" cy="152400"/>
+          </a:xfrm>
+          <a:prstGeom prst="triangle">
+            <a:avLst/>
+          </a:prstGeom>
+          <a:solidFill>
+            <a:schemeClr val="bg1"/>
+          </a:solidFill>
+          <a:ln w="19050">
+            <a:solidFill>
+              <a:srgbClr val="FF0000"/>
+            </a:solidFill>
+          </a:ln>
+        </p:spPr>
+        <p:style>
+          <a:lnRef idx="2">
+            <a:schemeClr val="accent1">
+              <a:shade val="50000"/>
+            </a:schemeClr>
+          </a:lnRef>
+          <a:fillRef idx="1">
+            <a:schemeClr val="accent1"/>
+          </a:fillRef>
+          <a:effectRef idx="0">
+            <a:schemeClr val="accent1"/>
+          </a:effectRef>
+          <a:fontRef idx="minor">
+            <a:schemeClr val="lt1"/>
+          </a:fontRef>
+        </p:style>
+        <p:txBody>
+          <a:bodyPr rtlCol="0" anchor="ctr"/>
+          <a:lstStyle/>
+          <a:p>
+            <a:pPr algn="ctr" defTabSz="872733"/>
+            <a:endParaRPr lang="en-US" sz="2000">
+              <a:solidFill>
+                <a:prstClr val="black"/>
+              </a:solidFill>
+              <a:latin typeface="Calibri"/>
+            </a:endParaRPr>
+          </a:p>
+        </p:txBody>
+      </p:sp>
+      <p:cxnSp>
+        <p:nvCxnSpPr>
+          <p:cNvPr id="19" name="Elbow Connector 26"/>
+          <p:cNvCxnSpPr>
+            <a:stCxn id="17" idx="0"/>
+            <a:endCxn id="18" idx="3"/>
+          </p:cNvCxnSpPr>
+          <p:nvPr/>
+        </p:nvCxnSpPr>
+        <p:spPr>
+          <a:xfrm rot="5400000" flipH="1" flipV="1">
+            <a:off x="2743686" y="3083571"/>
+            <a:ext cx="594211" cy="840259"/>
+          </a:xfrm>
+          <a:prstGeom prst="bentConnector3">
+            <a:avLst>
+              <a:gd name="adj1" fmla="val 50000"/>
+            </a:avLst>
+          </a:prstGeom>
+          <a:noFill/>
+          <a:ln w="19050" cap="flat" cmpd="sng" algn="ctr">
+            <a:solidFill>
+              <a:srgbClr val="FF0000"/>
+            </a:solidFill>
+            <a:prstDash val="dash"/>
+          </a:ln>
+          <a:effectLst/>
+        </p:spPr>
+      </p:cxnSp>
+      <p:cxnSp>
+        <p:nvCxnSpPr>
+          <p:cNvPr id="20" name="Elbow Connector 26"/>
+          <p:cNvCxnSpPr>
+            <a:stCxn id="21" idx="0"/>
+            <a:endCxn id="18" idx="3"/>
+          </p:cNvCxnSpPr>
+          <p:nvPr/>
+        </p:nvCxnSpPr>
+        <p:spPr>
+          <a:xfrm rot="16200000" flipV="1">
+            <a:off x="3618442" y="3049073"/>
+            <a:ext cx="598329" cy="913370"/>
+          </a:xfrm>
+          <a:prstGeom prst="bentConnector3">
+            <a:avLst>
+              <a:gd name="adj1" fmla="val 50000"/>
+            </a:avLst>
+          </a:prstGeom>
+          <a:noFill/>
+          <a:ln w="19050" cap="flat" cmpd="sng" algn="ctr">
+            <a:solidFill>
+              <a:srgbClr val="FF0000"/>
+            </a:solidFill>
+            <a:prstDash val="dash"/>
+          </a:ln>
+          <a:effectLst/>
+        </p:spPr>
+      </p:cxnSp>
+      <p:sp>
+        <p:nvSpPr>
+          <p:cNvPr id="21" name="Rectangle 20"/>
+          <p:cNvSpPr/>
+          <p:nvPr/>
+        </p:nvSpPr>
+        <p:spPr>
+          <a:xfrm>
+            <a:off x="3737917" y="3804922"/>
+            <a:ext cx="1272747" cy="400110"/>
+          </a:xfrm>
+          <a:prstGeom prst="rect">
+            <a:avLst/>
+          </a:prstGeom>
+          <a:gradFill rotWithShape="1">
+            <a:gsLst>
+              <a:gs pos="0">
+                <a:srgbClr val="4F81BD">
+                  <a:tint val="50000"/>
+                  <a:satMod val="300000"/>
+                </a:srgbClr>
+              </a:gs>
+              <a:gs pos="35000">
+                <a:srgbClr val="4F81BD">
+                  <a:tint val="37000"/>
+                  <a:satMod val="300000"/>
+                </a:srgbClr>
+              </a:gs>
+              <a:gs pos="100000">
+                <a:srgbClr val="4F81BD">
+                  <a:tint val="15000"/>
+                  <a:satMod val="350000"/>
+                </a:srgbClr>
+              </a:gs>
+            </a:gsLst>
+            <a:lin ang="16200000" scaled="1"/>
+          </a:gradFill>
+          <a:ln w="19050" cap="flat" cmpd="sng" algn="ctr">
+            <a:solidFill>
+              <a:srgbClr val="4F81BD">
+                <a:shade val="95000"/>
+                <a:satMod val="105000"/>
+              </a:srgbClr>
+            </a:solidFill>
+            <a:prstDash val="solid"/>
+          </a:ln>
+          <a:effectLst>
+            <a:outerShdw blurRad="40000" dist="20000" dir="5400000" rotWithShape="0">
+              <a:srgbClr val="000000">
+                <a:alpha val="38000"/>
+              </a:srgbClr>
+            </a:outerShdw>
+          </a:effectLst>
+        </p:spPr>
+        <p:txBody>
+          <a:bodyPr wrap="square" rtlCol="0" anchor="ctr">
+            <a:spAutoFit/>
+          </a:bodyPr>
+          <a:lstStyle/>
+          <a:p>
+            <a:pPr>
+              <a:defRPr/>
+            </a:pPr>
+            <a:r>
+              <a:rPr lang="en-US" sz="2000" kern="0" dirty="0">
+                <a:solidFill>
+                  <a:sysClr val="windowText" lastClr="000000"/>
+                </a:solidFill>
+                <a:latin typeface="Calibri"/>
+              </a:rPr>
+              <a:t>Class 2</a:t>
+            </a:r>
+          </a:p>
+        </p:txBody>
+      </p:sp>
+      <p:sp>
+        <p:nvSpPr>
+          <p:cNvPr id="22" name="Rounded Rectangular Callout 21"/>
+          <p:cNvSpPr/>
+          <p:nvPr/>
+        </p:nvSpPr>
+        <p:spPr>
+          <a:xfrm>
+            <a:off x="3313330" y="1746625"/>
+            <a:ext cx="1396653" cy="442674"/>
+          </a:xfrm>
+          <a:prstGeom prst="wedgeRoundRectCallout">
+            <a:avLst>
+              <a:gd name="adj1" fmla="val -21302"/>
+              <a:gd name="adj2" fmla="val 80549"/>
+              <a:gd name="adj3" fmla="val 16667"/>
+            </a:avLst>
+          </a:prstGeom>
+          <a:solidFill>
+            <a:schemeClr val="accent1">
+              <a:lumMod val="20000"/>
+              <a:lumOff val="80000"/>
+            </a:schemeClr>
+          </a:solidFill>
+          <a:ln w="9525">
+            <a:noFill/>
+            <a:prstDash val="sysDash"/>
+            <a:headEnd type="none" w="med" len="med"/>
+            <a:tailEnd type="arrow" w="med" len="med"/>
+          </a:ln>
+        </p:spPr>
+        <p:style>
+          <a:lnRef idx="2">
+            <a:schemeClr val="accent1">
+              <a:shade val="50000"/>
+            </a:schemeClr>
+          </a:lnRef>
+          <a:fillRef idx="1">
+            <a:schemeClr val="accent1"/>
+          </a:fillRef>
+          <a:effectRef idx="0">
+            <a:schemeClr val="accent1"/>
+          </a:effectRef>
+          <a:fontRef idx="minor">
+            <a:schemeClr val="lt1"/>
+          </a:fontRef>
+        </p:style>
+        <p:txBody>
+          <a:bodyPr wrap="square" rtlCol="0" anchor="ctr">
+            <a:spAutoFit/>
+          </a:bodyPr>
+          <a:lstStyle/>
+          <a:p>
+            <a:pPr algn="ctr" defTabSz="872733"/>
+            <a:r>
+              <a:rPr lang="en-US" sz="2000" b="1" dirty="0">
+                <a:solidFill>
+                  <a:prstClr val="black"/>
+                </a:solidFill>
+                <a:latin typeface="Calibri"/>
+              </a:rPr>
+              <a:t>interfaces</a:t>
+            </a:r>
+          </a:p>
+        </p:txBody>
+      </p:sp>
+      <p:sp>
+        <p:nvSpPr>
+          <p:cNvPr id="23" name="Rounded Rectangular Callout 22"/>
+          <p:cNvSpPr/>
+          <p:nvPr/>
+        </p:nvSpPr>
+        <p:spPr>
+          <a:xfrm>
+            <a:off x="7146325" y="222135"/>
+            <a:ext cx="3274541" cy="442674"/>
+          </a:xfrm>
+          <a:prstGeom prst="wedgeRoundRectCallout">
+            <a:avLst/>
+          </a:prstGeom>
+          <a:solidFill>
+            <a:schemeClr val="accent1">
+              <a:lumMod val="20000"/>
+              <a:lumOff val="80000"/>
+            </a:schemeClr>
+          </a:solidFill>
+          <a:ln w="9525">
+            <a:noFill/>
+            <a:prstDash val="sysDash"/>
+            <a:headEnd type="none" w="med" len="med"/>
+            <a:tailEnd type="arrow" w="med" len="med"/>
+          </a:ln>
+        </p:spPr>
+        <p:style>
+          <a:lnRef idx="2">
+            <a:schemeClr val="accent1">
+              <a:shade val="50000"/>
+            </a:schemeClr>
+          </a:lnRef>
+          <a:fillRef idx="1">
+            <a:schemeClr val="accent1"/>
+          </a:fillRef>
+          <a:effectRef idx="0">
+            <a:schemeClr val="accent1"/>
+          </a:effectRef>
+          <a:fontRef idx="minor">
+            <a:schemeClr val="lt1"/>
+          </a:fontRef>
+        </p:style>
+        <p:txBody>
+          <a:bodyPr wrap="square" rtlCol="0" anchor="ctr">
+            <a:spAutoFit/>
+          </a:bodyPr>
+          <a:lstStyle/>
+          <a:p>
+            <a:pPr algn="ctr" defTabSz="872733"/>
+            <a:r>
+              <a:rPr lang="en-US" sz="2000" b="1" dirty="0">
+                <a:solidFill>
+                  <a:prstClr val="black"/>
+                </a:solidFill>
+                <a:latin typeface="Calibri"/>
+              </a:rPr>
+              <a:t>abstract/ static</a:t>
+            </a:r>
+          </a:p>
+        </p:txBody>
+      </p:sp>
+      <p:sp>
+        <p:nvSpPr>
+          <p:cNvPr id="24" name="Rectangle 23"/>
+          <p:cNvSpPr/>
+          <p:nvPr/>
+        </p:nvSpPr>
+        <p:spPr>
+          <a:xfrm>
+            <a:off x="6172200" y="4267200"/>
+            <a:ext cx="1153298" cy="400110"/>
+          </a:xfrm>
+          <a:prstGeom prst="rect">
+            <a:avLst/>
+          </a:prstGeom>
+          <a:ln w="19050"/>
+        </p:spPr>
+        <p:style>
+          <a:lnRef idx="1">
+            <a:schemeClr val="accent3"/>
+          </a:lnRef>
+          <a:fillRef idx="2">
+            <a:schemeClr val="accent3"/>
+          </a:fillRef>
+          <a:effectRef idx="1">
+            <a:schemeClr val="accent3"/>
+          </a:effectRef>
+          <a:fontRef idx="minor">
+            <a:schemeClr val="dk1"/>
+          </a:fontRef>
+        </p:style>
+        <p:txBody>
+          <a:bodyPr wrap="square" rtlCol="0" anchor="ctr">
+            <a:spAutoFit/>
+          </a:bodyPr>
+          <a:lstStyle/>
+          <a:p>
+            <a:pPr algn="ctr">
+              <a:defRPr/>
+            </a:pPr>
+            <a:r>
+              <a:rPr lang="en-US" sz="2000" kern="0" dirty="0">
+                <a:solidFill>
+                  <a:sysClr val="windowText" lastClr="000000"/>
+                </a:solidFill>
+                <a:latin typeface="Calibri"/>
+              </a:rPr>
+              <a:t>Class A</a:t>
+            </a:r>
+          </a:p>
+        </p:txBody>
+      </p:sp>
+      <p:sp>
+        <p:nvSpPr>
+          <p:cNvPr id="25" name="Rectangle 24"/>
+          <p:cNvSpPr/>
+          <p:nvPr/>
+        </p:nvSpPr>
+        <p:spPr>
+          <a:xfrm>
+            <a:off x="8697098" y="4267200"/>
+            <a:ext cx="1268626" cy="400110"/>
+          </a:xfrm>
+          <a:prstGeom prst="rect">
+            <a:avLst/>
+          </a:prstGeom>
+          <a:gradFill rotWithShape="1">
+            <a:gsLst>
+              <a:gs pos="0">
+                <a:srgbClr val="4F81BD">
+                  <a:tint val="50000"/>
+                  <a:satMod val="300000"/>
+                </a:srgbClr>
+              </a:gs>
+              <a:gs pos="35000">
+                <a:srgbClr val="4F81BD">
+                  <a:tint val="37000"/>
+                  <a:satMod val="300000"/>
+                </a:srgbClr>
+              </a:gs>
+              <a:gs pos="100000">
+                <a:srgbClr val="4F81BD">
+                  <a:tint val="15000"/>
+                  <a:satMod val="350000"/>
+                </a:srgbClr>
+              </a:gs>
+            </a:gsLst>
+            <a:lin ang="16200000" scaled="1"/>
+          </a:gradFill>
+          <a:ln w="19050" cap="flat" cmpd="sng" algn="ctr">
+            <a:solidFill>
+              <a:srgbClr val="4F81BD">
+                <a:shade val="95000"/>
+                <a:satMod val="105000"/>
+              </a:srgbClr>
+            </a:solidFill>
+            <a:prstDash val="solid"/>
+          </a:ln>
+          <a:effectLst>
+            <a:outerShdw blurRad="40000" dist="20000" dir="5400000" rotWithShape="0">
+              <a:srgbClr val="000000">
+                <a:alpha val="38000"/>
+              </a:srgbClr>
+            </a:outerShdw>
+          </a:effectLst>
+        </p:spPr>
+        <p:txBody>
+          <a:bodyPr wrap="square" rtlCol="0" anchor="ctr">
+            <a:spAutoFit/>
+          </a:bodyPr>
+          <a:lstStyle/>
+          <a:p>
+            <a:pPr algn="ctr">
+              <a:defRPr/>
+            </a:pPr>
+            <a:r>
+              <a:rPr lang="en-US" sz="2000" kern="0" dirty="0">
+                <a:solidFill>
+                  <a:sysClr val="windowText" lastClr="000000"/>
+                </a:solidFill>
+                <a:latin typeface="Calibri"/>
+              </a:rPr>
+              <a:t>Class B</a:t>
+            </a:r>
+          </a:p>
+        </p:txBody>
+      </p:sp>
+      <p:cxnSp>
+        <p:nvCxnSpPr>
+          <p:cNvPr id="26" name="Elbow Connector 26"/>
+          <p:cNvCxnSpPr>
+            <a:stCxn id="25" idx="1"/>
+            <a:endCxn id="24" idx="3"/>
+          </p:cNvCxnSpPr>
+          <p:nvPr/>
+        </p:nvCxnSpPr>
+        <p:spPr>
+          <a:xfrm rot="10800000">
+            <a:off x="7325498" y="4467255"/>
+            <a:ext cx="1371600" cy="12700"/>
+          </a:xfrm>
+          <a:prstGeom prst="bentConnector3">
+            <a:avLst>
+              <a:gd name="adj1" fmla="val 50000"/>
+            </a:avLst>
+          </a:prstGeom>
+          <a:noFill/>
+          <a:ln w="19050" cap="flat" cmpd="sng" algn="ctr">
+            <a:solidFill>
+              <a:srgbClr val="FF0000"/>
+            </a:solidFill>
+            <a:prstDash val="solid"/>
+            <a:headEnd type="arrow" w="med" len="med"/>
+            <a:tailEnd type="none" w="med" len="med"/>
+          </a:ln>
+          <a:effectLst/>
+        </p:spPr>
+      </p:cxnSp>
+      <p:sp>
+        <p:nvSpPr>
+          <p:cNvPr id="29" name="Rounded Rectangular Callout 28"/>
+          <p:cNvSpPr/>
+          <p:nvPr/>
+        </p:nvSpPr>
+        <p:spPr>
+          <a:xfrm>
+            <a:off x="7830066" y="3344558"/>
+            <a:ext cx="1734064" cy="442674"/>
+          </a:xfrm>
+          <a:prstGeom prst="wedgeRoundRectCallout">
+            <a:avLst>
+              <a:gd name="adj1" fmla="val -5474"/>
+              <a:gd name="adj2" fmla="val 164779"/>
+              <a:gd name="adj3" fmla="val 16667"/>
+            </a:avLst>
+          </a:prstGeom>
+          <a:solidFill>
+            <a:schemeClr val="accent1">
+              <a:lumMod val="20000"/>
+              <a:lumOff val="80000"/>
+            </a:schemeClr>
+          </a:solidFill>
+          <a:ln w="9525">
+            <a:noFill/>
+            <a:prstDash val="sysDash"/>
+            <a:headEnd type="none" w="med" len="med"/>
+            <a:tailEnd type="arrow" w="med" len="med"/>
+          </a:ln>
+        </p:spPr>
+        <p:style>
+          <a:lnRef idx="2">
+            <a:schemeClr val="accent1">
+              <a:shade val="50000"/>
+            </a:schemeClr>
+          </a:lnRef>
+          <a:fillRef idx="1">
+            <a:schemeClr val="accent1"/>
+          </a:fillRef>
+          <a:effectRef idx="0">
+            <a:schemeClr val="accent1"/>
+          </a:effectRef>
+          <a:fontRef idx="minor">
+            <a:schemeClr val="lt1"/>
+          </a:fontRef>
+        </p:style>
+        <p:txBody>
+          <a:bodyPr wrap="square" rtlCol="0" anchor="ctr">
+            <a:spAutoFit/>
+          </a:bodyPr>
+          <a:lstStyle/>
+          <a:p>
+            <a:pPr algn="ctr" defTabSz="872733"/>
+            <a:r>
+              <a:rPr lang="en-US" sz="2000" b="1" dirty="0">
+                <a:solidFill>
+                  <a:prstClr val="black"/>
+                </a:solidFill>
+                <a:latin typeface="Calibri"/>
+              </a:rPr>
+              <a:t>navigability</a:t>
+            </a:r>
+          </a:p>
+        </p:txBody>
+      </p:sp>
+      <p:sp>
+        <p:nvSpPr>
+          <p:cNvPr id="30" name="Rectangle 29"/>
+          <p:cNvSpPr/>
+          <p:nvPr/>
+        </p:nvSpPr>
+        <p:spPr>
+          <a:xfrm>
+            <a:off x="6332321" y="5969345"/>
+            <a:ext cx="1153298" cy="400110"/>
+          </a:xfrm>
+          <a:prstGeom prst="rect">
+            <a:avLst/>
+          </a:prstGeom>
+          <a:ln w="19050"/>
+        </p:spPr>
+        <p:style>
+          <a:lnRef idx="1">
+            <a:schemeClr val="accent3"/>
+          </a:lnRef>
+          <a:fillRef idx="2">
+            <a:schemeClr val="accent3"/>
+          </a:fillRef>
+          <a:effectRef idx="1">
+            <a:schemeClr val="accent3"/>
+          </a:effectRef>
+          <a:fontRef idx="minor">
+            <a:schemeClr val="dk1"/>
+          </a:fontRef>
+        </p:style>
+        <p:txBody>
+          <a:bodyPr wrap="square" rtlCol="0" anchor="ctr">
+            <a:spAutoFit/>
+          </a:bodyPr>
+          <a:lstStyle/>
+          <a:p>
+            <a:pPr algn="ctr">
+              <a:defRPr/>
+            </a:pPr>
+            <a:r>
+              <a:rPr lang="en-US" sz="2000" kern="0" dirty="0">
+                <a:solidFill>
+                  <a:sysClr val="windowText" lastClr="000000"/>
+                </a:solidFill>
+                <a:latin typeface="Calibri"/>
+              </a:rPr>
+              <a:t>Class A</a:t>
+            </a:r>
+          </a:p>
+        </p:txBody>
+      </p:sp>
+      <p:sp>
+        <p:nvSpPr>
+          <p:cNvPr id="31" name="Rectangle 30"/>
+          <p:cNvSpPr/>
+          <p:nvPr/>
+        </p:nvSpPr>
+        <p:spPr>
+          <a:xfrm>
+            <a:off x="8857219" y="5969345"/>
+            <a:ext cx="1268626" cy="400110"/>
+          </a:xfrm>
+          <a:prstGeom prst="rect">
+            <a:avLst/>
+          </a:prstGeom>
+          <a:gradFill rotWithShape="1">
+            <a:gsLst>
+              <a:gs pos="0">
+                <a:srgbClr val="4F81BD">
+                  <a:tint val="50000"/>
+                  <a:satMod val="300000"/>
+                </a:srgbClr>
+              </a:gs>
+              <a:gs pos="35000">
+                <a:srgbClr val="4F81BD">
+                  <a:tint val="37000"/>
+                  <a:satMod val="300000"/>
+                </a:srgbClr>
+              </a:gs>
+              <a:gs pos="100000">
+                <a:srgbClr val="4F81BD">
+                  <a:tint val="15000"/>
+                  <a:satMod val="350000"/>
+                </a:srgbClr>
+              </a:gs>
+            </a:gsLst>
+            <a:lin ang="16200000" scaled="1"/>
+          </a:gradFill>
+          <a:ln w="19050" cap="flat" cmpd="sng" algn="ctr">
+            <a:solidFill>
+              <a:srgbClr val="4F81BD">
+                <a:shade val="95000"/>
+                <a:satMod val="105000"/>
+              </a:srgbClr>
+            </a:solidFill>
+            <a:prstDash val="solid"/>
+          </a:ln>
+          <a:effectLst>
+            <a:outerShdw blurRad="40000" dist="20000" dir="5400000" rotWithShape="0">
+              <a:srgbClr val="000000">
+                <a:alpha val="38000"/>
+              </a:srgbClr>
+            </a:outerShdw>
+          </a:effectLst>
+        </p:spPr>
+        <p:txBody>
+          <a:bodyPr wrap="square" rtlCol="0" anchor="ctr">
+            <a:spAutoFit/>
+          </a:bodyPr>
+          <a:lstStyle/>
+          <a:p>
+            <a:pPr algn="ctr">
+              <a:defRPr/>
+            </a:pPr>
+            <a:r>
+              <a:rPr lang="en-US" sz="2000" kern="0" dirty="0">
+                <a:solidFill>
+                  <a:sysClr val="windowText" lastClr="000000"/>
+                </a:solidFill>
+                <a:latin typeface="Calibri"/>
+              </a:rPr>
+              <a:t>Class B</a:t>
+            </a:r>
+          </a:p>
+        </p:txBody>
+      </p:sp>
+      <p:cxnSp>
+        <p:nvCxnSpPr>
+          <p:cNvPr id="32" name="Elbow Connector 26"/>
+          <p:cNvCxnSpPr>
+            <a:stCxn id="31" idx="1"/>
+            <a:endCxn id="30" idx="3"/>
+          </p:cNvCxnSpPr>
+          <p:nvPr/>
+        </p:nvCxnSpPr>
+        <p:spPr>
+          <a:xfrm rot="10800000">
+            <a:off x="7485619" y="6169400"/>
+            <a:ext cx="1371600" cy="12700"/>
+          </a:xfrm>
+          <a:prstGeom prst="bentConnector3">
+            <a:avLst>
+              <a:gd name="adj1" fmla="val 50000"/>
+            </a:avLst>
+          </a:prstGeom>
+          <a:noFill/>
+          <a:ln w="19050" cap="flat" cmpd="sng" algn="ctr">
+            <a:solidFill>
+              <a:srgbClr val="FF0000"/>
+            </a:solidFill>
+            <a:prstDash val="dash"/>
+            <a:headEnd type="arrow" w="med" len="med"/>
+            <a:tailEnd type="none" w="med" len="med"/>
+          </a:ln>
+          <a:effectLst/>
+        </p:spPr>
+      </p:cxnSp>
+      <p:sp>
+        <p:nvSpPr>
+          <p:cNvPr id="33" name="Rounded Rectangular Callout 32"/>
+          <p:cNvSpPr/>
+          <p:nvPr/>
+        </p:nvSpPr>
+        <p:spPr>
+          <a:xfrm>
+            <a:off x="7477378" y="5327812"/>
+            <a:ext cx="1734064" cy="442674"/>
+          </a:xfrm>
+          <a:prstGeom prst="wedgeRoundRectCallout">
+            <a:avLst>
+              <a:gd name="adj1" fmla="val -20833"/>
+              <a:gd name="adj2" fmla="val 104615"/>
+              <a:gd name="adj3" fmla="val 16667"/>
+            </a:avLst>
+          </a:prstGeom>
+          <a:solidFill>
+            <a:schemeClr val="accent1">
+              <a:lumMod val="20000"/>
+              <a:lumOff val="80000"/>
+            </a:schemeClr>
+          </a:solidFill>
+          <a:ln w="9525">
+            <a:noFill/>
+            <a:prstDash val="sysDash"/>
+            <a:headEnd type="none" w="med" len="med"/>
+            <a:tailEnd type="arrow" w="med" len="med"/>
+          </a:ln>
+        </p:spPr>
+        <p:style>
+          <a:lnRef idx="2">
+            <a:schemeClr val="accent1">
+              <a:shade val="50000"/>
+            </a:schemeClr>
+          </a:lnRef>
+          <a:fillRef idx="1">
+            <a:schemeClr val="accent1"/>
+          </a:fillRef>
+          <a:effectRef idx="0">
+            <a:schemeClr val="accent1"/>
+          </a:effectRef>
+          <a:fontRef idx="minor">
+            <a:schemeClr val="lt1"/>
+          </a:fontRef>
+        </p:style>
+        <p:txBody>
+          <a:bodyPr wrap="square" rtlCol="0" anchor="ctr">
+            <a:spAutoFit/>
+          </a:bodyPr>
+          <a:lstStyle/>
+          <a:p>
+            <a:pPr algn="ctr" defTabSz="872733"/>
+            <a:r>
+              <a:rPr lang="en-US" sz="2000" b="1" dirty="0">
+                <a:solidFill>
+                  <a:prstClr val="black"/>
+                </a:solidFill>
+                <a:latin typeface="Calibri"/>
+              </a:rPr>
+              <a:t>dependency</a:t>
+            </a:r>
+          </a:p>
+        </p:txBody>
+      </p:sp>
+      <p:cxnSp>
+        <p:nvCxnSpPr>
+          <p:cNvPr id="10" name="Straight Connector 9"/>
+          <p:cNvCxnSpPr/>
+          <p:nvPr/>
+        </p:nvCxnSpPr>
+        <p:spPr>
+          <a:xfrm>
+            <a:off x="7325497" y="4479956"/>
+            <a:ext cx="1344574" cy="0"/>
+          </a:xfrm>
+          <a:prstGeom prst="line">
+            <a:avLst/>
+          </a:prstGeom>
+          <a:ln w="19050">
+            <a:solidFill>
+              <a:schemeClr val="tx1"/>
+            </a:solidFill>
+          </a:ln>
+        </p:spPr>
+        <p:style>
+          <a:lnRef idx="1">
+            <a:schemeClr val="accent1"/>
+          </a:lnRef>
+          <a:fillRef idx="0">
+            <a:schemeClr val="accent1"/>
+          </a:fillRef>
+          <a:effectRef idx="0">
+            <a:schemeClr val="accent1"/>
+          </a:effectRef>
+          <a:fontRef idx="minor">
+            <a:schemeClr val="tx1"/>
+          </a:fontRef>
+        </p:style>
+      </p:cxnSp>
+      <p:sp>
+        <p:nvSpPr>
+          <p:cNvPr id="27" name="Rectangle 26"/>
+          <p:cNvSpPr/>
+          <p:nvPr/>
+        </p:nvSpPr>
+        <p:spPr>
+          <a:xfrm>
+            <a:off x="2109401" y="5995946"/>
+            <a:ext cx="1022520" cy="400110"/>
+          </a:xfrm>
+          <a:prstGeom prst="rect">
+            <a:avLst/>
+          </a:prstGeom>
+          <a:ln w="19050"/>
+        </p:spPr>
+        <p:style>
+          <a:lnRef idx="1">
+            <a:schemeClr val="accent3"/>
+          </a:lnRef>
+          <a:fillRef idx="2">
+            <a:schemeClr val="accent3"/>
+          </a:fillRef>
+          <a:effectRef idx="1">
+            <a:schemeClr val="accent3"/>
+          </a:effectRef>
+          <a:fontRef idx="minor">
+            <a:schemeClr val="dk1"/>
+          </a:fontRef>
+        </p:style>
+        <p:txBody>
+          <a:bodyPr wrap="square" rtlCol="0" anchor="ctr">
+            <a:spAutoFit/>
+          </a:bodyPr>
+          <a:lstStyle/>
+          <a:p>
+            <a:pPr algn="ctr">
+              <a:defRPr/>
+            </a:pPr>
+            <a:r>
+              <a:rPr lang="en-US" sz="2000" kern="0" dirty="0">
+                <a:solidFill>
+                  <a:sysClr val="windowText" lastClr="000000"/>
+                </a:solidFill>
+                <a:latin typeface="Calibri"/>
+              </a:rPr>
+              <a:t>Class A</a:t>
+            </a:r>
+          </a:p>
+        </p:txBody>
+      </p:sp>
+      <p:sp>
+        <p:nvSpPr>
+          <p:cNvPr id="28" name="Rectangle 27"/>
+          <p:cNvSpPr/>
+          <p:nvPr/>
+        </p:nvSpPr>
+        <p:spPr>
+          <a:xfrm>
+            <a:off x="4503522" y="5995946"/>
+            <a:ext cx="1034881" cy="400110"/>
+          </a:xfrm>
+          <a:prstGeom prst="rect">
+            <a:avLst/>
+          </a:prstGeom>
+          <a:gradFill rotWithShape="1">
+            <a:gsLst>
+              <a:gs pos="0">
+                <a:srgbClr val="4F81BD">
+                  <a:tint val="50000"/>
+                  <a:satMod val="300000"/>
+                </a:srgbClr>
+              </a:gs>
+              <a:gs pos="35000">
+                <a:srgbClr val="4F81BD">
+                  <a:tint val="37000"/>
+                  <a:satMod val="300000"/>
+                </a:srgbClr>
+              </a:gs>
+              <a:gs pos="100000">
+                <a:srgbClr val="4F81BD">
+                  <a:tint val="15000"/>
+                  <a:satMod val="350000"/>
+                </a:srgbClr>
+              </a:gs>
+            </a:gsLst>
+            <a:lin ang="16200000" scaled="1"/>
+          </a:gradFill>
+          <a:ln w="19050" cap="flat" cmpd="sng" algn="ctr">
+            <a:solidFill>
+              <a:srgbClr val="4F81BD">
+                <a:shade val="95000"/>
+                <a:satMod val="105000"/>
+              </a:srgbClr>
+            </a:solidFill>
+            <a:prstDash val="solid"/>
+          </a:ln>
+          <a:effectLst>
+            <a:outerShdw blurRad="40000" dist="20000" dir="5400000" rotWithShape="0">
+              <a:srgbClr val="000000">
+                <a:alpha val="38000"/>
+              </a:srgbClr>
+            </a:outerShdw>
+          </a:effectLst>
+        </p:spPr>
+        <p:txBody>
+          <a:bodyPr wrap="square" rtlCol="0" anchor="ctr">
+            <a:spAutoFit/>
+          </a:bodyPr>
+          <a:lstStyle/>
+          <a:p>
+            <a:pPr algn="ctr">
+              <a:defRPr/>
+            </a:pPr>
+            <a:r>
+              <a:rPr lang="en-US" sz="2000" kern="0" dirty="0">
+                <a:solidFill>
+                  <a:sysClr val="windowText" lastClr="000000"/>
+                </a:solidFill>
+                <a:latin typeface="Calibri"/>
+              </a:rPr>
+              <a:t>Class B</a:t>
+            </a:r>
+          </a:p>
+        </p:txBody>
+      </p:sp>
+      <p:cxnSp>
+        <p:nvCxnSpPr>
+          <p:cNvPr id="35" name="Straight Connector 34"/>
+          <p:cNvCxnSpPr>
+            <a:stCxn id="27" idx="3"/>
+            <a:endCxn id="28" idx="1"/>
+          </p:cNvCxnSpPr>
+          <p:nvPr/>
+        </p:nvCxnSpPr>
+        <p:spPr>
+          <a:xfrm>
+            <a:off x="3131921" y="6196001"/>
+            <a:ext cx="1371600" cy="0"/>
+          </a:xfrm>
+          <a:prstGeom prst="line">
+            <a:avLst/>
+          </a:prstGeom>
+          <a:ln w="19050">
+            <a:solidFill>
+              <a:schemeClr val="tx1"/>
+            </a:solidFill>
+          </a:ln>
+        </p:spPr>
+        <p:style>
+          <a:lnRef idx="1">
+            <a:schemeClr val="accent1"/>
+          </a:lnRef>
+          <a:fillRef idx="0">
+            <a:schemeClr val="accent1"/>
+          </a:fillRef>
+          <a:effectRef idx="0">
+            <a:schemeClr val="accent1"/>
+          </a:effectRef>
+          <a:fontRef idx="minor">
+            <a:schemeClr val="tx1"/>
+          </a:fontRef>
+        </p:style>
+      </p:cxnSp>
+      <p:sp>
+        <p:nvSpPr>
+          <p:cNvPr id="36" name="Rectangle 35"/>
+          <p:cNvSpPr/>
+          <p:nvPr/>
+        </p:nvSpPr>
+        <p:spPr>
+          <a:xfrm>
+            <a:off x="3335488" y="5267990"/>
+            <a:ext cx="1034881" cy="400110"/>
+          </a:xfrm>
+          <a:prstGeom prst="rect">
+            <a:avLst/>
+          </a:prstGeom>
+          <a:gradFill rotWithShape="1">
+            <a:gsLst>
+              <a:gs pos="0">
+                <a:srgbClr val="4F81BD">
+                  <a:tint val="50000"/>
+                  <a:satMod val="300000"/>
+                </a:srgbClr>
+              </a:gs>
+              <a:gs pos="35000">
+                <a:srgbClr val="4F81BD">
+                  <a:tint val="37000"/>
+                  <a:satMod val="300000"/>
+                </a:srgbClr>
+              </a:gs>
+              <a:gs pos="100000">
+                <a:srgbClr val="4F81BD">
+                  <a:tint val="15000"/>
+                  <a:satMod val="350000"/>
+                </a:srgbClr>
+              </a:gs>
+            </a:gsLst>
+            <a:lin ang="16200000" scaled="1"/>
+          </a:gradFill>
+          <a:ln w="19050" cap="flat" cmpd="sng" algn="ctr">
+            <a:solidFill>
+              <a:srgbClr val="4F81BD">
+                <a:shade val="95000"/>
+                <a:satMod val="105000"/>
+              </a:srgbClr>
+            </a:solidFill>
+            <a:prstDash val="solid"/>
+          </a:ln>
+          <a:effectLst>
+            <a:outerShdw blurRad="40000" dist="20000" dir="5400000" rotWithShape="0">
+              <a:srgbClr val="000000">
+                <a:alpha val="38000"/>
+              </a:srgbClr>
+            </a:outerShdw>
+          </a:effectLst>
+        </p:spPr>
+        <p:txBody>
+          <a:bodyPr wrap="square" rtlCol="0" anchor="ctr">
+            <a:spAutoFit/>
+          </a:bodyPr>
+          <a:lstStyle/>
+          <a:p>
+            <a:pPr algn="ctr">
+              <a:defRPr/>
+            </a:pPr>
+            <a:r>
+              <a:rPr lang="en-US" sz="2000" kern="0" dirty="0">
+                <a:solidFill>
+                  <a:sysClr val="windowText" lastClr="000000"/>
+                </a:solidFill>
+                <a:latin typeface="Calibri"/>
+              </a:rPr>
+              <a:t>Class C</a:t>
+            </a:r>
+          </a:p>
+        </p:txBody>
+      </p:sp>
+      <p:cxnSp>
+        <p:nvCxnSpPr>
+          <p:cNvPr id="37" name="Straight Connector 36"/>
+          <p:cNvCxnSpPr/>
+          <p:nvPr/>
+        </p:nvCxnSpPr>
+        <p:spPr>
+          <a:xfrm>
+            <a:off x="3852928" y="5651916"/>
+            <a:ext cx="1" cy="558732"/>
+          </a:xfrm>
+          <a:prstGeom prst="line">
+            <a:avLst/>
+          </a:prstGeom>
+          <a:ln w="19050">
+            <a:solidFill>
+              <a:srgbClr val="FF0000"/>
+            </a:solidFill>
+            <a:prstDash val="dash"/>
+          </a:ln>
+        </p:spPr>
+        <p:style>
+          <a:lnRef idx="1">
+            <a:schemeClr val="accent1"/>
+          </a:lnRef>
+          <a:fillRef idx="0">
+            <a:schemeClr val="accent1"/>
+          </a:fillRef>
+          <a:effectRef idx="0">
+            <a:schemeClr val="accent1"/>
+          </a:effectRef>
+          <a:fontRef idx="minor">
+            <a:schemeClr val="tx1"/>
+          </a:fontRef>
+        </p:style>
+      </p:cxnSp>
+      <p:sp>
+        <p:nvSpPr>
+          <p:cNvPr id="40" name="Rounded Rectangular Callout 39"/>
+          <p:cNvSpPr/>
+          <p:nvPr/>
+        </p:nvSpPr>
+        <p:spPr>
+          <a:xfrm>
+            <a:off x="2109401" y="4610651"/>
+            <a:ext cx="2143898" cy="442674"/>
+          </a:xfrm>
+          <a:prstGeom prst="wedgeRoundRectCallout">
+            <a:avLst>
+              <a:gd name="adj1" fmla="val 20281"/>
+              <a:gd name="adj2" fmla="val 93449"/>
+              <a:gd name="adj3" fmla="val 16667"/>
+            </a:avLst>
+          </a:prstGeom>
+          <a:solidFill>
+            <a:schemeClr val="accent1">
+              <a:lumMod val="20000"/>
+              <a:lumOff val="80000"/>
+            </a:schemeClr>
+          </a:solidFill>
+          <a:ln w="9525">
+            <a:noFill/>
+            <a:prstDash val="sysDash"/>
+            <a:headEnd type="none" w="med" len="med"/>
+            <a:tailEnd type="arrow" w="med" len="med"/>
+          </a:ln>
+        </p:spPr>
+        <p:style>
+          <a:lnRef idx="2">
+            <a:schemeClr val="accent1">
+              <a:shade val="50000"/>
+            </a:schemeClr>
+          </a:lnRef>
+          <a:fillRef idx="1">
+            <a:schemeClr val="accent1"/>
+          </a:fillRef>
+          <a:effectRef idx="0">
+            <a:schemeClr val="accent1"/>
+          </a:effectRef>
+          <a:fontRef idx="minor">
+            <a:schemeClr val="lt1"/>
+          </a:fontRef>
+        </p:style>
+        <p:txBody>
+          <a:bodyPr wrap="square" rtlCol="0" anchor="ctr">
+            <a:spAutoFit/>
+          </a:bodyPr>
+          <a:lstStyle/>
+          <a:p>
+            <a:pPr algn="ctr" defTabSz="872733"/>
+            <a:r>
+              <a:rPr lang="en-US" sz="2000" b="1" dirty="0">
+                <a:solidFill>
+                  <a:prstClr val="black"/>
+                </a:solidFill>
+                <a:latin typeface="Calibri"/>
+              </a:rPr>
+              <a:t>Association class</a:t>
+            </a:r>
+          </a:p>
+        </p:txBody>
+      </p:sp>
+    </p:spTree>
+    <p:extLst>
+      <p:ext uri="{BB962C8B-B14F-4D97-AF65-F5344CB8AC3E}">
+        <p14:creationId xmlns:p14="http://schemas.microsoft.com/office/powerpoint/2010/main" val="242993981"/>
+      </p:ext>
+    </p:extLst>
+  </p:cSld>
+  <p:clrMapOvr>
+    <a:masterClrMapping/>
+  </p:clrMapOvr>
+</p:sld>
+</file>
+
+<file path=ppt/slides/slide13.xml><?xml version="1.0" encoding="utf-8"?>
+<p:sld xmlns:a="http://schemas.openxmlformats.org/drawingml/2006/main" xmlns:r="http://schemas.openxmlformats.org/officeDocument/2006/relationships" xmlns:p="http://schemas.openxmlformats.org/presentationml/2006/main">
+  <p:cSld>
+    <p:spTree>
+      <p:nvGrpSpPr>
+        <p:cNvPr id="1" name=""/>
+        <p:cNvGrpSpPr/>
+        <p:nvPr/>
+      </p:nvGrpSpPr>
+      <p:grpSpPr>
+        <a:xfrm>
+          <a:off x="0" y="0"/>
+          <a:ext cx="0" cy="0"/>
+          <a:chOff x="0" y="0"/>
+          <a:chExt cx="0" cy="0"/>
+        </a:xfrm>
+      </p:grpSpPr>
+      <p:sp>
+        <p:nvSpPr>
+          <p:cNvPr id="3075" name="Rectangle 2"/>
+          <p:cNvSpPr>
+            <a:spLocks noGrp="1" noChangeArrowheads="1"/>
+          </p:cNvSpPr>
+          <p:nvPr>
+            <p:ph type="title"/>
+          </p:nvPr>
+        </p:nvSpPr>
+        <p:spPr>
+          <a:xfrm>
+            <a:off x="1852872" y="188256"/>
+            <a:ext cx="3633529" cy="377170"/>
+          </a:xfrm>
+        </p:spPr>
+        <p:txBody>
+          <a:bodyPr vert="horz" lIns="87273" tIns="43637" rIns="87273" bIns="43637" rtlCol="0" anchor="ctr">
+            <a:noAutofit/>
+          </a:bodyPr>
+          <a:lstStyle/>
+          <a:p>
+            <a:r>
+              <a:rPr lang="en-US" sz="2400" dirty="0"/>
+              <a:t>Class diagrams [example] </a:t>
+            </a:r>
+          </a:p>
+        </p:txBody>
+      </p:sp>
+      <p:sp>
+        <p:nvSpPr>
+          <p:cNvPr id="25" name="Rectangle 24"/>
+          <p:cNvSpPr/>
+          <p:nvPr/>
+        </p:nvSpPr>
+        <p:spPr>
+          <a:xfrm>
+            <a:off x="1700471" y="1057366"/>
+            <a:ext cx="1699055" cy="400110"/>
+          </a:xfrm>
+          <a:prstGeom prst="rect">
+            <a:avLst/>
+          </a:prstGeom>
+          <a:ln w="19050"/>
+        </p:spPr>
+        <p:style>
+          <a:lnRef idx="1">
+            <a:schemeClr val="accent6"/>
+          </a:lnRef>
+          <a:fillRef idx="2">
+            <a:schemeClr val="accent6"/>
+          </a:fillRef>
+          <a:effectRef idx="1">
+            <a:schemeClr val="accent6"/>
+          </a:effectRef>
+          <a:fontRef idx="minor">
+            <a:schemeClr val="dk1"/>
+          </a:fontRef>
+        </p:style>
+        <p:txBody>
+          <a:bodyPr wrap="square" rtlCol="0" anchor="ctr">
+            <a:spAutoFit/>
+          </a:bodyPr>
+          <a:lstStyle/>
+          <a:p>
+            <a:pPr algn="ctr">
+              <a:defRPr/>
+            </a:pPr>
+            <a:r>
+              <a:rPr lang="en-US" sz="2000" kern="0" dirty="0">
+                <a:solidFill>
+                  <a:sysClr val="windowText" lastClr="000000"/>
+                </a:solidFill>
+                <a:latin typeface="Calibri"/>
+              </a:rPr>
+              <a:t>Minesweeper</a:t>
+            </a:r>
+          </a:p>
+        </p:txBody>
+      </p:sp>
+      <p:sp>
+        <p:nvSpPr>
+          <p:cNvPr id="29" name="Rectangle 28"/>
+          <p:cNvSpPr/>
+          <p:nvPr/>
+        </p:nvSpPr>
+        <p:spPr>
+          <a:xfrm>
+            <a:off x="4443671" y="1057366"/>
+            <a:ext cx="1295400" cy="400110"/>
+          </a:xfrm>
+          <a:prstGeom prst="rect">
+            <a:avLst/>
+          </a:prstGeom>
+          <a:ln/>
+        </p:spPr>
+        <p:style>
+          <a:lnRef idx="1">
+            <a:schemeClr val="accent3"/>
+          </a:lnRef>
+          <a:fillRef idx="2">
+            <a:schemeClr val="accent3"/>
+          </a:fillRef>
+          <a:effectRef idx="1">
+            <a:schemeClr val="accent3"/>
+          </a:effectRef>
+          <a:fontRef idx="minor">
+            <a:schemeClr val="dk1"/>
+          </a:fontRef>
+        </p:style>
+        <p:txBody>
+          <a:bodyPr wrap="square" rtlCol="0" anchor="ctr">
+            <a:spAutoFit/>
+          </a:bodyPr>
+          <a:lstStyle/>
+          <a:p>
+            <a:pPr algn="ctr">
+              <a:defRPr/>
+            </a:pPr>
+            <a:r>
+              <a:rPr lang="en-US" sz="2000" kern="0" dirty="0">
+                <a:solidFill>
+                  <a:sysClr val="windowText" lastClr="000000"/>
+                </a:solidFill>
+                <a:latin typeface="Calibri"/>
+              </a:rPr>
+              <a:t>Minefield</a:t>
+            </a:r>
+          </a:p>
+        </p:txBody>
+      </p:sp>
+      <p:sp>
+        <p:nvSpPr>
+          <p:cNvPr id="30" name="Rectangle 29"/>
+          <p:cNvSpPr/>
+          <p:nvPr/>
+        </p:nvSpPr>
+        <p:spPr>
+          <a:xfrm>
+            <a:off x="7110671" y="1057366"/>
+            <a:ext cx="1143000" cy="400110"/>
+          </a:xfrm>
+          <a:prstGeom prst="rect">
+            <a:avLst/>
+          </a:prstGeom>
+          <a:gradFill rotWithShape="1">
+            <a:gsLst>
+              <a:gs pos="0">
+                <a:srgbClr val="4F81BD">
+                  <a:tint val="50000"/>
+                  <a:satMod val="300000"/>
+                </a:srgbClr>
+              </a:gs>
+              <a:gs pos="35000">
+                <a:srgbClr val="4F81BD">
+                  <a:tint val="37000"/>
+                  <a:satMod val="300000"/>
+                </a:srgbClr>
+              </a:gs>
+              <a:gs pos="100000">
+                <a:srgbClr val="4F81BD">
+                  <a:tint val="15000"/>
+                  <a:satMod val="350000"/>
+                </a:srgbClr>
+              </a:gs>
+            </a:gsLst>
+            <a:lin ang="16200000" scaled="1"/>
+          </a:gradFill>
+          <a:ln w="19050" cap="flat" cmpd="sng" algn="ctr">
+            <a:solidFill>
+              <a:srgbClr val="4F81BD">
+                <a:shade val="95000"/>
+                <a:satMod val="105000"/>
+              </a:srgbClr>
+            </a:solidFill>
+            <a:prstDash val="solid"/>
+          </a:ln>
+          <a:effectLst>
+            <a:outerShdw blurRad="40000" dist="20000" dir="5400000" rotWithShape="0">
+              <a:srgbClr val="000000">
+                <a:alpha val="38000"/>
+              </a:srgbClr>
+            </a:outerShdw>
+          </a:effectLst>
+        </p:spPr>
+        <p:txBody>
+          <a:bodyPr wrap="square" rtlCol="0" anchor="ctr">
+            <a:spAutoFit/>
+          </a:bodyPr>
+          <a:lstStyle/>
+          <a:p>
+            <a:pPr algn="ctr">
+              <a:defRPr/>
+            </a:pPr>
+            <a:r>
+              <a:rPr lang="en-US" sz="2000" kern="0" dirty="0">
+                <a:solidFill>
+                  <a:sysClr val="windowText" lastClr="000000"/>
+                </a:solidFill>
+                <a:latin typeface="Calibri"/>
+              </a:rPr>
+              <a:t>Cell</a:t>
+            </a:r>
+          </a:p>
+        </p:txBody>
+      </p:sp>
+      <p:cxnSp>
+        <p:nvCxnSpPr>
+          <p:cNvPr id="31" name="Elbow Connector 26"/>
+          <p:cNvCxnSpPr>
+            <a:stCxn id="30" idx="1"/>
+            <a:endCxn id="52" idx="3"/>
+          </p:cNvCxnSpPr>
+          <p:nvPr/>
+        </p:nvCxnSpPr>
+        <p:spPr>
+          <a:xfrm rot="10800000" flipV="1">
+            <a:off x="5967671" y="1257421"/>
+            <a:ext cx="1143000" cy="5834"/>
+          </a:xfrm>
+          <a:prstGeom prst="bentConnector3">
+            <a:avLst>
+              <a:gd name="adj1" fmla="val 50000"/>
+            </a:avLst>
+          </a:prstGeom>
+          <a:noFill/>
+          <a:ln w="19050" cap="flat" cmpd="sng" algn="ctr">
+            <a:solidFill>
+              <a:sysClr val="windowText" lastClr="000000"/>
+            </a:solidFill>
+            <a:prstDash val="solid"/>
+            <a:headEnd type="arrow" w="med" len="med"/>
+            <a:tailEnd type="none" w="med" len="med"/>
+          </a:ln>
+          <a:effectLst/>
+        </p:spPr>
+      </p:cxnSp>
+      <p:cxnSp>
+        <p:nvCxnSpPr>
+          <p:cNvPr id="32" name="Elbow Connector 31"/>
+          <p:cNvCxnSpPr>
+            <a:stCxn id="25" idx="3"/>
+            <a:endCxn id="29" idx="1"/>
+          </p:cNvCxnSpPr>
+          <p:nvPr/>
+        </p:nvCxnSpPr>
+        <p:spPr>
+          <a:xfrm>
+            <a:off x="3399525" y="1257421"/>
+            <a:ext cx="1044146" cy="1588"/>
+          </a:xfrm>
+          <a:prstGeom prst="bentConnector3">
+            <a:avLst>
+              <a:gd name="adj1" fmla="val 50000"/>
+            </a:avLst>
+          </a:prstGeom>
+          <a:noFill/>
+          <a:ln w="19050" cap="flat" cmpd="sng" algn="ctr">
+            <a:solidFill>
+              <a:sysClr val="windowText" lastClr="000000"/>
+            </a:solidFill>
+            <a:prstDash val="solid"/>
+            <a:headEnd type="none" w="med" len="med"/>
+            <a:tailEnd type="arrow" w="med" len="med"/>
+          </a:ln>
+          <a:effectLst/>
+        </p:spPr>
+      </p:cxnSp>
+      <p:sp>
+        <p:nvSpPr>
+          <p:cNvPr id="33" name="Rectangle 32"/>
+          <p:cNvSpPr/>
+          <p:nvPr/>
+        </p:nvSpPr>
+        <p:spPr>
+          <a:xfrm>
+            <a:off x="6130369" y="2200366"/>
+            <a:ext cx="1361302" cy="400110"/>
+          </a:xfrm>
+          <a:prstGeom prst="rect">
+            <a:avLst/>
+          </a:prstGeom>
+          <a:gradFill rotWithShape="1">
+            <a:gsLst>
+              <a:gs pos="0">
+                <a:srgbClr val="4F81BD">
+                  <a:tint val="50000"/>
+                  <a:satMod val="300000"/>
+                </a:srgbClr>
+              </a:gs>
+              <a:gs pos="35000">
+                <a:srgbClr val="4F81BD">
+                  <a:tint val="37000"/>
+                  <a:satMod val="300000"/>
+                </a:srgbClr>
+              </a:gs>
+              <a:gs pos="100000">
+                <a:srgbClr val="4F81BD">
+                  <a:tint val="15000"/>
+                  <a:satMod val="350000"/>
+                </a:srgbClr>
+              </a:gs>
+            </a:gsLst>
+            <a:lin ang="16200000" scaled="1"/>
+          </a:gradFill>
+          <a:ln w="19050" cap="flat" cmpd="sng" algn="ctr">
+            <a:solidFill>
+              <a:srgbClr val="4F81BD">
+                <a:shade val="95000"/>
+                <a:satMod val="105000"/>
+              </a:srgbClr>
+            </a:solidFill>
+            <a:prstDash val="solid"/>
+          </a:ln>
+          <a:effectLst>
+            <a:outerShdw blurRad="40000" dist="20000" dir="5400000" rotWithShape="0">
+              <a:srgbClr val="000000">
+                <a:alpha val="38000"/>
+              </a:srgbClr>
+            </a:outerShdw>
+          </a:effectLst>
+        </p:spPr>
+        <p:txBody>
+          <a:bodyPr wrap="square" rtlCol="0" anchor="ctr">
+            <a:spAutoFit/>
+          </a:bodyPr>
+          <a:lstStyle/>
+          <a:p>
+            <a:pPr>
+              <a:defRPr/>
+            </a:pPr>
+            <a:r>
+              <a:rPr lang="en-US" sz="2000" kern="0" dirty="0" err="1">
+                <a:solidFill>
+                  <a:sysClr val="windowText" lastClr="000000"/>
+                </a:solidFill>
+                <a:latin typeface="Calibri"/>
+              </a:rPr>
+              <a:t>MinedCell</a:t>
+            </a:r>
+            <a:endParaRPr lang="en-US" sz="2000" kern="0" dirty="0">
+              <a:solidFill>
+                <a:sysClr val="windowText" lastClr="000000"/>
+              </a:solidFill>
+              <a:latin typeface="Calibri"/>
+            </a:endParaRPr>
+          </a:p>
+        </p:txBody>
+      </p:sp>
+      <p:sp>
+        <p:nvSpPr>
+          <p:cNvPr id="34" name="TextBox 33"/>
+          <p:cNvSpPr txBox="1"/>
+          <p:nvPr/>
+        </p:nvSpPr>
+        <p:spPr>
+          <a:xfrm>
+            <a:off x="8153400" y="142726"/>
+            <a:ext cx="1600200" cy="400110"/>
+          </a:xfrm>
+          <a:prstGeom prst="rect">
+            <a:avLst/>
+          </a:prstGeom>
+          <a:noFill/>
+        </p:spPr>
+        <p:txBody>
+          <a:bodyPr wrap="square" rtlCol="0">
+            <a:spAutoFit/>
+          </a:bodyPr>
+          <a:lstStyle/>
+          <a:p>
+            <a:pPr>
+              <a:defRPr/>
+            </a:pPr>
+            <a:r>
+              <a:rPr lang="en-US" sz="2000" kern="0" dirty="0">
+                <a:solidFill>
+                  <a:sysClr val="windowText" lastClr="000000"/>
+                </a:solidFill>
+                <a:latin typeface="Calibri"/>
+              </a:rPr>
+              <a:t> </a:t>
+            </a:r>
+            <a:r>
+              <a:rPr lang="en-US" sz="2000" b="1" kern="0" dirty="0">
+                <a:solidFill>
+                  <a:sysClr val="windowText" lastClr="000000"/>
+                </a:solidFill>
+                <a:latin typeface="Calibri"/>
+              </a:rPr>
+              <a:t>&lt;</a:t>
+            </a:r>
+            <a:r>
+              <a:rPr lang="en-US" sz="2000" kern="0" dirty="0">
+                <a:solidFill>
+                  <a:sysClr val="windowText" lastClr="000000"/>
+                </a:solidFill>
+                <a:latin typeface="Calibri"/>
+              </a:rPr>
+              <a:t> adjacent to</a:t>
+            </a:r>
+          </a:p>
+        </p:txBody>
+      </p:sp>
+      <p:sp>
+        <p:nvSpPr>
+          <p:cNvPr id="37" name="Rectangle 36"/>
+          <p:cNvSpPr/>
+          <p:nvPr/>
+        </p:nvSpPr>
+        <p:spPr>
+          <a:xfrm>
+            <a:off x="7761462" y="2200366"/>
+            <a:ext cx="2693772" cy="400110"/>
+          </a:xfrm>
+          <a:prstGeom prst="rect">
+            <a:avLst/>
+          </a:prstGeom>
+          <a:gradFill rotWithShape="1">
+            <a:gsLst>
+              <a:gs pos="0">
+                <a:srgbClr val="4F81BD">
+                  <a:tint val="50000"/>
+                  <a:satMod val="300000"/>
+                </a:srgbClr>
+              </a:gs>
+              <a:gs pos="35000">
+                <a:srgbClr val="4F81BD">
+                  <a:tint val="37000"/>
+                  <a:satMod val="300000"/>
+                </a:srgbClr>
+              </a:gs>
+              <a:gs pos="100000">
+                <a:srgbClr val="4F81BD">
+                  <a:tint val="15000"/>
+                  <a:satMod val="350000"/>
+                </a:srgbClr>
+              </a:gs>
+            </a:gsLst>
+            <a:lin ang="16200000" scaled="1"/>
+          </a:gradFill>
+          <a:ln w="19050" cap="flat" cmpd="sng" algn="ctr">
+            <a:solidFill>
+              <a:srgbClr val="4F81BD">
+                <a:shade val="95000"/>
+                <a:satMod val="105000"/>
+              </a:srgbClr>
+            </a:solidFill>
+            <a:prstDash val="solid"/>
+          </a:ln>
+          <a:effectLst>
+            <a:outerShdw blurRad="40000" dist="20000" dir="5400000" rotWithShape="0">
+              <a:srgbClr val="000000">
+                <a:alpha val="38000"/>
+              </a:srgbClr>
+            </a:outerShdw>
+          </a:effectLst>
+        </p:spPr>
+        <p:txBody>
+          <a:bodyPr wrap="square" rtlCol="0" anchor="ctr">
+            <a:spAutoFit/>
+          </a:bodyPr>
+          <a:lstStyle/>
+          <a:p>
             <a:pPr algn="ctr">
               <a:defRPr/>
             </a:pPr>
@@ -16373,7 +17965,7 @@
 </p:sld>
 </file>
 
-<file path=ppt/slides/slide13.xml><?xml version="1.0" encoding="utf-8"?>
+<file path=ppt/slides/slide14.xml><?xml version="1.0" encoding="utf-8"?>
 <p:sld xmlns:a="http://schemas.openxmlformats.org/drawingml/2006/main" xmlns:r="http://schemas.openxmlformats.org/officeDocument/2006/relationships" xmlns:p="http://schemas.openxmlformats.org/presentationml/2006/main">
   <p:cSld>
     <p:spTree>
@@ -17704,7 +19296,7 @@
 </p:sld>
 </file>
 
-<file path=ppt/slides/slide14.xml><?xml version="1.0" encoding="utf-8"?>
+<file path=ppt/slides/slide15.xml><?xml version="1.0" encoding="utf-8"?>
 <p:sld xmlns:a="http://schemas.openxmlformats.org/drawingml/2006/main" xmlns:r="http://schemas.openxmlformats.org/officeDocument/2006/relationships" xmlns:p="http://schemas.openxmlformats.org/presentationml/2006/main">
   <p:cSld>
     <p:spTree>
@@ -22753,7 +24345,7 @@
 </p:sld>
 </file>
 
-<file path=ppt/slides/slide15.xml><?xml version="1.0" encoding="utf-8"?>
+<file path=ppt/slides/slide16.xml><?xml version="1.0" encoding="utf-8"?>
 <p:sld xmlns:a="http://schemas.openxmlformats.org/drawingml/2006/main" xmlns:r="http://schemas.openxmlformats.org/officeDocument/2006/relationships" xmlns:p="http://schemas.openxmlformats.org/presentationml/2006/main">
   <p:cSld>
     <p:spTree>
@@ -25921,7 +27513,7 @@
 </p:sld>
 </file>
 
-<file path=ppt/slides/slide16.xml><?xml version="1.0" encoding="utf-8"?>
+<file path=ppt/slides/slide17.xml><?xml version="1.0" encoding="utf-8"?>
 <p:sld xmlns:a="http://schemas.openxmlformats.org/drawingml/2006/main" xmlns:r="http://schemas.openxmlformats.org/officeDocument/2006/relationships" xmlns:p="http://schemas.openxmlformats.org/presentationml/2006/main">
   <p:cSld>
     <p:spTree>
@@ -26863,23 +28455,8 @@
                 </a:solidFill>
                 <a:latin typeface="Calibri"/>
               </a:rPr>
-              <a:t>tasks: </a:t>
-            </a:r>
-            <a:r>
-              <a:rPr lang="en-US" sz="2000" dirty="0" err="1">
-                <a:solidFill>
-                  <a:prstClr val="black"/>
-                </a:solidFill>
-                <a:latin typeface="Calibri"/>
-              </a:rPr>
-              <a:t>TaskList</a:t>
-            </a:r>
-            <a:endParaRPr lang="en-US" sz="2000" dirty="0">
-              <a:solidFill>
-                <a:prstClr val="black"/>
-              </a:solidFill>
-              <a:latin typeface="Calibri"/>
-            </a:endParaRPr>
+              <a:t>tasks: TaskList</a:t>
+            </a:r>
           </a:p>
         </p:txBody>
       </p:sp>
@@ -33122,7 +34699,7 @@
               <a:defRPr/>
             </a:pPr>
             <a:r>
-              <a:rPr lang="en-US" sz="2000" kern="0" dirty="0" err="1">
+              <a:rPr lang="en-US" sz="2000" kern="0" dirty="0">
                 <a:solidFill>
                   <a:sysClr val="windowText" lastClr="000000"/>
                 </a:solidFill>
@@ -33130,12 +34707,6 @@
               </a:rPr>
               <a:t>TaskList</a:t>
             </a:r>
-            <a:endParaRPr lang="en-US" sz="2000" kern="0" dirty="0">
-              <a:solidFill>
-                <a:sysClr val="windowText" lastClr="000000"/>
-              </a:solidFill>
-              <a:latin typeface="Calibri"/>
-            </a:endParaRPr>
           </a:p>
         </p:txBody>
       </p:sp>
@@ -34445,18 +36016,13 @@
               <a:defRPr/>
             </a:pPr>
             <a:r>
-              <a:rPr lang="en-US" sz="1600" kern="0" dirty="0" err="1">
+              <a:rPr lang="en-US" sz="1600" kern="0" dirty="0">
                 <a:solidFill>
                   <a:sysClr val="windowText" lastClr="000000"/>
                 </a:solidFill>
               </a:rPr>
               <a:t>TaskList</a:t>
             </a:r>
-            <a:endParaRPr lang="en-US" sz="1600" kern="0" dirty="0">
-              <a:solidFill>
-                <a:sysClr val="windowText" lastClr="000000"/>
-              </a:solidFill>
-            </a:endParaRPr>
           </a:p>
         </p:txBody>
       </p:sp>
@@ -37303,18 +38869,13 @@
                 <a:defRPr/>
               </a:pPr>
               <a:r>
-                <a:rPr lang="en-US" sz="1600" kern="0" dirty="0" err="1">
+                <a:rPr lang="en-US" sz="1600" kern="0" dirty="0">
                   <a:solidFill>
                     <a:sysClr val="windowText" lastClr="000000"/>
                   </a:solidFill>
                 </a:rPr>
                 <a:t>TaskList</a:t>
               </a:r>
-              <a:endParaRPr lang="en-US" sz="1600" kern="0" dirty="0">
-                <a:solidFill>
-                  <a:sysClr val="windowText" lastClr="000000"/>
-                </a:solidFill>
-              </a:endParaRPr>
             </a:p>
           </p:txBody>
         </p:sp>
@@ -38646,21 +40207,8 @@
                     <a:sysClr val="windowText" lastClr="000000"/>
                   </a:solidFill>
                 </a:rPr>
-                <a:t> : </a:t>
+                <a:t> : TaskList</a:t>
               </a:r>
-              <a:r>
-                <a:rPr lang="en-US" sz="1600" u="sng" kern="0" dirty="0" err="1">
-                  <a:solidFill>
-                    <a:sysClr val="windowText" lastClr="000000"/>
-                  </a:solidFill>
-                </a:rPr>
-                <a:t>TaskList</a:t>
-              </a:r>
-              <a:endParaRPr lang="en-US" sz="1600" u="sng" kern="0" dirty="0">
-                <a:solidFill>
-                  <a:sysClr val="windowText" lastClr="000000"/>
-                </a:solidFill>
-              </a:endParaRPr>
             </a:p>
             <a:p>
               <a:pPr algn="ctr">
@@ -38887,23 +40435,7 @@
                     <a:sysClr val="windowText" lastClr="000000"/>
                   </a:solidFill>
                 </a:rPr>
-                <a:t>+ </a:t>
-              </a:r>
-              <a:r>
-                <a:rPr lang="en-US" sz="1600" kern="0" dirty="0" err="1">
-                  <a:solidFill>
-                    <a:sysClr val="windowText" lastClr="000000"/>
-                  </a:solidFill>
-                </a:rPr>
-                <a:t>AddCommand</a:t>
-              </a:r>
-              <a:r>
-                <a:rPr lang="en-US" sz="1600" kern="0" dirty="0">
-                  <a:solidFill>
-                    <a:sysClr val="windowText" lastClr="000000"/>
-                  </a:solidFill>
-                </a:rPr>
-                <a:t> (</a:t>
+                <a:t>+ AddCommand (</a:t>
               </a:r>
               <a:r>
                 <a:rPr lang="en-US" sz="1600" kern="0" dirty="0" err="1">
@@ -40743,37 +42275,8 @@
                     <a:sysClr val="windowText" lastClr="000000"/>
                   </a:solidFill>
                 </a:rPr>
-                <a:t>- </a:t>
+                <a:t>- gson: Gson</a:t>
               </a:r>
-              <a:r>
-                <a:rPr lang="en-US" sz="1600" kern="0" dirty="0" err="1">
-                  <a:solidFill>
-                    <a:sysClr val="windowText" lastClr="000000"/>
-                  </a:solidFill>
-                </a:rPr>
-                <a:t>gson</a:t>
-              </a:r>
-              <a:r>
-                <a:rPr lang="en-US" sz="1600" kern="0" dirty="0">
-                  <a:solidFill>
-                    <a:sysClr val="windowText" lastClr="000000"/>
-                  </a:solidFill>
-                </a:rPr>
-                <a:t>: </a:t>
-              </a:r>
-              <a:r>
-                <a:rPr lang="en-US" sz="1600" kern="0" dirty="0" err="1">
-                  <a:solidFill>
-                    <a:sysClr val="windowText" lastClr="000000"/>
-                  </a:solidFill>
-                </a:rPr>
-                <a:t>Gson</a:t>
-              </a:r>
-              <a:endParaRPr lang="en-US" sz="1600" kern="0" dirty="0">
-                <a:solidFill>
-                  <a:sysClr val="windowText" lastClr="000000"/>
-                </a:solidFill>
-              </a:endParaRPr>
             </a:p>
           </p:txBody>
         </p:sp>
@@ -40852,23 +42355,7 @@
                     <a:sysClr val="windowText" lastClr="000000"/>
                   </a:solidFill>
                 </a:rPr>
-                <a:t>+ </a:t>
-              </a:r>
-              <a:r>
-                <a:rPr lang="en-US" sz="1600" kern="0" dirty="0" err="1">
-                  <a:solidFill>
-                    <a:sysClr val="windowText" lastClr="000000"/>
-                  </a:solidFill>
-                </a:rPr>
-                <a:t>overwriteFile</a:t>
-              </a:r>
-              <a:r>
-                <a:rPr lang="en-US" sz="1600" kern="0" dirty="0">
-                  <a:solidFill>
-                    <a:sysClr val="windowText" lastClr="000000"/>
-                  </a:solidFill>
-                </a:rPr>
-                <a:t>(</a:t>
+                <a:t>+ overwriteFile(</a:t>
               </a:r>
               <a:r>
                 <a:rPr lang="en-US" sz="1600" kern="0" dirty="0" err="1">
@@ -41605,7 +43092,7 @@
               </a:spcBef>
             </a:pPr>
             <a:r>
-              <a:rPr lang="en-US" sz="2000" dirty="0" err="1">
+              <a:rPr lang="en-US" sz="2000" dirty="0">
                 <a:solidFill>
                   <a:prstClr val="black"/>
                 </a:solidFill>
@@ -41613,12 +43100,6 @@
               </a:rPr>
               <a:t>AddCommand</a:t>
             </a:r>
-            <a:endParaRPr lang="en-US" sz="2000" dirty="0">
-              <a:solidFill>
-                <a:prstClr val="black"/>
-              </a:solidFill>
-              <a:latin typeface="Calibri"/>
-            </a:endParaRPr>
           </a:p>
         </p:txBody>
       </p:sp>
@@ -41715,23 +43196,8 @@
                 </a:solidFill>
                 <a:latin typeface="Calibri"/>
               </a:rPr>
-              <a:t>tasks: </a:t>
-            </a:r>
-            <a:r>
-              <a:rPr lang="en-US" sz="2000" dirty="0" err="1">
-                <a:solidFill>
-                  <a:prstClr val="black"/>
-                </a:solidFill>
-                <a:latin typeface="Calibri"/>
-              </a:rPr>
-              <a:t>TaskList</a:t>
-            </a:r>
-            <a:endParaRPr lang="en-US" sz="2000" dirty="0">
-              <a:solidFill>
-                <a:prstClr val="black"/>
-              </a:solidFill>
-              <a:latin typeface="Calibri"/>
-            </a:endParaRPr>
+              <a:t>tasks: TaskList</a:t>
+            </a:r>
           </a:p>
         </p:txBody>
       </p:sp>
@@ -43110,24 +44576,14 @@
               </a:spcBef>
             </a:pPr>
             <a:r>
-              <a:rPr lang="en-US" sz="1050" i="1" dirty="0" err="1">
+              <a:rPr lang="en-US" sz="1050" i="1" dirty="0">
                 <a:solidFill>
                   <a:schemeClr val="accent1"/>
                 </a:solidFill>
                 <a:latin typeface="Courier New" pitchFamily="49" charset="0"/>
                 <a:cs typeface="Courier New" pitchFamily="49" charset="0"/>
               </a:rPr>
-              <a:t>overwriteFile</a:t>
-            </a:r>
-            <a:r>
-              <a:rPr lang="en-US" sz="1050" i="1" dirty="0">
-                <a:solidFill>
-                  <a:schemeClr val="accent1"/>
-                </a:solidFill>
-                <a:latin typeface="Courier New" pitchFamily="49" charset="0"/>
-                <a:cs typeface="Courier New" pitchFamily="49" charset="0"/>
-              </a:rPr>
-              <a:t>(</a:t>
+              <a:t>overwriteFile(</a:t>
             </a:r>
             <a:r>
               <a:rPr lang="en-US" altLang="zh-CN" sz="1050" i="1" dirty="0" err="1">

--- a/docs/UML Diagrams.pptx
+++ b/docs/UML Diagrams.pptx
@@ -6,7 +6,7 @@
     <p:sldMasterId id="2147483660" r:id="rId2"/>
   </p:sldMasterIdLst>
   <p:notesMasterIdLst>
-    <p:notesMasterId r:id="rId20"/>
+    <p:notesMasterId r:id="rId21"/>
   </p:notesMasterIdLst>
   <p:sldIdLst>
     <p:sldId id="273" r:id="rId3"/>
@@ -19,13 +19,14 @@
     <p:sldId id="279" r:id="rId10"/>
     <p:sldId id="281" r:id="rId11"/>
     <p:sldId id="282" r:id="rId12"/>
-    <p:sldId id="259" r:id="rId13"/>
-    <p:sldId id="262" r:id="rId14"/>
-    <p:sldId id="260" r:id="rId15"/>
-    <p:sldId id="261" r:id="rId16"/>
-    <p:sldId id="268" r:id="rId17"/>
-    <p:sldId id="269" r:id="rId18"/>
-    <p:sldId id="271" r:id="rId19"/>
+    <p:sldId id="283" r:id="rId13"/>
+    <p:sldId id="269" r:id="rId14"/>
+    <p:sldId id="259" r:id="rId15"/>
+    <p:sldId id="262" r:id="rId16"/>
+    <p:sldId id="260" r:id="rId17"/>
+    <p:sldId id="261" r:id="rId18"/>
+    <p:sldId id="268" r:id="rId19"/>
+    <p:sldId id="271" r:id="rId20"/>
   </p:sldIdLst>
   <p:sldSz cx="12192000" cy="6858000"/>
   <p:notesSz cx="6858000" cy="9144000"/>
@@ -158,16 +159,17 @@
         <p14:section name="Storage" id="{6469228F-A905-9A4B-B473-BA0665C328C6}">
           <p14:sldIdLst>
             <p14:sldId id="282"/>
+            <p14:sldId id="283"/>
           </p14:sldIdLst>
         </p14:section>
         <p14:section name="Shapes" id="{8B5A42F4-DE71-42EF-A56E-C1A1DE3D4272}">
           <p14:sldIdLst>
+            <p14:sldId id="269"/>
             <p14:sldId id="259"/>
             <p14:sldId id="262"/>
             <p14:sldId id="260"/>
             <p14:sldId id="261"/>
             <p14:sldId id="268"/>
-            <p14:sldId id="269"/>
             <p14:sldId id="271"/>
           </p14:sldIdLst>
         </p14:section>
@@ -262,7 +264,7 @@
           <a:p>
             <a:fld id="{13D56AF7-0D1C-4071-AAD1-023829021DB5}" type="datetimeFigureOut">
               <a:rPr lang="en-SG" smtClean="0"/>
-              <a:t>10/4/20</a:t>
+              <a:t>11/4/20</a:t>
             </a:fld>
             <a:endParaRPr lang="en-SG"/>
           </a:p>
@@ -744,152 +746,6 @@
                 <a:tabLst/>
                 <a:defRPr/>
               </a:pPr>
-              <a:t>14</a:t>
-            </a:fld>
-            <a:endParaRPr kumimoji="0" lang="en-US" sz="1300" b="0" i="0" u="none" strike="noStrike" kern="1200" cap="none" spc="0" normalizeH="0" baseline="0" noProof="0">
-              <a:ln>
-                <a:noFill/>
-              </a:ln>
-              <a:solidFill>
-                <a:prstClr val="black"/>
-              </a:solidFill>
-              <a:effectLst/>
-              <a:uLnTx/>
-              <a:uFillTx/>
-              <a:latin typeface="Calibri"/>
-              <a:ea typeface="+mn-ea"/>
-              <a:cs typeface="+mn-cs"/>
-            </a:endParaRPr>
-          </a:p>
-        </p:txBody>
-      </p:sp>
-    </p:spTree>
-    <p:extLst>
-      <p:ext uri="{BB962C8B-B14F-4D97-AF65-F5344CB8AC3E}">
-        <p14:creationId xmlns:p14="http://schemas.microsoft.com/office/powerpoint/2010/main" val="3364708167"/>
-      </p:ext>
-    </p:extLst>
-  </p:cSld>
-  <p:clrMapOvr>
-    <a:masterClrMapping/>
-  </p:clrMapOvr>
-</p:notes>
-</file>
-
-<file path=ppt/notesSlides/notesSlide11.xml><?xml version="1.0" encoding="utf-8"?>
-<p:notes xmlns:a="http://schemas.openxmlformats.org/drawingml/2006/main" xmlns:r="http://schemas.openxmlformats.org/officeDocument/2006/relationships" xmlns:p="http://schemas.openxmlformats.org/presentationml/2006/main">
-  <p:cSld>
-    <p:spTree>
-      <p:nvGrpSpPr>
-        <p:cNvPr id="1" name=""/>
-        <p:cNvGrpSpPr/>
-        <p:nvPr/>
-      </p:nvGrpSpPr>
-      <p:grpSpPr>
-        <a:xfrm>
-          <a:off x="0" y="0"/>
-          <a:ext cx="0" cy="0"/>
-          <a:chOff x="0" y="0"/>
-          <a:chExt cx="0" cy="0"/>
-        </a:xfrm>
-      </p:grpSpPr>
-      <p:sp>
-        <p:nvSpPr>
-          <p:cNvPr id="2" name="Slide Image Placeholder 1"/>
-          <p:cNvSpPr>
-            <a:spLocks noGrp="1" noRot="1" noChangeAspect="1"/>
-          </p:cNvSpPr>
-          <p:nvPr>
-            <p:ph type="sldImg"/>
-          </p:nvPr>
-        </p:nvSpPr>
-        <p:spPr/>
-      </p:sp>
-      <p:sp>
-        <p:nvSpPr>
-          <p:cNvPr id="3" name="Notes Placeholder 2"/>
-          <p:cNvSpPr>
-            <a:spLocks noGrp="1"/>
-          </p:cNvSpPr>
-          <p:nvPr>
-            <p:ph type="body" idx="1"/>
-          </p:nvPr>
-        </p:nvSpPr>
-        <p:spPr/>
-        <p:txBody>
-          <a:bodyPr>
-            <a:normAutofit/>
-          </a:bodyPr>
-          <a:lstStyle/>
-          <a:p>
-            <a:endParaRPr lang="en-US"/>
-          </a:p>
-        </p:txBody>
-      </p:sp>
-      <p:sp>
-        <p:nvSpPr>
-          <p:cNvPr id="4" name="Slide Number Placeholder 3"/>
-          <p:cNvSpPr>
-            <a:spLocks noGrp="1"/>
-          </p:cNvSpPr>
-          <p:nvPr>
-            <p:ph type="sldNum" sz="quarter" idx="10"/>
-          </p:nvPr>
-        </p:nvSpPr>
-        <p:spPr/>
-        <p:txBody>
-          <a:bodyPr/>
-          <a:lstStyle/>
-          <a:p>
-            <a:pPr marL="0" marR="0" lvl="0" indent="0" algn="r" defTabSz="914400" rtl="0" eaLnBrk="1" fontAlgn="auto" latinLnBrk="0" hangingPunct="1">
-              <a:lnSpc>
-                <a:spcPct val="100000"/>
-              </a:lnSpc>
-              <a:spcBef>
-                <a:spcPts val="0"/>
-              </a:spcBef>
-              <a:spcAft>
-                <a:spcPts val="0"/>
-              </a:spcAft>
-              <a:buClrTx/>
-              <a:buSzTx/>
-              <a:buFontTx/>
-              <a:buNone/>
-              <a:tabLst/>
-              <a:defRPr/>
-            </a:pPr>
-            <a:fld id="{46542BAB-0D38-4D52-BD5E-5D805000703B}" type="slidenum">
-              <a:rPr kumimoji="0" lang="en-US" sz="1300" b="0" i="0" u="none" strike="noStrike" kern="1200" cap="none" spc="0" normalizeH="0" baseline="0" noProof="0" smtClean="0">
-                <a:ln>
-                  <a:noFill/>
-                </a:ln>
-                <a:solidFill>
-                  <a:prstClr val="black"/>
-                </a:solidFill>
-                <a:effectLst/>
-                <a:uLnTx/>
-                <a:uFillTx/>
-                <a:latin typeface="Calibri"/>
-                <a:ea typeface="+mn-ea"/>
-                <a:cs typeface="+mn-cs"/>
-              </a:rPr>
-              <a:pPr marL="0" marR="0" lvl="0" indent="0" algn="r" defTabSz="914400" rtl="0" eaLnBrk="1" fontAlgn="auto" latinLnBrk="0" hangingPunct="1">
-                <a:lnSpc>
-                  <a:spcPct val="100000"/>
-                </a:lnSpc>
-                <a:spcBef>
-                  <a:spcPts val="0"/>
-                </a:spcBef>
-                <a:spcAft>
-                  <a:spcPts val="0"/>
-                </a:spcAft>
-                <a:buClrTx/>
-                <a:buSzTx/>
-                <a:buFontTx/>
-                <a:buNone/>
-                <a:tabLst/>
-                <a:defRPr/>
-              </a:pPr>
               <a:t>15</a:t>
             </a:fld>
             <a:endParaRPr kumimoji="0" lang="en-US" sz="1300" b="0" i="0" u="none" strike="noStrike" kern="1200" cap="none" spc="0" normalizeH="0" baseline="0" noProof="0">
@@ -912,7 +768,7 @@
     </p:spTree>
     <p:extLst>
       <p:ext uri="{BB962C8B-B14F-4D97-AF65-F5344CB8AC3E}">
-        <p14:creationId xmlns:p14="http://schemas.microsoft.com/office/powerpoint/2010/main" val="547756566"/>
+        <p14:creationId xmlns:p14="http://schemas.microsoft.com/office/powerpoint/2010/main" val="2013659878"/>
       </p:ext>
     </p:extLst>
   </p:cSld>
@@ -922,7 +778,7 @@
 </p:notes>
 </file>
 
-<file path=ppt/notesSlides/notesSlide12.xml><?xml version="1.0" encoding="utf-8"?>
+<file path=ppt/notesSlides/notesSlide11.xml><?xml version="1.0" encoding="utf-8"?>
 <p:notes xmlns:a="http://schemas.openxmlformats.org/drawingml/2006/main" xmlns:r="http://schemas.openxmlformats.org/officeDocument/2006/relationships" xmlns:p="http://schemas.openxmlformats.org/presentationml/2006/main">
   <p:cSld>
     <p:spTree>
@@ -1058,7 +914,153 @@
     </p:spTree>
     <p:extLst>
       <p:ext uri="{BB962C8B-B14F-4D97-AF65-F5344CB8AC3E}">
-        <p14:creationId xmlns:p14="http://schemas.microsoft.com/office/powerpoint/2010/main" val="3547180629"/>
+        <p14:creationId xmlns:p14="http://schemas.microsoft.com/office/powerpoint/2010/main" val="3364708167"/>
+      </p:ext>
+    </p:extLst>
+  </p:cSld>
+  <p:clrMapOvr>
+    <a:masterClrMapping/>
+  </p:clrMapOvr>
+</p:notes>
+</file>
+
+<file path=ppt/notesSlides/notesSlide12.xml><?xml version="1.0" encoding="utf-8"?>
+<p:notes xmlns:a="http://schemas.openxmlformats.org/drawingml/2006/main" xmlns:r="http://schemas.openxmlformats.org/officeDocument/2006/relationships" xmlns:p="http://schemas.openxmlformats.org/presentationml/2006/main">
+  <p:cSld>
+    <p:spTree>
+      <p:nvGrpSpPr>
+        <p:cNvPr id="1" name=""/>
+        <p:cNvGrpSpPr/>
+        <p:nvPr/>
+      </p:nvGrpSpPr>
+      <p:grpSpPr>
+        <a:xfrm>
+          <a:off x="0" y="0"/>
+          <a:ext cx="0" cy="0"/>
+          <a:chOff x="0" y="0"/>
+          <a:chExt cx="0" cy="0"/>
+        </a:xfrm>
+      </p:grpSpPr>
+      <p:sp>
+        <p:nvSpPr>
+          <p:cNvPr id="2" name="Slide Image Placeholder 1"/>
+          <p:cNvSpPr>
+            <a:spLocks noGrp="1" noRot="1" noChangeAspect="1"/>
+          </p:cNvSpPr>
+          <p:nvPr>
+            <p:ph type="sldImg"/>
+          </p:nvPr>
+        </p:nvSpPr>
+        <p:spPr/>
+      </p:sp>
+      <p:sp>
+        <p:nvSpPr>
+          <p:cNvPr id="3" name="Notes Placeholder 2"/>
+          <p:cNvSpPr>
+            <a:spLocks noGrp="1"/>
+          </p:cNvSpPr>
+          <p:nvPr>
+            <p:ph type="body" idx="1"/>
+          </p:nvPr>
+        </p:nvSpPr>
+        <p:spPr/>
+        <p:txBody>
+          <a:bodyPr>
+            <a:normAutofit/>
+          </a:bodyPr>
+          <a:lstStyle/>
+          <a:p>
+            <a:endParaRPr lang="en-US"/>
+          </a:p>
+        </p:txBody>
+      </p:sp>
+      <p:sp>
+        <p:nvSpPr>
+          <p:cNvPr id="4" name="Slide Number Placeholder 3"/>
+          <p:cNvSpPr>
+            <a:spLocks noGrp="1"/>
+          </p:cNvSpPr>
+          <p:nvPr>
+            <p:ph type="sldNum" sz="quarter" idx="10"/>
+          </p:nvPr>
+        </p:nvSpPr>
+        <p:spPr/>
+        <p:txBody>
+          <a:bodyPr/>
+          <a:lstStyle/>
+          <a:p>
+            <a:pPr marL="0" marR="0" lvl="0" indent="0" algn="r" defTabSz="914400" rtl="0" eaLnBrk="1" fontAlgn="auto" latinLnBrk="0" hangingPunct="1">
+              <a:lnSpc>
+                <a:spcPct val="100000"/>
+              </a:lnSpc>
+              <a:spcBef>
+                <a:spcPts val="0"/>
+              </a:spcBef>
+              <a:spcAft>
+                <a:spcPts val="0"/>
+              </a:spcAft>
+              <a:buClrTx/>
+              <a:buSzTx/>
+              <a:buFontTx/>
+              <a:buNone/>
+              <a:tabLst/>
+              <a:defRPr/>
+            </a:pPr>
+            <a:fld id="{46542BAB-0D38-4D52-BD5E-5D805000703B}" type="slidenum">
+              <a:rPr kumimoji="0" lang="en-US" sz="1300" b="0" i="0" u="none" strike="noStrike" kern="1200" cap="none" spc="0" normalizeH="0" baseline="0" noProof="0" smtClean="0">
+                <a:ln>
+                  <a:noFill/>
+                </a:ln>
+                <a:solidFill>
+                  <a:prstClr val="black"/>
+                </a:solidFill>
+                <a:effectLst/>
+                <a:uLnTx/>
+                <a:uFillTx/>
+                <a:latin typeface="Calibri"/>
+                <a:ea typeface="+mn-ea"/>
+                <a:cs typeface="+mn-cs"/>
+              </a:rPr>
+              <a:pPr marL="0" marR="0" lvl="0" indent="0" algn="r" defTabSz="914400" rtl="0" eaLnBrk="1" fontAlgn="auto" latinLnBrk="0" hangingPunct="1">
+                <a:lnSpc>
+                  <a:spcPct val="100000"/>
+                </a:lnSpc>
+                <a:spcBef>
+                  <a:spcPts val="0"/>
+                </a:spcBef>
+                <a:spcAft>
+                  <a:spcPts val="0"/>
+                </a:spcAft>
+                <a:buClrTx/>
+                <a:buSzTx/>
+                <a:buFontTx/>
+                <a:buNone/>
+                <a:tabLst/>
+                <a:defRPr/>
+              </a:pPr>
+              <a:t>17</a:t>
+            </a:fld>
+            <a:endParaRPr kumimoji="0" lang="en-US" sz="1300" b="0" i="0" u="none" strike="noStrike" kern="1200" cap="none" spc="0" normalizeH="0" baseline="0" noProof="0">
+              <a:ln>
+                <a:noFill/>
+              </a:ln>
+              <a:solidFill>
+                <a:prstClr val="black"/>
+              </a:solidFill>
+              <a:effectLst/>
+              <a:uLnTx/>
+              <a:uFillTx/>
+              <a:latin typeface="Calibri"/>
+              <a:ea typeface="+mn-ea"/>
+              <a:cs typeface="+mn-cs"/>
+            </a:endParaRPr>
+          </a:p>
+        </p:txBody>
+      </p:sp>
+    </p:spTree>
+    <p:extLst>
+      <p:ext uri="{BB962C8B-B14F-4D97-AF65-F5344CB8AC3E}">
+        <p14:creationId xmlns:p14="http://schemas.microsoft.com/office/powerpoint/2010/main" val="547756566"/>
       </p:ext>
     </p:extLst>
   </p:cSld>
@@ -1900,152 +1902,6 @@
                 <a:tabLst/>
                 <a:defRPr/>
               </a:pPr>
-              <a:t>11</a:t>
-            </a:fld>
-            <a:endParaRPr kumimoji="0" lang="en-US" sz="1300" b="0" i="0" u="none" strike="noStrike" kern="1200" cap="none" spc="0" normalizeH="0" baseline="0" noProof="0">
-              <a:ln>
-                <a:noFill/>
-              </a:ln>
-              <a:solidFill>
-                <a:prstClr val="black"/>
-              </a:solidFill>
-              <a:effectLst/>
-              <a:uLnTx/>
-              <a:uFillTx/>
-              <a:latin typeface="Calibri"/>
-              <a:ea typeface="+mn-ea"/>
-              <a:cs typeface="+mn-cs"/>
-            </a:endParaRPr>
-          </a:p>
-        </p:txBody>
-      </p:sp>
-    </p:spTree>
-    <p:extLst>
-      <p:ext uri="{BB962C8B-B14F-4D97-AF65-F5344CB8AC3E}">
-        <p14:creationId xmlns:p14="http://schemas.microsoft.com/office/powerpoint/2010/main" val="265136881"/>
-      </p:ext>
-    </p:extLst>
-  </p:cSld>
-  <p:clrMapOvr>
-    <a:masterClrMapping/>
-  </p:clrMapOvr>
-</p:notes>
-</file>
-
-<file path=ppt/notesSlides/notesSlide8.xml><?xml version="1.0" encoding="utf-8"?>
-<p:notes xmlns:a="http://schemas.openxmlformats.org/drawingml/2006/main" xmlns:r="http://schemas.openxmlformats.org/officeDocument/2006/relationships" xmlns:p="http://schemas.openxmlformats.org/presentationml/2006/main">
-  <p:cSld>
-    <p:spTree>
-      <p:nvGrpSpPr>
-        <p:cNvPr id="1" name=""/>
-        <p:cNvGrpSpPr/>
-        <p:nvPr/>
-      </p:nvGrpSpPr>
-      <p:grpSpPr>
-        <a:xfrm>
-          <a:off x="0" y="0"/>
-          <a:ext cx="0" cy="0"/>
-          <a:chOff x="0" y="0"/>
-          <a:chExt cx="0" cy="0"/>
-        </a:xfrm>
-      </p:grpSpPr>
-      <p:sp>
-        <p:nvSpPr>
-          <p:cNvPr id="2" name="Slide Image Placeholder 1"/>
-          <p:cNvSpPr>
-            <a:spLocks noGrp="1" noRot="1" noChangeAspect="1"/>
-          </p:cNvSpPr>
-          <p:nvPr>
-            <p:ph type="sldImg"/>
-          </p:nvPr>
-        </p:nvSpPr>
-        <p:spPr/>
-      </p:sp>
-      <p:sp>
-        <p:nvSpPr>
-          <p:cNvPr id="3" name="Notes Placeholder 2"/>
-          <p:cNvSpPr>
-            <a:spLocks noGrp="1"/>
-          </p:cNvSpPr>
-          <p:nvPr>
-            <p:ph type="body" idx="1"/>
-          </p:nvPr>
-        </p:nvSpPr>
-        <p:spPr/>
-        <p:txBody>
-          <a:bodyPr>
-            <a:normAutofit/>
-          </a:bodyPr>
-          <a:lstStyle/>
-          <a:p>
-            <a:endParaRPr lang="en-US"/>
-          </a:p>
-        </p:txBody>
-      </p:sp>
-      <p:sp>
-        <p:nvSpPr>
-          <p:cNvPr id="4" name="Slide Number Placeholder 3"/>
-          <p:cNvSpPr>
-            <a:spLocks noGrp="1"/>
-          </p:cNvSpPr>
-          <p:nvPr>
-            <p:ph type="sldNum" sz="quarter" idx="10"/>
-          </p:nvPr>
-        </p:nvSpPr>
-        <p:spPr/>
-        <p:txBody>
-          <a:bodyPr/>
-          <a:lstStyle/>
-          <a:p>
-            <a:pPr marL="0" marR="0" lvl="0" indent="0" algn="r" defTabSz="914400" rtl="0" eaLnBrk="1" fontAlgn="auto" latinLnBrk="0" hangingPunct="1">
-              <a:lnSpc>
-                <a:spcPct val="100000"/>
-              </a:lnSpc>
-              <a:spcBef>
-                <a:spcPts val="0"/>
-              </a:spcBef>
-              <a:spcAft>
-                <a:spcPts val="0"/>
-              </a:spcAft>
-              <a:buClrTx/>
-              <a:buSzTx/>
-              <a:buFontTx/>
-              <a:buNone/>
-              <a:tabLst/>
-              <a:defRPr/>
-            </a:pPr>
-            <a:fld id="{46542BAB-0D38-4D52-BD5E-5D805000703B}" type="slidenum">
-              <a:rPr kumimoji="0" lang="en-US" sz="1300" b="0" i="0" u="none" strike="noStrike" kern="1200" cap="none" spc="0" normalizeH="0" baseline="0" noProof="0" smtClean="0">
-                <a:ln>
-                  <a:noFill/>
-                </a:ln>
-                <a:solidFill>
-                  <a:prstClr val="black"/>
-                </a:solidFill>
-                <a:effectLst/>
-                <a:uLnTx/>
-                <a:uFillTx/>
-                <a:latin typeface="Calibri"/>
-                <a:ea typeface="+mn-ea"/>
-                <a:cs typeface="+mn-cs"/>
-              </a:rPr>
-              <a:pPr marL="0" marR="0" lvl="0" indent="0" algn="r" defTabSz="914400" rtl="0" eaLnBrk="1" fontAlgn="auto" latinLnBrk="0" hangingPunct="1">
-                <a:lnSpc>
-                  <a:spcPct val="100000"/>
-                </a:lnSpc>
-                <a:spcBef>
-                  <a:spcPts val="0"/>
-                </a:spcBef>
-                <a:spcAft>
-                  <a:spcPts val="0"/>
-                </a:spcAft>
-                <a:buClrTx/>
-                <a:buSzTx/>
-                <a:buFontTx/>
-                <a:buNone/>
-                <a:tabLst/>
-                <a:defRPr/>
-              </a:pPr>
               <a:t>12</a:t>
             </a:fld>
             <a:endParaRPr kumimoji="0" lang="en-US" sz="1300" b="0" i="0" u="none" strike="noStrike" kern="1200" cap="none" spc="0" normalizeH="0" baseline="0" noProof="0">
@@ -2068,7 +1924,7 @@
     </p:spTree>
     <p:extLst>
       <p:ext uri="{BB962C8B-B14F-4D97-AF65-F5344CB8AC3E}">
-        <p14:creationId xmlns:p14="http://schemas.microsoft.com/office/powerpoint/2010/main" val="2470170489"/>
+        <p14:creationId xmlns:p14="http://schemas.microsoft.com/office/powerpoint/2010/main" val="3547180629"/>
       </p:ext>
     </p:extLst>
   </p:cSld>
@@ -2078,7 +1934,7 @@
 </p:notes>
 </file>
 
-<file path=ppt/notesSlides/notesSlide9.xml><?xml version="1.0" encoding="utf-8"?>
+<file path=ppt/notesSlides/notesSlide8.xml><?xml version="1.0" encoding="utf-8"?>
 <p:notes xmlns:a="http://schemas.openxmlformats.org/drawingml/2006/main" xmlns:r="http://schemas.openxmlformats.org/officeDocument/2006/relationships" xmlns:p="http://schemas.openxmlformats.org/presentationml/2006/main">
   <p:cSld>
     <p:spTree>
@@ -2214,7 +2070,153 @@
     </p:spTree>
     <p:extLst>
       <p:ext uri="{BB962C8B-B14F-4D97-AF65-F5344CB8AC3E}">
-        <p14:creationId xmlns:p14="http://schemas.microsoft.com/office/powerpoint/2010/main" val="2013659878"/>
+        <p14:creationId xmlns:p14="http://schemas.microsoft.com/office/powerpoint/2010/main" val="265136881"/>
+      </p:ext>
+    </p:extLst>
+  </p:cSld>
+  <p:clrMapOvr>
+    <a:masterClrMapping/>
+  </p:clrMapOvr>
+</p:notes>
+</file>
+
+<file path=ppt/notesSlides/notesSlide9.xml><?xml version="1.0" encoding="utf-8"?>
+<p:notes xmlns:a="http://schemas.openxmlformats.org/drawingml/2006/main" xmlns:r="http://schemas.openxmlformats.org/officeDocument/2006/relationships" xmlns:p="http://schemas.openxmlformats.org/presentationml/2006/main">
+  <p:cSld>
+    <p:spTree>
+      <p:nvGrpSpPr>
+        <p:cNvPr id="1" name=""/>
+        <p:cNvGrpSpPr/>
+        <p:nvPr/>
+      </p:nvGrpSpPr>
+      <p:grpSpPr>
+        <a:xfrm>
+          <a:off x="0" y="0"/>
+          <a:ext cx="0" cy="0"/>
+          <a:chOff x="0" y="0"/>
+          <a:chExt cx="0" cy="0"/>
+        </a:xfrm>
+      </p:grpSpPr>
+      <p:sp>
+        <p:nvSpPr>
+          <p:cNvPr id="2" name="Slide Image Placeholder 1"/>
+          <p:cNvSpPr>
+            <a:spLocks noGrp="1" noRot="1" noChangeAspect="1"/>
+          </p:cNvSpPr>
+          <p:nvPr>
+            <p:ph type="sldImg"/>
+          </p:nvPr>
+        </p:nvSpPr>
+        <p:spPr/>
+      </p:sp>
+      <p:sp>
+        <p:nvSpPr>
+          <p:cNvPr id="3" name="Notes Placeholder 2"/>
+          <p:cNvSpPr>
+            <a:spLocks noGrp="1"/>
+          </p:cNvSpPr>
+          <p:nvPr>
+            <p:ph type="body" idx="1"/>
+          </p:nvPr>
+        </p:nvSpPr>
+        <p:spPr/>
+        <p:txBody>
+          <a:bodyPr>
+            <a:normAutofit/>
+          </a:bodyPr>
+          <a:lstStyle/>
+          <a:p>
+            <a:endParaRPr lang="en-US"/>
+          </a:p>
+        </p:txBody>
+      </p:sp>
+      <p:sp>
+        <p:nvSpPr>
+          <p:cNvPr id="4" name="Slide Number Placeholder 3"/>
+          <p:cNvSpPr>
+            <a:spLocks noGrp="1"/>
+          </p:cNvSpPr>
+          <p:nvPr>
+            <p:ph type="sldNum" sz="quarter" idx="10"/>
+          </p:nvPr>
+        </p:nvSpPr>
+        <p:spPr/>
+        <p:txBody>
+          <a:bodyPr/>
+          <a:lstStyle/>
+          <a:p>
+            <a:pPr marL="0" marR="0" lvl="0" indent="0" algn="r" defTabSz="914400" rtl="0" eaLnBrk="1" fontAlgn="auto" latinLnBrk="0" hangingPunct="1">
+              <a:lnSpc>
+                <a:spcPct val="100000"/>
+              </a:lnSpc>
+              <a:spcBef>
+                <a:spcPts val="0"/>
+              </a:spcBef>
+              <a:spcAft>
+                <a:spcPts val="0"/>
+              </a:spcAft>
+              <a:buClrTx/>
+              <a:buSzTx/>
+              <a:buFontTx/>
+              <a:buNone/>
+              <a:tabLst/>
+              <a:defRPr/>
+            </a:pPr>
+            <a:fld id="{46542BAB-0D38-4D52-BD5E-5D805000703B}" type="slidenum">
+              <a:rPr kumimoji="0" lang="en-US" sz="1300" b="0" i="0" u="none" strike="noStrike" kern="1200" cap="none" spc="0" normalizeH="0" baseline="0" noProof="0" smtClean="0">
+                <a:ln>
+                  <a:noFill/>
+                </a:ln>
+                <a:solidFill>
+                  <a:prstClr val="black"/>
+                </a:solidFill>
+                <a:effectLst/>
+                <a:uLnTx/>
+                <a:uFillTx/>
+                <a:latin typeface="Calibri"/>
+                <a:ea typeface="+mn-ea"/>
+                <a:cs typeface="+mn-cs"/>
+              </a:rPr>
+              <a:pPr marL="0" marR="0" lvl="0" indent="0" algn="r" defTabSz="914400" rtl="0" eaLnBrk="1" fontAlgn="auto" latinLnBrk="0" hangingPunct="1">
+                <a:lnSpc>
+                  <a:spcPct val="100000"/>
+                </a:lnSpc>
+                <a:spcBef>
+                  <a:spcPts val="0"/>
+                </a:spcBef>
+                <a:spcAft>
+                  <a:spcPts val="0"/>
+                </a:spcAft>
+                <a:buClrTx/>
+                <a:buSzTx/>
+                <a:buFontTx/>
+                <a:buNone/>
+                <a:tabLst/>
+                <a:defRPr/>
+              </a:pPr>
+              <a:t>14</a:t>
+            </a:fld>
+            <a:endParaRPr kumimoji="0" lang="en-US" sz="1300" b="0" i="0" u="none" strike="noStrike" kern="1200" cap="none" spc="0" normalizeH="0" baseline="0" noProof="0">
+              <a:ln>
+                <a:noFill/>
+              </a:ln>
+              <a:solidFill>
+                <a:prstClr val="black"/>
+              </a:solidFill>
+              <a:effectLst/>
+              <a:uLnTx/>
+              <a:uFillTx/>
+              <a:latin typeface="Calibri"/>
+              <a:ea typeface="+mn-ea"/>
+              <a:cs typeface="+mn-cs"/>
+            </a:endParaRPr>
+          </a:p>
+        </p:txBody>
+      </p:sp>
+    </p:spTree>
+    <p:extLst>
+      <p:ext uri="{BB962C8B-B14F-4D97-AF65-F5344CB8AC3E}">
+        <p14:creationId xmlns:p14="http://schemas.microsoft.com/office/powerpoint/2010/main" val="2470170489"/>
       </p:ext>
     </p:extLst>
   </p:cSld>
@@ -2373,7 +2375,7 @@
           <a:p>
             <a:fld id="{D38588C5-B5CB-453C-BA05-BCBCA1ECE7B6}" type="datetimeFigureOut">
               <a:rPr lang="en-SG" smtClean="0"/>
-              <a:t>10/4/20</a:t>
+              <a:t>11/4/20</a:t>
             </a:fld>
             <a:endParaRPr lang="en-SG"/>
           </a:p>
@@ -2573,7 +2575,7 @@
           <a:p>
             <a:fld id="{D38588C5-B5CB-453C-BA05-BCBCA1ECE7B6}" type="datetimeFigureOut">
               <a:rPr lang="en-SG" smtClean="0"/>
-              <a:t>10/4/20</a:t>
+              <a:t>11/4/20</a:t>
             </a:fld>
             <a:endParaRPr lang="en-SG"/>
           </a:p>
@@ -2783,7 +2785,7 @@
           <a:p>
             <a:fld id="{D38588C5-B5CB-453C-BA05-BCBCA1ECE7B6}" type="datetimeFigureOut">
               <a:rPr lang="en-SG" smtClean="0"/>
-              <a:t>10/4/20</a:t>
+              <a:t>11/4/20</a:t>
             </a:fld>
             <a:endParaRPr lang="en-SG"/>
           </a:p>
@@ -5016,7 +5018,7 @@
           <a:p>
             <a:fld id="{D38588C5-B5CB-453C-BA05-BCBCA1ECE7B6}" type="datetimeFigureOut">
               <a:rPr lang="en-SG" smtClean="0"/>
-              <a:t>10/4/20</a:t>
+              <a:t>11/4/20</a:t>
             </a:fld>
             <a:endParaRPr lang="en-SG"/>
           </a:p>
@@ -5953,7 +5955,7 @@
           <a:p>
             <a:fld id="{D38588C5-B5CB-453C-BA05-BCBCA1ECE7B6}" type="datetimeFigureOut">
               <a:rPr lang="en-SG" smtClean="0"/>
-              <a:t>10/4/20</a:t>
+              <a:t>11/4/20</a:t>
             </a:fld>
             <a:endParaRPr lang="en-SG"/>
           </a:p>
@@ -6221,7 +6223,7 @@
           <a:p>
             <a:fld id="{D38588C5-B5CB-453C-BA05-BCBCA1ECE7B6}" type="datetimeFigureOut">
               <a:rPr lang="en-SG" smtClean="0"/>
-              <a:t>10/4/20</a:t>
+              <a:t>11/4/20</a:t>
             </a:fld>
             <a:endParaRPr lang="en-SG"/>
           </a:p>
@@ -6636,7 +6638,7 @@
           <a:p>
             <a:fld id="{D38588C5-B5CB-453C-BA05-BCBCA1ECE7B6}" type="datetimeFigureOut">
               <a:rPr lang="en-SG" smtClean="0"/>
-              <a:t>10/4/20</a:t>
+              <a:t>11/4/20</a:t>
             </a:fld>
             <a:endParaRPr lang="en-SG"/>
           </a:p>
@@ -6778,7 +6780,7 @@
           <a:p>
             <a:fld id="{D38588C5-B5CB-453C-BA05-BCBCA1ECE7B6}" type="datetimeFigureOut">
               <a:rPr lang="en-SG" smtClean="0"/>
-              <a:t>10/4/20</a:t>
+              <a:t>11/4/20</a:t>
             </a:fld>
             <a:endParaRPr lang="en-SG"/>
           </a:p>
@@ -6891,7 +6893,7 @@
           <a:p>
             <a:fld id="{D38588C5-B5CB-453C-BA05-BCBCA1ECE7B6}" type="datetimeFigureOut">
               <a:rPr lang="en-SG" smtClean="0"/>
-              <a:t>10/4/20</a:t>
+              <a:t>11/4/20</a:t>
             </a:fld>
             <a:endParaRPr lang="en-SG"/>
           </a:p>
@@ -7204,7 +7206,7 @@
           <a:p>
             <a:fld id="{D38588C5-B5CB-453C-BA05-BCBCA1ECE7B6}" type="datetimeFigureOut">
               <a:rPr lang="en-SG" smtClean="0"/>
-              <a:t>10/4/20</a:t>
+              <a:t>11/4/20</a:t>
             </a:fld>
             <a:endParaRPr lang="en-SG"/>
           </a:p>
@@ -7493,7 +7495,7 @@
           <a:p>
             <a:fld id="{D38588C5-B5CB-453C-BA05-BCBCA1ECE7B6}" type="datetimeFigureOut">
               <a:rPr lang="en-SG" smtClean="0"/>
-              <a:t>10/4/20</a:t>
+              <a:t>11/4/20</a:t>
             </a:fld>
             <a:endParaRPr lang="en-SG"/>
           </a:p>
@@ -7736,7 +7738,7 @@
           <a:p>
             <a:fld id="{D38588C5-B5CB-453C-BA05-BCBCA1ECE7B6}" type="datetimeFigureOut">
               <a:rPr lang="en-SG" smtClean="0"/>
-              <a:t>10/4/20</a:t>
+              <a:t>11/4/20</a:t>
             </a:fld>
             <a:endParaRPr lang="en-SG"/>
           </a:p>
@@ -12317,6 +12319,4687 @@
       </p:grpSpPr>
       <p:sp>
         <p:nvSpPr>
+          <p:cNvPr id="4" name="Text Box 11">
+            <a:extLst>
+              <a:ext uri="{FF2B5EF4-FFF2-40B4-BE49-F238E27FC236}">
+                <a16:creationId xmlns:a16="http://schemas.microsoft.com/office/drawing/2014/main" id="{248FE8F0-1FCD-DD4B-BB0A-08AC7175E782}"/>
+              </a:ext>
+            </a:extLst>
+          </p:cNvPr>
+          <p:cNvSpPr txBox="1">
+            <a:spLocks noChangeArrowheads="1"/>
+          </p:cNvSpPr>
+          <p:nvPr/>
+        </p:nvSpPr>
+        <p:spPr bwMode="auto">
+          <a:xfrm>
+            <a:off x="1632098" y="707777"/>
+            <a:ext cx="1500553" cy="615553"/>
+          </a:xfrm>
+          <a:prstGeom prst="rect">
+            <a:avLst/>
+          </a:prstGeom>
+          <a:ln w="19050">
+            <a:headEnd/>
+            <a:tailEnd/>
+          </a:ln>
+        </p:spPr>
+        <p:style>
+          <a:lnRef idx="1">
+            <a:schemeClr val="accent4"/>
+          </a:lnRef>
+          <a:fillRef idx="2">
+            <a:schemeClr val="accent4"/>
+          </a:fillRef>
+          <a:effectRef idx="1">
+            <a:schemeClr val="accent4"/>
+          </a:effectRef>
+          <a:fontRef idx="minor">
+            <a:schemeClr val="dk1"/>
+          </a:fontRef>
+        </p:style>
+        <p:txBody>
+          <a:bodyPr wrap="square" tIns="182880" bIns="182880">
+            <a:spAutoFit/>
+          </a:bodyPr>
+          <a:lstStyle/>
+          <a:p>
+            <a:pPr algn="ctr" defTabSz="872733">
+              <a:spcBef>
+                <a:spcPct val="50000"/>
+              </a:spcBef>
+            </a:pPr>
+            <a:r>
+              <a:rPr lang="en-US" sz="1600" dirty="0">
+                <a:solidFill>
+                  <a:prstClr val="black"/>
+                </a:solidFill>
+                <a:latin typeface="Calibri"/>
+              </a:rPr>
+              <a:t>:AddCommand</a:t>
+            </a:r>
+          </a:p>
+        </p:txBody>
+      </p:sp>
+      <p:sp>
+        <p:nvSpPr>
+          <p:cNvPr id="5" name="Line 13">
+            <a:extLst>
+              <a:ext uri="{FF2B5EF4-FFF2-40B4-BE49-F238E27FC236}">
+                <a16:creationId xmlns:a16="http://schemas.microsoft.com/office/drawing/2014/main" id="{C76EEBCE-C405-034D-B1A0-BB7328F95B84}"/>
+              </a:ext>
+            </a:extLst>
+          </p:cNvPr>
+          <p:cNvSpPr>
+            <a:spLocks noChangeShapeType="1"/>
+          </p:cNvSpPr>
+          <p:nvPr/>
+        </p:nvSpPr>
+        <p:spPr bwMode="auto">
+          <a:xfrm flipH="1">
+            <a:off x="2323961" y="1340561"/>
+            <a:ext cx="3079" cy="4176878"/>
+          </a:xfrm>
+          <a:prstGeom prst="line">
+            <a:avLst/>
+          </a:prstGeom>
+          <a:ln>
+            <a:prstDash val="sysDash"/>
+            <a:headEnd/>
+            <a:tailEnd/>
+          </a:ln>
+        </p:spPr>
+        <p:style>
+          <a:lnRef idx="2">
+            <a:schemeClr val="accent4"/>
+          </a:lnRef>
+          <a:fillRef idx="0">
+            <a:schemeClr val="accent4"/>
+          </a:fillRef>
+          <a:effectRef idx="1">
+            <a:schemeClr val="accent4"/>
+          </a:effectRef>
+          <a:fontRef idx="minor">
+            <a:schemeClr val="tx1"/>
+          </a:fontRef>
+        </p:style>
+        <p:txBody>
+          <a:bodyPr/>
+          <a:lstStyle/>
+          <a:p>
+            <a:pPr defTabSz="872733"/>
+            <a:endParaRPr lang="en-US" sz="2000">
+              <a:solidFill>
+                <a:prstClr val="black"/>
+              </a:solidFill>
+              <a:latin typeface="Calibri"/>
+            </a:endParaRPr>
+          </a:p>
+        </p:txBody>
+      </p:sp>
+      <p:sp>
+        <p:nvSpPr>
+          <p:cNvPr id="6" name="Rectangle 5">
+            <a:extLst>
+              <a:ext uri="{FF2B5EF4-FFF2-40B4-BE49-F238E27FC236}">
+                <a16:creationId xmlns:a16="http://schemas.microsoft.com/office/drawing/2014/main" id="{9BC84180-6825-324F-B7C4-A04674CCBC18}"/>
+              </a:ext>
+            </a:extLst>
+          </p:cNvPr>
+          <p:cNvSpPr/>
+          <p:nvPr/>
+        </p:nvSpPr>
+        <p:spPr>
+          <a:xfrm>
+            <a:off x="2269566" y="2064915"/>
+            <a:ext cx="225619" cy="2781325"/>
+          </a:xfrm>
+          <a:prstGeom prst="rect">
+            <a:avLst/>
+          </a:prstGeom>
+          <a:solidFill>
+            <a:schemeClr val="accent4">
+              <a:lumMod val="20000"/>
+              <a:lumOff val="80000"/>
+            </a:schemeClr>
+          </a:solidFill>
+        </p:spPr>
+        <p:style>
+          <a:lnRef idx="2">
+            <a:schemeClr val="accent4"/>
+          </a:lnRef>
+          <a:fillRef idx="1">
+            <a:schemeClr val="lt1"/>
+          </a:fillRef>
+          <a:effectRef idx="0">
+            <a:schemeClr val="accent4"/>
+          </a:effectRef>
+          <a:fontRef idx="minor">
+            <a:schemeClr val="dk1"/>
+          </a:fontRef>
+        </p:style>
+        <p:txBody>
+          <a:bodyPr rtlCol="0" anchor="ctr"/>
+          <a:lstStyle/>
+          <a:p>
+            <a:pPr algn="ctr" defTabSz="872733"/>
+            <a:endParaRPr lang="en-US" sz="2000">
+              <a:solidFill>
+                <a:prstClr val="black"/>
+              </a:solidFill>
+              <a:latin typeface="Calibri"/>
+            </a:endParaRPr>
+          </a:p>
+        </p:txBody>
+      </p:sp>
+      <p:sp>
+        <p:nvSpPr>
+          <p:cNvPr id="8" name="Line 15">
+            <a:extLst>
+              <a:ext uri="{FF2B5EF4-FFF2-40B4-BE49-F238E27FC236}">
+                <a16:creationId xmlns:a16="http://schemas.microsoft.com/office/drawing/2014/main" id="{D2787998-6E9D-9A45-A4B0-959FA0582FB1}"/>
+              </a:ext>
+            </a:extLst>
+          </p:cNvPr>
+          <p:cNvSpPr>
+            <a:spLocks noChangeShapeType="1"/>
+          </p:cNvSpPr>
+          <p:nvPr/>
+        </p:nvSpPr>
+        <p:spPr bwMode="auto">
+          <a:xfrm flipV="1">
+            <a:off x="769013" y="2064915"/>
+            <a:ext cx="1500553" cy="11126"/>
+          </a:xfrm>
+          <a:prstGeom prst="line">
+            <a:avLst/>
+          </a:prstGeom>
+          <a:noFill/>
+          <a:ln w="19050">
+            <a:solidFill>
+              <a:schemeClr val="accent1"/>
+            </a:solidFill>
+            <a:round/>
+            <a:headEnd/>
+            <a:tailEnd type="triangle" w="lg" len="lg"/>
+          </a:ln>
+        </p:spPr>
+        <p:txBody>
+          <a:bodyPr/>
+          <a:lstStyle/>
+          <a:p>
+            <a:pPr defTabSz="872733"/>
+            <a:endParaRPr lang="en-US" sz="2000">
+              <a:solidFill>
+                <a:prstClr val="black"/>
+              </a:solidFill>
+              <a:latin typeface="Calibri"/>
+            </a:endParaRPr>
+          </a:p>
+        </p:txBody>
+      </p:sp>
+      <p:sp>
+        <p:nvSpPr>
+          <p:cNvPr id="9" name="Rectangle 8">
+            <a:extLst>
+              <a:ext uri="{FF2B5EF4-FFF2-40B4-BE49-F238E27FC236}">
+                <a16:creationId xmlns:a16="http://schemas.microsoft.com/office/drawing/2014/main" id="{57D606CB-B5C2-104D-8A54-819D002EF3AB}"/>
+              </a:ext>
+            </a:extLst>
+          </p:cNvPr>
+          <p:cNvSpPr/>
+          <p:nvPr/>
+        </p:nvSpPr>
+        <p:spPr>
+          <a:xfrm>
+            <a:off x="855960" y="1768264"/>
+            <a:ext cx="1151277" cy="307777"/>
+          </a:xfrm>
+          <a:prstGeom prst="rect">
+            <a:avLst/>
+          </a:prstGeom>
+        </p:spPr>
+        <p:txBody>
+          <a:bodyPr wrap="none">
+            <a:spAutoFit/>
+          </a:bodyPr>
+          <a:lstStyle/>
+          <a:p>
+            <a:pPr defTabSz="872733">
+              <a:spcBef>
+                <a:spcPct val="50000"/>
+              </a:spcBef>
+            </a:pPr>
+            <a:r>
+              <a:rPr lang="en-US" sz="1400" b="1" dirty="0">
+                <a:solidFill>
+                  <a:srgbClr val="7030A0"/>
+                </a:solidFill>
+                <a:latin typeface="Courier New" pitchFamily="49" charset="0"/>
+                <a:cs typeface="Courier New" pitchFamily="49" charset="0"/>
+              </a:rPr>
+              <a:t>execute()</a:t>
+            </a:r>
+          </a:p>
+        </p:txBody>
+      </p:sp>
+      <p:sp>
+        <p:nvSpPr>
+          <p:cNvPr id="10" name="Text Box 11">
+            <a:extLst>
+              <a:ext uri="{FF2B5EF4-FFF2-40B4-BE49-F238E27FC236}">
+                <a16:creationId xmlns:a16="http://schemas.microsoft.com/office/drawing/2014/main" id="{F8518002-D378-5348-A6E9-E1D6E1EC380E}"/>
+              </a:ext>
+            </a:extLst>
+          </p:cNvPr>
+          <p:cNvSpPr txBox="1">
+            <a:spLocks noChangeArrowheads="1"/>
+          </p:cNvSpPr>
+          <p:nvPr/>
+        </p:nvSpPr>
+        <p:spPr bwMode="auto">
+          <a:xfrm>
+            <a:off x="4515215" y="646222"/>
+            <a:ext cx="1295400" cy="615553"/>
+          </a:xfrm>
+          <a:prstGeom prst="rect">
+            <a:avLst/>
+          </a:prstGeom>
+          <a:ln w="19050">
+            <a:headEnd/>
+            <a:tailEnd/>
+          </a:ln>
+        </p:spPr>
+        <p:style>
+          <a:lnRef idx="1">
+            <a:schemeClr val="accent3"/>
+          </a:lnRef>
+          <a:fillRef idx="2">
+            <a:schemeClr val="accent3"/>
+          </a:fillRef>
+          <a:effectRef idx="1">
+            <a:schemeClr val="accent3"/>
+          </a:effectRef>
+          <a:fontRef idx="minor">
+            <a:schemeClr val="dk1"/>
+          </a:fontRef>
+        </p:style>
+        <p:txBody>
+          <a:bodyPr tIns="182880" bIns="182880">
+            <a:spAutoFit/>
+          </a:bodyPr>
+          <a:lstStyle/>
+          <a:p>
+            <a:pPr algn="ctr" defTabSz="872733">
+              <a:spcBef>
+                <a:spcPct val="50000"/>
+              </a:spcBef>
+            </a:pPr>
+            <a:r>
+              <a:rPr lang="en-US" sz="1600" dirty="0">
+                <a:solidFill>
+                  <a:prstClr val="black"/>
+                </a:solidFill>
+                <a:latin typeface="Calibri"/>
+              </a:rPr>
+              <a:t>:TaskList</a:t>
+            </a:r>
+          </a:p>
+        </p:txBody>
+      </p:sp>
+      <p:sp>
+        <p:nvSpPr>
+          <p:cNvPr id="11" name="Line 13">
+            <a:extLst>
+              <a:ext uri="{FF2B5EF4-FFF2-40B4-BE49-F238E27FC236}">
+                <a16:creationId xmlns:a16="http://schemas.microsoft.com/office/drawing/2014/main" id="{B695B259-A1DE-6448-B5EA-253A19C04330}"/>
+              </a:ext>
+            </a:extLst>
+          </p:cNvPr>
+          <p:cNvSpPr>
+            <a:spLocks noChangeShapeType="1"/>
+          </p:cNvSpPr>
+          <p:nvPr/>
+        </p:nvSpPr>
+        <p:spPr bwMode="auto">
+          <a:xfrm flipH="1">
+            <a:off x="5134751" y="1261775"/>
+            <a:ext cx="23403" cy="4176873"/>
+          </a:xfrm>
+          <a:prstGeom prst="line">
+            <a:avLst/>
+          </a:prstGeom>
+          <a:ln>
+            <a:solidFill>
+              <a:schemeClr val="accent3">
+                <a:lumMod val="75000"/>
+              </a:schemeClr>
+            </a:solidFill>
+            <a:prstDash val="sysDash"/>
+            <a:headEnd/>
+            <a:tailEnd/>
+          </a:ln>
+        </p:spPr>
+        <p:style>
+          <a:lnRef idx="2">
+            <a:schemeClr val="accent4"/>
+          </a:lnRef>
+          <a:fillRef idx="0">
+            <a:schemeClr val="accent4"/>
+          </a:fillRef>
+          <a:effectRef idx="1">
+            <a:schemeClr val="accent4"/>
+          </a:effectRef>
+          <a:fontRef idx="minor">
+            <a:schemeClr val="tx1"/>
+          </a:fontRef>
+        </p:style>
+        <p:txBody>
+          <a:bodyPr/>
+          <a:lstStyle/>
+          <a:p>
+            <a:pPr defTabSz="872733"/>
+            <a:endParaRPr lang="en-US" sz="2000">
+              <a:solidFill>
+                <a:prstClr val="black"/>
+              </a:solidFill>
+              <a:latin typeface="Calibri"/>
+            </a:endParaRPr>
+          </a:p>
+        </p:txBody>
+      </p:sp>
+      <p:sp>
+        <p:nvSpPr>
+          <p:cNvPr id="12" name="Rectangle 11">
+            <a:extLst>
+              <a:ext uri="{FF2B5EF4-FFF2-40B4-BE49-F238E27FC236}">
+                <a16:creationId xmlns:a16="http://schemas.microsoft.com/office/drawing/2014/main" id="{49E0D632-8536-1541-9E7F-20B692F3C4DC}"/>
+              </a:ext>
+            </a:extLst>
+          </p:cNvPr>
+          <p:cNvSpPr/>
+          <p:nvPr/>
+        </p:nvSpPr>
+        <p:spPr>
+          <a:xfrm>
+            <a:off x="5048422" y="2251887"/>
+            <a:ext cx="219464" cy="789129"/>
+          </a:xfrm>
+          <a:prstGeom prst="rect">
+            <a:avLst/>
+          </a:prstGeom>
+          <a:solidFill>
+            <a:schemeClr val="accent3">
+              <a:lumMod val="20000"/>
+              <a:lumOff val="80000"/>
+            </a:schemeClr>
+          </a:solidFill>
+          <a:ln>
+            <a:solidFill>
+              <a:schemeClr val="accent3">
+                <a:lumMod val="75000"/>
+              </a:schemeClr>
+            </a:solidFill>
+          </a:ln>
+        </p:spPr>
+        <p:style>
+          <a:lnRef idx="2">
+            <a:schemeClr val="accent4"/>
+          </a:lnRef>
+          <a:fillRef idx="1">
+            <a:schemeClr val="lt1"/>
+          </a:fillRef>
+          <a:effectRef idx="0">
+            <a:schemeClr val="accent4"/>
+          </a:effectRef>
+          <a:fontRef idx="minor">
+            <a:schemeClr val="dk1"/>
+          </a:fontRef>
+        </p:style>
+        <p:txBody>
+          <a:bodyPr rtlCol="0" anchor="ctr"/>
+          <a:lstStyle/>
+          <a:p>
+            <a:pPr algn="ctr" defTabSz="872733"/>
+            <a:endParaRPr lang="en-US" sz="2000">
+              <a:solidFill>
+                <a:prstClr val="black"/>
+              </a:solidFill>
+              <a:latin typeface="Calibri"/>
+            </a:endParaRPr>
+          </a:p>
+        </p:txBody>
+      </p:sp>
+      <p:sp>
+        <p:nvSpPr>
+          <p:cNvPr id="13" name="Line 15">
+            <a:extLst>
+              <a:ext uri="{FF2B5EF4-FFF2-40B4-BE49-F238E27FC236}">
+                <a16:creationId xmlns:a16="http://schemas.microsoft.com/office/drawing/2014/main" id="{D5054728-D987-DC48-ABFD-5D39ADF78D15}"/>
+              </a:ext>
+            </a:extLst>
+          </p:cNvPr>
+          <p:cNvSpPr>
+            <a:spLocks noChangeShapeType="1"/>
+          </p:cNvSpPr>
+          <p:nvPr/>
+        </p:nvSpPr>
+        <p:spPr bwMode="auto">
+          <a:xfrm flipV="1">
+            <a:off x="2495184" y="2251887"/>
+            <a:ext cx="2550162" cy="0"/>
+          </a:xfrm>
+          <a:prstGeom prst="line">
+            <a:avLst/>
+          </a:prstGeom>
+          <a:noFill/>
+          <a:ln w="19050">
+            <a:solidFill>
+              <a:schemeClr val="accent1"/>
+            </a:solidFill>
+            <a:round/>
+            <a:headEnd/>
+            <a:tailEnd type="triangle" w="lg" len="lg"/>
+          </a:ln>
+        </p:spPr>
+        <p:txBody>
+          <a:bodyPr/>
+          <a:lstStyle/>
+          <a:p>
+            <a:pPr defTabSz="872733"/>
+            <a:endParaRPr lang="en-US" sz="2000">
+              <a:solidFill>
+                <a:prstClr val="black"/>
+              </a:solidFill>
+              <a:latin typeface="Calibri"/>
+            </a:endParaRPr>
+          </a:p>
+        </p:txBody>
+      </p:sp>
+      <p:sp>
+        <p:nvSpPr>
+          <p:cNvPr id="14" name="Line 16">
+            <a:extLst>
+              <a:ext uri="{FF2B5EF4-FFF2-40B4-BE49-F238E27FC236}">
+                <a16:creationId xmlns:a16="http://schemas.microsoft.com/office/drawing/2014/main" id="{018539EC-1B57-1F46-98C2-96687519BC7D}"/>
+              </a:ext>
+            </a:extLst>
+          </p:cNvPr>
+          <p:cNvSpPr>
+            <a:spLocks noChangeShapeType="1"/>
+          </p:cNvSpPr>
+          <p:nvPr/>
+        </p:nvSpPr>
+        <p:spPr bwMode="auto">
+          <a:xfrm flipH="1">
+            <a:off x="2495184" y="3041016"/>
+            <a:ext cx="2550161" cy="0"/>
+          </a:xfrm>
+          <a:prstGeom prst="line">
+            <a:avLst/>
+          </a:prstGeom>
+          <a:noFill/>
+          <a:ln w="19050">
+            <a:solidFill>
+              <a:schemeClr val="accent3">
+                <a:lumMod val="75000"/>
+              </a:schemeClr>
+            </a:solidFill>
+            <a:prstDash val="sysDash"/>
+            <a:round/>
+            <a:headEnd/>
+            <a:tailEnd type="triangle" w="lg" len="lg"/>
+          </a:ln>
+        </p:spPr>
+        <p:txBody>
+          <a:bodyPr/>
+          <a:lstStyle/>
+          <a:p>
+            <a:pPr defTabSz="872733"/>
+            <a:endParaRPr lang="en-US" sz="2000">
+              <a:solidFill>
+                <a:prstClr val="black"/>
+              </a:solidFill>
+              <a:latin typeface="Calibri"/>
+            </a:endParaRPr>
+          </a:p>
+        </p:txBody>
+      </p:sp>
+      <p:sp>
+        <p:nvSpPr>
+          <p:cNvPr id="16" name="Text Box 11">
+            <a:extLst>
+              <a:ext uri="{FF2B5EF4-FFF2-40B4-BE49-F238E27FC236}">
+                <a16:creationId xmlns:a16="http://schemas.microsoft.com/office/drawing/2014/main" id="{0D397AB9-D500-FA4A-A826-8E51E417A349}"/>
+              </a:ext>
+            </a:extLst>
+          </p:cNvPr>
+          <p:cNvSpPr txBox="1">
+            <a:spLocks noChangeArrowheads="1"/>
+          </p:cNvSpPr>
+          <p:nvPr/>
+        </p:nvSpPr>
+        <p:spPr bwMode="auto">
+          <a:xfrm>
+            <a:off x="7633554" y="646222"/>
+            <a:ext cx="1295400" cy="615553"/>
+          </a:xfrm>
+          <a:prstGeom prst="rect">
+            <a:avLst/>
+          </a:prstGeom>
+          <a:ln w="19050">
+            <a:headEnd/>
+            <a:tailEnd/>
+          </a:ln>
+        </p:spPr>
+        <p:style>
+          <a:lnRef idx="1">
+            <a:schemeClr val="accent3"/>
+          </a:lnRef>
+          <a:fillRef idx="2">
+            <a:schemeClr val="accent3"/>
+          </a:fillRef>
+          <a:effectRef idx="1">
+            <a:schemeClr val="accent3"/>
+          </a:effectRef>
+          <a:fontRef idx="minor">
+            <a:schemeClr val="dk1"/>
+          </a:fontRef>
+        </p:style>
+        <p:txBody>
+          <a:bodyPr tIns="182880" bIns="182880">
+            <a:spAutoFit/>
+          </a:bodyPr>
+          <a:lstStyle/>
+          <a:p>
+            <a:pPr algn="ctr" defTabSz="872733">
+              <a:spcBef>
+                <a:spcPct val="50000"/>
+              </a:spcBef>
+            </a:pPr>
+            <a:r>
+              <a:rPr lang="en-US" sz="1600" dirty="0">
+                <a:solidFill>
+                  <a:prstClr val="black"/>
+                </a:solidFill>
+                <a:latin typeface="Calibri"/>
+              </a:rPr>
+              <a:t>:Storage</a:t>
+            </a:r>
+          </a:p>
+        </p:txBody>
+      </p:sp>
+      <p:sp>
+        <p:nvSpPr>
+          <p:cNvPr id="17" name="Line 13">
+            <a:extLst>
+              <a:ext uri="{FF2B5EF4-FFF2-40B4-BE49-F238E27FC236}">
+                <a16:creationId xmlns:a16="http://schemas.microsoft.com/office/drawing/2014/main" id="{E154275F-E844-B641-B5BB-1EB79907E376}"/>
+              </a:ext>
+            </a:extLst>
+          </p:cNvPr>
+          <p:cNvSpPr>
+            <a:spLocks noChangeShapeType="1"/>
+          </p:cNvSpPr>
+          <p:nvPr/>
+        </p:nvSpPr>
+        <p:spPr bwMode="auto">
+          <a:xfrm>
+            <a:off x="8281254" y="1261775"/>
+            <a:ext cx="0" cy="4176880"/>
+          </a:xfrm>
+          <a:prstGeom prst="line">
+            <a:avLst/>
+          </a:prstGeom>
+          <a:ln>
+            <a:solidFill>
+              <a:schemeClr val="accent3">
+                <a:lumMod val="75000"/>
+              </a:schemeClr>
+            </a:solidFill>
+            <a:prstDash val="sysDash"/>
+            <a:headEnd/>
+            <a:tailEnd/>
+          </a:ln>
+        </p:spPr>
+        <p:style>
+          <a:lnRef idx="2">
+            <a:schemeClr val="accent4"/>
+          </a:lnRef>
+          <a:fillRef idx="0">
+            <a:schemeClr val="accent4"/>
+          </a:fillRef>
+          <a:effectRef idx="1">
+            <a:schemeClr val="accent4"/>
+          </a:effectRef>
+          <a:fontRef idx="minor">
+            <a:schemeClr val="tx1"/>
+          </a:fontRef>
+        </p:style>
+        <p:txBody>
+          <a:bodyPr/>
+          <a:lstStyle/>
+          <a:p>
+            <a:pPr defTabSz="872733"/>
+            <a:endParaRPr lang="en-US" sz="2000">
+              <a:solidFill>
+                <a:prstClr val="black"/>
+              </a:solidFill>
+              <a:latin typeface="Calibri"/>
+            </a:endParaRPr>
+          </a:p>
+        </p:txBody>
+      </p:sp>
+      <p:sp>
+        <p:nvSpPr>
+          <p:cNvPr id="18" name="Rectangle 17">
+            <a:extLst>
+              <a:ext uri="{FF2B5EF4-FFF2-40B4-BE49-F238E27FC236}">
+                <a16:creationId xmlns:a16="http://schemas.microsoft.com/office/drawing/2014/main" id="{E99BD196-D3C1-524F-A4B7-CD0344F73A42}"/>
+              </a:ext>
+            </a:extLst>
+          </p:cNvPr>
+          <p:cNvSpPr/>
+          <p:nvPr/>
+        </p:nvSpPr>
+        <p:spPr>
+          <a:xfrm>
+            <a:off x="8171522" y="3338047"/>
+            <a:ext cx="219464" cy="789129"/>
+          </a:xfrm>
+          <a:prstGeom prst="rect">
+            <a:avLst/>
+          </a:prstGeom>
+          <a:solidFill>
+            <a:schemeClr val="accent3">
+              <a:lumMod val="20000"/>
+              <a:lumOff val="80000"/>
+            </a:schemeClr>
+          </a:solidFill>
+          <a:ln>
+            <a:solidFill>
+              <a:schemeClr val="accent3">
+                <a:lumMod val="75000"/>
+              </a:schemeClr>
+            </a:solidFill>
+          </a:ln>
+        </p:spPr>
+        <p:style>
+          <a:lnRef idx="2">
+            <a:schemeClr val="accent4"/>
+          </a:lnRef>
+          <a:fillRef idx="1">
+            <a:schemeClr val="lt1"/>
+          </a:fillRef>
+          <a:effectRef idx="0">
+            <a:schemeClr val="accent4"/>
+          </a:effectRef>
+          <a:fontRef idx="minor">
+            <a:schemeClr val="dk1"/>
+          </a:fontRef>
+        </p:style>
+        <p:txBody>
+          <a:bodyPr rtlCol="0" anchor="ctr"/>
+          <a:lstStyle/>
+          <a:p>
+            <a:pPr algn="ctr" defTabSz="872733"/>
+            <a:endParaRPr lang="en-US" sz="2000">
+              <a:solidFill>
+                <a:prstClr val="black"/>
+              </a:solidFill>
+              <a:latin typeface="Calibri"/>
+            </a:endParaRPr>
+          </a:p>
+        </p:txBody>
+      </p:sp>
+      <p:sp>
+        <p:nvSpPr>
+          <p:cNvPr id="19" name="Line 15">
+            <a:extLst>
+              <a:ext uri="{FF2B5EF4-FFF2-40B4-BE49-F238E27FC236}">
+                <a16:creationId xmlns:a16="http://schemas.microsoft.com/office/drawing/2014/main" id="{70B02A67-D6A6-D543-8C3F-BB2366DEECEA}"/>
+              </a:ext>
+            </a:extLst>
+          </p:cNvPr>
+          <p:cNvSpPr>
+            <a:spLocks noChangeShapeType="1"/>
+          </p:cNvSpPr>
+          <p:nvPr/>
+        </p:nvSpPr>
+        <p:spPr bwMode="auto">
+          <a:xfrm flipV="1">
+            <a:off x="2495184" y="3352901"/>
+            <a:ext cx="5676335" cy="0"/>
+          </a:xfrm>
+          <a:prstGeom prst="line">
+            <a:avLst/>
+          </a:prstGeom>
+          <a:noFill/>
+          <a:ln w="19050">
+            <a:solidFill>
+              <a:schemeClr val="accent1"/>
+            </a:solidFill>
+            <a:round/>
+            <a:headEnd/>
+            <a:tailEnd type="triangle" w="lg" len="lg"/>
+          </a:ln>
+        </p:spPr>
+        <p:txBody>
+          <a:bodyPr/>
+          <a:lstStyle/>
+          <a:p>
+            <a:pPr defTabSz="872733"/>
+            <a:endParaRPr lang="en-US" sz="2000">
+              <a:solidFill>
+                <a:prstClr val="black"/>
+              </a:solidFill>
+              <a:latin typeface="Calibri"/>
+            </a:endParaRPr>
+          </a:p>
+        </p:txBody>
+      </p:sp>
+      <p:sp>
+        <p:nvSpPr>
+          <p:cNvPr id="20" name="Line 16">
+            <a:extLst>
+              <a:ext uri="{FF2B5EF4-FFF2-40B4-BE49-F238E27FC236}">
+                <a16:creationId xmlns:a16="http://schemas.microsoft.com/office/drawing/2014/main" id="{ECD9F577-E5A2-5B43-953A-DD64CD6A5843}"/>
+              </a:ext>
+            </a:extLst>
+          </p:cNvPr>
+          <p:cNvSpPr>
+            <a:spLocks noChangeShapeType="1"/>
+          </p:cNvSpPr>
+          <p:nvPr/>
+        </p:nvSpPr>
+        <p:spPr bwMode="auto">
+          <a:xfrm flipH="1">
+            <a:off x="2495183" y="4127176"/>
+            <a:ext cx="5676335" cy="0"/>
+          </a:xfrm>
+          <a:prstGeom prst="line">
+            <a:avLst/>
+          </a:prstGeom>
+          <a:noFill/>
+          <a:ln w="19050">
+            <a:solidFill>
+              <a:schemeClr val="accent3">
+                <a:lumMod val="75000"/>
+              </a:schemeClr>
+            </a:solidFill>
+            <a:prstDash val="sysDash"/>
+            <a:round/>
+            <a:headEnd/>
+            <a:tailEnd type="triangle" w="lg" len="lg"/>
+          </a:ln>
+        </p:spPr>
+        <p:txBody>
+          <a:bodyPr/>
+          <a:lstStyle/>
+          <a:p>
+            <a:pPr defTabSz="872733"/>
+            <a:endParaRPr lang="en-US" sz="2000">
+              <a:solidFill>
+                <a:prstClr val="black"/>
+              </a:solidFill>
+              <a:latin typeface="Calibri"/>
+            </a:endParaRPr>
+          </a:p>
+        </p:txBody>
+      </p:sp>
+      <p:sp>
+        <p:nvSpPr>
+          <p:cNvPr id="21" name="Rectangle 20">
+            <a:extLst>
+              <a:ext uri="{FF2B5EF4-FFF2-40B4-BE49-F238E27FC236}">
+                <a16:creationId xmlns:a16="http://schemas.microsoft.com/office/drawing/2014/main" id="{35B30447-FA31-7643-B1DF-546557805D1F}"/>
+              </a:ext>
+            </a:extLst>
+          </p:cNvPr>
+          <p:cNvSpPr/>
+          <p:nvPr/>
+        </p:nvSpPr>
+        <p:spPr>
+          <a:xfrm>
+            <a:off x="3194626" y="1953592"/>
+            <a:ext cx="721672" cy="307777"/>
+          </a:xfrm>
+          <a:prstGeom prst="rect">
+            <a:avLst/>
+          </a:prstGeom>
+        </p:spPr>
+        <p:txBody>
+          <a:bodyPr wrap="none">
+            <a:spAutoFit/>
+          </a:bodyPr>
+          <a:lstStyle/>
+          <a:p>
+            <a:pPr defTabSz="872733">
+              <a:spcBef>
+                <a:spcPct val="50000"/>
+              </a:spcBef>
+            </a:pPr>
+            <a:r>
+              <a:rPr lang="en-US" sz="1400" b="1" dirty="0">
+                <a:solidFill>
+                  <a:srgbClr val="7030A0"/>
+                </a:solidFill>
+                <a:latin typeface="Courier New" pitchFamily="49" charset="0"/>
+                <a:cs typeface="Courier New" pitchFamily="49" charset="0"/>
+              </a:rPr>
+              <a:t>add()</a:t>
+            </a:r>
+          </a:p>
+        </p:txBody>
+      </p:sp>
+      <p:sp>
+        <p:nvSpPr>
+          <p:cNvPr id="22" name="Rectangle 21">
+            <a:extLst>
+              <a:ext uri="{FF2B5EF4-FFF2-40B4-BE49-F238E27FC236}">
+                <a16:creationId xmlns:a16="http://schemas.microsoft.com/office/drawing/2014/main" id="{BF1C2057-DF82-3C40-B2EE-D9C27D5265FF}"/>
+              </a:ext>
+            </a:extLst>
+          </p:cNvPr>
+          <p:cNvSpPr/>
+          <p:nvPr/>
+        </p:nvSpPr>
+        <p:spPr>
+          <a:xfrm>
+            <a:off x="3194626" y="3347528"/>
+            <a:ext cx="2654894" cy="307777"/>
+          </a:xfrm>
+          <a:prstGeom prst="rect">
+            <a:avLst/>
+          </a:prstGeom>
+        </p:spPr>
+        <p:txBody>
+          <a:bodyPr wrap="none">
+            <a:spAutoFit/>
+          </a:bodyPr>
+          <a:lstStyle/>
+          <a:p>
+            <a:pPr defTabSz="872733">
+              <a:spcBef>
+                <a:spcPct val="50000"/>
+              </a:spcBef>
+            </a:pPr>
+            <a:r>
+              <a:rPr lang="en-US" sz="1400" b="1" dirty="0">
+                <a:solidFill>
+                  <a:srgbClr val="7030A0"/>
+                </a:solidFill>
+                <a:latin typeface="Courier New" pitchFamily="49" charset="0"/>
+                <a:cs typeface="Courier New" pitchFamily="49" charset="0"/>
+              </a:rPr>
+              <a:t>overwriteFile(TaskList)</a:t>
+            </a:r>
+          </a:p>
+        </p:txBody>
+      </p:sp>
+      <p:sp>
+        <p:nvSpPr>
+          <p:cNvPr id="23" name="Line 16">
+            <a:extLst>
+              <a:ext uri="{FF2B5EF4-FFF2-40B4-BE49-F238E27FC236}">
+                <a16:creationId xmlns:a16="http://schemas.microsoft.com/office/drawing/2014/main" id="{5B2C9FF0-0129-3546-8B90-8D22A63C90D7}"/>
+              </a:ext>
+            </a:extLst>
+          </p:cNvPr>
+          <p:cNvSpPr>
+            <a:spLocks noChangeShapeType="1"/>
+          </p:cNvSpPr>
+          <p:nvPr/>
+        </p:nvSpPr>
+        <p:spPr bwMode="auto">
+          <a:xfrm flipH="1">
+            <a:off x="1008184" y="4846240"/>
+            <a:ext cx="1261381" cy="0"/>
+          </a:xfrm>
+          <a:prstGeom prst="line">
+            <a:avLst/>
+          </a:prstGeom>
+          <a:noFill/>
+          <a:ln w="19050">
+            <a:solidFill>
+              <a:schemeClr val="accent3">
+                <a:lumMod val="75000"/>
+              </a:schemeClr>
+            </a:solidFill>
+            <a:prstDash val="sysDash"/>
+            <a:round/>
+            <a:headEnd/>
+            <a:tailEnd type="triangle" w="lg" len="lg"/>
+          </a:ln>
+        </p:spPr>
+        <p:txBody>
+          <a:bodyPr/>
+          <a:lstStyle/>
+          <a:p>
+            <a:pPr defTabSz="872733"/>
+            <a:endParaRPr lang="en-US" sz="2000">
+              <a:solidFill>
+                <a:prstClr val="black"/>
+              </a:solidFill>
+              <a:latin typeface="Calibri"/>
+            </a:endParaRPr>
+          </a:p>
+        </p:txBody>
+      </p:sp>
+      <p:sp>
+        <p:nvSpPr>
+          <p:cNvPr id="24" name="Rectangle 23">
+            <a:extLst>
+              <a:ext uri="{FF2B5EF4-FFF2-40B4-BE49-F238E27FC236}">
+                <a16:creationId xmlns:a16="http://schemas.microsoft.com/office/drawing/2014/main" id="{0EA7D069-4D95-6140-B79B-9A337C7117E4}"/>
+              </a:ext>
+            </a:extLst>
+          </p:cNvPr>
+          <p:cNvSpPr/>
+          <p:nvPr/>
+        </p:nvSpPr>
+        <p:spPr>
+          <a:xfrm>
+            <a:off x="855960" y="4846240"/>
+            <a:ext cx="1580882" cy="307777"/>
+          </a:xfrm>
+          <a:prstGeom prst="rect">
+            <a:avLst/>
+          </a:prstGeom>
+        </p:spPr>
+        <p:txBody>
+          <a:bodyPr wrap="none">
+            <a:spAutoFit/>
+          </a:bodyPr>
+          <a:lstStyle/>
+          <a:p>
+            <a:r>
+              <a:rPr lang="en-US" sz="1400" b="1" dirty="0">
+                <a:solidFill>
+                  <a:srgbClr val="7030A0"/>
+                </a:solidFill>
+                <a:latin typeface="Courier New" pitchFamily="49" charset="0"/>
+                <a:cs typeface="Courier New" pitchFamily="49" charset="0"/>
+              </a:rPr>
+              <a:t>CommandResult</a:t>
+            </a:r>
+            <a:endParaRPr lang="en-US" sz="1400" dirty="0"/>
+          </a:p>
+        </p:txBody>
+      </p:sp>
+    </p:spTree>
+    <p:extLst>
+      <p:ext uri="{BB962C8B-B14F-4D97-AF65-F5344CB8AC3E}">
+        <p14:creationId xmlns:p14="http://schemas.microsoft.com/office/powerpoint/2010/main" val="2223684646"/>
+      </p:ext>
+    </p:extLst>
+  </p:cSld>
+  <p:clrMapOvr>
+    <a:masterClrMapping/>
+  </p:clrMapOvr>
+  <p:timing>
+    <p:tnLst>
+      <p:par>
+        <p:cTn id="1" dur="indefinite" restart="never" nodeType="tmRoot">
+          <p:childTnLst>
+            <p:seq concurrent="1" nextAc="seek">
+              <p:cTn id="2" dur="indefinite" nodeType="mainSeq">
+                <p:childTnLst>
+                  <p:par>
+                    <p:cTn id="3" fill="hold">
+                      <p:stCondLst>
+                        <p:cond delay="indefinite"/>
+                        <p:cond evt="onBegin" delay="0">
+                          <p:tn val="2"/>
+                        </p:cond>
+                      </p:stCondLst>
+                      <p:childTnLst>
+                        <p:par>
+                          <p:cTn id="4" fill="hold">
+                            <p:stCondLst>
+                              <p:cond delay="0"/>
+                            </p:stCondLst>
+                            <p:childTnLst>
+                              <p:par>
+                                <p:cTn id="5" presetID="1" presetClass="exit" presetSubtype="0" fill="hold" grpId="0" nodeType="withEffect">
+                                  <p:stCondLst>
+                                    <p:cond delay="0"/>
+                                  </p:stCondLst>
+                                  <p:childTnLst>
+                                    <p:set>
+                                      <p:cBhvr>
+                                        <p:cTn id="6" dur="1" fill="hold">
+                                          <p:stCondLst>
+                                            <p:cond delay="0"/>
+                                          </p:stCondLst>
+                                        </p:cTn>
+                                        <p:tgtEl>
+                                          <p:spTgt spid="4"/>
+                                        </p:tgtEl>
+                                        <p:attrNameLst>
+                                          <p:attrName>style.visibility</p:attrName>
+                                        </p:attrNameLst>
+                                      </p:cBhvr>
+                                      <p:to>
+                                        <p:strVal val="hidden"/>
+                                      </p:to>
+                                    </p:set>
+                                  </p:childTnLst>
+                                </p:cTn>
+                              </p:par>
+                              <p:par>
+                                <p:cTn id="7" presetID="1" presetClass="exit" presetSubtype="0" fill="hold" grpId="0" nodeType="withEffect">
+                                  <p:stCondLst>
+                                    <p:cond delay="0"/>
+                                  </p:stCondLst>
+                                  <p:childTnLst>
+                                    <p:set>
+                                      <p:cBhvr>
+                                        <p:cTn id="8" dur="1" fill="hold">
+                                          <p:stCondLst>
+                                            <p:cond delay="0"/>
+                                          </p:stCondLst>
+                                        </p:cTn>
+                                        <p:tgtEl>
+                                          <p:spTgt spid="5"/>
+                                        </p:tgtEl>
+                                        <p:attrNameLst>
+                                          <p:attrName>style.visibility</p:attrName>
+                                        </p:attrNameLst>
+                                      </p:cBhvr>
+                                      <p:to>
+                                        <p:strVal val="hidden"/>
+                                      </p:to>
+                                    </p:set>
+                                  </p:childTnLst>
+                                </p:cTn>
+                              </p:par>
+                              <p:par>
+                                <p:cTn id="9" presetID="1" presetClass="exit" presetSubtype="0" fill="hold" grpId="0" nodeType="withEffect">
+                                  <p:stCondLst>
+                                    <p:cond delay="0"/>
+                                  </p:stCondLst>
+                                  <p:childTnLst>
+                                    <p:set>
+                                      <p:cBhvr>
+                                        <p:cTn id="10" dur="1" fill="hold">
+                                          <p:stCondLst>
+                                            <p:cond delay="0"/>
+                                          </p:stCondLst>
+                                        </p:cTn>
+                                        <p:tgtEl>
+                                          <p:spTgt spid="6"/>
+                                        </p:tgtEl>
+                                        <p:attrNameLst>
+                                          <p:attrName>style.visibility</p:attrName>
+                                        </p:attrNameLst>
+                                      </p:cBhvr>
+                                      <p:to>
+                                        <p:strVal val="hidden"/>
+                                      </p:to>
+                                    </p:set>
+                                  </p:childTnLst>
+                                </p:cTn>
+                              </p:par>
+                              <p:par>
+                                <p:cTn id="11" presetID="1" presetClass="exit" presetSubtype="0" fill="hold" grpId="0" nodeType="withEffect">
+                                  <p:stCondLst>
+                                    <p:cond delay="0"/>
+                                  </p:stCondLst>
+                                  <p:childTnLst>
+                                    <p:set>
+                                      <p:cBhvr>
+                                        <p:cTn id="12" dur="1" fill="hold">
+                                          <p:stCondLst>
+                                            <p:cond delay="0"/>
+                                          </p:stCondLst>
+                                        </p:cTn>
+                                        <p:tgtEl>
+                                          <p:spTgt spid="8"/>
+                                        </p:tgtEl>
+                                        <p:attrNameLst>
+                                          <p:attrName>style.visibility</p:attrName>
+                                        </p:attrNameLst>
+                                      </p:cBhvr>
+                                      <p:to>
+                                        <p:strVal val="hidden"/>
+                                      </p:to>
+                                    </p:set>
+                                  </p:childTnLst>
+                                </p:cTn>
+                              </p:par>
+                              <p:par>
+                                <p:cTn id="13" presetID="1" presetClass="exit" presetSubtype="0" fill="hold" grpId="0" nodeType="withEffect">
+                                  <p:stCondLst>
+                                    <p:cond delay="0"/>
+                                  </p:stCondLst>
+                                  <p:childTnLst>
+                                    <p:set>
+                                      <p:cBhvr>
+                                        <p:cTn id="14" dur="1" fill="hold">
+                                          <p:stCondLst>
+                                            <p:cond delay="0"/>
+                                          </p:stCondLst>
+                                        </p:cTn>
+                                        <p:tgtEl>
+                                          <p:spTgt spid="10"/>
+                                        </p:tgtEl>
+                                        <p:attrNameLst>
+                                          <p:attrName>style.visibility</p:attrName>
+                                        </p:attrNameLst>
+                                      </p:cBhvr>
+                                      <p:to>
+                                        <p:strVal val="hidden"/>
+                                      </p:to>
+                                    </p:set>
+                                  </p:childTnLst>
+                                </p:cTn>
+                              </p:par>
+                              <p:par>
+                                <p:cTn id="15" presetID="1" presetClass="exit" presetSubtype="0" fill="hold" grpId="0" nodeType="withEffect">
+                                  <p:stCondLst>
+                                    <p:cond delay="0"/>
+                                  </p:stCondLst>
+                                  <p:childTnLst>
+                                    <p:set>
+                                      <p:cBhvr>
+                                        <p:cTn id="16" dur="1" fill="hold">
+                                          <p:stCondLst>
+                                            <p:cond delay="0"/>
+                                          </p:stCondLst>
+                                        </p:cTn>
+                                        <p:tgtEl>
+                                          <p:spTgt spid="11"/>
+                                        </p:tgtEl>
+                                        <p:attrNameLst>
+                                          <p:attrName>style.visibility</p:attrName>
+                                        </p:attrNameLst>
+                                      </p:cBhvr>
+                                      <p:to>
+                                        <p:strVal val="hidden"/>
+                                      </p:to>
+                                    </p:set>
+                                  </p:childTnLst>
+                                </p:cTn>
+                              </p:par>
+                              <p:par>
+                                <p:cTn id="17" presetID="1" presetClass="exit" presetSubtype="0" fill="hold" grpId="0" nodeType="withEffect">
+                                  <p:stCondLst>
+                                    <p:cond delay="0"/>
+                                  </p:stCondLst>
+                                  <p:childTnLst>
+                                    <p:set>
+                                      <p:cBhvr>
+                                        <p:cTn id="18" dur="1" fill="hold">
+                                          <p:stCondLst>
+                                            <p:cond delay="0"/>
+                                          </p:stCondLst>
+                                        </p:cTn>
+                                        <p:tgtEl>
+                                          <p:spTgt spid="12"/>
+                                        </p:tgtEl>
+                                        <p:attrNameLst>
+                                          <p:attrName>style.visibility</p:attrName>
+                                        </p:attrNameLst>
+                                      </p:cBhvr>
+                                      <p:to>
+                                        <p:strVal val="hidden"/>
+                                      </p:to>
+                                    </p:set>
+                                  </p:childTnLst>
+                                </p:cTn>
+                              </p:par>
+                              <p:par>
+                                <p:cTn id="19" presetID="1" presetClass="exit" presetSubtype="0" fill="hold" grpId="0" nodeType="withEffect">
+                                  <p:stCondLst>
+                                    <p:cond delay="0"/>
+                                  </p:stCondLst>
+                                  <p:childTnLst>
+                                    <p:set>
+                                      <p:cBhvr>
+                                        <p:cTn id="20" dur="1" fill="hold">
+                                          <p:stCondLst>
+                                            <p:cond delay="0"/>
+                                          </p:stCondLst>
+                                        </p:cTn>
+                                        <p:tgtEl>
+                                          <p:spTgt spid="13"/>
+                                        </p:tgtEl>
+                                        <p:attrNameLst>
+                                          <p:attrName>style.visibility</p:attrName>
+                                        </p:attrNameLst>
+                                      </p:cBhvr>
+                                      <p:to>
+                                        <p:strVal val="hidden"/>
+                                      </p:to>
+                                    </p:set>
+                                  </p:childTnLst>
+                                </p:cTn>
+                              </p:par>
+                              <p:par>
+                                <p:cTn id="21" presetID="1" presetClass="exit" presetSubtype="0" fill="hold" grpId="0" nodeType="withEffect">
+                                  <p:stCondLst>
+                                    <p:cond delay="0"/>
+                                  </p:stCondLst>
+                                  <p:childTnLst>
+                                    <p:set>
+                                      <p:cBhvr>
+                                        <p:cTn id="22" dur="1" fill="hold">
+                                          <p:stCondLst>
+                                            <p:cond delay="0"/>
+                                          </p:stCondLst>
+                                        </p:cTn>
+                                        <p:tgtEl>
+                                          <p:spTgt spid="14"/>
+                                        </p:tgtEl>
+                                        <p:attrNameLst>
+                                          <p:attrName>style.visibility</p:attrName>
+                                        </p:attrNameLst>
+                                      </p:cBhvr>
+                                      <p:to>
+                                        <p:strVal val="hidden"/>
+                                      </p:to>
+                                    </p:set>
+                                  </p:childTnLst>
+                                </p:cTn>
+                              </p:par>
+                              <p:par>
+                                <p:cTn id="23" presetID="1" presetClass="exit" presetSubtype="0" fill="hold" grpId="0" nodeType="withEffect">
+                                  <p:stCondLst>
+                                    <p:cond delay="0"/>
+                                  </p:stCondLst>
+                                  <p:childTnLst>
+                                    <p:set>
+                                      <p:cBhvr>
+                                        <p:cTn id="24" dur="1" fill="hold">
+                                          <p:stCondLst>
+                                            <p:cond delay="0"/>
+                                          </p:stCondLst>
+                                        </p:cTn>
+                                        <p:tgtEl>
+                                          <p:spTgt spid="16"/>
+                                        </p:tgtEl>
+                                        <p:attrNameLst>
+                                          <p:attrName>style.visibility</p:attrName>
+                                        </p:attrNameLst>
+                                      </p:cBhvr>
+                                      <p:to>
+                                        <p:strVal val="hidden"/>
+                                      </p:to>
+                                    </p:set>
+                                  </p:childTnLst>
+                                </p:cTn>
+                              </p:par>
+                              <p:par>
+                                <p:cTn id="25" presetID="1" presetClass="exit" presetSubtype="0" fill="hold" grpId="0" nodeType="withEffect">
+                                  <p:stCondLst>
+                                    <p:cond delay="0"/>
+                                  </p:stCondLst>
+                                  <p:childTnLst>
+                                    <p:set>
+                                      <p:cBhvr>
+                                        <p:cTn id="26" dur="1" fill="hold">
+                                          <p:stCondLst>
+                                            <p:cond delay="0"/>
+                                          </p:stCondLst>
+                                        </p:cTn>
+                                        <p:tgtEl>
+                                          <p:spTgt spid="17"/>
+                                        </p:tgtEl>
+                                        <p:attrNameLst>
+                                          <p:attrName>style.visibility</p:attrName>
+                                        </p:attrNameLst>
+                                      </p:cBhvr>
+                                      <p:to>
+                                        <p:strVal val="hidden"/>
+                                      </p:to>
+                                    </p:set>
+                                  </p:childTnLst>
+                                </p:cTn>
+                              </p:par>
+                              <p:par>
+                                <p:cTn id="27" presetID="1" presetClass="exit" presetSubtype="0" fill="hold" grpId="0" nodeType="withEffect">
+                                  <p:stCondLst>
+                                    <p:cond delay="0"/>
+                                  </p:stCondLst>
+                                  <p:childTnLst>
+                                    <p:set>
+                                      <p:cBhvr>
+                                        <p:cTn id="28" dur="1" fill="hold">
+                                          <p:stCondLst>
+                                            <p:cond delay="0"/>
+                                          </p:stCondLst>
+                                        </p:cTn>
+                                        <p:tgtEl>
+                                          <p:spTgt spid="18"/>
+                                        </p:tgtEl>
+                                        <p:attrNameLst>
+                                          <p:attrName>style.visibility</p:attrName>
+                                        </p:attrNameLst>
+                                      </p:cBhvr>
+                                      <p:to>
+                                        <p:strVal val="hidden"/>
+                                      </p:to>
+                                    </p:set>
+                                  </p:childTnLst>
+                                </p:cTn>
+                              </p:par>
+                              <p:par>
+                                <p:cTn id="29" presetID="1" presetClass="exit" presetSubtype="0" fill="hold" grpId="0" nodeType="withEffect">
+                                  <p:stCondLst>
+                                    <p:cond delay="0"/>
+                                  </p:stCondLst>
+                                  <p:childTnLst>
+                                    <p:set>
+                                      <p:cBhvr>
+                                        <p:cTn id="30" dur="1" fill="hold">
+                                          <p:stCondLst>
+                                            <p:cond delay="0"/>
+                                          </p:stCondLst>
+                                        </p:cTn>
+                                        <p:tgtEl>
+                                          <p:spTgt spid="19"/>
+                                        </p:tgtEl>
+                                        <p:attrNameLst>
+                                          <p:attrName>style.visibility</p:attrName>
+                                        </p:attrNameLst>
+                                      </p:cBhvr>
+                                      <p:to>
+                                        <p:strVal val="hidden"/>
+                                      </p:to>
+                                    </p:set>
+                                  </p:childTnLst>
+                                </p:cTn>
+                              </p:par>
+                              <p:par>
+                                <p:cTn id="31" presetID="1" presetClass="exit" presetSubtype="0" fill="hold" grpId="0" nodeType="withEffect">
+                                  <p:stCondLst>
+                                    <p:cond delay="0"/>
+                                  </p:stCondLst>
+                                  <p:childTnLst>
+                                    <p:set>
+                                      <p:cBhvr>
+                                        <p:cTn id="32" dur="1" fill="hold">
+                                          <p:stCondLst>
+                                            <p:cond delay="0"/>
+                                          </p:stCondLst>
+                                        </p:cTn>
+                                        <p:tgtEl>
+                                          <p:spTgt spid="20"/>
+                                        </p:tgtEl>
+                                        <p:attrNameLst>
+                                          <p:attrName>style.visibility</p:attrName>
+                                        </p:attrNameLst>
+                                      </p:cBhvr>
+                                      <p:to>
+                                        <p:strVal val="hidden"/>
+                                      </p:to>
+                                    </p:set>
+                                  </p:childTnLst>
+                                </p:cTn>
+                              </p:par>
+                              <p:par>
+                                <p:cTn id="33" presetID="1" presetClass="exit" presetSubtype="0" fill="hold" grpId="0" nodeType="withEffect">
+                                  <p:stCondLst>
+                                    <p:cond delay="0"/>
+                                  </p:stCondLst>
+                                  <p:childTnLst>
+                                    <p:set>
+                                      <p:cBhvr>
+                                        <p:cTn id="34" dur="1" fill="hold">
+                                          <p:stCondLst>
+                                            <p:cond delay="0"/>
+                                          </p:stCondLst>
+                                        </p:cTn>
+                                        <p:tgtEl>
+                                          <p:spTgt spid="23"/>
+                                        </p:tgtEl>
+                                        <p:attrNameLst>
+                                          <p:attrName>style.visibility</p:attrName>
+                                        </p:attrNameLst>
+                                      </p:cBhvr>
+                                      <p:to>
+                                        <p:strVal val="hidden"/>
+                                      </p:to>
+                                    </p:set>
+                                  </p:childTnLst>
+                                </p:cTn>
+                              </p:par>
+                            </p:childTnLst>
+                          </p:cTn>
+                        </p:par>
+                      </p:childTnLst>
+                    </p:cTn>
+                  </p:par>
+                </p:childTnLst>
+              </p:cTn>
+              <p:prevCondLst>
+                <p:cond evt="onPrev" delay="0">
+                  <p:tgtEl>
+                    <p:sldTgt/>
+                  </p:tgtEl>
+                </p:cond>
+              </p:prevCondLst>
+              <p:nextCondLst>
+                <p:cond evt="onNext" delay="0">
+                  <p:tgtEl>
+                    <p:sldTgt/>
+                  </p:tgtEl>
+                </p:cond>
+              </p:nextCondLst>
+            </p:seq>
+          </p:childTnLst>
+        </p:cTn>
+      </p:par>
+    </p:tnLst>
+    <p:bldLst>
+      <p:bldP spid="4" grpId="0" animBg="1"/>
+      <p:bldP spid="5" grpId="0" animBg="1"/>
+      <p:bldP spid="6" grpId="0" animBg="1"/>
+      <p:bldP spid="8" grpId="0" animBg="1"/>
+      <p:bldP spid="10" grpId="0" animBg="1"/>
+      <p:bldP spid="11" grpId="0" animBg="1"/>
+      <p:bldP spid="12" grpId="0" animBg="1"/>
+      <p:bldP spid="13" grpId="0" animBg="1"/>
+      <p:bldP spid="14" grpId="0" animBg="1"/>
+      <p:bldP spid="16" grpId="0" animBg="1"/>
+      <p:bldP spid="17" grpId="0" animBg="1"/>
+      <p:bldP spid="18" grpId="0" animBg="1"/>
+      <p:bldP spid="19" grpId="0" animBg="1"/>
+      <p:bldP spid="20" grpId="0" animBg="1"/>
+      <p:bldP spid="23" grpId="0" animBg="1"/>
+    </p:bldLst>
+  </p:timing>
+</p:sld>
+</file>
+
+<file path=ppt/slides/slide12.xml><?xml version="1.0" encoding="utf-8"?>
+<p:sld xmlns:a="http://schemas.openxmlformats.org/drawingml/2006/main" xmlns:r="http://schemas.openxmlformats.org/officeDocument/2006/relationships" xmlns:p="http://schemas.openxmlformats.org/presentationml/2006/main">
+  <p:cSld>
+    <p:spTree>
+      <p:nvGrpSpPr>
+        <p:cNvPr id="1" name=""/>
+        <p:cNvGrpSpPr/>
+        <p:nvPr/>
+      </p:nvGrpSpPr>
+      <p:grpSpPr>
+        <a:xfrm>
+          <a:off x="0" y="0"/>
+          <a:ext cx="0" cy="0"/>
+          <a:chOff x="0" y="0"/>
+          <a:chExt cx="0" cy="0"/>
+        </a:xfrm>
+      </p:grpSpPr>
+      <p:sp>
+        <p:nvSpPr>
+          <p:cNvPr id="3075" name="Rectangle 2"/>
+          <p:cNvSpPr>
+            <a:spLocks noGrp="1" noChangeArrowheads="1"/>
+          </p:cNvSpPr>
+          <p:nvPr>
+            <p:ph type="title"/>
+          </p:nvPr>
+        </p:nvSpPr>
+        <p:spPr>
+          <a:xfrm>
+            <a:off x="1981200" y="274638"/>
+            <a:ext cx="8229600" cy="506306"/>
+          </a:xfrm>
+        </p:spPr>
+        <p:txBody>
+          <a:bodyPr>
+            <a:normAutofit/>
+          </a:bodyPr>
+          <a:lstStyle/>
+          <a:p>
+            <a:pPr eaLnBrk="1" hangingPunct="1"/>
+            <a:r>
+              <a:rPr lang="en-US" sz="2400" dirty="0"/>
+              <a:t>Sequence diagrams [example]</a:t>
+            </a:r>
+          </a:p>
+        </p:txBody>
+      </p:sp>
+      <p:sp>
+        <p:nvSpPr>
+          <p:cNvPr id="4" name="Line 13"/>
+          <p:cNvSpPr>
+            <a:spLocks noChangeShapeType="1"/>
+          </p:cNvSpPr>
+          <p:nvPr/>
+        </p:nvSpPr>
+        <p:spPr bwMode="auto">
+          <a:xfrm>
+            <a:off x="2499606" y="1964212"/>
+            <a:ext cx="0" cy="4682206"/>
+          </a:xfrm>
+          <a:prstGeom prst="line">
+            <a:avLst/>
+          </a:prstGeom>
+          <a:ln>
+            <a:solidFill>
+              <a:schemeClr val="accent1"/>
+            </a:solidFill>
+            <a:prstDash val="sysDash"/>
+            <a:headEnd/>
+            <a:tailEnd/>
+          </a:ln>
+        </p:spPr>
+        <p:style>
+          <a:lnRef idx="2">
+            <a:schemeClr val="accent4"/>
+          </a:lnRef>
+          <a:fillRef idx="0">
+            <a:schemeClr val="accent4"/>
+          </a:fillRef>
+          <a:effectRef idx="1">
+            <a:schemeClr val="accent4"/>
+          </a:effectRef>
+          <a:fontRef idx="minor">
+            <a:schemeClr val="tx1"/>
+          </a:fontRef>
+        </p:style>
+        <p:txBody>
+          <a:bodyPr/>
+          <a:lstStyle/>
+          <a:p>
+            <a:pPr defTabSz="872733"/>
+            <a:endParaRPr lang="en-US" sz="2000">
+              <a:solidFill>
+                <a:prstClr val="black"/>
+              </a:solidFill>
+              <a:latin typeface="Calibri"/>
+            </a:endParaRPr>
+          </a:p>
+        </p:txBody>
+      </p:sp>
+      <p:sp>
+        <p:nvSpPr>
+          <p:cNvPr id="5" name="Line 13"/>
+          <p:cNvSpPr>
+            <a:spLocks noChangeShapeType="1"/>
+          </p:cNvSpPr>
+          <p:nvPr/>
+        </p:nvSpPr>
+        <p:spPr bwMode="auto">
+          <a:xfrm>
+            <a:off x="5242806" y="1811812"/>
+            <a:ext cx="0" cy="4818564"/>
+          </a:xfrm>
+          <a:prstGeom prst="line">
+            <a:avLst/>
+          </a:prstGeom>
+          <a:ln>
+            <a:prstDash val="sysDash"/>
+            <a:headEnd/>
+            <a:tailEnd/>
+          </a:ln>
+        </p:spPr>
+        <p:style>
+          <a:lnRef idx="2">
+            <a:schemeClr val="accent4"/>
+          </a:lnRef>
+          <a:fillRef idx="0">
+            <a:schemeClr val="accent4"/>
+          </a:fillRef>
+          <a:effectRef idx="1">
+            <a:schemeClr val="accent4"/>
+          </a:effectRef>
+          <a:fontRef idx="minor">
+            <a:schemeClr val="tx1"/>
+          </a:fontRef>
+        </p:style>
+        <p:txBody>
+          <a:bodyPr/>
+          <a:lstStyle/>
+          <a:p>
+            <a:pPr defTabSz="872733"/>
+            <a:endParaRPr lang="en-US" sz="2000">
+              <a:solidFill>
+                <a:prstClr val="black"/>
+              </a:solidFill>
+              <a:latin typeface="Calibri"/>
+            </a:endParaRPr>
+          </a:p>
+        </p:txBody>
+      </p:sp>
+      <p:sp>
+        <p:nvSpPr>
+          <p:cNvPr id="6" name="Text Box 11"/>
+          <p:cNvSpPr txBox="1">
+            <a:spLocks noChangeArrowheads="1"/>
+          </p:cNvSpPr>
+          <p:nvPr/>
+        </p:nvSpPr>
+        <p:spPr bwMode="auto">
+          <a:xfrm>
+            <a:off x="4557006" y="1079975"/>
+            <a:ext cx="1295400" cy="677108"/>
+          </a:xfrm>
+          <a:prstGeom prst="rect">
+            <a:avLst/>
+          </a:prstGeom>
+          <a:ln w="19050">
+            <a:headEnd/>
+            <a:tailEnd/>
+          </a:ln>
+        </p:spPr>
+        <p:style>
+          <a:lnRef idx="1">
+            <a:schemeClr val="accent4"/>
+          </a:lnRef>
+          <a:fillRef idx="2">
+            <a:schemeClr val="accent4"/>
+          </a:fillRef>
+          <a:effectRef idx="1">
+            <a:schemeClr val="accent4"/>
+          </a:effectRef>
+          <a:fontRef idx="minor">
+            <a:schemeClr val="dk1"/>
+          </a:fontRef>
+        </p:style>
+        <p:txBody>
+          <a:bodyPr tIns="182880" bIns="182880">
+            <a:spAutoFit/>
+          </a:bodyPr>
+          <a:lstStyle/>
+          <a:p>
+            <a:pPr algn="ctr" defTabSz="872733">
+              <a:spcBef>
+                <a:spcPct val="50000"/>
+              </a:spcBef>
+            </a:pPr>
+            <a:r>
+              <a:rPr lang="en-US" sz="2000" dirty="0">
+                <a:solidFill>
+                  <a:prstClr val="black"/>
+                </a:solidFill>
+                <a:latin typeface="Calibri"/>
+              </a:rPr>
+              <a:t>:</a:t>
+            </a:r>
+            <a:r>
+              <a:rPr lang="en-US" sz="2000" dirty="0" err="1">
+                <a:solidFill>
+                  <a:prstClr val="black"/>
+                </a:solidFill>
+                <a:latin typeface="Calibri"/>
+              </a:rPr>
+              <a:t>TextUI</a:t>
+            </a:r>
+            <a:endParaRPr lang="en-US" sz="2000" dirty="0">
+              <a:solidFill>
+                <a:prstClr val="black"/>
+              </a:solidFill>
+              <a:latin typeface="Calibri"/>
+            </a:endParaRPr>
+          </a:p>
+        </p:txBody>
+      </p:sp>
+      <p:sp>
+        <p:nvSpPr>
+          <p:cNvPr id="7" name="Line 15"/>
+          <p:cNvSpPr>
+            <a:spLocks noChangeShapeType="1"/>
+          </p:cNvSpPr>
+          <p:nvPr/>
+        </p:nvSpPr>
+        <p:spPr bwMode="auto">
+          <a:xfrm>
+            <a:off x="2499606" y="2802412"/>
+            <a:ext cx="2590800" cy="0"/>
+          </a:xfrm>
+          <a:prstGeom prst="line">
+            <a:avLst/>
+          </a:prstGeom>
+          <a:noFill/>
+          <a:ln w="19050">
+            <a:solidFill>
+              <a:schemeClr val="accent1"/>
+            </a:solidFill>
+            <a:round/>
+            <a:headEnd/>
+            <a:tailEnd type="triangle" w="lg" len="lg"/>
+          </a:ln>
+        </p:spPr>
+        <p:txBody>
+          <a:bodyPr/>
+          <a:lstStyle/>
+          <a:p>
+            <a:pPr defTabSz="872733"/>
+            <a:endParaRPr lang="en-US" sz="2000">
+              <a:solidFill>
+                <a:prstClr val="black"/>
+              </a:solidFill>
+              <a:latin typeface="Calibri"/>
+            </a:endParaRPr>
+          </a:p>
+        </p:txBody>
+      </p:sp>
+      <p:sp>
+        <p:nvSpPr>
+          <p:cNvPr id="8" name="Line 16"/>
+          <p:cNvSpPr>
+            <a:spLocks noChangeShapeType="1"/>
+          </p:cNvSpPr>
+          <p:nvPr/>
+        </p:nvSpPr>
+        <p:spPr bwMode="auto">
+          <a:xfrm flipH="1">
+            <a:off x="2475854" y="5500112"/>
+            <a:ext cx="2590800" cy="0"/>
+          </a:xfrm>
+          <a:prstGeom prst="line">
+            <a:avLst/>
+          </a:prstGeom>
+          <a:noFill/>
+          <a:ln w="19050">
+            <a:solidFill>
+              <a:srgbClr val="7030A0"/>
+            </a:solidFill>
+            <a:prstDash val="sysDash"/>
+            <a:round/>
+            <a:headEnd/>
+            <a:tailEnd type="triangle" w="lg" len="lg"/>
+          </a:ln>
+        </p:spPr>
+        <p:txBody>
+          <a:bodyPr/>
+          <a:lstStyle/>
+          <a:p>
+            <a:pPr defTabSz="872733"/>
+            <a:endParaRPr lang="en-US" sz="2000">
+              <a:solidFill>
+                <a:prstClr val="black"/>
+              </a:solidFill>
+              <a:latin typeface="Calibri"/>
+            </a:endParaRPr>
+          </a:p>
+        </p:txBody>
+      </p:sp>
+      <p:sp>
+        <p:nvSpPr>
+          <p:cNvPr id="9" name="Text Box 25"/>
+          <p:cNvSpPr txBox="1">
+            <a:spLocks noChangeArrowheads="1"/>
+          </p:cNvSpPr>
+          <p:nvPr/>
+        </p:nvSpPr>
+        <p:spPr bwMode="auto">
+          <a:xfrm>
+            <a:off x="2599039" y="2412994"/>
+            <a:ext cx="2323069" cy="400110"/>
+          </a:xfrm>
+          <a:prstGeom prst="rect">
+            <a:avLst/>
+          </a:prstGeom>
+          <a:noFill/>
+          <a:ln w="12700" algn="ctr">
+            <a:noFill/>
+            <a:miter lim="800000"/>
+            <a:headEnd/>
+            <a:tailEnd/>
+          </a:ln>
+        </p:spPr>
+        <p:txBody>
+          <a:bodyPr wrap="square">
+            <a:spAutoFit/>
+          </a:bodyPr>
+          <a:lstStyle/>
+          <a:p>
+            <a:pPr defTabSz="872733">
+              <a:spcBef>
+                <a:spcPct val="50000"/>
+              </a:spcBef>
+            </a:pPr>
+            <a:r>
+              <a:rPr lang="en-US" sz="2000" b="1" dirty="0">
+                <a:solidFill>
+                  <a:srgbClr val="7030A0"/>
+                </a:solidFill>
+                <a:latin typeface="Courier New" pitchFamily="49" charset="0"/>
+                <a:cs typeface="Courier New" pitchFamily="49" charset="0"/>
+              </a:rPr>
+              <a:t>mark x y</a:t>
+            </a:r>
+          </a:p>
+        </p:txBody>
+      </p:sp>
+      <p:sp>
+        <p:nvSpPr>
+          <p:cNvPr id="10" name="Text Box 25"/>
+          <p:cNvSpPr txBox="1">
+            <a:spLocks noChangeArrowheads="1"/>
+          </p:cNvSpPr>
+          <p:nvPr/>
+        </p:nvSpPr>
+        <p:spPr bwMode="auto">
+          <a:xfrm>
+            <a:off x="2931076" y="5131898"/>
+            <a:ext cx="2135579" cy="707886"/>
+          </a:xfrm>
+          <a:prstGeom prst="rect">
+            <a:avLst/>
+          </a:prstGeom>
+          <a:noFill/>
+          <a:ln w="12700" algn="ctr">
+            <a:noFill/>
+            <a:miter lim="800000"/>
+            <a:headEnd/>
+            <a:tailEnd/>
+          </a:ln>
+        </p:spPr>
+        <p:txBody>
+          <a:bodyPr wrap="square">
+            <a:spAutoFit/>
+          </a:bodyPr>
+          <a:lstStyle/>
+          <a:p>
+            <a:pPr defTabSz="872733">
+              <a:spcBef>
+                <a:spcPct val="50000"/>
+              </a:spcBef>
+            </a:pPr>
+            <a:r>
+              <a:rPr lang="en-US" sz="2000" i="1" dirty="0">
+                <a:solidFill>
+                  <a:srgbClr val="7030A0"/>
+                </a:solidFill>
+                <a:latin typeface="Calibri"/>
+              </a:rPr>
+              <a:t>Show updated  minefield</a:t>
+            </a:r>
+          </a:p>
+        </p:txBody>
+      </p:sp>
+      <p:grpSp>
+        <p:nvGrpSpPr>
+          <p:cNvPr id="2" name="Group 42"/>
+          <p:cNvGrpSpPr/>
+          <p:nvPr/>
+        </p:nvGrpSpPr>
+        <p:grpSpPr>
+          <a:xfrm>
+            <a:off x="2356112" y="1045848"/>
+            <a:ext cx="304800" cy="685800"/>
+            <a:chOff x="2819400" y="3124200"/>
+            <a:chExt cx="304800" cy="685800"/>
+          </a:xfrm>
+        </p:grpSpPr>
+        <p:cxnSp>
+          <p:nvCxnSpPr>
+            <p:cNvPr id="12" name="Straight Connector 11"/>
+            <p:cNvCxnSpPr/>
+            <p:nvPr/>
+          </p:nvCxnSpPr>
+          <p:spPr>
+            <a:xfrm rot="5400000">
+              <a:off x="2781300" y="3467100"/>
+              <a:ext cx="381000" cy="0"/>
+            </a:xfrm>
+            <a:prstGeom prst="line">
+              <a:avLst/>
+            </a:prstGeom>
+            <a:ln w="19050"/>
+          </p:spPr>
+          <p:style>
+            <a:lnRef idx="1">
+              <a:schemeClr val="accent1"/>
+            </a:lnRef>
+            <a:fillRef idx="0">
+              <a:schemeClr val="accent1"/>
+            </a:fillRef>
+            <a:effectRef idx="0">
+              <a:schemeClr val="accent1"/>
+            </a:effectRef>
+            <a:fontRef idx="minor">
+              <a:schemeClr val="tx1"/>
+            </a:fontRef>
+          </p:style>
+        </p:cxnSp>
+        <p:cxnSp>
+          <p:nvCxnSpPr>
+            <p:cNvPr id="13" name="Straight Connector 12"/>
+            <p:cNvCxnSpPr/>
+            <p:nvPr/>
+          </p:nvCxnSpPr>
+          <p:spPr>
+            <a:xfrm>
+              <a:off x="2819400" y="3429000"/>
+              <a:ext cx="304800" cy="0"/>
+            </a:xfrm>
+            <a:prstGeom prst="line">
+              <a:avLst/>
+            </a:prstGeom>
+            <a:ln w="19050"/>
+          </p:spPr>
+          <p:style>
+            <a:lnRef idx="1">
+              <a:schemeClr val="accent1"/>
+            </a:lnRef>
+            <a:fillRef idx="0">
+              <a:schemeClr val="accent1"/>
+            </a:fillRef>
+            <a:effectRef idx="0">
+              <a:schemeClr val="accent1"/>
+            </a:effectRef>
+            <a:fontRef idx="minor">
+              <a:schemeClr val="tx1"/>
+            </a:fontRef>
+          </p:style>
+        </p:cxnSp>
+        <p:cxnSp>
+          <p:nvCxnSpPr>
+            <p:cNvPr id="14" name="Straight Connector 13"/>
+            <p:cNvCxnSpPr/>
+            <p:nvPr/>
+          </p:nvCxnSpPr>
+          <p:spPr>
+            <a:xfrm rot="5400000">
+              <a:off x="2819400" y="3657600"/>
+              <a:ext cx="152400" cy="152400"/>
+            </a:xfrm>
+            <a:prstGeom prst="line">
+              <a:avLst/>
+            </a:prstGeom>
+            <a:ln w="19050"/>
+          </p:spPr>
+          <p:style>
+            <a:lnRef idx="1">
+              <a:schemeClr val="accent1"/>
+            </a:lnRef>
+            <a:fillRef idx="0">
+              <a:schemeClr val="accent1"/>
+            </a:fillRef>
+            <a:effectRef idx="0">
+              <a:schemeClr val="accent1"/>
+            </a:effectRef>
+            <a:fontRef idx="minor">
+              <a:schemeClr val="tx1"/>
+            </a:fontRef>
+          </p:style>
+        </p:cxnSp>
+        <p:cxnSp>
+          <p:nvCxnSpPr>
+            <p:cNvPr id="15" name="Straight Connector 14"/>
+            <p:cNvCxnSpPr/>
+            <p:nvPr/>
+          </p:nvCxnSpPr>
+          <p:spPr>
+            <a:xfrm rot="16200000" flipH="1">
+              <a:off x="2971800" y="3657600"/>
+              <a:ext cx="152400" cy="152400"/>
+            </a:xfrm>
+            <a:prstGeom prst="line">
+              <a:avLst/>
+            </a:prstGeom>
+            <a:ln w="19050"/>
+          </p:spPr>
+          <p:style>
+            <a:lnRef idx="1">
+              <a:schemeClr val="accent1"/>
+            </a:lnRef>
+            <a:fillRef idx="0">
+              <a:schemeClr val="accent1"/>
+            </a:fillRef>
+            <a:effectRef idx="0">
+              <a:schemeClr val="accent1"/>
+            </a:effectRef>
+            <a:fontRef idx="minor">
+              <a:schemeClr val="tx1"/>
+            </a:fontRef>
+          </p:style>
+        </p:cxnSp>
+        <p:sp>
+          <p:nvSpPr>
+            <p:cNvPr id="16" name="Oval 15"/>
+            <p:cNvSpPr/>
+            <p:nvPr/>
+          </p:nvSpPr>
+          <p:spPr>
+            <a:xfrm>
+              <a:off x="2857500" y="3124200"/>
+              <a:ext cx="228600" cy="228600"/>
+            </a:xfrm>
+            <a:prstGeom prst="ellipse">
+              <a:avLst/>
+            </a:prstGeom>
+            <a:ln w="19050"/>
+          </p:spPr>
+          <p:style>
+            <a:lnRef idx="1">
+              <a:schemeClr val="accent5"/>
+            </a:lnRef>
+            <a:fillRef idx="2">
+              <a:schemeClr val="accent5"/>
+            </a:fillRef>
+            <a:effectRef idx="1">
+              <a:schemeClr val="accent5"/>
+            </a:effectRef>
+            <a:fontRef idx="minor">
+              <a:schemeClr val="dk1"/>
+            </a:fontRef>
+          </p:style>
+          <p:txBody>
+            <a:bodyPr rtlCol="0" anchor="ctr"/>
+            <a:lstStyle/>
+            <a:p>
+              <a:pPr algn="ctr" defTabSz="872733"/>
+              <a:endParaRPr lang="en-US" sz="2000">
+                <a:solidFill>
+                  <a:prstClr val="black"/>
+                </a:solidFill>
+                <a:latin typeface="Calibri"/>
+              </a:endParaRPr>
+            </a:p>
+          </p:txBody>
+        </p:sp>
+      </p:grpSp>
+      <p:sp>
+        <p:nvSpPr>
+          <p:cNvPr id="17" name="Rectangle 16"/>
+          <p:cNvSpPr/>
+          <p:nvPr/>
+        </p:nvSpPr>
+        <p:spPr>
+          <a:xfrm>
+            <a:off x="5104263" y="2774231"/>
+            <a:ext cx="225619" cy="2781325"/>
+          </a:xfrm>
+          <a:prstGeom prst="rect">
+            <a:avLst/>
+          </a:prstGeom>
+          <a:solidFill>
+            <a:schemeClr val="accent4">
+              <a:lumMod val="20000"/>
+              <a:lumOff val="80000"/>
+            </a:schemeClr>
+          </a:solidFill>
+        </p:spPr>
+        <p:style>
+          <a:lnRef idx="2">
+            <a:schemeClr val="accent4"/>
+          </a:lnRef>
+          <a:fillRef idx="1">
+            <a:schemeClr val="lt1"/>
+          </a:fillRef>
+          <a:effectRef idx="0">
+            <a:schemeClr val="accent4"/>
+          </a:effectRef>
+          <a:fontRef idx="minor">
+            <a:schemeClr val="dk1"/>
+          </a:fontRef>
+        </p:style>
+        <p:txBody>
+          <a:bodyPr rtlCol="0" anchor="ctr"/>
+          <a:lstStyle/>
+          <a:p>
+            <a:pPr algn="ctr" defTabSz="872733"/>
+            <a:endParaRPr lang="en-US" sz="2000">
+              <a:solidFill>
+                <a:prstClr val="black"/>
+              </a:solidFill>
+              <a:latin typeface="Calibri"/>
+            </a:endParaRPr>
+          </a:p>
+        </p:txBody>
+      </p:sp>
+      <p:sp>
+        <p:nvSpPr>
+          <p:cNvPr id="18" name="Text Box 11"/>
+          <p:cNvSpPr txBox="1">
+            <a:spLocks noChangeArrowheads="1"/>
+          </p:cNvSpPr>
+          <p:nvPr/>
+        </p:nvSpPr>
+        <p:spPr bwMode="auto">
+          <a:xfrm>
+            <a:off x="7469431" y="1079975"/>
+            <a:ext cx="1295400" cy="677108"/>
+          </a:xfrm>
+          <a:prstGeom prst="rect">
+            <a:avLst/>
+          </a:prstGeom>
+          <a:ln w="19050">
+            <a:headEnd/>
+            <a:tailEnd/>
+          </a:ln>
+        </p:spPr>
+        <p:style>
+          <a:lnRef idx="1">
+            <a:schemeClr val="accent3"/>
+          </a:lnRef>
+          <a:fillRef idx="2">
+            <a:schemeClr val="accent3"/>
+          </a:fillRef>
+          <a:effectRef idx="1">
+            <a:schemeClr val="accent3"/>
+          </a:effectRef>
+          <a:fontRef idx="minor">
+            <a:schemeClr val="dk1"/>
+          </a:fontRef>
+        </p:style>
+        <p:txBody>
+          <a:bodyPr tIns="182880" bIns="182880">
+            <a:spAutoFit/>
+          </a:bodyPr>
+          <a:lstStyle/>
+          <a:p>
+            <a:pPr algn="ctr" defTabSz="872733">
+              <a:spcBef>
+                <a:spcPct val="50000"/>
+              </a:spcBef>
+            </a:pPr>
+            <a:r>
+              <a:rPr lang="en-US" sz="2000" dirty="0">
+                <a:solidFill>
+                  <a:prstClr val="black"/>
+                </a:solidFill>
+                <a:latin typeface="Calibri"/>
+              </a:rPr>
+              <a:t>:</a:t>
+            </a:r>
+            <a:r>
+              <a:rPr lang="en-US" sz="2000" dirty="0" err="1">
+                <a:solidFill>
+                  <a:prstClr val="black"/>
+                </a:solidFill>
+                <a:latin typeface="Calibri"/>
+              </a:rPr>
+              <a:t>MSLogic</a:t>
+            </a:r>
+            <a:endParaRPr lang="en-US" sz="2000" dirty="0">
+              <a:solidFill>
+                <a:prstClr val="black"/>
+              </a:solidFill>
+              <a:latin typeface="Calibri"/>
+            </a:endParaRPr>
+          </a:p>
+        </p:txBody>
+      </p:sp>
+      <p:sp>
+        <p:nvSpPr>
+          <p:cNvPr id="19" name="Line 13"/>
+          <p:cNvSpPr>
+            <a:spLocks noChangeShapeType="1"/>
+          </p:cNvSpPr>
+          <p:nvPr/>
+        </p:nvSpPr>
+        <p:spPr bwMode="auto">
+          <a:xfrm>
+            <a:off x="8077200" y="1811812"/>
+            <a:ext cx="0" cy="4176880"/>
+          </a:xfrm>
+          <a:prstGeom prst="line">
+            <a:avLst/>
+          </a:prstGeom>
+          <a:ln>
+            <a:solidFill>
+              <a:schemeClr val="accent3">
+                <a:lumMod val="75000"/>
+              </a:schemeClr>
+            </a:solidFill>
+            <a:prstDash val="sysDash"/>
+            <a:headEnd/>
+            <a:tailEnd/>
+          </a:ln>
+        </p:spPr>
+        <p:style>
+          <a:lnRef idx="2">
+            <a:schemeClr val="accent4"/>
+          </a:lnRef>
+          <a:fillRef idx="0">
+            <a:schemeClr val="accent4"/>
+          </a:fillRef>
+          <a:effectRef idx="1">
+            <a:schemeClr val="accent4"/>
+          </a:effectRef>
+          <a:fontRef idx="minor">
+            <a:schemeClr val="tx1"/>
+          </a:fontRef>
+        </p:style>
+        <p:txBody>
+          <a:bodyPr/>
+          <a:lstStyle/>
+          <a:p>
+            <a:pPr defTabSz="872733"/>
+            <a:endParaRPr lang="en-US" sz="2000">
+              <a:solidFill>
+                <a:prstClr val="black"/>
+              </a:solidFill>
+              <a:latin typeface="Calibri"/>
+            </a:endParaRPr>
+          </a:p>
+        </p:txBody>
+      </p:sp>
+      <p:sp>
+        <p:nvSpPr>
+          <p:cNvPr id="20" name="Line 15"/>
+          <p:cNvSpPr>
+            <a:spLocks noChangeShapeType="1"/>
+          </p:cNvSpPr>
+          <p:nvPr/>
+        </p:nvSpPr>
+        <p:spPr bwMode="auto">
+          <a:xfrm>
+            <a:off x="5371455" y="2966688"/>
+            <a:ext cx="2590800" cy="0"/>
+          </a:xfrm>
+          <a:prstGeom prst="line">
+            <a:avLst/>
+          </a:prstGeom>
+          <a:noFill/>
+          <a:ln w="19050">
+            <a:solidFill>
+              <a:srgbClr val="7030A0"/>
+            </a:solidFill>
+            <a:round/>
+            <a:headEnd/>
+            <a:tailEnd type="triangle" w="lg" len="lg"/>
+          </a:ln>
+        </p:spPr>
+        <p:txBody>
+          <a:bodyPr/>
+          <a:lstStyle/>
+          <a:p>
+            <a:pPr defTabSz="872733"/>
+            <a:endParaRPr lang="en-US" sz="2000">
+              <a:solidFill>
+                <a:prstClr val="black"/>
+              </a:solidFill>
+              <a:latin typeface="Calibri"/>
+            </a:endParaRPr>
+          </a:p>
+        </p:txBody>
+      </p:sp>
+      <p:sp>
+        <p:nvSpPr>
+          <p:cNvPr id="21" name="Text Box 25"/>
+          <p:cNvSpPr txBox="1">
+            <a:spLocks noChangeArrowheads="1"/>
+          </p:cNvSpPr>
+          <p:nvPr/>
+        </p:nvSpPr>
+        <p:spPr bwMode="auto">
+          <a:xfrm>
+            <a:off x="5472396" y="2580186"/>
+            <a:ext cx="2553195" cy="400110"/>
+          </a:xfrm>
+          <a:prstGeom prst="rect">
+            <a:avLst/>
+          </a:prstGeom>
+          <a:noFill/>
+          <a:ln w="12700" algn="ctr">
+            <a:noFill/>
+            <a:miter lim="800000"/>
+            <a:headEnd/>
+            <a:tailEnd/>
+          </a:ln>
+        </p:spPr>
+        <p:txBody>
+          <a:bodyPr wrap="square">
+            <a:spAutoFit/>
+          </a:bodyPr>
+          <a:lstStyle/>
+          <a:p>
+            <a:pPr defTabSz="872733">
+              <a:spcBef>
+                <a:spcPct val="50000"/>
+              </a:spcBef>
+            </a:pPr>
+            <a:r>
+              <a:rPr lang="en-US" sz="2000" i="1" dirty="0" err="1">
+                <a:solidFill>
+                  <a:srgbClr val="9BBB59">
+                    <a:lumMod val="75000"/>
+                  </a:srgbClr>
+                </a:solidFill>
+                <a:latin typeface="Calibri"/>
+              </a:rPr>
+              <a:t>markCellAt</a:t>
+            </a:r>
+            <a:r>
+              <a:rPr lang="en-US" sz="2000" i="1" dirty="0">
+                <a:solidFill>
+                  <a:srgbClr val="9BBB59">
+                    <a:lumMod val="75000"/>
+                  </a:srgbClr>
+                </a:solidFill>
+                <a:latin typeface="Calibri"/>
+              </a:rPr>
+              <a:t>(</a:t>
+            </a:r>
+            <a:r>
+              <a:rPr lang="en-US" sz="2000" i="1" dirty="0" err="1">
+                <a:solidFill>
+                  <a:srgbClr val="9BBB59">
+                    <a:lumMod val="75000"/>
+                  </a:srgbClr>
+                </a:solidFill>
+                <a:latin typeface="Calibri"/>
+              </a:rPr>
+              <a:t>x,y</a:t>
+            </a:r>
+            <a:r>
+              <a:rPr lang="en-US" sz="2000" i="1" dirty="0">
+                <a:solidFill>
+                  <a:srgbClr val="9BBB59">
+                    <a:lumMod val="75000"/>
+                  </a:srgbClr>
+                </a:solidFill>
+                <a:latin typeface="Calibri"/>
+              </a:rPr>
+              <a:t>)</a:t>
+            </a:r>
+          </a:p>
+        </p:txBody>
+      </p:sp>
+      <p:sp>
+        <p:nvSpPr>
+          <p:cNvPr id="22" name="Rectangle 21"/>
+          <p:cNvSpPr/>
+          <p:nvPr/>
+        </p:nvSpPr>
+        <p:spPr>
+          <a:xfrm>
+            <a:off x="7976111" y="2962256"/>
+            <a:ext cx="251361" cy="393865"/>
+          </a:xfrm>
+          <a:prstGeom prst="rect">
+            <a:avLst/>
+          </a:prstGeom>
+          <a:solidFill>
+            <a:schemeClr val="accent3">
+              <a:lumMod val="20000"/>
+              <a:lumOff val="80000"/>
+            </a:schemeClr>
+          </a:solidFill>
+          <a:ln>
+            <a:solidFill>
+              <a:schemeClr val="accent3">
+                <a:lumMod val="75000"/>
+              </a:schemeClr>
+            </a:solidFill>
+          </a:ln>
+        </p:spPr>
+        <p:style>
+          <a:lnRef idx="2">
+            <a:schemeClr val="accent4"/>
+          </a:lnRef>
+          <a:fillRef idx="1">
+            <a:schemeClr val="lt1"/>
+          </a:fillRef>
+          <a:effectRef idx="0">
+            <a:schemeClr val="accent4"/>
+          </a:effectRef>
+          <a:fontRef idx="minor">
+            <a:schemeClr val="dk1"/>
+          </a:fontRef>
+        </p:style>
+        <p:txBody>
+          <a:bodyPr rtlCol="0" anchor="ctr"/>
+          <a:lstStyle/>
+          <a:p>
+            <a:pPr algn="ctr" defTabSz="872733"/>
+            <a:endParaRPr lang="en-US" sz="2000">
+              <a:solidFill>
+                <a:prstClr val="black"/>
+              </a:solidFill>
+              <a:latin typeface="Calibri"/>
+            </a:endParaRPr>
+          </a:p>
+        </p:txBody>
+      </p:sp>
+      <p:sp>
+        <p:nvSpPr>
+          <p:cNvPr id="23" name="Line 16"/>
+          <p:cNvSpPr>
+            <a:spLocks noChangeShapeType="1"/>
+          </p:cNvSpPr>
+          <p:nvPr/>
+        </p:nvSpPr>
+        <p:spPr bwMode="auto">
+          <a:xfrm flipH="1">
+            <a:off x="5359580" y="3367442"/>
+            <a:ext cx="2590800" cy="0"/>
+          </a:xfrm>
+          <a:prstGeom prst="line">
+            <a:avLst/>
+          </a:prstGeom>
+          <a:noFill/>
+          <a:ln w="19050">
+            <a:solidFill>
+              <a:schemeClr val="accent3">
+                <a:lumMod val="75000"/>
+              </a:schemeClr>
+            </a:solidFill>
+            <a:prstDash val="sysDash"/>
+            <a:round/>
+            <a:headEnd/>
+            <a:tailEnd type="triangle" w="lg" len="lg"/>
+          </a:ln>
+        </p:spPr>
+        <p:txBody>
+          <a:bodyPr/>
+          <a:lstStyle/>
+          <a:p>
+            <a:pPr defTabSz="872733"/>
+            <a:endParaRPr lang="en-US" sz="2000">
+              <a:solidFill>
+                <a:prstClr val="black"/>
+              </a:solidFill>
+              <a:latin typeface="Calibri"/>
+            </a:endParaRPr>
+          </a:p>
+        </p:txBody>
+      </p:sp>
+      <p:sp>
+        <p:nvSpPr>
+          <p:cNvPr id="24" name="Line 15"/>
+          <p:cNvSpPr>
+            <a:spLocks noChangeShapeType="1"/>
+          </p:cNvSpPr>
+          <p:nvPr/>
+        </p:nvSpPr>
+        <p:spPr bwMode="auto">
+          <a:xfrm>
+            <a:off x="5357600" y="4917261"/>
+            <a:ext cx="2590800" cy="0"/>
+          </a:xfrm>
+          <a:prstGeom prst="line">
+            <a:avLst/>
+          </a:prstGeom>
+          <a:noFill/>
+          <a:ln w="19050">
+            <a:solidFill>
+              <a:srgbClr val="7030A0"/>
+            </a:solidFill>
+            <a:round/>
+            <a:headEnd/>
+            <a:tailEnd type="triangle" w="lg" len="lg"/>
+          </a:ln>
+        </p:spPr>
+        <p:txBody>
+          <a:bodyPr/>
+          <a:lstStyle/>
+          <a:p>
+            <a:pPr defTabSz="872733"/>
+            <a:endParaRPr lang="en-US" sz="2000">
+              <a:solidFill>
+                <a:prstClr val="black"/>
+              </a:solidFill>
+              <a:latin typeface="Calibri"/>
+            </a:endParaRPr>
+          </a:p>
+        </p:txBody>
+      </p:sp>
+      <p:sp>
+        <p:nvSpPr>
+          <p:cNvPr id="25" name="Text Box 25"/>
+          <p:cNvSpPr txBox="1">
+            <a:spLocks noChangeArrowheads="1"/>
+          </p:cNvSpPr>
+          <p:nvPr/>
+        </p:nvSpPr>
+        <p:spPr bwMode="auto">
+          <a:xfrm>
+            <a:off x="5584395" y="4503513"/>
+            <a:ext cx="2249009" cy="400110"/>
+          </a:xfrm>
+          <a:prstGeom prst="rect">
+            <a:avLst/>
+          </a:prstGeom>
+          <a:noFill/>
+          <a:ln w="12700" algn="ctr">
+            <a:noFill/>
+            <a:miter lim="800000"/>
+            <a:headEnd/>
+            <a:tailEnd/>
+          </a:ln>
+        </p:spPr>
+        <p:txBody>
+          <a:bodyPr wrap="square">
+            <a:spAutoFit/>
+          </a:bodyPr>
+          <a:lstStyle/>
+          <a:p>
+            <a:pPr defTabSz="872733">
+              <a:spcBef>
+                <a:spcPct val="50000"/>
+              </a:spcBef>
+            </a:pPr>
+            <a:r>
+              <a:rPr lang="en-US" sz="2000" i="1" dirty="0" err="1">
+                <a:solidFill>
+                  <a:srgbClr val="9BBB59">
+                    <a:lumMod val="75000"/>
+                  </a:srgbClr>
+                </a:solidFill>
+                <a:latin typeface="Calibri"/>
+              </a:rPr>
+              <a:t>getGameState</a:t>
+            </a:r>
+            <a:r>
+              <a:rPr lang="en-US" sz="2000" i="1" dirty="0">
+                <a:solidFill>
+                  <a:srgbClr val="9BBB59">
+                    <a:lumMod val="75000"/>
+                  </a:srgbClr>
+                </a:solidFill>
+                <a:latin typeface="Calibri"/>
+              </a:rPr>
+              <a:t>()</a:t>
+            </a:r>
+          </a:p>
+        </p:txBody>
+      </p:sp>
+      <p:sp>
+        <p:nvSpPr>
+          <p:cNvPr id="26" name="Rectangle 25"/>
+          <p:cNvSpPr/>
+          <p:nvPr/>
+        </p:nvSpPr>
+        <p:spPr>
+          <a:xfrm>
+            <a:off x="7962256" y="4912829"/>
+            <a:ext cx="251361" cy="393865"/>
+          </a:xfrm>
+          <a:prstGeom prst="rect">
+            <a:avLst/>
+          </a:prstGeom>
+          <a:solidFill>
+            <a:schemeClr val="accent3">
+              <a:lumMod val="20000"/>
+              <a:lumOff val="80000"/>
+            </a:schemeClr>
+          </a:solidFill>
+          <a:ln>
+            <a:solidFill>
+              <a:schemeClr val="accent3">
+                <a:lumMod val="75000"/>
+              </a:schemeClr>
+            </a:solidFill>
+          </a:ln>
+        </p:spPr>
+        <p:style>
+          <a:lnRef idx="2">
+            <a:schemeClr val="accent4"/>
+          </a:lnRef>
+          <a:fillRef idx="1">
+            <a:schemeClr val="lt1"/>
+          </a:fillRef>
+          <a:effectRef idx="0">
+            <a:schemeClr val="accent4"/>
+          </a:effectRef>
+          <a:fontRef idx="minor">
+            <a:schemeClr val="dk1"/>
+          </a:fontRef>
+        </p:style>
+        <p:txBody>
+          <a:bodyPr rtlCol="0" anchor="ctr"/>
+          <a:lstStyle/>
+          <a:p>
+            <a:pPr algn="ctr" defTabSz="872733"/>
+            <a:endParaRPr lang="en-US" sz="2000">
+              <a:solidFill>
+                <a:prstClr val="black"/>
+              </a:solidFill>
+              <a:latin typeface="Calibri"/>
+            </a:endParaRPr>
+          </a:p>
+        </p:txBody>
+      </p:sp>
+      <p:sp>
+        <p:nvSpPr>
+          <p:cNvPr id="27" name="Line 16"/>
+          <p:cNvSpPr>
+            <a:spLocks noChangeShapeType="1"/>
+          </p:cNvSpPr>
+          <p:nvPr/>
+        </p:nvSpPr>
+        <p:spPr bwMode="auto">
+          <a:xfrm flipH="1">
+            <a:off x="5345725" y="5318015"/>
+            <a:ext cx="2590800" cy="0"/>
+          </a:xfrm>
+          <a:prstGeom prst="line">
+            <a:avLst/>
+          </a:prstGeom>
+          <a:noFill/>
+          <a:ln w="19050">
+            <a:solidFill>
+              <a:schemeClr val="accent3">
+                <a:lumMod val="75000"/>
+              </a:schemeClr>
+            </a:solidFill>
+            <a:prstDash val="sysDash"/>
+            <a:round/>
+            <a:headEnd/>
+            <a:tailEnd type="triangle" w="lg" len="lg"/>
+          </a:ln>
+        </p:spPr>
+        <p:txBody>
+          <a:bodyPr/>
+          <a:lstStyle/>
+          <a:p>
+            <a:pPr defTabSz="872733"/>
+            <a:endParaRPr lang="en-US" sz="2000">
+              <a:solidFill>
+                <a:prstClr val="black"/>
+              </a:solidFill>
+              <a:latin typeface="Calibri"/>
+            </a:endParaRPr>
+          </a:p>
+        </p:txBody>
+      </p:sp>
+      <p:sp>
+        <p:nvSpPr>
+          <p:cNvPr id="29" name="Text Box 25"/>
+          <p:cNvSpPr txBox="1">
+            <a:spLocks noChangeArrowheads="1"/>
+          </p:cNvSpPr>
+          <p:nvPr/>
+        </p:nvSpPr>
+        <p:spPr bwMode="auto">
+          <a:xfrm>
+            <a:off x="5864282" y="5345293"/>
+            <a:ext cx="1710047" cy="400110"/>
+          </a:xfrm>
+          <a:prstGeom prst="rect">
+            <a:avLst/>
+          </a:prstGeom>
+          <a:noFill/>
+          <a:ln w="12700" algn="ctr">
+            <a:noFill/>
+            <a:miter lim="800000"/>
+            <a:headEnd/>
+            <a:tailEnd/>
+          </a:ln>
+        </p:spPr>
+        <p:txBody>
+          <a:bodyPr wrap="square">
+            <a:spAutoFit/>
+          </a:bodyPr>
+          <a:lstStyle/>
+          <a:p>
+            <a:pPr defTabSz="872733">
+              <a:spcBef>
+                <a:spcPct val="50000"/>
+              </a:spcBef>
+            </a:pPr>
+            <a:r>
+              <a:rPr lang="en-US" sz="2000" i="1" dirty="0" err="1">
+                <a:solidFill>
+                  <a:srgbClr val="9BBB59">
+                    <a:lumMod val="75000"/>
+                  </a:srgbClr>
+                </a:solidFill>
+                <a:latin typeface="Calibri"/>
+              </a:rPr>
+              <a:t>gameState</a:t>
+            </a:r>
+            <a:endParaRPr lang="en-US" sz="2000" i="1" dirty="0">
+              <a:solidFill>
+                <a:srgbClr val="9BBB59">
+                  <a:lumMod val="75000"/>
+                </a:srgbClr>
+              </a:solidFill>
+              <a:latin typeface="Calibri"/>
+            </a:endParaRPr>
+          </a:p>
+        </p:txBody>
+      </p:sp>
+      <p:sp>
+        <p:nvSpPr>
+          <p:cNvPr id="35" name="Rectangle 34"/>
+          <p:cNvSpPr>
+            <a:spLocks noChangeArrowheads="1"/>
+          </p:cNvSpPr>
+          <p:nvPr/>
+        </p:nvSpPr>
+        <p:spPr bwMode="auto">
+          <a:xfrm>
+            <a:off x="2218557" y="2038433"/>
+            <a:ext cx="8144643" cy="3837964"/>
+          </a:xfrm>
+          <a:prstGeom prst="rect">
+            <a:avLst/>
+          </a:prstGeom>
+          <a:noFill/>
+          <a:ln w="19050" algn="ctr">
+            <a:solidFill>
+              <a:srgbClr val="00B050"/>
+            </a:solidFill>
+            <a:miter lim="800000"/>
+            <a:headEnd/>
+            <a:tailEnd/>
+          </a:ln>
+        </p:spPr>
+        <p:txBody>
+          <a:bodyPr wrap="none" anchor="ctr"/>
+          <a:lstStyle>
+            <a:defPPr>
+              <a:defRPr lang="en-SG"/>
+            </a:defPPr>
+            <a:lvl1pPr algn="l" rtl="0" fontAlgn="base">
+              <a:spcBef>
+                <a:spcPct val="0"/>
+              </a:spcBef>
+              <a:spcAft>
+                <a:spcPct val="0"/>
+              </a:spcAft>
+              <a:defRPr kern="1200">
+                <a:solidFill>
+                  <a:schemeClr val="tx1"/>
+                </a:solidFill>
+                <a:latin typeface="Arial" charset="0"/>
+                <a:ea typeface="+mn-ea"/>
+                <a:cs typeface="Arial" charset="0"/>
+              </a:defRPr>
+            </a:lvl1pPr>
+            <a:lvl2pPr marL="457200" algn="l" rtl="0" fontAlgn="base">
+              <a:spcBef>
+                <a:spcPct val="0"/>
+              </a:spcBef>
+              <a:spcAft>
+                <a:spcPct val="0"/>
+              </a:spcAft>
+              <a:defRPr kern="1200">
+                <a:solidFill>
+                  <a:schemeClr val="tx1"/>
+                </a:solidFill>
+                <a:latin typeface="Arial" charset="0"/>
+                <a:ea typeface="+mn-ea"/>
+                <a:cs typeface="Arial" charset="0"/>
+              </a:defRPr>
+            </a:lvl2pPr>
+            <a:lvl3pPr marL="914400" algn="l" rtl="0" fontAlgn="base">
+              <a:spcBef>
+                <a:spcPct val="0"/>
+              </a:spcBef>
+              <a:spcAft>
+                <a:spcPct val="0"/>
+              </a:spcAft>
+              <a:defRPr kern="1200">
+                <a:solidFill>
+                  <a:schemeClr val="tx1"/>
+                </a:solidFill>
+                <a:latin typeface="Arial" charset="0"/>
+                <a:ea typeface="+mn-ea"/>
+                <a:cs typeface="Arial" charset="0"/>
+              </a:defRPr>
+            </a:lvl3pPr>
+            <a:lvl4pPr marL="1371600" algn="l" rtl="0" fontAlgn="base">
+              <a:spcBef>
+                <a:spcPct val="0"/>
+              </a:spcBef>
+              <a:spcAft>
+                <a:spcPct val="0"/>
+              </a:spcAft>
+              <a:defRPr kern="1200">
+                <a:solidFill>
+                  <a:schemeClr val="tx1"/>
+                </a:solidFill>
+                <a:latin typeface="Arial" charset="0"/>
+                <a:ea typeface="+mn-ea"/>
+                <a:cs typeface="Arial" charset="0"/>
+              </a:defRPr>
+            </a:lvl4pPr>
+            <a:lvl5pPr marL="1828800" algn="l" rtl="0" fontAlgn="base">
+              <a:spcBef>
+                <a:spcPct val="0"/>
+              </a:spcBef>
+              <a:spcAft>
+                <a:spcPct val="0"/>
+              </a:spcAft>
+              <a:defRPr kern="1200">
+                <a:solidFill>
+                  <a:schemeClr val="tx1"/>
+                </a:solidFill>
+                <a:latin typeface="Arial" charset="0"/>
+                <a:ea typeface="+mn-ea"/>
+                <a:cs typeface="Arial" charset="0"/>
+              </a:defRPr>
+            </a:lvl5pPr>
+            <a:lvl6pPr marL="2286000" algn="l" defTabSz="914400" rtl="0" eaLnBrk="1" latinLnBrk="0" hangingPunct="1">
+              <a:defRPr kern="1200">
+                <a:solidFill>
+                  <a:schemeClr val="tx1"/>
+                </a:solidFill>
+                <a:latin typeface="Arial" charset="0"/>
+                <a:ea typeface="+mn-ea"/>
+                <a:cs typeface="Arial" charset="0"/>
+              </a:defRPr>
+            </a:lvl6pPr>
+            <a:lvl7pPr marL="2743200" algn="l" defTabSz="914400" rtl="0" eaLnBrk="1" latinLnBrk="0" hangingPunct="1">
+              <a:defRPr kern="1200">
+                <a:solidFill>
+                  <a:schemeClr val="tx1"/>
+                </a:solidFill>
+                <a:latin typeface="Arial" charset="0"/>
+                <a:ea typeface="+mn-ea"/>
+                <a:cs typeface="Arial" charset="0"/>
+              </a:defRPr>
+            </a:lvl7pPr>
+            <a:lvl8pPr marL="3200400" algn="l" defTabSz="914400" rtl="0" eaLnBrk="1" latinLnBrk="0" hangingPunct="1">
+              <a:defRPr kern="1200">
+                <a:solidFill>
+                  <a:schemeClr val="tx1"/>
+                </a:solidFill>
+                <a:latin typeface="Arial" charset="0"/>
+                <a:ea typeface="+mn-ea"/>
+                <a:cs typeface="Arial" charset="0"/>
+              </a:defRPr>
+            </a:lvl8pPr>
+            <a:lvl9pPr marL="3657600" algn="l" defTabSz="914400" rtl="0" eaLnBrk="1" latinLnBrk="0" hangingPunct="1">
+              <a:defRPr kern="1200">
+                <a:solidFill>
+                  <a:schemeClr val="tx1"/>
+                </a:solidFill>
+                <a:latin typeface="Arial" charset="0"/>
+                <a:ea typeface="+mn-ea"/>
+                <a:cs typeface="Arial" charset="0"/>
+              </a:defRPr>
+            </a:lvl9pPr>
+          </a:lstStyle>
+          <a:p>
+            <a:pPr defTabSz="872733"/>
+            <a:r>
+              <a:rPr lang="en-US" sz="2000">
+                <a:solidFill>
+                  <a:prstClr val="black"/>
+                </a:solidFill>
+                <a:latin typeface="Calibri" pitchFamily="34" charset="0"/>
+              </a:rPr>
+              <a:t>					</a:t>
+            </a:r>
+          </a:p>
+        </p:txBody>
+      </p:sp>
+      <p:sp>
+        <p:nvSpPr>
+          <p:cNvPr id="36" name="Snip Single Corner Rectangle 35"/>
+          <p:cNvSpPr/>
+          <p:nvPr/>
+        </p:nvSpPr>
+        <p:spPr>
+          <a:xfrm flipV="1">
+            <a:off x="2218558" y="2037956"/>
+            <a:ext cx="673143" cy="403761"/>
+          </a:xfrm>
+          <a:prstGeom prst="snip1Rect">
+            <a:avLst/>
+          </a:prstGeom>
+          <a:solidFill>
+            <a:schemeClr val="bg1"/>
+          </a:solidFill>
+          <a:ln>
+            <a:solidFill>
+              <a:srgbClr val="00B050"/>
+            </a:solidFill>
+          </a:ln>
+        </p:spPr>
+        <p:style>
+          <a:lnRef idx="2">
+            <a:schemeClr val="accent1">
+              <a:shade val="50000"/>
+            </a:schemeClr>
+          </a:lnRef>
+          <a:fillRef idx="1">
+            <a:schemeClr val="accent1"/>
+          </a:fillRef>
+          <a:effectRef idx="0">
+            <a:schemeClr val="accent1"/>
+          </a:effectRef>
+          <a:fontRef idx="minor">
+            <a:schemeClr val="lt1"/>
+          </a:fontRef>
+        </p:style>
+        <p:txBody>
+          <a:bodyPr rtlCol="0" anchor="ctr"/>
+          <a:lstStyle/>
+          <a:p>
+            <a:pPr algn="ctr" defTabSz="872733"/>
+            <a:endParaRPr lang="en-US" sz="2000">
+              <a:solidFill>
+                <a:prstClr val="white"/>
+              </a:solidFill>
+              <a:latin typeface="Calibri"/>
+            </a:endParaRPr>
+          </a:p>
+        </p:txBody>
+      </p:sp>
+      <p:sp>
+        <p:nvSpPr>
+          <p:cNvPr id="37" name="Rectangle 36"/>
+          <p:cNvSpPr/>
+          <p:nvPr/>
+        </p:nvSpPr>
+        <p:spPr bwMode="auto">
+          <a:xfrm>
+            <a:off x="2182931" y="2038433"/>
+            <a:ext cx="3016332" cy="381000"/>
+          </a:xfrm>
+          <a:prstGeom prst="rect">
+            <a:avLst/>
+          </a:prstGeom>
+          <a:noFill/>
+          <a:ln>
+            <a:noFill/>
+          </a:ln>
+        </p:spPr>
+        <p:style>
+          <a:lnRef idx="2">
+            <a:schemeClr val="accent1">
+              <a:shade val="50000"/>
+            </a:schemeClr>
+          </a:lnRef>
+          <a:fillRef idx="1">
+            <a:schemeClr val="accent1"/>
+          </a:fillRef>
+          <a:effectRef idx="0">
+            <a:schemeClr val="accent1"/>
+          </a:effectRef>
+          <a:fontRef idx="minor">
+            <a:schemeClr val="lt1"/>
+          </a:fontRef>
+        </p:style>
+        <p:txBody>
+          <a:bodyPr anchor="ctr"/>
+          <a:lstStyle>
+            <a:defPPr>
+              <a:defRPr lang="en-SG"/>
+            </a:defPPr>
+            <a:lvl1pPr algn="l" rtl="0" fontAlgn="base">
+              <a:spcBef>
+                <a:spcPct val="0"/>
+              </a:spcBef>
+              <a:spcAft>
+                <a:spcPct val="0"/>
+              </a:spcAft>
+              <a:defRPr kern="1200">
+                <a:solidFill>
+                  <a:schemeClr val="lt1"/>
+                </a:solidFill>
+                <a:latin typeface="+mn-lt"/>
+                <a:ea typeface="+mn-ea"/>
+                <a:cs typeface="+mn-cs"/>
+              </a:defRPr>
+            </a:lvl1pPr>
+            <a:lvl2pPr marL="457200" algn="l" rtl="0" fontAlgn="base">
+              <a:spcBef>
+                <a:spcPct val="0"/>
+              </a:spcBef>
+              <a:spcAft>
+                <a:spcPct val="0"/>
+              </a:spcAft>
+              <a:defRPr kern="1200">
+                <a:solidFill>
+                  <a:schemeClr val="lt1"/>
+                </a:solidFill>
+                <a:latin typeface="+mn-lt"/>
+                <a:ea typeface="+mn-ea"/>
+                <a:cs typeface="+mn-cs"/>
+              </a:defRPr>
+            </a:lvl2pPr>
+            <a:lvl3pPr marL="914400" algn="l" rtl="0" fontAlgn="base">
+              <a:spcBef>
+                <a:spcPct val="0"/>
+              </a:spcBef>
+              <a:spcAft>
+                <a:spcPct val="0"/>
+              </a:spcAft>
+              <a:defRPr kern="1200">
+                <a:solidFill>
+                  <a:schemeClr val="lt1"/>
+                </a:solidFill>
+                <a:latin typeface="+mn-lt"/>
+                <a:ea typeface="+mn-ea"/>
+                <a:cs typeface="+mn-cs"/>
+              </a:defRPr>
+            </a:lvl3pPr>
+            <a:lvl4pPr marL="1371600" algn="l" rtl="0" fontAlgn="base">
+              <a:spcBef>
+                <a:spcPct val="0"/>
+              </a:spcBef>
+              <a:spcAft>
+                <a:spcPct val="0"/>
+              </a:spcAft>
+              <a:defRPr kern="1200">
+                <a:solidFill>
+                  <a:schemeClr val="lt1"/>
+                </a:solidFill>
+                <a:latin typeface="+mn-lt"/>
+                <a:ea typeface="+mn-ea"/>
+                <a:cs typeface="+mn-cs"/>
+              </a:defRPr>
+            </a:lvl4pPr>
+            <a:lvl5pPr marL="1828800" algn="l" rtl="0" fontAlgn="base">
+              <a:spcBef>
+                <a:spcPct val="0"/>
+              </a:spcBef>
+              <a:spcAft>
+                <a:spcPct val="0"/>
+              </a:spcAft>
+              <a:defRPr kern="1200">
+                <a:solidFill>
+                  <a:schemeClr val="lt1"/>
+                </a:solidFill>
+                <a:latin typeface="+mn-lt"/>
+                <a:ea typeface="+mn-ea"/>
+                <a:cs typeface="+mn-cs"/>
+              </a:defRPr>
+            </a:lvl5pPr>
+            <a:lvl6pPr marL="2286000" algn="l" defTabSz="914400" rtl="0" eaLnBrk="1" latinLnBrk="0" hangingPunct="1">
+              <a:defRPr kern="1200">
+                <a:solidFill>
+                  <a:schemeClr val="lt1"/>
+                </a:solidFill>
+                <a:latin typeface="+mn-lt"/>
+                <a:ea typeface="+mn-ea"/>
+                <a:cs typeface="+mn-cs"/>
+              </a:defRPr>
+            </a:lvl6pPr>
+            <a:lvl7pPr marL="2743200" algn="l" defTabSz="914400" rtl="0" eaLnBrk="1" latinLnBrk="0" hangingPunct="1">
+              <a:defRPr kern="1200">
+                <a:solidFill>
+                  <a:schemeClr val="lt1"/>
+                </a:solidFill>
+                <a:latin typeface="+mn-lt"/>
+                <a:ea typeface="+mn-ea"/>
+                <a:cs typeface="+mn-cs"/>
+              </a:defRPr>
+            </a:lvl7pPr>
+            <a:lvl8pPr marL="3200400" algn="l" defTabSz="914400" rtl="0" eaLnBrk="1" latinLnBrk="0" hangingPunct="1">
+              <a:defRPr kern="1200">
+                <a:solidFill>
+                  <a:schemeClr val="lt1"/>
+                </a:solidFill>
+                <a:latin typeface="+mn-lt"/>
+                <a:ea typeface="+mn-ea"/>
+                <a:cs typeface="+mn-cs"/>
+              </a:defRPr>
+            </a:lvl8pPr>
+            <a:lvl9pPr marL="3657600" algn="l" defTabSz="914400" rtl="0" eaLnBrk="1" latinLnBrk="0" hangingPunct="1">
+              <a:defRPr kern="1200">
+                <a:solidFill>
+                  <a:schemeClr val="lt1"/>
+                </a:solidFill>
+                <a:latin typeface="+mn-lt"/>
+                <a:ea typeface="+mn-ea"/>
+                <a:cs typeface="+mn-cs"/>
+              </a:defRPr>
+            </a:lvl9pPr>
+          </a:lstStyle>
+          <a:p>
+            <a:pPr defTabSz="872733"/>
+            <a:r>
+              <a:rPr lang="en-US" sz="2000" dirty="0">
+                <a:solidFill>
+                  <a:srgbClr val="00B050"/>
+                </a:solidFill>
+                <a:latin typeface="Calibri"/>
+                <a:cs typeface="Arial" charset="0"/>
+              </a:rPr>
+              <a:t>loop    [until </a:t>
+            </a:r>
+            <a:r>
+              <a:rPr lang="en-US" sz="2000" dirty="0" err="1">
+                <a:solidFill>
+                  <a:srgbClr val="00B050"/>
+                </a:solidFill>
+                <a:latin typeface="Calibri"/>
+                <a:cs typeface="Arial" charset="0"/>
+              </a:rPr>
+              <a:t>won|lost</a:t>
+            </a:r>
+            <a:r>
+              <a:rPr lang="en-US" sz="2000" dirty="0">
+                <a:solidFill>
+                  <a:srgbClr val="00B050"/>
+                </a:solidFill>
+                <a:latin typeface="Calibri"/>
+                <a:cs typeface="Arial" charset="0"/>
+              </a:rPr>
+              <a:t>]</a:t>
+            </a:r>
+          </a:p>
+        </p:txBody>
+      </p:sp>
+      <p:sp>
+        <p:nvSpPr>
+          <p:cNvPr id="39" name="TextBox 38"/>
+          <p:cNvSpPr txBox="1"/>
+          <p:nvPr/>
+        </p:nvSpPr>
+        <p:spPr>
+          <a:xfrm>
+            <a:off x="2118530" y="1637737"/>
+            <a:ext cx="1082633" cy="400110"/>
+          </a:xfrm>
+          <a:prstGeom prst="rect">
+            <a:avLst/>
+          </a:prstGeom>
+          <a:noFill/>
+        </p:spPr>
+        <p:txBody>
+          <a:bodyPr wrap="square" rtlCol="0">
+            <a:spAutoFit/>
+          </a:bodyPr>
+          <a:lstStyle/>
+          <a:p>
+            <a:pPr algn="ctr" defTabSz="872733"/>
+            <a:r>
+              <a:rPr lang="en-US" sz="2000" dirty="0">
+                <a:solidFill>
+                  <a:srgbClr val="0070C0"/>
+                </a:solidFill>
+                <a:latin typeface="Calibri"/>
+              </a:rPr>
+              <a:t>Player</a:t>
+            </a:r>
+          </a:p>
+        </p:txBody>
+      </p:sp>
+      <p:sp>
+        <p:nvSpPr>
+          <p:cNvPr id="32" name="Text Box 11"/>
+          <p:cNvSpPr txBox="1">
+            <a:spLocks noChangeArrowheads="1"/>
+          </p:cNvSpPr>
+          <p:nvPr/>
+        </p:nvSpPr>
+        <p:spPr bwMode="auto">
+          <a:xfrm>
+            <a:off x="9182100" y="1079975"/>
+            <a:ext cx="1295400" cy="677108"/>
+          </a:xfrm>
+          <a:prstGeom prst="rect">
+            <a:avLst/>
+          </a:prstGeom>
+          <a:ln w="19050">
+            <a:headEnd/>
+            <a:tailEnd/>
+          </a:ln>
+        </p:spPr>
+        <p:style>
+          <a:lnRef idx="1">
+            <a:schemeClr val="accent3"/>
+          </a:lnRef>
+          <a:fillRef idx="2">
+            <a:schemeClr val="accent3"/>
+          </a:fillRef>
+          <a:effectRef idx="1">
+            <a:schemeClr val="accent3"/>
+          </a:effectRef>
+          <a:fontRef idx="minor">
+            <a:schemeClr val="dk1"/>
+          </a:fontRef>
+        </p:style>
+        <p:txBody>
+          <a:bodyPr lIns="0" tIns="0" rIns="0" bIns="0">
+            <a:noAutofit/>
+          </a:bodyPr>
+          <a:lstStyle/>
+          <a:p>
+            <a:pPr algn="ctr" defTabSz="872733">
+              <a:spcBef>
+                <a:spcPct val="50000"/>
+              </a:spcBef>
+            </a:pPr>
+            <a:r>
+              <a:rPr lang="en-US" sz="2000" dirty="0">
+                <a:solidFill>
+                  <a:prstClr val="black"/>
+                </a:solidFill>
+                <a:latin typeface="Calibri"/>
+              </a:rPr>
+              <a:t>&lt;&lt;class&gt;&gt;</a:t>
+            </a:r>
+            <a:br>
+              <a:rPr lang="en-US" sz="2000" dirty="0">
+                <a:solidFill>
+                  <a:prstClr val="black"/>
+                </a:solidFill>
+                <a:latin typeface="Calibri"/>
+              </a:rPr>
+            </a:br>
+            <a:r>
+              <a:rPr lang="en-US" sz="2000" dirty="0">
+                <a:solidFill>
+                  <a:prstClr val="black"/>
+                </a:solidFill>
+                <a:latin typeface="Calibri"/>
+              </a:rPr>
+              <a:t>:Logger</a:t>
+            </a:r>
+          </a:p>
+        </p:txBody>
+      </p:sp>
+      <p:sp>
+        <p:nvSpPr>
+          <p:cNvPr id="33" name="Line 13"/>
+          <p:cNvSpPr>
+            <a:spLocks noChangeShapeType="1"/>
+          </p:cNvSpPr>
+          <p:nvPr/>
+        </p:nvSpPr>
+        <p:spPr bwMode="auto">
+          <a:xfrm>
+            <a:off x="9829800" y="1757084"/>
+            <a:ext cx="0" cy="4231609"/>
+          </a:xfrm>
+          <a:prstGeom prst="line">
+            <a:avLst/>
+          </a:prstGeom>
+          <a:ln>
+            <a:solidFill>
+              <a:schemeClr val="accent3">
+                <a:lumMod val="75000"/>
+              </a:schemeClr>
+            </a:solidFill>
+            <a:prstDash val="sysDash"/>
+            <a:headEnd/>
+            <a:tailEnd/>
+          </a:ln>
+        </p:spPr>
+        <p:style>
+          <a:lnRef idx="2">
+            <a:schemeClr val="accent4"/>
+          </a:lnRef>
+          <a:fillRef idx="0">
+            <a:schemeClr val="accent4"/>
+          </a:fillRef>
+          <a:effectRef idx="1">
+            <a:schemeClr val="accent4"/>
+          </a:effectRef>
+          <a:fontRef idx="minor">
+            <a:schemeClr val="tx1"/>
+          </a:fontRef>
+        </p:style>
+        <p:txBody>
+          <a:bodyPr/>
+          <a:lstStyle/>
+          <a:p>
+            <a:pPr defTabSz="872733"/>
+            <a:endParaRPr lang="en-US" sz="2000">
+              <a:solidFill>
+                <a:prstClr val="black"/>
+              </a:solidFill>
+              <a:latin typeface="Calibri"/>
+            </a:endParaRPr>
+          </a:p>
+        </p:txBody>
+      </p:sp>
+      <p:sp>
+        <p:nvSpPr>
+          <p:cNvPr id="34" name="Line 15"/>
+          <p:cNvSpPr>
+            <a:spLocks noChangeShapeType="1"/>
+          </p:cNvSpPr>
+          <p:nvPr/>
+        </p:nvSpPr>
+        <p:spPr bwMode="auto">
+          <a:xfrm>
+            <a:off x="5323781" y="3883650"/>
+            <a:ext cx="4385463" cy="0"/>
+          </a:xfrm>
+          <a:prstGeom prst="line">
+            <a:avLst/>
+          </a:prstGeom>
+          <a:noFill/>
+          <a:ln w="19050">
+            <a:solidFill>
+              <a:srgbClr val="7030A0"/>
+            </a:solidFill>
+            <a:round/>
+            <a:headEnd/>
+            <a:tailEnd type="triangle" w="lg" len="lg"/>
+          </a:ln>
+        </p:spPr>
+        <p:txBody>
+          <a:bodyPr/>
+          <a:lstStyle/>
+          <a:p>
+            <a:pPr defTabSz="872733"/>
+            <a:endParaRPr lang="en-US" sz="2000">
+              <a:solidFill>
+                <a:prstClr val="black"/>
+              </a:solidFill>
+              <a:latin typeface="Calibri"/>
+            </a:endParaRPr>
+          </a:p>
+        </p:txBody>
+      </p:sp>
+      <p:sp>
+        <p:nvSpPr>
+          <p:cNvPr id="38" name="Text Box 25"/>
+          <p:cNvSpPr txBox="1">
+            <a:spLocks noChangeArrowheads="1"/>
+          </p:cNvSpPr>
+          <p:nvPr/>
+        </p:nvSpPr>
+        <p:spPr bwMode="auto">
+          <a:xfrm>
+            <a:off x="6055758" y="3474659"/>
+            <a:ext cx="981337" cy="400110"/>
+          </a:xfrm>
+          <a:prstGeom prst="rect">
+            <a:avLst/>
+          </a:prstGeom>
+          <a:noFill/>
+          <a:ln w="12700" algn="ctr">
+            <a:noFill/>
+            <a:miter lim="800000"/>
+            <a:headEnd/>
+            <a:tailEnd/>
+          </a:ln>
+        </p:spPr>
+        <p:txBody>
+          <a:bodyPr wrap="square">
+            <a:spAutoFit/>
+          </a:bodyPr>
+          <a:lstStyle/>
+          <a:p>
+            <a:pPr defTabSz="872733">
+              <a:spcBef>
+                <a:spcPct val="50000"/>
+              </a:spcBef>
+            </a:pPr>
+            <a:r>
+              <a:rPr lang="en-US" sz="2000" i="1" dirty="0">
+                <a:solidFill>
+                  <a:srgbClr val="9BBB59">
+                    <a:lumMod val="75000"/>
+                  </a:srgbClr>
+                </a:solidFill>
+                <a:latin typeface="Calibri"/>
+              </a:rPr>
+              <a:t>log()</a:t>
+            </a:r>
+          </a:p>
+        </p:txBody>
+      </p:sp>
+      <p:sp>
+        <p:nvSpPr>
+          <p:cNvPr id="40" name="Rectangle 39"/>
+          <p:cNvSpPr/>
+          <p:nvPr/>
+        </p:nvSpPr>
+        <p:spPr>
+          <a:xfrm>
+            <a:off x="9701007" y="3897259"/>
+            <a:ext cx="251361" cy="393865"/>
+          </a:xfrm>
+          <a:prstGeom prst="rect">
+            <a:avLst/>
+          </a:prstGeom>
+          <a:solidFill>
+            <a:schemeClr val="accent3">
+              <a:lumMod val="20000"/>
+              <a:lumOff val="80000"/>
+            </a:schemeClr>
+          </a:solidFill>
+          <a:ln>
+            <a:solidFill>
+              <a:schemeClr val="accent3">
+                <a:lumMod val="75000"/>
+              </a:schemeClr>
+            </a:solidFill>
+          </a:ln>
+        </p:spPr>
+        <p:style>
+          <a:lnRef idx="2">
+            <a:schemeClr val="accent4"/>
+          </a:lnRef>
+          <a:fillRef idx="1">
+            <a:schemeClr val="lt1"/>
+          </a:fillRef>
+          <a:effectRef idx="0">
+            <a:schemeClr val="accent4"/>
+          </a:effectRef>
+          <a:fontRef idx="minor">
+            <a:schemeClr val="dk1"/>
+          </a:fontRef>
+        </p:style>
+        <p:txBody>
+          <a:bodyPr rtlCol="0" anchor="ctr"/>
+          <a:lstStyle/>
+          <a:p>
+            <a:pPr algn="ctr" defTabSz="872733"/>
+            <a:endParaRPr lang="en-US" sz="2000">
+              <a:solidFill>
+                <a:prstClr val="black"/>
+              </a:solidFill>
+              <a:latin typeface="Calibri"/>
+            </a:endParaRPr>
+          </a:p>
+        </p:txBody>
+      </p:sp>
+      <p:sp>
+        <p:nvSpPr>
+          <p:cNvPr id="41" name="Line 16"/>
+          <p:cNvSpPr>
+            <a:spLocks noChangeShapeType="1"/>
+          </p:cNvSpPr>
+          <p:nvPr/>
+        </p:nvSpPr>
+        <p:spPr bwMode="auto">
+          <a:xfrm flipH="1">
+            <a:off x="5303668" y="4284404"/>
+            <a:ext cx="4397337" cy="0"/>
+          </a:xfrm>
+          <a:prstGeom prst="line">
+            <a:avLst/>
+          </a:prstGeom>
+          <a:noFill/>
+          <a:ln w="19050">
+            <a:solidFill>
+              <a:schemeClr val="accent3">
+                <a:lumMod val="75000"/>
+              </a:schemeClr>
+            </a:solidFill>
+            <a:prstDash val="sysDash"/>
+            <a:round/>
+            <a:headEnd/>
+            <a:tailEnd type="triangle" w="lg" len="lg"/>
+          </a:ln>
+        </p:spPr>
+        <p:txBody>
+          <a:bodyPr/>
+          <a:lstStyle/>
+          <a:p>
+            <a:pPr defTabSz="872733"/>
+            <a:endParaRPr lang="en-US" sz="2000">
+              <a:solidFill>
+                <a:prstClr val="black"/>
+              </a:solidFill>
+              <a:latin typeface="Calibri"/>
+            </a:endParaRPr>
+          </a:p>
+        </p:txBody>
+      </p:sp>
+    </p:spTree>
+    <p:extLst>
+      <p:ext uri="{BB962C8B-B14F-4D97-AF65-F5344CB8AC3E}">
+        <p14:creationId xmlns:p14="http://schemas.microsoft.com/office/powerpoint/2010/main" val="3228498101"/>
+      </p:ext>
+    </p:extLst>
+  </p:cSld>
+  <p:clrMapOvr>
+    <a:masterClrMapping/>
+  </p:clrMapOvr>
+  <p:timing>
+    <p:tnLst>
+      <p:par>
+        <p:cTn id="1" dur="indefinite" restart="never" nodeType="tmRoot">
+          <p:childTnLst>
+            <p:seq concurrent="1" nextAc="seek">
+              <p:cTn id="2" dur="indefinite" nodeType="mainSeq">
+                <p:childTnLst>
+                  <p:par>
+                    <p:cTn id="3" fill="hold">
+                      <p:stCondLst>
+                        <p:cond delay="indefinite"/>
+                      </p:stCondLst>
+                      <p:childTnLst>
+                        <p:par>
+                          <p:cTn id="4" fill="hold">
+                            <p:stCondLst>
+                              <p:cond delay="0"/>
+                            </p:stCondLst>
+                            <p:childTnLst>
+                              <p:par>
+                                <p:cTn id="5" presetID="1" presetClass="entr" presetSubtype="0" fill="hold" grpId="0" nodeType="clickEffect">
+                                  <p:stCondLst>
+                                    <p:cond delay="0"/>
+                                  </p:stCondLst>
+                                  <p:childTnLst>
+                                    <p:set>
+                                      <p:cBhvr>
+                                        <p:cTn id="6" dur="1" fill="hold">
+                                          <p:stCondLst>
+                                            <p:cond delay="0"/>
+                                          </p:stCondLst>
+                                        </p:cTn>
+                                        <p:tgtEl>
+                                          <p:spTgt spid="24"/>
+                                        </p:tgtEl>
+                                        <p:attrNameLst>
+                                          <p:attrName>style.visibility</p:attrName>
+                                        </p:attrNameLst>
+                                      </p:cBhvr>
+                                      <p:to>
+                                        <p:strVal val="visible"/>
+                                      </p:to>
+                                    </p:set>
+                                  </p:childTnLst>
+                                </p:cTn>
+                              </p:par>
+                              <p:par>
+                                <p:cTn id="7" presetID="1" presetClass="entr" presetSubtype="0" fill="hold" grpId="0" nodeType="withEffect">
+                                  <p:stCondLst>
+                                    <p:cond delay="0"/>
+                                  </p:stCondLst>
+                                  <p:childTnLst>
+                                    <p:set>
+                                      <p:cBhvr>
+                                        <p:cTn id="8" dur="1" fill="hold">
+                                          <p:stCondLst>
+                                            <p:cond delay="0"/>
+                                          </p:stCondLst>
+                                        </p:cTn>
+                                        <p:tgtEl>
+                                          <p:spTgt spid="25"/>
+                                        </p:tgtEl>
+                                        <p:attrNameLst>
+                                          <p:attrName>style.visibility</p:attrName>
+                                        </p:attrNameLst>
+                                      </p:cBhvr>
+                                      <p:to>
+                                        <p:strVal val="visible"/>
+                                      </p:to>
+                                    </p:set>
+                                  </p:childTnLst>
+                                </p:cTn>
+                              </p:par>
+                              <p:par>
+                                <p:cTn id="9" presetID="1" presetClass="entr" presetSubtype="0" fill="hold" grpId="0" nodeType="withEffect">
+                                  <p:stCondLst>
+                                    <p:cond delay="0"/>
+                                  </p:stCondLst>
+                                  <p:childTnLst>
+                                    <p:set>
+                                      <p:cBhvr>
+                                        <p:cTn id="10" dur="1" fill="hold">
+                                          <p:stCondLst>
+                                            <p:cond delay="0"/>
+                                          </p:stCondLst>
+                                        </p:cTn>
+                                        <p:tgtEl>
+                                          <p:spTgt spid="26"/>
+                                        </p:tgtEl>
+                                        <p:attrNameLst>
+                                          <p:attrName>style.visibility</p:attrName>
+                                        </p:attrNameLst>
+                                      </p:cBhvr>
+                                      <p:to>
+                                        <p:strVal val="visible"/>
+                                      </p:to>
+                                    </p:set>
+                                  </p:childTnLst>
+                                </p:cTn>
+                              </p:par>
+                              <p:par>
+                                <p:cTn id="11" presetID="1" presetClass="entr" presetSubtype="0" fill="hold" grpId="0" nodeType="withEffect">
+                                  <p:stCondLst>
+                                    <p:cond delay="0"/>
+                                  </p:stCondLst>
+                                  <p:childTnLst>
+                                    <p:set>
+                                      <p:cBhvr>
+                                        <p:cTn id="12" dur="1" fill="hold">
+                                          <p:stCondLst>
+                                            <p:cond delay="0"/>
+                                          </p:stCondLst>
+                                        </p:cTn>
+                                        <p:tgtEl>
+                                          <p:spTgt spid="27"/>
+                                        </p:tgtEl>
+                                        <p:attrNameLst>
+                                          <p:attrName>style.visibility</p:attrName>
+                                        </p:attrNameLst>
+                                      </p:cBhvr>
+                                      <p:to>
+                                        <p:strVal val="visible"/>
+                                      </p:to>
+                                    </p:set>
+                                  </p:childTnLst>
+                                </p:cTn>
+                              </p:par>
+                              <p:par>
+                                <p:cTn id="13" presetID="1" presetClass="entr" presetSubtype="0" fill="hold" grpId="0" nodeType="withEffect">
+                                  <p:stCondLst>
+                                    <p:cond delay="0"/>
+                                  </p:stCondLst>
+                                  <p:childTnLst>
+                                    <p:set>
+                                      <p:cBhvr>
+                                        <p:cTn id="14" dur="1" fill="hold">
+                                          <p:stCondLst>
+                                            <p:cond delay="0"/>
+                                          </p:stCondLst>
+                                        </p:cTn>
+                                        <p:tgtEl>
+                                          <p:spTgt spid="29"/>
+                                        </p:tgtEl>
+                                        <p:attrNameLst>
+                                          <p:attrName>style.visibility</p:attrName>
+                                        </p:attrNameLst>
+                                      </p:cBhvr>
+                                      <p:to>
+                                        <p:strVal val="visible"/>
+                                      </p:to>
+                                    </p:set>
+                                  </p:childTnLst>
+                                </p:cTn>
+                              </p:par>
+                            </p:childTnLst>
+                          </p:cTn>
+                        </p:par>
+                      </p:childTnLst>
+                    </p:cTn>
+                  </p:par>
+                  <p:par>
+                    <p:cTn id="15" fill="hold">
+                      <p:stCondLst>
+                        <p:cond delay="indefinite"/>
+                      </p:stCondLst>
+                      <p:childTnLst>
+                        <p:par>
+                          <p:cTn id="16" fill="hold">
+                            <p:stCondLst>
+                              <p:cond delay="0"/>
+                            </p:stCondLst>
+                            <p:childTnLst>
+                              <p:par>
+                                <p:cTn id="17" presetID="1" presetClass="entr" presetSubtype="0" fill="hold" grpId="0" nodeType="clickEffect">
+                                  <p:stCondLst>
+                                    <p:cond delay="0"/>
+                                  </p:stCondLst>
+                                  <p:childTnLst>
+                                    <p:set>
+                                      <p:cBhvr>
+                                        <p:cTn id="18" dur="1" fill="hold">
+                                          <p:stCondLst>
+                                            <p:cond delay="0"/>
+                                          </p:stCondLst>
+                                        </p:cTn>
+                                        <p:tgtEl>
+                                          <p:spTgt spid="36"/>
+                                        </p:tgtEl>
+                                        <p:attrNameLst>
+                                          <p:attrName>style.visibility</p:attrName>
+                                        </p:attrNameLst>
+                                      </p:cBhvr>
+                                      <p:to>
+                                        <p:strVal val="visible"/>
+                                      </p:to>
+                                    </p:set>
+                                  </p:childTnLst>
+                                </p:cTn>
+                              </p:par>
+                              <p:par>
+                                <p:cTn id="19" presetID="1" presetClass="entr" presetSubtype="0" fill="hold" grpId="0" nodeType="withEffect">
+                                  <p:stCondLst>
+                                    <p:cond delay="0"/>
+                                  </p:stCondLst>
+                                  <p:childTnLst>
+                                    <p:set>
+                                      <p:cBhvr>
+                                        <p:cTn id="20" dur="1" fill="hold">
+                                          <p:stCondLst>
+                                            <p:cond delay="0"/>
+                                          </p:stCondLst>
+                                        </p:cTn>
+                                        <p:tgtEl>
+                                          <p:spTgt spid="37"/>
+                                        </p:tgtEl>
+                                        <p:attrNameLst>
+                                          <p:attrName>style.visibility</p:attrName>
+                                        </p:attrNameLst>
+                                      </p:cBhvr>
+                                      <p:to>
+                                        <p:strVal val="visible"/>
+                                      </p:to>
+                                    </p:set>
+                                  </p:childTnLst>
+                                </p:cTn>
+                              </p:par>
+                              <p:par>
+                                <p:cTn id="21" presetID="1" presetClass="entr" presetSubtype="0" fill="hold" grpId="0" nodeType="withEffect">
+                                  <p:stCondLst>
+                                    <p:cond delay="0"/>
+                                  </p:stCondLst>
+                                  <p:childTnLst>
+                                    <p:set>
+                                      <p:cBhvr>
+                                        <p:cTn id="22" dur="1" fill="hold">
+                                          <p:stCondLst>
+                                            <p:cond delay="0"/>
+                                          </p:stCondLst>
+                                        </p:cTn>
+                                        <p:tgtEl>
+                                          <p:spTgt spid="35"/>
+                                        </p:tgtEl>
+                                        <p:attrNameLst>
+                                          <p:attrName>style.visibility</p:attrName>
+                                        </p:attrNameLst>
+                                      </p:cBhvr>
+                                      <p:to>
+                                        <p:strVal val="visible"/>
+                                      </p:to>
+                                    </p:set>
+                                  </p:childTnLst>
+                                </p:cTn>
+                              </p:par>
+                            </p:childTnLst>
+                          </p:cTn>
+                        </p:par>
+                      </p:childTnLst>
+                    </p:cTn>
+                  </p:par>
+                  <p:par>
+                    <p:cTn id="23" fill="hold">
+                      <p:stCondLst>
+                        <p:cond delay="indefinite"/>
+                      </p:stCondLst>
+                      <p:childTnLst>
+                        <p:par>
+                          <p:cTn id="24" fill="hold">
+                            <p:stCondLst>
+                              <p:cond delay="0"/>
+                            </p:stCondLst>
+                            <p:childTnLst>
+                              <p:par>
+                                <p:cTn id="25" presetID="1" presetClass="exit" presetSubtype="0" fill="hold" grpId="0" nodeType="clickEffect">
+                                  <p:stCondLst>
+                                    <p:cond delay="0"/>
+                                  </p:stCondLst>
+                                  <p:childTnLst>
+                                    <p:set>
+                                      <p:cBhvr>
+                                        <p:cTn id="26" dur="1" fill="hold">
+                                          <p:stCondLst>
+                                            <p:cond delay="0"/>
+                                          </p:stCondLst>
+                                        </p:cTn>
+                                        <p:tgtEl>
+                                          <p:spTgt spid="4"/>
+                                        </p:tgtEl>
+                                        <p:attrNameLst>
+                                          <p:attrName>style.visibility</p:attrName>
+                                        </p:attrNameLst>
+                                      </p:cBhvr>
+                                      <p:to>
+                                        <p:strVal val="hidden"/>
+                                      </p:to>
+                                    </p:set>
+                                  </p:childTnLst>
+                                </p:cTn>
+                              </p:par>
+                              <p:par>
+                                <p:cTn id="27" presetID="1" presetClass="exit" presetSubtype="0" fill="hold" grpId="0" nodeType="withEffect">
+                                  <p:stCondLst>
+                                    <p:cond delay="0"/>
+                                  </p:stCondLst>
+                                  <p:childTnLst>
+                                    <p:set>
+                                      <p:cBhvr>
+                                        <p:cTn id="28" dur="1" fill="hold">
+                                          <p:stCondLst>
+                                            <p:cond delay="0"/>
+                                          </p:stCondLst>
+                                        </p:cTn>
+                                        <p:tgtEl>
+                                          <p:spTgt spid="5"/>
+                                        </p:tgtEl>
+                                        <p:attrNameLst>
+                                          <p:attrName>style.visibility</p:attrName>
+                                        </p:attrNameLst>
+                                      </p:cBhvr>
+                                      <p:to>
+                                        <p:strVal val="hidden"/>
+                                      </p:to>
+                                    </p:set>
+                                  </p:childTnLst>
+                                </p:cTn>
+                              </p:par>
+                              <p:par>
+                                <p:cTn id="29" presetID="1" presetClass="exit" presetSubtype="0" fill="hold" grpId="0" nodeType="withEffect">
+                                  <p:stCondLst>
+                                    <p:cond delay="0"/>
+                                  </p:stCondLst>
+                                  <p:childTnLst>
+                                    <p:set>
+                                      <p:cBhvr>
+                                        <p:cTn id="30" dur="1" fill="hold">
+                                          <p:stCondLst>
+                                            <p:cond delay="0"/>
+                                          </p:stCondLst>
+                                        </p:cTn>
+                                        <p:tgtEl>
+                                          <p:spTgt spid="6"/>
+                                        </p:tgtEl>
+                                        <p:attrNameLst>
+                                          <p:attrName>style.visibility</p:attrName>
+                                        </p:attrNameLst>
+                                      </p:cBhvr>
+                                      <p:to>
+                                        <p:strVal val="hidden"/>
+                                      </p:to>
+                                    </p:set>
+                                  </p:childTnLst>
+                                </p:cTn>
+                              </p:par>
+                              <p:par>
+                                <p:cTn id="31" presetID="1" presetClass="exit" presetSubtype="0" fill="hold" grpId="0" nodeType="withEffect">
+                                  <p:stCondLst>
+                                    <p:cond delay="0"/>
+                                  </p:stCondLst>
+                                  <p:childTnLst>
+                                    <p:set>
+                                      <p:cBhvr>
+                                        <p:cTn id="32" dur="1" fill="hold">
+                                          <p:stCondLst>
+                                            <p:cond delay="0"/>
+                                          </p:stCondLst>
+                                        </p:cTn>
+                                        <p:tgtEl>
+                                          <p:spTgt spid="7"/>
+                                        </p:tgtEl>
+                                        <p:attrNameLst>
+                                          <p:attrName>style.visibility</p:attrName>
+                                        </p:attrNameLst>
+                                      </p:cBhvr>
+                                      <p:to>
+                                        <p:strVal val="hidden"/>
+                                      </p:to>
+                                    </p:set>
+                                  </p:childTnLst>
+                                </p:cTn>
+                              </p:par>
+                              <p:par>
+                                <p:cTn id="33" presetID="1" presetClass="exit" presetSubtype="0" fill="hold" grpId="0" nodeType="withEffect">
+                                  <p:stCondLst>
+                                    <p:cond delay="0"/>
+                                  </p:stCondLst>
+                                  <p:childTnLst>
+                                    <p:set>
+                                      <p:cBhvr>
+                                        <p:cTn id="34" dur="1" fill="hold">
+                                          <p:stCondLst>
+                                            <p:cond delay="0"/>
+                                          </p:stCondLst>
+                                        </p:cTn>
+                                        <p:tgtEl>
+                                          <p:spTgt spid="8"/>
+                                        </p:tgtEl>
+                                        <p:attrNameLst>
+                                          <p:attrName>style.visibility</p:attrName>
+                                        </p:attrNameLst>
+                                      </p:cBhvr>
+                                      <p:to>
+                                        <p:strVal val="hidden"/>
+                                      </p:to>
+                                    </p:set>
+                                  </p:childTnLst>
+                                </p:cTn>
+                              </p:par>
+                              <p:par>
+                                <p:cTn id="35" presetID="1" presetClass="exit" presetSubtype="0" fill="hold" grpId="0" nodeType="withEffect">
+                                  <p:stCondLst>
+                                    <p:cond delay="0"/>
+                                  </p:stCondLst>
+                                  <p:childTnLst>
+                                    <p:set>
+                                      <p:cBhvr>
+                                        <p:cTn id="36" dur="1" fill="hold">
+                                          <p:stCondLst>
+                                            <p:cond delay="0"/>
+                                          </p:stCondLst>
+                                        </p:cTn>
+                                        <p:tgtEl>
+                                          <p:spTgt spid="9"/>
+                                        </p:tgtEl>
+                                        <p:attrNameLst>
+                                          <p:attrName>style.visibility</p:attrName>
+                                        </p:attrNameLst>
+                                      </p:cBhvr>
+                                      <p:to>
+                                        <p:strVal val="hidden"/>
+                                      </p:to>
+                                    </p:set>
+                                  </p:childTnLst>
+                                </p:cTn>
+                              </p:par>
+                              <p:par>
+                                <p:cTn id="37" presetID="1" presetClass="exit" presetSubtype="0" fill="hold" grpId="0" nodeType="withEffect">
+                                  <p:stCondLst>
+                                    <p:cond delay="0"/>
+                                  </p:stCondLst>
+                                  <p:childTnLst>
+                                    <p:set>
+                                      <p:cBhvr>
+                                        <p:cTn id="38" dur="1" fill="hold">
+                                          <p:stCondLst>
+                                            <p:cond delay="0"/>
+                                          </p:stCondLst>
+                                        </p:cTn>
+                                        <p:tgtEl>
+                                          <p:spTgt spid="10"/>
+                                        </p:tgtEl>
+                                        <p:attrNameLst>
+                                          <p:attrName>style.visibility</p:attrName>
+                                        </p:attrNameLst>
+                                      </p:cBhvr>
+                                      <p:to>
+                                        <p:strVal val="hidden"/>
+                                      </p:to>
+                                    </p:set>
+                                  </p:childTnLst>
+                                </p:cTn>
+                              </p:par>
+                              <p:par>
+                                <p:cTn id="39" presetID="1" presetClass="exit" presetSubtype="0" fill="hold" nodeType="withEffect">
+                                  <p:stCondLst>
+                                    <p:cond delay="0"/>
+                                  </p:stCondLst>
+                                  <p:childTnLst>
+                                    <p:set>
+                                      <p:cBhvr>
+                                        <p:cTn id="40" dur="1" fill="hold">
+                                          <p:stCondLst>
+                                            <p:cond delay="0"/>
+                                          </p:stCondLst>
+                                        </p:cTn>
+                                        <p:tgtEl>
+                                          <p:spTgt spid="2"/>
+                                        </p:tgtEl>
+                                        <p:attrNameLst>
+                                          <p:attrName>style.visibility</p:attrName>
+                                        </p:attrNameLst>
+                                      </p:cBhvr>
+                                      <p:to>
+                                        <p:strVal val="hidden"/>
+                                      </p:to>
+                                    </p:set>
+                                  </p:childTnLst>
+                                </p:cTn>
+                              </p:par>
+                              <p:par>
+                                <p:cTn id="41" presetID="1" presetClass="exit" presetSubtype="0" fill="hold" grpId="0" nodeType="withEffect">
+                                  <p:stCondLst>
+                                    <p:cond delay="0"/>
+                                  </p:stCondLst>
+                                  <p:childTnLst>
+                                    <p:set>
+                                      <p:cBhvr>
+                                        <p:cTn id="42" dur="1" fill="hold">
+                                          <p:stCondLst>
+                                            <p:cond delay="0"/>
+                                          </p:stCondLst>
+                                        </p:cTn>
+                                        <p:tgtEl>
+                                          <p:spTgt spid="17"/>
+                                        </p:tgtEl>
+                                        <p:attrNameLst>
+                                          <p:attrName>style.visibility</p:attrName>
+                                        </p:attrNameLst>
+                                      </p:cBhvr>
+                                      <p:to>
+                                        <p:strVal val="hidden"/>
+                                      </p:to>
+                                    </p:set>
+                                  </p:childTnLst>
+                                </p:cTn>
+                              </p:par>
+                              <p:par>
+                                <p:cTn id="43" presetID="1" presetClass="exit" presetSubtype="0" fill="hold" grpId="0" nodeType="withEffect">
+                                  <p:stCondLst>
+                                    <p:cond delay="0"/>
+                                  </p:stCondLst>
+                                  <p:childTnLst>
+                                    <p:set>
+                                      <p:cBhvr>
+                                        <p:cTn id="44" dur="1" fill="hold">
+                                          <p:stCondLst>
+                                            <p:cond delay="0"/>
+                                          </p:stCondLst>
+                                        </p:cTn>
+                                        <p:tgtEl>
+                                          <p:spTgt spid="18"/>
+                                        </p:tgtEl>
+                                        <p:attrNameLst>
+                                          <p:attrName>style.visibility</p:attrName>
+                                        </p:attrNameLst>
+                                      </p:cBhvr>
+                                      <p:to>
+                                        <p:strVal val="hidden"/>
+                                      </p:to>
+                                    </p:set>
+                                  </p:childTnLst>
+                                </p:cTn>
+                              </p:par>
+                              <p:par>
+                                <p:cTn id="45" presetID="1" presetClass="exit" presetSubtype="0" fill="hold" grpId="0" nodeType="withEffect">
+                                  <p:stCondLst>
+                                    <p:cond delay="0"/>
+                                  </p:stCondLst>
+                                  <p:childTnLst>
+                                    <p:set>
+                                      <p:cBhvr>
+                                        <p:cTn id="46" dur="1" fill="hold">
+                                          <p:stCondLst>
+                                            <p:cond delay="0"/>
+                                          </p:stCondLst>
+                                        </p:cTn>
+                                        <p:tgtEl>
+                                          <p:spTgt spid="19"/>
+                                        </p:tgtEl>
+                                        <p:attrNameLst>
+                                          <p:attrName>style.visibility</p:attrName>
+                                        </p:attrNameLst>
+                                      </p:cBhvr>
+                                      <p:to>
+                                        <p:strVal val="hidden"/>
+                                      </p:to>
+                                    </p:set>
+                                  </p:childTnLst>
+                                </p:cTn>
+                              </p:par>
+                              <p:par>
+                                <p:cTn id="47" presetID="1" presetClass="exit" presetSubtype="0" fill="hold" grpId="0" nodeType="withEffect">
+                                  <p:stCondLst>
+                                    <p:cond delay="0"/>
+                                  </p:stCondLst>
+                                  <p:childTnLst>
+                                    <p:set>
+                                      <p:cBhvr>
+                                        <p:cTn id="48" dur="1" fill="hold">
+                                          <p:stCondLst>
+                                            <p:cond delay="0"/>
+                                          </p:stCondLst>
+                                        </p:cTn>
+                                        <p:tgtEl>
+                                          <p:spTgt spid="20"/>
+                                        </p:tgtEl>
+                                        <p:attrNameLst>
+                                          <p:attrName>style.visibility</p:attrName>
+                                        </p:attrNameLst>
+                                      </p:cBhvr>
+                                      <p:to>
+                                        <p:strVal val="hidden"/>
+                                      </p:to>
+                                    </p:set>
+                                  </p:childTnLst>
+                                </p:cTn>
+                              </p:par>
+                              <p:par>
+                                <p:cTn id="49" presetID="1" presetClass="exit" presetSubtype="0" fill="hold" grpId="0" nodeType="withEffect">
+                                  <p:stCondLst>
+                                    <p:cond delay="0"/>
+                                  </p:stCondLst>
+                                  <p:childTnLst>
+                                    <p:set>
+                                      <p:cBhvr>
+                                        <p:cTn id="50" dur="1" fill="hold">
+                                          <p:stCondLst>
+                                            <p:cond delay="0"/>
+                                          </p:stCondLst>
+                                        </p:cTn>
+                                        <p:tgtEl>
+                                          <p:spTgt spid="21"/>
+                                        </p:tgtEl>
+                                        <p:attrNameLst>
+                                          <p:attrName>style.visibility</p:attrName>
+                                        </p:attrNameLst>
+                                      </p:cBhvr>
+                                      <p:to>
+                                        <p:strVal val="hidden"/>
+                                      </p:to>
+                                    </p:set>
+                                  </p:childTnLst>
+                                </p:cTn>
+                              </p:par>
+                              <p:par>
+                                <p:cTn id="51" presetID="1" presetClass="exit" presetSubtype="0" fill="hold" grpId="0" nodeType="withEffect">
+                                  <p:stCondLst>
+                                    <p:cond delay="0"/>
+                                  </p:stCondLst>
+                                  <p:childTnLst>
+                                    <p:set>
+                                      <p:cBhvr>
+                                        <p:cTn id="52" dur="1" fill="hold">
+                                          <p:stCondLst>
+                                            <p:cond delay="0"/>
+                                          </p:stCondLst>
+                                        </p:cTn>
+                                        <p:tgtEl>
+                                          <p:spTgt spid="22"/>
+                                        </p:tgtEl>
+                                        <p:attrNameLst>
+                                          <p:attrName>style.visibility</p:attrName>
+                                        </p:attrNameLst>
+                                      </p:cBhvr>
+                                      <p:to>
+                                        <p:strVal val="hidden"/>
+                                      </p:to>
+                                    </p:set>
+                                  </p:childTnLst>
+                                </p:cTn>
+                              </p:par>
+                              <p:par>
+                                <p:cTn id="53" presetID="1" presetClass="exit" presetSubtype="0" fill="hold" grpId="0" nodeType="withEffect">
+                                  <p:stCondLst>
+                                    <p:cond delay="0"/>
+                                  </p:stCondLst>
+                                  <p:childTnLst>
+                                    <p:set>
+                                      <p:cBhvr>
+                                        <p:cTn id="54" dur="1" fill="hold">
+                                          <p:stCondLst>
+                                            <p:cond delay="0"/>
+                                          </p:stCondLst>
+                                        </p:cTn>
+                                        <p:tgtEl>
+                                          <p:spTgt spid="23"/>
+                                        </p:tgtEl>
+                                        <p:attrNameLst>
+                                          <p:attrName>style.visibility</p:attrName>
+                                        </p:attrNameLst>
+                                      </p:cBhvr>
+                                      <p:to>
+                                        <p:strVal val="hidden"/>
+                                      </p:to>
+                                    </p:set>
+                                  </p:childTnLst>
+                                </p:cTn>
+                              </p:par>
+                              <p:par>
+                                <p:cTn id="55" presetID="1" presetClass="exit" presetSubtype="0" fill="hold" grpId="1" nodeType="withEffect">
+                                  <p:stCondLst>
+                                    <p:cond delay="0"/>
+                                  </p:stCondLst>
+                                  <p:childTnLst>
+                                    <p:set>
+                                      <p:cBhvr>
+                                        <p:cTn id="56" dur="1" fill="hold">
+                                          <p:stCondLst>
+                                            <p:cond delay="0"/>
+                                          </p:stCondLst>
+                                        </p:cTn>
+                                        <p:tgtEl>
+                                          <p:spTgt spid="24"/>
+                                        </p:tgtEl>
+                                        <p:attrNameLst>
+                                          <p:attrName>style.visibility</p:attrName>
+                                        </p:attrNameLst>
+                                      </p:cBhvr>
+                                      <p:to>
+                                        <p:strVal val="hidden"/>
+                                      </p:to>
+                                    </p:set>
+                                  </p:childTnLst>
+                                </p:cTn>
+                              </p:par>
+                              <p:par>
+                                <p:cTn id="57" presetID="1" presetClass="exit" presetSubtype="0" fill="hold" grpId="1" nodeType="withEffect">
+                                  <p:stCondLst>
+                                    <p:cond delay="0"/>
+                                  </p:stCondLst>
+                                  <p:childTnLst>
+                                    <p:set>
+                                      <p:cBhvr>
+                                        <p:cTn id="58" dur="1" fill="hold">
+                                          <p:stCondLst>
+                                            <p:cond delay="0"/>
+                                          </p:stCondLst>
+                                        </p:cTn>
+                                        <p:tgtEl>
+                                          <p:spTgt spid="25"/>
+                                        </p:tgtEl>
+                                        <p:attrNameLst>
+                                          <p:attrName>style.visibility</p:attrName>
+                                        </p:attrNameLst>
+                                      </p:cBhvr>
+                                      <p:to>
+                                        <p:strVal val="hidden"/>
+                                      </p:to>
+                                    </p:set>
+                                  </p:childTnLst>
+                                </p:cTn>
+                              </p:par>
+                              <p:par>
+                                <p:cTn id="59" presetID="1" presetClass="exit" presetSubtype="0" fill="hold" grpId="1" nodeType="withEffect">
+                                  <p:stCondLst>
+                                    <p:cond delay="0"/>
+                                  </p:stCondLst>
+                                  <p:childTnLst>
+                                    <p:set>
+                                      <p:cBhvr>
+                                        <p:cTn id="60" dur="1" fill="hold">
+                                          <p:stCondLst>
+                                            <p:cond delay="0"/>
+                                          </p:stCondLst>
+                                        </p:cTn>
+                                        <p:tgtEl>
+                                          <p:spTgt spid="26"/>
+                                        </p:tgtEl>
+                                        <p:attrNameLst>
+                                          <p:attrName>style.visibility</p:attrName>
+                                        </p:attrNameLst>
+                                      </p:cBhvr>
+                                      <p:to>
+                                        <p:strVal val="hidden"/>
+                                      </p:to>
+                                    </p:set>
+                                  </p:childTnLst>
+                                </p:cTn>
+                              </p:par>
+                              <p:par>
+                                <p:cTn id="61" presetID="1" presetClass="exit" presetSubtype="0" fill="hold" grpId="1" nodeType="withEffect">
+                                  <p:stCondLst>
+                                    <p:cond delay="0"/>
+                                  </p:stCondLst>
+                                  <p:childTnLst>
+                                    <p:set>
+                                      <p:cBhvr>
+                                        <p:cTn id="62" dur="1" fill="hold">
+                                          <p:stCondLst>
+                                            <p:cond delay="0"/>
+                                          </p:stCondLst>
+                                        </p:cTn>
+                                        <p:tgtEl>
+                                          <p:spTgt spid="27"/>
+                                        </p:tgtEl>
+                                        <p:attrNameLst>
+                                          <p:attrName>style.visibility</p:attrName>
+                                        </p:attrNameLst>
+                                      </p:cBhvr>
+                                      <p:to>
+                                        <p:strVal val="hidden"/>
+                                      </p:to>
+                                    </p:set>
+                                  </p:childTnLst>
+                                </p:cTn>
+                              </p:par>
+                              <p:par>
+                                <p:cTn id="63" presetID="1" presetClass="exit" presetSubtype="0" fill="hold" grpId="1" nodeType="withEffect">
+                                  <p:stCondLst>
+                                    <p:cond delay="0"/>
+                                  </p:stCondLst>
+                                  <p:childTnLst>
+                                    <p:set>
+                                      <p:cBhvr>
+                                        <p:cTn id="64" dur="1" fill="hold">
+                                          <p:stCondLst>
+                                            <p:cond delay="0"/>
+                                          </p:stCondLst>
+                                        </p:cTn>
+                                        <p:tgtEl>
+                                          <p:spTgt spid="29"/>
+                                        </p:tgtEl>
+                                        <p:attrNameLst>
+                                          <p:attrName>style.visibility</p:attrName>
+                                        </p:attrNameLst>
+                                      </p:cBhvr>
+                                      <p:to>
+                                        <p:strVal val="hidden"/>
+                                      </p:to>
+                                    </p:set>
+                                  </p:childTnLst>
+                                </p:cTn>
+                              </p:par>
+                              <p:par>
+                                <p:cTn id="65" presetID="1" presetClass="exit" presetSubtype="0" fill="hold" grpId="1" nodeType="withEffect">
+                                  <p:stCondLst>
+                                    <p:cond delay="0"/>
+                                  </p:stCondLst>
+                                  <p:childTnLst>
+                                    <p:set>
+                                      <p:cBhvr>
+                                        <p:cTn id="66" dur="1" fill="hold">
+                                          <p:stCondLst>
+                                            <p:cond delay="0"/>
+                                          </p:stCondLst>
+                                        </p:cTn>
+                                        <p:tgtEl>
+                                          <p:spTgt spid="35"/>
+                                        </p:tgtEl>
+                                        <p:attrNameLst>
+                                          <p:attrName>style.visibility</p:attrName>
+                                        </p:attrNameLst>
+                                      </p:cBhvr>
+                                      <p:to>
+                                        <p:strVal val="hidden"/>
+                                      </p:to>
+                                    </p:set>
+                                  </p:childTnLst>
+                                </p:cTn>
+                              </p:par>
+                              <p:par>
+                                <p:cTn id="67" presetID="1" presetClass="exit" presetSubtype="0" fill="hold" grpId="1" nodeType="withEffect">
+                                  <p:stCondLst>
+                                    <p:cond delay="0"/>
+                                  </p:stCondLst>
+                                  <p:childTnLst>
+                                    <p:set>
+                                      <p:cBhvr>
+                                        <p:cTn id="68" dur="1" fill="hold">
+                                          <p:stCondLst>
+                                            <p:cond delay="0"/>
+                                          </p:stCondLst>
+                                        </p:cTn>
+                                        <p:tgtEl>
+                                          <p:spTgt spid="36"/>
+                                        </p:tgtEl>
+                                        <p:attrNameLst>
+                                          <p:attrName>style.visibility</p:attrName>
+                                        </p:attrNameLst>
+                                      </p:cBhvr>
+                                      <p:to>
+                                        <p:strVal val="hidden"/>
+                                      </p:to>
+                                    </p:set>
+                                  </p:childTnLst>
+                                </p:cTn>
+                              </p:par>
+                              <p:par>
+                                <p:cTn id="69" presetID="1" presetClass="exit" presetSubtype="0" fill="hold" grpId="1" nodeType="withEffect">
+                                  <p:stCondLst>
+                                    <p:cond delay="0"/>
+                                  </p:stCondLst>
+                                  <p:childTnLst>
+                                    <p:set>
+                                      <p:cBhvr>
+                                        <p:cTn id="70" dur="1" fill="hold">
+                                          <p:stCondLst>
+                                            <p:cond delay="0"/>
+                                          </p:stCondLst>
+                                        </p:cTn>
+                                        <p:tgtEl>
+                                          <p:spTgt spid="37"/>
+                                        </p:tgtEl>
+                                        <p:attrNameLst>
+                                          <p:attrName>style.visibility</p:attrName>
+                                        </p:attrNameLst>
+                                      </p:cBhvr>
+                                      <p:to>
+                                        <p:strVal val="hidden"/>
+                                      </p:to>
+                                    </p:set>
+                                  </p:childTnLst>
+                                </p:cTn>
+                              </p:par>
+                              <p:par>
+                                <p:cTn id="71" presetID="1" presetClass="exit" presetSubtype="0" fill="hold" grpId="0" nodeType="withEffect">
+                                  <p:stCondLst>
+                                    <p:cond delay="0"/>
+                                  </p:stCondLst>
+                                  <p:childTnLst>
+                                    <p:set>
+                                      <p:cBhvr>
+                                        <p:cTn id="72" dur="1" fill="hold">
+                                          <p:stCondLst>
+                                            <p:cond delay="0"/>
+                                          </p:stCondLst>
+                                        </p:cTn>
+                                        <p:tgtEl>
+                                          <p:spTgt spid="39"/>
+                                        </p:tgtEl>
+                                        <p:attrNameLst>
+                                          <p:attrName>style.visibility</p:attrName>
+                                        </p:attrNameLst>
+                                      </p:cBhvr>
+                                      <p:to>
+                                        <p:strVal val="hidden"/>
+                                      </p:to>
+                                    </p:set>
+                                  </p:childTnLst>
+                                </p:cTn>
+                              </p:par>
+                              <p:par>
+                                <p:cTn id="73" presetID="1" presetClass="exit" presetSubtype="0" fill="hold" grpId="0" nodeType="withEffect">
+                                  <p:stCondLst>
+                                    <p:cond delay="0"/>
+                                  </p:stCondLst>
+                                  <p:childTnLst>
+                                    <p:set>
+                                      <p:cBhvr>
+                                        <p:cTn id="74" dur="1" fill="hold">
+                                          <p:stCondLst>
+                                            <p:cond delay="0"/>
+                                          </p:stCondLst>
+                                        </p:cTn>
+                                        <p:tgtEl>
+                                          <p:spTgt spid="32"/>
+                                        </p:tgtEl>
+                                        <p:attrNameLst>
+                                          <p:attrName>style.visibility</p:attrName>
+                                        </p:attrNameLst>
+                                      </p:cBhvr>
+                                      <p:to>
+                                        <p:strVal val="hidden"/>
+                                      </p:to>
+                                    </p:set>
+                                  </p:childTnLst>
+                                </p:cTn>
+                              </p:par>
+                              <p:par>
+                                <p:cTn id="75" presetID="1" presetClass="exit" presetSubtype="0" fill="hold" grpId="0" nodeType="withEffect">
+                                  <p:stCondLst>
+                                    <p:cond delay="0"/>
+                                  </p:stCondLst>
+                                  <p:childTnLst>
+                                    <p:set>
+                                      <p:cBhvr>
+                                        <p:cTn id="76" dur="1" fill="hold">
+                                          <p:stCondLst>
+                                            <p:cond delay="0"/>
+                                          </p:stCondLst>
+                                        </p:cTn>
+                                        <p:tgtEl>
+                                          <p:spTgt spid="33"/>
+                                        </p:tgtEl>
+                                        <p:attrNameLst>
+                                          <p:attrName>style.visibility</p:attrName>
+                                        </p:attrNameLst>
+                                      </p:cBhvr>
+                                      <p:to>
+                                        <p:strVal val="hidden"/>
+                                      </p:to>
+                                    </p:set>
+                                  </p:childTnLst>
+                                </p:cTn>
+                              </p:par>
+                              <p:par>
+                                <p:cTn id="77" presetID="1" presetClass="exit" presetSubtype="0" fill="hold" grpId="0" nodeType="withEffect">
+                                  <p:stCondLst>
+                                    <p:cond delay="0"/>
+                                  </p:stCondLst>
+                                  <p:childTnLst>
+                                    <p:set>
+                                      <p:cBhvr>
+                                        <p:cTn id="78" dur="1" fill="hold">
+                                          <p:stCondLst>
+                                            <p:cond delay="0"/>
+                                          </p:stCondLst>
+                                        </p:cTn>
+                                        <p:tgtEl>
+                                          <p:spTgt spid="34"/>
+                                        </p:tgtEl>
+                                        <p:attrNameLst>
+                                          <p:attrName>style.visibility</p:attrName>
+                                        </p:attrNameLst>
+                                      </p:cBhvr>
+                                      <p:to>
+                                        <p:strVal val="hidden"/>
+                                      </p:to>
+                                    </p:set>
+                                  </p:childTnLst>
+                                </p:cTn>
+                              </p:par>
+                              <p:par>
+                                <p:cTn id="79" presetID="1" presetClass="exit" presetSubtype="0" fill="hold" grpId="0" nodeType="withEffect">
+                                  <p:stCondLst>
+                                    <p:cond delay="0"/>
+                                  </p:stCondLst>
+                                  <p:childTnLst>
+                                    <p:set>
+                                      <p:cBhvr>
+                                        <p:cTn id="80" dur="1" fill="hold">
+                                          <p:stCondLst>
+                                            <p:cond delay="0"/>
+                                          </p:stCondLst>
+                                        </p:cTn>
+                                        <p:tgtEl>
+                                          <p:spTgt spid="38"/>
+                                        </p:tgtEl>
+                                        <p:attrNameLst>
+                                          <p:attrName>style.visibility</p:attrName>
+                                        </p:attrNameLst>
+                                      </p:cBhvr>
+                                      <p:to>
+                                        <p:strVal val="hidden"/>
+                                      </p:to>
+                                    </p:set>
+                                  </p:childTnLst>
+                                </p:cTn>
+                              </p:par>
+                              <p:par>
+                                <p:cTn id="81" presetID="1" presetClass="exit" presetSubtype="0" fill="hold" grpId="0" nodeType="withEffect">
+                                  <p:stCondLst>
+                                    <p:cond delay="0"/>
+                                  </p:stCondLst>
+                                  <p:childTnLst>
+                                    <p:set>
+                                      <p:cBhvr>
+                                        <p:cTn id="82" dur="1" fill="hold">
+                                          <p:stCondLst>
+                                            <p:cond delay="0"/>
+                                          </p:stCondLst>
+                                        </p:cTn>
+                                        <p:tgtEl>
+                                          <p:spTgt spid="40"/>
+                                        </p:tgtEl>
+                                        <p:attrNameLst>
+                                          <p:attrName>style.visibility</p:attrName>
+                                        </p:attrNameLst>
+                                      </p:cBhvr>
+                                      <p:to>
+                                        <p:strVal val="hidden"/>
+                                      </p:to>
+                                    </p:set>
+                                  </p:childTnLst>
+                                </p:cTn>
+                              </p:par>
+                              <p:par>
+                                <p:cTn id="83" presetID="1" presetClass="exit" presetSubtype="0" fill="hold" grpId="0" nodeType="withEffect">
+                                  <p:stCondLst>
+                                    <p:cond delay="0"/>
+                                  </p:stCondLst>
+                                  <p:childTnLst>
+                                    <p:set>
+                                      <p:cBhvr>
+                                        <p:cTn id="84" dur="1" fill="hold">
+                                          <p:stCondLst>
+                                            <p:cond delay="0"/>
+                                          </p:stCondLst>
+                                        </p:cTn>
+                                        <p:tgtEl>
+                                          <p:spTgt spid="41"/>
+                                        </p:tgtEl>
+                                        <p:attrNameLst>
+                                          <p:attrName>style.visibility</p:attrName>
+                                        </p:attrNameLst>
+                                      </p:cBhvr>
+                                      <p:to>
+                                        <p:strVal val="hidden"/>
+                                      </p:to>
+                                    </p:set>
+                                  </p:childTnLst>
+                                </p:cTn>
+                              </p:par>
+                            </p:childTnLst>
+                          </p:cTn>
+                        </p:par>
+                      </p:childTnLst>
+                    </p:cTn>
+                  </p:par>
+                </p:childTnLst>
+              </p:cTn>
+              <p:prevCondLst>
+                <p:cond evt="onPrev" delay="0">
+                  <p:tgtEl>
+                    <p:sldTgt/>
+                  </p:tgtEl>
+                </p:cond>
+              </p:prevCondLst>
+              <p:nextCondLst>
+                <p:cond evt="onNext" delay="0">
+                  <p:tgtEl>
+                    <p:sldTgt/>
+                  </p:tgtEl>
+                </p:cond>
+              </p:nextCondLst>
+            </p:seq>
+          </p:childTnLst>
+        </p:cTn>
+      </p:par>
+    </p:tnLst>
+    <p:bldLst>
+      <p:bldP spid="4" grpId="0" animBg="1"/>
+      <p:bldP spid="5" grpId="0" animBg="1"/>
+      <p:bldP spid="6" grpId="0" animBg="1"/>
+      <p:bldP spid="7" grpId="0" animBg="1"/>
+      <p:bldP spid="8" grpId="0" animBg="1"/>
+      <p:bldP spid="9" grpId="0"/>
+      <p:bldP spid="10" grpId="0"/>
+      <p:bldP spid="17" grpId="0" animBg="1"/>
+      <p:bldP spid="18" grpId="0" animBg="1"/>
+      <p:bldP spid="19" grpId="0" animBg="1"/>
+      <p:bldP spid="20" grpId="0" animBg="1"/>
+      <p:bldP spid="21" grpId="0"/>
+      <p:bldP spid="22" grpId="0" animBg="1"/>
+      <p:bldP spid="23" grpId="0" animBg="1"/>
+      <p:bldP spid="24" grpId="0" animBg="1"/>
+      <p:bldP spid="24" grpId="1" animBg="1"/>
+      <p:bldP spid="25" grpId="0"/>
+      <p:bldP spid="25" grpId="1"/>
+      <p:bldP spid="26" grpId="0" animBg="1"/>
+      <p:bldP spid="26" grpId="1" animBg="1"/>
+      <p:bldP spid="27" grpId="0" animBg="1"/>
+      <p:bldP spid="27" grpId="1" animBg="1"/>
+      <p:bldP spid="29" grpId="0"/>
+      <p:bldP spid="29" grpId="1"/>
+      <p:bldP spid="35" grpId="0" animBg="1"/>
+      <p:bldP spid="35" grpId="1" animBg="1"/>
+      <p:bldP spid="36" grpId="0" animBg="1"/>
+      <p:bldP spid="36" grpId="1" animBg="1"/>
+      <p:bldP spid="37" grpId="0"/>
+      <p:bldP spid="37" grpId="1"/>
+      <p:bldP spid="39" grpId="0"/>
+      <p:bldP spid="32" grpId="0" animBg="1"/>
+      <p:bldP spid="33" grpId="0" animBg="1"/>
+      <p:bldP spid="34" grpId="0" animBg="1"/>
+      <p:bldP spid="38" grpId="0"/>
+      <p:bldP spid="40" grpId="0" animBg="1"/>
+      <p:bldP spid="41" grpId="0" animBg="1"/>
+    </p:bldLst>
+  </p:timing>
+</p:sld>
+</file>
+
+<file path=ppt/slides/slide13.xml><?xml version="1.0" encoding="utf-8"?>
+<p:sld xmlns:a="http://schemas.openxmlformats.org/drawingml/2006/main" xmlns:r="http://schemas.openxmlformats.org/officeDocument/2006/relationships" xmlns:p="http://schemas.openxmlformats.org/presentationml/2006/main">
+  <p:cSld>
+    <p:spTree>
+      <p:nvGrpSpPr>
+        <p:cNvPr id="1" name=""/>
+        <p:cNvGrpSpPr/>
+        <p:nvPr/>
+      </p:nvGrpSpPr>
+      <p:grpSpPr>
+        <a:xfrm>
+          <a:off x="0" y="0"/>
+          <a:ext cx="0" cy="0"/>
+          <a:chOff x="0" y="0"/>
+          <a:chExt cx="0" cy="0"/>
+        </a:xfrm>
+      </p:grpSpPr>
+      <p:sp>
+        <p:nvSpPr>
           <p:cNvPr id="3075" name="Rectangle 2"/>
           <p:cNvSpPr>
             <a:spLocks noGrp="1" noChangeArrowheads="1"/>
@@ -14109,7 +18792,7 @@
 </p:sld>
 </file>
 
-<file path=ppt/slides/slide12.xml><?xml version="1.0" encoding="utf-8"?>
+<file path=ppt/slides/slide14.xml><?xml version="1.0" encoding="utf-8"?>
 <p:sld xmlns:a="http://schemas.openxmlformats.org/drawingml/2006/main" xmlns:r="http://schemas.openxmlformats.org/officeDocument/2006/relationships" xmlns:p="http://schemas.openxmlformats.org/presentationml/2006/main">
   <p:cSld>
     <p:spTree>
@@ -15824,7 +20507,7 @@
 </p:sld>
 </file>
 
-<file path=ppt/slides/slide13.xml><?xml version="1.0" encoding="utf-8"?>
+<file path=ppt/slides/slide15.xml><?xml version="1.0" encoding="utf-8"?>
 <p:sld xmlns:a="http://schemas.openxmlformats.org/drawingml/2006/main" xmlns:r="http://schemas.openxmlformats.org/officeDocument/2006/relationships" xmlns:p="http://schemas.openxmlformats.org/presentationml/2006/main">
   <p:cSld>
     <p:spTree>
@@ -17965,7 +22648,7 @@
 </p:sld>
 </file>
 
-<file path=ppt/slides/slide14.xml><?xml version="1.0" encoding="utf-8"?>
+<file path=ppt/slides/slide16.xml><?xml version="1.0" encoding="utf-8"?>
 <p:sld xmlns:a="http://schemas.openxmlformats.org/drawingml/2006/main" xmlns:r="http://schemas.openxmlformats.org/officeDocument/2006/relationships" xmlns:p="http://schemas.openxmlformats.org/presentationml/2006/main">
   <p:cSld>
     <p:spTree>
@@ -19296,7 +23979,7 @@
 </p:sld>
 </file>
 
-<file path=ppt/slides/slide15.xml><?xml version="1.0" encoding="utf-8"?>
+<file path=ppt/slides/slide17.xml><?xml version="1.0" encoding="utf-8"?>
 <p:sld xmlns:a="http://schemas.openxmlformats.org/drawingml/2006/main" xmlns:r="http://schemas.openxmlformats.org/officeDocument/2006/relationships" xmlns:p="http://schemas.openxmlformats.org/presentationml/2006/main">
   <p:cSld>
     <p:spTree>
@@ -24345,3175 +29028,7 @@
 </p:sld>
 </file>
 
-<file path=ppt/slides/slide16.xml><?xml version="1.0" encoding="utf-8"?>
-<p:sld xmlns:a="http://schemas.openxmlformats.org/drawingml/2006/main" xmlns:r="http://schemas.openxmlformats.org/officeDocument/2006/relationships" xmlns:p="http://schemas.openxmlformats.org/presentationml/2006/main">
-  <p:cSld>
-    <p:spTree>
-      <p:nvGrpSpPr>
-        <p:cNvPr id="1" name=""/>
-        <p:cNvGrpSpPr/>
-        <p:nvPr/>
-      </p:nvGrpSpPr>
-      <p:grpSpPr>
-        <a:xfrm>
-          <a:off x="0" y="0"/>
-          <a:ext cx="0" cy="0"/>
-          <a:chOff x="0" y="0"/>
-          <a:chExt cx="0" cy="0"/>
-        </a:xfrm>
-      </p:grpSpPr>
-      <p:sp>
-        <p:nvSpPr>
-          <p:cNvPr id="3075" name="Rectangle 2"/>
-          <p:cNvSpPr>
-            <a:spLocks noGrp="1" noChangeArrowheads="1"/>
-          </p:cNvSpPr>
-          <p:nvPr>
-            <p:ph type="title"/>
-          </p:nvPr>
-        </p:nvSpPr>
-        <p:spPr>
-          <a:xfrm>
-            <a:off x="1981200" y="274638"/>
-            <a:ext cx="8229600" cy="506306"/>
-          </a:xfrm>
-        </p:spPr>
-        <p:txBody>
-          <a:bodyPr>
-            <a:normAutofit/>
-          </a:bodyPr>
-          <a:lstStyle/>
-          <a:p>
-            <a:pPr eaLnBrk="1" hangingPunct="1"/>
-            <a:r>
-              <a:rPr lang="en-US" sz="2400" dirty="0"/>
-              <a:t>Sequence diagrams [example]</a:t>
-            </a:r>
-          </a:p>
-        </p:txBody>
-      </p:sp>
-      <p:sp>
-        <p:nvSpPr>
-          <p:cNvPr id="4" name="Line 13"/>
-          <p:cNvSpPr>
-            <a:spLocks noChangeShapeType="1"/>
-          </p:cNvSpPr>
-          <p:nvPr/>
-        </p:nvSpPr>
-        <p:spPr bwMode="auto">
-          <a:xfrm>
-            <a:off x="2499606" y="1964212"/>
-            <a:ext cx="0" cy="4682206"/>
-          </a:xfrm>
-          <a:prstGeom prst="line">
-            <a:avLst/>
-          </a:prstGeom>
-          <a:ln>
-            <a:solidFill>
-              <a:schemeClr val="accent1"/>
-            </a:solidFill>
-            <a:prstDash val="sysDash"/>
-            <a:headEnd/>
-            <a:tailEnd/>
-          </a:ln>
-        </p:spPr>
-        <p:style>
-          <a:lnRef idx="2">
-            <a:schemeClr val="accent4"/>
-          </a:lnRef>
-          <a:fillRef idx="0">
-            <a:schemeClr val="accent4"/>
-          </a:fillRef>
-          <a:effectRef idx="1">
-            <a:schemeClr val="accent4"/>
-          </a:effectRef>
-          <a:fontRef idx="minor">
-            <a:schemeClr val="tx1"/>
-          </a:fontRef>
-        </p:style>
-        <p:txBody>
-          <a:bodyPr/>
-          <a:lstStyle/>
-          <a:p>
-            <a:pPr defTabSz="872733"/>
-            <a:endParaRPr lang="en-US" sz="2000">
-              <a:solidFill>
-                <a:prstClr val="black"/>
-              </a:solidFill>
-              <a:latin typeface="Calibri"/>
-            </a:endParaRPr>
-          </a:p>
-        </p:txBody>
-      </p:sp>
-      <p:sp>
-        <p:nvSpPr>
-          <p:cNvPr id="5" name="Line 13"/>
-          <p:cNvSpPr>
-            <a:spLocks noChangeShapeType="1"/>
-          </p:cNvSpPr>
-          <p:nvPr/>
-        </p:nvSpPr>
-        <p:spPr bwMode="auto">
-          <a:xfrm>
-            <a:off x="5242806" y="1811812"/>
-            <a:ext cx="0" cy="4818564"/>
-          </a:xfrm>
-          <a:prstGeom prst="line">
-            <a:avLst/>
-          </a:prstGeom>
-          <a:ln>
-            <a:prstDash val="sysDash"/>
-            <a:headEnd/>
-            <a:tailEnd/>
-          </a:ln>
-        </p:spPr>
-        <p:style>
-          <a:lnRef idx="2">
-            <a:schemeClr val="accent4"/>
-          </a:lnRef>
-          <a:fillRef idx="0">
-            <a:schemeClr val="accent4"/>
-          </a:fillRef>
-          <a:effectRef idx="1">
-            <a:schemeClr val="accent4"/>
-          </a:effectRef>
-          <a:fontRef idx="minor">
-            <a:schemeClr val="tx1"/>
-          </a:fontRef>
-        </p:style>
-        <p:txBody>
-          <a:bodyPr/>
-          <a:lstStyle/>
-          <a:p>
-            <a:pPr defTabSz="872733"/>
-            <a:endParaRPr lang="en-US" sz="2000">
-              <a:solidFill>
-                <a:prstClr val="black"/>
-              </a:solidFill>
-              <a:latin typeface="Calibri"/>
-            </a:endParaRPr>
-          </a:p>
-        </p:txBody>
-      </p:sp>
-      <p:sp>
-        <p:nvSpPr>
-          <p:cNvPr id="6" name="Text Box 11"/>
-          <p:cNvSpPr txBox="1">
-            <a:spLocks noChangeArrowheads="1"/>
-          </p:cNvSpPr>
-          <p:nvPr/>
-        </p:nvSpPr>
-        <p:spPr bwMode="auto">
-          <a:xfrm>
-            <a:off x="4557006" y="1079975"/>
-            <a:ext cx="1295400" cy="677108"/>
-          </a:xfrm>
-          <a:prstGeom prst="rect">
-            <a:avLst/>
-          </a:prstGeom>
-          <a:ln w="19050">
-            <a:headEnd/>
-            <a:tailEnd/>
-          </a:ln>
-        </p:spPr>
-        <p:style>
-          <a:lnRef idx="1">
-            <a:schemeClr val="accent4"/>
-          </a:lnRef>
-          <a:fillRef idx="2">
-            <a:schemeClr val="accent4"/>
-          </a:fillRef>
-          <a:effectRef idx="1">
-            <a:schemeClr val="accent4"/>
-          </a:effectRef>
-          <a:fontRef idx="minor">
-            <a:schemeClr val="dk1"/>
-          </a:fontRef>
-        </p:style>
-        <p:txBody>
-          <a:bodyPr tIns="182880" bIns="182880">
-            <a:spAutoFit/>
-          </a:bodyPr>
-          <a:lstStyle/>
-          <a:p>
-            <a:pPr algn="ctr" defTabSz="872733">
-              <a:spcBef>
-                <a:spcPct val="50000"/>
-              </a:spcBef>
-            </a:pPr>
-            <a:r>
-              <a:rPr lang="en-US" sz="2000" dirty="0">
-                <a:solidFill>
-                  <a:prstClr val="black"/>
-                </a:solidFill>
-                <a:latin typeface="Calibri"/>
-              </a:rPr>
-              <a:t>:</a:t>
-            </a:r>
-            <a:r>
-              <a:rPr lang="en-US" sz="2000" dirty="0" err="1">
-                <a:solidFill>
-                  <a:prstClr val="black"/>
-                </a:solidFill>
-                <a:latin typeface="Calibri"/>
-              </a:rPr>
-              <a:t>TextUI</a:t>
-            </a:r>
-            <a:endParaRPr lang="en-US" sz="2000" dirty="0">
-              <a:solidFill>
-                <a:prstClr val="black"/>
-              </a:solidFill>
-              <a:latin typeface="Calibri"/>
-            </a:endParaRPr>
-          </a:p>
-        </p:txBody>
-      </p:sp>
-      <p:sp>
-        <p:nvSpPr>
-          <p:cNvPr id="7" name="Line 15"/>
-          <p:cNvSpPr>
-            <a:spLocks noChangeShapeType="1"/>
-          </p:cNvSpPr>
-          <p:nvPr/>
-        </p:nvSpPr>
-        <p:spPr bwMode="auto">
-          <a:xfrm>
-            <a:off x="2499606" y="2802412"/>
-            <a:ext cx="2590800" cy="0"/>
-          </a:xfrm>
-          <a:prstGeom prst="line">
-            <a:avLst/>
-          </a:prstGeom>
-          <a:noFill/>
-          <a:ln w="19050">
-            <a:solidFill>
-              <a:schemeClr val="accent1"/>
-            </a:solidFill>
-            <a:round/>
-            <a:headEnd/>
-            <a:tailEnd type="triangle" w="lg" len="lg"/>
-          </a:ln>
-        </p:spPr>
-        <p:txBody>
-          <a:bodyPr/>
-          <a:lstStyle/>
-          <a:p>
-            <a:pPr defTabSz="872733"/>
-            <a:endParaRPr lang="en-US" sz="2000">
-              <a:solidFill>
-                <a:prstClr val="black"/>
-              </a:solidFill>
-              <a:latin typeface="Calibri"/>
-            </a:endParaRPr>
-          </a:p>
-        </p:txBody>
-      </p:sp>
-      <p:sp>
-        <p:nvSpPr>
-          <p:cNvPr id="8" name="Line 16"/>
-          <p:cNvSpPr>
-            <a:spLocks noChangeShapeType="1"/>
-          </p:cNvSpPr>
-          <p:nvPr/>
-        </p:nvSpPr>
-        <p:spPr bwMode="auto">
-          <a:xfrm flipH="1">
-            <a:off x="2475854" y="5500112"/>
-            <a:ext cx="2590800" cy="0"/>
-          </a:xfrm>
-          <a:prstGeom prst="line">
-            <a:avLst/>
-          </a:prstGeom>
-          <a:noFill/>
-          <a:ln w="19050">
-            <a:solidFill>
-              <a:srgbClr val="7030A0"/>
-            </a:solidFill>
-            <a:prstDash val="sysDash"/>
-            <a:round/>
-            <a:headEnd/>
-            <a:tailEnd type="triangle" w="lg" len="lg"/>
-          </a:ln>
-        </p:spPr>
-        <p:txBody>
-          <a:bodyPr/>
-          <a:lstStyle/>
-          <a:p>
-            <a:pPr defTabSz="872733"/>
-            <a:endParaRPr lang="en-US" sz="2000">
-              <a:solidFill>
-                <a:prstClr val="black"/>
-              </a:solidFill>
-              <a:latin typeface="Calibri"/>
-            </a:endParaRPr>
-          </a:p>
-        </p:txBody>
-      </p:sp>
-      <p:sp>
-        <p:nvSpPr>
-          <p:cNvPr id="9" name="Text Box 25"/>
-          <p:cNvSpPr txBox="1">
-            <a:spLocks noChangeArrowheads="1"/>
-          </p:cNvSpPr>
-          <p:nvPr/>
-        </p:nvSpPr>
-        <p:spPr bwMode="auto">
-          <a:xfrm>
-            <a:off x="2599039" y="2412994"/>
-            <a:ext cx="2323069" cy="400110"/>
-          </a:xfrm>
-          <a:prstGeom prst="rect">
-            <a:avLst/>
-          </a:prstGeom>
-          <a:noFill/>
-          <a:ln w="12700" algn="ctr">
-            <a:noFill/>
-            <a:miter lim="800000"/>
-            <a:headEnd/>
-            <a:tailEnd/>
-          </a:ln>
-        </p:spPr>
-        <p:txBody>
-          <a:bodyPr wrap="square">
-            <a:spAutoFit/>
-          </a:bodyPr>
-          <a:lstStyle/>
-          <a:p>
-            <a:pPr defTabSz="872733">
-              <a:spcBef>
-                <a:spcPct val="50000"/>
-              </a:spcBef>
-            </a:pPr>
-            <a:r>
-              <a:rPr lang="en-US" sz="2000" b="1" dirty="0">
-                <a:solidFill>
-                  <a:srgbClr val="7030A0"/>
-                </a:solidFill>
-                <a:latin typeface="Courier New" pitchFamily="49" charset="0"/>
-                <a:cs typeface="Courier New" pitchFamily="49" charset="0"/>
-              </a:rPr>
-              <a:t>mark x y</a:t>
-            </a:r>
-          </a:p>
-        </p:txBody>
-      </p:sp>
-      <p:sp>
-        <p:nvSpPr>
-          <p:cNvPr id="10" name="Text Box 25"/>
-          <p:cNvSpPr txBox="1">
-            <a:spLocks noChangeArrowheads="1"/>
-          </p:cNvSpPr>
-          <p:nvPr/>
-        </p:nvSpPr>
-        <p:spPr bwMode="auto">
-          <a:xfrm>
-            <a:off x="2931076" y="5131898"/>
-            <a:ext cx="2135579" cy="707886"/>
-          </a:xfrm>
-          <a:prstGeom prst="rect">
-            <a:avLst/>
-          </a:prstGeom>
-          <a:noFill/>
-          <a:ln w="12700" algn="ctr">
-            <a:noFill/>
-            <a:miter lim="800000"/>
-            <a:headEnd/>
-            <a:tailEnd/>
-          </a:ln>
-        </p:spPr>
-        <p:txBody>
-          <a:bodyPr wrap="square">
-            <a:spAutoFit/>
-          </a:bodyPr>
-          <a:lstStyle/>
-          <a:p>
-            <a:pPr defTabSz="872733">
-              <a:spcBef>
-                <a:spcPct val="50000"/>
-              </a:spcBef>
-            </a:pPr>
-            <a:r>
-              <a:rPr lang="en-US" sz="2000" i="1" dirty="0">
-                <a:solidFill>
-                  <a:srgbClr val="7030A0"/>
-                </a:solidFill>
-                <a:latin typeface="Calibri"/>
-              </a:rPr>
-              <a:t>Show updated  minefield</a:t>
-            </a:r>
-          </a:p>
-        </p:txBody>
-      </p:sp>
-      <p:grpSp>
-        <p:nvGrpSpPr>
-          <p:cNvPr id="2" name="Group 42"/>
-          <p:cNvGrpSpPr/>
-          <p:nvPr/>
-        </p:nvGrpSpPr>
-        <p:grpSpPr>
-          <a:xfrm>
-            <a:off x="2356112" y="1045848"/>
-            <a:ext cx="304800" cy="685800"/>
-            <a:chOff x="2819400" y="3124200"/>
-            <a:chExt cx="304800" cy="685800"/>
-          </a:xfrm>
-        </p:grpSpPr>
-        <p:cxnSp>
-          <p:nvCxnSpPr>
-            <p:cNvPr id="12" name="Straight Connector 11"/>
-            <p:cNvCxnSpPr/>
-            <p:nvPr/>
-          </p:nvCxnSpPr>
-          <p:spPr>
-            <a:xfrm rot="5400000">
-              <a:off x="2781300" y="3467100"/>
-              <a:ext cx="381000" cy="0"/>
-            </a:xfrm>
-            <a:prstGeom prst="line">
-              <a:avLst/>
-            </a:prstGeom>
-            <a:ln w="19050"/>
-          </p:spPr>
-          <p:style>
-            <a:lnRef idx="1">
-              <a:schemeClr val="accent1"/>
-            </a:lnRef>
-            <a:fillRef idx="0">
-              <a:schemeClr val="accent1"/>
-            </a:fillRef>
-            <a:effectRef idx="0">
-              <a:schemeClr val="accent1"/>
-            </a:effectRef>
-            <a:fontRef idx="minor">
-              <a:schemeClr val="tx1"/>
-            </a:fontRef>
-          </p:style>
-        </p:cxnSp>
-        <p:cxnSp>
-          <p:nvCxnSpPr>
-            <p:cNvPr id="13" name="Straight Connector 12"/>
-            <p:cNvCxnSpPr/>
-            <p:nvPr/>
-          </p:nvCxnSpPr>
-          <p:spPr>
-            <a:xfrm>
-              <a:off x="2819400" y="3429000"/>
-              <a:ext cx="304800" cy="0"/>
-            </a:xfrm>
-            <a:prstGeom prst="line">
-              <a:avLst/>
-            </a:prstGeom>
-            <a:ln w="19050"/>
-          </p:spPr>
-          <p:style>
-            <a:lnRef idx="1">
-              <a:schemeClr val="accent1"/>
-            </a:lnRef>
-            <a:fillRef idx="0">
-              <a:schemeClr val="accent1"/>
-            </a:fillRef>
-            <a:effectRef idx="0">
-              <a:schemeClr val="accent1"/>
-            </a:effectRef>
-            <a:fontRef idx="minor">
-              <a:schemeClr val="tx1"/>
-            </a:fontRef>
-          </p:style>
-        </p:cxnSp>
-        <p:cxnSp>
-          <p:nvCxnSpPr>
-            <p:cNvPr id="14" name="Straight Connector 13"/>
-            <p:cNvCxnSpPr/>
-            <p:nvPr/>
-          </p:nvCxnSpPr>
-          <p:spPr>
-            <a:xfrm rot="5400000">
-              <a:off x="2819400" y="3657600"/>
-              <a:ext cx="152400" cy="152400"/>
-            </a:xfrm>
-            <a:prstGeom prst="line">
-              <a:avLst/>
-            </a:prstGeom>
-            <a:ln w="19050"/>
-          </p:spPr>
-          <p:style>
-            <a:lnRef idx="1">
-              <a:schemeClr val="accent1"/>
-            </a:lnRef>
-            <a:fillRef idx="0">
-              <a:schemeClr val="accent1"/>
-            </a:fillRef>
-            <a:effectRef idx="0">
-              <a:schemeClr val="accent1"/>
-            </a:effectRef>
-            <a:fontRef idx="minor">
-              <a:schemeClr val="tx1"/>
-            </a:fontRef>
-          </p:style>
-        </p:cxnSp>
-        <p:cxnSp>
-          <p:nvCxnSpPr>
-            <p:cNvPr id="15" name="Straight Connector 14"/>
-            <p:cNvCxnSpPr/>
-            <p:nvPr/>
-          </p:nvCxnSpPr>
-          <p:spPr>
-            <a:xfrm rot="16200000" flipH="1">
-              <a:off x="2971800" y="3657600"/>
-              <a:ext cx="152400" cy="152400"/>
-            </a:xfrm>
-            <a:prstGeom prst="line">
-              <a:avLst/>
-            </a:prstGeom>
-            <a:ln w="19050"/>
-          </p:spPr>
-          <p:style>
-            <a:lnRef idx="1">
-              <a:schemeClr val="accent1"/>
-            </a:lnRef>
-            <a:fillRef idx="0">
-              <a:schemeClr val="accent1"/>
-            </a:fillRef>
-            <a:effectRef idx="0">
-              <a:schemeClr val="accent1"/>
-            </a:effectRef>
-            <a:fontRef idx="minor">
-              <a:schemeClr val="tx1"/>
-            </a:fontRef>
-          </p:style>
-        </p:cxnSp>
-        <p:sp>
-          <p:nvSpPr>
-            <p:cNvPr id="16" name="Oval 15"/>
-            <p:cNvSpPr/>
-            <p:nvPr/>
-          </p:nvSpPr>
-          <p:spPr>
-            <a:xfrm>
-              <a:off x="2857500" y="3124200"/>
-              <a:ext cx="228600" cy="228600"/>
-            </a:xfrm>
-            <a:prstGeom prst="ellipse">
-              <a:avLst/>
-            </a:prstGeom>
-            <a:ln w="19050"/>
-          </p:spPr>
-          <p:style>
-            <a:lnRef idx="1">
-              <a:schemeClr val="accent5"/>
-            </a:lnRef>
-            <a:fillRef idx="2">
-              <a:schemeClr val="accent5"/>
-            </a:fillRef>
-            <a:effectRef idx="1">
-              <a:schemeClr val="accent5"/>
-            </a:effectRef>
-            <a:fontRef idx="minor">
-              <a:schemeClr val="dk1"/>
-            </a:fontRef>
-          </p:style>
-          <p:txBody>
-            <a:bodyPr rtlCol="0" anchor="ctr"/>
-            <a:lstStyle/>
-            <a:p>
-              <a:pPr algn="ctr" defTabSz="872733"/>
-              <a:endParaRPr lang="en-US" sz="2000">
-                <a:solidFill>
-                  <a:prstClr val="black"/>
-                </a:solidFill>
-                <a:latin typeface="Calibri"/>
-              </a:endParaRPr>
-            </a:p>
-          </p:txBody>
-        </p:sp>
-      </p:grpSp>
-      <p:sp>
-        <p:nvSpPr>
-          <p:cNvPr id="17" name="Rectangle 16"/>
-          <p:cNvSpPr/>
-          <p:nvPr/>
-        </p:nvSpPr>
-        <p:spPr>
-          <a:xfrm>
-            <a:off x="5104263" y="2774231"/>
-            <a:ext cx="225619" cy="2781325"/>
-          </a:xfrm>
-          <a:prstGeom prst="rect">
-            <a:avLst/>
-          </a:prstGeom>
-          <a:solidFill>
-            <a:schemeClr val="accent4">
-              <a:lumMod val="20000"/>
-              <a:lumOff val="80000"/>
-            </a:schemeClr>
-          </a:solidFill>
-        </p:spPr>
-        <p:style>
-          <a:lnRef idx="2">
-            <a:schemeClr val="accent4"/>
-          </a:lnRef>
-          <a:fillRef idx="1">
-            <a:schemeClr val="lt1"/>
-          </a:fillRef>
-          <a:effectRef idx="0">
-            <a:schemeClr val="accent4"/>
-          </a:effectRef>
-          <a:fontRef idx="minor">
-            <a:schemeClr val="dk1"/>
-          </a:fontRef>
-        </p:style>
-        <p:txBody>
-          <a:bodyPr rtlCol="0" anchor="ctr"/>
-          <a:lstStyle/>
-          <a:p>
-            <a:pPr algn="ctr" defTabSz="872733"/>
-            <a:endParaRPr lang="en-US" sz="2000">
-              <a:solidFill>
-                <a:prstClr val="black"/>
-              </a:solidFill>
-              <a:latin typeface="Calibri"/>
-            </a:endParaRPr>
-          </a:p>
-        </p:txBody>
-      </p:sp>
-      <p:sp>
-        <p:nvSpPr>
-          <p:cNvPr id="18" name="Text Box 11"/>
-          <p:cNvSpPr txBox="1">
-            <a:spLocks noChangeArrowheads="1"/>
-          </p:cNvSpPr>
-          <p:nvPr/>
-        </p:nvSpPr>
-        <p:spPr bwMode="auto">
-          <a:xfrm>
-            <a:off x="7469431" y="1079975"/>
-            <a:ext cx="1295400" cy="677108"/>
-          </a:xfrm>
-          <a:prstGeom prst="rect">
-            <a:avLst/>
-          </a:prstGeom>
-          <a:ln w="19050">
-            <a:headEnd/>
-            <a:tailEnd/>
-          </a:ln>
-        </p:spPr>
-        <p:style>
-          <a:lnRef idx="1">
-            <a:schemeClr val="accent3"/>
-          </a:lnRef>
-          <a:fillRef idx="2">
-            <a:schemeClr val="accent3"/>
-          </a:fillRef>
-          <a:effectRef idx="1">
-            <a:schemeClr val="accent3"/>
-          </a:effectRef>
-          <a:fontRef idx="minor">
-            <a:schemeClr val="dk1"/>
-          </a:fontRef>
-        </p:style>
-        <p:txBody>
-          <a:bodyPr tIns="182880" bIns="182880">
-            <a:spAutoFit/>
-          </a:bodyPr>
-          <a:lstStyle/>
-          <a:p>
-            <a:pPr algn="ctr" defTabSz="872733">
-              <a:spcBef>
-                <a:spcPct val="50000"/>
-              </a:spcBef>
-            </a:pPr>
-            <a:r>
-              <a:rPr lang="en-US" sz="2000" dirty="0">
-                <a:solidFill>
-                  <a:prstClr val="black"/>
-                </a:solidFill>
-                <a:latin typeface="Calibri"/>
-              </a:rPr>
-              <a:t>:</a:t>
-            </a:r>
-            <a:r>
-              <a:rPr lang="en-US" sz="2000" dirty="0" err="1">
-                <a:solidFill>
-                  <a:prstClr val="black"/>
-                </a:solidFill>
-                <a:latin typeface="Calibri"/>
-              </a:rPr>
-              <a:t>MSLogic</a:t>
-            </a:r>
-            <a:endParaRPr lang="en-US" sz="2000" dirty="0">
-              <a:solidFill>
-                <a:prstClr val="black"/>
-              </a:solidFill>
-              <a:latin typeface="Calibri"/>
-            </a:endParaRPr>
-          </a:p>
-        </p:txBody>
-      </p:sp>
-      <p:sp>
-        <p:nvSpPr>
-          <p:cNvPr id="19" name="Line 13"/>
-          <p:cNvSpPr>
-            <a:spLocks noChangeShapeType="1"/>
-          </p:cNvSpPr>
-          <p:nvPr/>
-        </p:nvSpPr>
-        <p:spPr bwMode="auto">
-          <a:xfrm>
-            <a:off x="8077200" y="1811812"/>
-            <a:ext cx="0" cy="4176880"/>
-          </a:xfrm>
-          <a:prstGeom prst="line">
-            <a:avLst/>
-          </a:prstGeom>
-          <a:ln>
-            <a:solidFill>
-              <a:schemeClr val="accent3">
-                <a:lumMod val="75000"/>
-              </a:schemeClr>
-            </a:solidFill>
-            <a:prstDash val="sysDash"/>
-            <a:headEnd/>
-            <a:tailEnd/>
-          </a:ln>
-        </p:spPr>
-        <p:style>
-          <a:lnRef idx="2">
-            <a:schemeClr val="accent4"/>
-          </a:lnRef>
-          <a:fillRef idx="0">
-            <a:schemeClr val="accent4"/>
-          </a:fillRef>
-          <a:effectRef idx="1">
-            <a:schemeClr val="accent4"/>
-          </a:effectRef>
-          <a:fontRef idx="minor">
-            <a:schemeClr val="tx1"/>
-          </a:fontRef>
-        </p:style>
-        <p:txBody>
-          <a:bodyPr/>
-          <a:lstStyle/>
-          <a:p>
-            <a:pPr defTabSz="872733"/>
-            <a:endParaRPr lang="en-US" sz="2000">
-              <a:solidFill>
-                <a:prstClr val="black"/>
-              </a:solidFill>
-              <a:latin typeface="Calibri"/>
-            </a:endParaRPr>
-          </a:p>
-        </p:txBody>
-      </p:sp>
-      <p:sp>
-        <p:nvSpPr>
-          <p:cNvPr id="20" name="Line 15"/>
-          <p:cNvSpPr>
-            <a:spLocks noChangeShapeType="1"/>
-          </p:cNvSpPr>
-          <p:nvPr/>
-        </p:nvSpPr>
-        <p:spPr bwMode="auto">
-          <a:xfrm>
-            <a:off x="5371455" y="2966688"/>
-            <a:ext cx="2590800" cy="0"/>
-          </a:xfrm>
-          <a:prstGeom prst="line">
-            <a:avLst/>
-          </a:prstGeom>
-          <a:noFill/>
-          <a:ln w="19050">
-            <a:solidFill>
-              <a:srgbClr val="7030A0"/>
-            </a:solidFill>
-            <a:round/>
-            <a:headEnd/>
-            <a:tailEnd type="triangle" w="lg" len="lg"/>
-          </a:ln>
-        </p:spPr>
-        <p:txBody>
-          <a:bodyPr/>
-          <a:lstStyle/>
-          <a:p>
-            <a:pPr defTabSz="872733"/>
-            <a:endParaRPr lang="en-US" sz="2000">
-              <a:solidFill>
-                <a:prstClr val="black"/>
-              </a:solidFill>
-              <a:latin typeface="Calibri"/>
-            </a:endParaRPr>
-          </a:p>
-        </p:txBody>
-      </p:sp>
-      <p:sp>
-        <p:nvSpPr>
-          <p:cNvPr id="21" name="Text Box 25"/>
-          <p:cNvSpPr txBox="1">
-            <a:spLocks noChangeArrowheads="1"/>
-          </p:cNvSpPr>
-          <p:nvPr/>
-        </p:nvSpPr>
-        <p:spPr bwMode="auto">
-          <a:xfrm>
-            <a:off x="5472396" y="2580186"/>
-            <a:ext cx="2553195" cy="400110"/>
-          </a:xfrm>
-          <a:prstGeom prst="rect">
-            <a:avLst/>
-          </a:prstGeom>
-          <a:noFill/>
-          <a:ln w="12700" algn="ctr">
-            <a:noFill/>
-            <a:miter lim="800000"/>
-            <a:headEnd/>
-            <a:tailEnd/>
-          </a:ln>
-        </p:spPr>
-        <p:txBody>
-          <a:bodyPr wrap="square">
-            <a:spAutoFit/>
-          </a:bodyPr>
-          <a:lstStyle/>
-          <a:p>
-            <a:pPr defTabSz="872733">
-              <a:spcBef>
-                <a:spcPct val="50000"/>
-              </a:spcBef>
-            </a:pPr>
-            <a:r>
-              <a:rPr lang="en-US" sz="2000" i="1" dirty="0" err="1">
-                <a:solidFill>
-                  <a:srgbClr val="9BBB59">
-                    <a:lumMod val="75000"/>
-                  </a:srgbClr>
-                </a:solidFill>
-                <a:latin typeface="Calibri"/>
-              </a:rPr>
-              <a:t>markCellAt</a:t>
-            </a:r>
-            <a:r>
-              <a:rPr lang="en-US" sz="2000" i="1" dirty="0">
-                <a:solidFill>
-                  <a:srgbClr val="9BBB59">
-                    <a:lumMod val="75000"/>
-                  </a:srgbClr>
-                </a:solidFill>
-                <a:latin typeface="Calibri"/>
-              </a:rPr>
-              <a:t>(</a:t>
-            </a:r>
-            <a:r>
-              <a:rPr lang="en-US" sz="2000" i="1" dirty="0" err="1">
-                <a:solidFill>
-                  <a:srgbClr val="9BBB59">
-                    <a:lumMod val="75000"/>
-                  </a:srgbClr>
-                </a:solidFill>
-                <a:latin typeface="Calibri"/>
-              </a:rPr>
-              <a:t>x,y</a:t>
-            </a:r>
-            <a:r>
-              <a:rPr lang="en-US" sz="2000" i="1" dirty="0">
-                <a:solidFill>
-                  <a:srgbClr val="9BBB59">
-                    <a:lumMod val="75000"/>
-                  </a:srgbClr>
-                </a:solidFill>
-                <a:latin typeface="Calibri"/>
-              </a:rPr>
-              <a:t>)</a:t>
-            </a:r>
-          </a:p>
-        </p:txBody>
-      </p:sp>
-      <p:sp>
-        <p:nvSpPr>
-          <p:cNvPr id="22" name="Rectangle 21"/>
-          <p:cNvSpPr/>
-          <p:nvPr/>
-        </p:nvSpPr>
-        <p:spPr>
-          <a:xfrm>
-            <a:off x="7976111" y="2962256"/>
-            <a:ext cx="251361" cy="393865"/>
-          </a:xfrm>
-          <a:prstGeom prst="rect">
-            <a:avLst/>
-          </a:prstGeom>
-          <a:solidFill>
-            <a:schemeClr val="accent3">
-              <a:lumMod val="20000"/>
-              <a:lumOff val="80000"/>
-            </a:schemeClr>
-          </a:solidFill>
-          <a:ln>
-            <a:solidFill>
-              <a:schemeClr val="accent3">
-                <a:lumMod val="75000"/>
-              </a:schemeClr>
-            </a:solidFill>
-          </a:ln>
-        </p:spPr>
-        <p:style>
-          <a:lnRef idx="2">
-            <a:schemeClr val="accent4"/>
-          </a:lnRef>
-          <a:fillRef idx="1">
-            <a:schemeClr val="lt1"/>
-          </a:fillRef>
-          <a:effectRef idx="0">
-            <a:schemeClr val="accent4"/>
-          </a:effectRef>
-          <a:fontRef idx="minor">
-            <a:schemeClr val="dk1"/>
-          </a:fontRef>
-        </p:style>
-        <p:txBody>
-          <a:bodyPr rtlCol="0" anchor="ctr"/>
-          <a:lstStyle/>
-          <a:p>
-            <a:pPr algn="ctr" defTabSz="872733"/>
-            <a:endParaRPr lang="en-US" sz="2000">
-              <a:solidFill>
-                <a:prstClr val="black"/>
-              </a:solidFill>
-              <a:latin typeface="Calibri"/>
-            </a:endParaRPr>
-          </a:p>
-        </p:txBody>
-      </p:sp>
-      <p:sp>
-        <p:nvSpPr>
-          <p:cNvPr id="23" name="Line 16"/>
-          <p:cNvSpPr>
-            <a:spLocks noChangeShapeType="1"/>
-          </p:cNvSpPr>
-          <p:nvPr/>
-        </p:nvSpPr>
-        <p:spPr bwMode="auto">
-          <a:xfrm flipH="1">
-            <a:off x="5359580" y="3367442"/>
-            <a:ext cx="2590800" cy="0"/>
-          </a:xfrm>
-          <a:prstGeom prst="line">
-            <a:avLst/>
-          </a:prstGeom>
-          <a:noFill/>
-          <a:ln w="19050">
-            <a:solidFill>
-              <a:schemeClr val="accent3">
-                <a:lumMod val="75000"/>
-              </a:schemeClr>
-            </a:solidFill>
-            <a:prstDash val="sysDash"/>
-            <a:round/>
-            <a:headEnd/>
-            <a:tailEnd type="triangle" w="lg" len="lg"/>
-          </a:ln>
-        </p:spPr>
-        <p:txBody>
-          <a:bodyPr/>
-          <a:lstStyle/>
-          <a:p>
-            <a:pPr defTabSz="872733"/>
-            <a:endParaRPr lang="en-US" sz="2000">
-              <a:solidFill>
-                <a:prstClr val="black"/>
-              </a:solidFill>
-              <a:latin typeface="Calibri"/>
-            </a:endParaRPr>
-          </a:p>
-        </p:txBody>
-      </p:sp>
-      <p:sp>
-        <p:nvSpPr>
-          <p:cNvPr id="24" name="Line 15"/>
-          <p:cNvSpPr>
-            <a:spLocks noChangeShapeType="1"/>
-          </p:cNvSpPr>
-          <p:nvPr/>
-        </p:nvSpPr>
-        <p:spPr bwMode="auto">
-          <a:xfrm>
-            <a:off x="5357600" y="4917261"/>
-            <a:ext cx="2590800" cy="0"/>
-          </a:xfrm>
-          <a:prstGeom prst="line">
-            <a:avLst/>
-          </a:prstGeom>
-          <a:noFill/>
-          <a:ln w="19050">
-            <a:solidFill>
-              <a:srgbClr val="7030A0"/>
-            </a:solidFill>
-            <a:round/>
-            <a:headEnd/>
-            <a:tailEnd type="triangle" w="lg" len="lg"/>
-          </a:ln>
-        </p:spPr>
-        <p:txBody>
-          <a:bodyPr/>
-          <a:lstStyle/>
-          <a:p>
-            <a:pPr defTabSz="872733"/>
-            <a:endParaRPr lang="en-US" sz="2000">
-              <a:solidFill>
-                <a:prstClr val="black"/>
-              </a:solidFill>
-              <a:latin typeface="Calibri"/>
-            </a:endParaRPr>
-          </a:p>
-        </p:txBody>
-      </p:sp>
-      <p:sp>
-        <p:nvSpPr>
-          <p:cNvPr id="25" name="Text Box 25"/>
-          <p:cNvSpPr txBox="1">
-            <a:spLocks noChangeArrowheads="1"/>
-          </p:cNvSpPr>
-          <p:nvPr/>
-        </p:nvSpPr>
-        <p:spPr bwMode="auto">
-          <a:xfrm>
-            <a:off x="5584395" y="4503513"/>
-            <a:ext cx="2249009" cy="400110"/>
-          </a:xfrm>
-          <a:prstGeom prst="rect">
-            <a:avLst/>
-          </a:prstGeom>
-          <a:noFill/>
-          <a:ln w="12700" algn="ctr">
-            <a:noFill/>
-            <a:miter lim="800000"/>
-            <a:headEnd/>
-            <a:tailEnd/>
-          </a:ln>
-        </p:spPr>
-        <p:txBody>
-          <a:bodyPr wrap="square">
-            <a:spAutoFit/>
-          </a:bodyPr>
-          <a:lstStyle/>
-          <a:p>
-            <a:pPr defTabSz="872733">
-              <a:spcBef>
-                <a:spcPct val="50000"/>
-              </a:spcBef>
-            </a:pPr>
-            <a:r>
-              <a:rPr lang="en-US" sz="2000" i="1" dirty="0" err="1">
-                <a:solidFill>
-                  <a:srgbClr val="9BBB59">
-                    <a:lumMod val="75000"/>
-                  </a:srgbClr>
-                </a:solidFill>
-                <a:latin typeface="Calibri"/>
-              </a:rPr>
-              <a:t>getGameState</a:t>
-            </a:r>
-            <a:r>
-              <a:rPr lang="en-US" sz="2000" i="1" dirty="0">
-                <a:solidFill>
-                  <a:srgbClr val="9BBB59">
-                    <a:lumMod val="75000"/>
-                  </a:srgbClr>
-                </a:solidFill>
-                <a:latin typeface="Calibri"/>
-              </a:rPr>
-              <a:t>()</a:t>
-            </a:r>
-          </a:p>
-        </p:txBody>
-      </p:sp>
-      <p:sp>
-        <p:nvSpPr>
-          <p:cNvPr id="26" name="Rectangle 25"/>
-          <p:cNvSpPr/>
-          <p:nvPr/>
-        </p:nvSpPr>
-        <p:spPr>
-          <a:xfrm>
-            <a:off x="7962256" y="4912829"/>
-            <a:ext cx="251361" cy="393865"/>
-          </a:xfrm>
-          <a:prstGeom prst="rect">
-            <a:avLst/>
-          </a:prstGeom>
-          <a:solidFill>
-            <a:schemeClr val="accent3">
-              <a:lumMod val="20000"/>
-              <a:lumOff val="80000"/>
-            </a:schemeClr>
-          </a:solidFill>
-          <a:ln>
-            <a:solidFill>
-              <a:schemeClr val="accent3">
-                <a:lumMod val="75000"/>
-              </a:schemeClr>
-            </a:solidFill>
-          </a:ln>
-        </p:spPr>
-        <p:style>
-          <a:lnRef idx="2">
-            <a:schemeClr val="accent4"/>
-          </a:lnRef>
-          <a:fillRef idx="1">
-            <a:schemeClr val="lt1"/>
-          </a:fillRef>
-          <a:effectRef idx="0">
-            <a:schemeClr val="accent4"/>
-          </a:effectRef>
-          <a:fontRef idx="minor">
-            <a:schemeClr val="dk1"/>
-          </a:fontRef>
-        </p:style>
-        <p:txBody>
-          <a:bodyPr rtlCol="0" anchor="ctr"/>
-          <a:lstStyle/>
-          <a:p>
-            <a:pPr algn="ctr" defTabSz="872733"/>
-            <a:endParaRPr lang="en-US" sz="2000">
-              <a:solidFill>
-                <a:prstClr val="black"/>
-              </a:solidFill>
-              <a:latin typeface="Calibri"/>
-            </a:endParaRPr>
-          </a:p>
-        </p:txBody>
-      </p:sp>
-      <p:sp>
-        <p:nvSpPr>
-          <p:cNvPr id="27" name="Line 16"/>
-          <p:cNvSpPr>
-            <a:spLocks noChangeShapeType="1"/>
-          </p:cNvSpPr>
-          <p:nvPr/>
-        </p:nvSpPr>
-        <p:spPr bwMode="auto">
-          <a:xfrm flipH="1">
-            <a:off x="5345725" y="5318015"/>
-            <a:ext cx="2590800" cy="0"/>
-          </a:xfrm>
-          <a:prstGeom prst="line">
-            <a:avLst/>
-          </a:prstGeom>
-          <a:noFill/>
-          <a:ln w="19050">
-            <a:solidFill>
-              <a:schemeClr val="accent3">
-                <a:lumMod val="75000"/>
-              </a:schemeClr>
-            </a:solidFill>
-            <a:prstDash val="sysDash"/>
-            <a:round/>
-            <a:headEnd/>
-            <a:tailEnd type="triangle" w="lg" len="lg"/>
-          </a:ln>
-        </p:spPr>
-        <p:txBody>
-          <a:bodyPr/>
-          <a:lstStyle/>
-          <a:p>
-            <a:pPr defTabSz="872733"/>
-            <a:endParaRPr lang="en-US" sz="2000">
-              <a:solidFill>
-                <a:prstClr val="black"/>
-              </a:solidFill>
-              <a:latin typeface="Calibri"/>
-            </a:endParaRPr>
-          </a:p>
-        </p:txBody>
-      </p:sp>
-      <p:sp>
-        <p:nvSpPr>
-          <p:cNvPr id="29" name="Text Box 25"/>
-          <p:cNvSpPr txBox="1">
-            <a:spLocks noChangeArrowheads="1"/>
-          </p:cNvSpPr>
-          <p:nvPr/>
-        </p:nvSpPr>
-        <p:spPr bwMode="auto">
-          <a:xfrm>
-            <a:off x="5864282" y="5345293"/>
-            <a:ext cx="1710047" cy="400110"/>
-          </a:xfrm>
-          <a:prstGeom prst="rect">
-            <a:avLst/>
-          </a:prstGeom>
-          <a:noFill/>
-          <a:ln w="12700" algn="ctr">
-            <a:noFill/>
-            <a:miter lim="800000"/>
-            <a:headEnd/>
-            <a:tailEnd/>
-          </a:ln>
-        </p:spPr>
-        <p:txBody>
-          <a:bodyPr wrap="square">
-            <a:spAutoFit/>
-          </a:bodyPr>
-          <a:lstStyle/>
-          <a:p>
-            <a:pPr defTabSz="872733">
-              <a:spcBef>
-                <a:spcPct val="50000"/>
-              </a:spcBef>
-            </a:pPr>
-            <a:r>
-              <a:rPr lang="en-US" sz="2000" i="1" dirty="0" err="1">
-                <a:solidFill>
-                  <a:srgbClr val="9BBB59">
-                    <a:lumMod val="75000"/>
-                  </a:srgbClr>
-                </a:solidFill>
-                <a:latin typeface="Calibri"/>
-              </a:rPr>
-              <a:t>gameState</a:t>
-            </a:r>
-            <a:endParaRPr lang="en-US" sz="2000" i="1" dirty="0">
-              <a:solidFill>
-                <a:srgbClr val="9BBB59">
-                  <a:lumMod val="75000"/>
-                </a:srgbClr>
-              </a:solidFill>
-              <a:latin typeface="Calibri"/>
-            </a:endParaRPr>
-          </a:p>
-        </p:txBody>
-      </p:sp>
-      <p:sp>
-        <p:nvSpPr>
-          <p:cNvPr id="35" name="Rectangle 34"/>
-          <p:cNvSpPr>
-            <a:spLocks noChangeArrowheads="1"/>
-          </p:cNvSpPr>
-          <p:nvPr/>
-        </p:nvSpPr>
-        <p:spPr bwMode="auto">
-          <a:xfrm>
-            <a:off x="2218557" y="2038433"/>
-            <a:ext cx="8144643" cy="3837964"/>
-          </a:xfrm>
-          <a:prstGeom prst="rect">
-            <a:avLst/>
-          </a:prstGeom>
-          <a:noFill/>
-          <a:ln w="19050" algn="ctr">
-            <a:solidFill>
-              <a:srgbClr val="00B050"/>
-            </a:solidFill>
-            <a:miter lim="800000"/>
-            <a:headEnd/>
-            <a:tailEnd/>
-          </a:ln>
-        </p:spPr>
-        <p:txBody>
-          <a:bodyPr wrap="none" anchor="ctr"/>
-          <a:lstStyle>
-            <a:defPPr>
-              <a:defRPr lang="en-SG"/>
-            </a:defPPr>
-            <a:lvl1pPr algn="l" rtl="0" fontAlgn="base">
-              <a:spcBef>
-                <a:spcPct val="0"/>
-              </a:spcBef>
-              <a:spcAft>
-                <a:spcPct val="0"/>
-              </a:spcAft>
-              <a:defRPr kern="1200">
-                <a:solidFill>
-                  <a:schemeClr val="tx1"/>
-                </a:solidFill>
-                <a:latin typeface="Arial" charset="0"/>
-                <a:ea typeface="+mn-ea"/>
-                <a:cs typeface="Arial" charset="0"/>
-              </a:defRPr>
-            </a:lvl1pPr>
-            <a:lvl2pPr marL="457200" algn="l" rtl="0" fontAlgn="base">
-              <a:spcBef>
-                <a:spcPct val="0"/>
-              </a:spcBef>
-              <a:spcAft>
-                <a:spcPct val="0"/>
-              </a:spcAft>
-              <a:defRPr kern="1200">
-                <a:solidFill>
-                  <a:schemeClr val="tx1"/>
-                </a:solidFill>
-                <a:latin typeface="Arial" charset="0"/>
-                <a:ea typeface="+mn-ea"/>
-                <a:cs typeface="Arial" charset="0"/>
-              </a:defRPr>
-            </a:lvl2pPr>
-            <a:lvl3pPr marL="914400" algn="l" rtl="0" fontAlgn="base">
-              <a:spcBef>
-                <a:spcPct val="0"/>
-              </a:spcBef>
-              <a:spcAft>
-                <a:spcPct val="0"/>
-              </a:spcAft>
-              <a:defRPr kern="1200">
-                <a:solidFill>
-                  <a:schemeClr val="tx1"/>
-                </a:solidFill>
-                <a:latin typeface="Arial" charset="0"/>
-                <a:ea typeface="+mn-ea"/>
-                <a:cs typeface="Arial" charset="0"/>
-              </a:defRPr>
-            </a:lvl3pPr>
-            <a:lvl4pPr marL="1371600" algn="l" rtl="0" fontAlgn="base">
-              <a:spcBef>
-                <a:spcPct val="0"/>
-              </a:spcBef>
-              <a:spcAft>
-                <a:spcPct val="0"/>
-              </a:spcAft>
-              <a:defRPr kern="1200">
-                <a:solidFill>
-                  <a:schemeClr val="tx1"/>
-                </a:solidFill>
-                <a:latin typeface="Arial" charset="0"/>
-                <a:ea typeface="+mn-ea"/>
-                <a:cs typeface="Arial" charset="0"/>
-              </a:defRPr>
-            </a:lvl4pPr>
-            <a:lvl5pPr marL="1828800" algn="l" rtl="0" fontAlgn="base">
-              <a:spcBef>
-                <a:spcPct val="0"/>
-              </a:spcBef>
-              <a:spcAft>
-                <a:spcPct val="0"/>
-              </a:spcAft>
-              <a:defRPr kern="1200">
-                <a:solidFill>
-                  <a:schemeClr val="tx1"/>
-                </a:solidFill>
-                <a:latin typeface="Arial" charset="0"/>
-                <a:ea typeface="+mn-ea"/>
-                <a:cs typeface="Arial" charset="0"/>
-              </a:defRPr>
-            </a:lvl5pPr>
-            <a:lvl6pPr marL="2286000" algn="l" defTabSz="914400" rtl="0" eaLnBrk="1" latinLnBrk="0" hangingPunct="1">
-              <a:defRPr kern="1200">
-                <a:solidFill>
-                  <a:schemeClr val="tx1"/>
-                </a:solidFill>
-                <a:latin typeface="Arial" charset="0"/>
-                <a:ea typeface="+mn-ea"/>
-                <a:cs typeface="Arial" charset="0"/>
-              </a:defRPr>
-            </a:lvl6pPr>
-            <a:lvl7pPr marL="2743200" algn="l" defTabSz="914400" rtl="0" eaLnBrk="1" latinLnBrk="0" hangingPunct="1">
-              <a:defRPr kern="1200">
-                <a:solidFill>
-                  <a:schemeClr val="tx1"/>
-                </a:solidFill>
-                <a:latin typeface="Arial" charset="0"/>
-                <a:ea typeface="+mn-ea"/>
-                <a:cs typeface="Arial" charset="0"/>
-              </a:defRPr>
-            </a:lvl7pPr>
-            <a:lvl8pPr marL="3200400" algn="l" defTabSz="914400" rtl="0" eaLnBrk="1" latinLnBrk="0" hangingPunct="1">
-              <a:defRPr kern="1200">
-                <a:solidFill>
-                  <a:schemeClr val="tx1"/>
-                </a:solidFill>
-                <a:latin typeface="Arial" charset="0"/>
-                <a:ea typeface="+mn-ea"/>
-                <a:cs typeface="Arial" charset="0"/>
-              </a:defRPr>
-            </a:lvl8pPr>
-            <a:lvl9pPr marL="3657600" algn="l" defTabSz="914400" rtl="0" eaLnBrk="1" latinLnBrk="0" hangingPunct="1">
-              <a:defRPr kern="1200">
-                <a:solidFill>
-                  <a:schemeClr val="tx1"/>
-                </a:solidFill>
-                <a:latin typeface="Arial" charset="0"/>
-                <a:ea typeface="+mn-ea"/>
-                <a:cs typeface="Arial" charset="0"/>
-              </a:defRPr>
-            </a:lvl9pPr>
-          </a:lstStyle>
-          <a:p>
-            <a:pPr defTabSz="872733"/>
-            <a:r>
-              <a:rPr lang="en-US" sz="2000">
-                <a:solidFill>
-                  <a:prstClr val="black"/>
-                </a:solidFill>
-                <a:latin typeface="Calibri" pitchFamily="34" charset="0"/>
-              </a:rPr>
-              <a:t>					</a:t>
-            </a:r>
-          </a:p>
-        </p:txBody>
-      </p:sp>
-      <p:sp>
-        <p:nvSpPr>
-          <p:cNvPr id="36" name="Snip Single Corner Rectangle 35"/>
-          <p:cNvSpPr/>
-          <p:nvPr/>
-        </p:nvSpPr>
-        <p:spPr>
-          <a:xfrm flipV="1">
-            <a:off x="2218558" y="2037956"/>
-            <a:ext cx="673143" cy="403761"/>
-          </a:xfrm>
-          <a:prstGeom prst="snip1Rect">
-            <a:avLst/>
-          </a:prstGeom>
-          <a:solidFill>
-            <a:schemeClr val="bg1"/>
-          </a:solidFill>
-          <a:ln>
-            <a:solidFill>
-              <a:srgbClr val="00B050"/>
-            </a:solidFill>
-          </a:ln>
-        </p:spPr>
-        <p:style>
-          <a:lnRef idx="2">
-            <a:schemeClr val="accent1">
-              <a:shade val="50000"/>
-            </a:schemeClr>
-          </a:lnRef>
-          <a:fillRef idx="1">
-            <a:schemeClr val="accent1"/>
-          </a:fillRef>
-          <a:effectRef idx="0">
-            <a:schemeClr val="accent1"/>
-          </a:effectRef>
-          <a:fontRef idx="minor">
-            <a:schemeClr val="lt1"/>
-          </a:fontRef>
-        </p:style>
-        <p:txBody>
-          <a:bodyPr rtlCol="0" anchor="ctr"/>
-          <a:lstStyle/>
-          <a:p>
-            <a:pPr algn="ctr" defTabSz="872733"/>
-            <a:endParaRPr lang="en-US" sz="2000">
-              <a:solidFill>
-                <a:prstClr val="white"/>
-              </a:solidFill>
-              <a:latin typeface="Calibri"/>
-            </a:endParaRPr>
-          </a:p>
-        </p:txBody>
-      </p:sp>
-      <p:sp>
-        <p:nvSpPr>
-          <p:cNvPr id="37" name="Rectangle 36"/>
-          <p:cNvSpPr/>
-          <p:nvPr/>
-        </p:nvSpPr>
-        <p:spPr bwMode="auto">
-          <a:xfrm>
-            <a:off x="2182931" y="2038433"/>
-            <a:ext cx="3016332" cy="381000"/>
-          </a:xfrm>
-          <a:prstGeom prst="rect">
-            <a:avLst/>
-          </a:prstGeom>
-          <a:noFill/>
-          <a:ln>
-            <a:noFill/>
-          </a:ln>
-        </p:spPr>
-        <p:style>
-          <a:lnRef idx="2">
-            <a:schemeClr val="accent1">
-              <a:shade val="50000"/>
-            </a:schemeClr>
-          </a:lnRef>
-          <a:fillRef idx="1">
-            <a:schemeClr val="accent1"/>
-          </a:fillRef>
-          <a:effectRef idx="0">
-            <a:schemeClr val="accent1"/>
-          </a:effectRef>
-          <a:fontRef idx="minor">
-            <a:schemeClr val="lt1"/>
-          </a:fontRef>
-        </p:style>
-        <p:txBody>
-          <a:bodyPr anchor="ctr"/>
-          <a:lstStyle>
-            <a:defPPr>
-              <a:defRPr lang="en-SG"/>
-            </a:defPPr>
-            <a:lvl1pPr algn="l" rtl="0" fontAlgn="base">
-              <a:spcBef>
-                <a:spcPct val="0"/>
-              </a:spcBef>
-              <a:spcAft>
-                <a:spcPct val="0"/>
-              </a:spcAft>
-              <a:defRPr kern="1200">
-                <a:solidFill>
-                  <a:schemeClr val="lt1"/>
-                </a:solidFill>
-                <a:latin typeface="+mn-lt"/>
-                <a:ea typeface="+mn-ea"/>
-                <a:cs typeface="+mn-cs"/>
-              </a:defRPr>
-            </a:lvl1pPr>
-            <a:lvl2pPr marL="457200" algn="l" rtl="0" fontAlgn="base">
-              <a:spcBef>
-                <a:spcPct val="0"/>
-              </a:spcBef>
-              <a:spcAft>
-                <a:spcPct val="0"/>
-              </a:spcAft>
-              <a:defRPr kern="1200">
-                <a:solidFill>
-                  <a:schemeClr val="lt1"/>
-                </a:solidFill>
-                <a:latin typeface="+mn-lt"/>
-                <a:ea typeface="+mn-ea"/>
-                <a:cs typeface="+mn-cs"/>
-              </a:defRPr>
-            </a:lvl2pPr>
-            <a:lvl3pPr marL="914400" algn="l" rtl="0" fontAlgn="base">
-              <a:spcBef>
-                <a:spcPct val="0"/>
-              </a:spcBef>
-              <a:spcAft>
-                <a:spcPct val="0"/>
-              </a:spcAft>
-              <a:defRPr kern="1200">
-                <a:solidFill>
-                  <a:schemeClr val="lt1"/>
-                </a:solidFill>
-                <a:latin typeface="+mn-lt"/>
-                <a:ea typeface="+mn-ea"/>
-                <a:cs typeface="+mn-cs"/>
-              </a:defRPr>
-            </a:lvl3pPr>
-            <a:lvl4pPr marL="1371600" algn="l" rtl="0" fontAlgn="base">
-              <a:spcBef>
-                <a:spcPct val="0"/>
-              </a:spcBef>
-              <a:spcAft>
-                <a:spcPct val="0"/>
-              </a:spcAft>
-              <a:defRPr kern="1200">
-                <a:solidFill>
-                  <a:schemeClr val="lt1"/>
-                </a:solidFill>
-                <a:latin typeface="+mn-lt"/>
-                <a:ea typeface="+mn-ea"/>
-                <a:cs typeface="+mn-cs"/>
-              </a:defRPr>
-            </a:lvl4pPr>
-            <a:lvl5pPr marL="1828800" algn="l" rtl="0" fontAlgn="base">
-              <a:spcBef>
-                <a:spcPct val="0"/>
-              </a:spcBef>
-              <a:spcAft>
-                <a:spcPct val="0"/>
-              </a:spcAft>
-              <a:defRPr kern="1200">
-                <a:solidFill>
-                  <a:schemeClr val="lt1"/>
-                </a:solidFill>
-                <a:latin typeface="+mn-lt"/>
-                <a:ea typeface="+mn-ea"/>
-                <a:cs typeface="+mn-cs"/>
-              </a:defRPr>
-            </a:lvl5pPr>
-            <a:lvl6pPr marL="2286000" algn="l" defTabSz="914400" rtl="0" eaLnBrk="1" latinLnBrk="0" hangingPunct="1">
-              <a:defRPr kern="1200">
-                <a:solidFill>
-                  <a:schemeClr val="lt1"/>
-                </a:solidFill>
-                <a:latin typeface="+mn-lt"/>
-                <a:ea typeface="+mn-ea"/>
-                <a:cs typeface="+mn-cs"/>
-              </a:defRPr>
-            </a:lvl6pPr>
-            <a:lvl7pPr marL="2743200" algn="l" defTabSz="914400" rtl="0" eaLnBrk="1" latinLnBrk="0" hangingPunct="1">
-              <a:defRPr kern="1200">
-                <a:solidFill>
-                  <a:schemeClr val="lt1"/>
-                </a:solidFill>
-                <a:latin typeface="+mn-lt"/>
-                <a:ea typeface="+mn-ea"/>
-                <a:cs typeface="+mn-cs"/>
-              </a:defRPr>
-            </a:lvl7pPr>
-            <a:lvl8pPr marL="3200400" algn="l" defTabSz="914400" rtl="0" eaLnBrk="1" latinLnBrk="0" hangingPunct="1">
-              <a:defRPr kern="1200">
-                <a:solidFill>
-                  <a:schemeClr val="lt1"/>
-                </a:solidFill>
-                <a:latin typeface="+mn-lt"/>
-                <a:ea typeface="+mn-ea"/>
-                <a:cs typeface="+mn-cs"/>
-              </a:defRPr>
-            </a:lvl8pPr>
-            <a:lvl9pPr marL="3657600" algn="l" defTabSz="914400" rtl="0" eaLnBrk="1" latinLnBrk="0" hangingPunct="1">
-              <a:defRPr kern="1200">
-                <a:solidFill>
-                  <a:schemeClr val="lt1"/>
-                </a:solidFill>
-                <a:latin typeface="+mn-lt"/>
-                <a:ea typeface="+mn-ea"/>
-                <a:cs typeface="+mn-cs"/>
-              </a:defRPr>
-            </a:lvl9pPr>
-          </a:lstStyle>
-          <a:p>
-            <a:pPr defTabSz="872733"/>
-            <a:r>
-              <a:rPr lang="en-US" sz="2000" dirty="0">
-                <a:solidFill>
-                  <a:srgbClr val="00B050"/>
-                </a:solidFill>
-                <a:latin typeface="Calibri"/>
-                <a:cs typeface="Arial" charset="0"/>
-              </a:rPr>
-              <a:t>loop    [until </a:t>
-            </a:r>
-            <a:r>
-              <a:rPr lang="en-US" sz="2000" dirty="0" err="1">
-                <a:solidFill>
-                  <a:srgbClr val="00B050"/>
-                </a:solidFill>
-                <a:latin typeface="Calibri"/>
-                <a:cs typeface="Arial" charset="0"/>
-              </a:rPr>
-              <a:t>won|lost</a:t>
-            </a:r>
-            <a:r>
-              <a:rPr lang="en-US" sz="2000" dirty="0">
-                <a:solidFill>
-                  <a:srgbClr val="00B050"/>
-                </a:solidFill>
-                <a:latin typeface="Calibri"/>
-                <a:cs typeface="Arial" charset="0"/>
-              </a:rPr>
-              <a:t>]</a:t>
-            </a:r>
-          </a:p>
-        </p:txBody>
-      </p:sp>
-      <p:sp>
-        <p:nvSpPr>
-          <p:cNvPr id="39" name="TextBox 38"/>
-          <p:cNvSpPr txBox="1"/>
-          <p:nvPr/>
-        </p:nvSpPr>
-        <p:spPr>
-          <a:xfrm>
-            <a:off x="2118530" y="1637737"/>
-            <a:ext cx="1082633" cy="400110"/>
-          </a:xfrm>
-          <a:prstGeom prst="rect">
-            <a:avLst/>
-          </a:prstGeom>
-          <a:noFill/>
-        </p:spPr>
-        <p:txBody>
-          <a:bodyPr wrap="square" rtlCol="0">
-            <a:spAutoFit/>
-          </a:bodyPr>
-          <a:lstStyle/>
-          <a:p>
-            <a:pPr algn="ctr" defTabSz="872733"/>
-            <a:r>
-              <a:rPr lang="en-US" sz="2000" dirty="0">
-                <a:solidFill>
-                  <a:srgbClr val="0070C0"/>
-                </a:solidFill>
-                <a:latin typeface="Calibri"/>
-              </a:rPr>
-              <a:t>Player</a:t>
-            </a:r>
-          </a:p>
-        </p:txBody>
-      </p:sp>
-      <p:sp>
-        <p:nvSpPr>
-          <p:cNvPr id="32" name="Text Box 11"/>
-          <p:cNvSpPr txBox="1">
-            <a:spLocks noChangeArrowheads="1"/>
-          </p:cNvSpPr>
-          <p:nvPr/>
-        </p:nvSpPr>
-        <p:spPr bwMode="auto">
-          <a:xfrm>
-            <a:off x="9182100" y="1079975"/>
-            <a:ext cx="1295400" cy="677108"/>
-          </a:xfrm>
-          <a:prstGeom prst="rect">
-            <a:avLst/>
-          </a:prstGeom>
-          <a:ln w="19050">
-            <a:headEnd/>
-            <a:tailEnd/>
-          </a:ln>
-        </p:spPr>
-        <p:style>
-          <a:lnRef idx="1">
-            <a:schemeClr val="accent3"/>
-          </a:lnRef>
-          <a:fillRef idx="2">
-            <a:schemeClr val="accent3"/>
-          </a:fillRef>
-          <a:effectRef idx="1">
-            <a:schemeClr val="accent3"/>
-          </a:effectRef>
-          <a:fontRef idx="minor">
-            <a:schemeClr val="dk1"/>
-          </a:fontRef>
-        </p:style>
-        <p:txBody>
-          <a:bodyPr lIns="0" tIns="0" rIns="0" bIns="0">
-            <a:noAutofit/>
-          </a:bodyPr>
-          <a:lstStyle/>
-          <a:p>
-            <a:pPr algn="ctr" defTabSz="872733">
-              <a:spcBef>
-                <a:spcPct val="50000"/>
-              </a:spcBef>
-            </a:pPr>
-            <a:r>
-              <a:rPr lang="en-US" sz="2000" dirty="0">
-                <a:solidFill>
-                  <a:prstClr val="black"/>
-                </a:solidFill>
-                <a:latin typeface="Calibri"/>
-              </a:rPr>
-              <a:t>&lt;&lt;class&gt;&gt;</a:t>
-            </a:r>
-            <a:br>
-              <a:rPr lang="en-US" sz="2000" dirty="0">
-                <a:solidFill>
-                  <a:prstClr val="black"/>
-                </a:solidFill>
-                <a:latin typeface="Calibri"/>
-              </a:rPr>
-            </a:br>
-            <a:r>
-              <a:rPr lang="en-US" sz="2000" dirty="0">
-                <a:solidFill>
-                  <a:prstClr val="black"/>
-                </a:solidFill>
-                <a:latin typeface="Calibri"/>
-              </a:rPr>
-              <a:t>:Logger</a:t>
-            </a:r>
-          </a:p>
-        </p:txBody>
-      </p:sp>
-      <p:sp>
-        <p:nvSpPr>
-          <p:cNvPr id="33" name="Line 13"/>
-          <p:cNvSpPr>
-            <a:spLocks noChangeShapeType="1"/>
-          </p:cNvSpPr>
-          <p:nvPr/>
-        </p:nvSpPr>
-        <p:spPr bwMode="auto">
-          <a:xfrm>
-            <a:off x="9829800" y="1757084"/>
-            <a:ext cx="0" cy="4231609"/>
-          </a:xfrm>
-          <a:prstGeom prst="line">
-            <a:avLst/>
-          </a:prstGeom>
-          <a:ln>
-            <a:solidFill>
-              <a:schemeClr val="accent3">
-                <a:lumMod val="75000"/>
-              </a:schemeClr>
-            </a:solidFill>
-            <a:prstDash val="sysDash"/>
-            <a:headEnd/>
-            <a:tailEnd/>
-          </a:ln>
-        </p:spPr>
-        <p:style>
-          <a:lnRef idx="2">
-            <a:schemeClr val="accent4"/>
-          </a:lnRef>
-          <a:fillRef idx="0">
-            <a:schemeClr val="accent4"/>
-          </a:fillRef>
-          <a:effectRef idx="1">
-            <a:schemeClr val="accent4"/>
-          </a:effectRef>
-          <a:fontRef idx="minor">
-            <a:schemeClr val="tx1"/>
-          </a:fontRef>
-        </p:style>
-        <p:txBody>
-          <a:bodyPr/>
-          <a:lstStyle/>
-          <a:p>
-            <a:pPr defTabSz="872733"/>
-            <a:endParaRPr lang="en-US" sz="2000">
-              <a:solidFill>
-                <a:prstClr val="black"/>
-              </a:solidFill>
-              <a:latin typeface="Calibri"/>
-            </a:endParaRPr>
-          </a:p>
-        </p:txBody>
-      </p:sp>
-      <p:sp>
-        <p:nvSpPr>
-          <p:cNvPr id="34" name="Line 15"/>
-          <p:cNvSpPr>
-            <a:spLocks noChangeShapeType="1"/>
-          </p:cNvSpPr>
-          <p:nvPr/>
-        </p:nvSpPr>
-        <p:spPr bwMode="auto">
-          <a:xfrm>
-            <a:off x="5323781" y="3883650"/>
-            <a:ext cx="4385463" cy="0"/>
-          </a:xfrm>
-          <a:prstGeom prst="line">
-            <a:avLst/>
-          </a:prstGeom>
-          <a:noFill/>
-          <a:ln w="19050">
-            <a:solidFill>
-              <a:srgbClr val="7030A0"/>
-            </a:solidFill>
-            <a:round/>
-            <a:headEnd/>
-            <a:tailEnd type="triangle" w="lg" len="lg"/>
-          </a:ln>
-        </p:spPr>
-        <p:txBody>
-          <a:bodyPr/>
-          <a:lstStyle/>
-          <a:p>
-            <a:pPr defTabSz="872733"/>
-            <a:endParaRPr lang="en-US" sz="2000">
-              <a:solidFill>
-                <a:prstClr val="black"/>
-              </a:solidFill>
-              <a:latin typeface="Calibri"/>
-            </a:endParaRPr>
-          </a:p>
-        </p:txBody>
-      </p:sp>
-      <p:sp>
-        <p:nvSpPr>
-          <p:cNvPr id="38" name="Text Box 25"/>
-          <p:cNvSpPr txBox="1">
-            <a:spLocks noChangeArrowheads="1"/>
-          </p:cNvSpPr>
-          <p:nvPr/>
-        </p:nvSpPr>
-        <p:spPr bwMode="auto">
-          <a:xfrm>
-            <a:off x="6055758" y="3474659"/>
-            <a:ext cx="981337" cy="400110"/>
-          </a:xfrm>
-          <a:prstGeom prst="rect">
-            <a:avLst/>
-          </a:prstGeom>
-          <a:noFill/>
-          <a:ln w="12700" algn="ctr">
-            <a:noFill/>
-            <a:miter lim="800000"/>
-            <a:headEnd/>
-            <a:tailEnd/>
-          </a:ln>
-        </p:spPr>
-        <p:txBody>
-          <a:bodyPr wrap="square">
-            <a:spAutoFit/>
-          </a:bodyPr>
-          <a:lstStyle/>
-          <a:p>
-            <a:pPr defTabSz="872733">
-              <a:spcBef>
-                <a:spcPct val="50000"/>
-              </a:spcBef>
-            </a:pPr>
-            <a:r>
-              <a:rPr lang="en-US" sz="2000" i="1" dirty="0">
-                <a:solidFill>
-                  <a:srgbClr val="9BBB59">
-                    <a:lumMod val="75000"/>
-                  </a:srgbClr>
-                </a:solidFill>
-                <a:latin typeface="Calibri"/>
-              </a:rPr>
-              <a:t>log()</a:t>
-            </a:r>
-          </a:p>
-        </p:txBody>
-      </p:sp>
-      <p:sp>
-        <p:nvSpPr>
-          <p:cNvPr id="40" name="Rectangle 39"/>
-          <p:cNvSpPr/>
-          <p:nvPr/>
-        </p:nvSpPr>
-        <p:spPr>
-          <a:xfrm>
-            <a:off x="9701007" y="3897259"/>
-            <a:ext cx="251361" cy="393865"/>
-          </a:xfrm>
-          <a:prstGeom prst="rect">
-            <a:avLst/>
-          </a:prstGeom>
-          <a:solidFill>
-            <a:schemeClr val="accent3">
-              <a:lumMod val="20000"/>
-              <a:lumOff val="80000"/>
-            </a:schemeClr>
-          </a:solidFill>
-          <a:ln>
-            <a:solidFill>
-              <a:schemeClr val="accent3">
-                <a:lumMod val="75000"/>
-              </a:schemeClr>
-            </a:solidFill>
-          </a:ln>
-        </p:spPr>
-        <p:style>
-          <a:lnRef idx="2">
-            <a:schemeClr val="accent4"/>
-          </a:lnRef>
-          <a:fillRef idx="1">
-            <a:schemeClr val="lt1"/>
-          </a:fillRef>
-          <a:effectRef idx="0">
-            <a:schemeClr val="accent4"/>
-          </a:effectRef>
-          <a:fontRef idx="minor">
-            <a:schemeClr val="dk1"/>
-          </a:fontRef>
-        </p:style>
-        <p:txBody>
-          <a:bodyPr rtlCol="0" anchor="ctr"/>
-          <a:lstStyle/>
-          <a:p>
-            <a:pPr algn="ctr" defTabSz="872733"/>
-            <a:endParaRPr lang="en-US" sz="2000">
-              <a:solidFill>
-                <a:prstClr val="black"/>
-              </a:solidFill>
-              <a:latin typeface="Calibri"/>
-            </a:endParaRPr>
-          </a:p>
-        </p:txBody>
-      </p:sp>
-      <p:sp>
-        <p:nvSpPr>
-          <p:cNvPr id="41" name="Line 16"/>
-          <p:cNvSpPr>
-            <a:spLocks noChangeShapeType="1"/>
-          </p:cNvSpPr>
-          <p:nvPr/>
-        </p:nvSpPr>
-        <p:spPr bwMode="auto">
-          <a:xfrm flipH="1">
-            <a:off x="5303668" y="4284404"/>
-            <a:ext cx="4397337" cy="0"/>
-          </a:xfrm>
-          <a:prstGeom prst="line">
-            <a:avLst/>
-          </a:prstGeom>
-          <a:noFill/>
-          <a:ln w="19050">
-            <a:solidFill>
-              <a:schemeClr val="accent3">
-                <a:lumMod val="75000"/>
-              </a:schemeClr>
-            </a:solidFill>
-            <a:prstDash val="sysDash"/>
-            <a:round/>
-            <a:headEnd/>
-            <a:tailEnd type="triangle" w="lg" len="lg"/>
-          </a:ln>
-        </p:spPr>
-        <p:txBody>
-          <a:bodyPr/>
-          <a:lstStyle/>
-          <a:p>
-            <a:pPr defTabSz="872733"/>
-            <a:endParaRPr lang="en-US" sz="2000">
-              <a:solidFill>
-                <a:prstClr val="black"/>
-              </a:solidFill>
-              <a:latin typeface="Calibri"/>
-            </a:endParaRPr>
-          </a:p>
-        </p:txBody>
-      </p:sp>
-    </p:spTree>
-    <p:extLst>
-      <p:ext uri="{BB962C8B-B14F-4D97-AF65-F5344CB8AC3E}">
-        <p14:creationId xmlns:p14="http://schemas.microsoft.com/office/powerpoint/2010/main" val="3228498101"/>
-      </p:ext>
-    </p:extLst>
-  </p:cSld>
-  <p:clrMapOvr>
-    <a:masterClrMapping/>
-  </p:clrMapOvr>
-  <p:timing>
-    <p:tnLst>
-      <p:par>
-        <p:cTn id="1" dur="indefinite" restart="never" nodeType="tmRoot">
-          <p:childTnLst>
-            <p:seq concurrent="1" nextAc="seek">
-              <p:cTn id="2" dur="indefinite" nodeType="mainSeq">
-                <p:childTnLst>
-                  <p:par>
-                    <p:cTn id="3" fill="hold">
-                      <p:stCondLst>
-                        <p:cond delay="indefinite"/>
-                      </p:stCondLst>
-                      <p:childTnLst>
-                        <p:par>
-                          <p:cTn id="4" fill="hold">
-                            <p:stCondLst>
-                              <p:cond delay="0"/>
-                            </p:stCondLst>
-                            <p:childTnLst>
-                              <p:par>
-                                <p:cTn id="5" presetID="1" presetClass="entr" presetSubtype="0" fill="hold" grpId="0" nodeType="clickEffect">
-                                  <p:stCondLst>
-                                    <p:cond delay="0"/>
-                                  </p:stCondLst>
-                                  <p:childTnLst>
-                                    <p:set>
-                                      <p:cBhvr>
-                                        <p:cTn id="6" dur="1" fill="hold">
-                                          <p:stCondLst>
-                                            <p:cond delay="0"/>
-                                          </p:stCondLst>
-                                        </p:cTn>
-                                        <p:tgtEl>
-                                          <p:spTgt spid="24"/>
-                                        </p:tgtEl>
-                                        <p:attrNameLst>
-                                          <p:attrName>style.visibility</p:attrName>
-                                        </p:attrNameLst>
-                                      </p:cBhvr>
-                                      <p:to>
-                                        <p:strVal val="visible"/>
-                                      </p:to>
-                                    </p:set>
-                                  </p:childTnLst>
-                                </p:cTn>
-                              </p:par>
-                              <p:par>
-                                <p:cTn id="7" presetID="1" presetClass="entr" presetSubtype="0" fill="hold" grpId="0" nodeType="withEffect">
-                                  <p:stCondLst>
-                                    <p:cond delay="0"/>
-                                  </p:stCondLst>
-                                  <p:childTnLst>
-                                    <p:set>
-                                      <p:cBhvr>
-                                        <p:cTn id="8" dur="1" fill="hold">
-                                          <p:stCondLst>
-                                            <p:cond delay="0"/>
-                                          </p:stCondLst>
-                                        </p:cTn>
-                                        <p:tgtEl>
-                                          <p:spTgt spid="25"/>
-                                        </p:tgtEl>
-                                        <p:attrNameLst>
-                                          <p:attrName>style.visibility</p:attrName>
-                                        </p:attrNameLst>
-                                      </p:cBhvr>
-                                      <p:to>
-                                        <p:strVal val="visible"/>
-                                      </p:to>
-                                    </p:set>
-                                  </p:childTnLst>
-                                </p:cTn>
-                              </p:par>
-                              <p:par>
-                                <p:cTn id="9" presetID="1" presetClass="entr" presetSubtype="0" fill="hold" grpId="0" nodeType="withEffect">
-                                  <p:stCondLst>
-                                    <p:cond delay="0"/>
-                                  </p:stCondLst>
-                                  <p:childTnLst>
-                                    <p:set>
-                                      <p:cBhvr>
-                                        <p:cTn id="10" dur="1" fill="hold">
-                                          <p:stCondLst>
-                                            <p:cond delay="0"/>
-                                          </p:stCondLst>
-                                        </p:cTn>
-                                        <p:tgtEl>
-                                          <p:spTgt spid="26"/>
-                                        </p:tgtEl>
-                                        <p:attrNameLst>
-                                          <p:attrName>style.visibility</p:attrName>
-                                        </p:attrNameLst>
-                                      </p:cBhvr>
-                                      <p:to>
-                                        <p:strVal val="visible"/>
-                                      </p:to>
-                                    </p:set>
-                                  </p:childTnLst>
-                                </p:cTn>
-                              </p:par>
-                              <p:par>
-                                <p:cTn id="11" presetID="1" presetClass="entr" presetSubtype="0" fill="hold" grpId="0" nodeType="withEffect">
-                                  <p:stCondLst>
-                                    <p:cond delay="0"/>
-                                  </p:stCondLst>
-                                  <p:childTnLst>
-                                    <p:set>
-                                      <p:cBhvr>
-                                        <p:cTn id="12" dur="1" fill="hold">
-                                          <p:stCondLst>
-                                            <p:cond delay="0"/>
-                                          </p:stCondLst>
-                                        </p:cTn>
-                                        <p:tgtEl>
-                                          <p:spTgt spid="27"/>
-                                        </p:tgtEl>
-                                        <p:attrNameLst>
-                                          <p:attrName>style.visibility</p:attrName>
-                                        </p:attrNameLst>
-                                      </p:cBhvr>
-                                      <p:to>
-                                        <p:strVal val="visible"/>
-                                      </p:to>
-                                    </p:set>
-                                  </p:childTnLst>
-                                </p:cTn>
-                              </p:par>
-                              <p:par>
-                                <p:cTn id="13" presetID="1" presetClass="entr" presetSubtype="0" fill="hold" grpId="0" nodeType="withEffect">
-                                  <p:stCondLst>
-                                    <p:cond delay="0"/>
-                                  </p:stCondLst>
-                                  <p:childTnLst>
-                                    <p:set>
-                                      <p:cBhvr>
-                                        <p:cTn id="14" dur="1" fill="hold">
-                                          <p:stCondLst>
-                                            <p:cond delay="0"/>
-                                          </p:stCondLst>
-                                        </p:cTn>
-                                        <p:tgtEl>
-                                          <p:spTgt spid="29"/>
-                                        </p:tgtEl>
-                                        <p:attrNameLst>
-                                          <p:attrName>style.visibility</p:attrName>
-                                        </p:attrNameLst>
-                                      </p:cBhvr>
-                                      <p:to>
-                                        <p:strVal val="visible"/>
-                                      </p:to>
-                                    </p:set>
-                                  </p:childTnLst>
-                                </p:cTn>
-                              </p:par>
-                            </p:childTnLst>
-                          </p:cTn>
-                        </p:par>
-                      </p:childTnLst>
-                    </p:cTn>
-                  </p:par>
-                  <p:par>
-                    <p:cTn id="15" fill="hold">
-                      <p:stCondLst>
-                        <p:cond delay="indefinite"/>
-                      </p:stCondLst>
-                      <p:childTnLst>
-                        <p:par>
-                          <p:cTn id="16" fill="hold">
-                            <p:stCondLst>
-                              <p:cond delay="0"/>
-                            </p:stCondLst>
-                            <p:childTnLst>
-                              <p:par>
-                                <p:cTn id="17" presetID="1" presetClass="entr" presetSubtype="0" fill="hold" grpId="0" nodeType="clickEffect">
-                                  <p:stCondLst>
-                                    <p:cond delay="0"/>
-                                  </p:stCondLst>
-                                  <p:childTnLst>
-                                    <p:set>
-                                      <p:cBhvr>
-                                        <p:cTn id="18" dur="1" fill="hold">
-                                          <p:stCondLst>
-                                            <p:cond delay="0"/>
-                                          </p:stCondLst>
-                                        </p:cTn>
-                                        <p:tgtEl>
-                                          <p:spTgt spid="36"/>
-                                        </p:tgtEl>
-                                        <p:attrNameLst>
-                                          <p:attrName>style.visibility</p:attrName>
-                                        </p:attrNameLst>
-                                      </p:cBhvr>
-                                      <p:to>
-                                        <p:strVal val="visible"/>
-                                      </p:to>
-                                    </p:set>
-                                  </p:childTnLst>
-                                </p:cTn>
-                              </p:par>
-                              <p:par>
-                                <p:cTn id="19" presetID="1" presetClass="entr" presetSubtype="0" fill="hold" grpId="0" nodeType="withEffect">
-                                  <p:stCondLst>
-                                    <p:cond delay="0"/>
-                                  </p:stCondLst>
-                                  <p:childTnLst>
-                                    <p:set>
-                                      <p:cBhvr>
-                                        <p:cTn id="20" dur="1" fill="hold">
-                                          <p:stCondLst>
-                                            <p:cond delay="0"/>
-                                          </p:stCondLst>
-                                        </p:cTn>
-                                        <p:tgtEl>
-                                          <p:spTgt spid="37"/>
-                                        </p:tgtEl>
-                                        <p:attrNameLst>
-                                          <p:attrName>style.visibility</p:attrName>
-                                        </p:attrNameLst>
-                                      </p:cBhvr>
-                                      <p:to>
-                                        <p:strVal val="visible"/>
-                                      </p:to>
-                                    </p:set>
-                                  </p:childTnLst>
-                                </p:cTn>
-                              </p:par>
-                              <p:par>
-                                <p:cTn id="21" presetID="1" presetClass="entr" presetSubtype="0" fill="hold" grpId="0" nodeType="withEffect">
-                                  <p:stCondLst>
-                                    <p:cond delay="0"/>
-                                  </p:stCondLst>
-                                  <p:childTnLst>
-                                    <p:set>
-                                      <p:cBhvr>
-                                        <p:cTn id="22" dur="1" fill="hold">
-                                          <p:stCondLst>
-                                            <p:cond delay="0"/>
-                                          </p:stCondLst>
-                                        </p:cTn>
-                                        <p:tgtEl>
-                                          <p:spTgt spid="35"/>
-                                        </p:tgtEl>
-                                        <p:attrNameLst>
-                                          <p:attrName>style.visibility</p:attrName>
-                                        </p:attrNameLst>
-                                      </p:cBhvr>
-                                      <p:to>
-                                        <p:strVal val="visible"/>
-                                      </p:to>
-                                    </p:set>
-                                  </p:childTnLst>
-                                </p:cTn>
-                              </p:par>
-                            </p:childTnLst>
-                          </p:cTn>
-                        </p:par>
-                      </p:childTnLst>
-                    </p:cTn>
-                  </p:par>
-                  <p:par>
-                    <p:cTn id="23" fill="hold">
-                      <p:stCondLst>
-                        <p:cond delay="indefinite"/>
-                      </p:stCondLst>
-                      <p:childTnLst>
-                        <p:par>
-                          <p:cTn id="24" fill="hold">
-                            <p:stCondLst>
-                              <p:cond delay="0"/>
-                            </p:stCondLst>
-                            <p:childTnLst>
-                              <p:par>
-                                <p:cTn id="25" presetID="1" presetClass="exit" presetSubtype="0" fill="hold" grpId="0" nodeType="clickEffect">
-                                  <p:stCondLst>
-                                    <p:cond delay="0"/>
-                                  </p:stCondLst>
-                                  <p:childTnLst>
-                                    <p:set>
-                                      <p:cBhvr>
-                                        <p:cTn id="26" dur="1" fill="hold">
-                                          <p:stCondLst>
-                                            <p:cond delay="0"/>
-                                          </p:stCondLst>
-                                        </p:cTn>
-                                        <p:tgtEl>
-                                          <p:spTgt spid="4"/>
-                                        </p:tgtEl>
-                                        <p:attrNameLst>
-                                          <p:attrName>style.visibility</p:attrName>
-                                        </p:attrNameLst>
-                                      </p:cBhvr>
-                                      <p:to>
-                                        <p:strVal val="hidden"/>
-                                      </p:to>
-                                    </p:set>
-                                  </p:childTnLst>
-                                </p:cTn>
-                              </p:par>
-                              <p:par>
-                                <p:cTn id="27" presetID="1" presetClass="exit" presetSubtype="0" fill="hold" grpId="0" nodeType="withEffect">
-                                  <p:stCondLst>
-                                    <p:cond delay="0"/>
-                                  </p:stCondLst>
-                                  <p:childTnLst>
-                                    <p:set>
-                                      <p:cBhvr>
-                                        <p:cTn id="28" dur="1" fill="hold">
-                                          <p:stCondLst>
-                                            <p:cond delay="0"/>
-                                          </p:stCondLst>
-                                        </p:cTn>
-                                        <p:tgtEl>
-                                          <p:spTgt spid="5"/>
-                                        </p:tgtEl>
-                                        <p:attrNameLst>
-                                          <p:attrName>style.visibility</p:attrName>
-                                        </p:attrNameLst>
-                                      </p:cBhvr>
-                                      <p:to>
-                                        <p:strVal val="hidden"/>
-                                      </p:to>
-                                    </p:set>
-                                  </p:childTnLst>
-                                </p:cTn>
-                              </p:par>
-                              <p:par>
-                                <p:cTn id="29" presetID="1" presetClass="exit" presetSubtype="0" fill="hold" grpId="0" nodeType="withEffect">
-                                  <p:stCondLst>
-                                    <p:cond delay="0"/>
-                                  </p:stCondLst>
-                                  <p:childTnLst>
-                                    <p:set>
-                                      <p:cBhvr>
-                                        <p:cTn id="30" dur="1" fill="hold">
-                                          <p:stCondLst>
-                                            <p:cond delay="0"/>
-                                          </p:stCondLst>
-                                        </p:cTn>
-                                        <p:tgtEl>
-                                          <p:spTgt spid="6"/>
-                                        </p:tgtEl>
-                                        <p:attrNameLst>
-                                          <p:attrName>style.visibility</p:attrName>
-                                        </p:attrNameLst>
-                                      </p:cBhvr>
-                                      <p:to>
-                                        <p:strVal val="hidden"/>
-                                      </p:to>
-                                    </p:set>
-                                  </p:childTnLst>
-                                </p:cTn>
-                              </p:par>
-                              <p:par>
-                                <p:cTn id="31" presetID="1" presetClass="exit" presetSubtype="0" fill="hold" grpId="0" nodeType="withEffect">
-                                  <p:stCondLst>
-                                    <p:cond delay="0"/>
-                                  </p:stCondLst>
-                                  <p:childTnLst>
-                                    <p:set>
-                                      <p:cBhvr>
-                                        <p:cTn id="32" dur="1" fill="hold">
-                                          <p:stCondLst>
-                                            <p:cond delay="0"/>
-                                          </p:stCondLst>
-                                        </p:cTn>
-                                        <p:tgtEl>
-                                          <p:spTgt spid="7"/>
-                                        </p:tgtEl>
-                                        <p:attrNameLst>
-                                          <p:attrName>style.visibility</p:attrName>
-                                        </p:attrNameLst>
-                                      </p:cBhvr>
-                                      <p:to>
-                                        <p:strVal val="hidden"/>
-                                      </p:to>
-                                    </p:set>
-                                  </p:childTnLst>
-                                </p:cTn>
-                              </p:par>
-                              <p:par>
-                                <p:cTn id="33" presetID="1" presetClass="exit" presetSubtype="0" fill="hold" grpId="0" nodeType="withEffect">
-                                  <p:stCondLst>
-                                    <p:cond delay="0"/>
-                                  </p:stCondLst>
-                                  <p:childTnLst>
-                                    <p:set>
-                                      <p:cBhvr>
-                                        <p:cTn id="34" dur="1" fill="hold">
-                                          <p:stCondLst>
-                                            <p:cond delay="0"/>
-                                          </p:stCondLst>
-                                        </p:cTn>
-                                        <p:tgtEl>
-                                          <p:spTgt spid="8"/>
-                                        </p:tgtEl>
-                                        <p:attrNameLst>
-                                          <p:attrName>style.visibility</p:attrName>
-                                        </p:attrNameLst>
-                                      </p:cBhvr>
-                                      <p:to>
-                                        <p:strVal val="hidden"/>
-                                      </p:to>
-                                    </p:set>
-                                  </p:childTnLst>
-                                </p:cTn>
-                              </p:par>
-                              <p:par>
-                                <p:cTn id="35" presetID="1" presetClass="exit" presetSubtype="0" fill="hold" grpId="0" nodeType="withEffect">
-                                  <p:stCondLst>
-                                    <p:cond delay="0"/>
-                                  </p:stCondLst>
-                                  <p:childTnLst>
-                                    <p:set>
-                                      <p:cBhvr>
-                                        <p:cTn id="36" dur="1" fill="hold">
-                                          <p:stCondLst>
-                                            <p:cond delay="0"/>
-                                          </p:stCondLst>
-                                        </p:cTn>
-                                        <p:tgtEl>
-                                          <p:spTgt spid="9"/>
-                                        </p:tgtEl>
-                                        <p:attrNameLst>
-                                          <p:attrName>style.visibility</p:attrName>
-                                        </p:attrNameLst>
-                                      </p:cBhvr>
-                                      <p:to>
-                                        <p:strVal val="hidden"/>
-                                      </p:to>
-                                    </p:set>
-                                  </p:childTnLst>
-                                </p:cTn>
-                              </p:par>
-                              <p:par>
-                                <p:cTn id="37" presetID="1" presetClass="exit" presetSubtype="0" fill="hold" grpId="0" nodeType="withEffect">
-                                  <p:stCondLst>
-                                    <p:cond delay="0"/>
-                                  </p:stCondLst>
-                                  <p:childTnLst>
-                                    <p:set>
-                                      <p:cBhvr>
-                                        <p:cTn id="38" dur="1" fill="hold">
-                                          <p:stCondLst>
-                                            <p:cond delay="0"/>
-                                          </p:stCondLst>
-                                        </p:cTn>
-                                        <p:tgtEl>
-                                          <p:spTgt spid="10"/>
-                                        </p:tgtEl>
-                                        <p:attrNameLst>
-                                          <p:attrName>style.visibility</p:attrName>
-                                        </p:attrNameLst>
-                                      </p:cBhvr>
-                                      <p:to>
-                                        <p:strVal val="hidden"/>
-                                      </p:to>
-                                    </p:set>
-                                  </p:childTnLst>
-                                </p:cTn>
-                              </p:par>
-                              <p:par>
-                                <p:cTn id="39" presetID="1" presetClass="exit" presetSubtype="0" fill="hold" nodeType="withEffect">
-                                  <p:stCondLst>
-                                    <p:cond delay="0"/>
-                                  </p:stCondLst>
-                                  <p:childTnLst>
-                                    <p:set>
-                                      <p:cBhvr>
-                                        <p:cTn id="40" dur="1" fill="hold">
-                                          <p:stCondLst>
-                                            <p:cond delay="0"/>
-                                          </p:stCondLst>
-                                        </p:cTn>
-                                        <p:tgtEl>
-                                          <p:spTgt spid="2"/>
-                                        </p:tgtEl>
-                                        <p:attrNameLst>
-                                          <p:attrName>style.visibility</p:attrName>
-                                        </p:attrNameLst>
-                                      </p:cBhvr>
-                                      <p:to>
-                                        <p:strVal val="hidden"/>
-                                      </p:to>
-                                    </p:set>
-                                  </p:childTnLst>
-                                </p:cTn>
-                              </p:par>
-                              <p:par>
-                                <p:cTn id="41" presetID="1" presetClass="exit" presetSubtype="0" fill="hold" grpId="0" nodeType="withEffect">
-                                  <p:stCondLst>
-                                    <p:cond delay="0"/>
-                                  </p:stCondLst>
-                                  <p:childTnLst>
-                                    <p:set>
-                                      <p:cBhvr>
-                                        <p:cTn id="42" dur="1" fill="hold">
-                                          <p:stCondLst>
-                                            <p:cond delay="0"/>
-                                          </p:stCondLst>
-                                        </p:cTn>
-                                        <p:tgtEl>
-                                          <p:spTgt spid="17"/>
-                                        </p:tgtEl>
-                                        <p:attrNameLst>
-                                          <p:attrName>style.visibility</p:attrName>
-                                        </p:attrNameLst>
-                                      </p:cBhvr>
-                                      <p:to>
-                                        <p:strVal val="hidden"/>
-                                      </p:to>
-                                    </p:set>
-                                  </p:childTnLst>
-                                </p:cTn>
-                              </p:par>
-                              <p:par>
-                                <p:cTn id="43" presetID="1" presetClass="exit" presetSubtype="0" fill="hold" grpId="0" nodeType="withEffect">
-                                  <p:stCondLst>
-                                    <p:cond delay="0"/>
-                                  </p:stCondLst>
-                                  <p:childTnLst>
-                                    <p:set>
-                                      <p:cBhvr>
-                                        <p:cTn id="44" dur="1" fill="hold">
-                                          <p:stCondLst>
-                                            <p:cond delay="0"/>
-                                          </p:stCondLst>
-                                        </p:cTn>
-                                        <p:tgtEl>
-                                          <p:spTgt spid="18"/>
-                                        </p:tgtEl>
-                                        <p:attrNameLst>
-                                          <p:attrName>style.visibility</p:attrName>
-                                        </p:attrNameLst>
-                                      </p:cBhvr>
-                                      <p:to>
-                                        <p:strVal val="hidden"/>
-                                      </p:to>
-                                    </p:set>
-                                  </p:childTnLst>
-                                </p:cTn>
-                              </p:par>
-                              <p:par>
-                                <p:cTn id="45" presetID="1" presetClass="exit" presetSubtype="0" fill="hold" grpId="0" nodeType="withEffect">
-                                  <p:stCondLst>
-                                    <p:cond delay="0"/>
-                                  </p:stCondLst>
-                                  <p:childTnLst>
-                                    <p:set>
-                                      <p:cBhvr>
-                                        <p:cTn id="46" dur="1" fill="hold">
-                                          <p:stCondLst>
-                                            <p:cond delay="0"/>
-                                          </p:stCondLst>
-                                        </p:cTn>
-                                        <p:tgtEl>
-                                          <p:spTgt spid="19"/>
-                                        </p:tgtEl>
-                                        <p:attrNameLst>
-                                          <p:attrName>style.visibility</p:attrName>
-                                        </p:attrNameLst>
-                                      </p:cBhvr>
-                                      <p:to>
-                                        <p:strVal val="hidden"/>
-                                      </p:to>
-                                    </p:set>
-                                  </p:childTnLst>
-                                </p:cTn>
-                              </p:par>
-                              <p:par>
-                                <p:cTn id="47" presetID="1" presetClass="exit" presetSubtype="0" fill="hold" grpId="0" nodeType="withEffect">
-                                  <p:stCondLst>
-                                    <p:cond delay="0"/>
-                                  </p:stCondLst>
-                                  <p:childTnLst>
-                                    <p:set>
-                                      <p:cBhvr>
-                                        <p:cTn id="48" dur="1" fill="hold">
-                                          <p:stCondLst>
-                                            <p:cond delay="0"/>
-                                          </p:stCondLst>
-                                        </p:cTn>
-                                        <p:tgtEl>
-                                          <p:spTgt spid="20"/>
-                                        </p:tgtEl>
-                                        <p:attrNameLst>
-                                          <p:attrName>style.visibility</p:attrName>
-                                        </p:attrNameLst>
-                                      </p:cBhvr>
-                                      <p:to>
-                                        <p:strVal val="hidden"/>
-                                      </p:to>
-                                    </p:set>
-                                  </p:childTnLst>
-                                </p:cTn>
-                              </p:par>
-                              <p:par>
-                                <p:cTn id="49" presetID="1" presetClass="exit" presetSubtype="0" fill="hold" grpId="0" nodeType="withEffect">
-                                  <p:stCondLst>
-                                    <p:cond delay="0"/>
-                                  </p:stCondLst>
-                                  <p:childTnLst>
-                                    <p:set>
-                                      <p:cBhvr>
-                                        <p:cTn id="50" dur="1" fill="hold">
-                                          <p:stCondLst>
-                                            <p:cond delay="0"/>
-                                          </p:stCondLst>
-                                        </p:cTn>
-                                        <p:tgtEl>
-                                          <p:spTgt spid="21"/>
-                                        </p:tgtEl>
-                                        <p:attrNameLst>
-                                          <p:attrName>style.visibility</p:attrName>
-                                        </p:attrNameLst>
-                                      </p:cBhvr>
-                                      <p:to>
-                                        <p:strVal val="hidden"/>
-                                      </p:to>
-                                    </p:set>
-                                  </p:childTnLst>
-                                </p:cTn>
-                              </p:par>
-                              <p:par>
-                                <p:cTn id="51" presetID="1" presetClass="exit" presetSubtype="0" fill="hold" grpId="0" nodeType="withEffect">
-                                  <p:stCondLst>
-                                    <p:cond delay="0"/>
-                                  </p:stCondLst>
-                                  <p:childTnLst>
-                                    <p:set>
-                                      <p:cBhvr>
-                                        <p:cTn id="52" dur="1" fill="hold">
-                                          <p:stCondLst>
-                                            <p:cond delay="0"/>
-                                          </p:stCondLst>
-                                        </p:cTn>
-                                        <p:tgtEl>
-                                          <p:spTgt spid="22"/>
-                                        </p:tgtEl>
-                                        <p:attrNameLst>
-                                          <p:attrName>style.visibility</p:attrName>
-                                        </p:attrNameLst>
-                                      </p:cBhvr>
-                                      <p:to>
-                                        <p:strVal val="hidden"/>
-                                      </p:to>
-                                    </p:set>
-                                  </p:childTnLst>
-                                </p:cTn>
-                              </p:par>
-                              <p:par>
-                                <p:cTn id="53" presetID="1" presetClass="exit" presetSubtype="0" fill="hold" grpId="0" nodeType="withEffect">
-                                  <p:stCondLst>
-                                    <p:cond delay="0"/>
-                                  </p:stCondLst>
-                                  <p:childTnLst>
-                                    <p:set>
-                                      <p:cBhvr>
-                                        <p:cTn id="54" dur="1" fill="hold">
-                                          <p:stCondLst>
-                                            <p:cond delay="0"/>
-                                          </p:stCondLst>
-                                        </p:cTn>
-                                        <p:tgtEl>
-                                          <p:spTgt spid="23"/>
-                                        </p:tgtEl>
-                                        <p:attrNameLst>
-                                          <p:attrName>style.visibility</p:attrName>
-                                        </p:attrNameLst>
-                                      </p:cBhvr>
-                                      <p:to>
-                                        <p:strVal val="hidden"/>
-                                      </p:to>
-                                    </p:set>
-                                  </p:childTnLst>
-                                </p:cTn>
-                              </p:par>
-                              <p:par>
-                                <p:cTn id="55" presetID="1" presetClass="exit" presetSubtype="0" fill="hold" grpId="1" nodeType="withEffect">
-                                  <p:stCondLst>
-                                    <p:cond delay="0"/>
-                                  </p:stCondLst>
-                                  <p:childTnLst>
-                                    <p:set>
-                                      <p:cBhvr>
-                                        <p:cTn id="56" dur="1" fill="hold">
-                                          <p:stCondLst>
-                                            <p:cond delay="0"/>
-                                          </p:stCondLst>
-                                        </p:cTn>
-                                        <p:tgtEl>
-                                          <p:spTgt spid="24"/>
-                                        </p:tgtEl>
-                                        <p:attrNameLst>
-                                          <p:attrName>style.visibility</p:attrName>
-                                        </p:attrNameLst>
-                                      </p:cBhvr>
-                                      <p:to>
-                                        <p:strVal val="hidden"/>
-                                      </p:to>
-                                    </p:set>
-                                  </p:childTnLst>
-                                </p:cTn>
-                              </p:par>
-                              <p:par>
-                                <p:cTn id="57" presetID="1" presetClass="exit" presetSubtype="0" fill="hold" grpId="1" nodeType="withEffect">
-                                  <p:stCondLst>
-                                    <p:cond delay="0"/>
-                                  </p:stCondLst>
-                                  <p:childTnLst>
-                                    <p:set>
-                                      <p:cBhvr>
-                                        <p:cTn id="58" dur="1" fill="hold">
-                                          <p:stCondLst>
-                                            <p:cond delay="0"/>
-                                          </p:stCondLst>
-                                        </p:cTn>
-                                        <p:tgtEl>
-                                          <p:spTgt spid="25"/>
-                                        </p:tgtEl>
-                                        <p:attrNameLst>
-                                          <p:attrName>style.visibility</p:attrName>
-                                        </p:attrNameLst>
-                                      </p:cBhvr>
-                                      <p:to>
-                                        <p:strVal val="hidden"/>
-                                      </p:to>
-                                    </p:set>
-                                  </p:childTnLst>
-                                </p:cTn>
-                              </p:par>
-                              <p:par>
-                                <p:cTn id="59" presetID="1" presetClass="exit" presetSubtype="0" fill="hold" grpId="1" nodeType="withEffect">
-                                  <p:stCondLst>
-                                    <p:cond delay="0"/>
-                                  </p:stCondLst>
-                                  <p:childTnLst>
-                                    <p:set>
-                                      <p:cBhvr>
-                                        <p:cTn id="60" dur="1" fill="hold">
-                                          <p:stCondLst>
-                                            <p:cond delay="0"/>
-                                          </p:stCondLst>
-                                        </p:cTn>
-                                        <p:tgtEl>
-                                          <p:spTgt spid="26"/>
-                                        </p:tgtEl>
-                                        <p:attrNameLst>
-                                          <p:attrName>style.visibility</p:attrName>
-                                        </p:attrNameLst>
-                                      </p:cBhvr>
-                                      <p:to>
-                                        <p:strVal val="hidden"/>
-                                      </p:to>
-                                    </p:set>
-                                  </p:childTnLst>
-                                </p:cTn>
-                              </p:par>
-                              <p:par>
-                                <p:cTn id="61" presetID="1" presetClass="exit" presetSubtype="0" fill="hold" grpId="1" nodeType="withEffect">
-                                  <p:stCondLst>
-                                    <p:cond delay="0"/>
-                                  </p:stCondLst>
-                                  <p:childTnLst>
-                                    <p:set>
-                                      <p:cBhvr>
-                                        <p:cTn id="62" dur="1" fill="hold">
-                                          <p:stCondLst>
-                                            <p:cond delay="0"/>
-                                          </p:stCondLst>
-                                        </p:cTn>
-                                        <p:tgtEl>
-                                          <p:spTgt spid="27"/>
-                                        </p:tgtEl>
-                                        <p:attrNameLst>
-                                          <p:attrName>style.visibility</p:attrName>
-                                        </p:attrNameLst>
-                                      </p:cBhvr>
-                                      <p:to>
-                                        <p:strVal val="hidden"/>
-                                      </p:to>
-                                    </p:set>
-                                  </p:childTnLst>
-                                </p:cTn>
-                              </p:par>
-                              <p:par>
-                                <p:cTn id="63" presetID="1" presetClass="exit" presetSubtype="0" fill="hold" grpId="1" nodeType="withEffect">
-                                  <p:stCondLst>
-                                    <p:cond delay="0"/>
-                                  </p:stCondLst>
-                                  <p:childTnLst>
-                                    <p:set>
-                                      <p:cBhvr>
-                                        <p:cTn id="64" dur="1" fill="hold">
-                                          <p:stCondLst>
-                                            <p:cond delay="0"/>
-                                          </p:stCondLst>
-                                        </p:cTn>
-                                        <p:tgtEl>
-                                          <p:spTgt spid="29"/>
-                                        </p:tgtEl>
-                                        <p:attrNameLst>
-                                          <p:attrName>style.visibility</p:attrName>
-                                        </p:attrNameLst>
-                                      </p:cBhvr>
-                                      <p:to>
-                                        <p:strVal val="hidden"/>
-                                      </p:to>
-                                    </p:set>
-                                  </p:childTnLst>
-                                </p:cTn>
-                              </p:par>
-                              <p:par>
-                                <p:cTn id="65" presetID="1" presetClass="exit" presetSubtype="0" fill="hold" grpId="1" nodeType="withEffect">
-                                  <p:stCondLst>
-                                    <p:cond delay="0"/>
-                                  </p:stCondLst>
-                                  <p:childTnLst>
-                                    <p:set>
-                                      <p:cBhvr>
-                                        <p:cTn id="66" dur="1" fill="hold">
-                                          <p:stCondLst>
-                                            <p:cond delay="0"/>
-                                          </p:stCondLst>
-                                        </p:cTn>
-                                        <p:tgtEl>
-                                          <p:spTgt spid="35"/>
-                                        </p:tgtEl>
-                                        <p:attrNameLst>
-                                          <p:attrName>style.visibility</p:attrName>
-                                        </p:attrNameLst>
-                                      </p:cBhvr>
-                                      <p:to>
-                                        <p:strVal val="hidden"/>
-                                      </p:to>
-                                    </p:set>
-                                  </p:childTnLst>
-                                </p:cTn>
-                              </p:par>
-                              <p:par>
-                                <p:cTn id="67" presetID="1" presetClass="exit" presetSubtype="0" fill="hold" grpId="1" nodeType="withEffect">
-                                  <p:stCondLst>
-                                    <p:cond delay="0"/>
-                                  </p:stCondLst>
-                                  <p:childTnLst>
-                                    <p:set>
-                                      <p:cBhvr>
-                                        <p:cTn id="68" dur="1" fill="hold">
-                                          <p:stCondLst>
-                                            <p:cond delay="0"/>
-                                          </p:stCondLst>
-                                        </p:cTn>
-                                        <p:tgtEl>
-                                          <p:spTgt spid="36"/>
-                                        </p:tgtEl>
-                                        <p:attrNameLst>
-                                          <p:attrName>style.visibility</p:attrName>
-                                        </p:attrNameLst>
-                                      </p:cBhvr>
-                                      <p:to>
-                                        <p:strVal val="hidden"/>
-                                      </p:to>
-                                    </p:set>
-                                  </p:childTnLst>
-                                </p:cTn>
-                              </p:par>
-                              <p:par>
-                                <p:cTn id="69" presetID="1" presetClass="exit" presetSubtype="0" fill="hold" grpId="1" nodeType="withEffect">
-                                  <p:stCondLst>
-                                    <p:cond delay="0"/>
-                                  </p:stCondLst>
-                                  <p:childTnLst>
-                                    <p:set>
-                                      <p:cBhvr>
-                                        <p:cTn id="70" dur="1" fill="hold">
-                                          <p:stCondLst>
-                                            <p:cond delay="0"/>
-                                          </p:stCondLst>
-                                        </p:cTn>
-                                        <p:tgtEl>
-                                          <p:spTgt spid="37"/>
-                                        </p:tgtEl>
-                                        <p:attrNameLst>
-                                          <p:attrName>style.visibility</p:attrName>
-                                        </p:attrNameLst>
-                                      </p:cBhvr>
-                                      <p:to>
-                                        <p:strVal val="hidden"/>
-                                      </p:to>
-                                    </p:set>
-                                  </p:childTnLst>
-                                </p:cTn>
-                              </p:par>
-                              <p:par>
-                                <p:cTn id="71" presetID="1" presetClass="exit" presetSubtype="0" fill="hold" grpId="0" nodeType="withEffect">
-                                  <p:stCondLst>
-                                    <p:cond delay="0"/>
-                                  </p:stCondLst>
-                                  <p:childTnLst>
-                                    <p:set>
-                                      <p:cBhvr>
-                                        <p:cTn id="72" dur="1" fill="hold">
-                                          <p:stCondLst>
-                                            <p:cond delay="0"/>
-                                          </p:stCondLst>
-                                        </p:cTn>
-                                        <p:tgtEl>
-                                          <p:spTgt spid="39"/>
-                                        </p:tgtEl>
-                                        <p:attrNameLst>
-                                          <p:attrName>style.visibility</p:attrName>
-                                        </p:attrNameLst>
-                                      </p:cBhvr>
-                                      <p:to>
-                                        <p:strVal val="hidden"/>
-                                      </p:to>
-                                    </p:set>
-                                  </p:childTnLst>
-                                </p:cTn>
-                              </p:par>
-                              <p:par>
-                                <p:cTn id="73" presetID="1" presetClass="exit" presetSubtype="0" fill="hold" grpId="0" nodeType="withEffect">
-                                  <p:stCondLst>
-                                    <p:cond delay="0"/>
-                                  </p:stCondLst>
-                                  <p:childTnLst>
-                                    <p:set>
-                                      <p:cBhvr>
-                                        <p:cTn id="74" dur="1" fill="hold">
-                                          <p:stCondLst>
-                                            <p:cond delay="0"/>
-                                          </p:stCondLst>
-                                        </p:cTn>
-                                        <p:tgtEl>
-                                          <p:spTgt spid="32"/>
-                                        </p:tgtEl>
-                                        <p:attrNameLst>
-                                          <p:attrName>style.visibility</p:attrName>
-                                        </p:attrNameLst>
-                                      </p:cBhvr>
-                                      <p:to>
-                                        <p:strVal val="hidden"/>
-                                      </p:to>
-                                    </p:set>
-                                  </p:childTnLst>
-                                </p:cTn>
-                              </p:par>
-                              <p:par>
-                                <p:cTn id="75" presetID="1" presetClass="exit" presetSubtype="0" fill="hold" grpId="0" nodeType="withEffect">
-                                  <p:stCondLst>
-                                    <p:cond delay="0"/>
-                                  </p:stCondLst>
-                                  <p:childTnLst>
-                                    <p:set>
-                                      <p:cBhvr>
-                                        <p:cTn id="76" dur="1" fill="hold">
-                                          <p:stCondLst>
-                                            <p:cond delay="0"/>
-                                          </p:stCondLst>
-                                        </p:cTn>
-                                        <p:tgtEl>
-                                          <p:spTgt spid="33"/>
-                                        </p:tgtEl>
-                                        <p:attrNameLst>
-                                          <p:attrName>style.visibility</p:attrName>
-                                        </p:attrNameLst>
-                                      </p:cBhvr>
-                                      <p:to>
-                                        <p:strVal val="hidden"/>
-                                      </p:to>
-                                    </p:set>
-                                  </p:childTnLst>
-                                </p:cTn>
-                              </p:par>
-                              <p:par>
-                                <p:cTn id="77" presetID="1" presetClass="exit" presetSubtype="0" fill="hold" grpId="0" nodeType="withEffect">
-                                  <p:stCondLst>
-                                    <p:cond delay="0"/>
-                                  </p:stCondLst>
-                                  <p:childTnLst>
-                                    <p:set>
-                                      <p:cBhvr>
-                                        <p:cTn id="78" dur="1" fill="hold">
-                                          <p:stCondLst>
-                                            <p:cond delay="0"/>
-                                          </p:stCondLst>
-                                        </p:cTn>
-                                        <p:tgtEl>
-                                          <p:spTgt spid="34"/>
-                                        </p:tgtEl>
-                                        <p:attrNameLst>
-                                          <p:attrName>style.visibility</p:attrName>
-                                        </p:attrNameLst>
-                                      </p:cBhvr>
-                                      <p:to>
-                                        <p:strVal val="hidden"/>
-                                      </p:to>
-                                    </p:set>
-                                  </p:childTnLst>
-                                </p:cTn>
-                              </p:par>
-                              <p:par>
-                                <p:cTn id="79" presetID="1" presetClass="exit" presetSubtype="0" fill="hold" grpId="0" nodeType="withEffect">
-                                  <p:stCondLst>
-                                    <p:cond delay="0"/>
-                                  </p:stCondLst>
-                                  <p:childTnLst>
-                                    <p:set>
-                                      <p:cBhvr>
-                                        <p:cTn id="80" dur="1" fill="hold">
-                                          <p:stCondLst>
-                                            <p:cond delay="0"/>
-                                          </p:stCondLst>
-                                        </p:cTn>
-                                        <p:tgtEl>
-                                          <p:spTgt spid="38"/>
-                                        </p:tgtEl>
-                                        <p:attrNameLst>
-                                          <p:attrName>style.visibility</p:attrName>
-                                        </p:attrNameLst>
-                                      </p:cBhvr>
-                                      <p:to>
-                                        <p:strVal val="hidden"/>
-                                      </p:to>
-                                    </p:set>
-                                  </p:childTnLst>
-                                </p:cTn>
-                              </p:par>
-                              <p:par>
-                                <p:cTn id="81" presetID="1" presetClass="exit" presetSubtype="0" fill="hold" grpId="0" nodeType="withEffect">
-                                  <p:stCondLst>
-                                    <p:cond delay="0"/>
-                                  </p:stCondLst>
-                                  <p:childTnLst>
-                                    <p:set>
-                                      <p:cBhvr>
-                                        <p:cTn id="82" dur="1" fill="hold">
-                                          <p:stCondLst>
-                                            <p:cond delay="0"/>
-                                          </p:stCondLst>
-                                        </p:cTn>
-                                        <p:tgtEl>
-                                          <p:spTgt spid="40"/>
-                                        </p:tgtEl>
-                                        <p:attrNameLst>
-                                          <p:attrName>style.visibility</p:attrName>
-                                        </p:attrNameLst>
-                                      </p:cBhvr>
-                                      <p:to>
-                                        <p:strVal val="hidden"/>
-                                      </p:to>
-                                    </p:set>
-                                  </p:childTnLst>
-                                </p:cTn>
-                              </p:par>
-                              <p:par>
-                                <p:cTn id="83" presetID="1" presetClass="exit" presetSubtype="0" fill="hold" grpId="0" nodeType="withEffect">
-                                  <p:stCondLst>
-                                    <p:cond delay="0"/>
-                                  </p:stCondLst>
-                                  <p:childTnLst>
-                                    <p:set>
-                                      <p:cBhvr>
-                                        <p:cTn id="84" dur="1" fill="hold">
-                                          <p:stCondLst>
-                                            <p:cond delay="0"/>
-                                          </p:stCondLst>
-                                        </p:cTn>
-                                        <p:tgtEl>
-                                          <p:spTgt spid="41"/>
-                                        </p:tgtEl>
-                                        <p:attrNameLst>
-                                          <p:attrName>style.visibility</p:attrName>
-                                        </p:attrNameLst>
-                                      </p:cBhvr>
-                                      <p:to>
-                                        <p:strVal val="hidden"/>
-                                      </p:to>
-                                    </p:set>
-                                  </p:childTnLst>
-                                </p:cTn>
-                              </p:par>
-                            </p:childTnLst>
-                          </p:cTn>
-                        </p:par>
-                      </p:childTnLst>
-                    </p:cTn>
-                  </p:par>
-                </p:childTnLst>
-              </p:cTn>
-              <p:prevCondLst>
-                <p:cond evt="onPrev" delay="0">
-                  <p:tgtEl>
-                    <p:sldTgt/>
-                  </p:tgtEl>
-                </p:cond>
-              </p:prevCondLst>
-              <p:nextCondLst>
-                <p:cond evt="onNext" delay="0">
-                  <p:tgtEl>
-                    <p:sldTgt/>
-                  </p:tgtEl>
-                </p:cond>
-              </p:nextCondLst>
-            </p:seq>
-          </p:childTnLst>
-        </p:cTn>
-      </p:par>
-    </p:tnLst>
-    <p:bldLst>
-      <p:bldP spid="4" grpId="0" animBg="1"/>
-      <p:bldP spid="5" grpId="0" animBg="1"/>
-      <p:bldP spid="6" grpId="0" animBg="1"/>
-      <p:bldP spid="7" grpId="0" animBg="1"/>
-      <p:bldP spid="8" grpId="0" animBg="1"/>
-      <p:bldP spid="9" grpId="0"/>
-      <p:bldP spid="10" grpId="0"/>
-      <p:bldP spid="17" grpId="0" animBg="1"/>
-      <p:bldP spid="18" grpId="0" animBg="1"/>
-      <p:bldP spid="19" grpId="0" animBg="1"/>
-      <p:bldP spid="20" grpId="0" animBg="1"/>
-      <p:bldP spid="21" grpId="0"/>
-      <p:bldP spid="22" grpId="0" animBg="1"/>
-      <p:bldP spid="23" grpId="0" animBg="1"/>
-      <p:bldP spid="24" grpId="0" animBg="1"/>
-      <p:bldP spid="24" grpId="1" animBg="1"/>
-      <p:bldP spid="25" grpId="0"/>
-      <p:bldP spid="25" grpId="1"/>
-      <p:bldP spid="26" grpId="0" animBg="1"/>
-      <p:bldP spid="26" grpId="1" animBg="1"/>
-      <p:bldP spid="27" grpId="0" animBg="1"/>
-      <p:bldP spid="27" grpId="1" animBg="1"/>
-      <p:bldP spid="29" grpId="0"/>
-      <p:bldP spid="29" grpId="1"/>
-      <p:bldP spid="35" grpId="0" animBg="1"/>
-      <p:bldP spid="35" grpId="1" animBg="1"/>
-      <p:bldP spid="36" grpId="0" animBg="1"/>
-      <p:bldP spid="36" grpId="1" animBg="1"/>
-      <p:bldP spid="37" grpId="0"/>
-      <p:bldP spid="37" grpId="1"/>
-      <p:bldP spid="39" grpId="0"/>
-      <p:bldP spid="32" grpId="0" animBg="1"/>
-      <p:bldP spid="33" grpId="0" animBg="1"/>
-      <p:bldP spid="34" grpId="0" animBg="1"/>
-      <p:bldP spid="38" grpId="0"/>
-      <p:bldP spid="40" grpId="0" animBg="1"/>
-      <p:bldP spid="41" grpId="0" animBg="1"/>
-    </p:bldLst>
-  </p:timing>
-</p:sld>
-</file>
-
-<file path=ppt/slides/slide17.xml><?xml version="1.0" encoding="utf-8"?>
+<file path=ppt/slides/slide18.xml><?xml version="1.0" encoding="utf-8"?>
 <p:sld xmlns:a="http://schemas.openxmlformats.org/drawingml/2006/main" xmlns:r="http://schemas.openxmlformats.org/officeDocument/2006/relationships" xmlns:p="http://schemas.openxmlformats.org/presentationml/2006/main">
   <p:cSld>
     <p:spTree>
@@ -30305,7 +31820,7 @@
               </a:spcBef>
             </a:pPr>
             <a:r>
-              <a:rPr lang="en-US" sz="1400" dirty="0" err="1">
+              <a:rPr lang="en-US" sz="1400" dirty="0">
                 <a:solidFill>
                   <a:schemeClr val="accent1"/>
                 </a:solidFill>
@@ -30314,13 +31829,6 @@
               </a:rPr>
               <a:t>CommandResult</a:t>
             </a:r>
-            <a:endParaRPr lang="en-US" sz="1400" dirty="0">
-              <a:solidFill>
-                <a:schemeClr val="accent1"/>
-              </a:solidFill>
-              <a:latin typeface="Courier New" pitchFamily="49" charset="0"/>
-              <a:cs typeface="Courier New" pitchFamily="49" charset="0"/>
-            </a:endParaRPr>
           </a:p>
         </p:txBody>
       </p:sp>
@@ -33771,7 +35279,7 @@
               <a:defRPr/>
             </a:pPr>
             <a:r>
-              <a:rPr lang="en-US" sz="2000" kern="0" dirty="0" err="1">
+              <a:rPr lang="en-US" sz="2000" kern="0" dirty="0">
                 <a:solidFill>
                   <a:sysClr val="windowText" lastClr="000000"/>
                 </a:solidFill>
@@ -33779,12 +35287,6 @@
               </a:rPr>
               <a:t>CommandResult</a:t>
             </a:r>
-            <a:endParaRPr lang="en-US" sz="2000" kern="0" dirty="0">
-              <a:solidFill>
-                <a:sysClr val="windowText" lastClr="000000"/>
-              </a:solidFill>
-              <a:latin typeface="Calibri"/>
-            </a:endParaRPr>
           </a:p>
         </p:txBody>
       </p:sp>
@@ -34086,25 +35588,7 @@
                 </a:solidFill>
                 <a:latin typeface="Calibri"/>
               </a:rPr>
-              <a:t>(</a:t>
-            </a:r>
-            <a:r>
-              <a:rPr lang="en-US" sz="1200" kern="0" dirty="0" err="1">
-                <a:solidFill>
-                  <a:sysClr val="windowText" lastClr="000000"/>
-                </a:solidFill>
-                <a:latin typeface="Calibri"/>
-              </a:rPr>
-              <a:t>CommandResult</a:t>
-            </a:r>
-            <a:r>
-              <a:rPr lang="en-US" sz="1200" kern="0" dirty="0">
-                <a:solidFill>
-                  <a:sysClr val="windowText" lastClr="000000"/>
-                </a:solidFill>
-                <a:latin typeface="Calibri"/>
-              </a:rPr>
-              <a:t>)</a:t>
+              <a:t>(CommandResult)</a:t>
             </a:r>
           </a:p>
         </p:txBody>
@@ -39206,18 +40690,13 @@
                 <a:defRPr/>
               </a:pPr>
               <a:r>
-                <a:rPr lang="en-US" sz="1600" kern="0" dirty="0" err="1">
+                <a:rPr lang="en-US" sz="1600" kern="0" dirty="0">
                   <a:solidFill>
                     <a:sysClr val="windowText" lastClr="000000"/>
                   </a:solidFill>
                 </a:rPr>
                 <a:t>CommandResult</a:t>
               </a:r>
-              <a:endParaRPr lang="en-US" sz="1600" kern="0" dirty="0">
-                <a:solidFill>
-                  <a:sysClr val="windowText" lastClr="000000"/>
-                </a:solidFill>
-              </a:endParaRPr>
             </a:p>
           </p:txBody>
         </p:sp>
@@ -39405,23 +40884,7 @@
                     <a:sysClr val="windowText" lastClr="000000"/>
                   </a:solidFill>
                 </a:rPr>
-                <a:t>+ </a:t>
-              </a:r>
-              <a:r>
-                <a:rPr lang="en-US" sz="1600" kern="0" dirty="0" err="1">
-                  <a:solidFill>
-                    <a:sysClr val="windowText" lastClr="000000"/>
-                  </a:solidFill>
-                </a:rPr>
-                <a:t>CommandResult</a:t>
-              </a:r>
-              <a:r>
-                <a:rPr lang="en-US" sz="1600" kern="0" dirty="0">
-                  <a:solidFill>
-                    <a:sysClr val="windowText" lastClr="000000"/>
-                  </a:solidFill>
-                </a:rPr>
-                <a:t> (feedback : String)</a:t>
+                <a:t>+ CommandResult (feedback : String)</a:t>
               </a:r>
             </a:p>
           </p:txBody>
@@ -40079,23 +41542,7 @@
                     <a:sysClr val="windowText" lastClr="000000"/>
                   </a:solidFill>
                 </a:rPr>
-                <a:t>+ execute() : </a:t>
-              </a:r>
-              <a:r>
-                <a:rPr lang="en-US" sz="1600" kern="0" dirty="0" err="1">
-                  <a:solidFill>
-                    <a:sysClr val="windowText" lastClr="000000"/>
-                  </a:solidFill>
-                </a:rPr>
-                <a:t>CommandResult</a:t>
-              </a:r>
-              <a:r>
-                <a:rPr lang="en-US" sz="1600" kern="0" dirty="0">
-                  <a:solidFill>
-                    <a:sysClr val="windowText" lastClr="000000"/>
-                  </a:solidFill>
-                </a:rPr>
-                <a:t>{</a:t>
+                <a:t>+ execute() : CommandResult{</a:t>
               </a:r>
               <a:r>
                 <a:rPr lang="en-US" sz="1600" kern="0" dirty="0" err="1">
@@ -40464,21 +41911,8 @@
                     <a:sysClr val="windowText" lastClr="000000"/>
                   </a:solidFill>
                 </a:rPr>
-                <a:t>+ execute() : </a:t>
+                <a:t>+ execute() : CommandResult</a:t>
               </a:r>
-              <a:r>
-                <a:rPr lang="en-US" sz="1600" kern="0" dirty="0" err="1">
-                  <a:solidFill>
-                    <a:sysClr val="windowText" lastClr="000000"/>
-                  </a:solidFill>
-                </a:rPr>
-                <a:t>CommandResult</a:t>
-              </a:r>
-              <a:endParaRPr lang="en-US" sz="1600" kern="0" dirty="0">
-                <a:solidFill>
-                  <a:sysClr val="windowText" lastClr="000000"/>
-                </a:solidFill>
-              </a:endParaRPr>
             </a:p>
             <a:p>
               <a:pPr>
@@ -42641,15 +44075,7 @@
                   <a:sysClr val="windowText" lastClr="000000"/>
                 </a:solidFill>
               </a:rPr>
-              <a:t>Return </a:t>
-            </a:r>
-            <a:r>
-              <a:rPr lang="en-US" sz="1400" kern="0" dirty="0" err="1">
-                <a:solidFill>
-                  <a:sysClr val="windowText" lastClr="000000"/>
-                </a:solidFill>
-              </a:rPr>
-              <a:t>CommandResult</a:t>
+              <a:t>Return CommandResult</a:t>
             </a:r>
             <a:endParaRPr lang="en-US" sz="2000" kern="0" dirty="0">
               <a:solidFill>
@@ -43682,7 +45108,7 @@
               </a:spcBef>
             </a:pPr>
             <a:r>
-              <a:rPr lang="en-US" sz="1400" dirty="0" err="1">
+              <a:rPr lang="en-US" sz="1400" dirty="0">
                 <a:solidFill>
                   <a:schemeClr val="accent1"/>
                 </a:solidFill>
@@ -43691,13 +45117,6 @@
               </a:rPr>
               <a:t>CommandResult</a:t>
             </a:r>
-            <a:endParaRPr lang="en-US" sz="1400" dirty="0">
-              <a:solidFill>
-                <a:schemeClr val="accent1"/>
-              </a:solidFill>
-              <a:latin typeface="Courier New" pitchFamily="49" charset="0"/>
-              <a:cs typeface="Courier New" pitchFamily="49" charset="0"/>
-            </a:endParaRPr>
           </a:p>
         </p:txBody>
       </p:sp>
